--- a/쇼핑몰.pptx
+++ b/쇼핑몰.pptx
@@ -10,6 +10,12 @@
     <p:sldId id="258" r:id="rId4"/>
     <p:sldId id="259" r:id="rId5"/>
     <p:sldId id="260" r:id="rId6"/>
+    <p:sldId id="261" r:id="rId7"/>
+    <p:sldId id="262" r:id="rId8"/>
+    <p:sldId id="263" r:id="rId9"/>
+    <p:sldId id="264" r:id="rId10"/>
+    <p:sldId id="265" r:id="rId11"/>
+    <p:sldId id="266" r:id="rId12"/>
   </p:sldIdLst>
   <p:sldSz cx="12192000" cy="6858000"/>
   <p:notesSz cx="6858000" cy="9144000"/>
@@ -108,6 +114,11 @@
       </a:defRPr>
     </a:lvl9pPr>
   </p:defaultTextStyle>
+  <p:extLst>
+    <p:ext uri="{EFAFB233-063F-42B5-8137-9DF3F51BA10A}">
+      <p15:sldGuideLst xmlns:p15="http://schemas.microsoft.com/office/powerpoint/2012/main"/>
+    </p:ext>
+  </p:extLst>
 </p:presentation>
 </file>
 
@@ -311,7 +322,7 @@
           <a:p>
             <a:fld id="{48A87A34-81AB-432B-8DAE-1953F412C126}" type="datetimeFigureOut">
               <a:rPr lang="en-US" smtClean="0"/>
-              <a:t>9/24/2022</a:t>
+              <a:t>9/26/2022</a:t>
             </a:fld>
             <a:endParaRPr lang="en-US" dirty="0"/>
           </a:p>
@@ -650,7 +661,7 @@
             <a:fld id="{48A87A34-81AB-432B-8DAE-1953F412C126}" type="datetimeFigureOut">
               <a:rPr lang="en-US" smtClean="0"/>
               <a:pPr/>
-              <a:t>9/24/2022</a:t>
+              <a:t>9/26/2022</a:t>
             </a:fld>
             <a:endParaRPr lang="en-US" dirty="0"/>
           </a:p>
@@ -1053,7 +1064,7 @@
             <a:fld id="{48A87A34-81AB-432B-8DAE-1953F412C126}" type="datetimeFigureOut">
               <a:rPr lang="en-US" smtClean="0"/>
               <a:pPr/>
-              <a:t>9/24/2022</a:t>
+              <a:t>9/26/2022</a:t>
             </a:fld>
             <a:endParaRPr lang="en-US" dirty="0"/>
           </a:p>
@@ -1391,7 +1402,7 @@
             <a:fld id="{48A87A34-81AB-432B-8DAE-1953F412C126}" type="datetimeFigureOut">
               <a:rPr lang="en-US" smtClean="0"/>
               <a:pPr/>
-              <a:t>9/24/2022</a:t>
+              <a:t>9/26/2022</a:t>
             </a:fld>
             <a:endParaRPr lang="en-US" dirty="0"/>
           </a:p>
@@ -1713,7 +1724,7 @@
             <a:fld id="{48A87A34-81AB-432B-8DAE-1953F412C126}" type="datetimeFigureOut">
               <a:rPr lang="en-US" smtClean="0"/>
               <a:pPr/>
-              <a:t>9/24/2022</a:t>
+              <a:t>9/26/2022</a:t>
             </a:fld>
             <a:endParaRPr lang="en-US" dirty="0"/>
           </a:p>
@@ -2111,7 +2122,7 @@
             <a:fld id="{48A87A34-81AB-432B-8DAE-1953F412C126}" type="datetimeFigureOut">
               <a:rPr lang="en-US" smtClean="0"/>
               <a:pPr/>
-              <a:t>9/24/2022</a:t>
+              <a:t>9/26/2022</a:t>
             </a:fld>
             <a:endParaRPr lang="en-US" dirty="0"/>
           </a:p>
@@ -2369,7 +2380,7 @@
           <a:p>
             <a:fld id="{48A87A34-81AB-432B-8DAE-1953F412C126}" type="datetimeFigureOut">
               <a:rPr lang="en-US" smtClean="0"/>
-              <a:t>9/24/2022</a:t>
+              <a:t>9/26/2022</a:t>
             </a:fld>
             <a:endParaRPr lang="en-US" dirty="0"/>
           </a:p>
@@ -2632,7 +2643,7 @@
             <a:fld id="{48A87A34-81AB-432B-8DAE-1953F412C126}" type="datetimeFigureOut">
               <a:rPr lang="en-US" smtClean="0"/>
               <a:pPr/>
-              <a:t>9/24/2022</a:t>
+              <a:t>9/26/2022</a:t>
             </a:fld>
             <a:endParaRPr lang="en-US" dirty="0"/>
           </a:p>
@@ -2894,7 +2905,7 @@
           <a:p>
             <a:fld id="{48A87A34-81AB-432B-8DAE-1953F412C126}" type="datetimeFigureOut">
               <a:rPr lang="en-US" smtClean="0"/>
-              <a:t>9/24/2022</a:t>
+              <a:t>9/26/2022</a:t>
             </a:fld>
             <a:endParaRPr lang="en-US" dirty="0"/>
           </a:p>
@@ -3224,7 +3235,7 @@
             <a:fld id="{48A87A34-81AB-432B-8DAE-1953F412C126}" type="datetimeFigureOut">
               <a:rPr lang="en-US" smtClean="0"/>
               <a:pPr/>
-              <a:t>9/24/2022</a:t>
+              <a:t>9/26/2022</a:t>
             </a:fld>
             <a:endParaRPr lang="en-US" dirty="0"/>
           </a:p>
@@ -3547,7 +3558,7 @@
           <a:p>
             <a:fld id="{48A87A34-81AB-432B-8DAE-1953F412C126}" type="datetimeFigureOut">
               <a:rPr lang="en-US" smtClean="0"/>
-              <a:t>9/24/2022</a:t>
+              <a:t>9/26/2022</a:t>
             </a:fld>
             <a:endParaRPr lang="en-US" dirty="0"/>
           </a:p>
@@ -4004,7 +4015,7 @@
           <a:p>
             <a:fld id="{48A87A34-81AB-432B-8DAE-1953F412C126}" type="datetimeFigureOut">
               <a:rPr lang="en-US" smtClean="0"/>
-              <a:t>9/24/2022</a:t>
+              <a:t>9/26/2022</a:t>
             </a:fld>
             <a:endParaRPr lang="en-US" dirty="0"/>
           </a:p>
@@ -4209,7 +4220,7 @@
           <a:p>
             <a:fld id="{48A87A34-81AB-432B-8DAE-1953F412C126}" type="datetimeFigureOut">
               <a:rPr lang="en-US" smtClean="0"/>
-              <a:t>9/24/2022</a:t>
+              <a:t>9/26/2022</a:t>
             </a:fld>
             <a:endParaRPr lang="en-US" dirty="0"/>
           </a:p>
@@ -4386,7 +4397,7 @@
           <a:p>
             <a:fld id="{48A87A34-81AB-432B-8DAE-1953F412C126}" type="datetimeFigureOut">
               <a:rPr lang="en-US" smtClean="0"/>
-              <a:t>9/24/2022</a:t>
+              <a:t>9/26/2022</a:t>
             </a:fld>
             <a:endParaRPr lang="en-US" dirty="0"/>
           </a:p>
@@ -4719,7 +4730,7 @@
           <a:p>
             <a:fld id="{48A87A34-81AB-432B-8DAE-1953F412C126}" type="datetimeFigureOut">
               <a:rPr lang="en-US" smtClean="0"/>
-              <a:t>9/24/2022</a:t>
+              <a:t>9/26/2022</a:t>
             </a:fld>
             <a:endParaRPr lang="en-US" dirty="0"/>
           </a:p>
@@ -5064,7 +5075,7 @@
           <a:p>
             <a:fld id="{48A87A34-81AB-432B-8DAE-1953F412C126}" type="datetimeFigureOut">
               <a:rPr lang="en-US" smtClean="0"/>
-              <a:t>9/24/2022</a:t>
+              <a:t>9/26/2022</a:t>
             </a:fld>
             <a:endParaRPr lang="en-US" dirty="0"/>
           </a:p>
@@ -7182,7 +7193,7 @@
             <a:fld id="{48A87A34-81AB-432B-8DAE-1953F412C126}" type="datetimeFigureOut">
               <a:rPr lang="en-US" smtClean="0"/>
               <a:pPr/>
-              <a:t>9/24/2022</a:t>
+              <a:t>9/26/2022</a:t>
             </a:fld>
             <a:endParaRPr lang="en-US" dirty="0"/>
           </a:p>
@@ -7805,6 +7816,1007 @@
 </p:sld>
 </file>
 
+<file path=ppt/slides/slide10.xml><?xml version="1.0" encoding="utf-8"?>
+<p:sld xmlns:a="http://schemas.openxmlformats.org/drawingml/2006/main" xmlns:r="http://schemas.openxmlformats.org/officeDocument/2006/relationships" xmlns:p="http://schemas.openxmlformats.org/presentationml/2006/main">
+  <p:cSld>
+    <p:spTree>
+      <p:nvGrpSpPr>
+        <p:cNvPr id="1" name=""/>
+        <p:cNvGrpSpPr/>
+        <p:nvPr/>
+      </p:nvGrpSpPr>
+      <p:grpSpPr>
+        <a:xfrm>
+          <a:off x="0" y="0"/>
+          <a:ext cx="0" cy="0"/>
+          <a:chOff x="0" y="0"/>
+          <a:chExt cx="0" cy="0"/>
+        </a:xfrm>
+      </p:grpSpPr>
+      <p:sp>
+        <p:nvSpPr>
+          <p:cNvPr id="4" name="TextBox 3"/>
+          <p:cNvSpPr txBox="1"/>
+          <p:nvPr/>
+        </p:nvSpPr>
+        <p:spPr>
+          <a:xfrm>
+            <a:off x="1609648" y="652588"/>
+            <a:ext cx="4990469" cy="646331"/>
+          </a:xfrm>
+          <a:prstGeom prst="rect">
+            <a:avLst/>
+          </a:prstGeom>
+          <a:noFill/>
+        </p:spPr>
+        <p:txBody>
+          <a:bodyPr wrap="none" rtlCol="0">
+            <a:spAutoFit/>
+          </a:bodyPr>
+          <a:lstStyle/>
+          <a:p>
+            <a:r>
+              <a:rPr lang="ko-KR" altLang="en-US" sz="3600" b="1" dirty="0" smtClean="0">
+                <a:ln w="12700">
+                  <a:solidFill>
+                    <a:sysClr val="windowText" lastClr="000000"/>
+                  </a:solidFill>
+                </a:ln>
+                <a:latin typeface="나눔고딕" panose="020D0604000000000000" pitchFamily="50" charset="-127"/>
+                <a:ea typeface="나눔고딕" panose="020D0604000000000000" pitchFamily="50" charset="-127"/>
+              </a:rPr>
+              <a:t>메인 </a:t>
+            </a:r>
+            <a:r>
+              <a:rPr lang="ko-KR" altLang="en-US" sz="3600" b="1" dirty="0" smtClean="0">
+                <a:ln w="12700">
+                  <a:solidFill>
+                    <a:sysClr val="windowText" lastClr="000000"/>
+                  </a:solidFill>
+                </a:ln>
+                <a:latin typeface="나눔고딕" panose="020D0604000000000000" pitchFamily="50" charset="-127"/>
+                <a:ea typeface="나눔고딕" panose="020D0604000000000000" pitchFamily="50" charset="-127"/>
+              </a:rPr>
+              <a:t>페이지</a:t>
+            </a:r>
+            <a:r>
+              <a:rPr lang="en-US" altLang="ko-KR" sz="2400" dirty="0" smtClean="0">
+                <a:ln w="12700">
+                  <a:solidFill>
+                    <a:sysClr val="windowText" lastClr="000000"/>
+                  </a:solidFill>
+                </a:ln>
+                <a:latin typeface="나눔고딕" panose="020D0604000000000000" pitchFamily="50" charset="-127"/>
+                <a:ea typeface="나눔고딕" panose="020D0604000000000000" pitchFamily="50" charset="-127"/>
+              </a:rPr>
+              <a:t> (</a:t>
+            </a:r>
+            <a:r>
+              <a:rPr lang="ko-KR" altLang="en-US" sz="2400" dirty="0" smtClean="0">
+                <a:ln w="12700">
+                  <a:solidFill>
+                    <a:sysClr val="windowText" lastClr="000000"/>
+                  </a:solidFill>
+                </a:ln>
+                <a:latin typeface="나눔고딕" panose="020D0604000000000000" pitchFamily="50" charset="-127"/>
+                <a:ea typeface="나눔고딕" panose="020D0604000000000000" pitchFamily="50" charset="-127"/>
+              </a:rPr>
+              <a:t>페이지 실행 화면</a:t>
+            </a:r>
+            <a:r>
+              <a:rPr lang="en-US" altLang="ko-KR" sz="2400" dirty="0" smtClean="0">
+                <a:ln w="12700">
+                  <a:solidFill>
+                    <a:sysClr val="windowText" lastClr="000000"/>
+                  </a:solidFill>
+                </a:ln>
+                <a:latin typeface="나눔고딕" panose="020D0604000000000000" pitchFamily="50" charset="-127"/>
+                <a:ea typeface="나눔고딕" panose="020D0604000000000000" pitchFamily="50" charset="-127"/>
+              </a:rPr>
+              <a:t>)</a:t>
+            </a:r>
+            <a:endParaRPr lang="ko-KR" altLang="en-US" sz="3600" dirty="0">
+              <a:ln w="12700">
+                <a:solidFill>
+                  <a:sysClr val="windowText" lastClr="000000"/>
+                </a:solidFill>
+              </a:ln>
+              <a:latin typeface="나눔고딕" panose="020D0604000000000000" pitchFamily="50" charset="-127"/>
+              <a:ea typeface="나눔고딕" panose="020D0604000000000000" pitchFamily="50" charset="-127"/>
+            </a:endParaRPr>
+          </a:p>
+        </p:txBody>
+      </p:sp>
+      <p:pic>
+        <p:nvPicPr>
+          <p:cNvPr id="2" name="그림 1"/>
+          <p:cNvPicPr>
+            <a:picLocks noChangeAspect="1"/>
+          </p:cNvPicPr>
+          <p:nvPr/>
+        </p:nvPicPr>
+        <p:blipFill>
+          <a:blip r:embed="rId2">
+            <a:extLst>
+              <a:ext uri="{28A0092B-C50C-407E-A947-70E740481C1C}">
+                <a14:useLocalDpi xmlns:a14="http://schemas.microsoft.com/office/drawing/2010/main" val="0"/>
+              </a:ext>
+            </a:extLst>
+          </a:blip>
+          <a:stretch>
+            <a:fillRect/>
+          </a:stretch>
+        </p:blipFill>
+        <p:spPr>
+          <a:xfrm>
+            <a:off x="4822141" y="1524000"/>
+            <a:ext cx="6891118" cy="4895850"/>
+          </a:xfrm>
+          <a:prstGeom prst="rect">
+            <a:avLst/>
+          </a:prstGeom>
+          <a:ln w="28575">
+            <a:solidFill>
+              <a:srgbClr val="FF0000"/>
+            </a:solidFill>
+          </a:ln>
+        </p:spPr>
+      </p:pic>
+      <p:pic>
+        <p:nvPicPr>
+          <p:cNvPr id="6" name="그림 5"/>
+          <p:cNvPicPr>
+            <a:picLocks noChangeAspect="1"/>
+          </p:cNvPicPr>
+          <p:nvPr/>
+        </p:nvPicPr>
+        <p:blipFill rotWithShape="1">
+          <a:blip r:embed="rId3">
+            <a:extLst>
+              <a:ext uri="{28A0092B-C50C-407E-A947-70E740481C1C}">
+                <a14:useLocalDpi xmlns:a14="http://schemas.microsoft.com/office/drawing/2010/main" val="0"/>
+              </a:ext>
+            </a:extLst>
+          </a:blip>
+          <a:srcRect t="5654" b="2756"/>
+          <a:stretch/>
+        </p:blipFill>
+        <p:spPr>
+          <a:xfrm>
+            <a:off x="1385887" y="1866899"/>
+            <a:ext cx="1764507" cy="2493541"/>
+          </a:xfrm>
+          <a:prstGeom prst="rect">
+            <a:avLst/>
+          </a:prstGeom>
+          <a:ln w="28575">
+            <a:solidFill>
+              <a:srgbClr val="FF0000"/>
+            </a:solidFill>
+          </a:ln>
+        </p:spPr>
+      </p:pic>
+      <p:pic>
+        <p:nvPicPr>
+          <p:cNvPr id="8" name="그림 7"/>
+          <p:cNvPicPr>
+            <a:picLocks noChangeAspect="1"/>
+          </p:cNvPicPr>
+          <p:nvPr/>
+        </p:nvPicPr>
+        <p:blipFill>
+          <a:blip r:embed="rId4"/>
+          <a:stretch>
+            <a:fillRect/>
+          </a:stretch>
+        </p:blipFill>
+        <p:spPr>
+          <a:xfrm>
+            <a:off x="1385886" y="4898780"/>
+            <a:ext cx="1764000" cy="1535821"/>
+          </a:xfrm>
+          <a:prstGeom prst="rect">
+            <a:avLst/>
+          </a:prstGeom>
+          <a:ln w="28575">
+            <a:solidFill>
+              <a:srgbClr val="FF0000"/>
+            </a:solidFill>
+          </a:ln>
+        </p:spPr>
+      </p:pic>
+      <p:sp>
+        <p:nvSpPr>
+          <p:cNvPr id="25" name="TextBox 24">
+            <a:extLst>
+              <a:ext uri="{FF2B5EF4-FFF2-40B4-BE49-F238E27FC236}">
+                <a16:creationId xmlns:a16="http://schemas.microsoft.com/office/drawing/2014/main" id="{DDF03BC5-DD7B-457D-9EE7-7A387FFDEECC}"/>
+              </a:ext>
+            </a:extLst>
+          </p:cNvPr>
+          <p:cNvSpPr txBox="1"/>
+          <p:nvPr/>
+        </p:nvSpPr>
+        <p:spPr>
+          <a:xfrm>
+            <a:off x="1371598" y="4554615"/>
+            <a:ext cx="1789200" cy="261610"/>
+          </a:xfrm>
+          <a:prstGeom prst="rect">
+            <a:avLst/>
+          </a:prstGeom>
+          <a:solidFill>
+            <a:schemeClr val="bg1"/>
+          </a:solidFill>
+          <a:ln w="28575">
+            <a:solidFill>
+              <a:srgbClr val="FF0000"/>
+            </a:solidFill>
+          </a:ln>
+        </p:spPr>
+        <p:txBody>
+          <a:bodyPr wrap="square" lIns="72000" rtlCol="0">
+            <a:spAutoFit/>
+          </a:bodyPr>
+          <a:lstStyle/>
+          <a:p>
+            <a:r>
+              <a:rPr lang="en-US" altLang="ko-KR" sz="1100" b="1" spc="-60" dirty="0" err="1" smtClean="0">
+                <a:latin typeface="나눔고딕" panose="020D0604000000000000" pitchFamily="50" charset="-127"/>
+                <a:ea typeface="나눔고딕" panose="020D0604000000000000" pitchFamily="50" charset="-127"/>
+              </a:rPr>
+              <a:t>side_menu</a:t>
+            </a:r>
+            <a:r>
+              <a:rPr lang="en-US" altLang="ko-KR" sz="1100" b="1" dirty="0" smtClean="0">
+                <a:latin typeface="나눔고딕" panose="020D0604000000000000" pitchFamily="50" charset="-127"/>
+                <a:ea typeface="나눔고딕" panose="020D0604000000000000" pitchFamily="50" charset="-127"/>
+              </a:rPr>
+              <a:t>==‘</a:t>
+            </a:r>
+            <a:r>
+              <a:rPr lang="en-US" altLang="ko-KR" sz="1100" b="1" spc="-60" dirty="0" err="1">
+                <a:latin typeface="나눔고딕" panose="020D0604000000000000" pitchFamily="50" charset="-127"/>
+                <a:ea typeface="나눔고딕" panose="020D0604000000000000" pitchFamily="50" charset="-127"/>
+              </a:rPr>
+              <a:t>admin_mode</a:t>
+            </a:r>
+            <a:r>
+              <a:rPr lang="en-US" altLang="ko-KR" sz="1100" b="1" spc="-60" dirty="0" smtClean="0">
+                <a:latin typeface="나눔고딕" panose="020D0604000000000000" pitchFamily="50" charset="-127"/>
+                <a:ea typeface="나눔고딕" panose="020D0604000000000000" pitchFamily="50" charset="-127"/>
+              </a:rPr>
+              <a:t>’</a:t>
+            </a:r>
+            <a:endParaRPr lang="ko-KR" altLang="en-US" sz="1100" b="1" spc="-60" dirty="0">
+              <a:latin typeface="나눔고딕" panose="020D0604000000000000" pitchFamily="50" charset="-127"/>
+              <a:ea typeface="나눔고딕" panose="020D0604000000000000" pitchFamily="50" charset="-127"/>
+            </a:endParaRPr>
+          </a:p>
+        </p:txBody>
+      </p:sp>
+      <p:sp>
+        <p:nvSpPr>
+          <p:cNvPr id="27" name="TextBox 26">
+            <a:extLst>
+              <a:ext uri="{FF2B5EF4-FFF2-40B4-BE49-F238E27FC236}">
+                <a16:creationId xmlns:a16="http://schemas.microsoft.com/office/drawing/2014/main" id="{21FC14FE-F1C3-40B7-A2D8-589F2FD7B3D4}"/>
+              </a:ext>
+            </a:extLst>
+          </p:cNvPr>
+          <p:cNvSpPr txBox="1"/>
+          <p:nvPr/>
+        </p:nvSpPr>
+        <p:spPr>
+          <a:xfrm>
+            <a:off x="3401411" y="1614846"/>
+            <a:ext cx="1542410" cy="261610"/>
+          </a:xfrm>
+          <a:prstGeom prst="rect">
+            <a:avLst/>
+          </a:prstGeom>
+          <a:solidFill>
+            <a:schemeClr val="bg1"/>
+          </a:solidFill>
+          <a:ln w="28575">
+            <a:solidFill>
+              <a:srgbClr val="FF0000"/>
+            </a:solidFill>
+          </a:ln>
+        </p:spPr>
+        <p:txBody>
+          <a:bodyPr wrap="none" rtlCol="0">
+            <a:spAutoFit/>
+          </a:bodyPr>
+          <a:lstStyle/>
+          <a:p>
+            <a:r>
+              <a:rPr lang="ko-KR" altLang="en-US" sz="1100" b="1" dirty="0">
+                <a:latin typeface="나눔고딕" panose="020D0604000000000000" pitchFamily="50" charset="-127"/>
+                <a:ea typeface="나눔고딕" panose="020D0604000000000000" pitchFamily="50" charset="-127"/>
+              </a:rPr>
+              <a:t>그 외 사용자 메뉴 표시</a:t>
+            </a:r>
+          </a:p>
+        </p:txBody>
+      </p:sp>
+      <p:sp>
+        <p:nvSpPr>
+          <p:cNvPr id="31" name="TextBox 30">
+            <a:extLst>
+              <a:ext uri="{FF2B5EF4-FFF2-40B4-BE49-F238E27FC236}">
+                <a16:creationId xmlns:a16="http://schemas.microsoft.com/office/drawing/2014/main" id="{DDF03BC5-DD7B-457D-9EE7-7A387FFDEECC}"/>
+              </a:ext>
+            </a:extLst>
+          </p:cNvPr>
+          <p:cNvSpPr txBox="1"/>
+          <p:nvPr/>
+        </p:nvSpPr>
+        <p:spPr>
+          <a:xfrm>
+            <a:off x="1371598" y="1493094"/>
+            <a:ext cx="1789200" cy="261610"/>
+          </a:xfrm>
+          <a:prstGeom prst="rect">
+            <a:avLst/>
+          </a:prstGeom>
+          <a:solidFill>
+            <a:schemeClr val="bg1"/>
+          </a:solidFill>
+          <a:ln w="28575">
+            <a:solidFill>
+              <a:srgbClr val="FF0000"/>
+            </a:solidFill>
+          </a:ln>
+        </p:spPr>
+        <p:txBody>
+          <a:bodyPr wrap="square" rtlCol="0">
+            <a:spAutoFit/>
+          </a:bodyPr>
+          <a:lstStyle/>
+          <a:p>
+            <a:r>
+              <a:rPr lang="en-US" altLang="ko-KR" sz="1100" b="1" dirty="0" err="1">
+                <a:latin typeface="나눔고딕" panose="020D0604000000000000" pitchFamily="50" charset="-127"/>
+                <a:ea typeface="나눔고딕" panose="020D0604000000000000" pitchFamily="50" charset="-127"/>
+              </a:rPr>
+              <a:t>side_menu</a:t>
+            </a:r>
+            <a:r>
+              <a:rPr lang="en-US" altLang="ko-KR" sz="1100" b="1" dirty="0">
+                <a:latin typeface="나눔고딕" panose="020D0604000000000000" pitchFamily="50" charset="-127"/>
+                <a:ea typeface="나눔고딕" panose="020D0604000000000000" pitchFamily="50" charset="-127"/>
+              </a:rPr>
+              <a:t>==‘</a:t>
+            </a:r>
+            <a:r>
+              <a:rPr lang="en-US" altLang="ko-KR" sz="1100" b="1" dirty="0" err="1">
+                <a:latin typeface="나눔고딕" panose="020D0604000000000000" pitchFamily="50" charset="-127"/>
+                <a:ea typeface="나눔고딕" panose="020D0604000000000000" pitchFamily="50" charset="-127"/>
+              </a:rPr>
+              <a:t>my_page</a:t>
+            </a:r>
+            <a:r>
+              <a:rPr lang="en-US" altLang="ko-KR" sz="1100" b="1" dirty="0" smtClean="0">
+                <a:latin typeface="나눔고딕" panose="020D0604000000000000" pitchFamily="50" charset="-127"/>
+                <a:ea typeface="나눔고딕" panose="020D0604000000000000" pitchFamily="50" charset="-127"/>
+              </a:rPr>
+              <a:t>’</a:t>
+            </a:r>
+            <a:endParaRPr lang="en-US" altLang="ko-KR" sz="1100" b="1" dirty="0">
+              <a:latin typeface="나눔고딕" panose="020D0604000000000000" pitchFamily="50" charset="-127"/>
+              <a:ea typeface="나눔고딕" panose="020D0604000000000000" pitchFamily="50" charset="-127"/>
+            </a:endParaRPr>
+          </a:p>
+        </p:txBody>
+      </p:sp>
+      <p:sp>
+        <p:nvSpPr>
+          <p:cNvPr id="9" name="직사각형 8"/>
+          <p:cNvSpPr/>
+          <p:nvPr/>
+        </p:nvSpPr>
+        <p:spPr>
+          <a:xfrm>
+            <a:off x="5003800" y="2201333"/>
+            <a:ext cx="1210733" cy="2413000"/>
+          </a:xfrm>
+          <a:prstGeom prst="rect">
+            <a:avLst/>
+          </a:prstGeom>
+          <a:noFill/>
+          <a:ln w="28575">
+            <a:solidFill>
+              <a:srgbClr val="FF0000"/>
+            </a:solidFill>
+            <a:prstDash val="sysDot"/>
+          </a:ln>
+        </p:spPr>
+        <p:style>
+          <a:lnRef idx="2">
+            <a:schemeClr val="accent1">
+              <a:shade val="50000"/>
+            </a:schemeClr>
+          </a:lnRef>
+          <a:fillRef idx="1">
+            <a:schemeClr val="accent1"/>
+          </a:fillRef>
+          <a:effectRef idx="0">
+            <a:schemeClr val="accent1"/>
+          </a:effectRef>
+          <a:fontRef idx="minor">
+            <a:schemeClr val="lt1"/>
+          </a:fontRef>
+        </p:style>
+        <p:txBody>
+          <a:bodyPr rtlCol="0" anchor="ctr"/>
+          <a:lstStyle/>
+          <a:p>
+            <a:pPr algn="ctr"/>
+            <a:endParaRPr lang="ko-KR" altLang="en-US"/>
+          </a:p>
+        </p:txBody>
+      </p:sp>
+      <p:cxnSp>
+        <p:nvCxnSpPr>
+          <p:cNvPr id="12" name="직선 화살표 연결선 11"/>
+          <p:cNvCxnSpPr>
+            <a:stCxn id="27" idx="2"/>
+          </p:cNvCxnSpPr>
+          <p:nvPr/>
+        </p:nvCxnSpPr>
+        <p:spPr>
+          <a:xfrm>
+            <a:off x="4172616" y="1876456"/>
+            <a:ext cx="831184" cy="1531377"/>
+          </a:xfrm>
+          <a:prstGeom prst="straightConnector1">
+            <a:avLst/>
+          </a:prstGeom>
+          <a:ln w="28575">
+            <a:solidFill>
+              <a:srgbClr val="FF0000"/>
+            </a:solidFill>
+            <a:prstDash val="sysDot"/>
+            <a:tailEnd type="triangle"/>
+          </a:ln>
+        </p:spPr>
+        <p:style>
+          <a:lnRef idx="1">
+            <a:schemeClr val="accent1"/>
+          </a:lnRef>
+          <a:fillRef idx="0">
+            <a:schemeClr val="accent1"/>
+          </a:fillRef>
+          <a:effectRef idx="0">
+            <a:schemeClr val="accent1"/>
+          </a:effectRef>
+          <a:fontRef idx="minor">
+            <a:schemeClr val="tx1"/>
+          </a:fontRef>
+        </p:style>
+      </p:cxnSp>
+    </p:spTree>
+    <p:extLst>
+      <p:ext uri="{BB962C8B-B14F-4D97-AF65-F5344CB8AC3E}">
+        <p14:creationId xmlns:p14="http://schemas.microsoft.com/office/powerpoint/2010/main" val="943208684"/>
+      </p:ext>
+    </p:extLst>
+  </p:cSld>
+  <p:clrMapOvr>
+    <a:masterClrMapping/>
+  </p:clrMapOvr>
+</p:sld>
+</file>
+
+<file path=ppt/slides/slide11.xml><?xml version="1.0" encoding="utf-8"?>
+<p:sld xmlns:a="http://schemas.openxmlformats.org/drawingml/2006/main" xmlns:r="http://schemas.openxmlformats.org/officeDocument/2006/relationships" xmlns:p="http://schemas.openxmlformats.org/presentationml/2006/main">
+  <p:cSld>
+    <p:spTree>
+      <p:nvGrpSpPr>
+        <p:cNvPr id="1" name=""/>
+        <p:cNvGrpSpPr/>
+        <p:nvPr/>
+      </p:nvGrpSpPr>
+      <p:grpSpPr>
+        <a:xfrm>
+          <a:off x="0" y="0"/>
+          <a:ext cx="0" cy="0"/>
+          <a:chOff x="0" y="0"/>
+          <a:chExt cx="0" cy="0"/>
+        </a:xfrm>
+      </p:grpSpPr>
+      <p:sp>
+        <p:nvSpPr>
+          <p:cNvPr id="4" name="TextBox 3"/>
+          <p:cNvSpPr txBox="1"/>
+          <p:nvPr/>
+        </p:nvSpPr>
+        <p:spPr>
+          <a:xfrm>
+            <a:off x="1609648" y="652588"/>
+            <a:ext cx="4615366" cy="646331"/>
+          </a:xfrm>
+          <a:prstGeom prst="rect">
+            <a:avLst/>
+          </a:prstGeom>
+          <a:noFill/>
+        </p:spPr>
+        <p:txBody>
+          <a:bodyPr wrap="none" rtlCol="0">
+            <a:spAutoFit/>
+          </a:bodyPr>
+          <a:lstStyle/>
+          <a:p>
+            <a:r>
+              <a:rPr lang="ko-KR" altLang="en-US" sz="3600" b="1" dirty="0" smtClean="0">
+                <a:ln w="12700">
+                  <a:solidFill>
+                    <a:sysClr val="windowText" lastClr="000000"/>
+                  </a:solidFill>
+                </a:ln>
+                <a:latin typeface="나눔고딕" panose="020D0604000000000000" pitchFamily="50" charset="-127"/>
+                <a:ea typeface="나눔고딕" panose="020D0604000000000000" pitchFamily="50" charset="-127"/>
+              </a:rPr>
+              <a:t>메인 </a:t>
+            </a:r>
+            <a:r>
+              <a:rPr lang="ko-KR" altLang="en-US" sz="3600" b="1" dirty="0" smtClean="0">
+                <a:ln w="12700">
+                  <a:solidFill>
+                    <a:sysClr val="windowText" lastClr="000000"/>
+                  </a:solidFill>
+                </a:ln>
+                <a:latin typeface="나눔고딕" panose="020D0604000000000000" pitchFamily="50" charset="-127"/>
+                <a:ea typeface="나눔고딕" panose="020D0604000000000000" pitchFamily="50" charset="-127"/>
+              </a:rPr>
+              <a:t>페이지</a:t>
+            </a:r>
+            <a:r>
+              <a:rPr lang="en-US" altLang="ko-KR" sz="2400" dirty="0" smtClean="0">
+                <a:ln w="12700">
+                  <a:solidFill>
+                    <a:sysClr val="windowText" lastClr="000000"/>
+                  </a:solidFill>
+                </a:ln>
+                <a:latin typeface="나눔고딕" panose="020D0604000000000000" pitchFamily="50" charset="-127"/>
+                <a:ea typeface="나눔고딕" panose="020D0604000000000000" pitchFamily="50" charset="-127"/>
+              </a:rPr>
+              <a:t> (</a:t>
+            </a:r>
+            <a:r>
+              <a:rPr lang="ko-KR" altLang="en-US" sz="2400" dirty="0" err="1" smtClean="0">
+                <a:ln w="12700">
+                  <a:solidFill>
+                    <a:sysClr val="windowText" lastClr="000000"/>
+                  </a:solidFill>
+                </a:ln>
+                <a:latin typeface="나눔고딕" panose="020D0604000000000000" pitchFamily="50" charset="-127"/>
+                <a:ea typeface="나눔고딕" panose="020D0604000000000000" pitchFamily="50" charset="-127"/>
+              </a:rPr>
+              <a:t>빠른메뉴</a:t>
+            </a:r>
+            <a:r>
+              <a:rPr lang="ko-KR" altLang="en-US" sz="2400" dirty="0" smtClean="0">
+                <a:ln w="12700">
+                  <a:solidFill>
+                    <a:sysClr val="windowText" lastClr="000000"/>
+                  </a:solidFill>
+                </a:ln>
+                <a:latin typeface="나눔고딕" panose="020D0604000000000000" pitchFamily="50" charset="-127"/>
+                <a:ea typeface="나눔고딕" panose="020D0604000000000000" pitchFamily="50" charset="-127"/>
+              </a:rPr>
+              <a:t> 소스</a:t>
+            </a:r>
+            <a:r>
+              <a:rPr lang="en-US" altLang="ko-KR" sz="2400" dirty="0" smtClean="0">
+                <a:ln w="12700">
+                  <a:solidFill>
+                    <a:sysClr val="windowText" lastClr="000000"/>
+                  </a:solidFill>
+                </a:ln>
+                <a:latin typeface="나눔고딕" panose="020D0604000000000000" pitchFamily="50" charset="-127"/>
+                <a:ea typeface="나눔고딕" panose="020D0604000000000000" pitchFamily="50" charset="-127"/>
+              </a:rPr>
+              <a:t>)</a:t>
+            </a:r>
+            <a:endParaRPr lang="ko-KR" altLang="en-US" sz="3600" dirty="0">
+              <a:ln w="12700">
+                <a:solidFill>
+                  <a:sysClr val="windowText" lastClr="000000"/>
+                </a:solidFill>
+              </a:ln>
+              <a:latin typeface="나눔고딕" panose="020D0604000000000000" pitchFamily="50" charset="-127"/>
+              <a:ea typeface="나눔고딕" panose="020D0604000000000000" pitchFamily="50" charset="-127"/>
+            </a:endParaRPr>
+          </a:p>
+        </p:txBody>
+      </p:sp>
+      <p:pic>
+        <p:nvPicPr>
+          <p:cNvPr id="2" name="그림 1"/>
+          <p:cNvPicPr>
+            <a:picLocks noChangeAspect="1"/>
+          </p:cNvPicPr>
+          <p:nvPr/>
+        </p:nvPicPr>
+        <p:blipFill>
+          <a:blip r:embed="rId2"/>
+          <a:stretch>
+            <a:fillRect/>
+          </a:stretch>
+        </p:blipFill>
+        <p:spPr>
+          <a:xfrm>
+            <a:off x="1345142" y="1454679"/>
+            <a:ext cx="7334250" cy="1781175"/>
+          </a:xfrm>
+          <a:prstGeom prst="rect">
+            <a:avLst/>
+          </a:prstGeom>
+          <a:ln w="28575">
+            <a:solidFill>
+              <a:srgbClr val="FF0000"/>
+            </a:solidFill>
+          </a:ln>
+        </p:spPr>
+      </p:pic>
+      <p:sp>
+        <p:nvSpPr>
+          <p:cNvPr id="6" name="직사각형 5"/>
+          <p:cNvSpPr/>
+          <p:nvPr/>
+        </p:nvSpPr>
+        <p:spPr>
+          <a:xfrm>
+            <a:off x="1685925" y="2609850"/>
+            <a:ext cx="3326342" cy="304800"/>
+          </a:xfrm>
+          <a:prstGeom prst="rect">
+            <a:avLst/>
+          </a:prstGeom>
+          <a:noFill/>
+          <a:ln w="28575">
+            <a:solidFill>
+              <a:srgbClr val="FF0000"/>
+            </a:solidFill>
+            <a:prstDash val="sysDot"/>
+          </a:ln>
+        </p:spPr>
+        <p:style>
+          <a:lnRef idx="2">
+            <a:schemeClr val="accent1">
+              <a:shade val="50000"/>
+            </a:schemeClr>
+          </a:lnRef>
+          <a:fillRef idx="1">
+            <a:schemeClr val="accent1"/>
+          </a:fillRef>
+          <a:effectRef idx="0">
+            <a:schemeClr val="accent1"/>
+          </a:effectRef>
+          <a:fontRef idx="minor">
+            <a:schemeClr val="lt1"/>
+          </a:fontRef>
+        </p:style>
+        <p:txBody>
+          <a:bodyPr rtlCol="0" anchor="ctr"/>
+          <a:lstStyle/>
+          <a:p>
+            <a:pPr algn="ctr"/>
+            <a:endParaRPr lang="ko-KR" altLang="en-US"/>
+          </a:p>
+        </p:txBody>
+      </p:sp>
+      <p:pic>
+        <p:nvPicPr>
+          <p:cNvPr id="8" name="그림 7"/>
+          <p:cNvPicPr>
+            <a:picLocks noChangeAspect="1"/>
+          </p:cNvPicPr>
+          <p:nvPr/>
+        </p:nvPicPr>
+        <p:blipFill>
+          <a:blip r:embed="rId3"/>
+          <a:stretch>
+            <a:fillRect/>
+          </a:stretch>
+        </p:blipFill>
+        <p:spPr>
+          <a:xfrm>
+            <a:off x="6038850" y="2345266"/>
+            <a:ext cx="5619750" cy="3971925"/>
+          </a:xfrm>
+          <a:prstGeom prst="rect">
+            <a:avLst/>
+          </a:prstGeom>
+          <a:ln w="28575">
+            <a:solidFill>
+              <a:srgbClr val="FF0000"/>
+            </a:solidFill>
+          </a:ln>
+        </p:spPr>
+      </p:pic>
+      <p:sp>
+        <p:nvSpPr>
+          <p:cNvPr id="24" name="직사각형 23"/>
+          <p:cNvSpPr/>
+          <p:nvPr/>
+        </p:nvSpPr>
+        <p:spPr>
+          <a:xfrm>
+            <a:off x="8001000" y="2409825"/>
+            <a:ext cx="3462338" cy="161925"/>
+          </a:xfrm>
+          <a:prstGeom prst="rect">
+            <a:avLst/>
+          </a:prstGeom>
+          <a:noFill/>
+          <a:ln w="28575">
+            <a:solidFill>
+              <a:srgbClr val="FF0000"/>
+            </a:solidFill>
+            <a:prstDash val="sysDot"/>
+          </a:ln>
+        </p:spPr>
+        <p:style>
+          <a:lnRef idx="2">
+            <a:schemeClr val="accent1">
+              <a:shade val="50000"/>
+            </a:schemeClr>
+          </a:lnRef>
+          <a:fillRef idx="1">
+            <a:schemeClr val="accent1"/>
+          </a:fillRef>
+          <a:effectRef idx="0">
+            <a:schemeClr val="accent1"/>
+          </a:effectRef>
+          <a:fontRef idx="minor">
+            <a:schemeClr val="lt1"/>
+          </a:fontRef>
+        </p:style>
+        <p:txBody>
+          <a:bodyPr rtlCol="0" anchor="ctr"/>
+          <a:lstStyle/>
+          <a:p>
+            <a:pPr algn="ctr"/>
+            <a:endParaRPr lang="ko-KR" altLang="en-US"/>
+          </a:p>
+        </p:txBody>
+      </p:sp>
+      <p:cxnSp>
+        <p:nvCxnSpPr>
+          <p:cNvPr id="18" name="직선 화살표 연결선 17"/>
+          <p:cNvCxnSpPr>
+            <a:stCxn id="6" idx="3"/>
+          </p:cNvCxnSpPr>
+          <p:nvPr/>
+        </p:nvCxnSpPr>
+        <p:spPr>
+          <a:xfrm flipV="1">
+            <a:off x="5012267" y="2490787"/>
+            <a:ext cx="2988733" cy="271463"/>
+          </a:xfrm>
+          <a:prstGeom prst="straightConnector1">
+            <a:avLst/>
+          </a:prstGeom>
+          <a:ln w="28575">
+            <a:solidFill>
+              <a:srgbClr val="FF0000"/>
+            </a:solidFill>
+            <a:tailEnd type="triangle"/>
+          </a:ln>
+        </p:spPr>
+        <p:style>
+          <a:lnRef idx="1">
+            <a:schemeClr val="accent1"/>
+          </a:lnRef>
+          <a:fillRef idx="0">
+            <a:schemeClr val="accent1"/>
+          </a:fillRef>
+          <a:effectRef idx="0">
+            <a:schemeClr val="accent1"/>
+          </a:effectRef>
+          <a:fontRef idx="minor">
+            <a:schemeClr val="tx1"/>
+          </a:fontRef>
+        </p:style>
+      </p:cxnSp>
+      <p:pic>
+        <p:nvPicPr>
+          <p:cNvPr id="20" name="그림 19"/>
+          <p:cNvPicPr>
+            <a:picLocks noChangeAspect="1"/>
+          </p:cNvPicPr>
+          <p:nvPr/>
+        </p:nvPicPr>
+        <p:blipFill>
+          <a:blip r:embed="rId4"/>
+          <a:stretch>
+            <a:fillRect/>
+          </a:stretch>
+        </p:blipFill>
+        <p:spPr>
+          <a:xfrm>
+            <a:off x="1345142" y="4269846"/>
+            <a:ext cx="5191125" cy="1238250"/>
+          </a:xfrm>
+          <a:prstGeom prst="rect">
+            <a:avLst/>
+          </a:prstGeom>
+          <a:ln w="28575">
+            <a:solidFill>
+              <a:srgbClr val="FF0000"/>
+            </a:solidFill>
+          </a:ln>
+        </p:spPr>
+      </p:pic>
+      <p:sp>
+        <p:nvSpPr>
+          <p:cNvPr id="32" name="직사각형 31"/>
+          <p:cNvSpPr/>
+          <p:nvPr/>
+        </p:nvSpPr>
+        <p:spPr>
+          <a:xfrm>
+            <a:off x="1609647" y="4564590"/>
+            <a:ext cx="4857827" cy="597960"/>
+          </a:xfrm>
+          <a:prstGeom prst="rect">
+            <a:avLst/>
+          </a:prstGeom>
+          <a:noFill/>
+          <a:ln w="28575">
+            <a:solidFill>
+              <a:srgbClr val="FF0000"/>
+            </a:solidFill>
+            <a:prstDash val="sysDot"/>
+          </a:ln>
+        </p:spPr>
+        <p:style>
+          <a:lnRef idx="2">
+            <a:schemeClr val="accent1">
+              <a:shade val="50000"/>
+            </a:schemeClr>
+          </a:lnRef>
+          <a:fillRef idx="1">
+            <a:schemeClr val="accent1"/>
+          </a:fillRef>
+          <a:effectRef idx="0">
+            <a:schemeClr val="accent1"/>
+          </a:effectRef>
+          <a:fontRef idx="minor">
+            <a:schemeClr val="lt1"/>
+          </a:fontRef>
+        </p:style>
+        <p:txBody>
+          <a:bodyPr rtlCol="0" anchor="ctr"/>
+          <a:lstStyle/>
+          <a:p>
+            <a:pPr algn="ctr"/>
+            <a:endParaRPr lang="ko-KR" altLang="en-US"/>
+          </a:p>
+        </p:txBody>
+      </p:sp>
+      <p:cxnSp>
+        <p:nvCxnSpPr>
+          <p:cNvPr id="33" name="직선 화살표 연결선 32"/>
+          <p:cNvCxnSpPr>
+            <a:endCxn id="6" idx="2"/>
+          </p:cNvCxnSpPr>
+          <p:nvPr/>
+        </p:nvCxnSpPr>
+        <p:spPr>
+          <a:xfrm flipH="1" flipV="1">
+            <a:off x="3349096" y="2914650"/>
+            <a:ext cx="689464" cy="1649940"/>
+          </a:xfrm>
+          <a:prstGeom prst="straightConnector1">
+            <a:avLst/>
+          </a:prstGeom>
+          <a:ln w="28575">
+            <a:solidFill>
+              <a:srgbClr val="FF0000"/>
+            </a:solidFill>
+            <a:tailEnd type="triangle"/>
+          </a:ln>
+        </p:spPr>
+        <p:style>
+          <a:lnRef idx="1">
+            <a:schemeClr val="accent1"/>
+          </a:lnRef>
+          <a:fillRef idx="0">
+            <a:schemeClr val="accent1"/>
+          </a:fillRef>
+          <a:effectRef idx="0">
+            <a:schemeClr val="accent1"/>
+          </a:effectRef>
+          <a:fontRef idx="minor">
+            <a:schemeClr val="tx1"/>
+          </a:fontRef>
+        </p:style>
+      </p:cxnSp>
+      <p:sp>
+        <p:nvSpPr>
+          <p:cNvPr id="37" name="직사각형 36">
+            <a:extLst>
+              <a:ext uri="{FF2B5EF4-FFF2-40B4-BE49-F238E27FC236}">
+                <a16:creationId xmlns:a16="http://schemas.microsoft.com/office/drawing/2014/main" id="{E81B2201-A002-4CB6-AC74-A6A79E57D96E}"/>
+              </a:ext>
+            </a:extLst>
+          </p:cNvPr>
+          <p:cNvSpPr/>
+          <p:nvPr/>
+        </p:nvSpPr>
+        <p:spPr>
+          <a:xfrm>
+            <a:off x="996812" y="4057119"/>
+            <a:ext cx="2031057" cy="361950"/>
+          </a:xfrm>
+          <a:prstGeom prst="rect">
+            <a:avLst/>
+          </a:prstGeom>
+          <a:solidFill>
+            <a:schemeClr val="bg1"/>
+          </a:solidFill>
+          <a:ln w="28575">
+            <a:solidFill>
+              <a:srgbClr val="FF0000"/>
+            </a:solidFill>
+          </a:ln>
+        </p:spPr>
+        <p:style>
+          <a:lnRef idx="3">
+            <a:schemeClr val="lt1"/>
+          </a:lnRef>
+          <a:fillRef idx="1">
+            <a:schemeClr val="accent1"/>
+          </a:fillRef>
+          <a:effectRef idx="1">
+            <a:schemeClr val="accent1"/>
+          </a:effectRef>
+          <a:fontRef idx="minor">
+            <a:schemeClr val="lt1"/>
+          </a:fontRef>
+        </p:style>
+        <p:txBody>
+          <a:bodyPr rtlCol="0" anchor="ctr"/>
+          <a:lstStyle/>
+          <a:p>
+            <a:pPr algn="ctr"/>
+            <a:r>
+              <a:rPr lang="en-US" altLang="ko-KR" sz="1400" b="1" dirty="0">
+                <a:solidFill>
+                  <a:schemeClr val="tx1"/>
+                </a:solidFill>
+                <a:latin typeface="나눔고딕" panose="020D0604000000000000" pitchFamily="50" charset="-127"/>
+                <a:ea typeface="나눔고딕" panose="020D0604000000000000" pitchFamily="50" charset="-127"/>
+              </a:rPr>
+              <a:t>GoodsServiceImpl.java</a:t>
+            </a:r>
+            <a:endParaRPr lang="ko-KR" altLang="en-US" sz="1400" b="1" dirty="0">
+              <a:solidFill>
+                <a:schemeClr val="tx1"/>
+              </a:solidFill>
+              <a:latin typeface="나눔고딕" panose="020D0604000000000000" pitchFamily="50" charset="-127"/>
+              <a:ea typeface="나눔고딕" panose="020D0604000000000000" pitchFamily="50" charset="-127"/>
+            </a:endParaRPr>
+          </a:p>
+        </p:txBody>
+      </p:sp>
+    </p:spTree>
+    <p:extLst>
+      <p:ext uri="{BB962C8B-B14F-4D97-AF65-F5344CB8AC3E}">
+        <p14:creationId xmlns:p14="http://schemas.microsoft.com/office/powerpoint/2010/main" val="326526722"/>
+      </p:ext>
+    </p:extLst>
+  </p:cSld>
+  <p:clrMapOvr>
+    <a:masterClrMapping/>
+  </p:clrMapOvr>
+</p:sld>
+</file>
+
 <file path=ppt/slides/slide2.xml><?xml version="1.0" encoding="utf-8"?>
 <p:sld xmlns:a="http://schemas.openxmlformats.org/drawingml/2006/main" xmlns:r="http://schemas.openxmlformats.org/officeDocument/2006/relationships" xmlns:p="http://schemas.openxmlformats.org/presentationml/2006/main">
   <p:cSld>
@@ -7951,6 +8963,20 @@
                 <a:ea typeface="나눔고딕" panose="020D0604000000000000" pitchFamily="50" charset="-127"/>
               </a:rPr>
               <a:t>구현</a:t>
+            </a:r>
+            <a:r>
+              <a:rPr lang="ko-KR" altLang="en-US" sz="1200" b="1" dirty="0" smtClean="0">
+                <a:latin typeface="나눔고딕" panose="020D0604000000000000" pitchFamily="50" charset="-127"/>
+                <a:ea typeface="나눔고딕" panose="020D0604000000000000" pitchFamily="50" charset="-127"/>
+              </a:rPr>
+              <a:t> </a:t>
+            </a:r>
+            <a:r>
+              <a:rPr lang="en-US" altLang="ko-KR" sz="1200" b="1" dirty="0" smtClean="0">
+                <a:latin typeface="나눔고딕" panose="020D0604000000000000" pitchFamily="50" charset="-127"/>
+                <a:ea typeface="나눔고딕" panose="020D0604000000000000" pitchFamily="50" charset="-127"/>
+              </a:rPr>
+              <a:t>(tiles / mapper)</a:t>
             </a:r>
             <a:endParaRPr lang="en-US" altLang="ko-KR" sz="1600" b="1" dirty="0" smtClean="0">
               <a:latin typeface="나눔고딕" panose="020D0604000000000000" pitchFamily="50" charset="-127"/>
@@ -9684,10 +10710,6 @@
               </a:rPr>
               <a:t>위치</a:t>
             </a:r>
-            <a:endParaRPr lang="ko-KR" altLang="en-US" sz="1100" b="1" dirty="0">
-              <a:latin typeface="나눔고딕" panose="020D0604000000000000" pitchFamily="50" charset="-127"/>
-              <a:ea typeface="나눔고딕" panose="020D0604000000000000" pitchFamily="50" charset="-127"/>
-            </a:endParaRPr>
           </a:p>
         </p:txBody>
       </p:sp>
@@ -9776,7 +10798,7 @@
         <p:spPr>
           <a:xfrm>
             <a:off x="1609648" y="652588"/>
-            <a:ext cx="2486578" cy="646331"/>
+            <a:ext cx="3355406" cy="646331"/>
           </a:xfrm>
           <a:prstGeom prst="rect">
             <a:avLst/>
@@ -9790,7 +10812,7 @@
           <a:lstStyle/>
           <a:p>
             <a:r>
-              <a:rPr lang="ko-KR" altLang="en-US" sz="3600" b="1" smtClean="0">
+              <a:rPr lang="ko-KR" altLang="en-US" sz="3600" b="1" dirty="0" smtClean="0">
                 <a:ln w="12700">
                   <a:solidFill>
                     <a:sysClr val="windowText" lastClr="000000"/>
@@ -9799,10 +10821,10 @@
                 <a:latin typeface="나눔고딕" panose="020D0604000000000000" pitchFamily="50" charset="-127"/>
                 <a:ea typeface="나눔고딕" panose="020D0604000000000000" pitchFamily="50" charset="-127"/>
               </a:rPr>
-              <a:t>페이지 구</a:t>
-            </a:r>
-            <a:r>
-              <a:rPr lang="ko-KR" altLang="en-US" sz="3600" b="1">
+              <a:t>페이지 </a:t>
+            </a:r>
+            <a:r>
+              <a:rPr lang="ko-KR" altLang="en-US" sz="3600" b="1" dirty="0" smtClean="0">
                 <a:ln w="12700">
                   <a:solidFill>
                     <a:sysClr val="windowText" lastClr="000000"/>
@@ -9811,9 +10833,33 @@
                 <a:latin typeface="나눔고딕" panose="020D0604000000000000" pitchFamily="50" charset="-127"/>
                 <a:ea typeface="나눔고딕" panose="020D0604000000000000" pitchFamily="50" charset="-127"/>
               </a:rPr>
-              <a:t>현</a:t>
-            </a:r>
-            <a:endParaRPr lang="ko-KR" altLang="en-US" sz="3600" b="1" dirty="0">
+              <a:t>구현</a:t>
+            </a:r>
+            <a:r>
+              <a:rPr lang="ko-KR" altLang="en-US" sz="2400" b="1" dirty="0">
+                <a:ln w="12700">
+                  <a:solidFill>
+                    <a:sysClr val="windowText" lastClr="000000"/>
+                  </a:solidFill>
+                </a:ln>
+                <a:latin typeface="나눔고딕" panose="020D0604000000000000" pitchFamily="50" charset="-127"/>
+                <a:ea typeface="나눔고딕" panose="020D0604000000000000" pitchFamily="50" charset="-127"/>
+              </a:rPr>
+              <a:t> </a:t>
+            </a:r>
+            <a:r>
+              <a:rPr lang="en-US" altLang="ko-KR" sz="2400" dirty="0">
+                <a:ln w="12700">
+                  <a:solidFill>
+                    <a:sysClr val="windowText" lastClr="000000"/>
+                  </a:solidFill>
+                </a:ln>
+                <a:latin typeface="나눔고딕" panose="020D0604000000000000" pitchFamily="50" charset="-127"/>
+                <a:ea typeface="나눔고딕" panose="020D0604000000000000" pitchFamily="50" charset="-127"/>
+              </a:rPr>
+              <a:t>(tiles)</a:t>
+            </a:r>
+            <a:endParaRPr lang="ko-KR" altLang="en-US" sz="2400" b="1" dirty="0">
               <a:ln w="12700">
                 <a:solidFill>
                   <a:sysClr val="windowText" lastClr="000000"/>
@@ -9825,10 +10871,2948 @@
           </a:p>
         </p:txBody>
       </p:sp>
+      <p:pic>
+        <p:nvPicPr>
+          <p:cNvPr id="2" name="그림 1"/>
+          <p:cNvPicPr>
+            <a:picLocks noChangeAspect="1"/>
+          </p:cNvPicPr>
+          <p:nvPr/>
+        </p:nvPicPr>
+        <p:blipFill>
+          <a:blip r:embed="rId2">
+            <a:extLst>
+              <a:ext uri="{28A0092B-C50C-407E-A947-70E740481C1C}">
+                <a14:useLocalDpi xmlns:a14="http://schemas.microsoft.com/office/drawing/2010/main" val="0"/>
+              </a:ext>
+            </a:extLst>
+          </a:blip>
+          <a:stretch>
+            <a:fillRect/>
+          </a:stretch>
+        </p:blipFill>
+        <p:spPr>
+          <a:xfrm>
+            <a:off x="1394371" y="1840900"/>
+            <a:ext cx="1853228" cy="2024823"/>
+          </a:xfrm>
+          <a:prstGeom prst="rect">
+            <a:avLst/>
+          </a:prstGeom>
+          <a:ln w="28575">
+            <a:solidFill>
+              <a:srgbClr val="FF0000"/>
+            </a:solidFill>
+          </a:ln>
+        </p:spPr>
+      </p:pic>
+      <p:sp>
+        <p:nvSpPr>
+          <p:cNvPr id="4" name="TextBox 3">
+            <a:extLst>
+              <a:ext uri="{FF2B5EF4-FFF2-40B4-BE49-F238E27FC236}">
+                <a16:creationId xmlns:a16="http://schemas.microsoft.com/office/drawing/2014/main" id="{BEF2F55D-D388-468B-8BA7-5FC72820D840}"/>
+              </a:ext>
+            </a:extLst>
+          </p:cNvPr>
+          <p:cNvSpPr txBox="1"/>
+          <p:nvPr/>
+        </p:nvSpPr>
+        <p:spPr>
+          <a:xfrm>
+            <a:off x="1368220" y="1462615"/>
+            <a:ext cx="2417650" cy="261610"/>
+          </a:xfrm>
+          <a:prstGeom prst="rect">
+            <a:avLst/>
+          </a:prstGeom>
+          <a:ln w="28575">
+            <a:solidFill>
+              <a:srgbClr val="FF0000"/>
+            </a:solidFill>
+          </a:ln>
+        </p:spPr>
+        <p:style>
+          <a:lnRef idx="2">
+            <a:schemeClr val="accent6"/>
+          </a:lnRef>
+          <a:fillRef idx="1">
+            <a:schemeClr val="lt1"/>
+          </a:fillRef>
+          <a:effectRef idx="0">
+            <a:schemeClr val="accent6"/>
+          </a:effectRef>
+          <a:fontRef idx="minor">
+            <a:schemeClr val="dk1"/>
+          </a:fontRef>
+        </p:style>
+        <p:txBody>
+          <a:bodyPr wrap="none" rtlCol="0">
+            <a:spAutoFit/>
+          </a:bodyPr>
+          <a:lstStyle/>
+          <a:p>
+            <a:pPr algn="ctr"/>
+            <a:r>
+              <a:rPr lang="ko-KR" altLang="en-US" sz="1100" b="1" dirty="0">
+                <a:latin typeface="나눔고딕" panose="020D0604000000000000" pitchFamily="50" charset="-127"/>
+                <a:ea typeface="나눔고딕" panose="020D0604000000000000" pitchFamily="50" charset="-127"/>
+              </a:rPr>
+              <a:t>레이아웃을 정하는 </a:t>
+            </a:r>
+            <a:r>
+              <a:rPr lang="en-US" altLang="ko-KR" sz="1100" b="1" dirty="0">
+                <a:latin typeface="나눔고딕" panose="020D0604000000000000" pitchFamily="50" charset="-127"/>
+                <a:ea typeface="나눔고딕" panose="020D0604000000000000" pitchFamily="50" charset="-127"/>
+              </a:rPr>
+              <a:t>JSP</a:t>
+            </a:r>
+            <a:r>
+              <a:rPr lang="ko-KR" altLang="en-US" sz="1100" b="1" dirty="0">
+                <a:latin typeface="나눔고딕" panose="020D0604000000000000" pitchFamily="50" charset="-127"/>
+                <a:ea typeface="나눔고딕" panose="020D0604000000000000" pitchFamily="50" charset="-127"/>
+              </a:rPr>
+              <a:t>의 위치를 지정</a:t>
+            </a:r>
+          </a:p>
+        </p:txBody>
+      </p:sp>
+      <p:pic>
+        <p:nvPicPr>
+          <p:cNvPr id="3" name="그림 2"/>
+          <p:cNvPicPr>
+            <a:picLocks noChangeAspect="1"/>
+          </p:cNvPicPr>
+          <p:nvPr/>
+        </p:nvPicPr>
+        <p:blipFill>
+          <a:blip r:embed="rId3">
+            <a:extLst>
+              <a:ext uri="{28A0092B-C50C-407E-A947-70E740481C1C}">
+                <a14:useLocalDpi xmlns:a14="http://schemas.microsoft.com/office/drawing/2010/main" val="0"/>
+              </a:ext>
+            </a:extLst>
+          </a:blip>
+          <a:stretch>
+            <a:fillRect/>
+          </a:stretch>
+        </p:blipFill>
+        <p:spPr>
+          <a:xfrm>
+            <a:off x="1403896" y="4871258"/>
+            <a:ext cx="1221132" cy="1716416"/>
+          </a:xfrm>
+          <a:prstGeom prst="rect">
+            <a:avLst/>
+          </a:prstGeom>
+          <a:ln w="28575">
+            <a:solidFill>
+              <a:srgbClr val="FF0000"/>
+            </a:solidFill>
+          </a:ln>
+        </p:spPr>
+      </p:pic>
+      <p:sp>
+        <p:nvSpPr>
+          <p:cNvPr id="6" name="TextBox 5">
+            <a:extLst>
+              <a:ext uri="{FF2B5EF4-FFF2-40B4-BE49-F238E27FC236}">
+                <a16:creationId xmlns:a16="http://schemas.microsoft.com/office/drawing/2014/main" id="{A817718E-AE2D-4626-A2EC-F35A9ACE9710}"/>
+              </a:ext>
+            </a:extLst>
+          </p:cNvPr>
+          <p:cNvSpPr txBox="1"/>
+          <p:nvPr/>
+        </p:nvSpPr>
+        <p:spPr>
+          <a:xfrm>
+            <a:off x="1377745" y="4311447"/>
+            <a:ext cx="2752677" cy="430887"/>
+          </a:xfrm>
+          <a:prstGeom prst="rect">
+            <a:avLst/>
+          </a:prstGeom>
+          <a:ln w="28575">
+            <a:solidFill>
+              <a:srgbClr val="FF0000"/>
+            </a:solidFill>
+          </a:ln>
+        </p:spPr>
+        <p:style>
+          <a:lnRef idx="2">
+            <a:schemeClr val="accent6"/>
+          </a:lnRef>
+          <a:fillRef idx="1">
+            <a:schemeClr val="lt1"/>
+          </a:fillRef>
+          <a:effectRef idx="0">
+            <a:schemeClr val="accent6"/>
+          </a:effectRef>
+          <a:fontRef idx="minor">
+            <a:schemeClr val="dk1"/>
+          </a:fontRef>
+        </p:style>
+        <p:txBody>
+          <a:bodyPr wrap="none" rtlCol="0">
+            <a:spAutoFit/>
+          </a:bodyPr>
+          <a:lstStyle/>
+          <a:p>
+            <a:pPr algn="ctr"/>
+            <a:r>
+              <a:rPr lang="en-US" altLang="ko-KR" sz="1100" b="1" dirty="0">
+                <a:latin typeface="나눔고딕" panose="020D0604000000000000" pitchFamily="50" charset="-127"/>
+                <a:ea typeface="나눔고딕" panose="020D0604000000000000" pitchFamily="50" charset="-127"/>
+              </a:rPr>
+              <a:t>t</a:t>
+            </a:r>
+            <a:r>
+              <a:rPr lang="en-US" altLang="ko-KR" sz="1100" b="1" dirty="0" smtClean="0">
+                <a:latin typeface="나눔고딕" panose="020D0604000000000000" pitchFamily="50" charset="-127"/>
+                <a:ea typeface="나눔고딕" panose="020D0604000000000000" pitchFamily="50" charset="-127"/>
+              </a:rPr>
+              <a:t>iles</a:t>
+            </a:r>
+            <a:r>
+              <a:rPr lang="en-US" altLang="ko-KR" sz="1100" b="1" dirty="0">
+                <a:latin typeface="나눔고딕" panose="020D0604000000000000" pitchFamily="50" charset="-127"/>
+                <a:ea typeface="나눔고딕" panose="020D0604000000000000" pitchFamily="50" charset="-127"/>
+              </a:rPr>
+              <a:t>_*.xml</a:t>
+            </a:r>
+            <a:r>
+              <a:rPr lang="ko-KR" altLang="en-US" sz="1100" b="1" dirty="0">
+                <a:latin typeface="나눔고딕" panose="020D0604000000000000" pitchFamily="50" charset="-127"/>
+                <a:ea typeface="나눔고딕" panose="020D0604000000000000" pitchFamily="50" charset="-127"/>
+              </a:rPr>
+              <a:t>에서 지정한 위치에  </a:t>
+            </a:r>
+            <a:r>
+              <a:rPr lang="en-US" altLang="ko-KR" sz="1100" b="1" dirty="0">
+                <a:latin typeface="나눔고딕" panose="020D0604000000000000" pitchFamily="50" charset="-127"/>
+                <a:ea typeface="나눔고딕" panose="020D0604000000000000" pitchFamily="50" charset="-127"/>
+              </a:rPr>
+              <a:t>JSP</a:t>
+            </a:r>
+            <a:r>
+              <a:rPr lang="ko-KR" altLang="en-US" sz="1100" b="1" dirty="0">
+                <a:latin typeface="나눔고딕" panose="020D0604000000000000" pitchFamily="50" charset="-127"/>
+                <a:ea typeface="나눔고딕" panose="020D0604000000000000" pitchFamily="50" charset="-127"/>
+              </a:rPr>
+              <a:t>를 위치</a:t>
+            </a:r>
+            <a:endParaRPr lang="en-US" altLang="ko-KR" sz="1100" b="1" dirty="0">
+              <a:latin typeface="나눔고딕" panose="020D0604000000000000" pitchFamily="50" charset="-127"/>
+              <a:ea typeface="나눔고딕" panose="020D0604000000000000" pitchFamily="50" charset="-127"/>
+            </a:endParaRPr>
+          </a:p>
+          <a:p>
+            <a:pPr algn="ctr"/>
+            <a:r>
+              <a:rPr lang="ko-KR" altLang="en-US" sz="1100" b="1" dirty="0">
+                <a:latin typeface="나눔고딕" panose="020D0604000000000000" pitchFamily="50" charset="-127"/>
+                <a:ea typeface="나눔고딕" panose="020D0604000000000000" pitchFamily="50" charset="-127"/>
+              </a:rPr>
+              <a:t>브라우저 요청 시 해당 </a:t>
+            </a:r>
+            <a:r>
+              <a:rPr lang="en-US" altLang="ko-KR" sz="1100" b="1" dirty="0">
+                <a:latin typeface="나눔고딕" panose="020D0604000000000000" pitchFamily="50" charset="-127"/>
+                <a:ea typeface="나눔고딕" panose="020D0604000000000000" pitchFamily="50" charset="-127"/>
+              </a:rPr>
+              <a:t>JSP</a:t>
+            </a:r>
+            <a:r>
+              <a:rPr lang="ko-KR" altLang="en-US" sz="1100" b="1" dirty="0">
+                <a:latin typeface="나눔고딕" panose="020D0604000000000000" pitchFamily="50" charset="-127"/>
+                <a:ea typeface="나눔고딕" panose="020D0604000000000000" pitchFamily="50" charset="-127"/>
+              </a:rPr>
+              <a:t>의 내용이 표시</a:t>
+            </a:r>
+          </a:p>
+        </p:txBody>
+      </p:sp>
+      <p:pic>
+        <p:nvPicPr>
+          <p:cNvPr id="5" name="그림 4"/>
+          <p:cNvPicPr>
+            <a:picLocks noChangeAspect="1"/>
+          </p:cNvPicPr>
+          <p:nvPr/>
+        </p:nvPicPr>
+        <p:blipFill rotWithShape="1">
+          <a:blip r:embed="rId4">
+            <a:extLst>
+              <a:ext uri="{28A0092B-C50C-407E-A947-70E740481C1C}">
+                <a14:useLocalDpi xmlns:a14="http://schemas.microsoft.com/office/drawing/2010/main" val="0"/>
+              </a:ext>
+            </a:extLst>
+          </a:blip>
+          <a:srcRect l="980"/>
+          <a:stretch/>
+        </p:blipFill>
+        <p:spPr>
+          <a:xfrm>
+            <a:off x="4486751" y="2406199"/>
+            <a:ext cx="7186872" cy="3524250"/>
+          </a:xfrm>
+          <a:prstGeom prst="rect">
+            <a:avLst/>
+          </a:prstGeom>
+          <a:ln w="28575">
+            <a:solidFill>
+              <a:srgbClr val="FF0000"/>
+            </a:solidFill>
+          </a:ln>
+        </p:spPr>
+      </p:pic>
+      <p:cxnSp>
+        <p:nvCxnSpPr>
+          <p:cNvPr id="8" name="직선 화살표 연결선 7"/>
+          <p:cNvCxnSpPr/>
+          <p:nvPr/>
+        </p:nvCxnSpPr>
+        <p:spPr>
+          <a:xfrm flipH="1">
+            <a:off x="2130425" y="3956858"/>
+            <a:ext cx="577" cy="262717"/>
+          </a:xfrm>
+          <a:prstGeom prst="straightConnector1">
+            <a:avLst/>
+          </a:prstGeom>
+          <a:ln w="19050">
+            <a:solidFill>
+              <a:srgbClr val="FF0000"/>
+            </a:solidFill>
+            <a:tailEnd type="triangle"/>
+          </a:ln>
+        </p:spPr>
+        <p:style>
+          <a:lnRef idx="1">
+            <a:schemeClr val="accent1"/>
+          </a:lnRef>
+          <a:fillRef idx="0">
+            <a:schemeClr val="accent1"/>
+          </a:fillRef>
+          <a:effectRef idx="0">
+            <a:schemeClr val="accent1"/>
+          </a:effectRef>
+          <a:fontRef idx="minor">
+            <a:schemeClr val="tx1"/>
+          </a:fontRef>
+        </p:style>
+      </p:cxnSp>
+      <p:sp>
+        <p:nvSpPr>
+          <p:cNvPr id="11" name="TextBox 10">
+            <a:extLst>
+              <a:ext uri="{FF2B5EF4-FFF2-40B4-BE49-F238E27FC236}">
+                <a16:creationId xmlns:a16="http://schemas.microsoft.com/office/drawing/2014/main" id="{B583BC1C-A564-45E4-98E0-9B9831B68E24}"/>
+              </a:ext>
+            </a:extLst>
+          </p:cNvPr>
+          <p:cNvSpPr txBox="1"/>
+          <p:nvPr/>
+        </p:nvSpPr>
+        <p:spPr>
+          <a:xfrm>
+            <a:off x="4467701" y="1458629"/>
+            <a:ext cx="4310795" cy="600164"/>
+          </a:xfrm>
+          <a:prstGeom prst="rect">
+            <a:avLst/>
+          </a:prstGeom>
+          <a:ln w="28575">
+            <a:solidFill>
+              <a:srgbClr val="FF0000"/>
+            </a:solidFill>
+          </a:ln>
+        </p:spPr>
+        <p:style>
+          <a:lnRef idx="2">
+            <a:schemeClr val="accent6"/>
+          </a:lnRef>
+          <a:fillRef idx="1">
+            <a:schemeClr val="lt1"/>
+          </a:fillRef>
+          <a:effectRef idx="0">
+            <a:schemeClr val="accent6"/>
+          </a:effectRef>
+          <a:fontRef idx="minor">
+            <a:schemeClr val="dk1"/>
+          </a:fontRef>
+        </p:style>
+        <p:txBody>
+          <a:bodyPr wrap="none" rtlCol="0">
+            <a:spAutoFit/>
+          </a:bodyPr>
+          <a:lstStyle/>
+          <a:p>
+            <a:pPr algn="ctr"/>
+            <a:r>
+              <a:rPr lang="en-US" altLang="ko-KR" sz="1100" b="1" dirty="0">
+                <a:latin typeface="나눔고딕" panose="020D0604000000000000" pitchFamily="50" charset="-127"/>
+                <a:ea typeface="나눔고딕" panose="020D0604000000000000" pitchFamily="50" charset="-127"/>
+              </a:rPr>
+              <a:t>*ControllerImpl.java</a:t>
+            </a:r>
+          </a:p>
+          <a:p>
+            <a:pPr algn="ctr"/>
+            <a:r>
+              <a:rPr lang="ko-KR" altLang="en-US" sz="1100" b="1" dirty="0">
+                <a:latin typeface="나눔고딕" panose="020D0604000000000000" pitchFamily="50" charset="-127"/>
+                <a:ea typeface="나눔고딕" panose="020D0604000000000000" pitchFamily="50" charset="-127"/>
+              </a:rPr>
+              <a:t>브라우저에서 매핑 된 주소로 요청 시 </a:t>
+            </a:r>
+            <a:endParaRPr lang="en-US" altLang="ko-KR" sz="1100" b="1" dirty="0">
+              <a:latin typeface="나눔고딕" panose="020D0604000000000000" pitchFamily="50" charset="-127"/>
+              <a:ea typeface="나눔고딕" panose="020D0604000000000000" pitchFamily="50" charset="-127"/>
+            </a:endParaRPr>
+          </a:p>
+          <a:p>
+            <a:pPr algn="ctr"/>
+            <a:r>
+              <a:rPr lang="en-US" altLang="ko-KR" sz="1100" b="1" dirty="0" err="1">
+                <a:latin typeface="나눔고딕" panose="020D0604000000000000" pitchFamily="50" charset="-127"/>
+                <a:ea typeface="나눔고딕" panose="020D0604000000000000" pitchFamily="50" charset="-127"/>
+              </a:rPr>
+              <a:t>ModelAndView</a:t>
+            </a:r>
+            <a:r>
+              <a:rPr lang="en-US" altLang="ko-KR" sz="1100" b="1" dirty="0">
+                <a:latin typeface="나눔고딕" panose="020D0604000000000000" pitchFamily="50" charset="-127"/>
+                <a:ea typeface="나눔고딕" panose="020D0604000000000000" pitchFamily="50" charset="-127"/>
+              </a:rPr>
+              <a:t> </a:t>
+            </a:r>
+            <a:r>
+              <a:rPr lang="ko-KR" altLang="en-US" sz="1100" b="1" dirty="0">
+                <a:latin typeface="나눔고딕" panose="020D0604000000000000" pitchFamily="50" charset="-127"/>
+                <a:ea typeface="나눔고딕" panose="020D0604000000000000" pitchFamily="50" charset="-127"/>
+              </a:rPr>
+              <a:t>객체에 설정 된 뷰 이름을 </a:t>
+            </a:r>
+            <a:r>
+              <a:rPr lang="en-US" altLang="ko-KR" sz="1100" b="1" dirty="0" err="1">
+                <a:latin typeface="나눔고딕" panose="020D0604000000000000" pitchFamily="50" charset="-127"/>
+                <a:ea typeface="나눔고딕" panose="020D0604000000000000" pitchFamily="50" charset="-127"/>
+              </a:rPr>
+              <a:t>tilesViewResolver</a:t>
+            </a:r>
+            <a:r>
+              <a:rPr lang="ko-KR" altLang="en-US" sz="1100" b="1" dirty="0">
+                <a:latin typeface="나눔고딕" panose="020D0604000000000000" pitchFamily="50" charset="-127"/>
+                <a:ea typeface="나눔고딕" panose="020D0604000000000000" pitchFamily="50" charset="-127"/>
+              </a:rPr>
+              <a:t>로 반환</a:t>
+            </a:r>
+          </a:p>
+        </p:txBody>
+      </p:sp>
+      <p:sp>
+        <p:nvSpPr>
+          <p:cNvPr id="10" name="직사각형 9"/>
+          <p:cNvSpPr/>
+          <p:nvPr/>
+        </p:nvSpPr>
+        <p:spPr>
+          <a:xfrm>
+            <a:off x="4991100" y="4116889"/>
+            <a:ext cx="3952875" cy="597986"/>
+          </a:xfrm>
+          <a:prstGeom prst="rect">
+            <a:avLst/>
+          </a:prstGeom>
+          <a:noFill/>
+          <a:ln w="28575">
+            <a:solidFill>
+              <a:srgbClr val="FF0000"/>
+            </a:solidFill>
+          </a:ln>
+        </p:spPr>
+        <p:style>
+          <a:lnRef idx="2">
+            <a:schemeClr val="accent1">
+              <a:shade val="50000"/>
+            </a:schemeClr>
+          </a:lnRef>
+          <a:fillRef idx="1">
+            <a:schemeClr val="accent1"/>
+          </a:fillRef>
+          <a:effectRef idx="0">
+            <a:schemeClr val="accent1"/>
+          </a:effectRef>
+          <a:fontRef idx="minor">
+            <a:schemeClr val="lt1"/>
+          </a:fontRef>
+        </p:style>
+        <p:txBody>
+          <a:bodyPr rtlCol="0" anchor="ctr"/>
+          <a:lstStyle/>
+          <a:p>
+            <a:pPr algn="ctr"/>
+            <a:endParaRPr lang="ko-KR" altLang="en-US"/>
+          </a:p>
+        </p:txBody>
+      </p:sp>
+      <p:cxnSp>
+        <p:nvCxnSpPr>
+          <p:cNvPr id="13" name="직선 화살표 연결선 12"/>
+          <p:cNvCxnSpPr>
+            <a:stCxn id="11" idx="2"/>
+            <a:endCxn id="10" idx="0"/>
+          </p:cNvCxnSpPr>
+          <p:nvPr/>
+        </p:nvCxnSpPr>
+        <p:spPr>
+          <a:xfrm>
+            <a:off x="6623099" y="2058793"/>
+            <a:ext cx="344439" cy="2058096"/>
+          </a:xfrm>
+          <a:prstGeom prst="straightConnector1">
+            <a:avLst/>
+          </a:prstGeom>
+          <a:ln w="28575">
+            <a:solidFill>
+              <a:srgbClr val="FF0000"/>
+            </a:solidFill>
+            <a:prstDash val="dash"/>
+            <a:tailEnd type="triangle"/>
+          </a:ln>
+        </p:spPr>
+        <p:style>
+          <a:lnRef idx="1">
+            <a:schemeClr val="accent1"/>
+          </a:lnRef>
+          <a:fillRef idx="0">
+            <a:schemeClr val="accent1"/>
+          </a:fillRef>
+          <a:effectRef idx="0">
+            <a:schemeClr val="accent1"/>
+          </a:effectRef>
+          <a:fontRef idx="minor">
+            <a:schemeClr val="tx1"/>
+          </a:fontRef>
+        </p:style>
+      </p:cxnSp>
     </p:spTree>
     <p:extLst>
       <p:ext uri="{BB962C8B-B14F-4D97-AF65-F5344CB8AC3E}">
         <p14:creationId xmlns:p14="http://schemas.microsoft.com/office/powerpoint/2010/main" val="2018520250"/>
+      </p:ext>
+    </p:extLst>
+  </p:cSld>
+  <p:clrMapOvr>
+    <a:masterClrMapping/>
+  </p:clrMapOvr>
+</p:sld>
+</file>
+
+<file path=ppt/slides/slide6.xml><?xml version="1.0" encoding="utf-8"?>
+<p:sld xmlns:a="http://schemas.openxmlformats.org/drawingml/2006/main" xmlns:r="http://schemas.openxmlformats.org/officeDocument/2006/relationships" xmlns:p="http://schemas.openxmlformats.org/presentationml/2006/main">
+  <p:cSld>
+    <p:spTree>
+      <p:nvGrpSpPr>
+        <p:cNvPr id="1" name=""/>
+        <p:cNvGrpSpPr/>
+        <p:nvPr/>
+      </p:nvGrpSpPr>
+      <p:grpSpPr>
+        <a:xfrm>
+          <a:off x="0" y="0"/>
+          <a:ext cx="0" cy="0"/>
+          <a:chOff x="0" y="0"/>
+          <a:chExt cx="0" cy="0"/>
+        </a:xfrm>
+      </p:grpSpPr>
+      <p:sp>
+        <p:nvSpPr>
+          <p:cNvPr id="4" name="TextBox 3"/>
+          <p:cNvSpPr txBox="1"/>
+          <p:nvPr/>
+        </p:nvSpPr>
+        <p:spPr>
+          <a:xfrm>
+            <a:off x="1609648" y="652588"/>
+            <a:ext cx="3398687" cy="646331"/>
+          </a:xfrm>
+          <a:prstGeom prst="rect">
+            <a:avLst/>
+          </a:prstGeom>
+          <a:noFill/>
+        </p:spPr>
+        <p:txBody>
+          <a:bodyPr wrap="none" rtlCol="0">
+            <a:spAutoFit/>
+          </a:bodyPr>
+          <a:lstStyle/>
+          <a:p>
+            <a:r>
+              <a:rPr lang="ko-KR" altLang="en-US" sz="3600" b="1" dirty="0" smtClean="0">
+                <a:ln w="12700">
+                  <a:solidFill>
+                    <a:sysClr val="windowText" lastClr="000000"/>
+                  </a:solidFill>
+                </a:ln>
+                <a:latin typeface="나눔고딕" panose="020D0604000000000000" pitchFamily="50" charset="-127"/>
+                <a:ea typeface="나눔고딕" panose="020D0604000000000000" pitchFamily="50" charset="-127"/>
+              </a:rPr>
+              <a:t>페이지 </a:t>
+            </a:r>
+            <a:r>
+              <a:rPr lang="ko-KR" altLang="en-US" sz="3600" b="1" dirty="0" smtClean="0">
+                <a:ln w="12700">
+                  <a:solidFill>
+                    <a:sysClr val="windowText" lastClr="000000"/>
+                  </a:solidFill>
+                </a:ln>
+                <a:latin typeface="나눔고딕" panose="020D0604000000000000" pitchFamily="50" charset="-127"/>
+                <a:ea typeface="나눔고딕" panose="020D0604000000000000" pitchFamily="50" charset="-127"/>
+              </a:rPr>
+              <a:t>구현</a:t>
+            </a:r>
+            <a:r>
+              <a:rPr lang="ko-KR" altLang="en-US" sz="2400" b="1" dirty="0" smtClean="0">
+                <a:ln w="12700">
+                  <a:solidFill>
+                    <a:sysClr val="windowText" lastClr="000000"/>
+                  </a:solidFill>
+                </a:ln>
+                <a:latin typeface="나눔고딕" panose="020D0604000000000000" pitchFamily="50" charset="-127"/>
+                <a:ea typeface="나눔고딕" panose="020D0604000000000000" pitchFamily="50" charset="-127"/>
+              </a:rPr>
+              <a:t> </a:t>
+            </a:r>
+            <a:r>
+              <a:rPr lang="en-US" altLang="ko-KR" sz="2400" dirty="0" smtClean="0">
+                <a:ln w="12700">
+                  <a:solidFill>
+                    <a:sysClr val="windowText" lastClr="000000"/>
+                  </a:solidFill>
+                </a:ln>
+                <a:latin typeface="나눔고딕" panose="020D0604000000000000" pitchFamily="50" charset="-127"/>
+                <a:ea typeface="나눔고딕" panose="020D0604000000000000" pitchFamily="50" charset="-127"/>
+              </a:rPr>
+              <a:t>(tiles)</a:t>
+            </a:r>
+            <a:endParaRPr lang="ko-KR" altLang="en-US" sz="3600" dirty="0">
+              <a:ln w="12700">
+                <a:solidFill>
+                  <a:sysClr val="windowText" lastClr="000000"/>
+                </a:solidFill>
+              </a:ln>
+              <a:latin typeface="나눔고딕" panose="020D0604000000000000" pitchFamily="50" charset="-127"/>
+              <a:ea typeface="나눔고딕" panose="020D0604000000000000" pitchFamily="50" charset="-127"/>
+            </a:endParaRPr>
+          </a:p>
+        </p:txBody>
+      </p:sp>
+      <p:pic>
+        <p:nvPicPr>
+          <p:cNvPr id="14" name="그림 13"/>
+          <p:cNvPicPr>
+            <a:picLocks noChangeAspect="1"/>
+          </p:cNvPicPr>
+          <p:nvPr/>
+        </p:nvPicPr>
+        <p:blipFill>
+          <a:blip r:embed="rId2"/>
+          <a:stretch>
+            <a:fillRect/>
+          </a:stretch>
+        </p:blipFill>
+        <p:spPr>
+          <a:xfrm>
+            <a:off x="1609648" y="1456126"/>
+            <a:ext cx="7434263" cy="4930386"/>
+          </a:xfrm>
+          <a:prstGeom prst="rect">
+            <a:avLst/>
+          </a:prstGeom>
+          <a:ln w="28575">
+            <a:solidFill>
+              <a:srgbClr val="FF0000"/>
+            </a:solidFill>
+          </a:ln>
+        </p:spPr>
+      </p:pic>
+      <p:sp>
+        <p:nvSpPr>
+          <p:cNvPr id="15" name="직사각형 14"/>
+          <p:cNvSpPr/>
+          <p:nvPr/>
+        </p:nvSpPr>
+        <p:spPr>
+          <a:xfrm>
+            <a:off x="2028825" y="2828925"/>
+            <a:ext cx="6467475" cy="1438275"/>
+          </a:xfrm>
+          <a:prstGeom prst="rect">
+            <a:avLst/>
+          </a:prstGeom>
+          <a:noFill/>
+          <a:ln w="28575">
+            <a:solidFill>
+              <a:srgbClr val="FF0000"/>
+            </a:solidFill>
+          </a:ln>
+        </p:spPr>
+        <p:style>
+          <a:lnRef idx="2">
+            <a:schemeClr val="accent1">
+              <a:shade val="50000"/>
+            </a:schemeClr>
+          </a:lnRef>
+          <a:fillRef idx="1">
+            <a:schemeClr val="accent1"/>
+          </a:fillRef>
+          <a:effectRef idx="0">
+            <a:schemeClr val="accent1"/>
+          </a:effectRef>
+          <a:fontRef idx="minor">
+            <a:schemeClr val="lt1"/>
+          </a:fontRef>
+        </p:style>
+        <p:txBody>
+          <a:bodyPr rtlCol="0" anchor="ctr"/>
+          <a:lstStyle/>
+          <a:p>
+            <a:pPr algn="ctr"/>
+            <a:endParaRPr lang="ko-KR" altLang="en-US"/>
+          </a:p>
+        </p:txBody>
+      </p:sp>
+      <p:sp>
+        <p:nvSpPr>
+          <p:cNvPr id="16" name="TextBox 15">
+            <a:extLst>
+              <a:ext uri="{FF2B5EF4-FFF2-40B4-BE49-F238E27FC236}">
+                <a16:creationId xmlns:a16="http://schemas.microsoft.com/office/drawing/2014/main" id="{CBC67CCD-1363-4AC9-84E4-19A633E6E0CC}"/>
+              </a:ext>
+            </a:extLst>
+          </p:cNvPr>
+          <p:cNvSpPr txBox="1"/>
+          <p:nvPr/>
+        </p:nvSpPr>
+        <p:spPr>
+          <a:xfrm>
+            <a:off x="2028825" y="1839248"/>
+            <a:ext cx="5394425" cy="430887"/>
+          </a:xfrm>
+          <a:prstGeom prst="rect">
+            <a:avLst/>
+          </a:prstGeom>
+          <a:ln w="28575">
+            <a:solidFill>
+              <a:srgbClr val="FF0000"/>
+            </a:solidFill>
+          </a:ln>
+        </p:spPr>
+        <p:style>
+          <a:lnRef idx="2">
+            <a:schemeClr val="accent6"/>
+          </a:lnRef>
+          <a:fillRef idx="1">
+            <a:schemeClr val="lt1"/>
+          </a:fillRef>
+          <a:effectRef idx="0">
+            <a:schemeClr val="accent6"/>
+          </a:effectRef>
+          <a:fontRef idx="minor">
+            <a:schemeClr val="dk1"/>
+          </a:fontRef>
+        </p:style>
+        <p:txBody>
+          <a:bodyPr wrap="none" rtlCol="0">
+            <a:spAutoFit/>
+          </a:bodyPr>
+          <a:lstStyle/>
+          <a:p>
+            <a:pPr algn="ctr"/>
+            <a:r>
+              <a:rPr lang="en-US" altLang="ko-KR" sz="1100" b="1" dirty="0">
+                <a:latin typeface="나눔고딕" panose="020D0604000000000000" pitchFamily="50" charset="-127"/>
+                <a:ea typeface="나눔고딕" panose="020D0604000000000000" pitchFamily="50" charset="-127"/>
+              </a:rPr>
+              <a:t>servlet-context.xml</a:t>
+            </a:r>
+          </a:p>
+          <a:p>
+            <a:pPr algn="ctr"/>
+            <a:r>
+              <a:rPr lang="en-US" altLang="ko-KR" sz="1100" b="1" dirty="0" err="1">
+                <a:latin typeface="나눔고딕" panose="020D0604000000000000" pitchFamily="50" charset="-127"/>
+                <a:ea typeface="나눔고딕" panose="020D0604000000000000" pitchFamily="50" charset="-127"/>
+              </a:rPr>
+              <a:t>tilesViewResolver</a:t>
+            </a:r>
+            <a:r>
+              <a:rPr lang="ko-KR" altLang="en-US" sz="1100" b="1" dirty="0">
+                <a:latin typeface="나눔고딕" panose="020D0604000000000000" pitchFamily="50" charset="-127"/>
+                <a:ea typeface="나눔고딕" panose="020D0604000000000000" pitchFamily="50" charset="-127"/>
+              </a:rPr>
+              <a:t>를 사용 해 </a:t>
+            </a:r>
+            <a:r>
+              <a:rPr lang="en-US" altLang="ko-KR" sz="1100" b="1" dirty="0">
+                <a:latin typeface="나눔고딕" panose="020D0604000000000000" pitchFamily="50" charset="-127"/>
+                <a:ea typeface="나눔고딕" panose="020D0604000000000000" pitchFamily="50" charset="-127"/>
+              </a:rPr>
+              <a:t>Controller</a:t>
+            </a:r>
+            <a:r>
+              <a:rPr lang="ko-KR" altLang="en-US" sz="1100" b="1" dirty="0">
+                <a:latin typeface="나눔고딕" panose="020D0604000000000000" pitchFamily="50" charset="-127"/>
+                <a:ea typeface="나눔고딕" panose="020D0604000000000000" pitchFamily="50" charset="-127"/>
+              </a:rPr>
+              <a:t>를 통해 반환 된 뷰 이름의</a:t>
+            </a:r>
+            <a:r>
+              <a:rPr lang="en-US" altLang="ko-KR" sz="1100" b="1" dirty="0">
+                <a:latin typeface="나눔고딕" panose="020D0604000000000000" pitchFamily="50" charset="-127"/>
+                <a:ea typeface="나눔고딕" panose="020D0604000000000000" pitchFamily="50" charset="-127"/>
+              </a:rPr>
+              <a:t> JSP</a:t>
+            </a:r>
+            <a:r>
+              <a:rPr lang="ko-KR" altLang="en-US" sz="1100" b="1" dirty="0">
+                <a:latin typeface="나눔고딕" panose="020D0604000000000000" pitchFamily="50" charset="-127"/>
+                <a:ea typeface="나눔고딕" panose="020D0604000000000000" pitchFamily="50" charset="-127"/>
+              </a:rPr>
+              <a:t>를 화면에 표시</a:t>
+            </a:r>
+          </a:p>
+        </p:txBody>
+      </p:sp>
+      <p:cxnSp>
+        <p:nvCxnSpPr>
+          <p:cNvPr id="20" name="직선 화살표 연결선 19"/>
+          <p:cNvCxnSpPr>
+            <a:stCxn id="16" idx="2"/>
+            <a:endCxn id="15" idx="0"/>
+          </p:cNvCxnSpPr>
+          <p:nvPr/>
+        </p:nvCxnSpPr>
+        <p:spPr>
+          <a:xfrm>
+            <a:off x="4726038" y="2270135"/>
+            <a:ext cx="536525" cy="558790"/>
+          </a:xfrm>
+          <a:prstGeom prst="straightConnector1">
+            <a:avLst/>
+          </a:prstGeom>
+          <a:ln w="28575">
+            <a:solidFill>
+              <a:srgbClr val="FF0000"/>
+            </a:solidFill>
+            <a:prstDash val="dash"/>
+            <a:tailEnd type="triangle"/>
+          </a:ln>
+        </p:spPr>
+        <p:style>
+          <a:lnRef idx="1">
+            <a:schemeClr val="accent1"/>
+          </a:lnRef>
+          <a:fillRef idx="0">
+            <a:schemeClr val="accent1"/>
+          </a:fillRef>
+          <a:effectRef idx="0">
+            <a:schemeClr val="accent1"/>
+          </a:effectRef>
+          <a:fontRef idx="minor">
+            <a:schemeClr val="tx1"/>
+          </a:fontRef>
+        </p:style>
+      </p:cxnSp>
+    </p:spTree>
+    <p:extLst>
+      <p:ext uri="{BB962C8B-B14F-4D97-AF65-F5344CB8AC3E}">
+        <p14:creationId xmlns:p14="http://schemas.microsoft.com/office/powerpoint/2010/main" val="659353211"/>
+      </p:ext>
+    </p:extLst>
+  </p:cSld>
+  <p:clrMapOvr>
+    <a:masterClrMapping/>
+  </p:clrMapOvr>
+</p:sld>
+</file>
+
+<file path=ppt/slides/slide7.xml><?xml version="1.0" encoding="utf-8"?>
+<p:sld xmlns:a="http://schemas.openxmlformats.org/drawingml/2006/main" xmlns:r="http://schemas.openxmlformats.org/officeDocument/2006/relationships" xmlns:p="http://schemas.openxmlformats.org/presentationml/2006/main">
+  <p:cSld>
+    <p:spTree>
+      <p:nvGrpSpPr>
+        <p:cNvPr id="1" name=""/>
+        <p:cNvGrpSpPr/>
+        <p:nvPr/>
+      </p:nvGrpSpPr>
+      <p:grpSpPr>
+        <a:xfrm>
+          <a:off x="0" y="0"/>
+          <a:ext cx="0" cy="0"/>
+          <a:chOff x="0" y="0"/>
+          <a:chExt cx="0" cy="0"/>
+        </a:xfrm>
+      </p:grpSpPr>
+      <p:sp>
+        <p:nvSpPr>
+          <p:cNvPr id="4" name="TextBox 3"/>
+          <p:cNvSpPr txBox="1"/>
+          <p:nvPr/>
+        </p:nvSpPr>
+        <p:spPr>
+          <a:xfrm>
+            <a:off x="1609648" y="652588"/>
+            <a:ext cx="3897221" cy="646331"/>
+          </a:xfrm>
+          <a:prstGeom prst="rect">
+            <a:avLst/>
+          </a:prstGeom>
+          <a:noFill/>
+        </p:spPr>
+        <p:txBody>
+          <a:bodyPr wrap="none" rtlCol="0">
+            <a:spAutoFit/>
+          </a:bodyPr>
+          <a:lstStyle/>
+          <a:p>
+            <a:r>
+              <a:rPr lang="ko-KR" altLang="en-US" sz="3600" b="1" dirty="0" smtClean="0">
+                <a:ln w="12700">
+                  <a:solidFill>
+                    <a:sysClr val="windowText" lastClr="000000"/>
+                  </a:solidFill>
+                </a:ln>
+                <a:latin typeface="나눔고딕" panose="020D0604000000000000" pitchFamily="50" charset="-127"/>
+                <a:ea typeface="나눔고딕" panose="020D0604000000000000" pitchFamily="50" charset="-127"/>
+              </a:rPr>
+              <a:t>페이지 </a:t>
+            </a:r>
+            <a:r>
+              <a:rPr lang="ko-KR" altLang="en-US" sz="3600" b="1" dirty="0" smtClean="0">
+                <a:ln w="12700">
+                  <a:solidFill>
+                    <a:sysClr val="windowText" lastClr="000000"/>
+                  </a:solidFill>
+                </a:ln>
+                <a:latin typeface="나눔고딕" panose="020D0604000000000000" pitchFamily="50" charset="-127"/>
+                <a:ea typeface="나눔고딕" panose="020D0604000000000000" pitchFamily="50" charset="-127"/>
+              </a:rPr>
+              <a:t>구현</a:t>
+            </a:r>
+            <a:r>
+              <a:rPr lang="ko-KR" altLang="en-US" sz="2400" b="1" dirty="0" smtClean="0">
+                <a:ln w="12700">
+                  <a:solidFill>
+                    <a:sysClr val="windowText" lastClr="000000"/>
+                  </a:solidFill>
+                </a:ln>
+                <a:latin typeface="나눔고딕" panose="020D0604000000000000" pitchFamily="50" charset="-127"/>
+                <a:ea typeface="나눔고딕" panose="020D0604000000000000" pitchFamily="50" charset="-127"/>
+              </a:rPr>
+              <a:t> </a:t>
+            </a:r>
+            <a:r>
+              <a:rPr lang="en-US" altLang="ko-KR" sz="2400" dirty="0" smtClean="0">
+                <a:ln w="12700">
+                  <a:solidFill>
+                    <a:sysClr val="windowText" lastClr="000000"/>
+                  </a:solidFill>
+                </a:ln>
+                <a:latin typeface="나눔고딕" panose="020D0604000000000000" pitchFamily="50" charset="-127"/>
+                <a:ea typeface="나눔고딕" panose="020D0604000000000000" pitchFamily="50" charset="-127"/>
+              </a:rPr>
+              <a:t>(mapper)</a:t>
+            </a:r>
+            <a:endParaRPr lang="ko-KR" altLang="en-US" sz="3600" dirty="0">
+              <a:ln w="12700">
+                <a:solidFill>
+                  <a:sysClr val="windowText" lastClr="000000"/>
+                </a:solidFill>
+              </a:ln>
+              <a:latin typeface="나눔고딕" panose="020D0604000000000000" pitchFamily="50" charset="-127"/>
+              <a:ea typeface="나눔고딕" panose="020D0604000000000000" pitchFamily="50" charset="-127"/>
+            </a:endParaRPr>
+          </a:p>
+        </p:txBody>
+      </p:sp>
+      <p:pic>
+        <p:nvPicPr>
+          <p:cNvPr id="2" name="그림 1"/>
+          <p:cNvPicPr>
+            <a:picLocks noChangeAspect="1"/>
+          </p:cNvPicPr>
+          <p:nvPr/>
+        </p:nvPicPr>
+        <p:blipFill rotWithShape="1">
+          <a:blip r:embed="rId2"/>
+          <a:srcRect b="1913"/>
+          <a:stretch/>
+        </p:blipFill>
+        <p:spPr>
+          <a:xfrm>
+            <a:off x="1385887" y="1881188"/>
+            <a:ext cx="1819275" cy="1709738"/>
+          </a:xfrm>
+          <a:prstGeom prst="rect">
+            <a:avLst/>
+          </a:prstGeom>
+          <a:ln w="28575">
+            <a:solidFill>
+              <a:srgbClr val="FF0000"/>
+            </a:solidFill>
+          </a:ln>
+        </p:spPr>
+      </p:pic>
+      <p:sp>
+        <p:nvSpPr>
+          <p:cNvPr id="8" name="TextBox 7">
+            <a:extLst>
+              <a:ext uri="{FF2B5EF4-FFF2-40B4-BE49-F238E27FC236}">
+                <a16:creationId xmlns:a16="http://schemas.microsoft.com/office/drawing/2014/main" id="{BEF2F55D-D388-468B-8BA7-5FC72820D840}"/>
+              </a:ext>
+            </a:extLst>
+          </p:cNvPr>
+          <p:cNvSpPr txBox="1"/>
+          <p:nvPr/>
+        </p:nvSpPr>
+        <p:spPr>
+          <a:xfrm>
+            <a:off x="1366837" y="1459248"/>
+            <a:ext cx="1863011" cy="261610"/>
+          </a:xfrm>
+          <a:prstGeom prst="rect">
+            <a:avLst/>
+          </a:prstGeom>
+          <a:ln w="28575">
+            <a:solidFill>
+              <a:srgbClr val="FF0000"/>
+            </a:solidFill>
+          </a:ln>
+        </p:spPr>
+        <p:style>
+          <a:lnRef idx="2">
+            <a:schemeClr val="accent6"/>
+          </a:lnRef>
+          <a:fillRef idx="1">
+            <a:schemeClr val="lt1"/>
+          </a:fillRef>
+          <a:effectRef idx="0">
+            <a:schemeClr val="accent6"/>
+          </a:effectRef>
+          <a:fontRef idx="minor">
+            <a:schemeClr val="dk1"/>
+          </a:fontRef>
+        </p:style>
+        <p:txBody>
+          <a:bodyPr wrap="none" rtlCol="0">
+            <a:spAutoFit/>
+          </a:bodyPr>
+          <a:lstStyle/>
+          <a:p>
+            <a:pPr algn="ctr"/>
+            <a:r>
+              <a:rPr lang="en-US" altLang="ko-KR" sz="1100" b="1" dirty="0">
+                <a:latin typeface="나눔고딕" panose="020D0604000000000000" pitchFamily="50" charset="-127"/>
+                <a:ea typeface="나눔고딕" panose="020D0604000000000000" pitchFamily="50" charset="-127"/>
+              </a:rPr>
+              <a:t>SQL</a:t>
+            </a:r>
+            <a:r>
+              <a:rPr lang="ko-KR" altLang="en-US" sz="1100" b="1" dirty="0">
+                <a:latin typeface="나눔고딕" panose="020D0604000000000000" pitchFamily="50" charset="-127"/>
+                <a:ea typeface="나눔고딕" panose="020D0604000000000000" pitchFamily="50" charset="-127"/>
+              </a:rPr>
+              <a:t>문에 대한 </a:t>
+            </a:r>
+            <a:r>
+              <a:rPr lang="en-US" altLang="ko-KR" sz="1100" b="1" dirty="0" smtClean="0">
+                <a:latin typeface="나눔고딕" panose="020D0604000000000000" pitchFamily="50" charset="-127"/>
+                <a:ea typeface="나눔고딕" panose="020D0604000000000000" pitchFamily="50" charset="-127"/>
+              </a:rPr>
+              <a:t>mapper</a:t>
+            </a:r>
+            <a:r>
+              <a:rPr lang="ko-KR" altLang="en-US" sz="1100" b="1" dirty="0" smtClean="0">
+                <a:latin typeface="나눔고딕" panose="020D0604000000000000" pitchFamily="50" charset="-127"/>
+                <a:ea typeface="나눔고딕" panose="020D0604000000000000" pitchFamily="50" charset="-127"/>
+              </a:rPr>
+              <a:t> </a:t>
+            </a:r>
+            <a:r>
+              <a:rPr lang="ko-KR" altLang="en-US" sz="1100" b="1" dirty="0">
+                <a:latin typeface="나눔고딕" panose="020D0604000000000000" pitchFamily="50" charset="-127"/>
+                <a:ea typeface="나눔고딕" panose="020D0604000000000000" pitchFamily="50" charset="-127"/>
+              </a:rPr>
+              <a:t>파일</a:t>
+            </a:r>
+          </a:p>
+        </p:txBody>
+      </p:sp>
+      <p:pic>
+        <p:nvPicPr>
+          <p:cNvPr id="3" name="그림 2"/>
+          <p:cNvPicPr>
+            <a:picLocks noChangeAspect="1"/>
+          </p:cNvPicPr>
+          <p:nvPr/>
+        </p:nvPicPr>
+        <p:blipFill rotWithShape="1">
+          <a:blip r:embed="rId3">
+            <a:extLst>
+              <a:ext uri="{28A0092B-C50C-407E-A947-70E740481C1C}">
+                <a14:useLocalDpi xmlns:a14="http://schemas.microsoft.com/office/drawing/2010/main" val="0"/>
+              </a:ext>
+            </a:extLst>
+          </a:blip>
+          <a:srcRect b="3281"/>
+          <a:stretch/>
+        </p:blipFill>
+        <p:spPr>
+          <a:xfrm>
+            <a:off x="3558258" y="1459248"/>
+            <a:ext cx="5557838" cy="4979822"/>
+          </a:xfrm>
+          <a:prstGeom prst="rect">
+            <a:avLst/>
+          </a:prstGeom>
+          <a:ln w="28575">
+            <a:solidFill>
+              <a:srgbClr val="FF0000"/>
+            </a:solidFill>
+          </a:ln>
+        </p:spPr>
+      </p:pic>
+      <p:sp>
+        <p:nvSpPr>
+          <p:cNvPr id="5" name="직사각형 4"/>
+          <p:cNvSpPr/>
+          <p:nvPr/>
+        </p:nvSpPr>
+        <p:spPr>
+          <a:xfrm>
+            <a:off x="3838575" y="2419350"/>
+            <a:ext cx="5086350" cy="3995738"/>
+          </a:xfrm>
+          <a:prstGeom prst="rect">
+            <a:avLst/>
+          </a:prstGeom>
+          <a:noFill/>
+          <a:ln w="28575">
+            <a:solidFill>
+              <a:srgbClr val="FF0000"/>
+            </a:solidFill>
+            <a:prstDash val="sysDot"/>
+          </a:ln>
+        </p:spPr>
+        <p:style>
+          <a:lnRef idx="2">
+            <a:schemeClr val="accent1">
+              <a:shade val="50000"/>
+            </a:schemeClr>
+          </a:lnRef>
+          <a:fillRef idx="1">
+            <a:schemeClr val="accent1"/>
+          </a:fillRef>
+          <a:effectRef idx="0">
+            <a:schemeClr val="accent1"/>
+          </a:effectRef>
+          <a:fontRef idx="minor">
+            <a:schemeClr val="lt1"/>
+          </a:fontRef>
+        </p:style>
+        <p:txBody>
+          <a:bodyPr rtlCol="0" anchor="ctr"/>
+          <a:lstStyle/>
+          <a:p>
+            <a:pPr algn="ctr"/>
+            <a:endParaRPr lang="ko-KR" altLang="en-US"/>
+          </a:p>
+        </p:txBody>
+      </p:sp>
+      <p:cxnSp>
+        <p:nvCxnSpPr>
+          <p:cNvPr id="7" name="직선 화살표 연결선 6"/>
+          <p:cNvCxnSpPr>
+            <a:stCxn id="5" idx="3"/>
+          </p:cNvCxnSpPr>
+          <p:nvPr/>
+        </p:nvCxnSpPr>
+        <p:spPr>
+          <a:xfrm>
+            <a:off x="8924925" y="4417219"/>
+            <a:ext cx="706192" cy="11991"/>
+          </a:xfrm>
+          <a:prstGeom prst="straightConnector1">
+            <a:avLst/>
+          </a:prstGeom>
+          <a:ln w="28575">
+            <a:solidFill>
+              <a:srgbClr val="FF0000"/>
+            </a:solidFill>
+            <a:prstDash val="sysDot"/>
+            <a:tailEnd type="triangle"/>
+          </a:ln>
+        </p:spPr>
+        <p:style>
+          <a:lnRef idx="1">
+            <a:schemeClr val="accent1"/>
+          </a:lnRef>
+          <a:fillRef idx="0">
+            <a:schemeClr val="accent1"/>
+          </a:fillRef>
+          <a:effectRef idx="0">
+            <a:schemeClr val="accent1"/>
+          </a:effectRef>
+          <a:fontRef idx="minor">
+            <a:schemeClr val="tx1"/>
+          </a:fontRef>
+        </p:style>
+      </p:cxnSp>
+      <p:sp>
+        <p:nvSpPr>
+          <p:cNvPr id="11" name="TextBox 10"/>
+          <p:cNvSpPr txBox="1"/>
+          <p:nvPr/>
+        </p:nvSpPr>
+        <p:spPr>
+          <a:xfrm>
+            <a:off x="9631117" y="4213766"/>
+            <a:ext cx="1329210" cy="430887"/>
+          </a:xfrm>
+          <a:prstGeom prst="rect">
+            <a:avLst/>
+          </a:prstGeom>
+          <a:solidFill>
+            <a:schemeClr val="bg1"/>
+          </a:solidFill>
+          <a:ln w="28575">
+            <a:solidFill>
+              <a:srgbClr val="FF0000"/>
+            </a:solidFill>
+          </a:ln>
+        </p:spPr>
+        <p:txBody>
+          <a:bodyPr wrap="none" rtlCol="0">
+            <a:spAutoFit/>
+          </a:bodyPr>
+          <a:lstStyle/>
+          <a:p>
+            <a:pPr algn="ctr"/>
+            <a:r>
+              <a:rPr lang="en-US" altLang="ko-KR" sz="1100" b="1" dirty="0" err="1" smtClean="0">
+                <a:latin typeface="나눔고딕" panose="020D0604000000000000" pitchFamily="50" charset="-127"/>
+                <a:ea typeface="나눔고딕" panose="020D0604000000000000" pitchFamily="50" charset="-127"/>
+              </a:rPr>
+              <a:t>ResultMap</a:t>
+            </a:r>
+            <a:endParaRPr lang="en-US" altLang="ko-KR" sz="1100" b="1" dirty="0" smtClean="0">
+              <a:latin typeface="나눔고딕" panose="020D0604000000000000" pitchFamily="50" charset="-127"/>
+              <a:ea typeface="나눔고딕" panose="020D0604000000000000" pitchFamily="50" charset="-127"/>
+            </a:endParaRPr>
+          </a:p>
+          <a:p>
+            <a:pPr algn="ctr"/>
+            <a:r>
+              <a:rPr lang="ko-KR" altLang="en-US" sz="1100" b="1" dirty="0" smtClean="0">
+                <a:latin typeface="나눔고딕" panose="020D0604000000000000" pitchFamily="50" charset="-127"/>
+                <a:ea typeface="나눔고딕" panose="020D0604000000000000" pitchFamily="50" charset="-127"/>
+              </a:rPr>
+              <a:t>상품의 정보를 저장</a:t>
+            </a:r>
+            <a:endParaRPr lang="ko-KR" altLang="en-US" sz="1100" b="1" dirty="0">
+              <a:latin typeface="나눔고딕" panose="020D0604000000000000" pitchFamily="50" charset="-127"/>
+              <a:ea typeface="나눔고딕" panose="020D0604000000000000" pitchFamily="50" charset="-127"/>
+            </a:endParaRPr>
+          </a:p>
+        </p:txBody>
+      </p:sp>
+    </p:spTree>
+    <p:extLst>
+      <p:ext uri="{BB962C8B-B14F-4D97-AF65-F5344CB8AC3E}">
+        <p14:creationId xmlns:p14="http://schemas.microsoft.com/office/powerpoint/2010/main" val="1365418917"/>
+      </p:ext>
+    </p:extLst>
+  </p:cSld>
+  <p:clrMapOvr>
+    <a:masterClrMapping/>
+  </p:clrMapOvr>
+</p:sld>
+</file>
+
+<file path=ppt/slides/slide8.xml><?xml version="1.0" encoding="utf-8"?>
+<p:sld xmlns:a="http://schemas.openxmlformats.org/drawingml/2006/main" xmlns:r="http://schemas.openxmlformats.org/officeDocument/2006/relationships" xmlns:p="http://schemas.openxmlformats.org/presentationml/2006/main">
+  <p:cSld>
+    <p:spTree>
+      <p:nvGrpSpPr>
+        <p:cNvPr id="1" name=""/>
+        <p:cNvGrpSpPr/>
+        <p:nvPr/>
+      </p:nvGrpSpPr>
+      <p:grpSpPr>
+        <a:xfrm>
+          <a:off x="0" y="0"/>
+          <a:ext cx="0" cy="0"/>
+          <a:chOff x="0" y="0"/>
+          <a:chExt cx="0" cy="0"/>
+        </a:xfrm>
+      </p:grpSpPr>
+      <p:sp>
+        <p:nvSpPr>
+          <p:cNvPr id="4" name="TextBox 3"/>
+          <p:cNvSpPr txBox="1"/>
+          <p:nvPr/>
+        </p:nvSpPr>
+        <p:spPr>
+          <a:xfrm>
+            <a:off x="1609648" y="652588"/>
+            <a:ext cx="3897221" cy="646331"/>
+          </a:xfrm>
+          <a:prstGeom prst="rect">
+            <a:avLst/>
+          </a:prstGeom>
+          <a:noFill/>
+        </p:spPr>
+        <p:txBody>
+          <a:bodyPr wrap="none" rtlCol="0">
+            <a:spAutoFit/>
+          </a:bodyPr>
+          <a:lstStyle/>
+          <a:p>
+            <a:r>
+              <a:rPr lang="ko-KR" altLang="en-US" sz="3600" b="1" dirty="0" smtClean="0">
+                <a:ln w="12700">
+                  <a:solidFill>
+                    <a:sysClr val="windowText" lastClr="000000"/>
+                  </a:solidFill>
+                </a:ln>
+                <a:latin typeface="나눔고딕" panose="020D0604000000000000" pitchFamily="50" charset="-127"/>
+                <a:ea typeface="나눔고딕" panose="020D0604000000000000" pitchFamily="50" charset="-127"/>
+              </a:rPr>
+              <a:t>페이지 </a:t>
+            </a:r>
+            <a:r>
+              <a:rPr lang="ko-KR" altLang="en-US" sz="3600" b="1" dirty="0" smtClean="0">
+                <a:ln w="12700">
+                  <a:solidFill>
+                    <a:sysClr val="windowText" lastClr="000000"/>
+                  </a:solidFill>
+                </a:ln>
+                <a:latin typeface="나눔고딕" panose="020D0604000000000000" pitchFamily="50" charset="-127"/>
+                <a:ea typeface="나눔고딕" panose="020D0604000000000000" pitchFamily="50" charset="-127"/>
+              </a:rPr>
+              <a:t>구현</a:t>
+            </a:r>
+            <a:r>
+              <a:rPr lang="ko-KR" altLang="en-US" sz="2400" b="1" dirty="0" smtClean="0">
+                <a:ln w="12700">
+                  <a:solidFill>
+                    <a:sysClr val="windowText" lastClr="000000"/>
+                  </a:solidFill>
+                </a:ln>
+                <a:latin typeface="나눔고딕" panose="020D0604000000000000" pitchFamily="50" charset="-127"/>
+                <a:ea typeface="나눔고딕" panose="020D0604000000000000" pitchFamily="50" charset="-127"/>
+              </a:rPr>
+              <a:t> </a:t>
+            </a:r>
+            <a:r>
+              <a:rPr lang="en-US" altLang="ko-KR" sz="2400" dirty="0" smtClean="0">
+                <a:ln w="12700">
+                  <a:solidFill>
+                    <a:sysClr val="windowText" lastClr="000000"/>
+                  </a:solidFill>
+                </a:ln>
+                <a:latin typeface="나눔고딕" panose="020D0604000000000000" pitchFamily="50" charset="-127"/>
+                <a:ea typeface="나눔고딕" panose="020D0604000000000000" pitchFamily="50" charset="-127"/>
+              </a:rPr>
+              <a:t>(mapper)</a:t>
+            </a:r>
+            <a:endParaRPr lang="ko-KR" altLang="en-US" sz="3600" dirty="0">
+              <a:ln w="12700">
+                <a:solidFill>
+                  <a:sysClr val="windowText" lastClr="000000"/>
+                </a:solidFill>
+              </a:ln>
+              <a:latin typeface="나눔고딕" panose="020D0604000000000000" pitchFamily="50" charset="-127"/>
+              <a:ea typeface="나눔고딕" panose="020D0604000000000000" pitchFamily="50" charset="-127"/>
+            </a:endParaRPr>
+          </a:p>
+        </p:txBody>
+      </p:sp>
+      <p:pic>
+        <p:nvPicPr>
+          <p:cNvPr id="2" name="그림 1"/>
+          <p:cNvPicPr>
+            <a:picLocks noChangeAspect="1"/>
+          </p:cNvPicPr>
+          <p:nvPr/>
+        </p:nvPicPr>
+        <p:blipFill rotWithShape="1">
+          <a:blip r:embed="rId2"/>
+          <a:srcRect b="1913"/>
+          <a:stretch/>
+        </p:blipFill>
+        <p:spPr>
+          <a:xfrm>
+            <a:off x="1385887" y="1881188"/>
+            <a:ext cx="1819275" cy="1709738"/>
+          </a:xfrm>
+          <a:prstGeom prst="rect">
+            <a:avLst/>
+          </a:prstGeom>
+          <a:ln w="28575">
+            <a:solidFill>
+              <a:srgbClr val="FF0000"/>
+            </a:solidFill>
+          </a:ln>
+        </p:spPr>
+      </p:pic>
+      <p:sp>
+        <p:nvSpPr>
+          <p:cNvPr id="8" name="TextBox 7">
+            <a:extLst>
+              <a:ext uri="{FF2B5EF4-FFF2-40B4-BE49-F238E27FC236}">
+                <a16:creationId xmlns:a16="http://schemas.microsoft.com/office/drawing/2014/main" id="{BEF2F55D-D388-468B-8BA7-5FC72820D840}"/>
+              </a:ext>
+            </a:extLst>
+          </p:cNvPr>
+          <p:cNvSpPr txBox="1"/>
+          <p:nvPr/>
+        </p:nvSpPr>
+        <p:spPr>
+          <a:xfrm>
+            <a:off x="1366837" y="1459248"/>
+            <a:ext cx="1863011" cy="261610"/>
+          </a:xfrm>
+          <a:prstGeom prst="rect">
+            <a:avLst/>
+          </a:prstGeom>
+          <a:ln w="28575">
+            <a:solidFill>
+              <a:srgbClr val="FF0000"/>
+            </a:solidFill>
+          </a:ln>
+        </p:spPr>
+        <p:style>
+          <a:lnRef idx="2">
+            <a:schemeClr val="accent6"/>
+          </a:lnRef>
+          <a:fillRef idx="1">
+            <a:schemeClr val="lt1"/>
+          </a:fillRef>
+          <a:effectRef idx="0">
+            <a:schemeClr val="accent6"/>
+          </a:effectRef>
+          <a:fontRef idx="minor">
+            <a:schemeClr val="dk1"/>
+          </a:fontRef>
+        </p:style>
+        <p:txBody>
+          <a:bodyPr wrap="none" rtlCol="0">
+            <a:spAutoFit/>
+          </a:bodyPr>
+          <a:lstStyle/>
+          <a:p>
+            <a:pPr algn="ctr"/>
+            <a:r>
+              <a:rPr lang="en-US" altLang="ko-KR" sz="1100" b="1" dirty="0">
+                <a:latin typeface="나눔고딕" panose="020D0604000000000000" pitchFamily="50" charset="-127"/>
+                <a:ea typeface="나눔고딕" panose="020D0604000000000000" pitchFamily="50" charset="-127"/>
+              </a:rPr>
+              <a:t>SQL</a:t>
+            </a:r>
+            <a:r>
+              <a:rPr lang="ko-KR" altLang="en-US" sz="1100" b="1" dirty="0">
+                <a:latin typeface="나눔고딕" panose="020D0604000000000000" pitchFamily="50" charset="-127"/>
+                <a:ea typeface="나눔고딕" panose="020D0604000000000000" pitchFamily="50" charset="-127"/>
+              </a:rPr>
+              <a:t>문에 대한 </a:t>
+            </a:r>
+            <a:r>
+              <a:rPr lang="en-US" altLang="ko-KR" sz="1100" b="1" dirty="0" smtClean="0">
+                <a:latin typeface="나눔고딕" panose="020D0604000000000000" pitchFamily="50" charset="-127"/>
+                <a:ea typeface="나눔고딕" panose="020D0604000000000000" pitchFamily="50" charset="-127"/>
+              </a:rPr>
+              <a:t>mapper</a:t>
+            </a:r>
+            <a:r>
+              <a:rPr lang="ko-KR" altLang="en-US" sz="1100" b="1" dirty="0" smtClean="0">
+                <a:latin typeface="나눔고딕" panose="020D0604000000000000" pitchFamily="50" charset="-127"/>
+                <a:ea typeface="나눔고딕" panose="020D0604000000000000" pitchFamily="50" charset="-127"/>
+              </a:rPr>
+              <a:t> </a:t>
+            </a:r>
+            <a:r>
+              <a:rPr lang="ko-KR" altLang="en-US" sz="1100" b="1" dirty="0">
+                <a:latin typeface="나눔고딕" panose="020D0604000000000000" pitchFamily="50" charset="-127"/>
+                <a:ea typeface="나눔고딕" panose="020D0604000000000000" pitchFamily="50" charset="-127"/>
+              </a:rPr>
+              <a:t>파일</a:t>
+            </a:r>
+          </a:p>
+        </p:txBody>
+      </p:sp>
+      <p:grpSp>
+        <p:nvGrpSpPr>
+          <p:cNvPr id="13" name="그룹 12"/>
+          <p:cNvGrpSpPr/>
+          <p:nvPr/>
+        </p:nvGrpSpPr>
+        <p:grpSpPr>
+          <a:xfrm>
+            <a:off x="3867149" y="1459247"/>
+            <a:ext cx="5191125" cy="5141577"/>
+            <a:chOff x="3867150" y="1459248"/>
+            <a:chExt cx="4800600" cy="4884402"/>
+          </a:xfrm>
+        </p:grpSpPr>
+        <p:pic>
+          <p:nvPicPr>
+            <p:cNvPr id="6" name="그림 5"/>
+            <p:cNvPicPr>
+              <a:picLocks noChangeAspect="1"/>
+            </p:cNvPicPr>
+            <p:nvPr/>
+          </p:nvPicPr>
+          <p:blipFill rotWithShape="1">
+            <a:blip r:embed="rId3">
+              <a:extLst>
+                <a:ext uri="{28A0092B-C50C-407E-A947-70E740481C1C}">
+                  <a14:useLocalDpi xmlns:a14="http://schemas.microsoft.com/office/drawing/2010/main" val="0"/>
+                </a:ext>
+              </a:extLst>
+            </a:blip>
+            <a:srcRect r="285"/>
+            <a:stretch/>
+          </p:blipFill>
+          <p:spPr>
+            <a:xfrm>
+              <a:off x="3867150" y="1459248"/>
+              <a:ext cx="4800600" cy="4005273"/>
+            </a:xfrm>
+            <a:prstGeom prst="rect">
+              <a:avLst/>
+            </a:prstGeom>
+            <a:ln>
+              <a:noFill/>
+            </a:ln>
+          </p:spPr>
+        </p:pic>
+        <p:pic>
+          <p:nvPicPr>
+            <p:cNvPr id="9" name="그림 8"/>
+            <p:cNvPicPr>
+              <a:picLocks noChangeAspect="1"/>
+            </p:cNvPicPr>
+            <p:nvPr/>
+          </p:nvPicPr>
+          <p:blipFill rotWithShape="1">
+            <a:blip r:embed="rId4">
+              <a:extLst>
+                <a:ext uri="{28A0092B-C50C-407E-A947-70E740481C1C}">
+                  <a14:useLocalDpi xmlns:a14="http://schemas.microsoft.com/office/drawing/2010/main" val="0"/>
+                </a:ext>
+              </a:extLst>
+            </a:blip>
+            <a:srcRect t="78085"/>
+            <a:stretch/>
+          </p:blipFill>
+          <p:spPr>
+            <a:xfrm>
+              <a:off x="3867150" y="5464521"/>
+              <a:ext cx="4800600" cy="879129"/>
+            </a:xfrm>
+            <a:prstGeom prst="rect">
+              <a:avLst/>
+            </a:prstGeom>
+            <a:ln>
+              <a:noFill/>
+            </a:ln>
+          </p:spPr>
+        </p:pic>
+      </p:grpSp>
+      <p:sp>
+        <p:nvSpPr>
+          <p:cNvPr id="12" name="직사각형 11"/>
+          <p:cNvSpPr/>
+          <p:nvPr/>
+        </p:nvSpPr>
+        <p:spPr>
+          <a:xfrm>
+            <a:off x="3867150" y="1459248"/>
+            <a:ext cx="5191125" cy="5141577"/>
+          </a:xfrm>
+          <a:prstGeom prst="rect">
+            <a:avLst/>
+          </a:prstGeom>
+          <a:noFill/>
+          <a:ln w="28575">
+            <a:solidFill>
+              <a:srgbClr val="FF0000"/>
+            </a:solidFill>
+          </a:ln>
+        </p:spPr>
+        <p:style>
+          <a:lnRef idx="2">
+            <a:schemeClr val="accent1">
+              <a:shade val="50000"/>
+            </a:schemeClr>
+          </a:lnRef>
+          <a:fillRef idx="1">
+            <a:schemeClr val="accent1"/>
+          </a:fillRef>
+          <a:effectRef idx="0">
+            <a:schemeClr val="accent1"/>
+          </a:effectRef>
+          <a:fontRef idx="minor">
+            <a:schemeClr val="lt1"/>
+          </a:fontRef>
+        </p:style>
+        <p:txBody>
+          <a:bodyPr rtlCol="0" anchor="ctr"/>
+          <a:lstStyle/>
+          <a:p>
+            <a:pPr algn="ctr"/>
+            <a:endParaRPr lang="ko-KR" altLang="en-US"/>
+          </a:p>
+        </p:txBody>
+      </p:sp>
+      <p:sp>
+        <p:nvSpPr>
+          <p:cNvPr id="14" name="직사각형 13"/>
+          <p:cNvSpPr/>
+          <p:nvPr/>
+        </p:nvSpPr>
+        <p:spPr>
+          <a:xfrm>
+            <a:off x="4191000" y="1720858"/>
+            <a:ext cx="4705350" cy="4834723"/>
+          </a:xfrm>
+          <a:prstGeom prst="rect">
+            <a:avLst/>
+          </a:prstGeom>
+          <a:noFill/>
+          <a:ln w="28575">
+            <a:solidFill>
+              <a:srgbClr val="FF0000"/>
+            </a:solidFill>
+            <a:prstDash val="sysDot"/>
+          </a:ln>
+        </p:spPr>
+        <p:style>
+          <a:lnRef idx="2">
+            <a:schemeClr val="accent1">
+              <a:shade val="50000"/>
+            </a:schemeClr>
+          </a:lnRef>
+          <a:fillRef idx="1">
+            <a:schemeClr val="accent1"/>
+          </a:fillRef>
+          <a:effectRef idx="0">
+            <a:schemeClr val="accent1"/>
+          </a:effectRef>
+          <a:fontRef idx="minor">
+            <a:schemeClr val="lt1"/>
+          </a:fontRef>
+        </p:style>
+        <p:txBody>
+          <a:bodyPr rtlCol="0" anchor="ctr"/>
+          <a:lstStyle/>
+          <a:p>
+            <a:pPr algn="ctr"/>
+            <a:endParaRPr lang="ko-KR" altLang="en-US"/>
+          </a:p>
+        </p:txBody>
+      </p:sp>
+      <p:cxnSp>
+        <p:nvCxnSpPr>
+          <p:cNvPr id="18" name="직선 화살표 연결선 17"/>
+          <p:cNvCxnSpPr>
+            <a:stCxn id="14" idx="3"/>
+          </p:cNvCxnSpPr>
+          <p:nvPr/>
+        </p:nvCxnSpPr>
+        <p:spPr>
+          <a:xfrm>
+            <a:off x="8896350" y="4138220"/>
+            <a:ext cx="790575" cy="1980"/>
+          </a:xfrm>
+          <a:prstGeom prst="straightConnector1">
+            <a:avLst/>
+          </a:prstGeom>
+          <a:ln w="28575">
+            <a:solidFill>
+              <a:srgbClr val="FF0000"/>
+            </a:solidFill>
+            <a:prstDash val="sysDot"/>
+            <a:tailEnd type="triangle"/>
+          </a:ln>
+        </p:spPr>
+        <p:style>
+          <a:lnRef idx="1">
+            <a:schemeClr val="accent1"/>
+          </a:lnRef>
+          <a:fillRef idx="0">
+            <a:schemeClr val="accent1"/>
+          </a:fillRef>
+          <a:effectRef idx="0">
+            <a:schemeClr val="accent1"/>
+          </a:effectRef>
+          <a:fontRef idx="minor">
+            <a:schemeClr val="tx1"/>
+          </a:fontRef>
+        </p:style>
+      </p:cxnSp>
+      <p:sp>
+        <p:nvSpPr>
+          <p:cNvPr id="21" name="TextBox 20"/>
+          <p:cNvSpPr txBox="1"/>
+          <p:nvPr/>
+        </p:nvSpPr>
+        <p:spPr>
+          <a:xfrm>
+            <a:off x="9695575" y="3838137"/>
+            <a:ext cx="1625766" cy="769441"/>
+          </a:xfrm>
+          <a:prstGeom prst="rect">
+            <a:avLst/>
+          </a:prstGeom>
+          <a:solidFill>
+            <a:schemeClr val="bg1"/>
+          </a:solidFill>
+          <a:ln w="28575">
+            <a:solidFill>
+              <a:srgbClr val="FF0000"/>
+            </a:solidFill>
+          </a:ln>
+        </p:spPr>
+        <p:txBody>
+          <a:bodyPr wrap="none" rtlCol="0">
+            <a:spAutoFit/>
+          </a:bodyPr>
+          <a:lstStyle/>
+          <a:p>
+            <a:pPr algn="ctr"/>
+            <a:r>
+              <a:rPr lang="en-US" altLang="ko-KR" sz="1100" b="1" dirty="0" err="1" smtClean="0">
+                <a:latin typeface="나눔고딕" panose="020D0604000000000000" pitchFamily="50" charset="-127"/>
+                <a:ea typeface="나눔고딕" panose="020D0604000000000000" pitchFamily="50" charset="-127"/>
+              </a:rPr>
+              <a:t>ResultMap</a:t>
+            </a:r>
+            <a:r>
+              <a:rPr lang="en-US" altLang="ko-KR" sz="1100" b="1" dirty="0" smtClean="0">
+                <a:latin typeface="나눔고딕" panose="020D0604000000000000" pitchFamily="50" charset="-127"/>
+                <a:ea typeface="나눔고딕" panose="020D0604000000000000" pitchFamily="50" charset="-127"/>
+              </a:rPr>
+              <a:t> </a:t>
+            </a:r>
+            <a:r>
+              <a:rPr lang="ko-KR" altLang="en-US" sz="1100" b="1" dirty="0" smtClean="0">
+                <a:latin typeface="나눔고딕" panose="020D0604000000000000" pitchFamily="50" charset="-127"/>
+                <a:ea typeface="나눔고딕" panose="020D0604000000000000" pitchFamily="50" charset="-127"/>
+              </a:rPr>
+              <a:t>에서</a:t>
+            </a:r>
+            <a:endParaRPr lang="en-US" altLang="ko-KR" sz="1100" b="1" dirty="0" smtClean="0">
+              <a:latin typeface="나눔고딕" panose="020D0604000000000000" pitchFamily="50" charset="-127"/>
+              <a:ea typeface="나눔고딕" panose="020D0604000000000000" pitchFamily="50" charset="-127"/>
+            </a:endParaRPr>
+          </a:p>
+          <a:p>
+            <a:pPr algn="ctr"/>
+            <a:r>
+              <a:rPr lang="ko-KR" altLang="en-US" sz="1100" b="1" dirty="0" smtClean="0">
+                <a:latin typeface="나눔고딕" panose="020D0604000000000000" pitchFamily="50" charset="-127"/>
+                <a:ea typeface="나눔고딕" panose="020D0604000000000000" pitchFamily="50" charset="-127"/>
+              </a:rPr>
+              <a:t>저장한 </a:t>
+            </a:r>
+            <a:r>
+              <a:rPr lang="en-US" altLang="ko-KR" sz="1100" b="1" dirty="0" smtClean="0">
+                <a:latin typeface="나눔고딕" panose="020D0604000000000000" pitchFamily="50" charset="-127"/>
+                <a:ea typeface="나눔고딕" panose="020D0604000000000000" pitchFamily="50" charset="-127"/>
+              </a:rPr>
+              <a:t>#{</a:t>
+            </a:r>
+            <a:r>
+              <a:rPr lang="ko-KR" altLang="en-US" sz="1100" b="1" dirty="0" smtClean="0">
+                <a:latin typeface="나눔고딕" panose="020D0604000000000000" pitchFamily="50" charset="-127"/>
+                <a:ea typeface="나눔고딕" panose="020D0604000000000000" pitchFamily="50" charset="-127"/>
+              </a:rPr>
+              <a:t>지정 값</a:t>
+            </a:r>
+            <a:r>
+              <a:rPr lang="en-US" altLang="ko-KR" sz="1100" b="1" dirty="0" smtClean="0">
+                <a:latin typeface="나눔고딕" panose="020D0604000000000000" pitchFamily="50" charset="-127"/>
+                <a:ea typeface="나눔고딕" panose="020D0604000000000000" pitchFamily="50" charset="-127"/>
+              </a:rPr>
+              <a:t>} </a:t>
+            </a:r>
+            <a:r>
+              <a:rPr lang="ko-KR" altLang="en-US" sz="1100" b="1" dirty="0" smtClean="0">
+                <a:latin typeface="나눔고딕" panose="020D0604000000000000" pitchFamily="50" charset="-127"/>
+                <a:ea typeface="나눔고딕" panose="020D0604000000000000" pitchFamily="50" charset="-127"/>
+              </a:rPr>
+              <a:t>을 </a:t>
+            </a:r>
+            <a:endParaRPr lang="en-US" altLang="ko-KR" sz="1100" b="1" dirty="0">
+              <a:latin typeface="나눔고딕" panose="020D0604000000000000" pitchFamily="50" charset="-127"/>
+              <a:ea typeface="나눔고딕" panose="020D0604000000000000" pitchFamily="50" charset="-127"/>
+            </a:endParaRPr>
+          </a:p>
+          <a:p>
+            <a:pPr algn="ctr"/>
+            <a:r>
+              <a:rPr lang="ko-KR" altLang="en-US" sz="1100" b="1" dirty="0">
+                <a:latin typeface="나눔고딕" panose="020D0604000000000000" pitchFamily="50" charset="-127"/>
+                <a:ea typeface="나눔고딕" panose="020D0604000000000000" pitchFamily="50" charset="-127"/>
+              </a:rPr>
+              <a:t>조건 값으로 하는 </a:t>
+            </a:r>
+            <a:r>
+              <a:rPr lang="en-US" altLang="ko-KR" sz="1100" b="1" dirty="0">
+                <a:latin typeface="나눔고딕" panose="020D0604000000000000" pitchFamily="50" charset="-127"/>
+                <a:ea typeface="나눔고딕" panose="020D0604000000000000" pitchFamily="50" charset="-127"/>
+              </a:rPr>
+              <a:t>SQL</a:t>
+            </a:r>
+            <a:r>
+              <a:rPr lang="ko-KR" altLang="en-US" sz="1100" b="1" dirty="0">
+                <a:latin typeface="나눔고딕" panose="020D0604000000000000" pitchFamily="50" charset="-127"/>
+                <a:ea typeface="나눔고딕" panose="020D0604000000000000" pitchFamily="50" charset="-127"/>
+              </a:rPr>
+              <a:t>문</a:t>
+            </a:r>
+            <a:endParaRPr lang="en-US" altLang="ko-KR" sz="1100" b="1" dirty="0">
+              <a:latin typeface="나눔고딕" panose="020D0604000000000000" pitchFamily="50" charset="-127"/>
+              <a:ea typeface="나눔고딕" panose="020D0604000000000000" pitchFamily="50" charset="-127"/>
+            </a:endParaRPr>
+          </a:p>
+          <a:p>
+            <a:pPr algn="ctr"/>
+            <a:r>
+              <a:rPr lang="ko-KR" altLang="en-US" sz="1100" b="1" dirty="0">
+                <a:latin typeface="나눔고딕" panose="020D0604000000000000" pitchFamily="50" charset="-127"/>
+                <a:ea typeface="나눔고딕" panose="020D0604000000000000" pitchFamily="50" charset="-127"/>
+              </a:rPr>
+              <a:t>→ </a:t>
+            </a:r>
+            <a:r>
+              <a:rPr lang="ko-KR" altLang="en-US" sz="1100" b="1" dirty="0" smtClean="0">
+                <a:latin typeface="나눔고딕" panose="020D0604000000000000" pitchFamily="50" charset="-127"/>
+                <a:ea typeface="나눔고딕" panose="020D0604000000000000" pitchFamily="50" charset="-127"/>
+              </a:rPr>
+              <a:t>각각 조회</a:t>
+            </a:r>
+            <a:endParaRPr lang="ko-KR" altLang="en-US" sz="1100" b="1" dirty="0">
+              <a:latin typeface="나눔고딕" panose="020D0604000000000000" pitchFamily="50" charset="-127"/>
+              <a:ea typeface="나눔고딕" panose="020D0604000000000000" pitchFamily="50" charset="-127"/>
+            </a:endParaRPr>
+          </a:p>
+        </p:txBody>
+      </p:sp>
+    </p:spTree>
+    <p:extLst>
+      <p:ext uri="{BB962C8B-B14F-4D97-AF65-F5344CB8AC3E}">
+        <p14:creationId xmlns:p14="http://schemas.microsoft.com/office/powerpoint/2010/main" val="2724243356"/>
+      </p:ext>
+    </p:extLst>
+  </p:cSld>
+  <p:clrMapOvr>
+    <a:masterClrMapping/>
+  </p:clrMapOvr>
+</p:sld>
+</file>
+
+<file path=ppt/slides/slide9.xml><?xml version="1.0" encoding="utf-8"?>
+<p:sld xmlns:a="http://schemas.openxmlformats.org/drawingml/2006/main" xmlns:r="http://schemas.openxmlformats.org/officeDocument/2006/relationships" xmlns:p="http://schemas.openxmlformats.org/presentationml/2006/main">
+  <p:cSld>
+    <p:spTree>
+      <p:nvGrpSpPr>
+        <p:cNvPr id="1" name=""/>
+        <p:cNvGrpSpPr/>
+        <p:nvPr/>
+      </p:nvGrpSpPr>
+      <p:grpSpPr>
+        <a:xfrm>
+          <a:off x="0" y="0"/>
+          <a:ext cx="0" cy="0"/>
+          <a:chOff x="0" y="0"/>
+          <a:chExt cx="0" cy="0"/>
+        </a:xfrm>
+      </p:grpSpPr>
+      <p:sp>
+        <p:nvSpPr>
+          <p:cNvPr id="4" name="TextBox 3"/>
+          <p:cNvSpPr txBox="1"/>
+          <p:nvPr/>
+        </p:nvSpPr>
+        <p:spPr>
+          <a:xfrm>
+            <a:off x="1609648" y="652588"/>
+            <a:ext cx="4439036" cy="646331"/>
+          </a:xfrm>
+          <a:prstGeom prst="rect">
+            <a:avLst/>
+          </a:prstGeom>
+          <a:noFill/>
+        </p:spPr>
+        <p:txBody>
+          <a:bodyPr wrap="none" rtlCol="0">
+            <a:spAutoFit/>
+          </a:bodyPr>
+          <a:lstStyle/>
+          <a:p>
+            <a:r>
+              <a:rPr lang="ko-KR" altLang="en-US" sz="3600" b="1" dirty="0" smtClean="0">
+                <a:ln w="12700">
+                  <a:solidFill>
+                    <a:sysClr val="windowText" lastClr="000000"/>
+                  </a:solidFill>
+                </a:ln>
+                <a:latin typeface="나눔고딕" panose="020D0604000000000000" pitchFamily="50" charset="-127"/>
+                <a:ea typeface="나눔고딕" panose="020D0604000000000000" pitchFamily="50" charset="-127"/>
+              </a:rPr>
+              <a:t>메인 </a:t>
+            </a:r>
+            <a:r>
+              <a:rPr lang="ko-KR" altLang="en-US" sz="3600" b="1" dirty="0" smtClean="0">
+                <a:ln w="12700">
+                  <a:solidFill>
+                    <a:sysClr val="windowText" lastClr="000000"/>
+                  </a:solidFill>
+                </a:ln>
+                <a:latin typeface="나눔고딕" panose="020D0604000000000000" pitchFamily="50" charset="-127"/>
+                <a:ea typeface="나눔고딕" panose="020D0604000000000000" pitchFamily="50" charset="-127"/>
+              </a:rPr>
+              <a:t>페이지</a:t>
+            </a:r>
+            <a:r>
+              <a:rPr lang="en-US" altLang="ko-KR" sz="2400" dirty="0" smtClean="0">
+                <a:ln w="12700">
+                  <a:solidFill>
+                    <a:sysClr val="windowText" lastClr="000000"/>
+                  </a:solidFill>
+                </a:ln>
+                <a:latin typeface="나눔고딕" panose="020D0604000000000000" pitchFamily="50" charset="-127"/>
+                <a:ea typeface="나눔고딕" panose="020D0604000000000000" pitchFamily="50" charset="-127"/>
+              </a:rPr>
+              <a:t> (</a:t>
+            </a:r>
+            <a:r>
+              <a:rPr lang="ko-KR" altLang="en-US" sz="2400" dirty="0" smtClean="0">
+                <a:ln w="12700">
+                  <a:solidFill>
+                    <a:sysClr val="windowText" lastClr="000000"/>
+                  </a:solidFill>
+                </a:ln>
+                <a:latin typeface="나눔고딕" panose="020D0604000000000000" pitchFamily="50" charset="-127"/>
+                <a:ea typeface="나눔고딕" panose="020D0604000000000000" pitchFamily="50" charset="-127"/>
+              </a:rPr>
+              <a:t>페이지 소스</a:t>
+            </a:r>
+            <a:r>
+              <a:rPr lang="en-US" altLang="ko-KR" sz="2400" dirty="0" smtClean="0">
+                <a:ln w="12700">
+                  <a:solidFill>
+                    <a:sysClr val="windowText" lastClr="000000"/>
+                  </a:solidFill>
+                </a:ln>
+                <a:latin typeface="나눔고딕" panose="020D0604000000000000" pitchFamily="50" charset="-127"/>
+                <a:ea typeface="나눔고딕" panose="020D0604000000000000" pitchFamily="50" charset="-127"/>
+              </a:rPr>
+              <a:t>)</a:t>
+            </a:r>
+            <a:endParaRPr lang="ko-KR" altLang="en-US" sz="3600" dirty="0">
+              <a:ln w="12700">
+                <a:solidFill>
+                  <a:sysClr val="windowText" lastClr="000000"/>
+                </a:solidFill>
+              </a:ln>
+              <a:latin typeface="나눔고딕" panose="020D0604000000000000" pitchFamily="50" charset="-127"/>
+              <a:ea typeface="나눔고딕" panose="020D0604000000000000" pitchFamily="50" charset="-127"/>
+            </a:endParaRPr>
+          </a:p>
+        </p:txBody>
+      </p:sp>
+      <p:pic>
+        <p:nvPicPr>
+          <p:cNvPr id="3" name="그림 2"/>
+          <p:cNvPicPr>
+            <a:picLocks noChangeAspect="1"/>
+          </p:cNvPicPr>
+          <p:nvPr/>
+        </p:nvPicPr>
+        <p:blipFill>
+          <a:blip r:embed="rId2">
+            <a:extLst>
+              <a:ext uri="{28A0092B-C50C-407E-A947-70E740481C1C}">
+                <a14:useLocalDpi xmlns:a14="http://schemas.microsoft.com/office/drawing/2010/main" val="0"/>
+              </a:ext>
+            </a:extLst>
+          </a:blip>
+          <a:stretch>
+            <a:fillRect/>
+          </a:stretch>
+        </p:blipFill>
+        <p:spPr>
+          <a:xfrm>
+            <a:off x="1371600" y="1500187"/>
+            <a:ext cx="7429500" cy="3819525"/>
+          </a:xfrm>
+          <a:prstGeom prst="rect">
+            <a:avLst/>
+          </a:prstGeom>
+          <a:ln w="28575">
+            <a:solidFill>
+              <a:srgbClr val="FF0000"/>
+            </a:solidFill>
+          </a:ln>
+        </p:spPr>
+      </p:pic>
+      <p:grpSp>
+        <p:nvGrpSpPr>
+          <p:cNvPr id="23" name="그룹 22"/>
+          <p:cNvGrpSpPr/>
+          <p:nvPr/>
+        </p:nvGrpSpPr>
+        <p:grpSpPr>
+          <a:xfrm>
+            <a:off x="6436704" y="1766887"/>
+            <a:ext cx="5372100" cy="2486025"/>
+            <a:chOff x="6562725" y="4076699"/>
+            <a:chExt cx="5372100" cy="2486025"/>
+          </a:xfrm>
+        </p:grpSpPr>
+        <p:pic>
+          <p:nvPicPr>
+            <p:cNvPr id="5" name="그림 4"/>
+            <p:cNvPicPr>
+              <a:picLocks noChangeAspect="1"/>
+            </p:cNvPicPr>
+            <p:nvPr/>
+          </p:nvPicPr>
+          <p:blipFill>
+            <a:blip r:embed="rId3">
+              <a:extLst>
+                <a:ext uri="{28A0092B-C50C-407E-A947-70E740481C1C}">
+                  <a14:useLocalDpi xmlns:a14="http://schemas.microsoft.com/office/drawing/2010/main" val="0"/>
+                </a:ext>
+              </a:extLst>
+            </a:blip>
+            <a:stretch>
+              <a:fillRect/>
+            </a:stretch>
+          </p:blipFill>
+          <p:spPr>
+            <a:xfrm>
+              <a:off x="6562725" y="4076699"/>
+              <a:ext cx="5372100" cy="2486025"/>
+            </a:xfrm>
+            <a:prstGeom prst="rect">
+              <a:avLst/>
+            </a:prstGeom>
+            <a:ln w="28575">
+              <a:solidFill>
+                <a:srgbClr val="FF0000"/>
+              </a:solidFill>
+            </a:ln>
+          </p:spPr>
+        </p:pic>
+        <p:sp>
+          <p:nvSpPr>
+            <p:cNvPr id="7" name="직사각형 6"/>
+            <p:cNvSpPr/>
+            <p:nvPr/>
+          </p:nvSpPr>
+          <p:spPr>
+            <a:xfrm>
+              <a:off x="6810375" y="4495800"/>
+              <a:ext cx="1819275" cy="304800"/>
+            </a:xfrm>
+            <a:prstGeom prst="rect">
+              <a:avLst/>
+            </a:prstGeom>
+            <a:noFill/>
+            <a:ln w="28575">
+              <a:solidFill>
+                <a:srgbClr val="FF0000"/>
+              </a:solidFill>
+              <a:prstDash val="sysDot"/>
+            </a:ln>
+          </p:spPr>
+          <p:style>
+            <a:lnRef idx="2">
+              <a:schemeClr val="accent1">
+                <a:shade val="50000"/>
+              </a:schemeClr>
+            </a:lnRef>
+            <a:fillRef idx="1">
+              <a:schemeClr val="accent1"/>
+            </a:fillRef>
+            <a:effectRef idx="0">
+              <a:schemeClr val="accent1"/>
+            </a:effectRef>
+            <a:fontRef idx="minor">
+              <a:schemeClr val="lt1"/>
+            </a:fontRef>
+          </p:style>
+          <p:txBody>
+            <a:bodyPr rtlCol="0" anchor="ctr"/>
+            <a:lstStyle/>
+            <a:p>
+              <a:pPr algn="ctr"/>
+              <a:endParaRPr lang="ko-KR" altLang="en-US"/>
+            </a:p>
+          </p:txBody>
+        </p:sp>
+      </p:grpSp>
+      <p:sp>
+        <p:nvSpPr>
+          <p:cNvPr id="15" name="직사각형 14">
+            <a:extLst>
+              <a:ext uri="{FF2B5EF4-FFF2-40B4-BE49-F238E27FC236}">
+                <a16:creationId xmlns:a16="http://schemas.microsoft.com/office/drawing/2014/main" id="{E81B2201-A002-4CB6-AC74-A6A79E57D96E}"/>
+              </a:ext>
+            </a:extLst>
+          </p:cNvPr>
+          <p:cNvSpPr/>
+          <p:nvPr/>
+        </p:nvSpPr>
+        <p:spPr>
+          <a:xfrm>
+            <a:off x="6578462" y="1567433"/>
+            <a:ext cx="2031057" cy="361950"/>
+          </a:xfrm>
+          <a:prstGeom prst="rect">
+            <a:avLst/>
+          </a:prstGeom>
+          <a:solidFill>
+            <a:schemeClr val="bg1"/>
+          </a:solidFill>
+          <a:ln w="28575">
+            <a:solidFill>
+              <a:srgbClr val="FF0000"/>
+            </a:solidFill>
+          </a:ln>
+        </p:spPr>
+        <p:style>
+          <a:lnRef idx="3">
+            <a:schemeClr val="lt1"/>
+          </a:lnRef>
+          <a:fillRef idx="1">
+            <a:schemeClr val="accent1"/>
+          </a:fillRef>
+          <a:effectRef idx="1">
+            <a:schemeClr val="accent1"/>
+          </a:effectRef>
+          <a:fontRef idx="minor">
+            <a:schemeClr val="lt1"/>
+          </a:fontRef>
+        </p:style>
+        <p:txBody>
+          <a:bodyPr rtlCol="0" anchor="ctr"/>
+          <a:lstStyle/>
+          <a:p>
+            <a:pPr algn="ctr"/>
+            <a:r>
+              <a:rPr lang="en-US" altLang="ko-KR" sz="1400" b="1" dirty="0">
+                <a:solidFill>
+                  <a:schemeClr val="tx1"/>
+                </a:solidFill>
+                <a:latin typeface="나눔고딕" panose="020D0604000000000000" pitchFamily="50" charset="-127"/>
+                <a:ea typeface="나눔고딕" panose="020D0604000000000000" pitchFamily="50" charset="-127"/>
+              </a:rPr>
+              <a:t>GoodsServiceImpl.java</a:t>
+            </a:r>
+            <a:endParaRPr lang="ko-KR" altLang="en-US" sz="1400" b="1" dirty="0">
+              <a:solidFill>
+                <a:schemeClr val="tx1"/>
+              </a:solidFill>
+              <a:latin typeface="나눔고딕" panose="020D0604000000000000" pitchFamily="50" charset="-127"/>
+              <a:ea typeface="나눔고딕" panose="020D0604000000000000" pitchFamily="50" charset="-127"/>
+            </a:endParaRPr>
+          </a:p>
+        </p:txBody>
+      </p:sp>
+      <p:sp>
+        <p:nvSpPr>
+          <p:cNvPr id="16" name="직사각형 15"/>
+          <p:cNvSpPr/>
+          <p:nvPr/>
+        </p:nvSpPr>
+        <p:spPr>
+          <a:xfrm>
+            <a:off x="1914525" y="2705100"/>
+            <a:ext cx="2343150" cy="304800"/>
+          </a:xfrm>
+          <a:prstGeom prst="rect">
+            <a:avLst/>
+          </a:prstGeom>
+          <a:noFill/>
+          <a:ln w="28575">
+            <a:solidFill>
+              <a:srgbClr val="FF0000"/>
+            </a:solidFill>
+            <a:prstDash val="sysDot"/>
+          </a:ln>
+        </p:spPr>
+        <p:style>
+          <a:lnRef idx="2">
+            <a:schemeClr val="accent1">
+              <a:shade val="50000"/>
+            </a:schemeClr>
+          </a:lnRef>
+          <a:fillRef idx="1">
+            <a:schemeClr val="accent1"/>
+          </a:fillRef>
+          <a:effectRef idx="0">
+            <a:schemeClr val="accent1"/>
+          </a:effectRef>
+          <a:fontRef idx="minor">
+            <a:schemeClr val="lt1"/>
+          </a:fontRef>
+        </p:style>
+        <p:txBody>
+          <a:bodyPr rtlCol="0" anchor="ctr"/>
+          <a:lstStyle/>
+          <a:p>
+            <a:pPr algn="ctr"/>
+            <a:endParaRPr lang="ko-KR" altLang="en-US"/>
+          </a:p>
+        </p:txBody>
+      </p:sp>
+      <p:cxnSp>
+        <p:nvCxnSpPr>
+          <p:cNvPr id="11" name="직선 화살표 연결선 10"/>
+          <p:cNvCxnSpPr>
+            <a:stCxn id="15" idx="1"/>
+            <a:endCxn id="16" idx="3"/>
+          </p:cNvCxnSpPr>
+          <p:nvPr/>
+        </p:nvCxnSpPr>
+        <p:spPr>
+          <a:xfrm flipH="1">
+            <a:off x="4257675" y="1748408"/>
+            <a:ext cx="2320787" cy="1109092"/>
+          </a:xfrm>
+          <a:prstGeom prst="straightConnector1">
+            <a:avLst/>
+          </a:prstGeom>
+          <a:ln w="28575">
+            <a:solidFill>
+              <a:srgbClr val="FF0000"/>
+            </a:solidFill>
+            <a:prstDash val="sysDot"/>
+            <a:tailEnd type="triangle"/>
+          </a:ln>
+        </p:spPr>
+        <p:style>
+          <a:lnRef idx="1">
+            <a:schemeClr val="accent1"/>
+          </a:lnRef>
+          <a:fillRef idx="0">
+            <a:schemeClr val="accent1"/>
+          </a:fillRef>
+          <a:effectRef idx="0">
+            <a:schemeClr val="accent1"/>
+          </a:effectRef>
+          <a:fontRef idx="minor">
+            <a:schemeClr val="tx1"/>
+          </a:fontRef>
+        </p:style>
+      </p:cxnSp>
+      <p:sp>
+        <p:nvSpPr>
+          <p:cNvPr id="22" name="TextBox 21"/>
+          <p:cNvSpPr txBox="1"/>
+          <p:nvPr/>
+        </p:nvSpPr>
+        <p:spPr>
+          <a:xfrm>
+            <a:off x="2811606" y="1319367"/>
+            <a:ext cx="2892138" cy="338554"/>
+          </a:xfrm>
+          <a:prstGeom prst="rect">
+            <a:avLst/>
+          </a:prstGeom>
+          <a:solidFill>
+            <a:schemeClr val="bg1"/>
+          </a:solidFill>
+          <a:ln w="28575">
+            <a:solidFill>
+              <a:srgbClr val="FF0000"/>
+            </a:solidFill>
+          </a:ln>
+        </p:spPr>
+        <p:txBody>
+          <a:bodyPr wrap="none" rtlCol="0">
+            <a:spAutoFit/>
+          </a:bodyPr>
+          <a:lstStyle/>
+          <a:p>
+            <a:r>
+              <a:rPr lang="en-US" altLang="ko-KR" sz="1600" b="1" dirty="0" smtClean="0">
+                <a:latin typeface="나눔고딕" panose="020D0604000000000000" pitchFamily="50" charset="-127"/>
+                <a:ea typeface="나눔고딕" panose="020D0604000000000000" pitchFamily="50" charset="-127"/>
+              </a:rPr>
+              <a:t>@</a:t>
+            </a:r>
+            <a:r>
+              <a:rPr lang="en-US" altLang="ko-KR" sz="1600" b="1" dirty="0" err="1" smtClean="0">
+                <a:latin typeface="나눔고딕" panose="020D0604000000000000" pitchFamily="50" charset="-127"/>
+                <a:ea typeface="나눔고딕" panose="020D0604000000000000" pitchFamily="50" charset="-127"/>
+              </a:rPr>
+              <a:t>Autowired</a:t>
+            </a:r>
+            <a:r>
+              <a:rPr lang="ko-KR" altLang="en-US" sz="1600" b="1" dirty="0" smtClean="0">
+                <a:latin typeface="나눔고딕" panose="020D0604000000000000" pitchFamily="50" charset="-127"/>
+                <a:ea typeface="나눔고딕" panose="020D0604000000000000" pitchFamily="50" charset="-127"/>
+              </a:rPr>
+              <a:t>를 이용해 빈 주입</a:t>
+            </a:r>
+            <a:endParaRPr lang="ko-KR" altLang="en-US" sz="1600" b="1" dirty="0">
+              <a:latin typeface="나눔고딕" panose="020D0604000000000000" pitchFamily="50" charset="-127"/>
+              <a:ea typeface="나눔고딕" panose="020D0604000000000000" pitchFamily="50" charset="-127"/>
+            </a:endParaRPr>
+          </a:p>
+        </p:txBody>
+      </p:sp>
+      <p:pic>
+        <p:nvPicPr>
+          <p:cNvPr id="26" name="그림 25"/>
+          <p:cNvPicPr>
+            <a:picLocks noChangeAspect="1"/>
+          </p:cNvPicPr>
+          <p:nvPr/>
+        </p:nvPicPr>
+        <p:blipFill>
+          <a:blip r:embed="rId4">
+            <a:extLst>
+              <a:ext uri="{28A0092B-C50C-407E-A947-70E740481C1C}">
+                <a14:useLocalDpi xmlns:a14="http://schemas.microsoft.com/office/drawing/2010/main" val="0"/>
+              </a:ext>
+            </a:extLst>
+          </a:blip>
+          <a:stretch>
+            <a:fillRect/>
+          </a:stretch>
+        </p:blipFill>
+        <p:spPr>
+          <a:xfrm>
+            <a:off x="8475363" y="4555330"/>
+            <a:ext cx="3352800" cy="1628775"/>
+          </a:xfrm>
+          <a:prstGeom prst="rect">
+            <a:avLst/>
+          </a:prstGeom>
+          <a:ln w="28575">
+            <a:solidFill>
+              <a:srgbClr val="FF0000"/>
+            </a:solidFill>
+          </a:ln>
+        </p:spPr>
+      </p:pic>
+      <p:sp>
+        <p:nvSpPr>
+          <p:cNvPr id="28" name="직사각형 27"/>
+          <p:cNvSpPr/>
+          <p:nvPr/>
+        </p:nvSpPr>
+        <p:spPr>
+          <a:xfrm>
+            <a:off x="8715375" y="4867275"/>
+            <a:ext cx="2143125" cy="323850"/>
+          </a:xfrm>
+          <a:prstGeom prst="rect">
+            <a:avLst/>
+          </a:prstGeom>
+          <a:noFill/>
+          <a:ln w="28575">
+            <a:solidFill>
+              <a:srgbClr val="FF0000"/>
+            </a:solidFill>
+            <a:prstDash val="sysDot"/>
+          </a:ln>
+        </p:spPr>
+        <p:style>
+          <a:lnRef idx="2">
+            <a:schemeClr val="accent1">
+              <a:shade val="50000"/>
+            </a:schemeClr>
+          </a:lnRef>
+          <a:fillRef idx="1">
+            <a:schemeClr val="accent1"/>
+          </a:fillRef>
+          <a:effectRef idx="0">
+            <a:schemeClr val="accent1"/>
+          </a:effectRef>
+          <a:fontRef idx="minor">
+            <a:schemeClr val="lt1"/>
+          </a:fontRef>
+        </p:style>
+        <p:txBody>
+          <a:bodyPr rtlCol="0" anchor="ctr"/>
+          <a:lstStyle/>
+          <a:p>
+            <a:pPr algn="ctr"/>
+            <a:endParaRPr lang="ko-KR" altLang="en-US"/>
+          </a:p>
+        </p:txBody>
+      </p:sp>
+      <p:sp>
+        <p:nvSpPr>
+          <p:cNvPr id="29" name="직사각형 28">
+            <a:extLst>
+              <a:ext uri="{FF2B5EF4-FFF2-40B4-BE49-F238E27FC236}">
+                <a16:creationId xmlns:a16="http://schemas.microsoft.com/office/drawing/2014/main" id="{E81B2201-A002-4CB6-AC74-A6A79E57D96E}"/>
+              </a:ext>
+            </a:extLst>
+          </p:cNvPr>
+          <p:cNvSpPr/>
+          <p:nvPr/>
+        </p:nvSpPr>
+        <p:spPr>
+          <a:xfrm>
+            <a:off x="9730155" y="4374355"/>
+            <a:ext cx="1957020" cy="361950"/>
+          </a:xfrm>
+          <a:prstGeom prst="rect">
+            <a:avLst/>
+          </a:prstGeom>
+          <a:solidFill>
+            <a:schemeClr val="bg1"/>
+          </a:solidFill>
+          <a:ln w="28575">
+            <a:solidFill>
+              <a:srgbClr val="FF0000"/>
+            </a:solidFill>
+          </a:ln>
+        </p:spPr>
+        <p:style>
+          <a:lnRef idx="3">
+            <a:schemeClr val="lt1"/>
+          </a:lnRef>
+          <a:fillRef idx="1">
+            <a:schemeClr val="accent1"/>
+          </a:fillRef>
+          <a:effectRef idx="1">
+            <a:schemeClr val="accent1"/>
+          </a:effectRef>
+          <a:fontRef idx="minor">
+            <a:schemeClr val="lt1"/>
+          </a:fontRef>
+        </p:style>
+        <p:txBody>
+          <a:bodyPr rtlCol="0" anchor="ctr"/>
+          <a:lstStyle/>
+          <a:p>
+            <a:pPr algn="ctr"/>
+            <a:r>
+              <a:rPr lang="en-US" altLang="ko-KR" sz="1400" b="1" dirty="0" smtClean="0">
+                <a:solidFill>
+                  <a:schemeClr val="tx1"/>
+                </a:solidFill>
+                <a:latin typeface="나눔고딕" panose="020D0604000000000000" pitchFamily="50" charset="-127"/>
+                <a:ea typeface="나눔고딕" panose="020D0604000000000000" pitchFamily="50" charset="-127"/>
+              </a:rPr>
+              <a:t>Goods</a:t>
+            </a:r>
+            <a:r>
+              <a:rPr lang="en-US" altLang="ko-KR" sz="1400" b="1" dirty="0" smtClean="0">
+                <a:solidFill>
+                  <a:schemeClr val="tx1"/>
+                </a:solidFill>
+                <a:latin typeface="나눔고딕" panose="020D0604000000000000" pitchFamily="50" charset="-127"/>
+                <a:ea typeface="나눔고딕" panose="020D0604000000000000" pitchFamily="50" charset="-127"/>
+              </a:rPr>
+              <a:t>DAOImpl</a:t>
+            </a:r>
+            <a:r>
+              <a:rPr lang="en-US" altLang="ko-KR" sz="1400" b="1" dirty="0" smtClean="0">
+                <a:solidFill>
+                  <a:schemeClr val="tx1"/>
+                </a:solidFill>
+                <a:latin typeface="나눔고딕" panose="020D0604000000000000" pitchFamily="50" charset="-127"/>
+                <a:ea typeface="나눔고딕" panose="020D0604000000000000" pitchFamily="50" charset="-127"/>
+              </a:rPr>
+              <a:t>.java</a:t>
+            </a:r>
+            <a:endParaRPr lang="ko-KR" altLang="en-US" sz="1400" b="1" dirty="0">
+              <a:solidFill>
+                <a:schemeClr val="tx1"/>
+              </a:solidFill>
+              <a:latin typeface="나눔고딕" panose="020D0604000000000000" pitchFamily="50" charset="-127"/>
+              <a:ea typeface="나눔고딕" panose="020D0604000000000000" pitchFamily="50" charset="-127"/>
+            </a:endParaRPr>
+          </a:p>
+        </p:txBody>
+      </p:sp>
+      <p:cxnSp>
+        <p:nvCxnSpPr>
+          <p:cNvPr id="30" name="직선 화살표 연결선 29"/>
+          <p:cNvCxnSpPr>
+            <a:stCxn id="29" idx="1"/>
+          </p:cNvCxnSpPr>
+          <p:nvPr/>
+        </p:nvCxnSpPr>
+        <p:spPr>
+          <a:xfrm flipH="1" flipV="1">
+            <a:off x="7600951" y="2490788"/>
+            <a:ext cx="2129204" cy="2064542"/>
+          </a:xfrm>
+          <a:prstGeom prst="straightConnector1">
+            <a:avLst/>
+          </a:prstGeom>
+          <a:ln w="28575">
+            <a:solidFill>
+              <a:srgbClr val="FF0000"/>
+            </a:solidFill>
+            <a:prstDash val="sysDot"/>
+            <a:tailEnd type="triangle"/>
+          </a:ln>
+        </p:spPr>
+        <p:style>
+          <a:lnRef idx="1">
+            <a:schemeClr val="accent1"/>
+          </a:lnRef>
+          <a:fillRef idx="0">
+            <a:schemeClr val="accent1"/>
+          </a:fillRef>
+          <a:effectRef idx="0">
+            <a:schemeClr val="accent1"/>
+          </a:effectRef>
+          <a:fontRef idx="minor">
+            <a:schemeClr val="tx1"/>
+          </a:fontRef>
+        </p:style>
+      </p:cxnSp>
+      <p:sp>
+        <p:nvSpPr>
+          <p:cNvPr id="34" name="직사각형 33">
+            <a:extLst>
+              <a:ext uri="{FF2B5EF4-FFF2-40B4-BE49-F238E27FC236}">
+                <a16:creationId xmlns:a16="http://schemas.microsoft.com/office/drawing/2014/main" id="{B072B273-3C3D-4705-971E-C3E5EF52E01B}"/>
+              </a:ext>
+            </a:extLst>
+          </p:cNvPr>
+          <p:cNvSpPr/>
+          <p:nvPr/>
+        </p:nvSpPr>
+        <p:spPr>
+          <a:xfrm>
+            <a:off x="1371600" y="5644368"/>
+            <a:ext cx="3957936" cy="880258"/>
+          </a:xfrm>
+          <a:prstGeom prst="rect">
+            <a:avLst/>
+          </a:prstGeom>
+          <a:solidFill>
+            <a:schemeClr val="bg1"/>
+          </a:solidFill>
+          <a:ln w="28575">
+            <a:solidFill>
+              <a:srgbClr val="FF0000"/>
+            </a:solidFill>
+          </a:ln>
+        </p:spPr>
+        <p:style>
+          <a:lnRef idx="2">
+            <a:schemeClr val="accent1">
+              <a:shade val="50000"/>
+            </a:schemeClr>
+          </a:lnRef>
+          <a:fillRef idx="1">
+            <a:schemeClr val="accent1"/>
+          </a:fillRef>
+          <a:effectRef idx="0">
+            <a:schemeClr val="accent1"/>
+          </a:effectRef>
+          <a:fontRef idx="minor">
+            <a:schemeClr val="lt1"/>
+          </a:fontRef>
+        </p:style>
+        <p:txBody>
+          <a:bodyPr rtlCol="0" anchor="ctr"/>
+          <a:lstStyle/>
+          <a:p>
+            <a:pPr algn="ctr"/>
+            <a:r>
+              <a:rPr lang="en-US" altLang="ko-KR" sz="1100" b="1" dirty="0" err="1">
+                <a:solidFill>
+                  <a:schemeClr val="tx1"/>
+                </a:solidFill>
+                <a:latin typeface="나눔고딕" panose="020D0604000000000000" pitchFamily="50" charset="-127"/>
+                <a:ea typeface="나눔고딕" panose="020D0604000000000000" pitchFamily="50" charset="-127"/>
+              </a:rPr>
+              <a:t>side_menu</a:t>
+            </a:r>
+            <a:r>
+              <a:rPr lang="en-US" altLang="ko-KR" sz="1100" b="1" dirty="0">
+                <a:solidFill>
+                  <a:schemeClr val="tx1"/>
+                </a:solidFill>
+                <a:latin typeface="나눔고딕" panose="020D0604000000000000" pitchFamily="50" charset="-127"/>
+                <a:ea typeface="나눔고딕" panose="020D0604000000000000" pitchFamily="50" charset="-127"/>
+              </a:rPr>
+              <a:t> </a:t>
+            </a:r>
+            <a:r>
+              <a:rPr lang="ko-KR" altLang="en-US" sz="1100" b="1" dirty="0">
+                <a:solidFill>
+                  <a:schemeClr val="tx1"/>
+                </a:solidFill>
+                <a:latin typeface="나눔고딕" panose="020D0604000000000000" pitchFamily="50" charset="-127"/>
+                <a:ea typeface="나눔고딕" panose="020D0604000000000000" pitchFamily="50" charset="-127"/>
+              </a:rPr>
+              <a:t>값에 따라 메뉴 항목을 다르게 하는 속성 </a:t>
+            </a:r>
+            <a:r>
+              <a:rPr lang="en-US" altLang="ko-KR" sz="1100" b="1" dirty="0">
+                <a:solidFill>
+                  <a:schemeClr val="tx1"/>
+                </a:solidFill>
+                <a:latin typeface="나눔고딕" panose="020D0604000000000000" pitchFamily="50" charset="-127"/>
+                <a:ea typeface="나눔고딕" panose="020D0604000000000000" pitchFamily="50" charset="-127"/>
+              </a:rPr>
+              <a:t>setting</a:t>
+            </a:r>
+          </a:p>
+          <a:p>
+            <a:pPr algn="ctr"/>
+            <a:r>
+              <a:rPr lang="ko-KR" altLang="en-US" sz="1100" b="1" dirty="0">
+                <a:solidFill>
+                  <a:schemeClr val="tx1"/>
+                </a:solidFill>
+                <a:latin typeface="나눔고딕" panose="020D0604000000000000" pitchFamily="50" charset="-127"/>
+                <a:ea typeface="나눔고딕" panose="020D0604000000000000" pitchFamily="50" charset="-127"/>
+              </a:rPr>
+              <a:t>→ </a:t>
+            </a:r>
+            <a:r>
+              <a:rPr lang="en-US" altLang="ko-KR" sz="1100" b="1" dirty="0" err="1">
+                <a:solidFill>
+                  <a:schemeClr val="tx1"/>
+                </a:solidFill>
+                <a:latin typeface="나눔고딕" panose="020D0604000000000000" pitchFamily="50" charset="-127"/>
+                <a:ea typeface="나눔고딕" panose="020D0604000000000000" pitchFamily="50" charset="-127"/>
+              </a:rPr>
+              <a:t>side.jsp</a:t>
+            </a:r>
+            <a:r>
+              <a:rPr lang="ko-KR" altLang="en-US" sz="1100" b="1" dirty="0">
+                <a:solidFill>
+                  <a:schemeClr val="tx1"/>
+                </a:solidFill>
+                <a:latin typeface="나눔고딕" panose="020D0604000000000000" pitchFamily="50" charset="-127"/>
+                <a:ea typeface="나눔고딕" panose="020D0604000000000000" pitchFamily="50" charset="-127"/>
+              </a:rPr>
+              <a:t>에서 </a:t>
+            </a:r>
+            <a:r>
+              <a:rPr lang="en-US" altLang="ko-KR" sz="1100" b="1" dirty="0">
+                <a:solidFill>
+                  <a:schemeClr val="tx1"/>
+                </a:solidFill>
+                <a:latin typeface="나눔고딕" panose="020D0604000000000000" pitchFamily="50" charset="-127"/>
+                <a:ea typeface="나눔고딕" panose="020D0604000000000000" pitchFamily="50" charset="-127"/>
+              </a:rPr>
+              <a:t>setting </a:t>
+            </a:r>
+            <a:r>
+              <a:rPr lang="ko-KR" altLang="en-US" sz="1100" b="1" dirty="0">
+                <a:solidFill>
+                  <a:schemeClr val="tx1"/>
+                </a:solidFill>
+                <a:latin typeface="나눔고딕" panose="020D0604000000000000" pitchFamily="50" charset="-127"/>
+                <a:ea typeface="나눔고딕" panose="020D0604000000000000" pitchFamily="50" charset="-127"/>
+              </a:rPr>
+              <a:t>된 속성 화면에 구현</a:t>
+            </a:r>
+            <a:endParaRPr lang="en-US" altLang="ko-KR" sz="1100" b="1" dirty="0">
+              <a:solidFill>
+                <a:schemeClr val="tx1"/>
+              </a:solidFill>
+              <a:latin typeface="나눔고딕" panose="020D0604000000000000" pitchFamily="50" charset="-127"/>
+              <a:ea typeface="나눔고딕" panose="020D0604000000000000" pitchFamily="50" charset="-127"/>
+            </a:endParaRPr>
+          </a:p>
+          <a:p>
+            <a:pPr algn="ctr"/>
+            <a:r>
+              <a:rPr lang="ko-KR" altLang="en-US" sz="1100" b="1" dirty="0">
+                <a:solidFill>
+                  <a:schemeClr val="tx1"/>
+                </a:solidFill>
+                <a:latin typeface="나눔고딕" panose="020D0604000000000000" pitchFamily="50" charset="-127"/>
+                <a:ea typeface="나눔고딕" panose="020D0604000000000000" pitchFamily="50" charset="-127"/>
+              </a:rPr>
+              <a:t>→ 브라우저에서 </a:t>
+            </a:r>
+            <a:r>
+              <a:rPr lang="ko-KR" altLang="en-US" sz="1100" b="1" dirty="0">
+                <a:solidFill>
+                  <a:schemeClr val="tx1"/>
+                </a:solidFill>
+                <a:latin typeface="나눔고딕" panose="020D0604000000000000" pitchFamily="50" charset="-127"/>
+                <a:ea typeface="나눔고딕" panose="020D0604000000000000" pitchFamily="50" charset="-127"/>
+              </a:rPr>
+              <a:t>요청 한</a:t>
+            </a:r>
+            <a:r>
+              <a:rPr lang="en-US" altLang="ko-KR" sz="1100" b="1" dirty="0">
+                <a:solidFill>
+                  <a:schemeClr val="tx1"/>
+                </a:solidFill>
+                <a:latin typeface="나눔고딕" panose="020D0604000000000000" pitchFamily="50" charset="-127"/>
+                <a:ea typeface="나눔고딕" panose="020D0604000000000000" pitchFamily="50" charset="-127"/>
+              </a:rPr>
+              <a:t> </a:t>
+            </a:r>
+            <a:r>
+              <a:rPr lang="ko-KR" altLang="en-US" sz="1100" b="1" dirty="0">
+                <a:solidFill>
+                  <a:schemeClr val="tx1"/>
+                </a:solidFill>
+                <a:latin typeface="나눔고딕" panose="020D0604000000000000" pitchFamily="50" charset="-127"/>
+                <a:ea typeface="나눔고딕" panose="020D0604000000000000" pitchFamily="50" charset="-127"/>
+              </a:rPr>
+              <a:t>해당 </a:t>
+            </a:r>
+            <a:r>
+              <a:rPr lang="en-US" altLang="ko-KR" sz="1100" b="1" dirty="0">
+                <a:solidFill>
+                  <a:schemeClr val="tx1"/>
+                </a:solidFill>
+                <a:latin typeface="나눔고딕" panose="020D0604000000000000" pitchFamily="50" charset="-127"/>
+                <a:ea typeface="나눔고딕" panose="020D0604000000000000" pitchFamily="50" charset="-127"/>
+              </a:rPr>
+              <a:t>SQL</a:t>
+            </a:r>
+            <a:r>
+              <a:rPr lang="ko-KR" altLang="en-US" sz="1100" b="1" dirty="0">
+                <a:solidFill>
+                  <a:schemeClr val="tx1"/>
+                </a:solidFill>
+                <a:latin typeface="나눔고딕" panose="020D0604000000000000" pitchFamily="50" charset="-127"/>
+                <a:ea typeface="나눔고딕" panose="020D0604000000000000" pitchFamily="50" charset="-127"/>
+              </a:rPr>
+              <a:t>문 조회 </a:t>
+            </a:r>
+            <a:r>
+              <a:rPr lang="ko-KR" altLang="en-US" sz="1100" b="1" dirty="0" smtClean="0">
+                <a:solidFill>
+                  <a:schemeClr val="tx1"/>
+                </a:solidFill>
+                <a:latin typeface="나눔고딕" panose="020D0604000000000000" pitchFamily="50" charset="-127"/>
+                <a:ea typeface="나눔고딕" panose="020D0604000000000000" pitchFamily="50" charset="-127"/>
+              </a:rPr>
+              <a:t>하고 </a:t>
+            </a:r>
+            <a:r>
+              <a:rPr lang="en-US" altLang="ko-KR" sz="1100" b="1" dirty="0">
+                <a:solidFill>
+                  <a:schemeClr val="tx1"/>
+                </a:solidFill>
+                <a:latin typeface="나눔고딕" panose="020D0604000000000000" pitchFamily="50" charset="-127"/>
+                <a:ea typeface="나눔고딕" panose="020D0604000000000000" pitchFamily="50" charset="-127"/>
+              </a:rPr>
+              <a:t>Map</a:t>
+            </a:r>
+            <a:r>
+              <a:rPr lang="ko-KR" altLang="en-US" sz="1100" b="1" dirty="0">
+                <a:solidFill>
+                  <a:schemeClr val="tx1"/>
+                </a:solidFill>
+                <a:latin typeface="나눔고딕" panose="020D0604000000000000" pitchFamily="50" charset="-127"/>
+                <a:ea typeface="나눔고딕" panose="020D0604000000000000" pitchFamily="50" charset="-127"/>
+              </a:rPr>
+              <a:t>에 </a:t>
+            </a:r>
+            <a:r>
+              <a:rPr lang="ko-KR" altLang="en-US" sz="1100" b="1" dirty="0" smtClean="0">
+                <a:solidFill>
+                  <a:schemeClr val="tx1"/>
+                </a:solidFill>
+                <a:latin typeface="나눔고딕" panose="020D0604000000000000" pitchFamily="50" charset="-127"/>
+                <a:ea typeface="나눔고딕" panose="020D0604000000000000" pitchFamily="50" charset="-127"/>
+              </a:rPr>
+              <a:t>저장</a:t>
+            </a:r>
+            <a:endParaRPr lang="en-US" altLang="ko-KR" sz="1100" b="1" dirty="0">
+              <a:solidFill>
+                <a:schemeClr val="tx1"/>
+              </a:solidFill>
+              <a:latin typeface="나눔고딕" panose="020D0604000000000000" pitchFamily="50" charset="-127"/>
+              <a:ea typeface="나눔고딕" panose="020D0604000000000000" pitchFamily="50" charset="-127"/>
+            </a:endParaRPr>
+          </a:p>
+          <a:p>
+            <a:pPr algn="ctr"/>
+            <a:r>
+              <a:rPr lang="ko-KR" altLang="en-US" sz="1100" b="1" dirty="0">
+                <a:solidFill>
+                  <a:schemeClr val="tx1"/>
+                </a:solidFill>
+                <a:latin typeface="나눔고딕" panose="020D0604000000000000" pitchFamily="50" charset="-127"/>
+                <a:ea typeface="나눔고딕" panose="020D0604000000000000" pitchFamily="50" charset="-127"/>
+              </a:rPr>
+              <a:t>→ </a:t>
+            </a:r>
+            <a:r>
+              <a:rPr lang="en-US" altLang="ko-KR" sz="1100" b="1" dirty="0" err="1" smtClean="0">
+                <a:solidFill>
+                  <a:schemeClr val="tx1"/>
+                </a:solidFill>
+                <a:latin typeface="나눔고딕" panose="020D0604000000000000" pitchFamily="50" charset="-127"/>
+                <a:ea typeface="나눔고딕" panose="020D0604000000000000" pitchFamily="50" charset="-127"/>
+              </a:rPr>
+              <a:t>ModelAndView</a:t>
+            </a:r>
+            <a:r>
+              <a:rPr lang="ko-KR" altLang="en-US" sz="1100" b="1" dirty="0">
+                <a:solidFill>
+                  <a:schemeClr val="tx1"/>
+                </a:solidFill>
+                <a:latin typeface="나눔고딕" panose="020D0604000000000000" pitchFamily="50" charset="-127"/>
+                <a:ea typeface="나눔고딕" panose="020D0604000000000000" pitchFamily="50" charset="-127"/>
+              </a:rPr>
+              <a:t>를 사용 해 메인 페이지로 상품 정보를 전달</a:t>
+            </a:r>
+          </a:p>
+        </p:txBody>
+      </p:sp>
+      <p:sp>
+        <p:nvSpPr>
+          <p:cNvPr id="36" name="직사각형 35"/>
+          <p:cNvSpPr/>
+          <p:nvPr/>
+        </p:nvSpPr>
+        <p:spPr>
+          <a:xfrm>
+            <a:off x="2178992" y="4138611"/>
+            <a:ext cx="4116723" cy="728663"/>
+          </a:xfrm>
+          <a:prstGeom prst="rect">
+            <a:avLst/>
+          </a:prstGeom>
+          <a:noFill/>
+          <a:ln w="28575">
+            <a:solidFill>
+              <a:srgbClr val="FF0000"/>
+            </a:solidFill>
+            <a:prstDash val="sysDot"/>
+          </a:ln>
+        </p:spPr>
+        <p:style>
+          <a:lnRef idx="2">
+            <a:schemeClr val="accent1">
+              <a:shade val="50000"/>
+            </a:schemeClr>
+          </a:lnRef>
+          <a:fillRef idx="1">
+            <a:schemeClr val="accent1"/>
+          </a:fillRef>
+          <a:effectRef idx="0">
+            <a:schemeClr val="accent1"/>
+          </a:effectRef>
+          <a:fontRef idx="minor">
+            <a:schemeClr val="lt1"/>
+          </a:fontRef>
+        </p:style>
+        <p:txBody>
+          <a:bodyPr rtlCol="0" anchor="ctr"/>
+          <a:lstStyle/>
+          <a:p>
+            <a:pPr algn="ctr"/>
+            <a:endParaRPr lang="ko-KR" altLang="en-US"/>
+          </a:p>
+        </p:txBody>
+      </p:sp>
+      <p:cxnSp>
+        <p:nvCxnSpPr>
+          <p:cNvPr id="38" name="직선 연결선 37"/>
+          <p:cNvCxnSpPr/>
+          <p:nvPr/>
+        </p:nvCxnSpPr>
+        <p:spPr>
+          <a:xfrm>
+            <a:off x="5876925" y="4867274"/>
+            <a:ext cx="0" cy="1217222"/>
+          </a:xfrm>
+          <a:prstGeom prst="line">
+            <a:avLst/>
+          </a:prstGeom>
+          <a:ln w="28575">
+            <a:solidFill>
+              <a:srgbClr val="FF0000"/>
+            </a:solidFill>
+            <a:prstDash val="sysDot"/>
+          </a:ln>
+        </p:spPr>
+        <p:style>
+          <a:lnRef idx="1">
+            <a:schemeClr val="accent1"/>
+          </a:lnRef>
+          <a:fillRef idx="0">
+            <a:schemeClr val="accent1"/>
+          </a:fillRef>
+          <a:effectRef idx="0">
+            <a:schemeClr val="accent1"/>
+          </a:effectRef>
+          <a:fontRef idx="minor">
+            <a:schemeClr val="tx1"/>
+          </a:fontRef>
+        </p:style>
+      </p:cxnSp>
+      <p:cxnSp>
+        <p:nvCxnSpPr>
+          <p:cNvPr id="41" name="직선 화살표 연결선 40"/>
+          <p:cNvCxnSpPr>
+            <a:endCxn id="34" idx="3"/>
+          </p:cNvCxnSpPr>
+          <p:nvPr/>
+        </p:nvCxnSpPr>
+        <p:spPr>
+          <a:xfrm flipH="1">
+            <a:off x="5329536" y="6084496"/>
+            <a:ext cx="547390" cy="1"/>
+          </a:xfrm>
+          <a:prstGeom prst="straightConnector1">
+            <a:avLst/>
+          </a:prstGeom>
+          <a:ln w="28575">
+            <a:solidFill>
+              <a:srgbClr val="FF0000"/>
+            </a:solidFill>
+            <a:prstDash val="sysDot"/>
+            <a:tailEnd type="triangle"/>
+          </a:ln>
+        </p:spPr>
+        <p:style>
+          <a:lnRef idx="1">
+            <a:schemeClr val="accent1"/>
+          </a:lnRef>
+          <a:fillRef idx="0">
+            <a:schemeClr val="accent1"/>
+          </a:fillRef>
+          <a:effectRef idx="0">
+            <a:schemeClr val="accent1"/>
+          </a:effectRef>
+          <a:fontRef idx="minor">
+            <a:schemeClr val="tx1"/>
+          </a:fontRef>
+        </p:style>
+      </p:cxnSp>
+    </p:spTree>
+    <p:extLst>
+      <p:ext uri="{BB962C8B-B14F-4D97-AF65-F5344CB8AC3E}">
+        <p14:creationId xmlns:p14="http://schemas.microsoft.com/office/powerpoint/2010/main" val="3243663138"/>
       </p:ext>
     </p:extLst>
   </p:cSld>

--- a/쇼핑몰.pptx
+++ b/쇼핑몰.pptx
@@ -8,14 +8,16 @@
     <p:sldId id="256" r:id="rId2"/>
     <p:sldId id="257" r:id="rId3"/>
     <p:sldId id="258" r:id="rId4"/>
-    <p:sldId id="259" r:id="rId5"/>
-    <p:sldId id="260" r:id="rId6"/>
-    <p:sldId id="261" r:id="rId7"/>
-    <p:sldId id="262" r:id="rId8"/>
-    <p:sldId id="263" r:id="rId9"/>
-    <p:sldId id="264" r:id="rId10"/>
-    <p:sldId id="265" r:id="rId11"/>
-    <p:sldId id="266" r:id="rId12"/>
+    <p:sldId id="267" r:id="rId5"/>
+    <p:sldId id="259" r:id="rId6"/>
+    <p:sldId id="260" r:id="rId7"/>
+    <p:sldId id="261" r:id="rId8"/>
+    <p:sldId id="262" r:id="rId9"/>
+    <p:sldId id="263" r:id="rId10"/>
+    <p:sldId id="264" r:id="rId11"/>
+    <p:sldId id="265" r:id="rId12"/>
+    <p:sldId id="266" r:id="rId13"/>
+    <p:sldId id="268" r:id="rId14"/>
   </p:sldIdLst>
   <p:sldSz cx="12192000" cy="6858000"/>
   <p:notesSz cx="6858000" cy="9144000"/>
@@ -322,7 +324,7 @@
           <a:p>
             <a:fld id="{48A87A34-81AB-432B-8DAE-1953F412C126}" type="datetimeFigureOut">
               <a:rPr lang="en-US" smtClean="0"/>
-              <a:t>9/26/2022</a:t>
+              <a:t>10/1/2022</a:t>
             </a:fld>
             <a:endParaRPr lang="en-US" dirty="0"/>
           </a:p>
@@ -661,7 +663,7 @@
             <a:fld id="{48A87A34-81AB-432B-8DAE-1953F412C126}" type="datetimeFigureOut">
               <a:rPr lang="en-US" smtClean="0"/>
               <a:pPr/>
-              <a:t>9/26/2022</a:t>
+              <a:t>10/1/2022</a:t>
             </a:fld>
             <a:endParaRPr lang="en-US" dirty="0"/>
           </a:p>
@@ -1064,7 +1066,7 @@
             <a:fld id="{48A87A34-81AB-432B-8DAE-1953F412C126}" type="datetimeFigureOut">
               <a:rPr lang="en-US" smtClean="0"/>
               <a:pPr/>
-              <a:t>9/26/2022</a:t>
+              <a:t>10/1/2022</a:t>
             </a:fld>
             <a:endParaRPr lang="en-US" dirty="0"/>
           </a:p>
@@ -1402,7 +1404,7 @@
             <a:fld id="{48A87A34-81AB-432B-8DAE-1953F412C126}" type="datetimeFigureOut">
               <a:rPr lang="en-US" smtClean="0"/>
               <a:pPr/>
-              <a:t>9/26/2022</a:t>
+              <a:t>10/1/2022</a:t>
             </a:fld>
             <a:endParaRPr lang="en-US" dirty="0"/>
           </a:p>
@@ -1724,7 +1726,7 @@
             <a:fld id="{48A87A34-81AB-432B-8DAE-1953F412C126}" type="datetimeFigureOut">
               <a:rPr lang="en-US" smtClean="0"/>
               <a:pPr/>
-              <a:t>9/26/2022</a:t>
+              <a:t>10/1/2022</a:t>
             </a:fld>
             <a:endParaRPr lang="en-US" dirty="0"/>
           </a:p>
@@ -2122,7 +2124,7 @@
             <a:fld id="{48A87A34-81AB-432B-8DAE-1953F412C126}" type="datetimeFigureOut">
               <a:rPr lang="en-US" smtClean="0"/>
               <a:pPr/>
-              <a:t>9/26/2022</a:t>
+              <a:t>10/1/2022</a:t>
             </a:fld>
             <a:endParaRPr lang="en-US" dirty="0"/>
           </a:p>
@@ -2380,7 +2382,7 @@
           <a:p>
             <a:fld id="{48A87A34-81AB-432B-8DAE-1953F412C126}" type="datetimeFigureOut">
               <a:rPr lang="en-US" smtClean="0"/>
-              <a:t>9/26/2022</a:t>
+              <a:t>10/1/2022</a:t>
             </a:fld>
             <a:endParaRPr lang="en-US" dirty="0"/>
           </a:p>
@@ -2643,7 +2645,7 @@
             <a:fld id="{48A87A34-81AB-432B-8DAE-1953F412C126}" type="datetimeFigureOut">
               <a:rPr lang="en-US" smtClean="0"/>
               <a:pPr/>
-              <a:t>9/26/2022</a:t>
+              <a:t>10/1/2022</a:t>
             </a:fld>
             <a:endParaRPr lang="en-US" dirty="0"/>
           </a:p>
@@ -2905,7 +2907,7 @@
           <a:p>
             <a:fld id="{48A87A34-81AB-432B-8DAE-1953F412C126}" type="datetimeFigureOut">
               <a:rPr lang="en-US" smtClean="0"/>
-              <a:t>9/26/2022</a:t>
+              <a:t>10/1/2022</a:t>
             </a:fld>
             <a:endParaRPr lang="en-US" dirty="0"/>
           </a:p>
@@ -3235,7 +3237,7 @@
             <a:fld id="{48A87A34-81AB-432B-8DAE-1953F412C126}" type="datetimeFigureOut">
               <a:rPr lang="en-US" smtClean="0"/>
               <a:pPr/>
-              <a:t>9/26/2022</a:t>
+              <a:t>10/1/2022</a:t>
             </a:fld>
             <a:endParaRPr lang="en-US" dirty="0"/>
           </a:p>
@@ -3558,7 +3560,7 @@
           <a:p>
             <a:fld id="{48A87A34-81AB-432B-8DAE-1953F412C126}" type="datetimeFigureOut">
               <a:rPr lang="en-US" smtClean="0"/>
-              <a:t>9/26/2022</a:t>
+              <a:t>10/1/2022</a:t>
             </a:fld>
             <a:endParaRPr lang="en-US" dirty="0"/>
           </a:p>
@@ -4015,7 +4017,7 @@
           <a:p>
             <a:fld id="{48A87A34-81AB-432B-8DAE-1953F412C126}" type="datetimeFigureOut">
               <a:rPr lang="en-US" smtClean="0"/>
-              <a:t>9/26/2022</a:t>
+              <a:t>10/1/2022</a:t>
             </a:fld>
             <a:endParaRPr lang="en-US" dirty="0"/>
           </a:p>
@@ -4220,7 +4222,7 @@
           <a:p>
             <a:fld id="{48A87A34-81AB-432B-8DAE-1953F412C126}" type="datetimeFigureOut">
               <a:rPr lang="en-US" smtClean="0"/>
-              <a:t>9/26/2022</a:t>
+              <a:t>10/1/2022</a:t>
             </a:fld>
             <a:endParaRPr lang="en-US" dirty="0"/>
           </a:p>
@@ -4397,7 +4399,7 @@
           <a:p>
             <a:fld id="{48A87A34-81AB-432B-8DAE-1953F412C126}" type="datetimeFigureOut">
               <a:rPr lang="en-US" smtClean="0"/>
-              <a:t>9/26/2022</a:t>
+              <a:t>10/1/2022</a:t>
             </a:fld>
             <a:endParaRPr lang="en-US" dirty="0"/>
           </a:p>
@@ -4730,7 +4732,7 @@
           <a:p>
             <a:fld id="{48A87A34-81AB-432B-8DAE-1953F412C126}" type="datetimeFigureOut">
               <a:rPr lang="en-US" smtClean="0"/>
-              <a:t>9/26/2022</a:t>
+              <a:t>10/1/2022</a:t>
             </a:fld>
             <a:endParaRPr lang="en-US" dirty="0"/>
           </a:p>
@@ -5075,7 +5077,7 @@
           <a:p>
             <a:fld id="{48A87A34-81AB-432B-8DAE-1953F412C126}" type="datetimeFigureOut">
               <a:rPr lang="en-US" smtClean="0"/>
-              <a:t>9/26/2022</a:t>
+              <a:t>10/1/2022</a:t>
             </a:fld>
             <a:endParaRPr lang="en-US" dirty="0"/>
           </a:p>
@@ -7193,7 +7195,7 @@
             <a:fld id="{48A87A34-81AB-432B-8DAE-1953F412C126}" type="datetimeFigureOut">
               <a:rPr lang="en-US" smtClean="0"/>
               <a:pPr/>
-              <a:t>9/26/2022</a:t>
+              <a:t>10/1/2022</a:t>
             </a:fld>
             <a:endParaRPr lang="en-US" dirty="0"/>
           </a:p>
@@ -7865,8 +7867,1073 @@
                 <a:latin typeface="나눔고딕" panose="020D0604000000000000" pitchFamily="50" charset="-127"/>
                 <a:ea typeface="나눔고딕" panose="020D0604000000000000" pitchFamily="50" charset="-127"/>
               </a:rPr>
-              <a:t>메인 </a:t>
-            </a:r>
+              <a:t>메인 페이지</a:t>
+            </a:r>
+            <a:r>
+              <a:rPr lang="en-US" altLang="ko-KR" sz="2400" dirty="0" smtClean="0">
+                <a:ln w="12700">
+                  <a:solidFill>
+                    <a:sysClr val="windowText" lastClr="000000"/>
+                  </a:solidFill>
+                </a:ln>
+                <a:latin typeface="나눔고딕" panose="020D0604000000000000" pitchFamily="50" charset="-127"/>
+                <a:ea typeface="나눔고딕" panose="020D0604000000000000" pitchFamily="50" charset="-127"/>
+              </a:rPr>
+              <a:t> </a:t>
+            </a:r>
+            <a:r>
+              <a:rPr lang="en-US" altLang="ko-KR" sz="2400" dirty="0" smtClean="0">
+                <a:ln w="12700">
+                  <a:solidFill>
+                    <a:sysClr val="windowText" lastClr="000000"/>
+                  </a:solidFill>
+                </a:ln>
+                <a:latin typeface="나눔고딕" panose="020D0604000000000000" pitchFamily="50" charset="-127"/>
+                <a:ea typeface="나눔고딕" panose="020D0604000000000000" pitchFamily="50" charset="-127"/>
+              </a:rPr>
+              <a:t>(</a:t>
+            </a:r>
+            <a:r>
+              <a:rPr lang="ko-KR" altLang="en-US" sz="2400" dirty="0" smtClean="0">
+                <a:ln w="12700">
+                  <a:solidFill>
+                    <a:sysClr val="windowText" lastClr="000000"/>
+                  </a:solidFill>
+                </a:ln>
+                <a:latin typeface="나눔고딕" panose="020D0604000000000000" pitchFamily="50" charset="-127"/>
+                <a:ea typeface="나눔고딕" panose="020D0604000000000000" pitchFamily="50" charset="-127"/>
+              </a:rPr>
+              <a:t>메인 페이지 </a:t>
+            </a:r>
+            <a:r>
+              <a:rPr lang="ko-KR" altLang="en-US" sz="2400" dirty="0" smtClean="0">
+                <a:ln w="12700">
+                  <a:solidFill>
+                    <a:sysClr val="windowText" lastClr="000000"/>
+                  </a:solidFill>
+                </a:ln>
+                <a:latin typeface="나눔고딕" panose="020D0604000000000000" pitchFamily="50" charset="-127"/>
+                <a:ea typeface="나눔고딕" panose="020D0604000000000000" pitchFamily="50" charset="-127"/>
+              </a:rPr>
+              <a:t>소스</a:t>
+            </a:r>
+            <a:r>
+              <a:rPr lang="en-US" altLang="ko-KR" sz="2400" dirty="0" smtClean="0">
+                <a:ln w="12700">
+                  <a:solidFill>
+                    <a:sysClr val="windowText" lastClr="000000"/>
+                  </a:solidFill>
+                </a:ln>
+                <a:latin typeface="나눔고딕" panose="020D0604000000000000" pitchFamily="50" charset="-127"/>
+                <a:ea typeface="나눔고딕" panose="020D0604000000000000" pitchFamily="50" charset="-127"/>
+              </a:rPr>
+              <a:t>)</a:t>
+            </a:r>
+            <a:endParaRPr lang="ko-KR" altLang="en-US" sz="3600" dirty="0">
+              <a:ln w="12700">
+                <a:solidFill>
+                  <a:sysClr val="windowText" lastClr="000000"/>
+                </a:solidFill>
+              </a:ln>
+              <a:latin typeface="나눔고딕" panose="020D0604000000000000" pitchFamily="50" charset="-127"/>
+              <a:ea typeface="나눔고딕" panose="020D0604000000000000" pitchFamily="50" charset="-127"/>
+            </a:endParaRPr>
+          </a:p>
+        </p:txBody>
+      </p:sp>
+      <p:pic>
+        <p:nvPicPr>
+          <p:cNvPr id="3" name="그림 2"/>
+          <p:cNvPicPr>
+            <a:picLocks noChangeAspect="1"/>
+          </p:cNvPicPr>
+          <p:nvPr/>
+        </p:nvPicPr>
+        <p:blipFill>
+          <a:blip r:embed="rId2">
+            <a:extLst>
+              <a:ext uri="{28A0092B-C50C-407E-A947-70E740481C1C}">
+                <a14:useLocalDpi xmlns:a14="http://schemas.microsoft.com/office/drawing/2010/main" val="0"/>
+              </a:ext>
+            </a:extLst>
+          </a:blip>
+          <a:stretch>
+            <a:fillRect/>
+          </a:stretch>
+        </p:blipFill>
+        <p:spPr>
+          <a:xfrm>
+            <a:off x="1371600" y="1500187"/>
+            <a:ext cx="7429500" cy="3819525"/>
+          </a:xfrm>
+          <a:prstGeom prst="rect">
+            <a:avLst/>
+          </a:prstGeom>
+          <a:ln w="28575">
+            <a:solidFill>
+              <a:srgbClr val="FF0000"/>
+            </a:solidFill>
+          </a:ln>
+        </p:spPr>
+      </p:pic>
+      <p:grpSp>
+        <p:nvGrpSpPr>
+          <p:cNvPr id="23" name="그룹 22"/>
+          <p:cNvGrpSpPr/>
+          <p:nvPr/>
+        </p:nvGrpSpPr>
+        <p:grpSpPr>
+          <a:xfrm>
+            <a:off x="6436704" y="1766887"/>
+            <a:ext cx="5372100" cy="2486025"/>
+            <a:chOff x="6562725" y="4076699"/>
+            <a:chExt cx="5372100" cy="2486025"/>
+          </a:xfrm>
+        </p:grpSpPr>
+        <p:pic>
+          <p:nvPicPr>
+            <p:cNvPr id="5" name="그림 4"/>
+            <p:cNvPicPr>
+              <a:picLocks noChangeAspect="1"/>
+            </p:cNvPicPr>
+            <p:nvPr/>
+          </p:nvPicPr>
+          <p:blipFill>
+            <a:blip r:embed="rId3">
+              <a:extLst>
+                <a:ext uri="{28A0092B-C50C-407E-A947-70E740481C1C}">
+                  <a14:useLocalDpi xmlns:a14="http://schemas.microsoft.com/office/drawing/2010/main" val="0"/>
+                </a:ext>
+              </a:extLst>
+            </a:blip>
+            <a:stretch>
+              <a:fillRect/>
+            </a:stretch>
+          </p:blipFill>
+          <p:spPr>
+            <a:xfrm>
+              <a:off x="6562725" y="4076699"/>
+              <a:ext cx="5372100" cy="2486025"/>
+            </a:xfrm>
+            <a:prstGeom prst="rect">
+              <a:avLst/>
+            </a:prstGeom>
+            <a:ln w="28575">
+              <a:solidFill>
+                <a:srgbClr val="FF0000"/>
+              </a:solidFill>
+            </a:ln>
+          </p:spPr>
+        </p:pic>
+        <p:sp>
+          <p:nvSpPr>
+            <p:cNvPr id="7" name="직사각형 6"/>
+            <p:cNvSpPr/>
+            <p:nvPr/>
+          </p:nvSpPr>
+          <p:spPr>
+            <a:xfrm>
+              <a:off x="6810375" y="4495800"/>
+              <a:ext cx="1819275" cy="304800"/>
+            </a:xfrm>
+            <a:prstGeom prst="rect">
+              <a:avLst/>
+            </a:prstGeom>
+            <a:noFill/>
+            <a:ln w="28575">
+              <a:solidFill>
+                <a:srgbClr val="FF0000"/>
+              </a:solidFill>
+              <a:prstDash val="sysDot"/>
+            </a:ln>
+          </p:spPr>
+          <p:style>
+            <a:lnRef idx="2">
+              <a:schemeClr val="accent1">
+                <a:shade val="50000"/>
+              </a:schemeClr>
+            </a:lnRef>
+            <a:fillRef idx="1">
+              <a:schemeClr val="accent1"/>
+            </a:fillRef>
+            <a:effectRef idx="0">
+              <a:schemeClr val="accent1"/>
+            </a:effectRef>
+            <a:fontRef idx="minor">
+              <a:schemeClr val="lt1"/>
+            </a:fontRef>
+          </p:style>
+          <p:txBody>
+            <a:bodyPr rtlCol="0" anchor="ctr"/>
+            <a:lstStyle/>
+            <a:p>
+              <a:pPr algn="ctr"/>
+              <a:endParaRPr lang="ko-KR" altLang="en-US"/>
+            </a:p>
+          </p:txBody>
+        </p:sp>
+      </p:grpSp>
+      <p:sp>
+        <p:nvSpPr>
+          <p:cNvPr id="15" name="직사각형 14">
+            <a:extLst>
+              <a:ext uri="{FF2B5EF4-FFF2-40B4-BE49-F238E27FC236}">
+                <a16:creationId xmlns:a16="http://schemas.microsoft.com/office/drawing/2014/main" id="{E81B2201-A002-4CB6-AC74-A6A79E57D96E}"/>
+              </a:ext>
+            </a:extLst>
+          </p:cNvPr>
+          <p:cNvSpPr/>
+          <p:nvPr/>
+        </p:nvSpPr>
+        <p:spPr>
+          <a:xfrm>
+            <a:off x="6578462" y="1567433"/>
+            <a:ext cx="2031057" cy="361950"/>
+          </a:xfrm>
+          <a:prstGeom prst="rect">
+            <a:avLst/>
+          </a:prstGeom>
+          <a:solidFill>
+            <a:schemeClr val="bg1"/>
+          </a:solidFill>
+          <a:ln w="28575">
+            <a:solidFill>
+              <a:srgbClr val="FF0000"/>
+            </a:solidFill>
+          </a:ln>
+        </p:spPr>
+        <p:style>
+          <a:lnRef idx="3">
+            <a:schemeClr val="lt1"/>
+          </a:lnRef>
+          <a:fillRef idx="1">
+            <a:schemeClr val="accent1"/>
+          </a:fillRef>
+          <a:effectRef idx="1">
+            <a:schemeClr val="accent1"/>
+          </a:effectRef>
+          <a:fontRef idx="minor">
+            <a:schemeClr val="lt1"/>
+          </a:fontRef>
+        </p:style>
+        <p:txBody>
+          <a:bodyPr rtlCol="0" anchor="ctr"/>
+          <a:lstStyle/>
+          <a:p>
+            <a:pPr algn="ctr"/>
+            <a:r>
+              <a:rPr lang="en-US" altLang="ko-KR" sz="1400" b="1" dirty="0">
+                <a:solidFill>
+                  <a:schemeClr val="tx1"/>
+                </a:solidFill>
+                <a:latin typeface="나눔고딕" panose="020D0604000000000000" pitchFamily="50" charset="-127"/>
+                <a:ea typeface="나눔고딕" panose="020D0604000000000000" pitchFamily="50" charset="-127"/>
+              </a:rPr>
+              <a:t>GoodsServiceImpl.java</a:t>
+            </a:r>
+            <a:endParaRPr lang="ko-KR" altLang="en-US" sz="1400" b="1" dirty="0">
+              <a:solidFill>
+                <a:schemeClr val="tx1"/>
+              </a:solidFill>
+              <a:latin typeface="나눔고딕" panose="020D0604000000000000" pitchFamily="50" charset="-127"/>
+              <a:ea typeface="나눔고딕" panose="020D0604000000000000" pitchFamily="50" charset="-127"/>
+            </a:endParaRPr>
+          </a:p>
+        </p:txBody>
+      </p:sp>
+      <p:sp>
+        <p:nvSpPr>
+          <p:cNvPr id="16" name="직사각형 15"/>
+          <p:cNvSpPr/>
+          <p:nvPr/>
+        </p:nvSpPr>
+        <p:spPr>
+          <a:xfrm>
+            <a:off x="1914525" y="2705100"/>
+            <a:ext cx="2343150" cy="304800"/>
+          </a:xfrm>
+          <a:prstGeom prst="rect">
+            <a:avLst/>
+          </a:prstGeom>
+          <a:noFill/>
+          <a:ln w="28575">
+            <a:solidFill>
+              <a:srgbClr val="FF0000"/>
+            </a:solidFill>
+            <a:prstDash val="sysDot"/>
+          </a:ln>
+        </p:spPr>
+        <p:style>
+          <a:lnRef idx="2">
+            <a:schemeClr val="accent1">
+              <a:shade val="50000"/>
+            </a:schemeClr>
+          </a:lnRef>
+          <a:fillRef idx="1">
+            <a:schemeClr val="accent1"/>
+          </a:fillRef>
+          <a:effectRef idx="0">
+            <a:schemeClr val="accent1"/>
+          </a:effectRef>
+          <a:fontRef idx="minor">
+            <a:schemeClr val="lt1"/>
+          </a:fontRef>
+        </p:style>
+        <p:txBody>
+          <a:bodyPr rtlCol="0" anchor="ctr"/>
+          <a:lstStyle/>
+          <a:p>
+            <a:pPr algn="ctr"/>
+            <a:endParaRPr lang="ko-KR" altLang="en-US"/>
+          </a:p>
+        </p:txBody>
+      </p:sp>
+      <p:cxnSp>
+        <p:nvCxnSpPr>
+          <p:cNvPr id="11" name="직선 화살표 연결선 10"/>
+          <p:cNvCxnSpPr>
+            <a:stCxn id="15" idx="1"/>
+            <a:endCxn id="16" idx="3"/>
+          </p:cNvCxnSpPr>
+          <p:nvPr/>
+        </p:nvCxnSpPr>
+        <p:spPr>
+          <a:xfrm flipH="1">
+            <a:off x="4257675" y="1748408"/>
+            <a:ext cx="2320787" cy="1109092"/>
+          </a:xfrm>
+          <a:prstGeom prst="straightConnector1">
+            <a:avLst/>
+          </a:prstGeom>
+          <a:ln w="28575">
+            <a:solidFill>
+              <a:srgbClr val="FF0000"/>
+            </a:solidFill>
+            <a:prstDash val="solid"/>
+            <a:tailEnd type="triangle"/>
+          </a:ln>
+        </p:spPr>
+        <p:style>
+          <a:lnRef idx="1">
+            <a:schemeClr val="accent1"/>
+          </a:lnRef>
+          <a:fillRef idx="0">
+            <a:schemeClr val="accent1"/>
+          </a:fillRef>
+          <a:effectRef idx="0">
+            <a:schemeClr val="accent1"/>
+          </a:effectRef>
+          <a:fontRef idx="minor">
+            <a:schemeClr val="tx1"/>
+          </a:fontRef>
+        </p:style>
+      </p:cxnSp>
+      <p:sp>
+        <p:nvSpPr>
+          <p:cNvPr id="22" name="TextBox 21"/>
+          <p:cNvSpPr txBox="1"/>
+          <p:nvPr/>
+        </p:nvSpPr>
+        <p:spPr>
+          <a:xfrm>
+            <a:off x="2811606" y="1319367"/>
+            <a:ext cx="2892138" cy="338554"/>
+          </a:xfrm>
+          <a:prstGeom prst="rect">
+            <a:avLst/>
+          </a:prstGeom>
+          <a:solidFill>
+            <a:schemeClr val="bg1"/>
+          </a:solidFill>
+          <a:ln w="28575">
+            <a:solidFill>
+              <a:srgbClr val="FF0000"/>
+            </a:solidFill>
+          </a:ln>
+        </p:spPr>
+        <p:txBody>
+          <a:bodyPr wrap="none" rtlCol="0">
+            <a:spAutoFit/>
+          </a:bodyPr>
+          <a:lstStyle/>
+          <a:p>
+            <a:r>
+              <a:rPr lang="en-US" altLang="ko-KR" sz="1600" b="1" dirty="0" smtClean="0">
+                <a:latin typeface="나눔고딕" panose="020D0604000000000000" pitchFamily="50" charset="-127"/>
+                <a:ea typeface="나눔고딕" panose="020D0604000000000000" pitchFamily="50" charset="-127"/>
+              </a:rPr>
+              <a:t>@</a:t>
+            </a:r>
+            <a:r>
+              <a:rPr lang="en-US" altLang="ko-KR" sz="1600" b="1" dirty="0" err="1" smtClean="0">
+                <a:latin typeface="나눔고딕" panose="020D0604000000000000" pitchFamily="50" charset="-127"/>
+                <a:ea typeface="나눔고딕" panose="020D0604000000000000" pitchFamily="50" charset="-127"/>
+              </a:rPr>
+              <a:t>Autowired</a:t>
+            </a:r>
+            <a:r>
+              <a:rPr lang="ko-KR" altLang="en-US" sz="1600" b="1" dirty="0" smtClean="0">
+                <a:latin typeface="나눔고딕" panose="020D0604000000000000" pitchFamily="50" charset="-127"/>
+                <a:ea typeface="나눔고딕" panose="020D0604000000000000" pitchFamily="50" charset="-127"/>
+              </a:rPr>
+              <a:t>를 이용해 빈 주입</a:t>
+            </a:r>
+            <a:endParaRPr lang="ko-KR" altLang="en-US" sz="1600" b="1" dirty="0">
+              <a:latin typeface="나눔고딕" panose="020D0604000000000000" pitchFamily="50" charset="-127"/>
+              <a:ea typeface="나눔고딕" panose="020D0604000000000000" pitchFamily="50" charset="-127"/>
+            </a:endParaRPr>
+          </a:p>
+        </p:txBody>
+      </p:sp>
+      <p:pic>
+        <p:nvPicPr>
+          <p:cNvPr id="26" name="그림 25"/>
+          <p:cNvPicPr>
+            <a:picLocks noChangeAspect="1"/>
+          </p:cNvPicPr>
+          <p:nvPr/>
+        </p:nvPicPr>
+        <p:blipFill>
+          <a:blip r:embed="rId4">
+            <a:extLst>
+              <a:ext uri="{28A0092B-C50C-407E-A947-70E740481C1C}">
+                <a14:useLocalDpi xmlns:a14="http://schemas.microsoft.com/office/drawing/2010/main" val="0"/>
+              </a:ext>
+            </a:extLst>
+          </a:blip>
+          <a:stretch>
+            <a:fillRect/>
+          </a:stretch>
+        </p:blipFill>
+        <p:spPr>
+          <a:xfrm>
+            <a:off x="8475363" y="4555330"/>
+            <a:ext cx="3352800" cy="1628775"/>
+          </a:xfrm>
+          <a:prstGeom prst="rect">
+            <a:avLst/>
+          </a:prstGeom>
+          <a:ln w="28575">
+            <a:solidFill>
+              <a:srgbClr val="FF0000"/>
+            </a:solidFill>
+          </a:ln>
+        </p:spPr>
+      </p:pic>
+      <p:sp>
+        <p:nvSpPr>
+          <p:cNvPr id="28" name="직사각형 27"/>
+          <p:cNvSpPr/>
+          <p:nvPr/>
+        </p:nvSpPr>
+        <p:spPr>
+          <a:xfrm>
+            <a:off x="8715375" y="4867275"/>
+            <a:ext cx="2143125" cy="323850"/>
+          </a:xfrm>
+          <a:prstGeom prst="rect">
+            <a:avLst/>
+          </a:prstGeom>
+          <a:noFill/>
+          <a:ln w="28575">
+            <a:solidFill>
+              <a:srgbClr val="FF0000"/>
+            </a:solidFill>
+            <a:prstDash val="sysDot"/>
+          </a:ln>
+        </p:spPr>
+        <p:style>
+          <a:lnRef idx="2">
+            <a:schemeClr val="accent1">
+              <a:shade val="50000"/>
+            </a:schemeClr>
+          </a:lnRef>
+          <a:fillRef idx="1">
+            <a:schemeClr val="accent1"/>
+          </a:fillRef>
+          <a:effectRef idx="0">
+            <a:schemeClr val="accent1"/>
+          </a:effectRef>
+          <a:fontRef idx="minor">
+            <a:schemeClr val="lt1"/>
+          </a:fontRef>
+        </p:style>
+        <p:txBody>
+          <a:bodyPr rtlCol="0" anchor="ctr"/>
+          <a:lstStyle/>
+          <a:p>
+            <a:pPr algn="ctr"/>
+            <a:endParaRPr lang="ko-KR" altLang="en-US"/>
+          </a:p>
+        </p:txBody>
+      </p:sp>
+      <p:sp>
+        <p:nvSpPr>
+          <p:cNvPr id="29" name="직사각형 28">
+            <a:extLst>
+              <a:ext uri="{FF2B5EF4-FFF2-40B4-BE49-F238E27FC236}">
+                <a16:creationId xmlns:a16="http://schemas.microsoft.com/office/drawing/2014/main" id="{E81B2201-A002-4CB6-AC74-A6A79E57D96E}"/>
+              </a:ext>
+            </a:extLst>
+          </p:cNvPr>
+          <p:cNvSpPr/>
+          <p:nvPr/>
+        </p:nvSpPr>
+        <p:spPr>
+          <a:xfrm>
+            <a:off x="9730155" y="4374355"/>
+            <a:ext cx="1957020" cy="361950"/>
+          </a:xfrm>
+          <a:prstGeom prst="rect">
+            <a:avLst/>
+          </a:prstGeom>
+          <a:solidFill>
+            <a:schemeClr val="bg1"/>
+          </a:solidFill>
+          <a:ln w="28575">
+            <a:solidFill>
+              <a:srgbClr val="FF0000"/>
+            </a:solidFill>
+          </a:ln>
+        </p:spPr>
+        <p:style>
+          <a:lnRef idx="3">
+            <a:schemeClr val="lt1"/>
+          </a:lnRef>
+          <a:fillRef idx="1">
+            <a:schemeClr val="accent1"/>
+          </a:fillRef>
+          <a:effectRef idx="1">
+            <a:schemeClr val="accent1"/>
+          </a:effectRef>
+          <a:fontRef idx="minor">
+            <a:schemeClr val="lt1"/>
+          </a:fontRef>
+        </p:style>
+        <p:txBody>
+          <a:bodyPr rtlCol="0" anchor="ctr"/>
+          <a:lstStyle/>
+          <a:p>
+            <a:pPr algn="ctr"/>
+            <a:r>
+              <a:rPr lang="en-US" altLang="ko-KR" sz="1400" b="1" dirty="0" smtClean="0">
+                <a:solidFill>
+                  <a:schemeClr val="tx1"/>
+                </a:solidFill>
+                <a:latin typeface="나눔고딕" panose="020D0604000000000000" pitchFamily="50" charset="-127"/>
+                <a:ea typeface="나눔고딕" panose="020D0604000000000000" pitchFamily="50" charset="-127"/>
+              </a:rPr>
+              <a:t>GoodsDAOImpl.java</a:t>
+            </a:r>
+            <a:endParaRPr lang="ko-KR" altLang="en-US" sz="1400" b="1" dirty="0">
+              <a:solidFill>
+                <a:schemeClr val="tx1"/>
+              </a:solidFill>
+              <a:latin typeface="나눔고딕" panose="020D0604000000000000" pitchFamily="50" charset="-127"/>
+              <a:ea typeface="나눔고딕" panose="020D0604000000000000" pitchFamily="50" charset="-127"/>
+            </a:endParaRPr>
+          </a:p>
+        </p:txBody>
+      </p:sp>
+      <p:cxnSp>
+        <p:nvCxnSpPr>
+          <p:cNvPr id="30" name="직선 화살표 연결선 29"/>
+          <p:cNvCxnSpPr>
+            <a:stCxn id="29" idx="1"/>
+          </p:cNvCxnSpPr>
+          <p:nvPr/>
+        </p:nvCxnSpPr>
+        <p:spPr>
+          <a:xfrm flipH="1" flipV="1">
+            <a:off x="7600951" y="2490788"/>
+            <a:ext cx="2129204" cy="2064542"/>
+          </a:xfrm>
+          <a:prstGeom prst="straightConnector1">
+            <a:avLst/>
+          </a:prstGeom>
+          <a:ln w="28575">
+            <a:solidFill>
+              <a:srgbClr val="FF0000"/>
+            </a:solidFill>
+            <a:prstDash val="solid"/>
+            <a:tailEnd type="triangle"/>
+          </a:ln>
+        </p:spPr>
+        <p:style>
+          <a:lnRef idx="1">
+            <a:schemeClr val="accent1"/>
+          </a:lnRef>
+          <a:fillRef idx="0">
+            <a:schemeClr val="accent1"/>
+          </a:fillRef>
+          <a:effectRef idx="0">
+            <a:schemeClr val="accent1"/>
+          </a:effectRef>
+          <a:fontRef idx="minor">
+            <a:schemeClr val="tx1"/>
+          </a:fontRef>
+        </p:style>
+      </p:cxnSp>
+      <p:sp>
+        <p:nvSpPr>
+          <p:cNvPr id="34" name="직사각형 33">
+            <a:extLst>
+              <a:ext uri="{FF2B5EF4-FFF2-40B4-BE49-F238E27FC236}">
+                <a16:creationId xmlns:a16="http://schemas.microsoft.com/office/drawing/2014/main" id="{B072B273-3C3D-4705-971E-C3E5EF52E01B}"/>
+              </a:ext>
+            </a:extLst>
+          </p:cNvPr>
+          <p:cNvSpPr/>
+          <p:nvPr/>
+        </p:nvSpPr>
+        <p:spPr>
+          <a:xfrm>
+            <a:off x="1371600" y="5644368"/>
+            <a:ext cx="3957936" cy="880258"/>
+          </a:xfrm>
+          <a:prstGeom prst="rect">
+            <a:avLst/>
+          </a:prstGeom>
+          <a:solidFill>
+            <a:schemeClr val="bg1"/>
+          </a:solidFill>
+          <a:ln w="28575">
+            <a:solidFill>
+              <a:srgbClr val="FF0000"/>
+            </a:solidFill>
+          </a:ln>
+        </p:spPr>
+        <p:style>
+          <a:lnRef idx="2">
+            <a:schemeClr val="accent1">
+              <a:shade val="50000"/>
+            </a:schemeClr>
+          </a:lnRef>
+          <a:fillRef idx="1">
+            <a:schemeClr val="accent1"/>
+          </a:fillRef>
+          <a:effectRef idx="0">
+            <a:schemeClr val="accent1"/>
+          </a:effectRef>
+          <a:fontRef idx="minor">
+            <a:schemeClr val="lt1"/>
+          </a:fontRef>
+        </p:style>
+        <p:txBody>
+          <a:bodyPr rtlCol="0" anchor="ctr"/>
+          <a:lstStyle/>
+          <a:p>
+            <a:pPr algn="ctr"/>
+            <a:r>
+              <a:rPr lang="en-US" altLang="ko-KR" sz="1100" b="1" dirty="0" err="1">
+                <a:solidFill>
+                  <a:schemeClr val="tx1"/>
+                </a:solidFill>
+                <a:latin typeface="나눔고딕" panose="020D0604000000000000" pitchFamily="50" charset="-127"/>
+                <a:ea typeface="나눔고딕" panose="020D0604000000000000" pitchFamily="50" charset="-127"/>
+              </a:rPr>
+              <a:t>side_menu</a:t>
+            </a:r>
+            <a:r>
+              <a:rPr lang="en-US" altLang="ko-KR" sz="1100" b="1" dirty="0">
+                <a:solidFill>
+                  <a:schemeClr val="tx1"/>
+                </a:solidFill>
+                <a:latin typeface="나눔고딕" panose="020D0604000000000000" pitchFamily="50" charset="-127"/>
+                <a:ea typeface="나눔고딕" panose="020D0604000000000000" pitchFamily="50" charset="-127"/>
+              </a:rPr>
+              <a:t> </a:t>
+            </a:r>
+            <a:r>
+              <a:rPr lang="ko-KR" altLang="en-US" sz="1100" b="1" dirty="0">
+                <a:solidFill>
+                  <a:schemeClr val="tx1"/>
+                </a:solidFill>
+                <a:latin typeface="나눔고딕" panose="020D0604000000000000" pitchFamily="50" charset="-127"/>
+                <a:ea typeface="나눔고딕" panose="020D0604000000000000" pitchFamily="50" charset="-127"/>
+              </a:rPr>
+              <a:t>값에 따라 메뉴 항목을 다르게 하는 속성 </a:t>
+            </a:r>
+            <a:r>
+              <a:rPr lang="en-US" altLang="ko-KR" sz="1100" b="1" dirty="0">
+                <a:solidFill>
+                  <a:schemeClr val="tx1"/>
+                </a:solidFill>
+                <a:latin typeface="나눔고딕" panose="020D0604000000000000" pitchFamily="50" charset="-127"/>
+                <a:ea typeface="나눔고딕" panose="020D0604000000000000" pitchFamily="50" charset="-127"/>
+              </a:rPr>
+              <a:t>setting</a:t>
+            </a:r>
+          </a:p>
+          <a:p>
+            <a:pPr algn="ctr"/>
+            <a:r>
+              <a:rPr lang="ko-KR" altLang="en-US" sz="1100" b="1" dirty="0">
+                <a:solidFill>
+                  <a:schemeClr val="tx1"/>
+                </a:solidFill>
+                <a:latin typeface="나눔고딕" panose="020D0604000000000000" pitchFamily="50" charset="-127"/>
+                <a:ea typeface="나눔고딕" panose="020D0604000000000000" pitchFamily="50" charset="-127"/>
+              </a:rPr>
+              <a:t>→ </a:t>
+            </a:r>
+            <a:r>
+              <a:rPr lang="en-US" altLang="ko-KR" sz="1100" b="1" dirty="0" err="1">
+                <a:solidFill>
+                  <a:schemeClr val="tx1"/>
+                </a:solidFill>
+                <a:latin typeface="나눔고딕" panose="020D0604000000000000" pitchFamily="50" charset="-127"/>
+                <a:ea typeface="나눔고딕" panose="020D0604000000000000" pitchFamily="50" charset="-127"/>
+              </a:rPr>
+              <a:t>side.jsp</a:t>
+            </a:r>
+            <a:r>
+              <a:rPr lang="ko-KR" altLang="en-US" sz="1100" b="1" dirty="0">
+                <a:solidFill>
+                  <a:schemeClr val="tx1"/>
+                </a:solidFill>
+                <a:latin typeface="나눔고딕" panose="020D0604000000000000" pitchFamily="50" charset="-127"/>
+                <a:ea typeface="나눔고딕" panose="020D0604000000000000" pitchFamily="50" charset="-127"/>
+              </a:rPr>
+              <a:t>에서 </a:t>
+            </a:r>
+            <a:r>
+              <a:rPr lang="en-US" altLang="ko-KR" sz="1100" b="1" dirty="0">
+                <a:solidFill>
+                  <a:schemeClr val="tx1"/>
+                </a:solidFill>
+                <a:latin typeface="나눔고딕" panose="020D0604000000000000" pitchFamily="50" charset="-127"/>
+                <a:ea typeface="나눔고딕" panose="020D0604000000000000" pitchFamily="50" charset="-127"/>
+              </a:rPr>
+              <a:t>setting </a:t>
+            </a:r>
+            <a:r>
+              <a:rPr lang="ko-KR" altLang="en-US" sz="1100" b="1" dirty="0">
+                <a:solidFill>
+                  <a:schemeClr val="tx1"/>
+                </a:solidFill>
+                <a:latin typeface="나눔고딕" panose="020D0604000000000000" pitchFamily="50" charset="-127"/>
+                <a:ea typeface="나눔고딕" panose="020D0604000000000000" pitchFamily="50" charset="-127"/>
+              </a:rPr>
+              <a:t>된 속성 화면에 구현</a:t>
+            </a:r>
+            <a:endParaRPr lang="en-US" altLang="ko-KR" sz="1100" b="1" dirty="0">
+              <a:solidFill>
+                <a:schemeClr val="tx1"/>
+              </a:solidFill>
+              <a:latin typeface="나눔고딕" panose="020D0604000000000000" pitchFamily="50" charset="-127"/>
+              <a:ea typeface="나눔고딕" panose="020D0604000000000000" pitchFamily="50" charset="-127"/>
+            </a:endParaRPr>
+          </a:p>
+          <a:p>
+            <a:pPr algn="ctr"/>
+            <a:r>
+              <a:rPr lang="ko-KR" altLang="en-US" sz="1100" b="1" dirty="0">
+                <a:solidFill>
+                  <a:schemeClr val="tx1"/>
+                </a:solidFill>
+                <a:latin typeface="나눔고딕" panose="020D0604000000000000" pitchFamily="50" charset="-127"/>
+                <a:ea typeface="나눔고딕" panose="020D0604000000000000" pitchFamily="50" charset="-127"/>
+              </a:rPr>
+              <a:t>→ 브라우저에서 요청 한</a:t>
+            </a:r>
+            <a:r>
+              <a:rPr lang="en-US" altLang="ko-KR" sz="1100" b="1" dirty="0">
+                <a:solidFill>
+                  <a:schemeClr val="tx1"/>
+                </a:solidFill>
+                <a:latin typeface="나눔고딕" panose="020D0604000000000000" pitchFamily="50" charset="-127"/>
+                <a:ea typeface="나눔고딕" panose="020D0604000000000000" pitchFamily="50" charset="-127"/>
+              </a:rPr>
+              <a:t> </a:t>
+            </a:r>
+            <a:r>
+              <a:rPr lang="ko-KR" altLang="en-US" sz="1100" b="1" dirty="0">
+                <a:solidFill>
+                  <a:schemeClr val="tx1"/>
+                </a:solidFill>
+                <a:latin typeface="나눔고딕" panose="020D0604000000000000" pitchFamily="50" charset="-127"/>
+                <a:ea typeface="나눔고딕" panose="020D0604000000000000" pitchFamily="50" charset="-127"/>
+              </a:rPr>
+              <a:t>해당 </a:t>
+            </a:r>
+            <a:r>
+              <a:rPr lang="en-US" altLang="ko-KR" sz="1100" b="1" dirty="0">
+                <a:solidFill>
+                  <a:schemeClr val="tx1"/>
+                </a:solidFill>
+                <a:latin typeface="나눔고딕" panose="020D0604000000000000" pitchFamily="50" charset="-127"/>
+                <a:ea typeface="나눔고딕" panose="020D0604000000000000" pitchFamily="50" charset="-127"/>
+              </a:rPr>
+              <a:t>SQL</a:t>
+            </a:r>
+            <a:r>
+              <a:rPr lang="ko-KR" altLang="en-US" sz="1100" b="1" dirty="0">
+                <a:solidFill>
+                  <a:schemeClr val="tx1"/>
+                </a:solidFill>
+                <a:latin typeface="나눔고딕" panose="020D0604000000000000" pitchFamily="50" charset="-127"/>
+                <a:ea typeface="나눔고딕" panose="020D0604000000000000" pitchFamily="50" charset="-127"/>
+              </a:rPr>
+              <a:t>문 조회 </a:t>
+            </a:r>
+            <a:r>
+              <a:rPr lang="ko-KR" altLang="en-US" sz="1100" b="1" dirty="0" smtClean="0">
+                <a:solidFill>
+                  <a:schemeClr val="tx1"/>
+                </a:solidFill>
+                <a:latin typeface="나눔고딕" panose="020D0604000000000000" pitchFamily="50" charset="-127"/>
+                <a:ea typeface="나눔고딕" panose="020D0604000000000000" pitchFamily="50" charset="-127"/>
+              </a:rPr>
+              <a:t>하고 </a:t>
+            </a:r>
+            <a:r>
+              <a:rPr lang="en-US" altLang="ko-KR" sz="1100" b="1" dirty="0">
+                <a:solidFill>
+                  <a:schemeClr val="tx1"/>
+                </a:solidFill>
+                <a:latin typeface="나눔고딕" panose="020D0604000000000000" pitchFamily="50" charset="-127"/>
+                <a:ea typeface="나눔고딕" panose="020D0604000000000000" pitchFamily="50" charset="-127"/>
+              </a:rPr>
+              <a:t>Map</a:t>
+            </a:r>
+            <a:r>
+              <a:rPr lang="ko-KR" altLang="en-US" sz="1100" b="1" dirty="0">
+                <a:solidFill>
+                  <a:schemeClr val="tx1"/>
+                </a:solidFill>
+                <a:latin typeface="나눔고딕" panose="020D0604000000000000" pitchFamily="50" charset="-127"/>
+                <a:ea typeface="나눔고딕" panose="020D0604000000000000" pitchFamily="50" charset="-127"/>
+              </a:rPr>
+              <a:t>에 </a:t>
+            </a:r>
+            <a:r>
+              <a:rPr lang="ko-KR" altLang="en-US" sz="1100" b="1" dirty="0" smtClean="0">
+                <a:solidFill>
+                  <a:schemeClr val="tx1"/>
+                </a:solidFill>
+                <a:latin typeface="나눔고딕" panose="020D0604000000000000" pitchFamily="50" charset="-127"/>
+                <a:ea typeface="나눔고딕" panose="020D0604000000000000" pitchFamily="50" charset="-127"/>
+              </a:rPr>
+              <a:t>저장</a:t>
+            </a:r>
+            <a:endParaRPr lang="en-US" altLang="ko-KR" sz="1100" b="1" dirty="0">
+              <a:solidFill>
+                <a:schemeClr val="tx1"/>
+              </a:solidFill>
+              <a:latin typeface="나눔고딕" panose="020D0604000000000000" pitchFamily="50" charset="-127"/>
+              <a:ea typeface="나눔고딕" panose="020D0604000000000000" pitchFamily="50" charset="-127"/>
+            </a:endParaRPr>
+          </a:p>
+          <a:p>
+            <a:pPr algn="ctr"/>
+            <a:r>
+              <a:rPr lang="ko-KR" altLang="en-US" sz="1100" b="1" dirty="0">
+                <a:solidFill>
+                  <a:schemeClr val="tx1"/>
+                </a:solidFill>
+                <a:latin typeface="나눔고딕" panose="020D0604000000000000" pitchFamily="50" charset="-127"/>
+                <a:ea typeface="나눔고딕" panose="020D0604000000000000" pitchFamily="50" charset="-127"/>
+              </a:rPr>
+              <a:t>→ </a:t>
+            </a:r>
+            <a:r>
+              <a:rPr lang="en-US" altLang="ko-KR" sz="1100" b="1" dirty="0" err="1" smtClean="0">
+                <a:solidFill>
+                  <a:schemeClr val="tx1"/>
+                </a:solidFill>
+                <a:latin typeface="나눔고딕" panose="020D0604000000000000" pitchFamily="50" charset="-127"/>
+                <a:ea typeface="나눔고딕" panose="020D0604000000000000" pitchFamily="50" charset="-127"/>
+              </a:rPr>
+              <a:t>ModelAndView</a:t>
+            </a:r>
+            <a:r>
+              <a:rPr lang="ko-KR" altLang="en-US" sz="1100" b="1" dirty="0">
+                <a:solidFill>
+                  <a:schemeClr val="tx1"/>
+                </a:solidFill>
+                <a:latin typeface="나눔고딕" panose="020D0604000000000000" pitchFamily="50" charset="-127"/>
+                <a:ea typeface="나눔고딕" panose="020D0604000000000000" pitchFamily="50" charset="-127"/>
+              </a:rPr>
+              <a:t>를 사용 해 메인 페이지로 상품 정보를 전달</a:t>
+            </a:r>
+          </a:p>
+        </p:txBody>
+      </p:sp>
+      <p:sp>
+        <p:nvSpPr>
+          <p:cNvPr id="36" name="직사각형 35"/>
+          <p:cNvSpPr/>
+          <p:nvPr/>
+        </p:nvSpPr>
+        <p:spPr>
+          <a:xfrm>
+            <a:off x="2178992" y="4138611"/>
+            <a:ext cx="4116723" cy="728663"/>
+          </a:xfrm>
+          <a:prstGeom prst="rect">
+            <a:avLst/>
+          </a:prstGeom>
+          <a:noFill/>
+          <a:ln w="28575">
+            <a:solidFill>
+              <a:srgbClr val="FF0000"/>
+            </a:solidFill>
+            <a:prstDash val="sysDot"/>
+          </a:ln>
+        </p:spPr>
+        <p:style>
+          <a:lnRef idx="2">
+            <a:schemeClr val="accent1">
+              <a:shade val="50000"/>
+            </a:schemeClr>
+          </a:lnRef>
+          <a:fillRef idx="1">
+            <a:schemeClr val="accent1"/>
+          </a:fillRef>
+          <a:effectRef idx="0">
+            <a:schemeClr val="accent1"/>
+          </a:effectRef>
+          <a:fontRef idx="minor">
+            <a:schemeClr val="lt1"/>
+          </a:fontRef>
+        </p:style>
+        <p:txBody>
+          <a:bodyPr rtlCol="0" anchor="ctr"/>
+          <a:lstStyle/>
+          <a:p>
+            <a:pPr algn="ctr"/>
+            <a:endParaRPr lang="ko-KR" altLang="en-US"/>
+          </a:p>
+        </p:txBody>
+      </p:sp>
+      <p:cxnSp>
+        <p:nvCxnSpPr>
+          <p:cNvPr id="38" name="직선 연결선 37"/>
+          <p:cNvCxnSpPr/>
+          <p:nvPr/>
+        </p:nvCxnSpPr>
+        <p:spPr>
+          <a:xfrm>
+            <a:off x="5876925" y="4867274"/>
+            <a:ext cx="0" cy="1217222"/>
+          </a:xfrm>
+          <a:prstGeom prst="line">
+            <a:avLst/>
+          </a:prstGeom>
+          <a:ln w="28575">
+            <a:solidFill>
+              <a:srgbClr val="FF0000"/>
+            </a:solidFill>
+            <a:prstDash val="solid"/>
+          </a:ln>
+        </p:spPr>
+        <p:style>
+          <a:lnRef idx="1">
+            <a:schemeClr val="accent1"/>
+          </a:lnRef>
+          <a:fillRef idx="0">
+            <a:schemeClr val="accent1"/>
+          </a:fillRef>
+          <a:effectRef idx="0">
+            <a:schemeClr val="accent1"/>
+          </a:effectRef>
+          <a:fontRef idx="minor">
+            <a:schemeClr val="tx1"/>
+          </a:fontRef>
+        </p:style>
+      </p:cxnSp>
+      <p:cxnSp>
+        <p:nvCxnSpPr>
+          <p:cNvPr id="41" name="직선 화살표 연결선 40"/>
+          <p:cNvCxnSpPr>
+            <a:endCxn id="34" idx="3"/>
+          </p:cNvCxnSpPr>
+          <p:nvPr/>
+        </p:nvCxnSpPr>
+        <p:spPr>
+          <a:xfrm flipH="1">
+            <a:off x="5329536" y="6084496"/>
+            <a:ext cx="547390" cy="1"/>
+          </a:xfrm>
+          <a:prstGeom prst="straightConnector1">
+            <a:avLst/>
+          </a:prstGeom>
+          <a:ln w="28575">
+            <a:solidFill>
+              <a:srgbClr val="FF0000"/>
+            </a:solidFill>
+            <a:prstDash val="solid"/>
+            <a:tailEnd type="triangle"/>
+          </a:ln>
+        </p:spPr>
+        <p:style>
+          <a:lnRef idx="1">
+            <a:schemeClr val="accent1"/>
+          </a:lnRef>
+          <a:fillRef idx="0">
+            <a:schemeClr val="accent1"/>
+          </a:fillRef>
+          <a:effectRef idx="0">
+            <a:schemeClr val="accent1"/>
+          </a:effectRef>
+          <a:fontRef idx="minor">
+            <a:schemeClr val="tx1"/>
+          </a:fontRef>
+        </p:style>
+      </p:cxnSp>
+    </p:spTree>
+    <p:extLst>
+      <p:ext uri="{BB962C8B-B14F-4D97-AF65-F5344CB8AC3E}">
+        <p14:creationId xmlns:p14="http://schemas.microsoft.com/office/powerpoint/2010/main" val="3243663138"/>
+      </p:ext>
+    </p:extLst>
+  </p:cSld>
+  <p:clrMapOvr>
+    <a:masterClrMapping/>
+  </p:clrMapOvr>
+</p:sld>
+</file>
+
+<file path=ppt/slides/slide11.xml><?xml version="1.0" encoding="utf-8"?>
+<p:sld xmlns:a="http://schemas.openxmlformats.org/drawingml/2006/main" xmlns:r="http://schemas.openxmlformats.org/officeDocument/2006/relationships" xmlns:p="http://schemas.openxmlformats.org/presentationml/2006/main">
+  <p:cSld>
+    <p:spTree>
+      <p:nvGrpSpPr>
+        <p:cNvPr id="1" name=""/>
+        <p:cNvGrpSpPr/>
+        <p:nvPr/>
+      </p:nvGrpSpPr>
+      <p:grpSpPr>
+        <a:xfrm>
+          <a:off x="0" y="0"/>
+          <a:ext cx="0" cy="0"/>
+          <a:chOff x="0" y="0"/>
+          <a:chExt cx="0" cy="0"/>
+        </a:xfrm>
+      </p:grpSpPr>
+      <p:sp>
+        <p:nvSpPr>
+          <p:cNvPr id="4" name="TextBox 3"/>
+          <p:cNvSpPr txBox="1"/>
+          <p:nvPr/>
+        </p:nvSpPr>
+        <p:spPr>
+          <a:xfrm>
+            <a:off x="1609648" y="652588"/>
+            <a:ext cx="5654112" cy="646331"/>
+          </a:xfrm>
+          <a:prstGeom prst="rect">
+            <a:avLst/>
+          </a:prstGeom>
+          <a:noFill/>
+        </p:spPr>
+        <p:txBody>
+          <a:bodyPr wrap="none" rtlCol="0">
+            <a:spAutoFit/>
+          </a:bodyPr>
+          <a:lstStyle/>
+          <a:p>
             <a:r>
               <a:rPr lang="ko-KR" altLang="en-US" sz="3600" b="1" dirty="0" smtClean="0">
                 <a:ln w="12700">
@@ -7877,7 +8944,7 @@
                 <a:latin typeface="나눔고딕" panose="020D0604000000000000" pitchFamily="50" charset="-127"/>
                 <a:ea typeface="나눔고딕" panose="020D0604000000000000" pitchFamily="50" charset="-127"/>
               </a:rPr>
-              <a:t>페이지</a:t>
+              <a:t>메인 페이지</a:t>
             </a:r>
             <a:r>
               <a:rPr lang="en-US" altLang="ko-KR" sz="2400" dirty="0" smtClean="0">
@@ -7889,7 +8956,19 @@
                 <a:latin typeface="나눔고딕" panose="020D0604000000000000" pitchFamily="50" charset="-127"/>
                 <a:ea typeface="나눔고딕" panose="020D0604000000000000" pitchFamily="50" charset="-127"/>
               </a:rPr>
-              <a:t> (</a:t>
+              <a:t> </a:t>
+            </a:r>
+            <a:r>
+              <a:rPr lang="en-US" altLang="ko-KR" sz="2400" dirty="0" smtClean="0">
+                <a:ln w="12700">
+                  <a:solidFill>
+                    <a:sysClr val="windowText" lastClr="000000"/>
+                  </a:solidFill>
+                </a:ln>
+                <a:latin typeface="나눔고딕" panose="020D0604000000000000" pitchFamily="50" charset="-127"/>
+                <a:ea typeface="나눔고딕" panose="020D0604000000000000" pitchFamily="50" charset="-127"/>
+              </a:rPr>
+              <a:t>(</a:t>
             </a:r>
             <a:r>
               <a:rPr lang="ko-KR" altLang="en-US" sz="2400" dirty="0" smtClean="0">
@@ -7901,7 +8980,19 @@
                 <a:latin typeface="나눔고딕" panose="020D0604000000000000" pitchFamily="50" charset="-127"/>
                 <a:ea typeface="나눔고딕" panose="020D0604000000000000" pitchFamily="50" charset="-127"/>
               </a:rPr>
-              <a:t>페이지 실행 화면</a:t>
+              <a:t>메인 페이지 </a:t>
+            </a:r>
+            <a:r>
+              <a:rPr lang="ko-KR" altLang="en-US" sz="2400" dirty="0" smtClean="0">
+                <a:ln w="12700">
+                  <a:solidFill>
+                    <a:sysClr val="windowText" lastClr="000000"/>
+                  </a:solidFill>
+                </a:ln>
+                <a:latin typeface="나눔고딕" panose="020D0604000000000000" pitchFamily="50" charset="-127"/>
+                <a:ea typeface="나눔고딕" panose="020D0604000000000000" pitchFamily="50" charset="-127"/>
+              </a:rPr>
+              <a:t>실행 화면</a:t>
             </a:r>
             <a:r>
               <a:rPr lang="en-US" altLang="ko-KR" sz="2400" dirty="0" smtClean="0">
@@ -8309,7 +9400,7 @@
 </p:sld>
 </file>
 
-<file path=ppt/slides/slide11.xml><?xml version="1.0" encoding="utf-8"?>
+<file path=ppt/slides/slide12.xml><?xml version="1.0" encoding="utf-8"?>
 <p:sld xmlns:a="http://schemas.openxmlformats.org/drawingml/2006/main" xmlns:r="http://schemas.openxmlformats.org/officeDocument/2006/relationships" xmlns:p="http://schemas.openxmlformats.org/presentationml/2006/main">
   <p:cSld>
     <p:spTree>
@@ -8358,19 +9449,7 @@
                 <a:latin typeface="나눔고딕" panose="020D0604000000000000" pitchFamily="50" charset="-127"/>
                 <a:ea typeface="나눔고딕" panose="020D0604000000000000" pitchFamily="50" charset="-127"/>
               </a:rPr>
-              <a:t>메인 </a:t>
-            </a:r>
-            <a:r>
-              <a:rPr lang="ko-KR" altLang="en-US" sz="3600" b="1" dirty="0" smtClean="0">
-                <a:ln w="12700">
-                  <a:solidFill>
-                    <a:sysClr val="windowText" lastClr="000000"/>
-                  </a:solidFill>
-                </a:ln>
-                <a:latin typeface="나눔고딕" panose="020D0604000000000000" pitchFamily="50" charset="-127"/>
-                <a:ea typeface="나눔고딕" panose="020D0604000000000000" pitchFamily="50" charset="-127"/>
-              </a:rPr>
-              <a:t>페이지</a:t>
+              <a:t>메인 페이지</a:t>
             </a:r>
             <a:r>
               <a:rPr lang="en-US" altLang="ko-KR" sz="2400" dirty="0" smtClean="0">
@@ -8808,6 +9887,698 @@
     <p:extLst>
       <p:ext uri="{BB962C8B-B14F-4D97-AF65-F5344CB8AC3E}">
         <p14:creationId xmlns:p14="http://schemas.microsoft.com/office/powerpoint/2010/main" val="326526722"/>
+      </p:ext>
+    </p:extLst>
+  </p:cSld>
+  <p:clrMapOvr>
+    <a:masterClrMapping/>
+  </p:clrMapOvr>
+</p:sld>
+</file>
+
+<file path=ppt/slides/slide13.xml><?xml version="1.0" encoding="utf-8"?>
+<p:sld xmlns:a="http://schemas.openxmlformats.org/drawingml/2006/main" xmlns:r="http://schemas.openxmlformats.org/officeDocument/2006/relationships" xmlns:p="http://schemas.openxmlformats.org/presentationml/2006/main">
+  <p:cSld>
+    <p:spTree>
+      <p:nvGrpSpPr>
+        <p:cNvPr id="1" name=""/>
+        <p:cNvGrpSpPr/>
+        <p:nvPr/>
+      </p:nvGrpSpPr>
+      <p:grpSpPr>
+        <a:xfrm>
+          <a:off x="0" y="0"/>
+          <a:ext cx="0" cy="0"/>
+          <a:chOff x="0" y="0"/>
+          <a:chExt cx="0" cy="0"/>
+        </a:xfrm>
+      </p:grpSpPr>
+      <p:sp>
+        <p:nvSpPr>
+          <p:cNvPr id="4" name="TextBox 3"/>
+          <p:cNvSpPr txBox="1"/>
+          <p:nvPr/>
+        </p:nvSpPr>
+        <p:spPr>
+          <a:xfrm>
+            <a:off x="1609648" y="652588"/>
+            <a:ext cx="5654112" cy="646331"/>
+          </a:xfrm>
+          <a:prstGeom prst="rect">
+            <a:avLst/>
+          </a:prstGeom>
+          <a:noFill/>
+        </p:spPr>
+        <p:txBody>
+          <a:bodyPr wrap="none" rtlCol="0">
+            <a:spAutoFit/>
+          </a:bodyPr>
+          <a:lstStyle/>
+          <a:p>
+            <a:r>
+              <a:rPr lang="ko-KR" altLang="en-US" sz="3600" b="1" dirty="0" smtClean="0">
+                <a:ln w="12700">
+                  <a:solidFill>
+                    <a:sysClr val="windowText" lastClr="000000"/>
+                  </a:solidFill>
+                </a:ln>
+                <a:latin typeface="나눔고딕" panose="020D0604000000000000" pitchFamily="50" charset="-127"/>
+                <a:ea typeface="나눔고딕" panose="020D0604000000000000" pitchFamily="50" charset="-127"/>
+              </a:rPr>
+              <a:t>메인 페이지</a:t>
+            </a:r>
+            <a:r>
+              <a:rPr lang="en-US" altLang="ko-KR" sz="2400" dirty="0" smtClean="0">
+                <a:ln w="12700">
+                  <a:solidFill>
+                    <a:sysClr val="windowText" lastClr="000000"/>
+                  </a:solidFill>
+                </a:ln>
+                <a:latin typeface="나눔고딕" panose="020D0604000000000000" pitchFamily="50" charset="-127"/>
+                <a:ea typeface="나눔고딕" panose="020D0604000000000000" pitchFamily="50" charset="-127"/>
+              </a:rPr>
+              <a:t> </a:t>
+            </a:r>
+            <a:r>
+              <a:rPr lang="en-US" altLang="ko-KR" sz="2400" dirty="0" smtClean="0">
+                <a:ln w="12700">
+                  <a:solidFill>
+                    <a:sysClr val="windowText" lastClr="000000"/>
+                  </a:solidFill>
+                </a:ln>
+                <a:latin typeface="나눔고딕" panose="020D0604000000000000" pitchFamily="50" charset="-127"/>
+                <a:ea typeface="나눔고딕" panose="020D0604000000000000" pitchFamily="50" charset="-127"/>
+              </a:rPr>
+              <a:t>(</a:t>
+            </a:r>
+            <a:r>
+              <a:rPr lang="ko-KR" altLang="en-US" sz="2400" dirty="0" smtClean="0">
+                <a:ln w="12700">
+                  <a:solidFill>
+                    <a:sysClr val="windowText" lastClr="000000"/>
+                  </a:solidFill>
+                </a:ln>
+                <a:latin typeface="나눔고딕" panose="020D0604000000000000" pitchFamily="50" charset="-127"/>
+                <a:ea typeface="나눔고딕" panose="020D0604000000000000" pitchFamily="50" charset="-127"/>
+              </a:rPr>
+              <a:t>메인 페이지 </a:t>
+            </a:r>
+            <a:r>
+              <a:rPr lang="ko-KR" altLang="en-US" sz="2400" dirty="0" smtClean="0">
+                <a:ln w="12700">
+                  <a:solidFill>
+                    <a:sysClr val="windowText" lastClr="000000"/>
+                  </a:solidFill>
+                </a:ln>
+                <a:latin typeface="나눔고딕" panose="020D0604000000000000" pitchFamily="50" charset="-127"/>
+                <a:ea typeface="나눔고딕" panose="020D0604000000000000" pitchFamily="50" charset="-127"/>
+              </a:rPr>
+              <a:t>실행 화면</a:t>
+            </a:r>
+            <a:r>
+              <a:rPr lang="en-US" altLang="ko-KR" sz="2400" dirty="0" smtClean="0">
+                <a:ln w="12700">
+                  <a:solidFill>
+                    <a:sysClr val="windowText" lastClr="000000"/>
+                  </a:solidFill>
+                </a:ln>
+                <a:latin typeface="나눔고딕" panose="020D0604000000000000" pitchFamily="50" charset="-127"/>
+                <a:ea typeface="나눔고딕" panose="020D0604000000000000" pitchFamily="50" charset="-127"/>
+              </a:rPr>
+              <a:t>)</a:t>
+            </a:r>
+            <a:endParaRPr lang="ko-KR" altLang="en-US" sz="3600" dirty="0">
+              <a:ln w="12700">
+                <a:solidFill>
+                  <a:sysClr val="windowText" lastClr="000000"/>
+                </a:solidFill>
+              </a:ln>
+              <a:latin typeface="나눔고딕" panose="020D0604000000000000" pitchFamily="50" charset="-127"/>
+              <a:ea typeface="나눔고딕" panose="020D0604000000000000" pitchFamily="50" charset="-127"/>
+            </a:endParaRPr>
+          </a:p>
+        </p:txBody>
+      </p:sp>
+      <p:pic>
+        <p:nvPicPr>
+          <p:cNvPr id="3" name="그림 2"/>
+          <p:cNvPicPr>
+            <a:picLocks noChangeAspect="1"/>
+          </p:cNvPicPr>
+          <p:nvPr/>
+        </p:nvPicPr>
+        <p:blipFill>
+          <a:blip r:embed="rId2">
+            <a:extLst>
+              <a:ext uri="{28A0092B-C50C-407E-A947-70E740481C1C}">
+                <a14:useLocalDpi xmlns:a14="http://schemas.microsoft.com/office/drawing/2010/main" val="0"/>
+              </a:ext>
+            </a:extLst>
+          </a:blip>
+          <a:stretch>
+            <a:fillRect/>
+          </a:stretch>
+        </p:blipFill>
+        <p:spPr>
+          <a:xfrm>
+            <a:off x="3909147" y="2307821"/>
+            <a:ext cx="7781925" cy="4171950"/>
+          </a:xfrm>
+          <a:prstGeom prst="rect">
+            <a:avLst/>
+          </a:prstGeom>
+          <a:ln w="28575">
+            <a:solidFill>
+              <a:srgbClr val="FF0000"/>
+            </a:solidFill>
+          </a:ln>
+        </p:spPr>
+      </p:pic>
+      <p:pic>
+        <p:nvPicPr>
+          <p:cNvPr id="5" name="그림 4"/>
+          <p:cNvPicPr>
+            <a:picLocks noChangeAspect="1"/>
+          </p:cNvPicPr>
+          <p:nvPr/>
+        </p:nvPicPr>
+        <p:blipFill rotWithShape="1">
+          <a:blip r:embed="rId3">
+            <a:extLst>
+              <a:ext uri="{28A0092B-C50C-407E-A947-70E740481C1C}">
+                <a14:useLocalDpi xmlns:a14="http://schemas.microsoft.com/office/drawing/2010/main" val="0"/>
+              </a:ext>
+            </a:extLst>
+          </a:blip>
+          <a:srcRect l="6080" t="2489" r="7447" b="2898"/>
+          <a:stretch/>
+        </p:blipFill>
+        <p:spPr>
+          <a:xfrm>
+            <a:off x="1371601" y="1500447"/>
+            <a:ext cx="897774" cy="1928553"/>
+          </a:xfrm>
+          <a:prstGeom prst="rect">
+            <a:avLst/>
+          </a:prstGeom>
+          <a:ln w="28575">
+            <a:solidFill>
+              <a:srgbClr val="FF0000"/>
+            </a:solidFill>
+          </a:ln>
+        </p:spPr>
+      </p:pic>
+      <p:pic>
+        <p:nvPicPr>
+          <p:cNvPr id="7" name="그림 6"/>
+          <p:cNvPicPr>
+            <a:picLocks noChangeAspect="1"/>
+          </p:cNvPicPr>
+          <p:nvPr/>
+        </p:nvPicPr>
+        <p:blipFill rotWithShape="1">
+          <a:blip r:embed="rId4">
+            <a:extLst>
+              <a:ext uri="{28A0092B-C50C-407E-A947-70E740481C1C}">
+                <a14:useLocalDpi xmlns:a14="http://schemas.microsoft.com/office/drawing/2010/main" val="0"/>
+              </a:ext>
+            </a:extLst>
+          </a:blip>
+          <a:srcRect l="6094" t="3041" r="6633" b="3367"/>
+          <a:stretch/>
+        </p:blipFill>
+        <p:spPr>
+          <a:xfrm>
+            <a:off x="1371601" y="3894512"/>
+            <a:ext cx="897774" cy="2585259"/>
+          </a:xfrm>
+          <a:prstGeom prst="rect">
+            <a:avLst/>
+          </a:prstGeom>
+          <a:ln w="28575">
+            <a:solidFill>
+              <a:srgbClr val="FF0000"/>
+            </a:solidFill>
+          </a:ln>
+        </p:spPr>
+      </p:pic>
+      <p:pic>
+        <p:nvPicPr>
+          <p:cNvPr id="10" name="그림 9"/>
+          <p:cNvPicPr>
+            <a:picLocks noChangeAspect="1"/>
+          </p:cNvPicPr>
+          <p:nvPr/>
+        </p:nvPicPr>
+        <p:blipFill>
+          <a:blip r:embed="rId5">
+            <a:extLst>
+              <a:ext uri="{28A0092B-C50C-407E-A947-70E740481C1C}">
+                <a14:useLocalDpi xmlns:a14="http://schemas.microsoft.com/office/drawing/2010/main" val="0"/>
+              </a:ext>
+            </a:extLst>
+          </a:blip>
+          <a:stretch>
+            <a:fillRect/>
+          </a:stretch>
+        </p:blipFill>
+        <p:spPr>
+          <a:xfrm>
+            <a:off x="6319838" y="1655067"/>
+            <a:ext cx="5038725" cy="1914525"/>
+          </a:xfrm>
+          <a:prstGeom prst="rect">
+            <a:avLst/>
+          </a:prstGeom>
+          <a:ln w="28575">
+            <a:solidFill>
+              <a:srgbClr val="FF0000"/>
+            </a:solidFill>
+          </a:ln>
+        </p:spPr>
+      </p:pic>
+      <p:cxnSp>
+        <p:nvCxnSpPr>
+          <p:cNvPr id="13" name="직선 화살표 연결선 12"/>
+          <p:cNvCxnSpPr>
+            <a:stCxn id="5" idx="3"/>
+          </p:cNvCxnSpPr>
+          <p:nvPr/>
+        </p:nvCxnSpPr>
+        <p:spPr>
+          <a:xfrm>
+            <a:off x="2269375" y="2464724"/>
+            <a:ext cx="562418" cy="1066227"/>
+          </a:xfrm>
+          <a:prstGeom prst="straightConnector1">
+            <a:avLst/>
+          </a:prstGeom>
+          <a:ln w="28575">
+            <a:solidFill>
+              <a:srgbClr val="FF0000"/>
+            </a:solidFill>
+            <a:tailEnd type="triangle"/>
+          </a:ln>
+        </p:spPr>
+        <p:style>
+          <a:lnRef idx="1">
+            <a:schemeClr val="accent1"/>
+          </a:lnRef>
+          <a:fillRef idx="0">
+            <a:schemeClr val="accent1"/>
+          </a:fillRef>
+          <a:effectRef idx="0">
+            <a:schemeClr val="accent1"/>
+          </a:effectRef>
+          <a:fontRef idx="minor">
+            <a:schemeClr val="tx1"/>
+          </a:fontRef>
+        </p:style>
+      </p:cxnSp>
+      <p:cxnSp>
+        <p:nvCxnSpPr>
+          <p:cNvPr id="15" name="직선 화살표 연결선 14"/>
+          <p:cNvCxnSpPr>
+            <a:endCxn id="7" idx="3"/>
+          </p:cNvCxnSpPr>
+          <p:nvPr/>
+        </p:nvCxnSpPr>
+        <p:spPr>
+          <a:xfrm flipH="1">
+            <a:off x="2269375" y="3792561"/>
+            <a:ext cx="562418" cy="1394581"/>
+          </a:xfrm>
+          <a:prstGeom prst="straightConnector1">
+            <a:avLst/>
+          </a:prstGeom>
+          <a:ln w="28575">
+            <a:solidFill>
+              <a:srgbClr val="FF0000"/>
+            </a:solidFill>
+            <a:tailEnd type="triangle"/>
+          </a:ln>
+        </p:spPr>
+        <p:style>
+          <a:lnRef idx="1">
+            <a:schemeClr val="accent1"/>
+          </a:lnRef>
+          <a:fillRef idx="0">
+            <a:schemeClr val="accent1"/>
+          </a:fillRef>
+          <a:effectRef idx="0">
+            <a:schemeClr val="accent1"/>
+          </a:effectRef>
+          <a:fontRef idx="minor">
+            <a:schemeClr val="tx1"/>
+          </a:fontRef>
+        </p:style>
+      </p:cxnSp>
+      <p:sp>
+        <p:nvSpPr>
+          <p:cNvPr id="19" name="TextBox 18">
+            <a:extLst>
+              <a:ext uri="{FF2B5EF4-FFF2-40B4-BE49-F238E27FC236}">
+                <a16:creationId xmlns:a16="http://schemas.microsoft.com/office/drawing/2014/main" id="{A817718E-AE2D-4626-A2EC-F35A9ACE9710}"/>
+              </a:ext>
+            </a:extLst>
+          </p:cNvPr>
+          <p:cNvSpPr txBox="1"/>
+          <p:nvPr/>
+        </p:nvSpPr>
+        <p:spPr>
+          <a:xfrm>
+            <a:off x="2366531" y="3530951"/>
+            <a:ext cx="930063" cy="261610"/>
+          </a:xfrm>
+          <a:prstGeom prst="rect">
+            <a:avLst/>
+          </a:prstGeom>
+          <a:ln w="28575">
+            <a:solidFill>
+              <a:srgbClr val="FF0000"/>
+            </a:solidFill>
+          </a:ln>
+        </p:spPr>
+        <p:style>
+          <a:lnRef idx="2">
+            <a:schemeClr val="accent6"/>
+          </a:lnRef>
+          <a:fillRef idx="1">
+            <a:schemeClr val="lt1"/>
+          </a:fillRef>
+          <a:effectRef idx="0">
+            <a:schemeClr val="accent6"/>
+          </a:effectRef>
+          <a:fontRef idx="minor">
+            <a:schemeClr val="dk1"/>
+          </a:fontRef>
+        </p:style>
+        <p:txBody>
+          <a:bodyPr wrap="none" rtlCol="0">
+            <a:spAutoFit/>
+          </a:bodyPr>
+          <a:lstStyle/>
+          <a:p>
+            <a:pPr algn="ctr"/>
+            <a:r>
+              <a:rPr lang="ko-KR" altLang="en-US" sz="1100" b="1" dirty="0" smtClean="0">
+                <a:latin typeface="나눔고딕" panose="020D0604000000000000" pitchFamily="50" charset="-127"/>
+                <a:ea typeface="나눔고딕" panose="020D0604000000000000" pitchFamily="50" charset="-127"/>
+              </a:rPr>
+              <a:t>상품 조회 후</a:t>
+            </a:r>
+            <a:endParaRPr lang="ko-KR" altLang="en-US" sz="1100" b="1" dirty="0">
+              <a:latin typeface="나눔고딕" panose="020D0604000000000000" pitchFamily="50" charset="-127"/>
+              <a:ea typeface="나눔고딕" panose="020D0604000000000000" pitchFamily="50" charset="-127"/>
+            </a:endParaRPr>
+          </a:p>
+        </p:txBody>
+      </p:sp>
+      <p:sp>
+        <p:nvSpPr>
+          <p:cNvPr id="24" name="오른쪽 화살표 23"/>
+          <p:cNvSpPr/>
+          <p:nvPr/>
+        </p:nvSpPr>
+        <p:spPr>
+          <a:xfrm>
+            <a:off x="2747971" y="4498163"/>
+            <a:ext cx="750992" cy="648393"/>
+          </a:xfrm>
+          <a:prstGeom prst="rightArrow">
+            <a:avLst/>
+          </a:prstGeom>
+          <a:solidFill>
+            <a:srgbClr val="FF0000"/>
+          </a:solidFill>
+          <a:ln>
+            <a:solidFill>
+              <a:srgbClr val="FF0000"/>
+            </a:solidFill>
+          </a:ln>
+        </p:spPr>
+        <p:style>
+          <a:lnRef idx="2">
+            <a:schemeClr val="accent1">
+              <a:shade val="50000"/>
+            </a:schemeClr>
+          </a:lnRef>
+          <a:fillRef idx="1">
+            <a:schemeClr val="accent1"/>
+          </a:fillRef>
+          <a:effectRef idx="0">
+            <a:schemeClr val="accent1"/>
+          </a:effectRef>
+          <a:fontRef idx="minor">
+            <a:schemeClr val="lt1"/>
+          </a:fontRef>
+        </p:style>
+        <p:txBody>
+          <a:bodyPr rtlCol="0" anchor="ctr"/>
+          <a:lstStyle/>
+          <a:p>
+            <a:pPr algn="ctr"/>
+            <a:endParaRPr lang="ko-KR" altLang="en-US"/>
+          </a:p>
+        </p:txBody>
+      </p:sp>
+      <p:sp>
+        <p:nvSpPr>
+          <p:cNvPr id="26" name="직사각형 25"/>
+          <p:cNvSpPr/>
+          <p:nvPr/>
+        </p:nvSpPr>
+        <p:spPr>
+          <a:xfrm>
+            <a:off x="4738255" y="4588625"/>
+            <a:ext cx="5286894" cy="332510"/>
+          </a:xfrm>
+          <a:prstGeom prst="rect">
+            <a:avLst/>
+          </a:prstGeom>
+          <a:noFill/>
+          <a:ln w="28575">
+            <a:solidFill>
+              <a:srgbClr val="FF0000"/>
+            </a:solidFill>
+            <a:prstDash val="sysDot"/>
+          </a:ln>
+        </p:spPr>
+        <p:style>
+          <a:lnRef idx="2">
+            <a:schemeClr val="accent1">
+              <a:shade val="50000"/>
+            </a:schemeClr>
+          </a:lnRef>
+          <a:fillRef idx="1">
+            <a:schemeClr val="accent1"/>
+          </a:fillRef>
+          <a:effectRef idx="0">
+            <a:schemeClr val="accent1"/>
+          </a:effectRef>
+          <a:fontRef idx="minor">
+            <a:schemeClr val="lt1"/>
+          </a:fontRef>
+        </p:style>
+        <p:txBody>
+          <a:bodyPr rtlCol="0" anchor="ctr"/>
+          <a:lstStyle/>
+          <a:p>
+            <a:pPr algn="ctr"/>
+            <a:endParaRPr lang="ko-KR" altLang="en-US"/>
+          </a:p>
+        </p:txBody>
+      </p:sp>
+      <p:sp>
+        <p:nvSpPr>
+          <p:cNvPr id="29" name="TextBox 28">
+            <a:extLst>
+              <a:ext uri="{FF2B5EF4-FFF2-40B4-BE49-F238E27FC236}">
+                <a16:creationId xmlns:a16="http://schemas.microsoft.com/office/drawing/2014/main" id="{A817718E-AE2D-4626-A2EC-F35A9ACE9710}"/>
+              </a:ext>
+            </a:extLst>
+          </p:cNvPr>
+          <p:cNvSpPr txBox="1"/>
+          <p:nvPr/>
+        </p:nvSpPr>
+        <p:spPr>
+          <a:xfrm>
+            <a:off x="4471565" y="4327015"/>
+            <a:ext cx="2871300" cy="261610"/>
+          </a:xfrm>
+          <a:prstGeom prst="rect">
+            <a:avLst/>
+          </a:prstGeom>
+          <a:ln w="28575">
+            <a:solidFill>
+              <a:srgbClr val="FF0000"/>
+            </a:solidFill>
+          </a:ln>
+        </p:spPr>
+        <p:style>
+          <a:lnRef idx="2">
+            <a:schemeClr val="accent6"/>
+          </a:lnRef>
+          <a:fillRef idx="1">
+            <a:schemeClr val="lt1"/>
+          </a:fillRef>
+          <a:effectRef idx="0">
+            <a:schemeClr val="accent6"/>
+          </a:effectRef>
+          <a:fontRef idx="minor">
+            <a:schemeClr val="dk1"/>
+          </a:fontRef>
+        </p:style>
+        <p:txBody>
+          <a:bodyPr wrap="none" rtlCol="0">
+            <a:spAutoFit/>
+          </a:bodyPr>
+          <a:lstStyle/>
+          <a:p>
+            <a:pPr algn="ctr"/>
+            <a:r>
+              <a:rPr lang="ko-KR" altLang="en-US" sz="1100" b="1" dirty="0" smtClean="0">
+                <a:latin typeface="나눔고딕" panose="020D0604000000000000" pitchFamily="50" charset="-127"/>
+                <a:ea typeface="나눔고딕" panose="020D0604000000000000" pitchFamily="50" charset="-127"/>
+              </a:rPr>
+              <a:t>상품 조회 시 </a:t>
+            </a:r>
+            <a:r>
+              <a:rPr lang="en-US" altLang="ko-KR" sz="1100" b="1" dirty="0" smtClean="0">
+                <a:latin typeface="나눔고딕" panose="020D0604000000000000" pitchFamily="50" charset="-127"/>
+                <a:ea typeface="나눔고딕" panose="020D0604000000000000" pitchFamily="50" charset="-127"/>
+              </a:rPr>
+              <a:t>hidden </a:t>
+            </a:r>
+            <a:r>
+              <a:rPr lang="ko-KR" altLang="en-US" sz="1100" b="1" dirty="0" smtClean="0">
+                <a:latin typeface="나눔고딕" panose="020D0604000000000000" pitchFamily="50" charset="-127"/>
+                <a:ea typeface="나눔고딕" panose="020D0604000000000000" pitchFamily="50" charset="-127"/>
+              </a:rPr>
+              <a:t>태그에 상품정보를 </a:t>
+            </a:r>
+            <a:r>
+              <a:rPr lang="ko-KR" altLang="en-US" sz="1100" b="1" dirty="0" smtClean="0">
+                <a:latin typeface="나눔고딕" panose="020D0604000000000000" pitchFamily="50" charset="-127"/>
+                <a:ea typeface="나눔고딕" panose="020D0604000000000000" pitchFamily="50" charset="-127"/>
+              </a:rPr>
+              <a:t>저장</a:t>
+            </a:r>
+            <a:endParaRPr lang="ko-KR" altLang="en-US" sz="1100" b="1" dirty="0">
+              <a:latin typeface="나눔고딕" panose="020D0604000000000000" pitchFamily="50" charset="-127"/>
+              <a:ea typeface="나눔고딕" panose="020D0604000000000000" pitchFamily="50" charset="-127"/>
+            </a:endParaRPr>
+          </a:p>
+        </p:txBody>
+      </p:sp>
+      <p:cxnSp>
+        <p:nvCxnSpPr>
+          <p:cNvPr id="30" name="직선 화살표 연결선 29"/>
+          <p:cNvCxnSpPr/>
+          <p:nvPr/>
+        </p:nvCxnSpPr>
+        <p:spPr>
+          <a:xfrm flipV="1">
+            <a:off x="7800109" y="3569592"/>
+            <a:ext cx="0" cy="985058"/>
+          </a:xfrm>
+          <a:prstGeom prst="straightConnector1">
+            <a:avLst/>
+          </a:prstGeom>
+          <a:ln w="28575">
+            <a:solidFill>
+              <a:srgbClr val="FF0000"/>
+            </a:solidFill>
+            <a:tailEnd type="triangle"/>
+          </a:ln>
+        </p:spPr>
+        <p:style>
+          <a:lnRef idx="1">
+            <a:schemeClr val="accent1"/>
+          </a:lnRef>
+          <a:fillRef idx="0">
+            <a:schemeClr val="accent1"/>
+          </a:fillRef>
+          <a:effectRef idx="0">
+            <a:schemeClr val="accent1"/>
+          </a:effectRef>
+          <a:fontRef idx="minor">
+            <a:schemeClr val="tx1"/>
+          </a:fontRef>
+        </p:style>
+      </p:cxnSp>
+      <p:sp>
+        <p:nvSpPr>
+          <p:cNvPr id="33" name="TextBox 32">
+            <a:extLst>
+              <a:ext uri="{FF2B5EF4-FFF2-40B4-BE49-F238E27FC236}">
+                <a16:creationId xmlns:a16="http://schemas.microsoft.com/office/drawing/2014/main" id="{A817718E-AE2D-4626-A2EC-F35A9ACE9710}"/>
+              </a:ext>
+            </a:extLst>
+          </p:cNvPr>
+          <p:cNvSpPr txBox="1"/>
+          <p:nvPr/>
+        </p:nvSpPr>
+        <p:spPr>
+          <a:xfrm>
+            <a:off x="7957745" y="3400146"/>
+            <a:ext cx="2964274" cy="261610"/>
+          </a:xfrm>
+          <a:prstGeom prst="rect">
+            <a:avLst/>
+          </a:prstGeom>
+          <a:ln w="28575">
+            <a:solidFill>
+              <a:srgbClr val="FF0000"/>
+            </a:solidFill>
+          </a:ln>
+        </p:spPr>
+        <p:style>
+          <a:lnRef idx="2">
+            <a:schemeClr val="accent6"/>
+          </a:lnRef>
+          <a:fillRef idx="1">
+            <a:schemeClr val="lt1"/>
+          </a:fillRef>
+          <a:effectRef idx="0">
+            <a:schemeClr val="accent6"/>
+          </a:effectRef>
+          <a:fontRef idx="minor">
+            <a:schemeClr val="dk1"/>
+          </a:fontRef>
+        </p:style>
+        <p:txBody>
+          <a:bodyPr wrap="none" rtlCol="0">
+            <a:spAutoFit/>
+          </a:bodyPr>
+          <a:lstStyle/>
+          <a:p>
+            <a:pPr algn="ctr"/>
+            <a:r>
+              <a:rPr lang="en-US" altLang="ko-KR" sz="1100" b="1" dirty="0" smtClean="0">
+                <a:latin typeface="나눔고딕" panose="020D0604000000000000" pitchFamily="50" charset="-127"/>
+                <a:ea typeface="나눔고딕" panose="020D0604000000000000" pitchFamily="50" charset="-127"/>
+              </a:rPr>
+              <a:t>hidden </a:t>
+            </a:r>
+            <a:r>
+              <a:rPr lang="ko-KR" altLang="en-US" sz="1100" b="1" dirty="0" smtClean="0">
+                <a:latin typeface="나눔고딕" panose="020D0604000000000000" pitchFamily="50" charset="-127"/>
+                <a:ea typeface="나눔고딕" panose="020D0604000000000000" pitchFamily="50" charset="-127"/>
+              </a:rPr>
+              <a:t>태그에 저장한 상품정보를 가져와 표시</a:t>
+            </a:r>
+            <a:endParaRPr lang="ko-KR" altLang="en-US" sz="1100" b="1" dirty="0">
+              <a:latin typeface="나눔고딕" panose="020D0604000000000000" pitchFamily="50" charset="-127"/>
+              <a:ea typeface="나눔고딕" panose="020D0604000000000000" pitchFamily="50" charset="-127"/>
+            </a:endParaRPr>
+          </a:p>
+        </p:txBody>
+      </p:sp>
+    </p:spTree>
+    <p:extLst>
+      <p:ext uri="{BB962C8B-B14F-4D97-AF65-F5344CB8AC3E}">
+        <p14:creationId xmlns:p14="http://schemas.microsoft.com/office/powerpoint/2010/main" val="1002599622"/>
       </p:ext>
     </p:extLst>
   </p:cSld>
@@ -9670,8 +11441,8 @@
         </p:nvSpPr>
         <p:spPr>
           <a:xfrm>
-            <a:off x="1542081" y="1772698"/>
-            <a:ext cx="1224136" cy="576064"/>
+            <a:off x="1380496" y="1476662"/>
+            <a:ext cx="1224136" cy="576000"/>
           </a:xfrm>
           <a:prstGeom prst="rect">
             <a:avLst/>
@@ -9738,8 +11509,8 @@
         </p:nvSpPr>
         <p:spPr>
           <a:xfrm>
-            <a:off x="5007997" y="1772698"/>
-            <a:ext cx="1512168" cy="576064"/>
+            <a:off x="4633925" y="1476662"/>
+            <a:ext cx="1512168" cy="576000"/>
           </a:xfrm>
           <a:prstGeom prst="rect">
             <a:avLst/>
@@ -9816,8 +11587,8 @@
         </p:nvSpPr>
         <p:spPr>
           <a:xfrm>
-            <a:off x="1542081" y="4522841"/>
-            <a:ext cx="2363170" cy="354050"/>
+            <a:off x="1373061" y="2214511"/>
+            <a:ext cx="2363170" cy="320400"/>
           </a:xfrm>
           <a:prstGeom prst="rect">
             <a:avLst/>
@@ -9911,8 +11682,8 @@
         </p:nvSpPr>
         <p:spPr>
           <a:xfrm>
-            <a:off x="5007997" y="6050340"/>
-            <a:ext cx="2692194" cy="359985"/>
+            <a:off x="4625612" y="2198635"/>
+            <a:ext cx="2692194" cy="352800"/>
           </a:xfrm>
           <a:prstGeom prst="rect">
             <a:avLst/>
@@ -10076,7 +11847,7 @@
         </p:nvGrpSpPr>
         <p:grpSpPr>
           <a:xfrm>
-            <a:off x="1549604" y="2649989"/>
+            <a:off x="1397210" y="2696760"/>
             <a:ext cx="2514600" cy="1571625"/>
             <a:chOff x="590228" y="3778302"/>
             <a:chExt cx="2514600" cy="1571625"/>
@@ -10185,7 +11956,7 @@
         </p:blipFill>
         <p:spPr>
           <a:xfrm>
-            <a:off x="5007997" y="2570776"/>
+            <a:off x="4633925" y="2695436"/>
             <a:ext cx="3077551" cy="3257550"/>
           </a:xfrm>
           <a:prstGeom prst="rect">
@@ -10219,7 +11990,7 @@
         </p:blipFill>
         <p:spPr>
           <a:xfrm>
-            <a:off x="8224931" y="2923201"/>
+            <a:off x="7842392" y="2695436"/>
             <a:ext cx="3077551" cy="2905125"/>
           </a:xfrm>
           <a:prstGeom prst="rect">
@@ -10246,6 +12017,823 @@
 </file>
 
 <file path=ppt/slides/slide4.xml><?xml version="1.0" encoding="utf-8"?>
+<p:sld xmlns:a="http://schemas.openxmlformats.org/drawingml/2006/main" xmlns:r="http://schemas.openxmlformats.org/officeDocument/2006/relationships" xmlns:p="http://schemas.openxmlformats.org/presentationml/2006/main">
+  <p:cSld>
+    <p:spTree>
+      <p:nvGrpSpPr>
+        <p:cNvPr id="1" name=""/>
+        <p:cNvGrpSpPr/>
+        <p:nvPr/>
+      </p:nvGrpSpPr>
+      <p:grpSpPr>
+        <a:xfrm>
+          <a:off x="0" y="0"/>
+          <a:ext cx="0" cy="0"/>
+          <a:chOff x="0" y="0"/>
+          <a:chExt cx="0" cy="0"/>
+        </a:xfrm>
+      </p:grpSpPr>
+      <p:sp>
+        <p:nvSpPr>
+          <p:cNvPr id="17" name="TextBox 16"/>
+          <p:cNvSpPr txBox="1"/>
+          <p:nvPr/>
+        </p:nvSpPr>
+        <p:spPr>
+          <a:xfrm>
+            <a:off x="1609648" y="652588"/>
+            <a:ext cx="7242688" cy="646331"/>
+          </a:xfrm>
+          <a:prstGeom prst="rect">
+            <a:avLst/>
+          </a:prstGeom>
+          <a:noFill/>
+        </p:spPr>
+        <p:txBody>
+          <a:bodyPr wrap="none" rtlCol="0">
+            <a:spAutoFit/>
+          </a:bodyPr>
+          <a:lstStyle/>
+          <a:p>
+            <a:r>
+              <a:rPr lang="ko-KR" altLang="en-US" sz="3600" b="1" dirty="0" smtClean="0">
+                <a:ln w="12700">
+                  <a:solidFill>
+                    <a:sysClr val="windowText" lastClr="000000"/>
+                  </a:solidFill>
+                </a:ln>
+                <a:latin typeface="나눔고딕" panose="020D0604000000000000" pitchFamily="50" charset="-127"/>
+                <a:ea typeface="나눔고딕" panose="020D0604000000000000" pitchFamily="50" charset="-127"/>
+              </a:rPr>
+              <a:t>페이지 구성 </a:t>
+            </a:r>
+            <a:r>
+              <a:rPr lang="ko-KR" altLang="en-US" sz="3600" b="1" dirty="0" smtClean="0">
+                <a:ln w="12700">
+                  <a:solidFill>
+                    <a:sysClr val="windowText" lastClr="000000"/>
+                  </a:solidFill>
+                </a:ln>
+                <a:latin typeface="나눔고딕" panose="020D0604000000000000" pitchFamily="50" charset="-127"/>
+                <a:ea typeface="나눔고딕" panose="020D0604000000000000" pitchFamily="50" charset="-127"/>
+              </a:rPr>
+              <a:t>요소</a:t>
+            </a:r>
+            <a:r>
+              <a:rPr lang="en-US" altLang="ko-KR" sz="2400" dirty="0" smtClean="0">
+                <a:ln w="12700">
+                  <a:solidFill>
+                    <a:sysClr val="windowText" lastClr="000000"/>
+                  </a:solidFill>
+                </a:ln>
+                <a:latin typeface="나눔고딕" panose="020D0604000000000000" pitchFamily="50" charset="-127"/>
+                <a:ea typeface="나눔고딕" panose="020D0604000000000000" pitchFamily="50" charset="-127"/>
+              </a:rPr>
+              <a:t> (pom.xml </a:t>
+            </a:r>
+            <a:r>
+              <a:rPr lang="ko-KR" altLang="en-US" sz="2400" dirty="0" smtClean="0">
+                <a:ln w="12700">
+                  <a:solidFill>
+                    <a:sysClr val="windowText" lastClr="000000"/>
+                  </a:solidFill>
+                </a:ln>
+                <a:latin typeface="나눔고딕" panose="020D0604000000000000" pitchFamily="50" charset="-127"/>
+                <a:ea typeface="나눔고딕" panose="020D0604000000000000" pitchFamily="50" charset="-127"/>
+              </a:rPr>
+              <a:t>라이브러리 설정</a:t>
+            </a:r>
+            <a:r>
+              <a:rPr lang="en-US" altLang="ko-KR" sz="2400" dirty="0" smtClean="0">
+                <a:ln w="12700">
+                  <a:solidFill>
+                    <a:sysClr val="windowText" lastClr="000000"/>
+                  </a:solidFill>
+                </a:ln>
+                <a:latin typeface="나눔고딕" panose="020D0604000000000000" pitchFamily="50" charset="-127"/>
+                <a:ea typeface="나눔고딕" panose="020D0604000000000000" pitchFamily="50" charset="-127"/>
+              </a:rPr>
+              <a:t>)</a:t>
+            </a:r>
+            <a:endParaRPr lang="ko-KR" altLang="en-US" sz="2400" dirty="0">
+              <a:ln w="12700">
+                <a:solidFill>
+                  <a:sysClr val="windowText" lastClr="000000"/>
+                </a:solidFill>
+              </a:ln>
+              <a:latin typeface="나눔고딕" panose="020D0604000000000000" pitchFamily="50" charset="-127"/>
+              <a:ea typeface="나눔고딕" panose="020D0604000000000000" pitchFamily="50" charset="-127"/>
+            </a:endParaRPr>
+          </a:p>
+        </p:txBody>
+      </p:sp>
+      <p:pic>
+        <p:nvPicPr>
+          <p:cNvPr id="3" name="그림 2"/>
+          <p:cNvPicPr>
+            <a:picLocks noChangeAspect="1"/>
+          </p:cNvPicPr>
+          <p:nvPr/>
+        </p:nvPicPr>
+        <p:blipFill rotWithShape="1">
+          <a:blip r:embed="rId2"/>
+          <a:srcRect l="523" r="598" b="3342"/>
+          <a:stretch/>
+        </p:blipFill>
+        <p:spPr>
+          <a:xfrm>
+            <a:off x="4559952" y="1669752"/>
+            <a:ext cx="6517178" cy="1059072"/>
+          </a:xfrm>
+          <a:prstGeom prst="rect">
+            <a:avLst/>
+          </a:prstGeom>
+          <a:ln w="28575">
+            <a:solidFill>
+              <a:srgbClr val="FF0000"/>
+            </a:solidFill>
+          </a:ln>
+        </p:spPr>
+      </p:pic>
+      <p:pic>
+        <p:nvPicPr>
+          <p:cNvPr id="7" name="그림 6"/>
+          <p:cNvPicPr>
+            <a:picLocks noChangeAspect="1"/>
+          </p:cNvPicPr>
+          <p:nvPr/>
+        </p:nvPicPr>
+        <p:blipFill>
+          <a:blip r:embed="rId3">
+            <a:extLst>
+              <a:ext uri="{28A0092B-C50C-407E-A947-70E740481C1C}">
+                <a14:useLocalDpi xmlns:a14="http://schemas.microsoft.com/office/drawing/2010/main" val="0"/>
+              </a:ext>
+            </a:extLst>
+          </a:blip>
+          <a:stretch>
+            <a:fillRect/>
+          </a:stretch>
+        </p:blipFill>
+        <p:spPr>
+          <a:xfrm>
+            <a:off x="4559952" y="2967730"/>
+            <a:ext cx="2857244" cy="2688674"/>
+          </a:xfrm>
+          <a:prstGeom prst="rect">
+            <a:avLst/>
+          </a:prstGeom>
+          <a:ln w="28575">
+            <a:solidFill>
+              <a:srgbClr val="FF0000"/>
+            </a:solidFill>
+          </a:ln>
+        </p:spPr>
+      </p:pic>
+      <p:pic>
+        <p:nvPicPr>
+          <p:cNvPr id="8" name="그림 7"/>
+          <p:cNvPicPr>
+            <a:picLocks noChangeAspect="1"/>
+          </p:cNvPicPr>
+          <p:nvPr/>
+        </p:nvPicPr>
+        <p:blipFill>
+          <a:blip r:embed="rId4">
+            <a:extLst>
+              <a:ext uri="{28A0092B-C50C-407E-A947-70E740481C1C}">
+                <a14:useLocalDpi xmlns:a14="http://schemas.microsoft.com/office/drawing/2010/main" val="0"/>
+              </a:ext>
+            </a:extLst>
+          </a:blip>
+          <a:stretch>
+            <a:fillRect/>
+          </a:stretch>
+        </p:blipFill>
+        <p:spPr>
+          <a:xfrm>
+            <a:off x="1363287" y="1669752"/>
+            <a:ext cx="2924670" cy="3986652"/>
+          </a:xfrm>
+          <a:prstGeom prst="rect">
+            <a:avLst/>
+          </a:prstGeom>
+          <a:ln w="28575">
+            <a:solidFill>
+              <a:srgbClr val="FF0000"/>
+            </a:solidFill>
+          </a:ln>
+        </p:spPr>
+      </p:pic>
+      <p:sp>
+        <p:nvSpPr>
+          <p:cNvPr id="11" name="직사각형 10"/>
+          <p:cNvSpPr/>
+          <p:nvPr/>
+        </p:nvSpPr>
+        <p:spPr>
+          <a:xfrm>
+            <a:off x="5469774" y="2452620"/>
+            <a:ext cx="4854633" cy="149629"/>
+          </a:xfrm>
+          <a:prstGeom prst="rect">
+            <a:avLst/>
+          </a:prstGeom>
+          <a:noFill/>
+          <a:ln w="28575">
+            <a:solidFill>
+              <a:srgbClr val="FF0000"/>
+            </a:solidFill>
+            <a:prstDash val="sysDot"/>
+          </a:ln>
+        </p:spPr>
+        <p:style>
+          <a:lnRef idx="2">
+            <a:schemeClr val="accent1">
+              <a:shade val="50000"/>
+            </a:schemeClr>
+          </a:lnRef>
+          <a:fillRef idx="1">
+            <a:schemeClr val="accent1"/>
+          </a:fillRef>
+          <a:effectRef idx="0">
+            <a:schemeClr val="accent1"/>
+          </a:effectRef>
+          <a:fontRef idx="minor">
+            <a:schemeClr val="lt1"/>
+          </a:fontRef>
+        </p:style>
+        <p:txBody>
+          <a:bodyPr rtlCol="0" anchor="ctr"/>
+          <a:lstStyle/>
+          <a:p>
+            <a:pPr algn="ctr"/>
+            <a:endParaRPr lang="ko-KR" altLang="en-US"/>
+          </a:p>
+        </p:txBody>
+      </p:sp>
+      <p:sp>
+        <p:nvSpPr>
+          <p:cNvPr id="18" name="TextBox 17">
+            <a:extLst>
+              <a:ext uri="{FF2B5EF4-FFF2-40B4-BE49-F238E27FC236}">
+                <a16:creationId xmlns:a16="http://schemas.microsoft.com/office/drawing/2014/main" id="{A817718E-AE2D-4626-A2EC-F35A9ACE9710}"/>
+              </a:ext>
+            </a:extLst>
+          </p:cNvPr>
+          <p:cNvSpPr txBox="1"/>
+          <p:nvPr/>
+        </p:nvSpPr>
+        <p:spPr>
+          <a:xfrm>
+            <a:off x="7976602" y="2954230"/>
+            <a:ext cx="3100528" cy="430887"/>
+          </a:xfrm>
+          <a:prstGeom prst="rect">
+            <a:avLst/>
+          </a:prstGeom>
+          <a:ln w="28575">
+            <a:solidFill>
+              <a:srgbClr val="FF0000"/>
+            </a:solidFill>
+          </a:ln>
+        </p:spPr>
+        <p:style>
+          <a:lnRef idx="2">
+            <a:schemeClr val="accent6"/>
+          </a:lnRef>
+          <a:fillRef idx="1">
+            <a:schemeClr val="lt1"/>
+          </a:fillRef>
+          <a:effectRef idx="0">
+            <a:schemeClr val="accent6"/>
+          </a:effectRef>
+          <a:fontRef idx="minor">
+            <a:schemeClr val="dk1"/>
+          </a:fontRef>
+        </p:style>
+        <p:txBody>
+          <a:bodyPr wrap="none" rtlCol="0">
+            <a:spAutoFit/>
+          </a:bodyPr>
+          <a:lstStyle/>
+          <a:p>
+            <a:pPr algn="ctr"/>
+            <a:r>
+              <a:rPr lang="en-US" altLang="ko-KR" sz="1100" b="1" dirty="0" smtClean="0">
+                <a:latin typeface="나눔고딕" panose="020D0604000000000000" pitchFamily="50" charset="-127"/>
+                <a:ea typeface="나눔고딕" panose="020D0604000000000000" pitchFamily="50" charset="-127"/>
+              </a:rPr>
+              <a:t>Oracle </a:t>
+            </a:r>
+            <a:r>
+              <a:rPr lang="ko-KR" altLang="en-US" sz="1100" b="1" dirty="0" smtClean="0">
+                <a:latin typeface="나눔고딕" panose="020D0604000000000000" pitchFamily="50" charset="-127"/>
+                <a:ea typeface="나눔고딕" panose="020D0604000000000000" pitchFamily="50" charset="-127"/>
+              </a:rPr>
+              <a:t>서버에 연동하기 위해 라이브러리를 추가</a:t>
+            </a:r>
+            <a:endParaRPr lang="en-US" altLang="ko-KR" sz="1100" b="1" dirty="0" smtClean="0">
+              <a:latin typeface="나눔고딕" panose="020D0604000000000000" pitchFamily="50" charset="-127"/>
+              <a:ea typeface="나눔고딕" panose="020D0604000000000000" pitchFamily="50" charset="-127"/>
+            </a:endParaRPr>
+          </a:p>
+          <a:p>
+            <a:pPr algn="ctr"/>
+            <a:r>
+              <a:rPr lang="ko-KR" altLang="en-US" sz="1100" b="1" dirty="0" smtClean="0">
+                <a:latin typeface="나눔고딕" panose="020D0604000000000000" pitchFamily="50" charset="-127"/>
+                <a:ea typeface="나눔고딕" panose="020D0604000000000000" pitchFamily="50" charset="-127"/>
+              </a:rPr>
+              <a:t>추가 후 프로젝트 내부 경로에 </a:t>
+            </a:r>
+            <a:r>
+              <a:rPr lang="en-US" altLang="ko-KR" sz="1100" b="1" dirty="0" smtClean="0">
+                <a:latin typeface="나눔고딕" panose="020D0604000000000000" pitchFamily="50" charset="-127"/>
+                <a:ea typeface="나눔고딕" panose="020D0604000000000000" pitchFamily="50" charset="-127"/>
+              </a:rPr>
+              <a:t>JDBC</a:t>
+            </a:r>
+            <a:r>
+              <a:rPr lang="ko-KR" altLang="en-US" sz="1100" b="1" dirty="0" smtClean="0">
+                <a:latin typeface="나눔고딕" panose="020D0604000000000000" pitchFamily="50" charset="-127"/>
+                <a:ea typeface="나눔고딕" panose="020D0604000000000000" pitchFamily="50" charset="-127"/>
+              </a:rPr>
+              <a:t>를 위치</a:t>
+            </a:r>
+            <a:endParaRPr lang="ko-KR" altLang="en-US" sz="1100" b="1" dirty="0">
+              <a:latin typeface="나눔고딕" panose="020D0604000000000000" pitchFamily="50" charset="-127"/>
+              <a:ea typeface="나눔고딕" panose="020D0604000000000000" pitchFamily="50" charset="-127"/>
+            </a:endParaRPr>
+          </a:p>
+        </p:txBody>
+      </p:sp>
+      <p:cxnSp>
+        <p:nvCxnSpPr>
+          <p:cNvPr id="13" name="직선 화살표 연결선 12"/>
+          <p:cNvCxnSpPr>
+            <a:endCxn id="18" idx="0"/>
+          </p:cNvCxnSpPr>
+          <p:nvPr/>
+        </p:nvCxnSpPr>
+        <p:spPr>
+          <a:xfrm>
+            <a:off x="9526866" y="2597089"/>
+            <a:ext cx="0" cy="357141"/>
+          </a:xfrm>
+          <a:prstGeom prst="straightConnector1">
+            <a:avLst/>
+          </a:prstGeom>
+          <a:ln w="28575">
+            <a:solidFill>
+              <a:srgbClr val="FF0000"/>
+            </a:solidFill>
+            <a:tailEnd type="triangle"/>
+          </a:ln>
+        </p:spPr>
+        <p:style>
+          <a:lnRef idx="1">
+            <a:schemeClr val="accent1"/>
+          </a:lnRef>
+          <a:fillRef idx="0">
+            <a:schemeClr val="accent1"/>
+          </a:fillRef>
+          <a:effectRef idx="0">
+            <a:schemeClr val="accent1"/>
+          </a:effectRef>
+          <a:fontRef idx="minor">
+            <a:schemeClr val="tx1"/>
+          </a:fontRef>
+        </p:style>
+      </p:cxnSp>
+      <p:sp>
+        <p:nvSpPr>
+          <p:cNvPr id="25" name="TextBox 24">
+            <a:extLst>
+              <a:ext uri="{FF2B5EF4-FFF2-40B4-BE49-F238E27FC236}">
+                <a16:creationId xmlns:a16="http://schemas.microsoft.com/office/drawing/2014/main" id="{A817718E-AE2D-4626-A2EC-F35A9ACE9710}"/>
+              </a:ext>
+            </a:extLst>
+          </p:cNvPr>
+          <p:cNvSpPr txBox="1"/>
+          <p:nvPr/>
+        </p:nvSpPr>
+        <p:spPr>
+          <a:xfrm>
+            <a:off x="7976602" y="3564165"/>
+            <a:ext cx="2860078" cy="430887"/>
+          </a:xfrm>
+          <a:prstGeom prst="rect">
+            <a:avLst/>
+          </a:prstGeom>
+          <a:ln w="28575">
+            <a:solidFill>
+              <a:srgbClr val="FF0000"/>
+            </a:solidFill>
+          </a:ln>
+        </p:spPr>
+        <p:style>
+          <a:lnRef idx="2">
+            <a:schemeClr val="accent6"/>
+          </a:lnRef>
+          <a:fillRef idx="1">
+            <a:schemeClr val="lt1"/>
+          </a:fillRef>
+          <a:effectRef idx="0">
+            <a:schemeClr val="accent6"/>
+          </a:effectRef>
+          <a:fontRef idx="minor">
+            <a:schemeClr val="dk1"/>
+          </a:fontRef>
+        </p:style>
+        <p:txBody>
+          <a:bodyPr wrap="none" rtlCol="0">
+            <a:spAutoFit/>
+          </a:bodyPr>
+          <a:lstStyle/>
+          <a:p>
+            <a:pPr algn="ctr"/>
+            <a:r>
+              <a:rPr lang="en-US" altLang="ko-KR" sz="1100" b="1" dirty="0" err="1" smtClean="0">
+                <a:latin typeface="나눔고딕" panose="020D0604000000000000" pitchFamily="50" charset="-127"/>
+                <a:ea typeface="나눔고딕" panose="020D0604000000000000" pitchFamily="50" charset="-127"/>
+              </a:rPr>
+              <a:t>myBatis</a:t>
+            </a:r>
+            <a:r>
+              <a:rPr lang="ko-KR" altLang="en-US" sz="1100" b="1" dirty="0">
+                <a:latin typeface="나눔고딕" panose="020D0604000000000000" pitchFamily="50" charset="-127"/>
+                <a:ea typeface="나눔고딕" panose="020D0604000000000000" pitchFamily="50" charset="-127"/>
+              </a:rPr>
+              <a:t>와</a:t>
+            </a:r>
+            <a:r>
+              <a:rPr lang="ko-KR" altLang="en-US" sz="1100" b="1" dirty="0" smtClean="0">
+                <a:latin typeface="나눔고딕" panose="020D0604000000000000" pitchFamily="50" charset="-127"/>
+                <a:ea typeface="나눔고딕" panose="020D0604000000000000" pitchFamily="50" charset="-127"/>
+              </a:rPr>
+              <a:t> </a:t>
+            </a:r>
+            <a:r>
+              <a:rPr lang="en-US" altLang="ko-KR" sz="1100" b="1" dirty="0" err="1" smtClean="0">
+                <a:latin typeface="나눔고딕" panose="020D0604000000000000" pitchFamily="50" charset="-127"/>
+                <a:ea typeface="나눔고딕" panose="020D0604000000000000" pitchFamily="50" charset="-127"/>
+              </a:rPr>
+              <a:t>sqlSessionFactory</a:t>
+            </a:r>
+            <a:r>
+              <a:rPr lang="ko-KR" altLang="en-US" sz="1100" b="1" dirty="0" smtClean="0">
+                <a:latin typeface="나눔고딕" panose="020D0604000000000000" pitchFamily="50" charset="-127"/>
+                <a:ea typeface="나눔고딕" panose="020D0604000000000000" pitchFamily="50" charset="-127"/>
+              </a:rPr>
+              <a:t>의 설정을 위해</a:t>
+            </a:r>
+            <a:endParaRPr lang="en-US" altLang="ko-KR" sz="1100" b="1" dirty="0" smtClean="0">
+              <a:latin typeface="나눔고딕" panose="020D0604000000000000" pitchFamily="50" charset="-127"/>
+              <a:ea typeface="나눔고딕" panose="020D0604000000000000" pitchFamily="50" charset="-127"/>
+            </a:endParaRPr>
+          </a:p>
+          <a:p>
+            <a:pPr algn="ctr"/>
+            <a:r>
+              <a:rPr lang="ko-KR" altLang="en-US" sz="1100" b="1" dirty="0" smtClean="0">
+                <a:latin typeface="나눔고딕" panose="020D0604000000000000" pitchFamily="50" charset="-127"/>
+                <a:ea typeface="나눔고딕" panose="020D0604000000000000" pitchFamily="50" charset="-127"/>
+              </a:rPr>
+              <a:t>각각에 필요한 라이브러리를 추가</a:t>
+            </a:r>
+            <a:endParaRPr lang="ko-KR" altLang="en-US" sz="1100" b="1" dirty="0">
+              <a:latin typeface="나눔고딕" panose="020D0604000000000000" pitchFamily="50" charset="-127"/>
+              <a:ea typeface="나눔고딕" panose="020D0604000000000000" pitchFamily="50" charset="-127"/>
+            </a:endParaRPr>
+          </a:p>
+        </p:txBody>
+      </p:sp>
+      <p:cxnSp>
+        <p:nvCxnSpPr>
+          <p:cNvPr id="27" name="직선 화살표 연결선 26"/>
+          <p:cNvCxnSpPr>
+            <a:endCxn id="25" idx="1"/>
+          </p:cNvCxnSpPr>
+          <p:nvPr/>
+        </p:nvCxnSpPr>
+        <p:spPr>
+          <a:xfrm>
+            <a:off x="4287957" y="2775182"/>
+            <a:ext cx="3688645" cy="1004427"/>
+          </a:xfrm>
+          <a:prstGeom prst="straightConnector1">
+            <a:avLst/>
+          </a:prstGeom>
+          <a:ln w="28575">
+            <a:solidFill>
+              <a:srgbClr val="FF0000"/>
+            </a:solidFill>
+            <a:tailEnd type="triangle"/>
+          </a:ln>
+        </p:spPr>
+        <p:style>
+          <a:lnRef idx="1">
+            <a:schemeClr val="accent1"/>
+          </a:lnRef>
+          <a:fillRef idx="0">
+            <a:schemeClr val="accent1"/>
+          </a:fillRef>
+          <a:effectRef idx="0">
+            <a:schemeClr val="accent1"/>
+          </a:effectRef>
+          <a:fontRef idx="minor">
+            <a:schemeClr val="tx1"/>
+          </a:fontRef>
+        </p:style>
+      </p:cxnSp>
+      <p:cxnSp>
+        <p:nvCxnSpPr>
+          <p:cNvPr id="30" name="직선 화살표 연결선 29"/>
+          <p:cNvCxnSpPr>
+            <a:endCxn id="25" idx="1"/>
+          </p:cNvCxnSpPr>
+          <p:nvPr/>
+        </p:nvCxnSpPr>
+        <p:spPr>
+          <a:xfrm flipV="1">
+            <a:off x="7417196" y="3779609"/>
+            <a:ext cx="559406" cy="225406"/>
+          </a:xfrm>
+          <a:prstGeom prst="straightConnector1">
+            <a:avLst/>
+          </a:prstGeom>
+          <a:ln w="28575">
+            <a:solidFill>
+              <a:srgbClr val="FF0000"/>
+            </a:solidFill>
+            <a:tailEnd type="triangle"/>
+          </a:ln>
+        </p:spPr>
+        <p:style>
+          <a:lnRef idx="1">
+            <a:schemeClr val="accent1"/>
+          </a:lnRef>
+          <a:fillRef idx="0">
+            <a:schemeClr val="accent1"/>
+          </a:fillRef>
+          <a:effectRef idx="0">
+            <a:schemeClr val="accent1"/>
+          </a:effectRef>
+          <a:fontRef idx="minor">
+            <a:schemeClr val="tx1"/>
+          </a:fontRef>
+        </p:style>
+      </p:cxnSp>
+      <p:sp>
+        <p:nvSpPr>
+          <p:cNvPr id="40" name="아래쪽 화살표 39"/>
+          <p:cNvSpPr/>
+          <p:nvPr/>
+        </p:nvSpPr>
+        <p:spPr>
+          <a:xfrm>
+            <a:off x="9136477" y="4232428"/>
+            <a:ext cx="540327" cy="622206"/>
+          </a:xfrm>
+          <a:prstGeom prst="downArrow">
+            <a:avLst/>
+          </a:prstGeom>
+          <a:solidFill>
+            <a:srgbClr val="FF0000"/>
+          </a:solidFill>
+          <a:ln>
+            <a:solidFill>
+              <a:srgbClr val="FF0000"/>
+            </a:solidFill>
+          </a:ln>
+        </p:spPr>
+        <p:style>
+          <a:lnRef idx="2">
+            <a:schemeClr val="accent1">
+              <a:shade val="50000"/>
+            </a:schemeClr>
+          </a:lnRef>
+          <a:fillRef idx="1">
+            <a:schemeClr val="accent1"/>
+          </a:fillRef>
+          <a:effectRef idx="0">
+            <a:schemeClr val="accent1"/>
+          </a:effectRef>
+          <a:fontRef idx="minor">
+            <a:schemeClr val="lt1"/>
+          </a:fontRef>
+        </p:style>
+        <p:txBody>
+          <a:bodyPr rtlCol="0" anchor="ctr"/>
+          <a:lstStyle/>
+          <a:p>
+            <a:pPr algn="ctr"/>
+            <a:endParaRPr lang="ko-KR" altLang="en-US"/>
+          </a:p>
+        </p:txBody>
+      </p:sp>
+      <p:sp>
+        <p:nvSpPr>
+          <p:cNvPr id="42" name="TextBox 41">
+            <a:extLst>
+              <a:ext uri="{FF2B5EF4-FFF2-40B4-BE49-F238E27FC236}">
+                <a16:creationId xmlns:a16="http://schemas.microsoft.com/office/drawing/2014/main" id="{A817718E-AE2D-4626-A2EC-F35A9ACE9710}"/>
+              </a:ext>
+            </a:extLst>
+          </p:cNvPr>
+          <p:cNvSpPr txBox="1"/>
+          <p:nvPr/>
+        </p:nvSpPr>
+        <p:spPr>
+          <a:xfrm>
+            <a:off x="7972986" y="5035068"/>
+            <a:ext cx="3038011" cy="600164"/>
+          </a:xfrm>
+          <a:prstGeom prst="rect">
+            <a:avLst/>
+          </a:prstGeom>
+          <a:ln w="28575">
+            <a:solidFill>
+              <a:srgbClr val="FF0000"/>
+            </a:solidFill>
+          </a:ln>
+        </p:spPr>
+        <p:style>
+          <a:lnRef idx="2">
+            <a:schemeClr val="accent6"/>
+          </a:lnRef>
+          <a:fillRef idx="1">
+            <a:schemeClr val="lt1"/>
+          </a:fillRef>
+          <a:effectRef idx="0">
+            <a:schemeClr val="accent6"/>
+          </a:effectRef>
+          <a:fontRef idx="minor">
+            <a:schemeClr val="dk1"/>
+          </a:fontRef>
+        </p:style>
+        <p:txBody>
+          <a:bodyPr wrap="none" rtlCol="0">
+            <a:spAutoFit/>
+          </a:bodyPr>
+          <a:lstStyle/>
+          <a:p>
+            <a:pPr algn="ctr"/>
+            <a:r>
+              <a:rPr lang="ko-KR" altLang="en-US" sz="1100" b="1" dirty="0" smtClean="0">
+                <a:latin typeface="나눔고딕" panose="020D0604000000000000" pitchFamily="50" charset="-127"/>
+                <a:ea typeface="나눔고딕" panose="020D0604000000000000" pitchFamily="50" charset="-127"/>
+              </a:rPr>
+              <a:t>위의 </a:t>
+            </a:r>
+            <a:r>
+              <a:rPr lang="en-US" altLang="ko-KR" sz="1100" b="1" dirty="0" smtClean="0">
+                <a:latin typeface="나눔고딕" panose="020D0604000000000000" pitchFamily="50" charset="-127"/>
+                <a:ea typeface="나눔고딕" panose="020D0604000000000000" pitchFamily="50" charset="-127"/>
+              </a:rPr>
+              <a:t>2</a:t>
+            </a:r>
+            <a:r>
+              <a:rPr lang="ko-KR" altLang="en-US" sz="1100" b="1" dirty="0" smtClean="0">
+                <a:latin typeface="나눔고딕" panose="020D0604000000000000" pitchFamily="50" charset="-127"/>
+                <a:ea typeface="나눔고딕" panose="020D0604000000000000" pitchFamily="50" charset="-127"/>
+              </a:rPr>
+              <a:t>개 설정 외에 각각에 필요한 라이브러리를</a:t>
+            </a:r>
+            <a:endParaRPr lang="en-US" altLang="ko-KR" sz="1100" b="1" dirty="0" smtClean="0">
+              <a:latin typeface="나눔고딕" panose="020D0604000000000000" pitchFamily="50" charset="-127"/>
+              <a:ea typeface="나눔고딕" panose="020D0604000000000000" pitchFamily="50" charset="-127"/>
+            </a:endParaRPr>
+          </a:p>
+          <a:p>
+            <a:pPr algn="ctr"/>
+            <a:r>
+              <a:rPr lang="en-US" altLang="ko-KR" sz="1100" b="1" dirty="0" smtClean="0">
+                <a:latin typeface="나눔고딕" panose="020D0604000000000000" pitchFamily="50" charset="-127"/>
+                <a:ea typeface="나눔고딕" panose="020D0604000000000000" pitchFamily="50" charset="-127"/>
+              </a:rPr>
+              <a:t>p</a:t>
+            </a:r>
+            <a:r>
+              <a:rPr lang="en-US" altLang="ko-KR" sz="1100" b="1" dirty="0" smtClean="0">
+                <a:latin typeface="나눔고딕" panose="020D0604000000000000" pitchFamily="50" charset="-127"/>
+                <a:ea typeface="나눔고딕" panose="020D0604000000000000" pitchFamily="50" charset="-127"/>
+              </a:rPr>
+              <a:t>om.xml</a:t>
+            </a:r>
+            <a:r>
+              <a:rPr lang="ko-KR" altLang="en-US" sz="1100" b="1" dirty="0" smtClean="0">
+                <a:latin typeface="나눔고딕" panose="020D0604000000000000" pitchFamily="50" charset="-127"/>
+                <a:ea typeface="나눔고딕" panose="020D0604000000000000" pitchFamily="50" charset="-127"/>
+              </a:rPr>
+              <a:t>의 </a:t>
+            </a:r>
+            <a:r>
+              <a:rPr lang="en-US" altLang="ko-KR" sz="1100" b="1" dirty="0" smtClean="0">
+                <a:latin typeface="나눔고딕" panose="020D0604000000000000" pitchFamily="50" charset="-127"/>
+                <a:ea typeface="나눔고딕" panose="020D0604000000000000" pitchFamily="50" charset="-127"/>
+              </a:rPr>
+              <a:t>&lt;</a:t>
+            </a:r>
+            <a:r>
+              <a:rPr lang="en-US" altLang="ko-KR" sz="1100" b="1" dirty="0">
+                <a:latin typeface="나눔고딕" panose="020D0604000000000000" pitchFamily="50" charset="-127"/>
+                <a:ea typeface="나눔고딕" panose="020D0604000000000000" pitchFamily="50" charset="-127"/>
+              </a:rPr>
+              <a:t>dependencies</a:t>
+            </a:r>
+            <a:r>
+              <a:rPr lang="en-US" altLang="ko-KR" sz="1100" b="1" dirty="0" smtClean="0">
+                <a:latin typeface="나눔고딕" panose="020D0604000000000000" pitchFamily="50" charset="-127"/>
+                <a:ea typeface="나눔고딕" panose="020D0604000000000000" pitchFamily="50" charset="-127"/>
+              </a:rPr>
+              <a:t>&gt; </a:t>
+            </a:r>
+            <a:r>
+              <a:rPr lang="ko-KR" altLang="en-US" sz="1100" b="1" dirty="0" smtClean="0">
+                <a:latin typeface="나눔고딕" panose="020D0604000000000000" pitchFamily="50" charset="-127"/>
+                <a:ea typeface="나눔고딕" panose="020D0604000000000000" pitchFamily="50" charset="-127"/>
+              </a:rPr>
+              <a:t>내부에 삽입</a:t>
+            </a:r>
+            <a:endParaRPr lang="en-US" altLang="ko-KR" sz="1100" b="1" dirty="0" smtClean="0">
+              <a:latin typeface="나눔고딕" panose="020D0604000000000000" pitchFamily="50" charset="-127"/>
+              <a:ea typeface="나눔고딕" panose="020D0604000000000000" pitchFamily="50" charset="-127"/>
+            </a:endParaRPr>
+          </a:p>
+          <a:p>
+            <a:pPr algn="ctr"/>
+            <a:r>
+              <a:rPr lang="en-US" altLang="ko-KR" sz="1100" b="1" dirty="0" smtClean="0">
+                <a:latin typeface="나눔고딕" panose="020D0604000000000000" pitchFamily="50" charset="-127"/>
+                <a:ea typeface="나눔고딕" panose="020D0604000000000000" pitchFamily="50" charset="-127"/>
+              </a:rPr>
+              <a:t>Ex) </a:t>
+            </a:r>
+            <a:r>
+              <a:rPr lang="en-US" altLang="ko-KR" sz="1100" b="1" dirty="0" smtClean="0">
+                <a:latin typeface="나눔고딕" panose="020D0604000000000000" pitchFamily="50" charset="-127"/>
+                <a:ea typeface="나눔고딕" panose="020D0604000000000000" pitchFamily="50" charset="-127"/>
+              </a:rPr>
+              <a:t>Servlet, </a:t>
+            </a:r>
+            <a:r>
+              <a:rPr lang="en-US" altLang="ko-KR" sz="1100" b="1" dirty="0" err="1" smtClean="0">
+                <a:latin typeface="나눔고딕" panose="020D0604000000000000" pitchFamily="50" charset="-127"/>
+                <a:ea typeface="나눔고딕" panose="020D0604000000000000" pitchFamily="50" charset="-127"/>
+              </a:rPr>
+              <a:t>jquery</a:t>
+            </a:r>
+            <a:r>
+              <a:rPr lang="en-US" altLang="ko-KR" sz="1100" b="1" dirty="0" smtClean="0">
+                <a:latin typeface="나눔고딕" panose="020D0604000000000000" pitchFamily="50" charset="-127"/>
+                <a:ea typeface="나눔고딕" panose="020D0604000000000000" pitchFamily="50" charset="-127"/>
+              </a:rPr>
+              <a:t>, </a:t>
+            </a:r>
+            <a:r>
+              <a:rPr lang="en-US" altLang="ko-KR" sz="1100" b="1" dirty="0" err="1" smtClean="0">
+                <a:latin typeface="나눔고딕" panose="020D0604000000000000" pitchFamily="50" charset="-127"/>
+                <a:ea typeface="나눔고딕" panose="020D0604000000000000" pitchFamily="50" charset="-127"/>
+              </a:rPr>
+              <a:t>json</a:t>
+            </a:r>
+            <a:r>
+              <a:rPr lang="en-US" altLang="ko-KR" sz="1100" b="1" dirty="0" smtClean="0">
+                <a:latin typeface="나눔고딕" panose="020D0604000000000000" pitchFamily="50" charset="-127"/>
+                <a:ea typeface="나눔고딕" panose="020D0604000000000000" pitchFamily="50" charset="-127"/>
+              </a:rPr>
+              <a:t> </a:t>
+            </a:r>
+            <a:r>
+              <a:rPr lang="ko-KR" altLang="en-US" sz="1100" b="1" dirty="0" smtClean="0">
+                <a:latin typeface="나눔고딕" panose="020D0604000000000000" pitchFamily="50" charset="-127"/>
+                <a:ea typeface="나눔고딕" panose="020D0604000000000000" pitchFamily="50" charset="-127"/>
+              </a:rPr>
+              <a:t>등</a:t>
+            </a:r>
+            <a:endParaRPr lang="ko-KR" altLang="en-US" sz="1100" b="1" dirty="0">
+              <a:latin typeface="나눔고딕" panose="020D0604000000000000" pitchFamily="50" charset="-127"/>
+              <a:ea typeface="나눔고딕" panose="020D0604000000000000" pitchFamily="50" charset="-127"/>
+            </a:endParaRPr>
+          </a:p>
+        </p:txBody>
+      </p:sp>
+    </p:spTree>
+    <p:extLst>
+      <p:ext uri="{BB962C8B-B14F-4D97-AF65-F5344CB8AC3E}">
+        <p14:creationId xmlns:p14="http://schemas.microsoft.com/office/powerpoint/2010/main" val="3646754637"/>
+      </p:ext>
+    </p:extLst>
+  </p:cSld>
+  <p:clrMapOvr>
+    <a:masterClrMapping/>
+  </p:clrMapOvr>
+</p:sld>
+</file>
+
+<file path=ppt/slides/slide5.xml><?xml version="1.0" encoding="utf-8"?>
 <p:sld xmlns:a="http://schemas.openxmlformats.org/drawingml/2006/main" xmlns:r="http://schemas.openxmlformats.org/officeDocument/2006/relationships" xmlns:p="http://schemas.openxmlformats.org/presentationml/2006/main">
   <p:cSld>
     <p:spTree>
@@ -10772,7 +13360,7 @@
 </p:sld>
 </file>
 
-<file path=ppt/slides/slide5.xml><?xml version="1.0" encoding="utf-8"?>
+<file path=ppt/slides/slide6.xml><?xml version="1.0" encoding="utf-8"?>
 <p:sld xmlns:a="http://schemas.openxmlformats.org/drawingml/2006/main" xmlns:r="http://schemas.openxmlformats.org/officeDocument/2006/relationships" xmlns:p="http://schemas.openxmlformats.org/presentationml/2006/main">
   <p:cSld>
     <p:spTree>
@@ -10821,19 +13409,7 @@
                 <a:latin typeface="나눔고딕" panose="020D0604000000000000" pitchFamily="50" charset="-127"/>
                 <a:ea typeface="나눔고딕" panose="020D0604000000000000" pitchFamily="50" charset="-127"/>
               </a:rPr>
-              <a:t>페이지 </a:t>
-            </a:r>
-            <a:r>
-              <a:rPr lang="ko-KR" altLang="en-US" sz="3600" b="1" dirty="0" smtClean="0">
-                <a:ln w="12700">
-                  <a:solidFill>
-                    <a:sysClr val="windowText" lastClr="000000"/>
-                  </a:solidFill>
-                </a:ln>
-                <a:latin typeface="나눔고딕" panose="020D0604000000000000" pitchFamily="50" charset="-127"/>
-                <a:ea typeface="나눔고딕" panose="020D0604000000000000" pitchFamily="50" charset="-127"/>
-              </a:rPr>
-              <a:t>구현</a:t>
+              <a:t>페이지 구현</a:t>
             </a:r>
             <a:r>
               <a:rPr lang="ko-KR" altLang="en-US" sz="2400" b="1" dirty="0">
@@ -11330,6 +13906,7 @@
             <a:solidFill>
               <a:srgbClr val="FF0000"/>
             </a:solidFill>
+            <a:prstDash val="sysDot"/>
           </a:ln>
         </p:spPr>
         <p:style>
@@ -11378,7 +13955,7 @@
             <a:solidFill>
               <a:srgbClr val="FF0000"/>
             </a:solidFill>
-            <a:prstDash val="dash"/>
+            <a:prstDash val="sysDot"/>
             <a:tailEnd type="triangle"/>
           </a:ln>
         </p:spPr>
@@ -11410,7 +13987,7 @@
 </p:sld>
 </file>
 
-<file path=ppt/slides/slide6.xml><?xml version="1.0" encoding="utf-8"?>
+<file path=ppt/slides/slide7.xml><?xml version="1.0" encoding="utf-8"?>
 <p:sld xmlns:a="http://schemas.openxmlformats.org/drawingml/2006/main" xmlns:r="http://schemas.openxmlformats.org/officeDocument/2006/relationships" xmlns:p="http://schemas.openxmlformats.org/presentationml/2006/main">
   <p:cSld>
     <p:spTree>
@@ -11459,19 +14036,7 @@
                 <a:latin typeface="나눔고딕" panose="020D0604000000000000" pitchFamily="50" charset="-127"/>
                 <a:ea typeface="나눔고딕" panose="020D0604000000000000" pitchFamily="50" charset="-127"/>
               </a:rPr>
-              <a:t>페이지 </a:t>
-            </a:r>
-            <a:r>
-              <a:rPr lang="ko-KR" altLang="en-US" sz="3600" b="1" dirty="0" smtClean="0">
-                <a:ln w="12700">
-                  <a:solidFill>
-                    <a:sysClr val="windowText" lastClr="000000"/>
-                  </a:solidFill>
-                </a:ln>
-                <a:latin typeface="나눔고딕" panose="020D0604000000000000" pitchFamily="50" charset="-127"/>
-                <a:ea typeface="나눔고딕" panose="020D0604000000000000" pitchFamily="50" charset="-127"/>
-              </a:rPr>
-              <a:t>구현</a:t>
+              <a:t>페이지 구현</a:t>
             </a:r>
             <a:r>
               <a:rPr lang="ko-KR" altLang="en-US" sz="2400" b="1" dirty="0" smtClean="0">
@@ -11557,6 +14122,7 @@
             <a:solidFill>
               <a:srgbClr val="FF0000"/>
             </a:solidFill>
+            <a:prstDash val="sysDot"/>
           </a:ln>
         </p:spPr>
         <p:style>
@@ -11707,7 +14273,7 @@
             <a:solidFill>
               <a:srgbClr val="FF0000"/>
             </a:solidFill>
-            <a:prstDash val="dash"/>
+            <a:prstDash val="sysDot"/>
             <a:tailEnd type="triangle"/>
           </a:ln>
         </p:spPr>
@@ -11739,7 +14305,7 @@
 </p:sld>
 </file>
 
-<file path=ppt/slides/slide7.xml><?xml version="1.0" encoding="utf-8"?>
+<file path=ppt/slides/slide8.xml><?xml version="1.0" encoding="utf-8"?>
 <p:sld xmlns:a="http://schemas.openxmlformats.org/drawingml/2006/main" xmlns:r="http://schemas.openxmlformats.org/officeDocument/2006/relationships" xmlns:p="http://schemas.openxmlformats.org/presentationml/2006/main">
   <p:cSld>
     <p:spTree>
@@ -11788,19 +14354,7 @@
                 <a:latin typeface="나눔고딕" panose="020D0604000000000000" pitchFamily="50" charset="-127"/>
                 <a:ea typeface="나눔고딕" panose="020D0604000000000000" pitchFamily="50" charset="-127"/>
               </a:rPr>
-              <a:t>페이지 </a:t>
-            </a:r>
-            <a:r>
-              <a:rPr lang="ko-KR" altLang="en-US" sz="3600" b="1" dirty="0" smtClean="0">
-                <a:ln w="12700">
-                  <a:solidFill>
-                    <a:sysClr val="windowText" lastClr="000000"/>
-                  </a:solidFill>
-                </a:ln>
-                <a:latin typeface="나눔고딕" panose="020D0604000000000000" pitchFamily="50" charset="-127"/>
-                <a:ea typeface="나눔고딕" panose="020D0604000000000000" pitchFamily="50" charset="-127"/>
-              </a:rPr>
-              <a:t>구현</a:t>
+              <a:t>페이지 구현</a:t>
             </a:r>
             <a:r>
               <a:rPr lang="ko-KR" altLang="en-US" sz="2400" b="1" dirty="0" smtClean="0">
@@ -12142,7 +14696,7 @@
 </p:sld>
 </file>
 
-<file path=ppt/slides/slide8.xml><?xml version="1.0" encoding="utf-8"?>
+<file path=ppt/slides/slide9.xml><?xml version="1.0" encoding="utf-8"?>
 <p:sld xmlns:a="http://schemas.openxmlformats.org/drawingml/2006/main" xmlns:r="http://schemas.openxmlformats.org/officeDocument/2006/relationships" xmlns:p="http://schemas.openxmlformats.org/presentationml/2006/main">
   <p:cSld>
     <p:spTree>
@@ -12191,19 +14745,7 @@
                 <a:latin typeface="나눔고딕" panose="020D0604000000000000" pitchFamily="50" charset="-127"/>
                 <a:ea typeface="나눔고딕" panose="020D0604000000000000" pitchFamily="50" charset="-127"/>
               </a:rPr>
-              <a:t>페이지 </a:t>
-            </a:r>
-            <a:r>
-              <a:rPr lang="ko-KR" altLang="en-US" sz="3600" b="1" dirty="0" smtClean="0">
-                <a:ln w="12700">
-                  <a:solidFill>
-                    <a:sysClr val="windowText" lastClr="000000"/>
-                  </a:solidFill>
-                </a:ln>
-                <a:latin typeface="나눔고딕" panose="020D0604000000000000" pitchFamily="50" charset="-127"/>
-                <a:ea typeface="나눔고딕" panose="020D0604000000000000" pitchFamily="50" charset="-127"/>
-              </a:rPr>
-              <a:t>구현</a:t>
+              <a:t>페이지 구현</a:t>
             </a:r>
             <a:r>
               <a:rPr lang="ko-KR" altLang="en-US" sz="2400" b="1" dirty="0" smtClean="0">
@@ -12546,7 +15088,7 @@
             <a:solidFill>
               <a:srgbClr val="FF0000"/>
             </a:solidFill>
-            <a:prstDash val="sysDot"/>
+            <a:prstDash val="solid"/>
             <a:tailEnd type="triangle"/>
           </a:ln>
         </p:spPr>
@@ -12718,1101 +15260,6 @@
     <p:extLst>
       <p:ext uri="{BB962C8B-B14F-4D97-AF65-F5344CB8AC3E}">
         <p14:creationId xmlns:p14="http://schemas.microsoft.com/office/powerpoint/2010/main" val="2724243356"/>
-      </p:ext>
-    </p:extLst>
-  </p:cSld>
-  <p:clrMapOvr>
-    <a:masterClrMapping/>
-  </p:clrMapOvr>
-</p:sld>
-</file>
-
-<file path=ppt/slides/slide9.xml><?xml version="1.0" encoding="utf-8"?>
-<p:sld xmlns:a="http://schemas.openxmlformats.org/drawingml/2006/main" xmlns:r="http://schemas.openxmlformats.org/officeDocument/2006/relationships" xmlns:p="http://schemas.openxmlformats.org/presentationml/2006/main">
-  <p:cSld>
-    <p:spTree>
-      <p:nvGrpSpPr>
-        <p:cNvPr id="1" name=""/>
-        <p:cNvGrpSpPr/>
-        <p:nvPr/>
-      </p:nvGrpSpPr>
-      <p:grpSpPr>
-        <a:xfrm>
-          <a:off x="0" y="0"/>
-          <a:ext cx="0" cy="0"/>
-          <a:chOff x="0" y="0"/>
-          <a:chExt cx="0" cy="0"/>
-        </a:xfrm>
-      </p:grpSpPr>
-      <p:sp>
-        <p:nvSpPr>
-          <p:cNvPr id="4" name="TextBox 3"/>
-          <p:cNvSpPr txBox="1"/>
-          <p:nvPr/>
-        </p:nvSpPr>
-        <p:spPr>
-          <a:xfrm>
-            <a:off x="1609648" y="652588"/>
-            <a:ext cx="4439036" cy="646331"/>
-          </a:xfrm>
-          <a:prstGeom prst="rect">
-            <a:avLst/>
-          </a:prstGeom>
-          <a:noFill/>
-        </p:spPr>
-        <p:txBody>
-          <a:bodyPr wrap="none" rtlCol="0">
-            <a:spAutoFit/>
-          </a:bodyPr>
-          <a:lstStyle/>
-          <a:p>
-            <a:r>
-              <a:rPr lang="ko-KR" altLang="en-US" sz="3600" b="1" dirty="0" smtClean="0">
-                <a:ln w="12700">
-                  <a:solidFill>
-                    <a:sysClr val="windowText" lastClr="000000"/>
-                  </a:solidFill>
-                </a:ln>
-                <a:latin typeface="나눔고딕" panose="020D0604000000000000" pitchFamily="50" charset="-127"/>
-                <a:ea typeface="나눔고딕" panose="020D0604000000000000" pitchFamily="50" charset="-127"/>
-              </a:rPr>
-              <a:t>메인 </a:t>
-            </a:r>
-            <a:r>
-              <a:rPr lang="ko-KR" altLang="en-US" sz="3600" b="1" dirty="0" smtClean="0">
-                <a:ln w="12700">
-                  <a:solidFill>
-                    <a:sysClr val="windowText" lastClr="000000"/>
-                  </a:solidFill>
-                </a:ln>
-                <a:latin typeface="나눔고딕" panose="020D0604000000000000" pitchFamily="50" charset="-127"/>
-                <a:ea typeface="나눔고딕" panose="020D0604000000000000" pitchFamily="50" charset="-127"/>
-              </a:rPr>
-              <a:t>페이지</a:t>
-            </a:r>
-            <a:r>
-              <a:rPr lang="en-US" altLang="ko-KR" sz="2400" dirty="0" smtClean="0">
-                <a:ln w="12700">
-                  <a:solidFill>
-                    <a:sysClr val="windowText" lastClr="000000"/>
-                  </a:solidFill>
-                </a:ln>
-                <a:latin typeface="나눔고딕" panose="020D0604000000000000" pitchFamily="50" charset="-127"/>
-                <a:ea typeface="나눔고딕" panose="020D0604000000000000" pitchFamily="50" charset="-127"/>
-              </a:rPr>
-              <a:t> (</a:t>
-            </a:r>
-            <a:r>
-              <a:rPr lang="ko-KR" altLang="en-US" sz="2400" dirty="0" smtClean="0">
-                <a:ln w="12700">
-                  <a:solidFill>
-                    <a:sysClr val="windowText" lastClr="000000"/>
-                  </a:solidFill>
-                </a:ln>
-                <a:latin typeface="나눔고딕" panose="020D0604000000000000" pitchFamily="50" charset="-127"/>
-                <a:ea typeface="나눔고딕" panose="020D0604000000000000" pitchFamily="50" charset="-127"/>
-              </a:rPr>
-              <a:t>페이지 소스</a:t>
-            </a:r>
-            <a:r>
-              <a:rPr lang="en-US" altLang="ko-KR" sz="2400" dirty="0" smtClean="0">
-                <a:ln w="12700">
-                  <a:solidFill>
-                    <a:sysClr val="windowText" lastClr="000000"/>
-                  </a:solidFill>
-                </a:ln>
-                <a:latin typeface="나눔고딕" panose="020D0604000000000000" pitchFamily="50" charset="-127"/>
-                <a:ea typeface="나눔고딕" panose="020D0604000000000000" pitchFamily="50" charset="-127"/>
-              </a:rPr>
-              <a:t>)</a:t>
-            </a:r>
-            <a:endParaRPr lang="ko-KR" altLang="en-US" sz="3600" dirty="0">
-              <a:ln w="12700">
-                <a:solidFill>
-                  <a:sysClr val="windowText" lastClr="000000"/>
-                </a:solidFill>
-              </a:ln>
-              <a:latin typeface="나눔고딕" panose="020D0604000000000000" pitchFamily="50" charset="-127"/>
-              <a:ea typeface="나눔고딕" panose="020D0604000000000000" pitchFamily="50" charset="-127"/>
-            </a:endParaRPr>
-          </a:p>
-        </p:txBody>
-      </p:sp>
-      <p:pic>
-        <p:nvPicPr>
-          <p:cNvPr id="3" name="그림 2"/>
-          <p:cNvPicPr>
-            <a:picLocks noChangeAspect="1"/>
-          </p:cNvPicPr>
-          <p:nvPr/>
-        </p:nvPicPr>
-        <p:blipFill>
-          <a:blip r:embed="rId2">
-            <a:extLst>
-              <a:ext uri="{28A0092B-C50C-407E-A947-70E740481C1C}">
-                <a14:useLocalDpi xmlns:a14="http://schemas.microsoft.com/office/drawing/2010/main" val="0"/>
-              </a:ext>
-            </a:extLst>
-          </a:blip>
-          <a:stretch>
-            <a:fillRect/>
-          </a:stretch>
-        </p:blipFill>
-        <p:spPr>
-          <a:xfrm>
-            <a:off x="1371600" y="1500187"/>
-            <a:ext cx="7429500" cy="3819525"/>
-          </a:xfrm>
-          <a:prstGeom prst="rect">
-            <a:avLst/>
-          </a:prstGeom>
-          <a:ln w="28575">
-            <a:solidFill>
-              <a:srgbClr val="FF0000"/>
-            </a:solidFill>
-          </a:ln>
-        </p:spPr>
-      </p:pic>
-      <p:grpSp>
-        <p:nvGrpSpPr>
-          <p:cNvPr id="23" name="그룹 22"/>
-          <p:cNvGrpSpPr/>
-          <p:nvPr/>
-        </p:nvGrpSpPr>
-        <p:grpSpPr>
-          <a:xfrm>
-            <a:off x="6436704" y="1766887"/>
-            <a:ext cx="5372100" cy="2486025"/>
-            <a:chOff x="6562725" y="4076699"/>
-            <a:chExt cx="5372100" cy="2486025"/>
-          </a:xfrm>
-        </p:grpSpPr>
-        <p:pic>
-          <p:nvPicPr>
-            <p:cNvPr id="5" name="그림 4"/>
-            <p:cNvPicPr>
-              <a:picLocks noChangeAspect="1"/>
-            </p:cNvPicPr>
-            <p:nvPr/>
-          </p:nvPicPr>
-          <p:blipFill>
-            <a:blip r:embed="rId3">
-              <a:extLst>
-                <a:ext uri="{28A0092B-C50C-407E-A947-70E740481C1C}">
-                  <a14:useLocalDpi xmlns:a14="http://schemas.microsoft.com/office/drawing/2010/main" val="0"/>
-                </a:ext>
-              </a:extLst>
-            </a:blip>
-            <a:stretch>
-              <a:fillRect/>
-            </a:stretch>
-          </p:blipFill>
-          <p:spPr>
-            <a:xfrm>
-              <a:off x="6562725" y="4076699"/>
-              <a:ext cx="5372100" cy="2486025"/>
-            </a:xfrm>
-            <a:prstGeom prst="rect">
-              <a:avLst/>
-            </a:prstGeom>
-            <a:ln w="28575">
-              <a:solidFill>
-                <a:srgbClr val="FF0000"/>
-              </a:solidFill>
-            </a:ln>
-          </p:spPr>
-        </p:pic>
-        <p:sp>
-          <p:nvSpPr>
-            <p:cNvPr id="7" name="직사각형 6"/>
-            <p:cNvSpPr/>
-            <p:nvPr/>
-          </p:nvSpPr>
-          <p:spPr>
-            <a:xfrm>
-              <a:off x="6810375" y="4495800"/>
-              <a:ext cx="1819275" cy="304800"/>
-            </a:xfrm>
-            <a:prstGeom prst="rect">
-              <a:avLst/>
-            </a:prstGeom>
-            <a:noFill/>
-            <a:ln w="28575">
-              <a:solidFill>
-                <a:srgbClr val="FF0000"/>
-              </a:solidFill>
-              <a:prstDash val="sysDot"/>
-            </a:ln>
-          </p:spPr>
-          <p:style>
-            <a:lnRef idx="2">
-              <a:schemeClr val="accent1">
-                <a:shade val="50000"/>
-              </a:schemeClr>
-            </a:lnRef>
-            <a:fillRef idx="1">
-              <a:schemeClr val="accent1"/>
-            </a:fillRef>
-            <a:effectRef idx="0">
-              <a:schemeClr val="accent1"/>
-            </a:effectRef>
-            <a:fontRef idx="minor">
-              <a:schemeClr val="lt1"/>
-            </a:fontRef>
-          </p:style>
-          <p:txBody>
-            <a:bodyPr rtlCol="0" anchor="ctr"/>
-            <a:lstStyle/>
-            <a:p>
-              <a:pPr algn="ctr"/>
-              <a:endParaRPr lang="ko-KR" altLang="en-US"/>
-            </a:p>
-          </p:txBody>
-        </p:sp>
-      </p:grpSp>
-      <p:sp>
-        <p:nvSpPr>
-          <p:cNvPr id="15" name="직사각형 14">
-            <a:extLst>
-              <a:ext uri="{FF2B5EF4-FFF2-40B4-BE49-F238E27FC236}">
-                <a16:creationId xmlns:a16="http://schemas.microsoft.com/office/drawing/2014/main" id="{E81B2201-A002-4CB6-AC74-A6A79E57D96E}"/>
-              </a:ext>
-            </a:extLst>
-          </p:cNvPr>
-          <p:cNvSpPr/>
-          <p:nvPr/>
-        </p:nvSpPr>
-        <p:spPr>
-          <a:xfrm>
-            <a:off x="6578462" y="1567433"/>
-            <a:ext cx="2031057" cy="361950"/>
-          </a:xfrm>
-          <a:prstGeom prst="rect">
-            <a:avLst/>
-          </a:prstGeom>
-          <a:solidFill>
-            <a:schemeClr val="bg1"/>
-          </a:solidFill>
-          <a:ln w="28575">
-            <a:solidFill>
-              <a:srgbClr val="FF0000"/>
-            </a:solidFill>
-          </a:ln>
-        </p:spPr>
-        <p:style>
-          <a:lnRef idx="3">
-            <a:schemeClr val="lt1"/>
-          </a:lnRef>
-          <a:fillRef idx="1">
-            <a:schemeClr val="accent1"/>
-          </a:fillRef>
-          <a:effectRef idx="1">
-            <a:schemeClr val="accent1"/>
-          </a:effectRef>
-          <a:fontRef idx="minor">
-            <a:schemeClr val="lt1"/>
-          </a:fontRef>
-        </p:style>
-        <p:txBody>
-          <a:bodyPr rtlCol="0" anchor="ctr"/>
-          <a:lstStyle/>
-          <a:p>
-            <a:pPr algn="ctr"/>
-            <a:r>
-              <a:rPr lang="en-US" altLang="ko-KR" sz="1400" b="1" dirty="0">
-                <a:solidFill>
-                  <a:schemeClr val="tx1"/>
-                </a:solidFill>
-                <a:latin typeface="나눔고딕" panose="020D0604000000000000" pitchFamily="50" charset="-127"/>
-                <a:ea typeface="나눔고딕" panose="020D0604000000000000" pitchFamily="50" charset="-127"/>
-              </a:rPr>
-              <a:t>GoodsServiceImpl.java</a:t>
-            </a:r>
-            <a:endParaRPr lang="ko-KR" altLang="en-US" sz="1400" b="1" dirty="0">
-              <a:solidFill>
-                <a:schemeClr val="tx1"/>
-              </a:solidFill>
-              <a:latin typeface="나눔고딕" panose="020D0604000000000000" pitchFamily="50" charset="-127"/>
-              <a:ea typeface="나눔고딕" panose="020D0604000000000000" pitchFamily="50" charset="-127"/>
-            </a:endParaRPr>
-          </a:p>
-        </p:txBody>
-      </p:sp>
-      <p:sp>
-        <p:nvSpPr>
-          <p:cNvPr id="16" name="직사각형 15"/>
-          <p:cNvSpPr/>
-          <p:nvPr/>
-        </p:nvSpPr>
-        <p:spPr>
-          <a:xfrm>
-            <a:off x="1914525" y="2705100"/>
-            <a:ext cx="2343150" cy="304800"/>
-          </a:xfrm>
-          <a:prstGeom prst="rect">
-            <a:avLst/>
-          </a:prstGeom>
-          <a:noFill/>
-          <a:ln w="28575">
-            <a:solidFill>
-              <a:srgbClr val="FF0000"/>
-            </a:solidFill>
-            <a:prstDash val="sysDot"/>
-          </a:ln>
-        </p:spPr>
-        <p:style>
-          <a:lnRef idx="2">
-            <a:schemeClr val="accent1">
-              <a:shade val="50000"/>
-            </a:schemeClr>
-          </a:lnRef>
-          <a:fillRef idx="1">
-            <a:schemeClr val="accent1"/>
-          </a:fillRef>
-          <a:effectRef idx="0">
-            <a:schemeClr val="accent1"/>
-          </a:effectRef>
-          <a:fontRef idx="minor">
-            <a:schemeClr val="lt1"/>
-          </a:fontRef>
-        </p:style>
-        <p:txBody>
-          <a:bodyPr rtlCol="0" anchor="ctr"/>
-          <a:lstStyle/>
-          <a:p>
-            <a:pPr algn="ctr"/>
-            <a:endParaRPr lang="ko-KR" altLang="en-US"/>
-          </a:p>
-        </p:txBody>
-      </p:sp>
-      <p:cxnSp>
-        <p:nvCxnSpPr>
-          <p:cNvPr id="11" name="직선 화살표 연결선 10"/>
-          <p:cNvCxnSpPr>
-            <a:stCxn id="15" idx="1"/>
-            <a:endCxn id="16" idx="3"/>
-          </p:cNvCxnSpPr>
-          <p:nvPr/>
-        </p:nvCxnSpPr>
-        <p:spPr>
-          <a:xfrm flipH="1">
-            <a:off x="4257675" y="1748408"/>
-            <a:ext cx="2320787" cy="1109092"/>
-          </a:xfrm>
-          <a:prstGeom prst="straightConnector1">
-            <a:avLst/>
-          </a:prstGeom>
-          <a:ln w="28575">
-            <a:solidFill>
-              <a:srgbClr val="FF0000"/>
-            </a:solidFill>
-            <a:prstDash val="sysDot"/>
-            <a:tailEnd type="triangle"/>
-          </a:ln>
-        </p:spPr>
-        <p:style>
-          <a:lnRef idx="1">
-            <a:schemeClr val="accent1"/>
-          </a:lnRef>
-          <a:fillRef idx="0">
-            <a:schemeClr val="accent1"/>
-          </a:fillRef>
-          <a:effectRef idx="0">
-            <a:schemeClr val="accent1"/>
-          </a:effectRef>
-          <a:fontRef idx="minor">
-            <a:schemeClr val="tx1"/>
-          </a:fontRef>
-        </p:style>
-      </p:cxnSp>
-      <p:sp>
-        <p:nvSpPr>
-          <p:cNvPr id="22" name="TextBox 21"/>
-          <p:cNvSpPr txBox="1"/>
-          <p:nvPr/>
-        </p:nvSpPr>
-        <p:spPr>
-          <a:xfrm>
-            <a:off x="2811606" y="1319367"/>
-            <a:ext cx="2892138" cy="338554"/>
-          </a:xfrm>
-          <a:prstGeom prst="rect">
-            <a:avLst/>
-          </a:prstGeom>
-          <a:solidFill>
-            <a:schemeClr val="bg1"/>
-          </a:solidFill>
-          <a:ln w="28575">
-            <a:solidFill>
-              <a:srgbClr val="FF0000"/>
-            </a:solidFill>
-          </a:ln>
-        </p:spPr>
-        <p:txBody>
-          <a:bodyPr wrap="none" rtlCol="0">
-            <a:spAutoFit/>
-          </a:bodyPr>
-          <a:lstStyle/>
-          <a:p>
-            <a:r>
-              <a:rPr lang="en-US" altLang="ko-KR" sz="1600" b="1" dirty="0" smtClean="0">
-                <a:latin typeface="나눔고딕" panose="020D0604000000000000" pitchFamily="50" charset="-127"/>
-                <a:ea typeface="나눔고딕" panose="020D0604000000000000" pitchFamily="50" charset="-127"/>
-              </a:rPr>
-              <a:t>@</a:t>
-            </a:r>
-            <a:r>
-              <a:rPr lang="en-US" altLang="ko-KR" sz="1600" b="1" dirty="0" err="1" smtClean="0">
-                <a:latin typeface="나눔고딕" panose="020D0604000000000000" pitchFamily="50" charset="-127"/>
-                <a:ea typeface="나눔고딕" panose="020D0604000000000000" pitchFamily="50" charset="-127"/>
-              </a:rPr>
-              <a:t>Autowired</a:t>
-            </a:r>
-            <a:r>
-              <a:rPr lang="ko-KR" altLang="en-US" sz="1600" b="1" dirty="0" smtClean="0">
-                <a:latin typeface="나눔고딕" panose="020D0604000000000000" pitchFamily="50" charset="-127"/>
-                <a:ea typeface="나눔고딕" panose="020D0604000000000000" pitchFamily="50" charset="-127"/>
-              </a:rPr>
-              <a:t>를 이용해 빈 주입</a:t>
-            </a:r>
-            <a:endParaRPr lang="ko-KR" altLang="en-US" sz="1600" b="1" dirty="0">
-              <a:latin typeface="나눔고딕" panose="020D0604000000000000" pitchFamily="50" charset="-127"/>
-              <a:ea typeface="나눔고딕" panose="020D0604000000000000" pitchFamily="50" charset="-127"/>
-            </a:endParaRPr>
-          </a:p>
-        </p:txBody>
-      </p:sp>
-      <p:pic>
-        <p:nvPicPr>
-          <p:cNvPr id="26" name="그림 25"/>
-          <p:cNvPicPr>
-            <a:picLocks noChangeAspect="1"/>
-          </p:cNvPicPr>
-          <p:nvPr/>
-        </p:nvPicPr>
-        <p:blipFill>
-          <a:blip r:embed="rId4">
-            <a:extLst>
-              <a:ext uri="{28A0092B-C50C-407E-A947-70E740481C1C}">
-                <a14:useLocalDpi xmlns:a14="http://schemas.microsoft.com/office/drawing/2010/main" val="0"/>
-              </a:ext>
-            </a:extLst>
-          </a:blip>
-          <a:stretch>
-            <a:fillRect/>
-          </a:stretch>
-        </p:blipFill>
-        <p:spPr>
-          <a:xfrm>
-            <a:off x="8475363" y="4555330"/>
-            <a:ext cx="3352800" cy="1628775"/>
-          </a:xfrm>
-          <a:prstGeom prst="rect">
-            <a:avLst/>
-          </a:prstGeom>
-          <a:ln w="28575">
-            <a:solidFill>
-              <a:srgbClr val="FF0000"/>
-            </a:solidFill>
-          </a:ln>
-        </p:spPr>
-      </p:pic>
-      <p:sp>
-        <p:nvSpPr>
-          <p:cNvPr id="28" name="직사각형 27"/>
-          <p:cNvSpPr/>
-          <p:nvPr/>
-        </p:nvSpPr>
-        <p:spPr>
-          <a:xfrm>
-            <a:off x="8715375" y="4867275"/>
-            <a:ext cx="2143125" cy="323850"/>
-          </a:xfrm>
-          <a:prstGeom prst="rect">
-            <a:avLst/>
-          </a:prstGeom>
-          <a:noFill/>
-          <a:ln w="28575">
-            <a:solidFill>
-              <a:srgbClr val="FF0000"/>
-            </a:solidFill>
-            <a:prstDash val="sysDot"/>
-          </a:ln>
-        </p:spPr>
-        <p:style>
-          <a:lnRef idx="2">
-            <a:schemeClr val="accent1">
-              <a:shade val="50000"/>
-            </a:schemeClr>
-          </a:lnRef>
-          <a:fillRef idx="1">
-            <a:schemeClr val="accent1"/>
-          </a:fillRef>
-          <a:effectRef idx="0">
-            <a:schemeClr val="accent1"/>
-          </a:effectRef>
-          <a:fontRef idx="minor">
-            <a:schemeClr val="lt1"/>
-          </a:fontRef>
-        </p:style>
-        <p:txBody>
-          <a:bodyPr rtlCol="0" anchor="ctr"/>
-          <a:lstStyle/>
-          <a:p>
-            <a:pPr algn="ctr"/>
-            <a:endParaRPr lang="ko-KR" altLang="en-US"/>
-          </a:p>
-        </p:txBody>
-      </p:sp>
-      <p:sp>
-        <p:nvSpPr>
-          <p:cNvPr id="29" name="직사각형 28">
-            <a:extLst>
-              <a:ext uri="{FF2B5EF4-FFF2-40B4-BE49-F238E27FC236}">
-                <a16:creationId xmlns:a16="http://schemas.microsoft.com/office/drawing/2014/main" id="{E81B2201-A002-4CB6-AC74-A6A79E57D96E}"/>
-              </a:ext>
-            </a:extLst>
-          </p:cNvPr>
-          <p:cNvSpPr/>
-          <p:nvPr/>
-        </p:nvSpPr>
-        <p:spPr>
-          <a:xfrm>
-            <a:off x="9730155" y="4374355"/>
-            <a:ext cx="1957020" cy="361950"/>
-          </a:xfrm>
-          <a:prstGeom prst="rect">
-            <a:avLst/>
-          </a:prstGeom>
-          <a:solidFill>
-            <a:schemeClr val="bg1"/>
-          </a:solidFill>
-          <a:ln w="28575">
-            <a:solidFill>
-              <a:srgbClr val="FF0000"/>
-            </a:solidFill>
-          </a:ln>
-        </p:spPr>
-        <p:style>
-          <a:lnRef idx="3">
-            <a:schemeClr val="lt1"/>
-          </a:lnRef>
-          <a:fillRef idx="1">
-            <a:schemeClr val="accent1"/>
-          </a:fillRef>
-          <a:effectRef idx="1">
-            <a:schemeClr val="accent1"/>
-          </a:effectRef>
-          <a:fontRef idx="minor">
-            <a:schemeClr val="lt1"/>
-          </a:fontRef>
-        </p:style>
-        <p:txBody>
-          <a:bodyPr rtlCol="0" anchor="ctr"/>
-          <a:lstStyle/>
-          <a:p>
-            <a:pPr algn="ctr"/>
-            <a:r>
-              <a:rPr lang="en-US" altLang="ko-KR" sz="1400" b="1" dirty="0" smtClean="0">
-                <a:solidFill>
-                  <a:schemeClr val="tx1"/>
-                </a:solidFill>
-                <a:latin typeface="나눔고딕" panose="020D0604000000000000" pitchFamily="50" charset="-127"/>
-                <a:ea typeface="나눔고딕" panose="020D0604000000000000" pitchFamily="50" charset="-127"/>
-              </a:rPr>
-              <a:t>Goods</a:t>
-            </a:r>
-            <a:r>
-              <a:rPr lang="en-US" altLang="ko-KR" sz="1400" b="1" dirty="0" smtClean="0">
-                <a:solidFill>
-                  <a:schemeClr val="tx1"/>
-                </a:solidFill>
-                <a:latin typeface="나눔고딕" panose="020D0604000000000000" pitchFamily="50" charset="-127"/>
-                <a:ea typeface="나눔고딕" panose="020D0604000000000000" pitchFamily="50" charset="-127"/>
-              </a:rPr>
-              <a:t>DAOImpl</a:t>
-            </a:r>
-            <a:r>
-              <a:rPr lang="en-US" altLang="ko-KR" sz="1400" b="1" dirty="0" smtClean="0">
-                <a:solidFill>
-                  <a:schemeClr val="tx1"/>
-                </a:solidFill>
-                <a:latin typeface="나눔고딕" panose="020D0604000000000000" pitchFamily="50" charset="-127"/>
-                <a:ea typeface="나눔고딕" panose="020D0604000000000000" pitchFamily="50" charset="-127"/>
-              </a:rPr>
-              <a:t>.java</a:t>
-            </a:r>
-            <a:endParaRPr lang="ko-KR" altLang="en-US" sz="1400" b="1" dirty="0">
-              <a:solidFill>
-                <a:schemeClr val="tx1"/>
-              </a:solidFill>
-              <a:latin typeface="나눔고딕" panose="020D0604000000000000" pitchFamily="50" charset="-127"/>
-              <a:ea typeface="나눔고딕" panose="020D0604000000000000" pitchFamily="50" charset="-127"/>
-            </a:endParaRPr>
-          </a:p>
-        </p:txBody>
-      </p:sp>
-      <p:cxnSp>
-        <p:nvCxnSpPr>
-          <p:cNvPr id="30" name="직선 화살표 연결선 29"/>
-          <p:cNvCxnSpPr>
-            <a:stCxn id="29" idx="1"/>
-          </p:cNvCxnSpPr>
-          <p:nvPr/>
-        </p:nvCxnSpPr>
-        <p:spPr>
-          <a:xfrm flipH="1" flipV="1">
-            <a:off x="7600951" y="2490788"/>
-            <a:ext cx="2129204" cy="2064542"/>
-          </a:xfrm>
-          <a:prstGeom prst="straightConnector1">
-            <a:avLst/>
-          </a:prstGeom>
-          <a:ln w="28575">
-            <a:solidFill>
-              <a:srgbClr val="FF0000"/>
-            </a:solidFill>
-            <a:prstDash val="sysDot"/>
-            <a:tailEnd type="triangle"/>
-          </a:ln>
-        </p:spPr>
-        <p:style>
-          <a:lnRef idx="1">
-            <a:schemeClr val="accent1"/>
-          </a:lnRef>
-          <a:fillRef idx="0">
-            <a:schemeClr val="accent1"/>
-          </a:fillRef>
-          <a:effectRef idx="0">
-            <a:schemeClr val="accent1"/>
-          </a:effectRef>
-          <a:fontRef idx="minor">
-            <a:schemeClr val="tx1"/>
-          </a:fontRef>
-        </p:style>
-      </p:cxnSp>
-      <p:sp>
-        <p:nvSpPr>
-          <p:cNvPr id="34" name="직사각형 33">
-            <a:extLst>
-              <a:ext uri="{FF2B5EF4-FFF2-40B4-BE49-F238E27FC236}">
-                <a16:creationId xmlns:a16="http://schemas.microsoft.com/office/drawing/2014/main" id="{B072B273-3C3D-4705-971E-C3E5EF52E01B}"/>
-              </a:ext>
-            </a:extLst>
-          </p:cNvPr>
-          <p:cNvSpPr/>
-          <p:nvPr/>
-        </p:nvSpPr>
-        <p:spPr>
-          <a:xfrm>
-            <a:off x="1371600" y="5644368"/>
-            <a:ext cx="3957936" cy="880258"/>
-          </a:xfrm>
-          <a:prstGeom prst="rect">
-            <a:avLst/>
-          </a:prstGeom>
-          <a:solidFill>
-            <a:schemeClr val="bg1"/>
-          </a:solidFill>
-          <a:ln w="28575">
-            <a:solidFill>
-              <a:srgbClr val="FF0000"/>
-            </a:solidFill>
-          </a:ln>
-        </p:spPr>
-        <p:style>
-          <a:lnRef idx="2">
-            <a:schemeClr val="accent1">
-              <a:shade val="50000"/>
-            </a:schemeClr>
-          </a:lnRef>
-          <a:fillRef idx="1">
-            <a:schemeClr val="accent1"/>
-          </a:fillRef>
-          <a:effectRef idx="0">
-            <a:schemeClr val="accent1"/>
-          </a:effectRef>
-          <a:fontRef idx="minor">
-            <a:schemeClr val="lt1"/>
-          </a:fontRef>
-        </p:style>
-        <p:txBody>
-          <a:bodyPr rtlCol="0" anchor="ctr"/>
-          <a:lstStyle/>
-          <a:p>
-            <a:pPr algn="ctr"/>
-            <a:r>
-              <a:rPr lang="en-US" altLang="ko-KR" sz="1100" b="1" dirty="0" err="1">
-                <a:solidFill>
-                  <a:schemeClr val="tx1"/>
-                </a:solidFill>
-                <a:latin typeface="나눔고딕" panose="020D0604000000000000" pitchFamily="50" charset="-127"/>
-                <a:ea typeface="나눔고딕" panose="020D0604000000000000" pitchFamily="50" charset="-127"/>
-              </a:rPr>
-              <a:t>side_menu</a:t>
-            </a:r>
-            <a:r>
-              <a:rPr lang="en-US" altLang="ko-KR" sz="1100" b="1" dirty="0">
-                <a:solidFill>
-                  <a:schemeClr val="tx1"/>
-                </a:solidFill>
-                <a:latin typeface="나눔고딕" panose="020D0604000000000000" pitchFamily="50" charset="-127"/>
-                <a:ea typeface="나눔고딕" panose="020D0604000000000000" pitchFamily="50" charset="-127"/>
-              </a:rPr>
-              <a:t> </a:t>
-            </a:r>
-            <a:r>
-              <a:rPr lang="ko-KR" altLang="en-US" sz="1100" b="1" dirty="0">
-                <a:solidFill>
-                  <a:schemeClr val="tx1"/>
-                </a:solidFill>
-                <a:latin typeface="나눔고딕" panose="020D0604000000000000" pitchFamily="50" charset="-127"/>
-                <a:ea typeface="나눔고딕" panose="020D0604000000000000" pitchFamily="50" charset="-127"/>
-              </a:rPr>
-              <a:t>값에 따라 메뉴 항목을 다르게 하는 속성 </a:t>
-            </a:r>
-            <a:r>
-              <a:rPr lang="en-US" altLang="ko-KR" sz="1100" b="1" dirty="0">
-                <a:solidFill>
-                  <a:schemeClr val="tx1"/>
-                </a:solidFill>
-                <a:latin typeface="나눔고딕" panose="020D0604000000000000" pitchFamily="50" charset="-127"/>
-                <a:ea typeface="나눔고딕" panose="020D0604000000000000" pitchFamily="50" charset="-127"/>
-              </a:rPr>
-              <a:t>setting</a:t>
-            </a:r>
-          </a:p>
-          <a:p>
-            <a:pPr algn="ctr"/>
-            <a:r>
-              <a:rPr lang="ko-KR" altLang="en-US" sz="1100" b="1" dirty="0">
-                <a:solidFill>
-                  <a:schemeClr val="tx1"/>
-                </a:solidFill>
-                <a:latin typeface="나눔고딕" panose="020D0604000000000000" pitchFamily="50" charset="-127"/>
-                <a:ea typeface="나눔고딕" panose="020D0604000000000000" pitchFamily="50" charset="-127"/>
-              </a:rPr>
-              <a:t>→ </a:t>
-            </a:r>
-            <a:r>
-              <a:rPr lang="en-US" altLang="ko-KR" sz="1100" b="1" dirty="0" err="1">
-                <a:solidFill>
-                  <a:schemeClr val="tx1"/>
-                </a:solidFill>
-                <a:latin typeface="나눔고딕" panose="020D0604000000000000" pitchFamily="50" charset="-127"/>
-                <a:ea typeface="나눔고딕" panose="020D0604000000000000" pitchFamily="50" charset="-127"/>
-              </a:rPr>
-              <a:t>side.jsp</a:t>
-            </a:r>
-            <a:r>
-              <a:rPr lang="ko-KR" altLang="en-US" sz="1100" b="1" dirty="0">
-                <a:solidFill>
-                  <a:schemeClr val="tx1"/>
-                </a:solidFill>
-                <a:latin typeface="나눔고딕" panose="020D0604000000000000" pitchFamily="50" charset="-127"/>
-                <a:ea typeface="나눔고딕" panose="020D0604000000000000" pitchFamily="50" charset="-127"/>
-              </a:rPr>
-              <a:t>에서 </a:t>
-            </a:r>
-            <a:r>
-              <a:rPr lang="en-US" altLang="ko-KR" sz="1100" b="1" dirty="0">
-                <a:solidFill>
-                  <a:schemeClr val="tx1"/>
-                </a:solidFill>
-                <a:latin typeface="나눔고딕" panose="020D0604000000000000" pitchFamily="50" charset="-127"/>
-                <a:ea typeface="나눔고딕" panose="020D0604000000000000" pitchFamily="50" charset="-127"/>
-              </a:rPr>
-              <a:t>setting </a:t>
-            </a:r>
-            <a:r>
-              <a:rPr lang="ko-KR" altLang="en-US" sz="1100" b="1" dirty="0">
-                <a:solidFill>
-                  <a:schemeClr val="tx1"/>
-                </a:solidFill>
-                <a:latin typeface="나눔고딕" panose="020D0604000000000000" pitchFamily="50" charset="-127"/>
-                <a:ea typeface="나눔고딕" panose="020D0604000000000000" pitchFamily="50" charset="-127"/>
-              </a:rPr>
-              <a:t>된 속성 화면에 구현</a:t>
-            </a:r>
-            <a:endParaRPr lang="en-US" altLang="ko-KR" sz="1100" b="1" dirty="0">
-              <a:solidFill>
-                <a:schemeClr val="tx1"/>
-              </a:solidFill>
-              <a:latin typeface="나눔고딕" panose="020D0604000000000000" pitchFamily="50" charset="-127"/>
-              <a:ea typeface="나눔고딕" panose="020D0604000000000000" pitchFamily="50" charset="-127"/>
-            </a:endParaRPr>
-          </a:p>
-          <a:p>
-            <a:pPr algn="ctr"/>
-            <a:r>
-              <a:rPr lang="ko-KR" altLang="en-US" sz="1100" b="1" dirty="0">
-                <a:solidFill>
-                  <a:schemeClr val="tx1"/>
-                </a:solidFill>
-                <a:latin typeface="나눔고딕" panose="020D0604000000000000" pitchFamily="50" charset="-127"/>
-                <a:ea typeface="나눔고딕" panose="020D0604000000000000" pitchFamily="50" charset="-127"/>
-              </a:rPr>
-              <a:t>→ 브라우저에서 </a:t>
-            </a:r>
-            <a:r>
-              <a:rPr lang="ko-KR" altLang="en-US" sz="1100" b="1" dirty="0">
-                <a:solidFill>
-                  <a:schemeClr val="tx1"/>
-                </a:solidFill>
-                <a:latin typeface="나눔고딕" panose="020D0604000000000000" pitchFamily="50" charset="-127"/>
-                <a:ea typeface="나눔고딕" panose="020D0604000000000000" pitchFamily="50" charset="-127"/>
-              </a:rPr>
-              <a:t>요청 한</a:t>
-            </a:r>
-            <a:r>
-              <a:rPr lang="en-US" altLang="ko-KR" sz="1100" b="1" dirty="0">
-                <a:solidFill>
-                  <a:schemeClr val="tx1"/>
-                </a:solidFill>
-                <a:latin typeface="나눔고딕" panose="020D0604000000000000" pitchFamily="50" charset="-127"/>
-                <a:ea typeface="나눔고딕" panose="020D0604000000000000" pitchFamily="50" charset="-127"/>
-              </a:rPr>
-              <a:t> </a:t>
-            </a:r>
-            <a:r>
-              <a:rPr lang="ko-KR" altLang="en-US" sz="1100" b="1" dirty="0">
-                <a:solidFill>
-                  <a:schemeClr val="tx1"/>
-                </a:solidFill>
-                <a:latin typeface="나눔고딕" panose="020D0604000000000000" pitchFamily="50" charset="-127"/>
-                <a:ea typeface="나눔고딕" panose="020D0604000000000000" pitchFamily="50" charset="-127"/>
-              </a:rPr>
-              <a:t>해당 </a:t>
-            </a:r>
-            <a:r>
-              <a:rPr lang="en-US" altLang="ko-KR" sz="1100" b="1" dirty="0">
-                <a:solidFill>
-                  <a:schemeClr val="tx1"/>
-                </a:solidFill>
-                <a:latin typeface="나눔고딕" panose="020D0604000000000000" pitchFamily="50" charset="-127"/>
-                <a:ea typeface="나눔고딕" panose="020D0604000000000000" pitchFamily="50" charset="-127"/>
-              </a:rPr>
-              <a:t>SQL</a:t>
-            </a:r>
-            <a:r>
-              <a:rPr lang="ko-KR" altLang="en-US" sz="1100" b="1" dirty="0">
-                <a:solidFill>
-                  <a:schemeClr val="tx1"/>
-                </a:solidFill>
-                <a:latin typeface="나눔고딕" panose="020D0604000000000000" pitchFamily="50" charset="-127"/>
-                <a:ea typeface="나눔고딕" panose="020D0604000000000000" pitchFamily="50" charset="-127"/>
-              </a:rPr>
-              <a:t>문 조회 </a:t>
-            </a:r>
-            <a:r>
-              <a:rPr lang="ko-KR" altLang="en-US" sz="1100" b="1" dirty="0" smtClean="0">
-                <a:solidFill>
-                  <a:schemeClr val="tx1"/>
-                </a:solidFill>
-                <a:latin typeface="나눔고딕" panose="020D0604000000000000" pitchFamily="50" charset="-127"/>
-                <a:ea typeface="나눔고딕" panose="020D0604000000000000" pitchFamily="50" charset="-127"/>
-              </a:rPr>
-              <a:t>하고 </a:t>
-            </a:r>
-            <a:r>
-              <a:rPr lang="en-US" altLang="ko-KR" sz="1100" b="1" dirty="0">
-                <a:solidFill>
-                  <a:schemeClr val="tx1"/>
-                </a:solidFill>
-                <a:latin typeface="나눔고딕" panose="020D0604000000000000" pitchFamily="50" charset="-127"/>
-                <a:ea typeface="나눔고딕" panose="020D0604000000000000" pitchFamily="50" charset="-127"/>
-              </a:rPr>
-              <a:t>Map</a:t>
-            </a:r>
-            <a:r>
-              <a:rPr lang="ko-KR" altLang="en-US" sz="1100" b="1" dirty="0">
-                <a:solidFill>
-                  <a:schemeClr val="tx1"/>
-                </a:solidFill>
-                <a:latin typeface="나눔고딕" panose="020D0604000000000000" pitchFamily="50" charset="-127"/>
-                <a:ea typeface="나눔고딕" panose="020D0604000000000000" pitchFamily="50" charset="-127"/>
-              </a:rPr>
-              <a:t>에 </a:t>
-            </a:r>
-            <a:r>
-              <a:rPr lang="ko-KR" altLang="en-US" sz="1100" b="1" dirty="0" smtClean="0">
-                <a:solidFill>
-                  <a:schemeClr val="tx1"/>
-                </a:solidFill>
-                <a:latin typeface="나눔고딕" panose="020D0604000000000000" pitchFamily="50" charset="-127"/>
-                <a:ea typeface="나눔고딕" panose="020D0604000000000000" pitchFamily="50" charset="-127"/>
-              </a:rPr>
-              <a:t>저장</a:t>
-            </a:r>
-            <a:endParaRPr lang="en-US" altLang="ko-KR" sz="1100" b="1" dirty="0">
-              <a:solidFill>
-                <a:schemeClr val="tx1"/>
-              </a:solidFill>
-              <a:latin typeface="나눔고딕" panose="020D0604000000000000" pitchFamily="50" charset="-127"/>
-              <a:ea typeface="나눔고딕" panose="020D0604000000000000" pitchFamily="50" charset="-127"/>
-            </a:endParaRPr>
-          </a:p>
-          <a:p>
-            <a:pPr algn="ctr"/>
-            <a:r>
-              <a:rPr lang="ko-KR" altLang="en-US" sz="1100" b="1" dirty="0">
-                <a:solidFill>
-                  <a:schemeClr val="tx1"/>
-                </a:solidFill>
-                <a:latin typeface="나눔고딕" panose="020D0604000000000000" pitchFamily="50" charset="-127"/>
-                <a:ea typeface="나눔고딕" panose="020D0604000000000000" pitchFamily="50" charset="-127"/>
-              </a:rPr>
-              <a:t>→ </a:t>
-            </a:r>
-            <a:r>
-              <a:rPr lang="en-US" altLang="ko-KR" sz="1100" b="1" dirty="0" err="1" smtClean="0">
-                <a:solidFill>
-                  <a:schemeClr val="tx1"/>
-                </a:solidFill>
-                <a:latin typeface="나눔고딕" panose="020D0604000000000000" pitchFamily="50" charset="-127"/>
-                <a:ea typeface="나눔고딕" panose="020D0604000000000000" pitchFamily="50" charset="-127"/>
-              </a:rPr>
-              <a:t>ModelAndView</a:t>
-            </a:r>
-            <a:r>
-              <a:rPr lang="ko-KR" altLang="en-US" sz="1100" b="1" dirty="0">
-                <a:solidFill>
-                  <a:schemeClr val="tx1"/>
-                </a:solidFill>
-                <a:latin typeface="나눔고딕" panose="020D0604000000000000" pitchFamily="50" charset="-127"/>
-                <a:ea typeface="나눔고딕" panose="020D0604000000000000" pitchFamily="50" charset="-127"/>
-              </a:rPr>
-              <a:t>를 사용 해 메인 페이지로 상품 정보를 전달</a:t>
-            </a:r>
-          </a:p>
-        </p:txBody>
-      </p:sp>
-      <p:sp>
-        <p:nvSpPr>
-          <p:cNvPr id="36" name="직사각형 35"/>
-          <p:cNvSpPr/>
-          <p:nvPr/>
-        </p:nvSpPr>
-        <p:spPr>
-          <a:xfrm>
-            <a:off x="2178992" y="4138611"/>
-            <a:ext cx="4116723" cy="728663"/>
-          </a:xfrm>
-          <a:prstGeom prst="rect">
-            <a:avLst/>
-          </a:prstGeom>
-          <a:noFill/>
-          <a:ln w="28575">
-            <a:solidFill>
-              <a:srgbClr val="FF0000"/>
-            </a:solidFill>
-            <a:prstDash val="sysDot"/>
-          </a:ln>
-        </p:spPr>
-        <p:style>
-          <a:lnRef idx="2">
-            <a:schemeClr val="accent1">
-              <a:shade val="50000"/>
-            </a:schemeClr>
-          </a:lnRef>
-          <a:fillRef idx="1">
-            <a:schemeClr val="accent1"/>
-          </a:fillRef>
-          <a:effectRef idx="0">
-            <a:schemeClr val="accent1"/>
-          </a:effectRef>
-          <a:fontRef idx="minor">
-            <a:schemeClr val="lt1"/>
-          </a:fontRef>
-        </p:style>
-        <p:txBody>
-          <a:bodyPr rtlCol="0" anchor="ctr"/>
-          <a:lstStyle/>
-          <a:p>
-            <a:pPr algn="ctr"/>
-            <a:endParaRPr lang="ko-KR" altLang="en-US"/>
-          </a:p>
-        </p:txBody>
-      </p:sp>
-      <p:cxnSp>
-        <p:nvCxnSpPr>
-          <p:cNvPr id="38" name="직선 연결선 37"/>
-          <p:cNvCxnSpPr/>
-          <p:nvPr/>
-        </p:nvCxnSpPr>
-        <p:spPr>
-          <a:xfrm>
-            <a:off x="5876925" y="4867274"/>
-            <a:ext cx="0" cy="1217222"/>
-          </a:xfrm>
-          <a:prstGeom prst="line">
-            <a:avLst/>
-          </a:prstGeom>
-          <a:ln w="28575">
-            <a:solidFill>
-              <a:srgbClr val="FF0000"/>
-            </a:solidFill>
-            <a:prstDash val="sysDot"/>
-          </a:ln>
-        </p:spPr>
-        <p:style>
-          <a:lnRef idx="1">
-            <a:schemeClr val="accent1"/>
-          </a:lnRef>
-          <a:fillRef idx="0">
-            <a:schemeClr val="accent1"/>
-          </a:fillRef>
-          <a:effectRef idx="0">
-            <a:schemeClr val="accent1"/>
-          </a:effectRef>
-          <a:fontRef idx="minor">
-            <a:schemeClr val="tx1"/>
-          </a:fontRef>
-        </p:style>
-      </p:cxnSp>
-      <p:cxnSp>
-        <p:nvCxnSpPr>
-          <p:cNvPr id="41" name="직선 화살표 연결선 40"/>
-          <p:cNvCxnSpPr>
-            <a:endCxn id="34" idx="3"/>
-          </p:cNvCxnSpPr>
-          <p:nvPr/>
-        </p:nvCxnSpPr>
-        <p:spPr>
-          <a:xfrm flipH="1">
-            <a:off x="5329536" y="6084496"/>
-            <a:ext cx="547390" cy="1"/>
-          </a:xfrm>
-          <a:prstGeom prst="straightConnector1">
-            <a:avLst/>
-          </a:prstGeom>
-          <a:ln w="28575">
-            <a:solidFill>
-              <a:srgbClr val="FF0000"/>
-            </a:solidFill>
-            <a:prstDash val="sysDot"/>
-            <a:tailEnd type="triangle"/>
-          </a:ln>
-        </p:spPr>
-        <p:style>
-          <a:lnRef idx="1">
-            <a:schemeClr val="accent1"/>
-          </a:lnRef>
-          <a:fillRef idx="0">
-            <a:schemeClr val="accent1"/>
-          </a:fillRef>
-          <a:effectRef idx="0">
-            <a:schemeClr val="accent1"/>
-          </a:effectRef>
-          <a:fontRef idx="minor">
-            <a:schemeClr val="tx1"/>
-          </a:fontRef>
-        </p:style>
-      </p:cxnSp>
-    </p:spTree>
-    <p:extLst>
-      <p:ext uri="{BB962C8B-B14F-4D97-AF65-F5344CB8AC3E}">
-        <p14:creationId xmlns:p14="http://schemas.microsoft.com/office/powerpoint/2010/main" val="3243663138"/>
       </p:ext>
     </p:extLst>
   </p:cSld>

--- a/쇼핑몰.pptx
+++ b/쇼핑몰.pptx
@@ -18,6 +18,7 @@
     <p:sldId id="265" r:id="rId12"/>
     <p:sldId id="266" r:id="rId13"/>
     <p:sldId id="268" r:id="rId14"/>
+    <p:sldId id="269" r:id="rId15"/>
   </p:sldIdLst>
   <p:sldSz cx="12192000" cy="6858000"/>
   <p:notesSz cx="6858000" cy="9144000"/>
@@ -324,7 +325,7 @@
           <a:p>
             <a:fld id="{48A87A34-81AB-432B-8DAE-1953F412C126}" type="datetimeFigureOut">
               <a:rPr lang="en-US" smtClean="0"/>
-              <a:t>10/1/2022</a:t>
+              <a:t>10/4/2022</a:t>
             </a:fld>
             <a:endParaRPr lang="en-US" dirty="0"/>
           </a:p>
@@ -663,7 +664,7 @@
             <a:fld id="{48A87A34-81AB-432B-8DAE-1953F412C126}" type="datetimeFigureOut">
               <a:rPr lang="en-US" smtClean="0"/>
               <a:pPr/>
-              <a:t>10/1/2022</a:t>
+              <a:t>10/4/2022</a:t>
             </a:fld>
             <a:endParaRPr lang="en-US" dirty="0"/>
           </a:p>
@@ -1066,7 +1067,7 @@
             <a:fld id="{48A87A34-81AB-432B-8DAE-1953F412C126}" type="datetimeFigureOut">
               <a:rPr lang="en-US" smtClean="0"/>
               <a:pPr/>
-              <a:t>10/1/2022</a:t>
+              <a:t>10/4/2022</a:t>
             </a:fld>
             <a:endParaRPr lang="en-US" dirty="0"/>
           </a:p>
@@ -1404,7 +1405,7 @@
             <a:fld id="{48A87A34-81AB-432B-8DAE-1953F412C126}" type="datetimeFigureOut">
               <a:rPr lang="en-US" smtClean="0"/>
               <a:pPr/>
-              <a:t>10/1/2022</a:t>
+              <a:t>10/4/2022</a:t>
             </a:fld>
             <a:endParaRPr lang="en-US" dirty="0"/>
           </a:p>
@@ -1726,7 +1727,7 @@
             <a:fld id="{48A87A34-81AB-432B-8DAE-1953F412C126}" type="datetimeFigureOut">
               <a:rPr lang="en-US" smtClean="0"/>
               <a:pPr/>
-              <a:t>10/1/2022</a:t>
+              <a:t>10/4/2022</a:t>
             </a:fld>
             <a:endParaRPr lang="en-US" dirty="0"/>
           </a:p>
@@ -2124,7 +2125,7 @@
             <a:fld id="{48A87A34-81AB-432B-8DAE-1953F412C126}" type="datetimeFigureOut">
               <a:rPr lang="en-US" smtClean="0"/>
               <a:pPr/>
-              <a:t>10/1/2022</a:t>
+              <a:t>10/4/2022</a:t>
             </a:fld>
             <a:endParaRPr lang="en-US" dirty="0"/>
           </a:p>
@@ -2382,7 +2383,7 @@
           <a:p>
             <a:fld id="{48A87A34-81AB-432B-8DAE-1953F412C126}" type="datetimeFigureOut">
               <a:rPr lang="en-US" smtClean="0"/>
-              <a:t>10/1/2022</a:t>
+              <a:t>10/4/2022</a:t>
             </a:fld>
             <a:endParaRPr lang="en-US" dirty="0"/>
           </a:p>
@@ -2645,7 +2646,7 @@
             <a:fld id="{48A87A34-81AB-432B-8DAE-1953F412C126}" type="datetimeFigureOut">
               <a:rPr lang="en-US" smtClean="0"/>
               <a:pPr/>
-              <a:t>10/1/2022</a:t>
+              <a:t>10/4/2022</a:t>
             </a:fld>
             <a:endParaRPr lang="en-US" dirty="0"/>
           </a:p>
@@ -2907,7 +2908,7 @@
           <a:p>
             <a:fld id="{48A87A34-81AB-432B-8DAE-1953F412C126}" type="datetimeFigureOut">
               <a:rPr lang="en-US" smtClean="0"/>
-              <a:t>10/1/2022</a:t>
+              <a:t>10/4/2022</a:t>
             </a:fld>
             <a:endParaRPr lang="en-US" dirty="0"/>
           </a:p>
@@ -3237,7 +3238,7 @@
             <a:fld id="{48A87A34-81AB-432B-8DAE-1953F412C126}" type="datetimeFigureOut">
               <a:rPr lang="en-US" smtClean="0"/>
               <a:pPr/>
-              <a:t>10/1/2022</a:t>
+              <a:t>10/4/2022</a:t>
             </a:fld>
             <a:endParaRPr lang="en-US" dirty="0"/>
           </a:p>
@@ -3560,7 +3561,7 @@
           <a:p>
             <a:fld id="{48A87A34-81AB-432B-8DAE-1953F412C126}" type="datetimeFigureOut">
               <a:rPr lang="en-US" smtClean="0"/>
-              <a:t>10/1/2022</a:t>
+              <a:t>10/4/2022</a:t>
             </a:fld>
             <a:endParaRPr lang="en-US" dirty="0"/>
           </a:p>
@@ -4017,7 +4018,7 @@
           <a:p>
             <a:fld id="{48A87A34-81AB-432B-8DAE-1953F412C126}" type="datetimeFigureOut">
               <a:rPr lang="en-US" smtClean="0"/>
-              <a:t>10/1/2022</a:t>
+              <a:t>10/4/2022</a:t>
             </a:fld>
             <a:endParaRPr lang="en-US" dirty="0"/>
           </a:p>
@@ -4222,7 +4223,7 @@
           <a:p>
             <a:fld id="{48A87A34-81AB-432B-8DAE-1953F412C126}" type="datetimeFigureOut">
               <a:rPr lang="en-US" smtClean="0"/>
-              <a:t>10/1/2022</a:t>
+              <a:t>10/4/2022</a:t>
             </a:fld>
             <a:endParaRPr lang="en-US" dirty="0"/>
           </a:p>
@@ -4399,7 +4400,7 @@
           <a:p>
             <a:fld id="{48A87A34-81AB-432B-8DAE-1953F412C126}" type="datetimeFigureOut">
               <a:rPr lang="en-US" smtClean="0"/>
-              <a:t>10/1/2022</a:t>
+              <a:t>10/4/2022</a:t>
             </a:fld>
             <a:endParaRPr lang="en-US" dirty="0"/>
           </a:p>
@@ -4732,7 +4733,7 @@
           <a:p>
             <a:fld id="{48A87A34-81AB-432B-8DAE-1953F412C126}" type="datetimeFigureOut">
               <a:rPr lang="en-US" smtClean="0"/>
-              <a:t>10/1/2022</a:t>
+              <a:t>10/4/2022</a:t>
             </a:fld>
             <a:endParaRPr lang="en-US" dirty="0"/>
           </a:p>
@@ -5077,7 +5078,7 @@
           <a:p>
             <a:fld id="{48A87A34-81AB-432B-8DAE-1953F412C126}" type="datetimeFigureOut">
               <a:rPr lang="en-US" smtClean="0"/>
-              <a:t>10/1/2022</a:t>
+              <a:t>10/4/2022</a:t>
             </a:fld>
             <a:endParaRPr lang="en-US" dirty="0"/>
           </a:p>
@@ -7195,7 +7196,7 @@
             <a:fld id="{48A87A34-81AB-432B-8DAE-1953F412C126}" type="datetimeFigureOut">
               <a:rPr lang="en-US" smtClean="0"/>
               <a:pPr/>
-              <a:t>10/1/2022</a:t>
+              <a:t>10/4/2022</a:t>
             </a:fld>
             <a:endParaRPr lang="en-US" dirty="0"/>
           </a:p>
@@ -7879,19 +7880,7 @@
                 <a:latin typeface="나눔고딕" panose="020D0604000000000000" pitchFamily="50" charset="-127"/>
                 <a:ea typeface="나눔고딕" panose="020D0604000000000000" pitchFamily="50" charset="-127"/>
               </a:rPr>
-              <a:t> </a:t>
-            </a:r>
-            <a:r>
-              <a:rPr lang="en-US" altLang="ko-KR" sz="2400" dirty="0" smtClean="0">
-                <a:ln w="12700">
-                  <a:solidFill>
-                    <a:sysClr val="windowText" lastClr="000000"/>
-                  </a:solidFill>
-                </a:ln>
-                <a:latin typeface="나눔고딕" panose="020D0604000000000000" pitchFamily="50" charset="-127"/>
-                <a:ea typeface="나눔고딕" panose="020D0604000000000000" pitchFamily="50" charset="-127"/>
-              </a:rPr>
-              <a:t>(</a:t>
+              <a:t> (</a:t>
             </a:r>
             <a:r>
               <a:rPr lang="ko-KR" altLang="en-US" sz="2400" dirty="0" smtClean="0">
@@ -7903,19 +7892,7 @@
                 <a:latin typeface="나눔고딕" panose="020D0604000000000000" pitchFamily="50" charset="-127"/>
                 <a:ea typeface="나눔고딕" panose="020D0604000000000000" pitchFamily="50" charset="-127"/>
               </a:rPr>
-              <a:t>메인 페이지 </a:t>
-            </a:r>
-            <a:r>
-              <a:rPr lang="ko-KR" altLang="en-US" sz="2400" dirty="0" smtClean="0">
-                <a:ln w="12700">
-                  <a:solidFill>
-                    <a:sysClr val="windowText" lastClr="000000"/>
-                  </a:solidFill>
-                </a:ln>
-                <a:latin typeface="나눔고딕" panose="020D0604000000000000" pitchFamily="50" charset="-127"/>
-                <a:ea typeface="나눔고딕" panose="020D0604000000000000" pitchFamily="50" charset="-127"/>
-              </a:rPr>
-              <a:t>소스</a:t>
+              <a:t>메인 페이지 소스</a:t>
             </a:r>
             <a:r>
               <a:rPr lang="en-US" altLang="ko-KR" sz="2400" dirty="0" smtClean="0">
@@ -8956,19 +8933,7 @@
                 <a:latin typeface="나눔고딕" panose="020D0604000000000000" pitchFamily="50" charset="-127"/>
                 <a:ea typeface="나눔고딕" panose="020D0604000000000000" pitchFamily="50" charset="-127"/>
               </a:rPr>
-              <a:t> </a:t>
-            </a:r>
-            <a:r>
-              <a:rPr lang="en-US" altLang="ko-KR" sz="2400" dirty="0" smtClean="0">
-                <a:ln w="12700">
-                  <a:solidFill>
-                    <a:sysClr val="windowText" lastClr="000000"/>
-                  </a:solidFill>
-                </a:ln>
-                <a:latin typeface="나눔고딕" panose="020D0604000000000000" pitchFamily="50" charset="-127"/>
-                <a:ea typeface="나눔고딕" panose="020D0604000000000000" pitchFamily="50" charset="-127"/>
-              </a:rPr>
-              <a:t>(</a:t>
+              <a:t> (</a:t>
             </a:r>
             <a:r>
               <a:rPr lang="ko-KR" altLang="en-US" sz="2400" dirty="0" smtClean="0">
@@ -8980,19 +8945,7 @@
                 <a:latin typeface="나눔고딕" panose="020D0604000000000000" pitchFamily="50" charset="-127"/>
                 <a:ea typeface="나눔고딕" panose="020D0604000000000000" pitchFamily="50" charset="-127"/>
               </a:rPr>
-              <a:t>메인 페이지 </a:t>
-            </a:r>
-            <a:r>
-              <a:rPr lang="ko-KR" altLang="en-US" sz="2400" dirty="0" smtClean="0">
-                <a:ln w="12700">
-                  <a:solidFill>
-                    <a:sysClr val="windowText" lastClr="000000"/>
-                  </a:solidFill>
-                </a:ln>
-                <a:latin typeface="나눔고딕" panose="020D0604000000000000" pitchFamily="50" charset="-127"/>
-                <a:ea typeface="나눔고딕" panose="020D0604000000000000" pitchFamily="50" charset="-127"/>
-              </a:rPr>
-              <a:t>실행 화면</a:t>
+              <a:t>메인 페이지 실행 화면</a:t>
             </a:r>
             <a:r>
               <a:rPr lang="en-US" altLang="ko-KR" sz="2400" dirty="0" smtClean="0">
@@ -9368,7 +9321,7 @@
             <a:solidFill>
               <a:srgbClr val="FF0000"/>
             </a:solidFill>
-            <a:prstDash val="sysDot"/>
+            <a:prstDash val="solid"/>
             <a:tailEnd type="triangle"/>
           </a:ln>
         </p:spPr>
@@ -9957,19 +9910,7 @@
                 <a:latin typeface="나눔고딕" panose="020D0604000000000000" pitchFamily="50" charset="-127"/>
                 <a:ea typeface="나눔고딕" panose="020D0604000000000000" pitchFamily="50" charset="-127"/>
               </a:rPr>
-              <a:t> </a:t>
-            </a:r>
-            <a:r>
-              <a:rPr lang="en-US" altLang="ko-KR" sz="2400" dirty="0" smtClean="0">
-                <a:ln w="12700">
-                  <a:solidFill>
-                    <a:sysClr val="windowText" lastClr="000000"/>
-                  </a:solidFill>
-                </a:ln>
-                <a:latin typeface="나눔고딕" panose="020D0604000000000000" pitchFamily="50" charset="-127"/>
-                <a:ea typeface="나눔고딕" panose="020D0604000000000000" pitchFamily="50" charset="-127"/>
-              </a:rPr>
-              <a:t>(</a:t>
+              <a:t> (</a:t>
             </a:r>
             <a:r>
               <a:rPr lang="ko-KR" altLang="en-US" sz="2400" dirty="0" smtClean="0">
@@ -9981,19 +9922,7 @@
                 <a:latin typeface="나눔고딕" panose="020D0604000000000000" pitchFamily="50" charset="-127"/>
                 <a:ea typeface="나눔고딕" panose="020D0604000000000000" pitchFamily="50" charset="-127"/>
               </a:rPr>
-              <a:t>메인 페이지 </a:t>
-            </a:r>
-            <a:r>
-              <a:rPr lang="ko-KR" altLang="en-US" sz="2400" dirty="0" smtClean="0">
-                <a:ln w="12700">
-                  <a:solidFill>
-                    <a:sysClr val="windowText" lastClr="000000"/>
-                  </a:solidFill>
-                </a:ln>
-                <a:latin typeface="나눔고딕" panose="020D0604000000000000" pitchFamily="50" charset="-127"/>
-                <a:ea typeface="나눔고딕" panose="020D0604000000000000" pitchFamily="50" charset="-127"/>
-              </a:rPr>
-              <a:t>실행 화면</a:t>
+              <a:t>메인 페이지 실행 화면</a:t>
             </a:r>
             <a:r>
               <a:rPr lang="en-US" altLang="ko-KR" sz="2400" dirty="0" smtClean="0">
@@ -10455,14 +10384,7 @@
                 <a:latin typeface="나눔고딕" panose="020D0604000000000000" pitchFamily="50" charset="-127"/>
                 <a:ea typeface="나눔고딕" panose="020D0604000000000000" pitchFamily="50" charset="-127"/>
               </a:rPr>
-              <a:t>태그에 상품정보를 </a:t>
-            </a:r>
-            <a:r>
-              <a:rPr lang="ko-KR" altLang="en-US" sz="1100" b="1" dirty="0" smtClean="0">
-                <a:latin typeface="나눔고딕" panose="020D0604000000000000" pitchFamily="50" charset="-127"/>
-                <a:ea typeface="나눔고딕" panose="020D0604000000000000" pitchFamily="50" charset="-127"/>
-              </a:rPr>
-              <a:t>저장</a:t>
+              <a:t>태그에 상품정보를 저장</a:t>
             </a:r>
             <a:endParaRPr lang="ko-KR" altLang="en-US" sz="1100" b="1" dirty="0">
               <a:latin typeface="나눔고딕" panose="020D0604000000000000" pitchFamily="50" charset="-127"/>
@@ -10579,6 +10501,611 @@
     <p:extLst>
       <p:ext uri="{BB962C8B-B14F-4D97-AF65-F5344CB8AC3E}">
         <p14:creationId xmlns:p14="http://schemas.microsoft.com/office/powerpoint/2010/main" val="1002599622"/>
+      </p:ext>
+    </p:extLst>
+  </p:cSld>
+  <p:clrMapOvr>
+    <a:masterClrMapping/>
+  </p:clrMapOvr>
+</p:sld>
+</file>
+
+<file path=ppt/slides/slide14.xml><?xml version="1.0" encoding="utf-8"?>
+<p:sld xmlns:a="http://schemas.openxmlformats.org/drawingml/2006/main" xmlns:r="http://schemas.openxmlformats.org/officeDocument/2006/relationships" xmlns:p="http://schemas.openxmlformats.org/presentationml/2006/main">
+  <p:cSld>
+    <p:spTree>
+      <p:nvGrpSpPr>
+        <p:cNvPr id="1" name=""/>
+        <p:cNvGrpSpPr/>
+        <p:nvPr/>
+      </p:nvGrpSpPr>
+      <p:grpSpPr>
+        <a:xfrm>
+          <a:off x="0" y="0"/>
+          <a:ext cx="0" cy="0"/>
+          <a:chOff x="0" y="0"/>
+          <a:chExt cx="0" cy="0"/>
+        </a:xfrm>
+      </p:grpSpPr>
+      <p:sp>
+        <p:nvSpPr>
+          <p:cNvPr id="4" name="TextBox 3"/>
+          <p:cNvSpPr txBox="1"/>
+          <p:nvPr/>
+        </p:nvSpPr>
+        <p:spPr>
+          <a:xfrm>
+            <a:off x="1609648" y="652588"/>
+            <a:ext cx="3892412" cy="646331"/>
+          </a:xfrm>
+          <a:prstGeom prst="rect">
+            <a:avLst/>
+          </a:prstGeom>
+          <a:noFill/>
+        </p:spPr>
+        <p:txBody>
+          <a:bodyPr wrap="none" rtlCol="0">
+            <a:spAutoFit/>
+          </a:bodyPr>
+          <a:lstStyle/>
+          <a:p>
+            <a:r>
+              <a:rPr lang="ko-KR" altLang="en-US" sz="3600" b="1" dirty="0" smtClean="0">
+                <a:ln w="12700">
+                  <a:solidFill>
+                    <a:sysClr val="windowText" lastClr="000000"/>
+                  </a:solidFill>
+                </a:ln>
+                <a:latin typeface="나눔고딕" panose="020D0604000000000000" pitchFamily="50" charset="-127"/>
+                <a:ea typeface="나눔고딕" panose="020D0604000000000000" pitchFamily="50" charset="-127"/>
+              </a:rPr>
+              <a:t>회원 기능</a:t>
+            </a:r>
+            <a:r>
+              <a:rPr lang="en-US" altLang="ko-KR" sz="2400" dirty="0" smtClean="0">
+                <a:ln w="12700">
+                  <a:solidFill>
+                    <a:sysClr val="windowText" lastClr="000000"/>
+                  </a:solidFill>
+                </a:ln>
+                <a:latin typeface="나눔고딕" panose="020D0604000000000000" pitchFamily="50" charset="-127"/>
+                <a:ea typeface="나눔고딕" panose="020D0604000000000000" pitchFamily="50" charset="-127"/>
+              </a:rPr>
+              <a:t> (</a:t>
+            </a:r>
+            <a:r>
+              <a:rPr lang="ko-KR" altLang="en-US" sz="2400" dirty="0" smtClean="0">
+                <a:ln w="12700">
+                  <a:solidFill>
+                    <a:sysClr val="windowText" lastClr="000000"/>
+                  </a:solidFill>
+                </a:ln>
+                <a:latin typeface="나눔고딕" panose="020D0604000000000000" pitchFamily="50" charset="-127"/>
+                <a:ea typeface="나눔고딕" panose="020D0604000000000000" pitchFamily="50" charset="-127"/>
+              </a:rPr>
+              <a:t>로그인 소스</a:t>
+            </a:r>
+            <a:r>
+              <a:rPr lang="en-US" altLang="ko-KR" sz="2400" dirty="0" smtClean="0">
+                <a:ln w="12700">
+                  <a:solidFill>
+                    <a:sysClr val="windowText" lastClr="000000"/>
+                  </a:solidFill>
+                </a:ln>
+                <a:latin typeface="나눔고딕" panose="020D0604000000000000" pitchFamily="50" charset="-127"/>
+                <a:ea typeface="나눔고딕" panose="020D0604000000000000" pitchFamily="50" charset="-127"/>
+              </a:rPr>
+              <a:t>)</a:t>
+            </a:r>
+            <a:endParaRPr lang="ko-KR" altLang="en-US" sz="3600" dirty="0">
+              <a:ln w="12700">
+                <a:solidFill>
+                  <a:sysClr val="windowText" lastClr="000000"/>
+                </a:solidFill>
+              </a:ln>
+              <a:latin typeface="나눔고딕" panose="020D0604000000000000" pitchFamily="50" charset="-127"/>
+              <a:ea typeface="나눔고딕" panose="020D0604000000000000" pitchFamily="50" charset="-127"/>
+            </a:endParaRPr>
+          </a:p>
+        </p:txBody>
+      </p:sp>
+      <p:pic>
+        <p:nvPicPr>
+          <p:cNvPr id="6" name="그림 5"/>
+          <p:cNvPicPr>
+            <a:picLocks noChangeAspect="1"/>
+          </p:cNvPicPr>
+          <p:nvPr/>
+        </p:nvPicPr>
+        <p:blipFill>
+          <a:blip r:embed="rId2"/>
+          <a:stretch>
+            <a:fillRect/>
+          </a:stretch>
+        </p:blipFill>
+        <p:spPr>
+          <a:xfrm>
+            <a:off x="1359824" y="1604789"/>
+            <a:ext cx="6629400" cy="3781425"/>
+          </a:xfrm>
+          <a:prstGeom prst="rect">
+            <a:avLst/>
+          </a:prstGeom>
+          <a:ln w="28575">
+            <a:solidFill>
+              <a:srgbClr val="FF0000"/>
+            </a:solidFill>
+          </a:ln>
+        </p:spPr>
+      </p:pic>
+      <p:sp>
+        <p:nvSpPr>
+          <p:cNvPr id="8" name="직사각형 7"/>
+          <p:cNvSpPr/>
+          <p:nvPr/>
+        </p:nvSpPr>
+        <p:spPr>
+          <a:xfrm>
+            <a:off x="1673195" y="2335876"/>
+            <a:ext cx="2789266" cy="149629"/>
+          </a:xfrm>
+          <a:prstGeom prst="rect">
+            <a:avLst/>
+          </a:prstGeom>
+          <a:noFill/>
+          <a:ln w="28575">
+            <a:solidFill>
+              <a:srgbClr val="FF0000"/>
+            </a:solidFill>
+            <a:prstDash val="sysDot"/>
+          </a:ln>
+        </p:spPr>
+        <p:style>
+          <a:lnRef idx="2">
+            <a:schemeClr val="accent1">
+              <a:shade val="50000"/>
+            </a:schemeClr>
+          </a:lnRef>
+          <a:fillRef idx="1">
+            <a:schemeClr val="accent1"/>
+          </a:fillRef>
+          <a:effectRef idx="0">
+            <a:schemeClr val="accent1"/>
+          </a:effectRef>
+          <a:fontRef idx="minor">
+            <a:schemeClr val="lt1"/>
+          </a:fontRef>
+        </p:style>
+        <p:txBody>
+          <a:bodyPr rtlCol="0" anchor="ctr"/>
+          <a:lstStyle/>
+          <a:p>
+            <a:pPr algn="ctr"/>
+            <a:endParaRPr lang="ko-KR" altLang="en-US"/>
+          </a:p>
+        </p:txBody>
+      </p:sp>
+      <p:pic>
+        <p:nvPicPr>
+          <p:cNvPr id="9" name="그림 8"/>
+          <p:cNvPicPr>
+            <a:picLocks noChangeAspect="1"/>
+          </p:cNvPicPr>
+          <p:nvPr/>
+        </p:nvPicPr>
+        <p:blipFill rotWithShape="1">
+          <a:blip r:embed="rId3"/>
+          <a:srcRect l="10369" t="20716"/>
+          <a:stretch/>
+        </p:blipFill>
+        <p:spPr>
+          <a:xfrm>
+            <a:off x="5857094" y="1716630"/>
+            <a:ext cx="5088246" cy="1238491"/>
+          </a:xfrm>
+          <a:prstGeom prst="rect">
+            <a:avLst/>
+          </a:prstGeom>
+          <a:ln w="28575">
+            <a:solidFill>
+              <a:srgbClr val="FF0000"/>
+            </a:solidFill>
+          </a:ln>
+        </p:spPr>
+      </p:pic>
+      <p:cxnSp>
+        <p:nvCxnSpPr>
+          <p:cNvPr id="12" name="직선 화살표 연결선 11"/>
+          <p:cNvCxnSpPr>
+            <a:stCxn id="8" idx="0"/>
+            <a:endCxn id="23" idx="2"/>
+          </p:cNvCxnSpPr>
+          <p:nvPr/>
+        </p:nvCxnSpPr>
+        <p:spPr>
+          <a:xfrm flipV="1">
+            <a:off x="3067828" y="2099310"/>
+            <a:ext cx="236092" cy="236566"/>
+          </a:xfrm>
+          <a:prstGeom prst="straightConnector1">
+            <a:avLst/>
+          </a:prstGeom>
+          <a:ln w="28575">
+            <a:solidFill>
+              <a:srgbClr val="FF0000"/>
+            </a:solidFill>
+            <a:tailEnd type="triangle"/>
+          </a:ln>
+        </p:spPr>
+        <p:style>
+          <a:lnRef idx="1">
+            <a:schemeClr val="accent1"/>
+          </a:lnRef>
+          <a:fillRef idx="0">
+            <a:schemeClr val="accent1"/>
+          </a:fillRef>
+          <a:effectRef idx="0">
+            <a:schemeClr val="accent1"/>
+          </a:effectRef>
+          <a:fontRef idx="minor">
+            <a:schemeClr val="tx1"/>
+          </a:fontRef>
+        </p:style>
+      </p:cxnSp>
+      <p:sp>
+        <p:nvSpPr>
+          <p:cNvPr id="23" name="TextBox 22">
+            <a:extLst>
+              <a:ext uri="{FF2B5EF4-FFF2-40B4-BE49-F238E27FC236}">
+                <a16:creationId xmlns:a16="http://schemas.microsoft.com/office/drawing/2014/main" id="{A817718E-AE2D-4626-A2EC-F35A9ACE9710}"/>
+              </a:ext>
+            </a:extLst>
+          </p:cNvPr>
+          <p:cNvSpPr txBox="1"/>
+          <p:nvPr/>
+        </p:nvSpPr>
+        <p:spPr>
+          <a:xfrm>
+            <a:off x="2137574" y="1837700"/>
+            <a:ext cx="2332691" cy="261610"/>
+          </a:xfrm>
+          <a:prstGeom prst="rect">
+            <a:avLst/>
+          </a:prstGeom>
+          <a:ln w="28575">
+            <a:solidFill>
+              <a:srgbClr val="FF0000"/>
+            </a:solidFill>
+          </a:ln>
+        </p:spPr>
+        <p:style>
+          <a:lnRef idx="2">
+            <a:schemeClr val="accent6"/>
+          </a:lnRef>
+          <a:fillRef idx="1">
+            <a:schemeClr val="lt1"/>
+          </a:fillRef>
+          <a:effectRef idx="0">
+            <a:schemeClr val="accent6"/>
+          </a:effectRef>
+          <a:fontRef idx="minor">
+            <a:schemeClr val="dk1"/>
+          </a:fontRef>
+        </p:style>
+        <p:txBody>
+          <a:bodyPr wrap="none" rtlCol="0">
+            <a:spAutoFit/>
+          </a:bodyPr>
+          <a:lstStyle/>
+          <a:p>
+            <a:pPr algn="ctr"/>
+            <a:r>
+              <a:rPr lang="ko-KR" altLang="en-US" sz="1100" b="1" dirty="0" smtClean="0">
+                <a:latin typeface="나눔고딕" panose="020D0604000000000000" pitchFamily="50" charset="-127"/>
+                <a:ea typeface="나눔고딕" panose="020D0604000000000000" pitchFamily="50" charset="-127"/>
+              </a:rPr>
+              <a:t>아이디와 비밀번호를 </a:t>
+            </a:r>
+            <a:r>
+              <a:rPr lang="en-US" altLang="ko-KR" sz="1100" b="1" dirty="0" smtClean="0">
+                <a:latin typeface="나눔고딕" panose="020D0604000000000000" pitchFamily="50" charset="-127"/>
+                <a:ea typeface="나눔고딕" panose="020D0604000000000000" pitchFamily="50" charset="-127"/>
+              </a:rPr>
+              <a:t>Map</a:t>
+            </a:r>
+            <a:r>
+              <a:rPr lang="ko-KR" altLang="en-US" sz="1100" b="1" dirty="0" smtClean="0">
+                <a:latin typeface="나눔고딕" panose="020D0604000000000000" pitchFamily="50" charset="-127"/>
+                <a:ea typeface="나눔고딕" panose="020D0604000000000000" pitchFamily="50" charset="-127"/>
+              </a:rPr>
+              <a:t>으로 저장</a:t>
+            </a:r>
+            <a:endParaRPr lang="ko-KR" altLang="en-US" sz="1100" b="1" dirty="0">
+              <a:latin typeface="나눔고딕" panose="020D0604000000000000" pitchFamily="50" charset="-127"/>
+              <a:ea typeface="나눔고딕" panose="020D0604000000000000" pitchFamily="50" charset="-127"/>
+            </a:endParaRPr>
+          </a:p>
+        </p:txBody>
+      </p:sp>
+      <p:sp>
+        <p:nvSpPr>
+          <p:cNvPr id="22" name="오른쪽 화살표 21"/>
+          <p:cNvSpPr/>
+          <p:nvPr/>
+        </p:nvSpPr>
+        <p:spPr>
+          <a:xfrm>
+            <a:off x="4832495" y="2081385"/>
+            <a:ext cx="718191" cy="508982"/>
+          </a:xfrm>
+          <a:prstGeom prst="rightArrow">
+            <a:avLst/>
+          </a:prstGeom>
+          <a:solidFill>
+            <a:srgbClr val="FF0000"/>
+          </a:solidFill>
+          <a:ln>
+            <a:solidFill>
+              <a:srgbClr val="FF0000"/>
+            </a:solidFill>
+          </a:ln>
+        </p:spPr>
+        <p:style>
+          <a:lnRef idx="2">
+            <a:schemeClr val="accent1">
+              <a:shade val="50000"/>
+            </a:schemeClr>
+          </a:lnRef>
+          <a:fillRef idx="1">
+            <a:schemeClr val="accent1"/>
+          </a:fillRef>
+          <a:effectRef idx="0">
+            <a:schemeClr val="accent1"/>
+          </a:effectRef>
+          <a:fontRef idx="minor">
+            <a:schemeClr val="lt1"/>
+          </a:fontRef>
+        </p:style>
+        <p:txBody>
+          <a:bodyPr rtlCol="0" anchor="ctr"/>
+          <a:lstStyle/>
+          <a:p>
+            <a:pPr algn="ctr"/>
+            <a:endParaRPr lang="ko-KR" altLang="en-US"/>
+          </a:p>
+        </p:txBody>
+      </p:sp>
+      <p:sp>
+        <p:nvSpPr>
+          <p:cNvPr id="31" name="TextBox 30">
+            <a:extLst>
+              <a:ext uri="{FF2B5EF4-FFF2-40B4-BE49-F238E27FC236}">
+                <a16:creationId xmlns:a16="http://schemas.microsoft.com/office/drawing/2014/main" id="{A817718E-AE2D-4626-A2EC-F35A9ACE9710}"/>
+              </a:ext>
+            </a:extLst>
+          </p:cNvPr>
+          <p:cNvSpPr txBox="1"/>
+          <p:nvPr/>
+        </p:nvSpPr>
+        <p:spPr>
+          <a:xfrm>
+            <a:off x="7616357" y="2739677"/>
+            <a:ext cx="3142207" cy="430887"/>
+          </a:xfrm>
+          <a:prstGeom prst="rect">
+            <a:avLst/>
+          </a:prstGeom>
+          <a:ln w="28575">
+            <a:solidFill>
+              <a:srgbClr val="FF0000"/>
+            </a:solidFill>
+          </a:ln>
+        </p:spPr>
+        <p:style>
+          <a:lnRef idx="2">
+            <a:schemeClr val="accent6"/>
+          </a:lnRef>
+          <a:fillRef idx="1">
+            <a:schemeClr val="lt1"/>
+          </a:fillRef>
+          <a:effectRef idx="0">
+            <a:schemeClr val="accent6"/>
+          </a:effectRef>
+          <a:fontRef idx="minor">
+            <a:schemeClr val="dk1"/>
+          </a:fontRef>
+        </p:style>
+        <p:txBody>
+          <a:bodyPr wrap="none" rtlCol="0">
+            <a:spAutoFit/>
+          </a:bodyPr>
+          <a:lstStyle/>
+          <a:p>
+            <a:pPr algn="ctr"/>
+            <a:r>
+              <a:rPr lang="en-US" altLang="ko-KR" sz="1100" b="1" dirty="0" smtClean="0">
+                <a:latin typeface="나눔고딕" panose="020D0604000000000000" pitchFamily="50" charset="-127"/>
+                <a:ea typeface="나눔고딕" panose="020D0604000000000000" pitchFamily="50" charset="-127"/>
+              </a:rPr>
+              <a:t>Map</a:t>
+            </a:r>
+            <a:r>
+              <a:rPr lang="ko-KR" altLang="en-US" sz="1100" b="1" dirty="0" smtClean="0">
+                <a:latin typeface="나눔고딕" panose="020D0604000000000000" pitchFamily="50" charset="-127"/>
+                <a:ea typeface="나눔고딕" panose="020D0604000000000000" pitchFamily="50" charset="-127"/>
+              </a:rPr>
+              <a:t>에 저장된 아이디와 비밀번호를</a:t>
+            </a:r>
+            <a:endParaRPr lang="en-US" altLang="ko-KR" sz="1100" b="1" dirty="0" smtClean="0">
+              <a:latin typeface="나눔고딕" panose="020D0604000000000000" pitchFamily="50" charset="-127"/>
+              <a:ea typeface="나눔고딕" panose="020D0604000000000000" pitchFamily="50" charset="-127"/>
+            </a:endParaRPr>
+          </a:p>
+          <a:p>
+            <a:pPr algn="ctr"/>
+            <a:r>
+              <a:rPr lang="en-US" altLang="ko-KR" sz="1100" b="1" dirty="0" smtClean="0">
+                <a:latin typeface="나눔고딕" panose="020D0604000000000000" pitchFamily="50" charset="-127"/>
+                <a:ea typeface="나눔고딕" panose="020D0604000000000000" pitchFamily="50" charset="-127"/>
+              </a:rPr>
+              <a:t>Mapper</a:t>
+            </a:r>
+            <a:r>
+              <a:rPr lang="ko-KR" altLang="en-US" sz="1100" b="1" dirty="0" smtClean="0">
+                <a:latin typeface="나눔고딕" panose="020D0604000000000000" pitchFamily="50" charset="-127"/>
+                <a:ea typeface="나눔고딕" panose="020D0604000000000000" pitchFamily="50" charset="-127"/>
+              </a:rPr>
+              <a:t>의 </a:t>
+            </a:r>
+            <a:r>
+              <a:rPr lang="en-US" altLang="ko-KR" sz="1100" b="1" dirty="0" smtClean="0">
+                <a:latin typeface="나눔고딕" panose="020D0604000000000000" pitchFamily="50" charset="-127"/>
+                <a:ea typeface="나눔고딕" panose="020D0604000000000000" pitchFamily="50" charset="-127"/>
+              </a:rPr>
+              <a:t>Member.xml </a:t>
+            </a:r>
+            <a:r>
+              <a:rPr lang="ko-KR" altLang="en-US" sz="1100" b="1" dirty="0" smtClean="0">
+                <a:latin typeface="나눔고딕" panose="020D0604000000000000" pitchFamily="50" charset="-127"/>
+                <a:ea typeface="나눔고딕" panose="020D0604000000000000" pitchFamily="50" charset="-127"/>
+              </a:rPr>
+              <a:t>내부에 </a:t>
+            </a:r>
+            <a:r>
+              <a:rPr lang="en-US" altLang="ko-KR" sz="1100" b="1" dirty="0" smtClean="0">
+                <a:latin typeface="나눔고딕" panose="020D0604000000000000" pitchFamily="50" charset="-127"/>
+                <a:ea typeface="나눔고딕" panose="020D0604000000000000" pitchFamily="50" charset="-127"/>
+              </a:rPr>
+              <a:t>SQL</a:t>
+            </a:r>
+            <a:r>
+              <a:rPr lang="ko-KR" altLang="en-US" sz="1100" b="1" dirty="0" smtClean="0">
+                <a:latin typeface="나눔고딕" panose="020D0604000000000000" pitchFamily="50" charset="-127"/>
+                <a:ea typeface="나눔고딕" panose="020D0604000000000000" pitchFamily="50" charset="-127"/>
+              </a:rPr>
+              <a:t>문으로 전달</a:t>
+            </a:r>
+            <a:endParaRPr lang="ko-KR" altLang="en-US" sz="1100" b="1" dirty="0">
+              <a:latin typeface="나눔고딕" panose="020D0604000000000000" pitchFamily="50" charset="-127"/>
+              <a:ea typeface="나눔고딕" panose="020D0604000000000000" pitchFamily="50" charset="-127"/>
+            </a:endParaRPr>
+          </a:p>
+        </p:txBody>
+      </p:sp>
+      <p:sp>
+        <p:nvSpPr>
+          <p:cNvPr id="27" name="직사각형 26"/>
+          <p:cNvSpPr/>
+          <p:nvPr/>
+        </p:nvSpPr>
+        <p:spPr>
+          <a:xfrm>
+            <a:off x="6425738" y="2056446"/>
+            <a:ext cx="2161309" cy="467679"/>
+          </a:xfrm>
+          <a:prstGeom prst="rect">
+            <a:avLst/>
+          </a:prstGeom>
+          <a:noFill/>
+          <a:ln w="28575">
+            <a:solidFill>
+              <a:srgbClr val="FF0000"/>
+            </a:solidFill>
+            <a:prstDash val="sysDot"/>
+          </a:ln>
+        </p:spPr>
+        <p:style>
+          <a:lnRef idx="2">
+            <a:schemeClr val="accent1">
+              <a:shade val="50000"/>
+            </a:schemeClr>
+          </a:lnRef>
+          <a:fillRef idx="1">
+            <a:schemeClr val="accent1"/>
+          </a:fillRef>
+          <a:effectRef idx="0">
+            <a:schemeClr val="accent1"/>
+          </a:effectRef>
+          <a:fontRef idx="minor">
+            <a:schemeClr val="lt1"/>
+          </a:fontRef>
+        </p:style>
+        <p:txBody>
+          <a:bodyPr rtlCol="0" anchor="ctr"/>
+          <a:lstStyle/>
+          <a:p>
+            <a:pPr algn="ctr"/>
+            <a:endParaRPr lang="ko-KR" altLang="en-US"/>
+          </a:p>
+        </p:txBody>
+      </p:sp>
+      <p:cxnSp>
+        <p:nvCxnSpPr>
+          <p:cNvPr id="32" name="직선 화살표 연결선 31"/>
+          <p:cNvCxnSpPr>
+            <a:stCxn id="27" idx="3"/>
+            <a:endCxn id="31" idx="0"/>
+          </p:cNvCxnSpPr>
+          <p:nvPr/>
+        </p:nvCxnSpPr>
+        <p:spPr>
+          <a:xfrm>
+            <a:off x="8587047" y="2290286"/>
+            <a:ext cx="600414" cy="449391"/>
+          </a:xfrm>
+          <a:prstGeom prst="straightConnector1">
+            <a:avLst/>
+          </a:prstGeom>
+          <a:ln w="28575">
+            <a:solidFill>
+              <a:srgbClr val="FF0000"/>
+            </a:solidFill>
+            <a:tailEnd type="triangle"/>
+          </a:ln>
+        </p:spPr>
+        <p:style>
+          <a:lnRef idx="1">
+            <a:schemeClr val="accent1"/>
+          </a:lnRef>
+          <a:fillRef idx="0">
+            <a:schemeClr val="accent1"/>
+          </a:fillRef>
+          <a:effectRef idx="0">
+            <a:schemeClr val="accent1"/>
+          </a:effectRef>
+          <a:fontRef idx="minor">
+            <a:schemeClr val="tx1"/>
+          </a:fontRef>
+        </p:style>
+      </p:cxnSp>
+      <p:pic>
+        <p:nvPicPr>
+          <p:cNvPr id="35" name="그림 34"/>
+          <p:cNvPicPr>
+            <a:picLocks noChangeAspect="1"/>
+          </p:cNvPicPr>
+          <p:nvPr/>
+        </p:nvPicPr>
+        <p:blipFill>
+          <a:blip r:embed="rId4"/>
+          <a:stretch>
+            <a:fillRect/>
+          </a:stretch>
+        </p:blipFill>
+        <p:spPr>
+          <a:xfrm>
+            <a:off x="5239869" y="2485505"/>
+            <a:ext cx="4752975" cy="4343400"/>
+          </a:xfrm>
+          <a:prstGeom prst="rect">
+            <a:avLst/>
+          </a:prstGeom>
+        </p:spPr>
+      </p:pic>
+    </p:spTree>
+    <p:extLst>
+      <p:ext uri="{BB962C8B-B14F-4D97-AF65-F5344CB8AC3E}">
+        <p14:creationId xmlns:p14="http://schemas.microsoft.com/office/powerpoint/2010/main" val="1176671135"/>
       </p:ext>
     </p:extLst>
   </p:cSld>
@@ -12065,19 +12592,7 @@
                 <a:latin typeface="나눔고딕" panose="020D0604000000000000" pitchFamily="50" charset="-127"/>
                 <a:ea typeface="나눔고딕" panose="020D0604000000000000" pitchFamily="50" charset="-127"/>
               </a:rPr>
-              <a:t>페이지 구성 </a:t>
-            </a:r>
-            <a:r>
-              <a:rPr lang="ko-KR" altLang="en-US" sz="3600" b="1" dirty="0" smtClean="0">
-                <a:ln w="12700">
-                  <a:solidFill>
-                    <a:sysClr val="windowText" lastClr="000000"/>
-                  </a:solidFill>
-                </a:ln>
-                <a:latin typeface="나눔고딕" panose="020D0604000000000000" pitchFamily="50" charset="-127"/>
-                <a:ea typeface="나눔고딕" panose="020D0604000000000000" pitchFamily="50" charset="-127"/>
-              </a:rPr>
-              <a:t>요소</a:t>
+              <a:t>페이지 구성 요소</a:t>
             </a:r>
             <a:r>
               <a:rPr lang="en-US" altLang="ko-KR" sz="2400" dirty="0" smtClean="0">
@@ -12233,7 +12748,7 @@
         </p:nvSpPr>
         <p:spPr>
           <a:xfrm>
-            <a:off x="5469774" y="2452620"/>
+            <a:off x="5478087" y="2444307"/>
             <a:ext cx="4854633" cy="149629"/>
           </a:xfrm>
           <a:prstGeom prst="rect">
@@ -12558,7 +13073,7 @@
         <p:spPr>
           <a:xfrm flipV="1">
             <a:off x="7417196" y="3779609"/>
-            <a:ext cx="559406" cy="225406"/>
+            <a:ext cx="559406" cy="102435"/>
           </a:xfrm>
           <a:prstGeom prst="straightConnector1">
             <a:avLst/>
@@ -12647,7 +13162,7 @@
         </p:nvSpPr>
         <p:spPr>
           <a:xfrm>
-            <a:off x="7972986" y="5035068"/>
+            <a:off x="7972986" y="5051694"/>
             <a:ext cx="3038011" cy="600164"/>
           </a:xfrm>
           <a:prstGeom prst="rect">
@@ -12713,14 +13228,7 @@
                 <a:latin typeface="나눔고딕" panose="020D0604000000000000" pitchFamily="50" charset="-127"/>
                 <a:ea typeface="나눔고딕" panose="020D0604000000000000" pitchFamily="50" charset="-127"/>
               </a:rPr>
-              <a:t>p</a:t>
-            </a:r>
-            <a:r>
-              <a:rPr lang="en-US" altLang="ko-KR" sz="1100" b="1" dirty="0" smtClean="0">
-                <a:latin typeface="나눔고딕" panose="020D0604000000000000" pitchFamily="50" charset="-127"/>
-                <a:ea typeface="나눔고딕" panose="020D0604000000000000" pitchFamily="50" charset="-127"/>
-              </a:rPr>
-              <a:t>om.xml</a:t>
+              <a:t>pom.xml</a:t>
             </a:r>
             <a:r>
               <a:rPr lang="ko-KR" altLang="en-US" sz="1100" b="1" dirty="0" smtClean="0">
@@ -12769,14 +13277,7 @@
                 <a:latin typeface="나눔고딕" panose="020D0604000000000000" pitchFamily="50" charset="-127"/>
                 <a:ea typeface="나눔고딕" panose="020D0604000000000000" pitchFamily="50" charset="-127"/>
               </a:rPr>
-              <a:t>Ex) </a:t>
-            </a:r>
-            <a:r>
-              <a:rPr lang="en-US" altLang="ko-KR" sz="1100" b="1" dirty="0" smtClean="0">
-                <a:latin typeface="나눔고딕" panose="020D0604000000000000" pitchFamily="50" charset="-127"/>
-                <a:ea typeface="나눔고딕" panose="020D0604000000000000" pitchFamily="50" charset="-127"/>
-              </a:rPr>
-              <a:t>Servlet, </a:t>
+              <a:t>Ex) Servlet, </a:t>
             </a:r>
             <a:r>
               <a:rPr lang="en-US" altLang="ko-KR" sz="1100" b="1" dirty="0" err="1" smtClean="0">
@@ -13955,7 +14456,7 @@
             <a:solidFill>
               <a:srgbClr val="FF0000"/>
             </a:solidFill>
-            <a:prstDash val="sysDot"/>
+            <a:prstDash val="solid"/>
             <a:tailEnd type="triangle"/>
           </a:ln>
         </p:spPr>
@@ -14273,7 +14774,7 @@
             <a:solidFill>
               <a:srgbClr val="FF0000"/>
             </a:solidFill>
-            <a:prstDash val="sysDot"/>
+            <a:prstDash val="solid"/>
             <a:tailEnd type="triangle"/>
           </a:ln>
         </p:spPr>
@@ -14606,7 +15107,7 @@
             <a:solidFill>
               <a:srgbClr val="FF0000"/>
             </a:solidFill>
-            <a:prstDash val="sysDot"/>
+            <a:prstDash val="solid"/>
             <a:tailEnd type="triangle"/>
           </a:ln>
         </p:spPr>

--- a/쇼핑몰.pptx
+++ b/쇼핑몰.pptx
@@ -16,19 +16,20 @@
     <p:sldId id="275" r:id="rId10"/>
     <p:sldId id="276" r:id="rId11"/>
     <p:sldId id="258" r:id="rId12"/>
-    <p:sldId id="278" r:id="rId13"/>
-    <p:sldId id="280" r:id="rId14"/>
-    <p:sldId id="279" r:id="rId15"/>
-    <p:sldId id="259" r:id="rId16"/>
-    <p:sldId id="260" r:id="rId17"/>
-    <p:sldId id="261" r:id="rId18"/>
-    <p:sldId id="262" r:id="rId19"/>
-    <p:sldId id="263" r:id="rId20"/>
-    <p:sldId id="264" r:id="rId21"/>
-    <p:sldId id="265" r:id="rId22"/>
-    <p:sldId id="266" r:id="rId23"/>
-    <p:sldId id="268" r:id="rId24"/>
-    <p:sldId id="269" r:id="rId25"/>
+    <p:sldId id="279" r:id="rId13"/>
+    <p:sldId id="278" r:id="rId14"/>
+    <p:sldId id="280" r:id="rId15"/>
+    <p:sldId id="281" r:id="rId16"/>
+    <p:sldId id="259" r:id="rId17"/>
+    <p:sldId id="260" r:id="rId18"/>
+    <p:sldId id="261" r:id="rId19"/>
+    <p:sldId id="262" r:id="rId20"/>
+    <p:sldId id="263" r:id="rId21"/>
+    <p:sldId id="264" r:id="rId22"/>
+    <p:sldId id="265" r:id="rId23"/>
+    <p:sldId id="266" r:id="rId24"/>
+    <p:sldId id="268" r:id="rId25"/>
+    <p:sldId id="269" r:id="rId26"/>
   </p:sldIdLst>
   <p:sldSz cx="12192000" cy="6858000"/>
   <p:notesSz cx="6858000" cy="9144000"/>
@@ -335,7 +336,7 @@
           <a:p>
             <a:fld id="{48A87A34-81AB-432B-8DAE-1953F412C126}" type="datetimeFigureOut">
               <a:rPr lang="en-US" smtClean="0"/>
-              <a:t>10/6/2022</a:t>
+              <a:t>10/7/2022</a:t>
             </a:fld>
             <a:endParaRPr lang="en-US" dirty="0"/>
           </a:p>
@@ -674,7 +675,7 @@
             <a:fld id="{48A87A34-81AB-432B-8DAE-1953F412C126}" type="datetimeFigureOut">
               <a:rPr lang="en-US" smtClean="0"/>
               <a:pPr/>
-              <a:t>10/6/2022</a:t>
+              <a:t>10/7/2022</a:t>
             </a:fld>
             <a:endParaRPr lang="en-US" dirty="0"/>
           </a:p>
@@ -1077,7 +1078,7 @@
             <a:fld id="{48A87A34-81AB-432B-8DAE-1953F412C126}" type="datetimeFigureOut">
               <a:rPr lang="en-US" smtClean="0"/>
               <a:pPr/>
-              <a:t>10/6/2022</a:t>
+              <a:t>10/7/2022</a:t>
             </a:fld>
             <a:endParaRPr lang="en-US" dirty="0"/>
           </a:p>
@@ -1415,7 +1416,7 @@
             <a:fld id="{48A87A34-81AB-432B-8DAE-1953F412C126}" type="datetimeFigureOut">
               <a:rPr lang="en-US" smtClean="0"/>
               <a:pPr/>
-              <a:t>10/6/2022</a:t>
+              <a:t>10/7/2022</a:t>
             </a:fld>
             <a:endParaRPr lang="en-US" dirty="0"/>
           </a:p>
@@ -1737,7 +1738,7 @@
             <a:fld id="{48A87A34-81AB-432B-8DAE-1953F412C126}" type="datetimeFigureOut">
               <a:rPr lang="en-US" smtClean="0"/>
               <a:pPr/>
-              <a:t>10/6/2022</a:t>
+              <a:t>10/7/2022</a:t>
             </a:fld>
             <a:endParaRPr lang="en-US" dirty="0"/>
           </a:p>
@@ -2135,7 +2136,7 @@
             <a:fld id="{48A87A34-81AB-432B-8DAE-1953F412C126}" type="datetimeFigureOut">
               <a:rPr lang="en-US" smtClean="0"/>
               <a:pPr/>
-              <a:t>10/6/2022</a:t>
+              <a:t>10/7/2022</a:t>
             </a:fld>
             <a:endParaRPr lang="en-US" dirty="0"/>
           </a:p>
@@ -2393,7 +2394,7 @@
           <a:p>
             <a:fld id="{48A87A34-81AB-432B-8DAE-1953F412C126}" type="datetimeFigureOut">
               <a:rPr lang="en-US" smtClean="0"/>
-              <a:t>10/6/2022</a:t>
+              <a:t>10/7/2022</a:t>
             </a:fld>
             <a:endParaRPr lang="en-US" dirty="0"/>
           </a:p>
@@ -2656,7 +2657,7 @@
             <a:fld id="{48A87A34-81AB-432B-8DAE-1953F412C126}" type="datetimeFigureOut">
               <a:rPr lang="en-US" smtClean="0"/>
               <a:pPr/>
-              <a:t>10/6/2022</a:t>
+              <a:t>10/7/2022</a:t>
             </a:fld>
             <a:endParaRPr lang="en-US" dirty="0"/>
           </a:p>
@@ -2918,7 +2919,7 @@
           <a:p>
             <a:fld id="{48A87A34-81AB-432B-8DAE-1953F412C126}" type="datetimeFigureOut">
               <a:rPr lang="en-US" smtClean="0"/>
-              <a:t>10/6/2022</a:t>
+              <a:t>10/7/2022</a:t>
             </a:fld>
             <a:endParaRPr lang="en-US" dirty="0"/>
           </a:p>
@@ -3248,7 +3249,7 @@
             <a:fld id="{48A87A34-81AB-432B-8DAE-1953F412C126}" type="datetimeFigureOut">
               <a:rPr lang="en-US" smtClean="0"/>
               <a:pPr/>
-              <a:t>10/6/2022</a:t>
+              <a:t>10/7/2022</a:t>
             </a:fld>
             <a:endParaRPr lang="en-US" dirty="0"/>
           </a:p>
@@ -3571,7 +3572,7 @@
           <a:p>
             <a:fld id="{48A87A34-81AB-432B-8DAE-1953F412C126}" type="datetimeFigureOut">
               <a:rPr lang="en-US" smtClean="0"/>
-              <a:t>10/6/2022</a:t>
+              <a:t>10/7/2022</a:t>
             </a:fld>
             <a:endParaRPr lang="en-US" dirty="0"/>
           </a:p>
@@ -4028,7 +4029,7 @@
           <a:p>
             <a:fld id="{48A87A34-81AB-432B-8DAE-1953F412C126}" type="datetimeFigureOut">
               <a:rPr lang="en-US" smtClean="0"/>
-              <a:t>10/6/2022</a:t>
+              <a:t>10/7/2022</a:t>
             </a:fld>
             <a:endParaRPr lang="en-US" dirty="0"/>
           </a:p>
@@ -4233,7 +4234,7 @@
           <a:p>
             <a:fld id="{48A87A34-81AB-432B-8DAE-1953F412C126}" type="datetimeFigureOut">
               <a:rPr lang="en-US" smtClean="0"/>
-              <a:t>10/6/2022</a:t>
+              <a:t>10/7/2022</a:t>
             </a:fld>
             <a:endParaRPr lang="en-US" dirty="0"/>
           </a:p>
@@ -4410,7 +4411,7 @@
           <a:p>
             <a:fld id="{48A87A34-81AB-432B-8DAE-1953F412C126}" type="datetimeFigureOut">
               <a:rPr lang="en-US" smtClean="0"/>
-              <a:t>10/6/2022</a:t>
+              <a:t>10/7/2022</a:t>
             </a:fld>
             <a:endParaRPr lang="en-US" dirty="0"/>
           </a:p>
@@ -4743,7 +4744,7 @@
           <a:p>
             <a:fld id="{48A87A34-81AB-432B-8DAE-1953F412C126}" type="datetimeFigureOut">
               <a:rPr lang="en-US" smtClean="0"/>
-              <a:t>10/6/2022</a:t>
+              <a:t>10/7/2022</a:t>
             </a:fld>
             <a:endParaRPr lang="en-US" dirty="0"/>
           </a:p>
@@ -5088,7 +5089,7 @@
           <a:p>
             <a:fld id="{48A87A34-81AB-432B-8DAE-1953F412C126}" type="datetimeFigureOut">
               <a:rPr lang="en-US" smtClean="0"/>
-              <a:t>10/6/2022</a:t>
+              <a:t>10/7/2022</a:t>
             </a:fld>
             <a:endParaRPr lang="en-US" dirty="0"/>
           </a:p>
@@ -7206,7 +7207,7 @@
             <a:fld id="{48A87A34-81AB-432B-8DAE-1953F412C126}" type="datetimeFigureOut">
               <a:rPr lang="en-US" smtClean="0"/>
               <a:pPr/>
-              <a:t>10/6/2022</a:t>
+              <a:t>10/7/2022</a:t>
             </a:fld>
             <a:endParaRPr lang="en-US" dirty="0"/>
           </a:p>
@@ -7964,19 +7965,7 @@
                 <a:latin typeface="나눔고딕" panose="020D0604000000000000" pitchFamily="50" charset="-127"/>
                 <a:ea typeface="나눔고딕" panose="020D0604000000000000" pitchFamily="50" charset="-127"/>
               </a:rPr>
-              <a:t>연동 </a:t>
-            </a:r>
-            <a:r>
-              <a:rPr lang="ko-KR" altLang="en-US" sz="3600" b="1" dirty="0" smtClean="0">
-                <a:ln w="12700">
-                  <a:solidFill>
-                    <a:sysClr val="windowText" lastClr="000000"/>
-                  </a:solidFill>
-                </a:ln>
-                <a:latin typeface="나눔고딕" panose="020D0604000000000000" pitchFamily="50" charset="-127"/>
-                <a:ea typeface="나눔고딕" panose="020D0604000000000000" pitchFamily="50" charset="-127"/>
-              </a:rPr>
-              <a:t>설정</a:t>
+              <a:t>연동 설정</a:t>
             </a:r>
             <a:r>
               <a:rPr lang="ko-KR" altLang="en-US" dirty="0" smtClean="0">
@@ -9896,6 +9885,533 @@
 </file>
 
 <file path=ppt/slides/slide12.xml><?xml version="1.0" encoding="utf-8"?>
+<p:sld xmlns:a="http://schemas.openxmlformats.org/drawingml/2006/main" xmlns:r="http://schemas.openxmlformats.org/officeDocument/2006/relationships" xmlns:p="http://schemas.openxmlformats.org/presentationml/2006/main">
+  <p:cSld>
+    <p:spTree>
+      <p:nvGrpSpPr>
+        <p:cNvPr id="1" name=""/>
+        <p:cNvGrpSpPr/>
+        <p:nvPr/>
+      </p:nvGrpSpPr>
+      <p:grpSpPr>
+        <a:xfrm>
+          <a:off x="0" y="0"/>
+          <a:ext cx="0" cy="0"/>
+          <a:chOff x="0" y="0"/>
+          <a:chExt cx="0" cy="0"/>
+        </a:xfrm>
+      </p:grpSpPr>
+      <p:sp>
+        <p:nvSpPr>
+          <p:cNvPr id="17" name="TextBox 16"/>
+          <p:cNvSpPr txBox="1"/>
+          <p:nvPr/>
+        </p:nvSpPr>
+        <p:spPr>
+          <a:xfrm>
+            <a:off x="1609648" y="652588"/>
+            <a:ext cx="3485249" cy="646331"/>
+          </a:xfrm>
+          <a:prstGeom prst="rect">
+            <a:avLst/>
+          </a:prstGeom>
+          <a:noFill/>
+        </p:spPr>
+        <p:txBody>
+          <a:bodyPr wrap="none" rtlCol="0">
+            <a:spAutoFit/>
+          </a:bodyPr>
+          <a:lstStyle/>
+          <a:p>
+            <a:r>
+              <a:rPr lang="ko-KR" altLang="en-US" sz="3600" b="1" dirty="0" smtClean="0">
+                <a:ln w="12700">
+                  <a:solidFill>
+                    <a:sysClr val="windowText" lastClr="000000"/>
+                  </a:solidFill>
+                </a:ln>
+                <a:latin typeface="나눔고딕" panose="020D0604000000000000" pitchFamily="50" charset="-127"/>
+                <a:ea typeface="나눔고딕" panose="020D0604000000000000" pitchFamily="50" charset="-127"/>
+              </a:rPr>
+              <a:t>메인 페이지 구현</a:t>
+            </a:r>
+            <a:endParaRPr lang="ko-KR" altLang="en-US" sz="3600" b="1" dirty="0">
+              <a:ln w="12700">
+                <a:solidFill>
+                  <a:sysClr val="windowText" lastClr="000000"/>
+                </a:solidFill>
+              </a:ln>
+              <a:latin typeface="나눔고딕" panose="020D0604000000000000" pitchFamily="50" charset="-127"/>
+              <a:ea typeface="나눔고딕" panose="020D0604000000000000" pitchFamily="50" charset="-127"/>
+            </a:endParaRPr>
+          </a:p>
+        </p:txBody>
+      </p:sp>
+      <p:pic>
+        <p:nvPicPr>
+          <p:cNvPr id="3" name="그림 2"/>
+          <p:cNvPicPr>
+            <a:picLocks noChangeAspect="1"/>
+          </p:cNvPicPr>
+          <p:nvPr/>
+        </p:nvPicPr>
+        <p:blipFill>
+          <a:blip r:embed="rId2"/>
+          <a:stretch>
+            <a:fillRect/>
+          </a:stretch>
+        </p:blipFill>
+        <p:spPr>
+          <a:xfrm>
+            <a:off x="1357312" y="1825682"/>
+            <a:ext cx="2109095" cy="3987344"/>
+          </a:xfrm>
+          <a:prstGeom prst="rect">
+            <a:avLst/>
+          </a:prstGeom>
+          <a:ln w="28575">
+            <a:solidFill>
+              <a:schemeClr val="accent1"/>
+            </a:solidFill>
+          </a:ln>
+        </p:spPr>
+      </p:pic>
+      <p:cxnSp>
+        <p:nvCxnSpPr>
+          <p:cNvPr id="9" name="직선 화살표 연결선 8"/>
+          <p:cNvCxnSpPr>
+            <a:stCxn id="12" idx="3"/>
+            <a:endCxn id="11" idx="2"/>
+          </p:cNvCxnSpPr>
+          <p:nvPr/>
+        </p:nvCxnSpPr>
+        <p:spPr>
+          <a:xfrm flipV="1">
+            <a:off x="2847975" y="4549465"/>
+            <a:ext cx="331854" cy="387246"/>
+          </a:xfrm>
+          <a:prstGeom prst="straightConnector1">
+            <a:avLst/>
+          </a:prstGeom>
+          <a:ln w="28575">
+            <a:solidFill>
+              <a:srgbClr val="FF0000"/>
+            </a:solidFill>
+            <a:tailEnd type="triangle"/>
+          </a:ln>
+        </p:spPr>
+        <p:style>
+          <a:lnRef idx="1">
+            <a:schemeClr val="accent1"/>
+          </a:lnRef>
+          <a:fillRef idx="0">
+            <a:schemeClr val="accent1"/>
+          </a:fillRef>
+          <a:effectRef idx="0">
+            <a:schemeClr val="accent1"/>
+          </a:effectRef>
+          <a:fontRef idx="minor">
+            <a:schemeClr val="tx1"/>
+          </a:fontRef>
+        </p:style>
+      </p:cxnSp>
+      <p:sp>
+        <p:nvSpPr>
+          <p:cNvPr id="11" name="TextBox 10">
+            <a:extLst>
+              <a:ext uri="{FF2B5EF4-FFF2-40B4-BE49-F238E27FC236}">
+                <a16:creationId xmlns:a16="http://schemas.microsoft.com/office/drawing/2014/main" id="{A817718E-AE2D-4626-A2EC-F35A9ACE9710}"/>
+              </a:ext>
+            </a:extLst>
+          </p:cNvPr>
+          <p:cNvSpPr txBox="1"/>
+          <p:nvPr/>
+        </p:nvSpPr>
+        <p:spPr>
+          <a:xfrm>
+            <a:off x="2150635" y="4287855"/>
+            <a:ext cx="2058387" cy="261610"/>
+          </a:xfrm>
+          <a:prstGeom prst="rect">
+            <a:avLst/>
+          </a:prstGeom>
+          <a:ln w="28575">
+            <a:solidFill>
+              <a:srgbClr val="FF0000"/>
+            </a:solidFill>
+          </a:ln>
+        </p:spPr>
+        <p:style>
+          <a:lnRef idx="2">
+            <a:schemeClr val="accent6"/>
+          </a:lnRef>
+          <a:fillRef idx="1">
+            <a:schemeClr val="lt1"/>
+          </a:fillRef>
+          <a:effectRef idx="0">
+            <a:schemeClr val="accent6"/>
+          </a:effectRef>
+          <a:fontRef idx="minor">
+            <a:schemeClr val="dk1"/>
+          </a:fontRef>
+        </p:style>
+        <p:txBody>
+          <a:bodyPr wrap="square" rtlCol="0">
+            <a:spAutoFit/>
+          </a:bodyPr>
+          <a:lstStyle/>
+          <a:p>
+            <a:pPr algn="ctr"/>
+            <a:r>
+              <a:rPr lang="ko-KR" altLang="en-US" sz="1100" b="1" dirty="0" smtClean="0">
+                <a:latin typeface="나눔고딕" panose="020D0604000000000000" pitchFamily="50" charset="-127"/>
+                <a:ea typeface="나눔고딕" panose="020D0604000000000000" pitchFamily="50" charset="-127"/>
+              </a:rPr>
+              <a:t>메인페이지를 </a:t>
+            </a:r>
+            <a:r>
+              <a:rPr lang="ko-KR" altLang="en-US" sz="1100" b="1" smtClean="0">
+                <a:latin typeface="나눔고딕" panose="020D0604000000000000" pitchFamily="50" charset="-127"/>
+                <a:ea typeface="나눔고딕" panose="020D0604000000000000" pitchFamily="50" charset="-127"/>
+              </a:rPr>
+              <a:t>나타낼 </a:t>
+            </a:r>
+            <a:r>
+              <a:rPr lang="en-US" altLang="ko-KR" sz="1100" b="1" dirty="0" smtClean="0">
+                <a:latin typeface="나눔고딕" panose="020D0604000000000000" pitchFamily="50" charset="-127"/>
+                <a:ea typeface="나눔고딕" panose="020D0604000000000000" pitchFamily="50" charset="-127"/>
+              </a:rPr>
+              <a:t>tiles </a:t>
+            </a:r>
+            <a:r>
+              <a:rPr lang="ko-KR" altLang="en-US" sz="1100" b="1" dirty="0" smtClean="0">
+                <a:latin typeface="나눔고딕" panose="020D0604000000000000" pitchFamily="50" charset="-127"/>
+                <a:ea typeface="나눔고딕" panose="020D0604000000000000" pitchFamily="50" charset="-127"/>
+              </a:rPr>
+              <a:t>설정</a:t>
+            </a:r>
+            <a:endParaRPr lang="ko-KR" altLang="en-US" sz="1100" b="1" dirty="0">
+              <a:latin typeface="나눔고딕" panose="020D0604000000000000" pitchFamily="50" charset="-127"/>
+              <a:ea typeface="나눔고딕" panose="020D0604000000000000" pitchFamily="50" charset="-127"/>
+            </a:endParaRPr>
+          </a:p>
+        </p:txBody>
+      </p:sp>
+      <p:sp>
+        <p:nvSpPr>
+          <p:cNvPr id="12" name="직사각형 11"/>
+          <p:cNvSpPr/>
+          <p:nvPr/>
+        </p:nvSpPr>
+        <p:spPr>
+          <a:xfrm>
+            <a:off x="1708578" y="4831522"/>
+            <a:ext cx="1139397" cy="210377"/>
+          </a:xfrm>
+          <a:prstGeom prst="rect">
+            <a:avLst/>
+          </a:prstGeom>
+          <a:noFill/>
+          <a:ln w="28575">
+            <a:solidFill>
+              <a:srgbClr val="FF0000"/>
+            </a:solidFill>
+            <a:prstDash val="sysDot"/>
+          </a:ln>
+        </p:spPr>
+        <p:style>
+          <a:lnRef idx="2">
+            <a:schemeClr val="accent1">
+              <a:shade val="50000"/>
+            </a:schemeClr>
+          </a:lnRef>
+          <a:fillRef idx="1">
+            <a:schemeClr val="accent1"/>
+          </a:fillRef>
+          <a:effectRef idx="0">
+            <a:schemeClr val="accent1"/>
+          </a:effectRef>
+          <a:fontRef idx="minor">
+            <a:schemeClr val="lt1"/>
+          </a:fontRef>
+        </p:style>
+        <p:txBody>
+          <a:bodyPr rtlCol="0" anchor="ctr"/>
+          <a:lstStyle/>
+          <a:p>
+            <a:pPr algn="ctr"/>
+            <a:endParaRPr lang="ko-KR" altLang="en-US"/>
+          </a:p>
+        </p:txBody>
+      </p:sp>
+      <p:cxnSp>
+        <p:nvCxnSpPr>
+          <p:cNvPr id="20" name="직선 화살표 연결선 19"/>
+          <p:cNvCxnSpPr>
+            <a:endCxn id="21" idx="0"/>
+          </p:cNvCxnSpPr>
+          <p:nvPr/>
+        </p:nvCxnSpPr>
+        <p:spPr>
+          <a:xfrm>
+            <a:off x="5529263" y="5165245"/>
+            <a:ext cx="4974" cy="345426"/>
+          </a:xfrm>
+          <a:prstGeom prst="straightConnector1">
+            <a:avLst/>
+          </a:prstGeom>
+          <a:ln w="28575">
+            <a:solidFill>
+              <a:srgbClr val="FF0000"/>
+            </a:solidFill>
+            <a:tailEnd type="triangle"/>
+          </a:ln>
+        </p:spPr>
+        <p:style>
+          <a:lnRef idx="1">
+            <a:schemeClr val="accent1"/>
+          </a:lnRef>
+          <a:fillRef idx="0">
+            <a:schemeClr val="accent1"/>
+          </a:fillRef>
+          <a:effectRef idx="0">
+            <a:schemeClr val="accent1"/>
+          </a:effectRef>
+          <a:fontRef idx="minor">
+            <a:schemeClr val="tx1"/>
+          </a:fontRef>
+        </p:style>
+      </p:cxnSp>
+      <p:sp>
+        <p:nvSpPr>
+          <p:cNvPr id="21" name="TextBox 20">
+            <a:extLst>
+              <a:ext uri="{FF2B5EF4-FFF2-40B4-BE49-F238E27FC236}">
+                <a16:creationId xmlns:a16="http://schemas.microsoft.com/office/drawing/2014/main" id="{A817718E-AE2D-4626-A2EC-F35A9ACE9710}"/>
+              </a:ext>
+            </a:extLst>
+          </p:cNvPr>
+          <p:cNvSpPr txBox="1"/>
+          <p:nvPr/>
+        </p:nvSpPr>
+        <p:spPr>
+          <a:xfrm>
+            <a:off x="4439074" y="5510671"/>
+            <a:ext cx="2190326" cy="261610"/>
+          </a:xfrm>
+          <a:prstGeom prst="rect">
+            <a:avLst/>
+          </a:prstGeom>
+          <a:ln w="28575">
+            <a:solidFill>
+              <a:srgbClr val="FF0000"/>
+            </a:solidFill>
+          </a:ln>
+        </p:spPr>
+        <p:style>
+          <a:lnRef idx="2">
+            <a:schemeClr val="accent6"/>
+          </a:lnRef>
+          <a:fillRef idx="1">
+            <a:schemeClr val="lt1"/>
+          </a:fillRef>
+          <a:effectRef idx="0">
+            <a:schemeClr val="accent6"/>
+          </a:effectRef>
+          <a:fontRef idx="minor">
+            <a:schemeClr val="dk1"/>
+          </a:fontRef>
+        </p:style>
+        <p:txBody>
+          <a:bodyPr wrap="square" rtlCol="0">
+            <a:spAutoFit/>
+          </a:bodyPr>
+          <a:lstStyle/>
+          <a:p>
+            <a:pPr algn="ctr"/>
+            <a:r>
+              <a:rPr lang="ko-KR" altLang="en-US" sz="1100" b="1" smtClean="0">
+                <a:latin typeface="나눔고딕" panose="020D0604000000000000" pitchFamily="50" charset="-127"/>
+                <a:ea typeface="나눔고딕" panose="020D0604000000000000" pitchFamily="50" charset="-127"/>
+              </a:rPr>
+              <a:t>쇼핑몰 메인 페이지 레이아웃 설정</a:t>
+            </a:r>
+            <a:endParaRPr lang="ko-KR" altLang="en-US" sz="1100" b="1" dirty="0">
+              <a:latin typeface="나눔고딕" panose="020D0604000000000000" pitchFamily="50" charset="-127"/>
+              <a:ea typeface="나눔고딕" panose="020D0604000000000000" pitchFamily="50" charset="-127"/>
+            </a:endParaRPr>
+          </a:p>
+        </p:txBody>
+      </p:sp>
+      <p:cxnSp>
+        <p:nvCxnSpPr>
+          <p:cNvPr id="32" name="직선 화살표 연결선 31"/>
+          <p:cNvCxnSpPr>
+            <a:endCxn id="33" idx="0"/>
+          </p:cNvCxnSpPr>
+          <p:nvPr/>
+        </p:nvCxnSpPr>
+        <p:spPr>
+          <a:xfrm>
+            <a:off x="5319713" y="3171825"/>
+            <a:ext cx="472" cy="334396"/>
+          </a:xfrm>
+          <a:prstGeom prst="straightConnector1">
+            <a:avLst/>
+          </a:prstGeom>
+          <a:ln w="28575">
+            <a:solidFill>
+              <a:srgbClr val="FF0000"/>
+            </a:solidFill>
+            <a:tailEnd type="triangle"/>
+          </a:ln>
+        </p:spPr>
+        <p:style>
+          <a:lnRef idx="1">
+            <a:schemeClr val="accent1"/>
+          </a:lnRef>
+          <a:fillRef idx="0">
+            <a:schemeClr val="accent1"/>
+          </a:fillRef>
+          <a:effectRef idx="0">
+            <a:schemeClr val="accent1"/>
+          </a:effectRef>
+          <a:fontRef idx="minor">
+            <a:schemeClr val="tx1"/>
+          </a:fontRef>
+        </p:style>
+      </p:cxnSp>
+      <p:sp>
+        <p:nvSpPr>
+          <p:cNvPr id="33" name="TextBox 32">
+            <a:extLst>
+              <a:ext uri="{FF2B5EF4-FFF2-40B4-BE49-F238E27FC236}">
+                <a16:creationId xmlns:a16="http://schemas.microsoft.com/office/drawing/2014/main" id="{A817718E-AE2D-4626-A2EC-F35A9ACE9710}"/>
+              </a:ext>
+            </a:extLst>
+          </p:cNvPr>
+          <p:cNvSpPr txBox="1"/>
+          <p:nvPr/>
+        </p:nvSpPr>
+        <p:spPr>
+          <a:xfrm>
+            <a:off x="4439074" y="3506221"/>
+            <a:ext cx="1762221" cy="261610"/>
+          </a:xfrm>
+          <a:prstGeom prst="rect">
+            <a:avLst/>
+          </a:prstGeom>
+          <a:ln w="28575">
+            <a:solidFill>
+              <a:srgbClr val="FF0000"/>
+            </a:solidFill>
+          </a:ln>
+        </p:spPr>
+        <p:style>
+          <a:lnRef idx="2">
+            <a:schemeClr val="accent6"/>
+          </a:lnRef>
+          <a:fillRef idx="1">
+            <a:schemeClr val="lt1"/>
+          </a:fillRef>
+          <a:effectRef idx="0">
+            <a:schemeClr val="accent6"/>
+          </a:effectRef>
+          <a:fontRef idx="minor">
+            <a:schemeClr val="dk1"/>
+          </a:fontRef>
+        </p:style>
+        <p:txBody>
+          <a:bodyPr wrap="square" rtlCol="0">
+            <a:spAutoFit/>
+          </a:bodyPr>
+          <a:lstStyle/>
+          <a:p>
+            <a:pPr algn="ctr"/>
+            <a:r>
+              <a:rPr lang="ko-KR" altLang="en-US" sz="1100" b="1" smtClean="0">
+                <a:latin typeface="나눔고딕" panose="020D0604000000000000" pitchFamily="50" charset="-127"/>
+                <a:ea typeface="나눔고딕" panose="020D0604000000000000" pitchFamily="50" charset="-127"/>
+              </a:rPr>
+              <a:t>쇼핑몰 기본 레이아웃 설정</a:t>
+            </a:r>
+            <a:endParaRPr lang="ko-KR" altLang="en-US" sz="1100" b="1" dirty="0">
+              <a:latin typeface="나눔고딕" panose="020D0604000000000000" pitchFamily="50" charset="-127"/>
+              <a:ea typeface="나눔고딕" panose="020D0604000000000000" pitchFamily="50" charset="-127"/>
+            </a:endParaRPr>
+          </a:p>
+        </p:txBody>
+      </p:sp>
+      <p:pic>
+        <p:nvPicPr>
+          <p:cNvPr id="5" name="그림 4"/>
+          <p:cNvPicPr>
+            <a:picLocks noChangeAspect="1"/>
+          </p:cNvPicPr>
+          <p:nvPr/>
+        </p:nvPicPr>
+        <p:blipFill rotWithShape="1">
+          <a:blip r:embed="rId3"/>
+          <a:srcRect t="64669" r="14051"/>
+          <a:stretch/>
+        </p:blipFill>
+        <p:spPr>
+          <a:xfrm>
+            <a:off x="4447387" y="4349410"/>
+            <a:ext cx="5018419" cy="770661"/>
+          </a:xfrm>
+          <a:prstGeom prst="rect">
+            <a:avLst/>
+          </a:prstGeom>
+          <a:ln w="28575">
+            <a:solidFill>
+              <a:schemeClr val="accent1"/>
+            </a:solidFill>
+          </a:ln>
+        </p:spPr>
+      </p:pic>
+      <p:pic>
+        <p:nvPicPr>
+          <p:cNvPr id="23" name="그림 22"/>
+          <p:cNvPicPr>
+            <a:picLocks noChangeAspect="1"/>
+          </p:cNvPicPr>
+          <p:nvPr/>
+        </p:nvPicPr>
+        <p:blipFill rotWithShape="1">
+          <a:blip r:embed="rId3"/>
+          <a:srcRect b="40577"/>
+          <a:stretch/>
+        </p:blipFill>
+        <p:spPr>
+          <a:xfrm>
+            <a:off x="4447387" y="1839558"/>
+            <a:ext cx="5838825" cy="1296154"/>
+          </a:xfrm>
+          <a:prstGeom prst="rect">
+            <a:avLst/>
+          </a:prstGeom>
+          <a:ln w="28575">
+            <a:solidFill>
+              <a:schemeClr val="accent1"/>
+            </a:solidFill>
+          </a:ln>
+        </p:spPr>
+      </p:pic>
+    </p:spTree>
+    <p:extLst>
+      <p:ext uri="{BB962C8B-B14F-4D97-AF65-F5344CB8AC3E}">
+        <p14:creationId xmlns:p14="http://schemas.microsoft.com/office/powerpoint/2010/main" val="3485612334"/>
+      </p:ext>
+    </p:extLst>
+  </p:cSld>
+  <p:clrMapOvr>
+    <a:masterClrMapping/>
+  </p:clrMapOvr>
+</p:sld>
+</file>
+
+<file path=ppt/slides/slide13.xml><?xml version="1.0" encoding="utf-8"?>
 <p:sld xmlns:a="http://schemas.openxmlformats.org/drawingml/2006/main" xmlns:r="http://schemas.openxmlformats.org/officeDocument/2006/relationships" xmlns:p="http://schemas.openxmlformats.org/presentationml/2006/main">
   <p:cSld>
     <p:spTree>
@@ -10656,14 +11172,7 @@
                 <a:latin typeface="나눔고딕" panose="020D0604000000000000" pitchFamily="50" charset="-127"/>
                 <a:ea typeface="나눔고딕" panose="020D0604000000000000" pitchFamily="50" charset="-127"/>
               </a:rPr>
-              <a:t>의 값에 따라 화면 </a:t>
-            </a:r>
-            <a:r>
-              <a:rPr lang="ko-KR" altLang="en-US" sz="1100" b="1" dirty="0" smtClean="0">
-                <a:latin typeface="나눔고딕" panose="020D0604000000000000" pitchFamily="50" charset="-127"/>
-                <a:ea typeface="나눔고딕" panose="020D0604000000000000" pitchFamily="50" charset="-127"/>
-              </a:rPr>
-              <a:t>왼쪽에 표시되는 메뉴 창을 다르게 설정</a:t>
+              <a:t>의 값에 따라 화면 왼쪽에 표시되는 메뉴 창을 다르게 설정</a:t>
             </a:r>
             <a:endParaRPr lang="en-US" altLang="ko-KR" sz="1100" b="1" dirty="0" smtClean="0">
               <a:latin typeface="나눔고딕" panose="020D0604000000000000" pitchFamily="50" charset="-127"/>
@@ -10784,643 +11293,6 @@
     <p:extLst>
       <p:ext uri="{BB962C8B-B14F-4D97-AF65-F5344CB8AC3E}">
         <p14:creationId xmlns:p14="http://schemas.microsoft.com/office/powerpoint/2010/main" val="300341722"/>
-      </p:ext>
-    </p:extLst>
-  </p:cSld>
-  <p:clrMapOvr>
-    <a:masterClrMapping/>
-  </p:clrMapOvr>
-</p:sld>
-</file>
-
-<file path=ppt/slides/slide13.xml><?xml version="1.0" encoding="utf-8"?>
-<p:sld xmlns:a="http://schemas.openxmlformats.org/drawingml/2006/main" xmlns:r="http://schemas.openxmlformats.org/officeDocument/2006/relationships" xmlns:p="http://schemas.openxmlformats.org/presentationml/2006/main">
-  <p:cSld>
-    <p:spTree>
-      <p:nvGrpSpPr>
-        <p:cNvPr id="1" name=""/>
-        <p:cNvGrpSpPr/>
-        <p:nvPr/>
-      </p:nvGrpSpPr>
-      <p:grpSpPr>
-        <a:xfrm>
-          <a:off x="0" y="0"/>
-          <a:ext cx="0" cy="0"/>
-          <a:chOff x="0" y="0"/>
-          <a:chExt cx="0" cy="0"/>
-        </a:xfrm>
-      </p:grpSpPr>
-      <p:sp>
-        <p:nvSpPr>
-          <p:cNvPr id="17" name="TextBox 16"/>
-          <p:cNvSpPr txBox="1"/>
-          <p:nvPr/>
-        </p:nvSpPr>
-        <p:spPr>
-          <a:xfrm>
-            <a:off x="1609648" y="652588"/>
-            <a:ext cx="3485249" cy="646331"/>
-          </a:xfrm>
-          <a:prstGeom prst="rect">
-            <a:avLst/>
-          </a:prstGeom>
-          <a:noFill/>
-        </p:spPr>
-        <p:txBody>
-          <a:bodyPr wrap="none" rtlCol="0">
-            <a:spAutoFit/>
-          </a:bodyPr>
-          <a:lstStyle/>
-          <a:p>
-            <a:r>
-              <a:rPr lang="ko-KR" altLang="en-US" sz="3600" b="1" dirty="0" smtClean="0">
-                <a:ln w="12700">
-                  <a:solidFill>
-                    <a:sysClr val="windowText" lastClr="000000"/>
-                  </a:solidFill>
-                </a:ln>
-                <a:latin typeface="나눔고딕" panose="020D0604000000000000" pitchFamily="50" charset="-127"/>
-                <a:ea typeface="나눔고딕" panose="020D0604000000000000" pitchFamily="50" charset="-127"/>
-              </a:rPr>
-              <a:t>메인 페이지 구현</a:t>
-            </a:r>
-            <a:endParaRPr lang="ko-KR" altLang="en-US" sz="3600" b="1" dirty="0">
-              <a:ln w="12700">
-                <a:solidFill>
-                  <a:sysClr val="windowText" lastClr="000000"/>
-                </a:solidFill>
-              </a:ln>
-              <a:latin typeface="나눔고딕" panose="020D0604000000000000" pitchFamily="50" charset="-127"/>
-              <a:ea typeface="나눔고딕" panose="020D0604000000000000" pitchFamily="50" charset="-127"/>
-            </a:endParaRPr>
-          </a:p>
-        </p:txBody>
-      </p:sp>
-      <p:sp>
-        <p:nvSpPr>
-          <p:cNvPr id="36" name="TextBox 35">
-            <a:extLst>
-              <a:ext uri="{FF2B5EF4-FFF2-40B4-BE49-F238E27FC236}">
-                <a16:creationId xmlns:a16="http://schemas.microsoft.com/office/drawing/2014/main" id="{A817718E-AE2D-4626-A2EC-F35A9ACE9710}"/>
-              </a:ext>
-            </a:extLst>
-          </p:cNvPr>
-          <p:cNvSpPr txBox="1"/>
-          <p:nvPr/>
-        </p:nvSpPr>
-        <p:spPr>
-          <a:xfrm>
-            <a:off x="1356173" y="1813610"/>
-            <a:ext cx="4137671" cy="261610"/>
-          </a:xfrm>
-          <a:prstGeom prst="rect">
-            <a:avLst/>
-          </a:prstGeom>
-          <a:ln w="28575">
-            <a:solidFill>
-              <a:schemeClr val="tx1"/>
-            </a:solidFill>
-          </a:ln>
-        </p:spPr>
-        <p:style>
-          <a:lnRef idx="2">
-            <a:schemeClr val="accent6"/>
-          </a:lnRef>
-          <a:fillRef idx="1">
-            <a:schemeClr val="lt1"/>
-          </a:fillRef>
-          <a:effectRef idx="0">
-            <a:schemeClr val="accent6"/>
-          </a:effectRef>
-          <a:fontRef idx="minor">
-            <a:schemeClr val="dk1"/>
-          </a:fontRef>
-        </p:style>
-        <p:txBody>
-          <a:bodyPr wrap="none" rtlCol="0">
-            <a:spAutoFit/>
-          </a:bodyPr>
-          <a:lstStyle/>
-          <a:p>
-            <a:pPr algn="ctr"/>
-            <a:r>
-              <a:rPr lang="ko-KR" altLang="en-US" sz="1100" b="1" dirty="0" smtClean="0">
-                <a:latin typeface="나눔고딕" panose="020D0604000000000000" pitchFamily="50" charset="-127"/>
-                <a:ea typeface="나눔고딕" panose="020D0604000000000000" pitchFamily="50" charset="-127"/>
-              </a:rPr>
-              <a:t>메인 페이지에도 상품 정보가 표시 되므로 </a:t>
-            </a:r>
-            <a:r>
-              <a:rPr lang="en-US" altLang="ko-KR" sz="1100" b="1" dirty="0" smtClean="0">
-                <a:latin typeface="나눔고딕" panose="020D0604000000000000" pitchFamily="50" charset="-127"/>
-                <a:ea typeface="나눔고딕" panose="020D0604000000000000" pitchFamily="50" charset="-127"/>
-              </a:rPr>
-              <a:t>goods </a:t>
-            </a:r>
-            <a:r>
-              <a:rPr lang="ko-KR" altLang="en-US" sz="1100" b="1" dirty="0" smtClean="0">
-                <a:latin typeface="나눔고딕" panose="020D0604000000000000" pitchFamily="50" charset="-127"/>
-                <a:ea typeface="나눔고딕" panose="020D0604000000000000" pitchFamily="50" charset="-127"/>
-              </a:rPr>
-              <a:t>패키지 기능 사용</a:t>
-            </a:r>
-            <a:endParaRPr lang="en-US" altLang="ko-KR" sz="1100" b="1" dirty="0" smtClean="0">
-              <a:latin typeface="나눔고딕" panose="020D0604000000000000" pitchFamily="50" charset="-127"/>
-              <a:ea typeface="나눔고딕" panose="020D0604000000000000" pitchFamily="50" charset="-127"/>
-            </a:endParaRPr>
-          </a:p>
-        </p:txBody>
-      </p:sp>
-      <p:pic>
-        <p:nvPicPr>
-          <p:cNvPr id="30" name="그림 29"/>
-          <p:cNvPicPr>
-            <a:picLocks noChangeAspect="1"/>
-          </p:cNvPicPr>
-          <p:nvPr/>
-        </p:nvPicPr>
-        <p:blipFill>
-          <a:blip r:embed="rId2"/>
-          <a:stretch>
-            <a:fillRect/>
-          </a:stretch>
-        </p:blipFill>
-        <p:spPr>
-          <a:xfrm>
-            <a:off x="1371413" y="2362200"/>
-            <a:ext cx="2219325" cy="2419350"/>
-          </a:xfrm>
-          <a:prstGeom prst="rect">
-            <a:avLst/>
-          </a:prstGeom>
-          <a:ln w="28575">
-            <a:solidFill>
-              <a:schemeClr val="accent1"/>
-            </a:solidFill>
-          </a:ln>
-        </p:spPr>
-      </p:pic>
-      <p:sp>
-        <p:nvSpPr>
-          <p:cNvPr id="39" name="직사각형 38"/>
-          <p:cNvSpPr/>
-          <p:nvPr/>
-        </p:nvSpPr>
-        <p:spPr>
-          <a:xfrm>
-            <a:off x="1671336" y="3707815"/>
-            <a:ext cx="1414764" cy="196392"/>
-          </a:xfrm>
-          <a:prstGeom prst="rect">
-            <a:avLst/>
-          </a:prstGeom>
-          <a:noFill/>
-          <a:ln w="28575">
-            <a:solidFill>
-              <a:srgbClr val="FF0000"/>
-            </a:solidFill>
-            <a:prstDash val="sysDot"/>
-          </a:ln>
-        </p:spPr>
-        <p:style>
-          <a:lnRef idx="2">
-            <a:schemeClr val="accent1">
-              <a:shade val="50000"/>
-            </a:schemeClr>
-          </a:lnRef>
-          <a:fillRef idx="1">
-            <a:schemeClr val="accent1"/>
-          </a:fillRef>
-          <a:effectRef idx="0">
-            <a:schemeClr val="accent1"/>
-          </a:effectRef>
-          <a:fontRef idx="minor">
-            <a:schemeClr val="lt1"/>
-          </a:fontRef>
-        </p:style>
-        <p:txBody>
-          <a:bodyPr rtlCol="0" anchor="ctr"/>
-          <a:lstStyle/>
-          <a:p>
-            <a:pPr algn="ctr"/>
-            <a:endParaRPr lang="ko-KR" altLang="en-US"/>
-          </a:p>
-        </p:txBody>
-      </p:sp>
-      <p:cxnSp>
-        <p:nvCxnSpPr>
-          <p:cNvPr id="42" name="직선 화살표 연결선 41"/>
-          <p:cNvCxnSpPr>
-            <a:stCxn id="39" idx="3"/>
-            <a:endCxn id="2" idx="1"/>
-          </p:cNvCxnSpPr>
-          <p:nvPr/>
-        </p:nvCxnSpPr>
-        <p:spPr>
-          <a:xfrm>
-            <a:off x="3086100" y="3806011"/>
-            <a:ext cx="1048526" cy="225497"/>
-          </a:xfrm>
-          <a:prstGeom prst="straightConnector1">
-            <a:avLst/>
-          </a:prstGeom>
-          <a:ln w="28575">
-            <a:solidFill>
-              <a:srgbClr val="FF0000"/>
-            </a:solidFill>
-            <a:tailEnd type="triangle"/>
-          </a:ln>
-        </p:spPr>
-        <p:style>
-          <a:lnRef idx="1">
-            <a:schemeClr val="accent1"/>
-          </a:lnRef>
-          <a:fillRef idx="0">
-            <a:schemeClr val="accent1"/>
-          </a:fillRef>
-          <a:effectRef idx="0">
-            <a:schemeClr val="accent1"/>
-          </a:effectRef>
-          <a:fontRef idx="minor">
-            <a:schemeClr val="tx1"/>
-          </a:fontRef>
-        </p:style>
-      </p:cxnSp>
-      <p:pic>
-        <p:nvPicPr>
-          <p:cNvPr id="2" name="그림 1"/>
-          <p:cNvPicPr>
-            <a:picLocks noChangeAspect="1"/>
-          </p:cNvPicPr>
-          <p:nvPr/>
-        </p:nvPicPr>
-        <p:blipFill rotWithShape="1">
-          <a:blip r:embed="rId3"/>
-          <a:srcRect l="418" b="29733"/>
-          <a:stretch/>
-        </p:blipFill>
-        <p:spPr>
-          <a:xfrm>
-            <a:off x="4134626" y="2362199"/>
-            <a:ext cx="4879833" cy="3338617"/>
-          </a:xfrm>
-          <a:prstGeom prst="rect">
-            <a:avLst/>
-          </a:prstGeom>
-          <a:ln w="28575">
-            <a:solidFill>
-              <a:schemeClr val="accent1"/>
-            </a:solidFill>
-          </a:ln>
-        </p:spPr>
-      </p:pic>
-      <p:cxnSp>
-        <p:nvCxnSpPr>
-          <p:cNvPr id="23" name="직선 화살표 연결선 22"/>
-          <p:cNvCxnSpPr>
-            <a:endCxn id="24" idx="1"/>
-          </p:cNvCxnSpPr>
-          <p:nvPr/>
-        </p:nvCxnSpPr>
-        <p:spPr>
-          <a:xfrm>
-            <a:off x="7604760" y="4366260"/>
-            <a:ext cx="410356" cy="434977"/>
-          </a:xfrm>
-          <a:prstGeom prst="straightConnector1">
-            <a:avLst/>
-          </a:prstGeom>
-          <a:ln w="28575">
-            <a:solidFill>
-              <a:srgbClr val="FF0000"/>
-            </a:solidFill>
-            <a:tailEnd type="triangle"/>
-          </a:ln>
-        </p:spPr>
-        <p:style>
-          <a:lnRef idx="1">
-            <a:schemeClr val="accent1"/>
-          </a:lnRef>
-          <a:fillRef idx="0">
-            <a:schemeClr val="accent1"/>
-          </a:fillRef>
-          <a:effectRef idx="0">
-            <a:schemeClr val="accent1"/>
-          </a:effectRef>
-          <a:fontRef idx="minor">
-            <a:schemeClr val="tx1"/>
-          </a:fontRef>
-        </p:style>
-      </p:cxnSp>
-      <p:sp>
-        <p:nvSpPr>
-          <p:cNvPr id="24" name="TextBox 23">
-            <a:extLst>
-              <a:ext uri="{FF2B5EF4-FFF2-40B4-BE49-F238E27FC236}">
-                <a16:creationId xmlns:a16="http://schemas.microsoft.com/office/drawing/2014/main" id="{A817718E-AE2D-4626-A2EC-F35A9ACE9710}"/>
-              </a:ext>
-            </a:extLst>
-          </p:cNvPr>
-          <p:cNvSpPr txBox="1"/>
-          <p:nvPr/>
-        </p:nvSpPr>
-        <p:spPr>
-          <a:xfrm>
-            <a:off x="8015116" y="4585793"/>
-            <a:ext cx="3011024" cy="430887"/>
-          </a:xfrm>
-          <a:prstGeom prst="rect">
-            <a:avLst/>
-          </a:prstGeom>
-          <a:ln w="28575">
-            <a:solidFill>
-              <a:srgbClr val="FF0000"/>
-            </a:solidFill>
-          </a:ln>
-        </p:spPr>
-        <p:style>
-          <a:lnRef idx="2">
-            <a:schemeClr val="accent6"/>
-          </a:lnRef>
-          <a:fillRef idx="1">
-            <a:schemeClr val="lt1"/>
-          </a:fillRef>
-          <a:effectRef idx="0">
-            <a:schemeClr val="accent6"/>
-          </a:effectRef>
-          <a:fontRef idx="minor">
-            <a:schemeClr val="dk1"/>
-          </a:fontRef>
-        </p:style>
-        <p:txBody>
-          <a:bodyPr wrap="square" rtlCol="0">
-            <a:spAutoFit/>
-          </a:bodyPr>
-          <a:lstStyle/>
-          <a:p>
-            <a:pPr algn="ctr"/>
-            <a:r>
-              <a:rPr lang="en-US" altLang="ko-KR" sz="1100" b="1" dirty="0" smtClean="0">
-                <a:latin typeface="나눔고딕" panose="020D0604000000000000" pitchFamily="50" charset="-127"/>
-                <a:ea typeface="나눔고딕" panose="020D0604000000000000" pitchFamily="50" charset="-127"/>
-              </a:rPr>
-              <a:t>bestseller, </a:t>
-            </a:r>
-            <a:r>
-              <a:rPr lang="en-US" altLang="ko-KR" sz="1100" b="1" dirty="0" err="1" smtClean="0">
-                <a:latin typeface="나눔고딕" panose="020D0604000000000000" pitchFamily="50" charset="-127"/>
-                <a:ea typeface="나눔고딕" panose="020D0604000000000000" pitchFamily="50" charset="-127"/>
-              </a:rPr>
-              <a:t>newbook</a:t>
-            </a:r>
-            <a:r>
-              <a:rPr lang="en-US" altLang="ko-KR" sz="1100" b="1" dirty="0" smtClean="0">
-                <a:latin typeface="나눔고딕" panose="020D0604000000000000" pitchFamily="50" charset="-127"/>
-                <a:ea typeface="나눔고딕" panose="020D0604000000000000" pitchFamily="50" charset="-127"/>
-              </a:rPr>
-              <a:t>, </a:t>
-            </a:r>
-            <a:r>
-              <a:rPr lang="en-US" altLang="ko-KR" sz="1100" b="1" dirty="0" err="1" smtClean="0">
-                <a:latin typeface="나눔고딕" panose="020D0604000000000000" pitchFamily="50" charset="-127"/>
-                <a:ea typeface="나눔고딕" panose="020D0604000000000000" pitchFamily="50" charset="-127"/>
-              </a:rPr>
-              <a:t>steadyseller</a:t>
-            </a:r>
-            <a:r>
-              <a:rPr lang="ko-KR" altLang="en-US" sz="1100" b="1" dirty="0" smtClean="0">
-                <a:latin typeface="나눔고딕" panose="020D0604000000000000" pitchFamily="50" charset="-127"/>
-                <a:ea typeface="나눔고딕" panose="020D0604000000000000" pitchFamily="50" charset="-127"/>
-              </a:rPr>
-              <a:t>를 조건으로</a:t>
-            </a:r>
-            <a:endParaRPr lang="en-US" altLang="ko-KR" sz="1100" b="1" dirty="0" smtClean="0">
-              <a:latin typeface="나눔고딕" panose="020D0604000000000000" pitchFamily="50" charset="-127"/>
-              <a:ea typeface="나눔고딕" panose="020D0604000000000000" pitchFamily="50" charset="-127"/>
-            </a:endParaRPr>
-          </a:p>
-          <a:p>
-            <a:pPr algn="ctr"/>
-            <a:r>
-              <a:rPr lang="ko-KR" altLang="en-US" sz="1100" b="1" dirty="0" smtClean="0">
-                <a:latin typeface="나눔고딕" panose="020D0604000000000000" pitchFamily="50" charset="-127"/>
-                <a:ea typeface="나눔고딕" panose="020D0604000000000000" pitchFamily="50" charset="-127"/>
-              </a:rPr>
-              <a:t>각각 도서 정보 조회</a:t>
-            </a:r>
-            <a:r>
-              <a:rPr lang="en-US" altLang="ko-KR" sz="1100" b="1" dirty="0" smtClean="0">
-                <a:latin typeface="나눔고딕" panose="020D0604000000000000" pitchFamily="50" charset="-127"/>
-                <a:ea typeface="나눔고딕" panose="020D0604000000000000" pitchFamily="50" charset="-127"/>
-              </a:rPr>
-              <a:t>,</a:t>
-            </a:r>
-            <a:r>
-              <a:rPr lang="ko-KR" altLang="en-US" sz="1100" b="1" dirty="0" smtClean="0">
-                <a:latin typeface="나눔고딕" panose="020D0604000000000000" pitchFamily="50" charset="-127"/>
-                <a:ea typeface="나눔고딕" panose="020D0604000000000000" pitchFamily="50" charset="-127"/>
-              </a:rPr>
-              <a:t> </a:t>
-            </a:r>
-            <a:r>
-              <a:rPr lang="en-US" altLang="ko-KR" sz="1100" b="1" dirty="0" err="1" smtClean="0">
-                <a:latin typeface="나눔고딕" panose="020D0604000000000000" pitchFamily="50" charset="-127"/>
-                <a:ea typeface="나눔고딕" panose="020D0604000000000000" pitchFamily="50" charset="-127"/>
-              </a:rPr>
-              <a:t>HashMap</a:t>
-            </a:r>
-            <a:r>
-              <a:rPr lang="ko-KR" altLang="en-US" sz="1100" b="1" dirty="0" smtClean="0">
-                <a:latin typeface="나눔고딕" panose="020D0604000000000000" pitchFamily="50" charset="-127"/>
-                <a:ea typeface="나눔고딕" panose="020D0604000000000000" pitchFamily="50" charset="-127"/>
-              </a:rPr>
-              <a:t>에 저장 후 반환</a:t>
-            </a:r>
-            <a:endParaRPr lang="ko-KR" altLang="en-US" sz="1100" b="1" dirty="0">
-              <a:latin typeface="나눔고딕" panose="020D0604000000000000" pitchFamily="50" charset="-127"/>
-              <a:ea typeface="나눔고딕" panose="020D0604000000000000" pitchFamily="50" charset="-127"/>
-            </a:endParaRPr>
-          </a:p>
-        </p:txBody>
-      </p:sp>
-      <p:sp>
-        <p:nvSpPr>
-          <p:cNvPr id="25" name="직사각형 24"/>
-          <p:cNvSpPr/>
-          <p:nvPr/>
-        </p:nvSpPr>
-        <p:spPr>
-          <a:xfrm>
-            <a:off x="4578304" y="3345370"/>
-            <a:ext cx="3834176" cy="1020890"/>
-          </a:xfrm>
-          <a:prstGeom prst="rect">
-            <a:avLst/>
-          </a:prstGeom>
-          <a:noFill/>
-          <a:ln w="28575">
-            <a:solidFill>
-              <a:srgbClr val="FF0000"/>
-            </a:solidFill>
-            <a:prstDash val="sysDot"/>
-          </a:ln>
-        </p:spPr>
-        <p:style>
-          <a:lnRef idx="2">
-            <a:schemeClr val="accent1">
-              <a:shade val="50000"/>
-            </a:schemeClr>
-          </a:lnRef>
-          <a:fillRef idx="1">
-            <a:schemeClr val="accent1"/>
-          </a:fillRef>
-          <a:effectRef idx="0">
-            <a:schemeClr val="accent1"/>
-          </a:effectRef>
-          <a:fontRef idx="minor">
-            <a:schemeClr val="lt1"/>
-          </a:fontRef>
-        </p:style>
-        <p:txBody>
-          <a:bodyPr rtlCol="0" anchor="ctr"/>
-          <a:lstStyle/>
-          <a:p>
-            <a:pPr algn="ctr"/>
-            <a:endParaRPr lang="ko-KR" altLang="en-US"/>
-          </a:p>
-        </p:txBody>
-      </p:sp>
-      <p:sp>
-        <p:nvSpPr>
-          <p:cNvPr id="27" name="TextBox 26">
-            <a:extLst>
-              <a:ext uri="{FF2B5EF4-FFF2-40B4-BE49-F238E27FC236}">
-                <a16:creationId xmlns:a16="http://schemas.microsoft.com/office/drawing/2014/main" id="{A817718E-AE2D-4626-A2EC-F35A9ACE9710}"/>
-              </a:ext>
-            </a:extLst>
-          </p:cNvPr>
-          <p:cNvSpPr txBox="1"/>
-          <p:nvPr/>
-        </p:nvSpPr>
-        <p:spPr>
-          <a:xfrm>
-            <a:off x="7482370" y="2234476"/>
-            <a:ext cx="2416010" cy="600164"/>
-          </a:xfrm>
-          <a:prstGeom prst="rect">
-            <a:avLst/>
-          </a:prstGeom>
-          <a:ln w="28575">
-            <a:solidFill>
-              <a:srgbClr val="FF0000"/>
-            </a:solidFill>
-          </a:ln>
-        </p:spPr>
-        <p:style>
-          <a:lnRef idx="2">
-            <a:schemeClr val="accent6"/>
-          </a:lnRef>
-          <a:fillRef idx="1">
-            <a:schemeClr val="lt1"/>
-          </a:fillRef>
-          <a:effectRef idx="0">
-            <a:schemeClr val="accent6"/>
-          </a:effectRef>
-          <a:fontRef idx="minor">
-            <a:schemeClr val="dk1"/>
-          </a:fontRef>
-        </p:style>
-        <p:txBody>
-          <a:bodyPr wrap="square" rtlCol="0">
-            <a:spAutoFit/>
-          </a:bodyPr>
-          <a:lstStyle/>
-          <a:p>
-            <a:pPr algn="ctr"/>
-            <a:r>
-              <a:rPr lang="en-US" altLang="ko-KR" sz="1100" b="1" dirty="0" smtClean="0">
-                <a:solidFill>
-                  <a:schemeClr val="tx1"/>
-                </a:solidFill>
-                <a:latin typeface="나눔고딕" panose="020D0604000000000000" pitchFamily="50" charset="-127"/>
-                <a:ea typeface="나눔고딕" panose="020D0604000000000000" pitchFamily="50" charset="-127"/>
-              </a:rPr>
-              <a:t>SQL</a:t>
-            </a:r>
-            <a:r>
-              <a:rPr lang="ko-KR" altLang="en-US" sz="1100" b="1" dirty="0" smtClean="0">
-                <a:solidFill>
-                  <a:schemeClr val="tx1"/>
-                </a:solidFill>
-                <a:latin typeface="나눔고딕" panose="020D0604000000000000" pitchFamily="50" charset="-127"/>
-                <a:ea typeface="나눔고딕" panose="020D0604000000000000" pitchFamily="50" charset="-127"/>
-              </a:rPr>
-              <a:t>문의 조건으로 전달</a:t>
-            </a:r>
-            <a:endParaRPr lang="en-US" altLang="ko-KR" sz="1100" b="1" dirty="0" smtClean="0">
-              <a:solidFill>
-                <a:schemeClr val="tx1"/>
-              </a:solidFill>
-              <a:latin typeface="나눔고딕" panose="020D0604000000000000" pitchFamily="50" charset="-127"/>
-              <a:ea typeface="나눔고딕" panose="020D0604000000000000" pitchFamily="50" charset="-127"/>
-            </a:endParaRPr>
-          </a:p>
-          <a:p>
-            <a:pPr algn="ctr"/>
-            <a:r>
-              <a:rPr lang="ko-KR" altLang="en-US" sz="1100" b="1" dirty="0" smtClean="0">
-                <a:solidFill>
-                  <a:schemeClr val="tx1"/>
-                </a:solidFill>
-                <a:latin typeface="나눔고딕" panose="020D0604000000000000" pitchFamily="50" charset="-127"/>
-                <a:ea typeface="나눔고딕" panose="020D0604000000000000" pitchFamily="50" charset="-127"/>
-              </a:rPr>
-              <a:t>각각의 도서 정보를 조회</a:t>
-            </a:r>
-            <a:endParaRPr lang="en-US" altLang="ko-KR" sz="1100" b="1" dirty="0" smtClean="0">
-              <a:solidFill>
-                <a:schemeClr val="tx1"/>
-              </a:solidFill>
-              <a:latin typeface="나눔고딕" panose="020D0604000000000000" pitchFamily="50" charset="-127"/>
-              <a:ea typeface="나눔고딕" panose="020D0604000000000000" pitchFamily="50" charset="-127"/>
-            </a:endParaRPr>
-          </a:p>
-          <a:p>
-            <a:pPr algn="ctr"/>
-            <a:r>
-              <a:rPr lang="en-US" altLang="ko-KR" sz="1100" b="1" dirty="0" err="1" smtClean="0">
-                <a:solidFill>
-                  <a:schemeClr val="tx1"/>
-                </a:solidFill>
-                <a:latin typeface="나눔고딕" panose="020D0604000000000000" pitchFamily="50" charset="-127"/>
-                <a:ea typeface="나눔고딕" panose="020D0604000000000000" pitchFamily="50" charset="-127"/>
-              </a:rPr>
-              <a:t>HashMap</a:t>
-            </a:r>
-            <a:r>
-              <a:rPr lang="ko-KR" altLang="en-US" sz="1100" b="1" dirty="0" smtClean="0">
-                <a:solidFill>
-                  <a:schemeClr val="tx1"/>
-                </a:solidFill>
-                <a:latin typeface="나눔고딕" panose="020D0604000000000000" pitchFamily="50" charset="-127"/>
-                <a:ea typeface="나눔고딕" panose="020D0604000000000000" pitchFamily="50" charset="-127"/>
-              </a:rPr>
-              <a:t>에 저장 후 컨트롤러로 반환</a:t>
-            </a:r>
-            <a:endParaRPr lang="ko-KR" altLang="en-US" sz="1100" b="1" dirty="0">
-              <a:solidFill>
-                <a:schemeClr val="tx1"/>
-              </a:solidFill>
-              <a:latin typeface="나눔고딕" panose="020D0604000000000000" pitchFamily="50" charset="-127"/>
-              <a:ea typeface="나눔고딕" panose="020D0604000000000000" pitchFamily="50" charset="-127"/>
-            </a:endParaRPr>
-          </a:p>
-        </p:txBody>
-      </p:sp>
-    </p:spTree>
-    <p:extLst>
-      <p:ext uri="{BB962C8B-B14F-4D97-AF65-F5344CB8AC3E}">
-        <p14:creationId xmlns:p14="http://schemas.microsoft.com/office/powerpoint/2010/main" val="1406233088"/>
       </p:ext>
     </p:extLst>
   </p:cSld>
@@ -11493,9 +11365,84 @@
           </a:p>
         </p:txBody>
       </p:sp>
+      <p:sp>
+        <p:nvSpPr>
+          <p:cNvPr id="36" name="TextBox 35">
+            <a:extLst>
+              <a:ext uri="{FF2B5EF4-FFF2-40B4-BE49-F238E27FC236}">
+                <a16:creationId xmlns:a16="http://schemas.microsoft.com/office/drawing/2014/main" id="{A817718E-AE2D-4626-A2EC-F35A9ACE9710}"/>
+              </a:ext>
+            </a:extLst>
+          </p:cNvPr>
+          <p:cNvSpPr txBox="1"/>
+          <p:nvPr/>
+        </p:nvSpPr>
+        <p:spPr>
+          <a:xfrm>
+            <a:off x="1356173" y="1481100"/>
+            <a:ext cx="4137671" cy="261610"/>
+          </a:xfrm>
+          <a:prstGeom prst="rect">
+            <a:avLst/>
+          </a:prstGeom>
+          <a:ln w="28575">
+            <a:solidFill>
+              <a:schemeClr val="tx1"/>
+            </a:solidFill>
+          </a:ln>
+        </p:spPr>
+        <p:style>
+          <a:lnRef idx="2">
+            <a:schemeClr val="accent6"/>
+          </a:lnRef>
+          <a:fillRef idx="1">
+            <a:schemeClr val="lt1"/>
+          </a:fillRef>
+          <a:effectRef idx="0">
+            <a:schemeClr val="accent6"/>
+          </a:effectRef>
+          <a:fontRef idx="minor">
+            <a:schemeClr val="dk1"/>
+          </a:fontRef>
+        </p:style>
+        <p:txBody>
+          <a:bodyPr wrap="none" rtlCol="0">
+            <a:spAutoFit/>
+          </a:bodyPr>
+          <a:lstStyle/>
+          <a:p>
+            <a:pPr algn="ctr"/>
+            <a:r>
+              <a:rPr lang="ko-KR" altLang="en-US" sz="1100" b="1" dirty="0" smtClean="0">
+                <a:latin typeface="나눔고딕" panose="020D0604000000000000" pitchFamily="50" charset="-127"/>
+                <a:ea typeface="나눔고딕" panose="020D0604000000000000" pitchFamily="50" charset="-127"/>
+              </a:rPr>
+              <a:t>메인 페이지에도 상품 정보가 표시 되므로 </a:t>
+            </a:r>
+            <a:r>
+              <a:rPr lang="en-US" altLang="ko-KR" sz="1100" b="1" dirty="0" smtClean="0">
+                <a:latin typeface="나눔고딕" panose="020D0604000000000000" pitchFamily="50" charset="-127"/>
+                <a:ea typeface="나눔고딕" panose="020D0604000000000000" pitchFamily="50" charset="-127"/>
+              </a:rPr>
+              <a:t>goods </a:t>
+            </a:r>
+            <a:r>
+              <a:rPr lang="ko-KR" altLang="en-US" sz="1100" b="1" dirty="0" smtClean="0">
+                <a:latin typeface="나눔고딕" panose="020D0604000000000000" pitchFamily="50" charset="-127"/>
+                <a:ea typeface="나눔고딕" panose="020D0604000000000000" pitchFamily="50" charset="-127"/>
+              </a:rPr>
+              <a:t>패키지 기능 사용</a:t>
+            </a:r>
+            <a:endParaRPr lang="en-US" altLang="ko-KR" sz="1100" b="1" dirty="0" smtClean="0">
+              <a:latin typeface="나눔고딕" panose="020D0604000000000000" pitchFamily="50" charset="-127"/>
+              <a:ea typeface="나눔고딕" panose="020D0604000000000000" pitchFamily="50" charset="-127"/>
+            </a:endParaRPr>
+          </a:p>
+        </p:txBody>
+      </p:sp>
       <p:pic>
         <p:nvPicPr>
-          <p:cNvPr id="3" name="그림 2"/>
+          <p:cNvPr id="30" name="그림 29"/>
           <p:cNvPicPr>
             <a:picLocks noChangeAspect="1"/>
           </p:cNvPicPr>
@@ -11509,8 +11456,8 @@
         </p:blipFill>
         <p:spPr>
           <a:xfrm>
-            <a:off x="1357312" y="1825682"/>
-            <a:ext cx="2109095" cy="3987344"/>
+            <a:off x="1371413" y="1921622"/>
+            <a:ext cx="2219325" cy="2419350"/>
           </a:xfrm>
           <a:prstGeom prst="rect">
             <a:avLst/>
@@ -11522,19 +11469,132 @@
           </a:ln>
         </p:spPr>
       </p:pic>
+      <p:sp>
+        <p:nvSpPr>
+          <p:cNvPr id="39" name="직사각형 38"/>
+          <p:cNvSpPr/>
+          <p:nvPr/>
+        </p:nvSpPr>
+        <p:spPr>
+          <a:xfrm>
+            <a:off x="1671336" y="3267237"/>
+            <a:ext cx="1414764" cy="196392"/>
+          </a:xfrm>
+          <a:prstGeom prst="rect">
+            <a:avLst/>
+          </a:prstGeom>
+          <a:noFill/>
+          <a:ln w="28575">
+            <a:solidFill>
+              <a:srgbClr val="FF0000"/>
+            </a:solidFill>
+            <a:prstDash val="sysDot"/>
+          </a:ln>
+        </p:spPr>
+        <p:style>
+          <a:lnRef idx="2">
+            <a:schemeClr val="accent1">
+              <a:shade val="50000"/>
+            </a:schemeClr>
+          </a:lnRef>
+          <a:fillRef idx="1">
+            <a:schemeClr val="accent1"/>
+          </a:fillRef>
+          <a:effectRef idx="0">
+            <a:schemeClr val="accent1"/>
+          </a:effectRef>
+          <a:fontRef idx="minor">
+            <a:schemeClr val="lt1"/>
+          </a:fontRef>
+        </p:style>
+        <p:txBody>
+          <a:bodyPr rtlCol="0" anchor="ctr"/>
+          <a:lstStyle/>
+          <a:p>
+            <a:pPr algn="ctr"/>
+            <a:endParaRPr lang="ko-KR" altLang="en-US"/>
+          </a:p>
+        </p:txBody>
+      </p:sp>
       <p:cxnSp>
         <p:nvCxnSpPr>
-          <p:cNvPr id="9" name="직선 화살표 연결선 8"/>
+          <p:cNvPr id="42" name="직선 화살표 연결선 41"/>
           <p:cNvCxnSpPr>
-            <a:stCxn id="12" idx="3"/>
-            <a:endCxn id="11" idx="2"/>
+            <a:stCxn id="39" idx="3"/>
+            <a:endCxn id="2" idx="1"/>
           </p:cNvCxnSpPr>
           <p:nvPr/>
         </p:nvCxnSpPr>
         <p:spPr>
-          <a:xfrm flipV="1">
-            <a:off x="2847975" y="4549465"/>
-            <a:ext cx="331854" cy="387246"/>
+          <a:xfrm>
+            <a:off x="3086100" y="3365433"/>
+            <a:ext cx="1048526" cy="107724"/>
+          </a:xfrm>
+          <a:prstGeom prst="straightConnector1">
+            <a:avLst/>
+          </a:prstGeom>
+          <a:ln w="28575">
+            <a:solidFill>
+              <a:srgbClr val="FF0000"/>
+            </a:solidFill>
+            <a:tailEnd type="triangle"/>
+          </a:ln>
+        </p:spPr>
+        <p:style>
+          <a:lnRef idx="1">
+            <a:schemeClr val="accent1"/>
+          </a:lnRef>
+          <a:fillRef idx="0">
+            <a:schemeClr val="accent1"/>
+          </a:fillRef>
+          <a:effectRef idx="0">
+            <a:schemeClr val="accent1"/>
+          </a:effectRef>
+          <a:fontRef idx="minor">
+            <a:schemeClr val="tx1"/>
+          </a:fontRef>
+        </p:style>
+      </p:cxnSp>
+      <p:pic>
+        <p:nvPicPr>
+          <p:cNvPr id="2" name="그림 1"/>
+          <p:cNvPicPr>
+            <a:picLocks noChangeAspect="1"/>
+          </p:cNvPicPr>
+          <p:nvPr/>
+        </p:nvPicPr>
+        <p:blipFill rotWithShape="1">
+          <a:blip r:embed="rId3"/>
+          <a:srcRect l="418" b="29733"/>
+          <a:stretch/>
+        </p:blipFill>
+        <p:spPr>
+          <a:xfrm>
+            <a:off x="4134626" y="1921622"/>
+            <a:ext cx="4535549" cy="3103070"/>
+          </a:xfrm>
+          <a:prstGeom prst="rect">
+            <a:avLst/>
+          </a:prstGeom>
+          <a:ln w="28575">
+            <a:solidFill>
+              <a:schemeClr val="accent1"/>
+            </a:solidFill>
+          </a:ln>
+        </p:spPr>
+      </p:pic>
+      <p:cxnSp>
+        <p:nvCxnSpPr>
+          <p:cNvPr id="23" name="직선 화살표 연결선 22"/>
+          <p:cNvCxnSpPr>
+            <a:endCxn id="24" idx="1"/>
+          </p:cNvCxnSpPr>
+          <p:nvPr/>
+        </p:nvCxnSpPr>
+        <p:spPr>
+          <a:xfrm>
+            <a:off x="7604760" y="3779632"/>
+            <a:ext cx="410356" cy="434977"/>
           </a:xfrm>
           <a:prstGeom prst="straightConnector1">
             <a:avLst/>
@@ -11563,7 +11623,7 @@
       </p:cxnSp>
       <p:sp>
         <p:nvSpPr>
-          <p:cNvPr id="11" name="TextBox 10">
+          <p:cNvPr id="24" name="TextBox 23">
             <a:extLst>
               <a:ext uri="{FF2B5EF4-FFF2-40B4-BE49-F238E27FC236}">
                 <a16:creationId xmlns:a16="http://schemas.microsoft.com/office/drawing/2014/main" id="{A817718E-AE2D-4626-A2EC-F35A9ACE9710}"/>
@@ -11575,8 +11635,8 @@
         </p:nvSpPr>
         <p:spPr>
           <a:xfrm>
-            <a:off x="2150635" y="4287855"/>
-            <a:ext cx="2058387" cy="261610"/>
+            <a:off x="8015116" y="3999165"/>
+            <a:ext cx="3011024" cy="430887"/>
           </a:xfrm>
           <a:prstGeom prst="rect">
             <a:avLst/>
@@ -11609,32 +11669,81 @@
           <a:p>
             <a:pPr algn="ctr"/>
             <a:r>
+              <a:rPr lang="en-US" altLang="ko-KR" sz="1100" b="1" dirty="0" smtClean="0">
+                <a:latin typeface="나눔고딕" panose="020D0604000000000000" pitchFamily="50" charset="-127"/>
+                <a:ea typeface="나눔고딕" panose="020D0604000000000000" pitchFamily="50" charset="-127"/>
+              </a:rPr>
+              <a:t>bestseller, </a:t>
+            </a:r>
+            <a:r>
+              <a:rPr lang="en-US" altLang="ko-KR" sz="1100" b="1" dirty="0" err="1" smtClean="0">
+                <a:latin typeface="나눔고딕" panose="020D0604000000000000" pitchFamily="50" charset="-127"/>
+                <a:ea typeface="나눔고딕" panose="020D0604000000000000" pitchFamily="50" charset="-127"/>
+              </a:rPr>
+              <a:t>newbook</a:t>
+            </a:r>
+            <a:r>
+              <a:rPr lang="en-US" altLang="ko-KR" sz="1100" b="1" dirty="0" smtClean="0">
+                <a:latin typeface="나눔고딕" panose="020D0604000000000000" pitchFamily="50" charset="-127"/>
+                <a:ea typeface="나눔고딕" panose="020D0604000000000000" pitchFamily="50" charset="-127"/>
+              </a:rPr>
+              <a:t>, </a:t>
+            </a:r>
+            <a:r>
+              <a:rPr lang="en-US" altLang="ko-KR" sz="1100" b="1" dirty="0" err="1" smtClean="0">
+                <a:latin typeface="나눔고딕" panose="020D0604000000000000" pitchFamily="50" charset="-127"/>
+                <a:ea typeface="나눔고딕" panose="020D0604000000000000" pitchFamily="50" charset="-127"/>
+              </a:rPr>
+              <a:t>steadyseller</a:t>
+            </a:r>
+            <a:r>
               <a:rPr lang="ko-KR" altLang="en-US" sz="1100" b="1" dirty="0" smtClean="0">
                 <a:latin typeface="나눔고딕" panose="020D0604000000000000" pitchFamily="50" charset="-127"/>
                 <a:ea typeface="나눔고딕" panose="020D0604000000000000" pitchFamily="50" charset="-127"/>
               </a:rPr>
-              <a:t>메인페이지를 </a:t>
-            </a:r>
-            <a:r>
-              <a:rPr lang="ko-KR" altLang="en-US" sz="1100" b="1" smtClean="0">
-                <a:latin typeface="나눔고딕" panose="020D0604000000000000" pitchFamily="50" charset="-127"/>
-                <a:ea typeface="나눔고딕" panose="020D0604000000000000" pitchFamily="50" charset="-127"/>
-              </a:rPr>
-              <a:t>나타낼 </a:t>
+              <a:t>를 조건으로</a:t>
+            </a:r>
+            <a:endParaRPr lang="en-US" altLang="ko-KR" sz="1100" b="1" dirty="0" smtClean="0">
+              <a:latin typeface="나눔고딕" panose="020D0604000000000000" pitchFamily="50" charset="-127"/>
+              <a:ea typeface="나눔고딕" panose="020D0604000000000000" pitchFamily="50" charset="-127"/>
+            </a:endParaRPr>
+          </a:p>
+          <a:p>
+            <a:pPr algn="ctr"/>
+            <a:r>
+              <a:rPr lang="ko-KR" altLang="en-US" sz="1100" b="1" dirty="0" smtClean="0">
+                <a:latin typeface="나눔고딕" panose="020D0604000000000000" pitchFamily="50" charset="-127"/>
+                <a:ea typeface="나눔고딕" panose="020D0604000000000000" pitchFamily="50" charset="-127"/>
+              </a:rPr>
+              <a:t>각각 도서 정보 조회</a:t>
             </a:r>
             <a:r>
               <a:rPr lang="en-US" altLang="ko-KR" sz="1100" b="1" dirty="0" smtClean="0">
                 <a:latin typeface="나눔고딕" panose="020D0604000000000000" pitchFamily="50" charset="-127"/>
                 <a:ea typeface="나눔고딕" panose="020D0604000000000000" pitchFamily="50" charset="-127"/>
               </a:rPr>
-              <a:t>tiles </a:t>
+              <a:t>,</a:t>
             </a:r>
             <a:r>
               <a:rPr lang="ko-KR" altLang="en-US" sz="1100" b="1" dirty="0" smtClean="0">
                 <a:latin typeface="나눔고딕" panose="020D0604000000000000" pitchFamily="50" charset="-127"/>
                 <a:ea typeface="나눔고딕" panose="020D0604000000000000" pitchFamily="50" charset="-127"/>
               </a:rPr>
-              <a:t>설정</a:t>
+              <a:t> </a:t>
+            </a:r>
+            <a:r>
+              <a:rPr lang="en-US" altLang="ko-KR" sz="1100" b="1" dirty="0" err="1" smtClean="0">
+                <a:latin typeface="나눔고딕" panose="020D0604000000000000" pitchFamily="50" charset="-127"/>
+                <a:ea typeface="나눔고딕" panose="020D0604000000000000" pitchFamily="50" charset="-127"/>
+              </a:rPr>
+              <a:t>HashMap</a:t>
+            </a:r>
+            <a:r>
+              <a:rPr lang="ko-KR" altLang="en-US" sz="1100" b="1" dirty="0" smtClean="0">
+                <a:latin typeface="나눔고딕" panose="020D0604000000000000" pitchFamily="50" charset="-127"/>
+                <a:ea typeface="나눔고딕" panose="020D0604000000000000" pitchFamily="50" charset="-127"/>
+              </a:rPr>
+              <a:t>에 저장 후 반환</a:t>
             </a:r>
             <a:endParaRPr lang="ko-KR" altLang="en-US" sz="1100" b="1" dirty="0">
               <a:latin typeface="나눔고딕" panose="020D0604000000000000" pitchFamily="50" charset="-127"/>
@@ -11645,14 +11754,14 @@
       </p:sp>
       <p:sp>
         <p:nvSpPr>
-          <p:cNvPr id="12" name="직사각형 11"/>
+          <p:cNvPr id="25" name="직사각형 24"/>
           <p:cNvSpPr/>
           <p:nvPr/>
         </p:nvSpPr>
         <p:spPr>
           <a:xfrm>
-            <a:off x="1708578" y="4831522"/>
-            <a:ext cx="1139397" cy="210377"/>
+            <a:off x="4534116" y="2847975"/>
+            <a:ext cx="3590709" cy="925724"/>
           </a:xfrm>
           <a:prstGeom prst="rect">
             <a:avLst/>
@@ -11690,47 +11799,9 @@
           </a:p>
         </p:txBody>
       </p:sp>
-      <p:cxnSp>
-        <p:nvCxnSpPr>
-          <p:cNvPr id="20" name="직선 화살표 연결선 19"/>
-          <p:cNvCxnSpPr>
-            <a:endCxn id="21" idx="0"/>
-          </p:cNvCxnSpPr>
-          <p:nvPr/>
-        </p:nvCxnSpPr>
-        <p:spPr>
-          <a:xfrm>
-            <a:off x="5529263" y="5165245"/>
-            <a:ext cx="4974" cy="345426"/>
-          </a:xfrm>
-          <a:prstGeom prst="straightConnector1">
-            <a:avLst/>
-          </a:prstGeom>
-          <a:ln w="28575">
-            <a:solidFill>
-              <a:srgbClr val="FF0000"/>
-            </a:solidFill>
-            <a:tailEnd type="triangle"/>
-          </a:ln>
-        </p:spPr>
-        <p:style>
-          <a:lnRef idx="1">
-            <a:schemeClr val="accent1"/>
-          </a:lnRef>
-          <a:fillRef idx="0">
-            <a:schemeClr val="accent1"/>
-          </a:fillRef>
-          <a:effectRef idx="0">
-            <a:schemeClr val="accent1"/>
-          </a:effectRef>
-          <a:fontRef idx="minor">
-            <a:schemeClr val="tx1"/>
-          </a:fontRef>
-        </p:style>
-      </p:cxnSp>
       <p:sp>
         <p:nvSpPr>
-          <p:cNvPr id="21" name="TextBox 20">
+          <p:cNvPr id="27" name="TextBox 26">
             <a:extLst>
               <a:ext uri="{FF2B5EF4-FFF2-40B4-BE49-F238E27FC236}">
                 <a16:creationId xmlns:a16="http://schemas.microsoft.com/office/drawing/2014/main" id="{A817718E-AE2D-4626-A2EC-F35A9ACE9710}"/>
@@ -11742,8 +11813,8 @@
         </p:nvSpPr>
         <p:spPr>
           <a:xfrm>
-            <a:off x="4439074" y="5510671"/>
-            <a:ext cx="2190326" cy="261610"/>
+            <a:off x="7241070" y="1787548"/>
+            <a:ext cx="2416010" cy="600164"/>
           </a:xfrm>
           <a:prstGeom prst="rect">
             <a:avLst/>
@@ -11776,31 +11847,281 @@
           <a:p>
             <a:pPr algn="ctr"/>
             <a:r>
-              <a:rPr lang="ko-KR" altLang="en-US" sz="1100" b="1" smtClean="0">
-                <a:latin typeface="나눔고딕" panose="020D0604000000000000" pitchFamily="50" charset="-127"/>
-                <a:ea typeface="나눔고딕" panose="020D0604000000000000" pitchFamily="50" charset="-127"/>
-              </a:rPr>
-              <a:t>쇼핑몰 메인 페이지 레이아웃 설정</a:t>
-            </a:r>
-            <a:endParaRPr lang="ko-KR" altLang="en-US" sz="1100" b="1" dirty="0">
+              <a:rPr lang="en-US" altLang="ko-KR" sz="1100" b="1" dirty="0" smtClean="0">
+                <a:solidFill>
+                  <a:schemeClr val="tx1"/>
+                </a:solidFill>
+                <a:latin typeface="나눔고딕" panose="020D0604000000000000" pitchFamily="50" charset="-127"/>
+                <a:ea typeface="나눔고딕" panose="020D0604000000000000" pitchFamily="50" charset="-127"/>
+              </a:rPr>
+              <a:t>SQL</a:t>
+            </a:r>
+            <a:r>
+              <a:rPr lang="ko-KR" altLang="en-US" sz="1100" b="1" dirty="0" smtClean="0">
+                <a:solidFill>
+                  <a:schemeClr val="tx1"/>
+                </a:solidFill>
+                <a:latin typeface="나눔고딕" panose="020D0604000000000000" pitchFamily="50" charset="-127"/>
+                <a:ea typeface="나눔고딕" panose="020D0604000000000000" pitchFamily="50" charset="-127"/>
+              </a:rPr>
+              <a:t>문의 조건으로 전달</a:t>
+            </a:r>
+            <a:endParaRPr lang="en-US" altLang="ko-KR" sz="1100" b="1" dirty="0" smtClean="0">
+              <a:solidFill>
+                <a:schemeClr val="tx1"/>
+              </a:solidFill>
               <a:latin typeface="나눔고딕" panose="020D0604000000000000" pitchFamily="50" charset="-127"/>
               <a:ea typeface="나눔고딕" panose="020D0604000000000000" pitchFamily="50" charset="-127"/>
             </a:endParaRPr>
+          </a:p>
+          <a:p>
+            <a:pPr algn="ctr"/>
+            <a:r>
+              <a:rPr lang="ko-KR" altLang="en-US" sz="1100" b="1" dirty="0" smtClean="0">
+                <a:solidFill>
+                  <a:schemeClr val="tx1"/>
+                </a:solidFill>
+                <a:latin typeface="나눔고딕" panose="020D0604000000000000" pitchFamily="50" charset="-127"/>
+                <a:ea typeface="나눔고딕" panose="020D0604000000000000" pitchFamily="50" charset="-127"/>
+              </a:rPr>
+              <a:t>각각의 도서 정보를 조회</a:t>
+            </a:r>
+            <a:endParaRPr lang="en-US" altLang="ko-KR" sz="1100" b="1" dirty="0" smtClean="0">
+              <a:solidFill>
+                <a:schemeClr val="tx1"/>
+              </a:solidFill>
+              <a:latin typeface="나눔고딕" panose="020D0604000000000000" pitchFamily="50" charset="-127"/>
+              <a:ea typeface="나눔고딕" panose="020D0604000000000000" pitchFamily="50" charset="-127"/>
+            </a:endParaRPr>
+          </a:p>
+          <a:p>
+            <a:pPr algn="ctr"/>
+            <a:r>
+              <a:rPr lang="en-US" altLang="ko-KR" sz="1100" b="1" dirty="0" err="1" smtClean="0">
+                <a:solidFill>
+                  <a:schemeClr val="tx1"/>
+                </a:solidFill>
+                <a:latin typeface="나눔고딕" panose="020D0604000000000000" pitchFamily="50" charset="-127"/>
+                <a:ea typeface="나눔고딕" panose="020D0604000000000000" pitchFamily="50" charset="-127"/>
+              </a:rPr>
+              <a:t>HashMap</a:t>
+            </a:r>
+            <a:r>
+              <a:rPr lang="ko-KR" altLang="en-US" sz="1100" b="1" dirty="0" smtClean="0">
+                <a:solidFill>
+                  <a:schemeClr val="tx1"/>
+                </a:solidFill>
+                <a:latin typeface="나눔고딕" panose="020D0604000000000000" pitchFamily="50" charset="-127"/>
+                <a:ea typeface="나눔고딕" panose="020D0604000000000000" pitchFamily="50" charset="-127"/>
+              </a:rPr>
+              <a:t>에 저장 후 컨트롤러로 반환</a:t>
+            </a:r>
+            <a:endParaRPr lang="ko-KR" altLang="en-US" sz="1100" b="1" dirty="0">
+              <a:solidFill>
+                <a:schemeClr val="tx1"/>
+              </a:solidFill>
+              <a:latin typeface="나눔고딕" panose="020D0604000000000000" pitchFamily="50" charset="-127"/>
+              <a:ea typeface="나눔고딕" panose="020D0604000000000000" pitchFamily="50" charset="-127"/>
+            </a:endParaRPr>
+          </a:p>
+        </p:txBody>
+      </p:sp>
+      <p:pic>
+        <p:nvPicPr>
+          <p:cNvPr id="3" name="그림 2"/>
+          <p:cNvPicPr>
+            <a:picLocks noChangeAspect="1"/>
+          </p:cNvPicPr>
+          <p:nvPr/>
+        </p:nvPicPr>
+        <p:blipFill rotWithShape="1">
+          <a:blip r:embed="rId4"/>
+          <a:srcRect l="464" r="1" b="2898"/>
+          <a:stretch/>
+        </p:blipFill>
+        <p:spPr>
+          <a:xfrm>
+            <a:off x="1371600" y="5267325"/>
+            <a:ext cx="6233160" cy="1257005"/>
+          </a:xfrm>
+          <a:prstGeom prst="rect">
+            <a:avLst/>
+          </a:prstGeom>
+          <a:ln w="28575">
+            <a:solidFill>
+              <a:schemeClr val="accent1"/>
+            </a:solidFill>
+          </a:ln>
+        </p:spPr>
+      </p:pic>
+      <p:sp>
+        <p:nvSpPr>
+          <p:cNvPr id="14" name="직사각형 13"/>
+          <p:cNvSpPr/>
+          <p:nvPr/>
+        </p:nvSpPr>
+        <p:spPr>
+          <a:xfrm>
+            <a:off x="1671336" y="2752954"/>
+            <a:ext cx="1294114" cy="196392"/>
+          </a:xfrm>
+          <a:prstGeom prst="rect">
+            <a:avLst/>
+          </a:prstGeom>
+          <a:noFill/>
+          <a:ln w="28575">
+            <a:solidFill>
+              <a:srgbClr val="FF0000"/>
+            </a:solidFill>
+            <a:prstDash val="sysDot"/>
+          </a:ln>
+        </p:spPr>
+        <p:style>
+          <a:lnRef idx="2">
+            <a:schemeClr val="accent1">
+              <a:shade val="50000"/>
+            </a:schemeClr>
+          </a:lnRef>
+          <a:fillRef idx="1">
+            <a:schemeClr val="accent1"/>
+          </a:fillRef>
+          <a:effectRef idx="0">
+            <a:schemeClr val="accent1"/>
+          </a:effectRef>
+          <a:fontRef idx="minor">
+            <a:schemeClr val="lt1"/>
+          </a:fontRef>
+        </p:style>
+        <p:txBody>
+          <a:bodyPr rtlCol="0" anchor="ctr"/>
+          <a:lstStyle/>
+          <a:p>
+            <a:pPr algn="ctr"/>
+            <a:endParaRPr lang="ko-KR" altLang="en-US"/>
           </a:p>
         </p:txBody>
       </p:sp>
       <p:cxnSp>
         <p:nvCxnSpPr>
-          <p:cNvPr id="32" name="직선 화살표 연결선 31"/>
+          <p:cNvPr id="15" name="직선 화살표 연결선 14"/>
           <p:cNvCxnSpPr>
-            <a:endCxn id="33" idx="0"/>
+            <a:endCxn id="3" idx="1"/>
           </p:cNvCxnSpPr>
           <p:nvPr/>
         </p:nvCxnSpPr>
         <p:spPr>
           <a:xfrm>
-            <a:off x="5319713" y="3171825"/>
-            <a:ext cx="472" cy="334396"/>
+            <a:off x="942192" y="5895827"/>
+            <a:ext cx="429408" cy="1"/>
+          </a:xfrm>
+          <a:prstGeom prst="straightConnector1">
+            <a:avLst/>
+          </a:prstGeom>
+          <a:ln w="28575">
+            <a:solidFill>
+              <a:srgbClr val="FF0000"/>
+            </a:solidFill>
+            <a:tailEnd type="triangle"/>
+          </a:ln>
+        </p:spPr>
+        <p:style>
+          <a:lnRef idx="1">
+            <a:schemeClr val="accent1"/>
+          </a:lnRef>
+          <a:fillRef idx="0">
+            <a:schemeClr val="accent1"/>
+          </a:fillRef>
+          <a:effectRef idx="0">
+            <a:schemeClr val="accent1"/>
+          </a:effectRef>
+          <a:fontRef idx="minor">
+            <a:schemeClr val="tx1"/>
+          </a:fontRef>
+        </p:style>
+      </p:cxnSp>
+      <p:cxnSp>
+        <p:nvCxnSpPr>
+          <p:cNvPr id="26" name="직선 연결선 25"/>
+          <p:cNvCxnSpPr/>
+          <p:nvPr/>
+        </p:nvCxnSpPr>
+        <p:spPr>
+          <a:xfrm flipH="1">
+            <a:off x="942474" y="2860675"/>
+            <a:ext cx="1" cy="3028802"/>
+          </a:xfrm>
+          <a:prstGeom prst="line">
+            <a:avLst/>
+          </a:prstGeom>
+          <a:ln w="28575">
+            <a:solidFill>
+              <a:srgbClr val="FF0000"/>
+            </a:solidFill>
+          </a:ln>
+        </p:spPr>
+        <p:style>
+          <a:lnRef idx="1">
+            <a:schemeClr val="accent1"/>
+          </a:lnRef>
+          <a:fillRef idx="0">
+            <a:schemeClr val="accent1"/>
+          </a:fillRef>
+          <a:effectRef idx="0">
+            <a:schemeClr val="accent1"/>
+          </a:effectRef>
+          <a:fontRef idx="minor">
+            <a:schemeClr val="tx1"/>
+          </a:fontRef>
+        </p:style>
+      </p:cxnSp>
+      <p:cxnSp>
+        <p:nvCxnSpPr>
+          <p:cNvPr id="21" name="직선 연결선 20"/>
+          <p:cNvCxnSpPr/>
+          <p:nvPr/>
+        </p:nvCxnSpPr>
+        <p:spPr>
+          <a:xfrm flipH="1">
+            <a:off x="942192" y="2847975"/>
+            <a:ext cx="729144" cy="0"/>
+          </a:xfrm>
+          <a:prstGeom prst="line">
+            <a:avLst/>
+          </a:prstGeom>
+          <a:ln w="28575">
+            <a:solidFill>
+              <a:srgbClr val="FF0000"/>
+            </a:solidFill>
+          </a:ln>
+        </p:spPr>
+        <p:style>
+          <a:lnRef idx="1">
+            <a:schemeClr val="accent1"/>
+          </a:lnRef>
+          <a:fillRef idx="0">
+            <a:schemeClr val="accent1"/>
+          </a:fillRef>
+          <a:effectRef idx="0">
+            <a:schemeClr val="accent1"/>
+          </a:effectRef>
+          <a:fontRef idx="minor">
+            <a:schemeClr val="tx1"/>
+          </a:fontRef>
+        </p:style>
+      </p:cxnSp>
+      <p:cxnSp>
+        <p:nvCxnSpPr>
+          <p:cNvPr id="33" name="직선 화살표 연결선 32"/>
+          <p:cNvCxnSpPr>
+            <a:stCxn id="35" idx="3"/>
+            <a:endCxn id="34" idx="1"/>
+          </p:cNvCxnSpPr>
+          <p:nvPr/>
+        </p:nvCxnSpPr>
+        <p:spPr>
+          <a:xfrm flipV="1">
+            <a:off x="7579520" y="5889477"/>
+            <a:ext cx="646862" cy="307692"/>
           </a:xfrm>
           <a:prstGeom prst="straightConnector1">
             <a:avLst/>
@@ -11829,7 +12150,7 @@
       </p:cxnSp>
       <p:sp>
         <p:nvSpPr>
-          <p:cNvPr id="33" name="TextBox 32">
+          <p:cNvPr id="34" name="TextBox 33">
             <a:extLst>
               <a:ext uri="{FF2B5EF4-FFF2-40B4-BE49-F238E27FC236}">
                 <a16:creationId xmlns:a16="http://schemas.microsoft.com/office/drawing/2014/main" id="{A817718E-AE2D-4626-A2EC-F35A9ACE9710}"/>
@@ -11841,8 +12162,8 @@
         </p:nvSpPr>
         <p:spPr>
           <a:xfrm>
-            <a:off x="4439074" y="3506221"/>
-            <a:ext cx="1762221" cy="261610"/>
+            <a:off x="8226382" y="5758672"/>
+            <a:ext cx="3128803" cy="261610"/>
           </a:xfrm>
           <a:prstGeom prst="rect">
             <a:avLst/>
@@ -11875,11 +12196,18 @@
           <a:p>
             <a:pPr algn="ctr"/>
             <a:r>
+              <a:rPr lang="ko-KR" altLang="en-US" sz="1100" b="1" dirty="0" smtClean="0">
+                <a:latin typeface="나눔고딕" panose="020D0604000000000000" pitchFamily="50" charset="-127"/>
+                <a:ea typeface="나눔고딕" panose="020D0604000000000000" pitchFamily="50" charset="-127"/>
+              </a:rPr>
+              <a:t>메서드 호출 시 </a:t>
+            </a:r>
+            <a:r>
               <a:rPr lang="ko-KR" altLang="en-US" sz="1100" b="1" smtClean="0">
                 <a:latin typeface="나눔고딕" panose="020D0604000000000000" pitchFamily="50" charset="-127"/>
                 <a:ea typeface="나눔고딕" panose="020D0604000000000000" pitchFamily="50" charset="-127"/>
               </a:rPr>
-              <a:t>쇼핑몰 기본 레이아웃 설정</a:t>
+              <a:t>전달된 조건으로 도서 정보를 조회</a:t>
             </a:r>
             <a:endParaRPr lang="ko-KR" altLang="en-US" sz="1100" b="1" dirty="0">
               <a:latin typeface="나눔고딕" panose="020D0604000000000000" pitchFamily="50" charset="-127"/>
@@ -11888,66 +12216,57 @@
           </a:p>
         </p:txBody>
       </p:sp>
-      <p:pic>
-        <p:nvPicPr>
-          <p:cNvPr id="5" name="그림 4"/>
-          <p:cNvPicPr>
-            <a:picLocks noChangeAspect="1"/>
-          </p:cNvPicPr>
-          <p:nvPr/>
-        </p:nvPicPr>
-        <p:blipFill rotWithShape="1">
-          <a:blip r:embed="rId3"/>
-          <a:srcRect t="64669" r="14051"/>
-          <a:stretch/>
-        </p:blipFill>
-        <p:spPr>
-          <a:xfrm>
-            <a:off x="4447387" y="4349410"/>
-            <a:ext cx="5018419" cy="770661"/>
+      <p:sp>
+        <p:nvSpPr>
+          <p:cNvPr id="35" name="직사각형 34"/>
+          <p:cNvSpPr/>
+          <p:nvPr/>
+        </p:nvSpPr>
+        <p:spPr>
+          <a:xfrm>
+            <a:off x="5053274" y="6129337"/>
+            <a:ext cx="2526246" cy="135663"/>
           </a:xfrm>
           <a:prstGeom prst="rect">
             <a:avLst/>
           </a:prstGeom>
+          <a:noFill/>
           <a:ln w="28575">
             <a:solidFill>
-              <a:schemeClr val="accent1"/>
+              <a:srgbClr val="FF0000"/>
             </a:solidFill>
+            <a:prstDash val="sysDot"/>
           </a:ln>
         </p:spPr>
-      </p:pic>
-      <p:pic>
-        <p:nvPicPr>
-          <p:cNvPr id="23" name="그림 22"/>
-          <p:cNvPicPr>
-            <a:picLocks noChangeAspect="1"/>
-          </p:cNvPicPr>
-          <p:nvPr/>
-        </p:nvPicPr>
-        <p:blipFill rotWithShape="1">
-          <a:blip r:embed="rId3"/>
-          <a:srcRect b="40577"/>
-          <a:stretch/>
-        </p:blipFill>
-        <p:spPr>
-          <a:xfrm>
-            <a:off x="4447387" y="1839558"/>
-            <a:ext cx="5838825" cy="1296154"/>
-          </a:xfrm>
-          <a:prstGeom prst="rect">
-            <a:avLst/>
-          </a:prstGeom>
-          <a:ln w="28575">
-            <a:solidFill>
-              <a:schemeClr val="accent1"/>
-            </a:solidFill>
-          </a:ln>
-        </p:spPr>
-      </p:pic>
+        <p:style>
+          <a:lnRef idx="2">
+            <a:schemeClr val="accent1">
+              <a:shade val="50000"/>
+            </a:schemeClr>
+          </a:lnRef>
+          <a:fillRef idx="1">
+            <a:schemeClr val="accent1"/>
+          </a:fillRef>
+          <a:effectRef idx="0">
+            <a:schemeClr val="accent1"/>
+          </a:effectRef>
+          <a:fontRef idx="minor">
+            <a:schemeClr val="lt1"/>
+          </a:fontRef>
+        </p:style>
+        <p:txBody>
+          <a:bodyPr rtlCol="0" anchor="ctr"/>
+          <a:lstStyle/>
+          <a:p>
+            <a:pPr algn="ctr"/>
+            <a:endParaRPr lang="ko-KR" altLang="en-US"/>
+          </a:p>
+        </p:txBody>
+      </p:sp>
     </p:spTree>
     <p:extLst>
       <p:ext uri="{BB962C8B-B14F-4D97-AF65-F5344CB8AC3E}">
-        <p14:creationId xmlns:p14="http://schemas.microsoft.com/office/powerpoint/2010/main" val="3485612334"/>
+        <p14:creationId xmlns:p14="http://schemas.microsoft.com/office/powerpoint/2010/main" val="1406233088"/>
       </p:ext>
     </p:extLst>
   </p:cSld>
@@ -11974,472 +12293,9 @@
           <a:chExt cx="0" cy="0"/>
         </a:xfrm>
       </p:grpSpPr>
-      <p:pic>
-        <p:nvPicPr>
-          <p:cNvPr id="12" name="그림 11"/>
-          <p:cNvPicPr>
-            <a:picLocks noChangeAspect="1"/>
-          </p:cNvPicPr>
-          <p:nvPr/>
-        </p:nvPicPr>
-        <p:blipFill rotWithShape="1">
-          <a:blip r:embed="rId2">
-            <a:extLst>
-              <a:ext uri="{28A0092B-C50C-407E-A947-70E740481C1C}">
-                <a14:useLocalDpi xmlns:a14="http://schemas.microsoft.com/office/drawing/2010/main" val="0"/>
-              </a:ext>
-            </a:extLst>
-          </a:blip>
-          <a:srcRect b="46150"/>
-          <a:stretch/>
-        </p:blipFill>
-        <p:spPr>
-          <a:xfrm>
-            <a:off x="814872" y="2484700"/>
-            <a:ext cx="2162175" cy="2036312"/>
-          </a:xfrm>
-          <a:prstGeom prst="rect">
-            <a:avLst/>
-          </a:prstGeom>
-          <a:ln w="28575">
-            <a:solidFill>
-              <a:srgbClr val="FF0000"/>
-            </a:solidFill>
-          </a:ln>
-        </p:spPr>
-      </p:pic>
-      <p:pic>
-        <p:nvPicPr>
-          <p:cNvPr id="13" name="그림 12"/>
-          <p:cNvPicPr>
-            <a:picLocks noChangeAspect="1"/>
-          </p:cNvPicPr>
-          <p:nvPr/>
-        </p:nvPicPr>
-        <p:blipFill rotWithShape="1">
-          <a:blip r:embed="rId2">
-            <a:extLst>
-              <a:ext uri="{28A0092B-C50C-407E-A947-70E740481C1C}">
-                <a14:useLocalDpi xmlns:a14="http://schemas.microsoft.com/office/drawing/2010/main" val="0"/>
-              </a:ext>
-            </a:extLst>
-          </a:blip>
-          <a:srcRect t="54102"/>
-          <a:stretch/>
-        </p:blipFill>
-        <p:spPr>
-          <a:xfrm>
-            <a:off x="3195751" y="2484700"/>
-            <a:ext cx="2162175" cy="1735588"/>
-          </a:xfrm>
-          <a:prstGeom prst="rect">
-            <a:avLst/>
-          </a:prstGeom>
-          <a:ln w="28575">
-            <a:solidFill>
-              <a:srgbClr val="FF0000"/>
-            </a:solidFill>
-          </a:ln>
-        </p:spPr>
-      </p:pic>
       <p:sp>
         <p:nvSpPr>
-          <p:cNvPr id="14" name="직사각형 13">
-            <a:extLst>
-              <a:ext uri="{FF2B5EF4-FFF2-40B4-BE49-F238E27FC236}">
-                <a16:creationId xmlns:a16="http://schemas.microsoft.com/office/drawing/2014/main" id="{D5720FFE-C359-4BBC-8671-5A9D15B30324}"/>
-              </a:ext>
-            </a:extLst>
-          </p:cNvPr>
-          <p:cNvSpPr/>
-          <p:nvPr/>
-        </p:nvSpPr>
-        <p:spPr>
-          <a:xfrm>
-            <a:off x="808655" y="1772698"/>
-            <a:ext cx="2048845" cy="576064"/>
-          </a:xfrm>
-          <a:prstGeom prst="rect">
-            <a:avLst/>
-          </a:prstGeom>
-          <a:solidFill>
-            <a:schemeClr val="accent1"/>
-          </a:solidFill>
-          <a:ln w="28575">
-            <a:solidFill>
-              <a:schemeClr val="tx1"/>
-            </a:solidFill>
-          </a:ln>
-        </p:spPr>
-        <p:style>
-          <a:lnRef idx="3">
-            <a:schemeClr val="lt1"/>
-          </a:lnRef>
-          <a:fillRef idx="1">
-            <a:schemeClr val="accent1"/>
-          </a:fillRef>
-          <a:effectRef idx="1">
-            <a:schemeClr val="accent1"/>
-          </a:effectRef>
-          <a:fontRef idx="minor">
-            <a:schemeClr val="lt1"/>
-          </a:fontRef>
-        </p:style>
-        <p:txBody>
-          <a:bodyPr rtlCol="0" anchor="ctr"/>
-          <a:lstStyle/>
-          <a:p>
-            <a:pPr algn="ctr"/>
-            <a:r>
-              <a:rPr lang="en-US" altLang="ko-KR" sz="1600" b="1" dirty="0" err="1">
-                <a:solidFill>
-                  <a:schemeClr val="bg1"/>
-                </a:solidFill>
-                <a:latin typeface="나눔고딕" panose="020D0604000000000000" pitchFamily="50" charset="-127"/>
-                <a:ea typeface="나눔고딕" panose="020D0604000000000000" pitchFamily="50" charset="-127"/>
-              </a:rPr>
-              <a:t>src</a:t>
-            </a:r>
-            <a:r>
-              <a:rPr lang="en-US" altLang="ko-KR" sz="1600" b="1" dirty="0">
-                <a:solidFill>
-                  <a:schemeClr val="bg1"/>
-                </a:solidFill>
-                <a:latin typeface="나눔고딕" panose="020D0604000000000000" pitchFamily="50" charset="-127"/>
-                <a:ea typeface="나눔고딕" panose="020D0604000000000000" pitchFamily="50" charset="-127"/>
-              </a:rPr>
-              <a:t>/main/resources</a:t>
-            </a:r>
-            <a:endParaRPr lang="ko-KR" altLang="en-US" sz="1600" b="1" dirty="0">
-              <a:solidFill>
-                <a:schemeClr val="bg1"/>
-              </a:solidFill>
-              <a:latin typeface="나눔고딕" panose="020D0604000000000000" pitchFamily="50" charset="-127"/>
-              <a:ea typeface="나눔고딕" panose="020D0604000000000000" pitchFamily="50" charset="-127"/>
-            </a:endParaRPr>
-          </a:p>
-        </p:txBody>
-      </p:sp>
-      <p:sp>
-        <p:nvSpPr>
-          <p:cNvPr id="15" name="직사각형 14">
-            <a:extLst>
-              <a:ext uri="{FF2B5EF4-FFF2-40B4-BE49-F238E27FC236}">
-                <a16:creationId xmlns:a16="http://schemas.microsoft.com/office/drawing/2014/main" id="{72D919C1-2A18-43B1-8C56-00B18C7CF2E7}"/>
-              </a:ext>
-            </a:extLst>
-          </p:cNvPr>
-          <p:cNvSpPr/>
-          <p:nvPr/>
-        </p:nvSpPr>
-        <p:spPr>
-          <a:xfrm>
-            <a:off x="3434979" y="5778808"/>
-            <a:ext cx="1096344" cy="600164"/>
-          </a:xfrm>
-          <a:prstGeom prst="rect">
-            <a:avLst/>
-          </a:prstGeom>
-          <a:ln w="28575">
-            <a:solidFill>
-              <a:srgbClr val="FF0000"/>
-            </a:solidFill>
-          </a:ln>
-        </p:spPr>
-        <p:style>
-          <a:lnRef idx="2">
-            <a:schemeClr val="accent1"/>
-          </a:lnRef>
-          <a:fillRef idx="1">
-            <a:schemeClr val="lt1"/>
-          </a:fillRef>
-          <a:effectRef idx="0">
-            <a:schemeClr val="accent1"/>
-          </a:effectRef>
-          <a:fontRef idx="minor">
-            <a:schemeClr val="dk1"/>
-          </a:fontRef>
-        </p:style>
-        <p:txBody>
-          <a:bodyPr wrap="square" rtlCol="0" anchor="ctr">
-            <a:spAutoFit/>
-          </a:bodyPr>
-          <a:lstStyle/>
-          <a:p>
-            <a:pPr algn="ctr"/>
-            <a:r>
-              <a:rPr lang="en-US" altLang="ko-KR" sz="1100" b="1" dirty="0" smtClean="0">
-                <a:latin typeface="나눔고딕" panose="020D0604000000000000" pitchFamily="50" charset="-127"/>
-                <a:ea typeface="나눔고딕" panose="020D0604000000000000" pitchFamily="50" charset="-127"/>
-              </a:rPr>
-              <a:t>Mapper</a:t>
-            </a:r>
-          </a:p>
-          <a:p>
-            <a:pPr algn="ctr"/>
-            <a:r>
-              <a:rPr lang="en-US" altLang="ko-KR" sz="1100" b="1" dirty="0" err="1" smtClean="0">
-                <a:latin typeface="나눔고딕" panose="020D0604000000000000" pitchFamily="50" charset="-127"/>
-                <a:ea typeface="나눔고딕" panose="020D0604000000000000" pitchFamily="50" charset="-127"/>
-              </a:rPr>
-              <a:t>modelConfig</a:t>
-            </a:r>
-            <a:endParaRPr lang="en-US" altLang="ko-KR" sz="1100" b="1" dirty="0" smtClean="0">
-              <a:latin typeface="나눔고딕" panose="020D0604000000000000" pitchFamily="50" charset="-127"/>
-              <a:ea typeface="나눔고딕" panose="020D0604000000000000" pitchFamily="50" charset="-127"/>
-            </a:endParaRPr>
-          </a:p>
-          <a:p>
-            <a:pPr algn="ctr"/>
-            <a:r>
-              <a:rPr lang="ko-KR" altLang="en-US" sz="1100" b="1" dirty="0" smtClean="0">
-                <a:latin typeface="나눔고딕" panose="020D0604000000000000" pitchFamily="50" charset="-127"/>
-                <a:ea typeface="나눔고딕" panose="020D0604000000000000" pitchFamily="50" charset="-127"/>
-              </a:rPr>
-              <a:t>파일</a:t>
-            </a:r>
-            <a:endParaRPr lang="ko-KR" altLang="en-US" sz="1100" b="1" dirty="0">
-              <a:latin typeface="나눔고딕" panose="020D0604000000000000" pitchFamily="50" charset="-127"/>
-              <a:ea typeface="나눔고딕" panose="020D0604000000000000" pitchFamily="50" charset="-127"/>
-            </a:endParaRPr>
-          </a:p>
-        </p:txBody>
-      </p:sp>
-      <p:sp>
-        <p:nvSpPr>
-          <p:cNvPr id="17" name="직사각형 16">
-            <a:extLst>
-              <a:ext uri="{FF2B5EF4-FFF2-40B4-BE49-F238E27FC236}">
-                <a16:creationId xmlns:a16="http://schemas.microsoft.com/office/drawing/2014/main" id="{D5720FFE-C359-4BBC-8671-5A9D15B30324}"/>
-              </a:ext>
-            </a:extLst>
-          </p:cNvPr>
-          <p:cNvSpPr/>
-          <p:nvPr/>
-        </p:nvSpPr>
-        <p:spPr>
-          <a:xfrm>
-            <a:off x="5837855" y="1772698"/>
-            <a:ext cx="1848819" cy="576064"/>
-          </a:xfrm>
-          <a:prstGeom prst="rect">
-            <a:avLst/>
-          </a:prstGeom>
-          <a:solidFill>
-            <a:schemeClr val="accent1"/>
-          </a:solidFill>
-          <a:ln w="28575">
-            <a:solidFill>
-              <a:schemeClr val="tx1"/>
-            </a:solidFill>
-          </a:ln>
-        </p:spPr>
-        <p:style>
-          <a:lnRef idx="3">
-            <a:schemeClr val="lt1"/>
-          </a:lnRef>
-          <a:fillRef idx="1">
-            <a:schemeClr val="accent1"/>
-          </a:fillRef>
-          <a:effectRef idx="1">
-            <a:schemeClr val="accent1"/>
-          </a:effectRef>
-          <a:fontRef idx="minor">
-            <a:schemeClr val="lt1"/>
-          </a:fontRef>
-        </p:style>
-        <p:txBody>
-          <a:bodyPr rtlCol="0" anchor="ctr"/>
-          <a:lstStyle/>
-          <a:p>
-            <a:pPr algn="ctr"/>
-            <a:r>
-              <a:rPr lang="en-US" altLang="ko-KR" sz="1600" b="1" dirty="0" err="1" smtClean="0">
-                <a:solidFill>
-                  <a:schemeClr val="bg1"/>
-                </a:solidFill>
-                <a:latin typeface="나눔고딕" panose="020D0604000000000000" pitchFamily="50" charset="-127"/>
-                <a:ea typeface="나눔고딕" panose="020D0604000000000000" pitchFamily="50" charset="-127"/>
-              </a:rPr>
-              <a:t>src</a:t>
-            </a:r>
-            <a:r>
-              <a:rPr lang="en-US" altLang="ko-KR" sz="1600" b="1" dirty="0" smtClean="0">
-                <a:solidFill>
-                  <a:schemeClr val="bg1"/>
-                </a:solidFill>
-                <a:latin typeface="나눔고딕" panose="020D0604000000000000" pitchFamily="50" charset="-127"/>
-                <a:ea typeface="나눔고딕" panose="020D0604000000000000" pitchFamily="50" charset="-127"/>
-              </a:rPr>
-              <a:t>/main/</a:t>
-            </a:r>
-            <a:r>
-              <a:rPr lang="en-US" altLang="ko-KR" sz="1600" b="1" dirty="0" err="1" smtClean="0">
-                <a:solidFill>
-                  <a:schemeClr val="bg1"/>
-                </a:solidFill>
-                <a:latin typeface="나눔고딕" panose="020D0604000000000000" pitchFamily="50" charset="-127"/>
-                <a:ea typeface="나눔고딕" panose="020D0604000000000000" pitchFamily="50" charset="-127"/>
-              </a:rPr>
-              <a:t>webapp</a:t>
-            </a:r>
-            <a:endParaRPr lang="ko-KR" altLang="en-US" sz="1600" b="1" dirty="0">
-              <a:solidFill>
-                <a:schemeClr val="bg1"/>
-              </a:solidFill>
-              <a:latin typeface="나눔고딕" panose="020D0604000000000000" pitchFamily="50" charset="-127"/>
-              <a:ea typeface="나눔고딕" panose="020D0604000000000000" pitchFamily="50" charset="-127"/>
-            </a:endParaRPr>
-          </a:p>
-        </p:txBody>
-      </p:sp>
-      <p:pic>
-        <p:nvPicPr>
-          <p:cNvPr id="18" name="그림 17"/>
-          <p:cNvPicPr>
-            <a:picLocks noChangeAspect="1"/>
-          </p:cNvPicPr>
-          <p:nvPr/>
-        </p:nvPicPr>
-        <p:blipFill rotWithShape="1">
-          <a:blip r:embed="rId3">
-            <a:extLst>
-              <a:ext uri="{28A0092B-C50C-407E-A947-70E740481C1C}">
-                <a14:useLocalDpi xmlns:a14="http://schemas.microsoft.com/office/drawing/2010/main" val="0"/>
-              </a:ext>
-            </a:extLst>
-          </a:blip>
-          <a:srcRect b="54017"/>
-          <a:stretch/>
-        </p:blipFill>
-        <p:spPr>
-          <a:xfrm>
-            <a:off x="5837856" y="2747963"/>
-            <a:ext cx="2743200" cy="2071688"/>
-          </a:xfrm>
-          <a:prstGeom prst="rect">
-            <a:avLst/>
-          </a:prstGeom>
-          <a:ln w="28575">
-            <a:solidFill>
-              <a:srgbClr val="FF0000"/>
-            </a:solidFill>
-          </a:ln>
-        </p:spPr>
-      </p:pic>
-      <p:pic>
-        <p:nvPicPr>
-          <p:cNvPr id="19" name="그림 18"/>
-          <p:cNvPicPr>
-            <a:picLocks noChangeAspect="1"/>
-          </p:cNvPicPr>
-          <p:nvPr/>
-        </p:nvPicPr>
-        <p:blipFill rotWithShape="1">
-          <a:blip r:embed="rId3">
-            <a:extLst>
-              <a:ext uri="{28A0092B-C50C-407E-A947-70E740481C1C}">
-                <a14:useLocalDpi xmlns:a14="http://schemas.microsoft.com/office/drawing/2010/main" val="0"/>
-              </a:ext>
-            </a:extLst>
-          </a:blip>
-          <a:srcRect t="45559" b="1"/>
-          <a:stretch/>
-        </p:blipFill>
-        <p:spPr>
-          <a:xfrm>
-            <a:off x="8820150" y="2380613"/>
-            <a:ext cx="2743200" cy="2452687"/>
-          </a:xfrm>
-          <a:prstGeom prst="rect">
-            <a:avLst/>
-          </a:prstGeom>
-          <a:ln w="28575">
-            <a:solidFill>
-              <a:srgbClr val="FF0000"/>
-            </a:solidFill>
-          </a:ln>
-        </p:spPr>
-      </p:pic>
-      <p:sp>
-        <p:nvSpPr>
-          <p:cNvPr id="20" name="직사각형 19">
-            <a:extLst>
-              <a:ext uri="{FF2B5EF4-FFF2-40B4-BE49-F238E27FC236}">
-                <a16:creationId xmlns:a16="http://schemas.microsoft.com/office/drawing/2014/main" id="{72D919C1-2A18-43B1-8C56-00B18C7CF2E7}"/>
-              </a:ext>
-            </a:extLst>
-          </p:cNvPr>
-          <p:cNvSpPr/>
-          <p:nvPr/>
-        </p:nvSpPr>
-        <p:spPr>
-          <a:xfrm>
-            <a:off x="5815835" y="5135341"/>
-            <a:ext cx="2765221" cy="354050"/>
-          </a:xfrm>
-          <a:prstGeom prst="rect">
-            <a:avLst/>
-          </a:prstGeom>
-          <a:ln w="28575">
-            <a:solidFill>
-              <a:srgbClr val="FF0000"/>
-            </a:solidFill>
-          </a:ln>
-        </p:spPr>
-        <p:style>
-          <a:lnRef idx="2">
-            <a:schemeClr val="accent1"/>
-          </a:lnRef>
-          <a:fillRef idx="1">
-            <a:schemeClr val="lt1"/>
-          </a:fillRef>
-          <a:effectRef idx="0">
-            <a:schemeClr val="accent1"/>
-          </a:effectRef>
-          <a:fontRef idx="minor">
-            <a:schemeClr val="dk1"/>
-          </a:fontRef>
-        </p:style>
-        <p:txBody>
-          <a:bodyPr rtlCol="0" anchor="ctr"/>
-          <a:lstStyle/>
-          <a:p>
-            <a:pPr algn="ctr"/>
-            <a:r>
-              <a:rPr lang="en-US" altLang="ko-KR" sz="1100" b="1" dirty="0">
-                <a:latin typeface="나눔고딕" panose="020D0604000000000000" pitchFamily="50" charset="-127"/>
-                <a:ea typeface="나눔고딕" panose="020D0604000000000000" pitchFamily="50" charset="-127"/>
-              </a:rPr>
-              <a:t>WEB-INF</a:t>
-            </a:r>
-            <a:r>
-              <a:rPr lang="ko-KR" altLang="en-US" sz="1100" b="1" dirty="0">
-                <a:latin typeface="나눔고딕" panose="020D0604000000000000" pitchFamily="50" charset="-127"/>
-                <a:ea typeface="나눔고딕" panose="020D0604000000000000" pitchFamily="50" charset="-127"/>
-              </a:rPr>
-              <a:t> </a:t>
-            </a:r>
-            <a:r>
-              <a:rPr lang="ko-KR" altLang="en-US" sz="1100" b="1" dirty="0" smtClean="0">
-                <a:latin typeface="나눔고딕" panose="020D0604000000000000" pitchFamily="50" charset="-127"/>
-                <a:ea typeface="나눔고딕" panose="020D0604000000000000" pitchFamily="50" charset="-127"/>
-              </a:rPr>
-              <a:t>등 웹 애플리케이션 리소스 </a:t>
-            </a:r>
-            <a:r>
-              <a:rPr lang="ko-KR" altLang="en-US" sz="1100" b="1" dirty="0">
-                <a:latin typeface="나눔고딕" panose="020D0604000000000000" pitchFamily="50" charset="-127"/>
-                <a:ea typeface="나눔고딕" panose="020D0604000000000000" pitchFamily="50" charset="-127"/>
-              </a:rPr>
-              <a:t>위치</a:t>
-            </a:r>
-          </a:p>
-        </p:txBody>
-      </p:sp>
-      <p:sp>
-        <p:nvSpPr>
-          <p:cNvPr id="21" name="TextBox 20"/>
+          <p:cNvPr id="17" name="TextBox 16"/>
           <p:cNvSpPr txBox="1"/>
           <p:nvPr/>
         </p:nvSpPr>
@@ -12469,7 +12325,7 @@
                 <a:latin typeface="나눔고딕" panose="020D0604000000000000" pitchFamily="50" charset="-127"/>
                 <a:ea typeface="나눔고딕" panose="020D0604000000000000" pitchFamily="50" charset="-127"/>
               </a:rPr>
-              <a:t>페이지 구성 요소</a:t>
+              <a:t>메인 페이지 구현</a:t>
             </a:r>
             <a:endParaRPr lang="ko-KR" altLang="en-US" sz="3600" b="1" dirty="0">
               <a:ln w="12700">
@@ -12485,192 +12341,75 @@
       </p:sp>
       <p:sp>
         <p:nvSpPr>
-          <p:cNvPr id="11" name="직사각형 10">
+          <p:cNvPr id="20" name="TextBox 19">
             <a:extLst>
               <a:ext uri="{FF2B5EF4-FFF2-40B4-BE49-F238E27FC236}">
-                <a16:creationId xmlns:a16="http://schemas.microsoft.com/office/drawing/2014/main" id="{72D919C1-2A18-43B1-8C56-00B18C7CF2E7}"/>
+                <a16:creationId xmlns:a16="http://schemas.microsoft.com/office/drawing/2014/main" id="{A817718E-AE2D-4626-A2EC-F35A9ACE9710}"/>
               </a:ext>
             </a:extLst>
           </p:cNvPr>
-          <p:cNvSpPr/>
+          <p:cNvSpPr txBox="1"/>
           <p:nvPr/>
         </p:nvSpPr>
         <p:spPr>
           <a:xfrm>
-            <a:off x="3195751" y="5135341"/>
-            <a:ext cx="787400" cy="261610"/>
+            <a:off x="1353400" y="1497725"/>
+            <a:ext cx="2779928" cy="261610"/>
           </a:xfrm>
           <a:prstGeom prst="rect">
             <a:avLst/>
           </a:prstGeom>
           <a:ln w="28575">
             <a:solidFill>
-              <a:srgbClr val="FF0000"/>
+              <a:schemeClr val="tx1"/>
             </a:solidFill>
           </a:ln>
         </p:spPr>
         <p:style>
           <a:lnRef idx="2">
-            <a:schemeClr val="accent1"/>
+            <a:schemeClr val="accent6"/>
           </a:lnRef>
           <a:fillRef idx="1">
             <a:schemeClr val="lt1"/>
           </a:fillRef>
           <a:effectRef idx="0">
-            <a:schemeClr val="accent1"/>
+            <a:schemeClr val="accent6"/>
           </a:effectRef>
           <a:fontRef idx="minor">
             <a:schemeClr val="dk1"/>
           </a:fontRef>
         </p:style>
         <p:txBody>
-          <a:bodyPr wrap="square" rtlCol="0" anchor="ctr">
+          <a:bodyPr wrap="none" rtlCol="0">
             <a:spAutoFit/>
           </a:bodyPr>
           <a:lstStyle/>
           <a:p>
             <a:pPr algn="ctr"/>
             <a:r>
-              <a:rPr lang="en-US" altLang="ko-KR" sz="1100" b="1" dirty="0" smtClean="0">
-                <a:latin typeface="나눔고딕" panose="020D0604000000000000" pitchFamily="50" charset="-127"/>
-                <a:ea typeface="나눔고딕" panose="020D0604000000000000" pitchFamily="50" charset="-127"/>
-              </a:rPr>
-              <a:t>Tiles </a:t>
-            </a:r>
-            <a:r>
-              <a:rPr lang="ko-KR" altLang="en-US" sz="1100" b="1" dirty="0" smtClean="0">
-                <a:latin typeface="나눔고딕" panose="020D0604000000000000" pitchFamily="50" charset="-127"/>
-                <a:ea typeface="나눔고딕" panose="020D0604000000000000" pitchFamily="50" charset="-127"/>
-              </a:rPr>
-              <a:t>파일</a:t>
+              <a:rPr lang="ko-KR" altLang="en-US" sz="1100" b="1" dirty="0">
+                <a:solidFill>
+                  <a:schemeClr val="tx1"/>
+                </a:solidFill>
+                <a:latin typeface="나눔고딕" panose="020D0604000000000000" pitchFamily="50" charset="-127"/>
+                <a:ea typeface="나눔고딕" panose="020D0604000000000000" pitchFamily="50" charset="-127"/>
+              </a:rPr>
+              <a:t>상품 이미지를 다운로드 하는 컨트롤러 구현</a:t>
             </a:r>
             <a:endParaRPr lang="ko-KR" altLang="en-US" sz="1100" b="1" dirty="0">
+              <a:solidFill>
+                <a:schemeClr val="tx1"/>
+              </a:solidFill>
               <a:latin typeface="나눔고딕" panose="020D0604000000000000" pitchFamily="50" charset="-127"/>
               <a:ea typeface="나눔고딕" panose="020D0604000000000000" pitchFamily="50" charset="-127"/>
             </a:endParaRPr>
           </a:p>
         </p:txBody>
       </p:sp>
-      <p:sp>
-        <p:nvSpPr>
-          <p:cNvPr id="16" name="직사각형 15">
-            <a:extLst>
-              <a:ext uri="{FF2B5EF4-FFF2-40B4-BE49-F238E27FC236}">
-                <a16:creationId xmlns:a16="http://schemas.microsoft.com/office/drawing/2014/main" id="{72D919C1-2A18-43B1-8C56-00B18C7CF2E7}"/>
-              </a:ext>
-            </a:extLst>
-          </p:cNvPr>
-          <p:cNvSpPr/>
-          <p:nvPr/>
-        </p:nvSpPr>
-        <p:spPr>
-          <a:xfrm>
-            <a:off x="800188" y="4656950"/>
-            <a:ext cx="1465262" cy="430887"/>
-          </a:xfrm>
-          <a:prstGeom prst="rect">
-            <a:avLst/>
-          </a:prstGeom>
-          <a:ln w="28575">
-            <a:solidFill>
-              <a:srgbClr val="FF0000"/>
-            </a:solidFill>
-          </a:ln>
-        </p:spPr>
-        <p:style>
-          <a:lnRef idx="2">
-            <a:schemeClr val="accent1"/>
-          </a:lnRef>
-          <a:fillRef idx="1">
-            <a:schemeClr val="lt1"/>
-          </a:fillRef>
-          <a:effectRef idx="0">
-            <a:schemeClr val="accent1"/>
-          </a:effectRef>
-          <a:fontRef idx="minor">
-            <a:schemeClr val="dk1"/>
-          </a:fontRef>
-        </p:style>
-        <p:txBody>
-          <a:bodyPr wrap="square" rtlCol="0" anchor="ctr">
-            <a:spAutoFit/>
-          </a:bodyPr>
-          <a:lstStyle/>
-          <a:p>
-            <a:pPr algn="ctr"/>
-            <a:r>
-              <a:rPr lang="ko-KR" altLang="en-US" sz="1100" b="1" dirty="0" smtClean="0">
-                <a:latin typeface="나눔고딕" panose="020D0604000000000000" pitchFamily="50" charset="-127"/>
-                <a:ea typeface="나눔고딕" panose="020D0604000000000000" pitchFamily="50" charset="-127"/>
-              </a:rPr>
-              <a:t>페이지 구성에 필요한</a:t>
-            </a:r>
-            <a:endParaRPr lang="en-US" altLang="ko-KR" sz="1100" b="1" dirty="0" smtClean="0">
-              <a:latin typeface="나눔고딕" panose="020D0604000000000000" pitchFamily="50" charset="-127"/>
-              <a:ea typeface="나눔고딕" panose="020D0604000000000000" pitchFamily="50" charset="-127"/>
-            </a:endParaRPr>
-          </a:p>
-          <a:p>
-            <a:pPr algn="ctr"/>
-            <a:r>
-              <a:rPr lang="en-US" altLang="ko-KR" sz="1100" b="1" dirty="0" smtClean="0">
-                <a:latin typeface="나눔고딕" panose="020D0604000000000000" pitchFamily="50" charset="-127"/>
-                <a:ea typeface="나눔고딕" panose="020D0604000000000000" pitchFamily="50" charset="-127"/>
-              </a:rPr>
-              <a:t>Mapper </a:t>
-            </a:r>
-            <a:r>
-              <a:rPr lang="ko-KR" altLang="en-US" sz="1100" b="1" dirty="0" smtClean="0">
-                <a:latin typeface="나눔고딕" panose="020D0604000000000000" pitchFamily="50" charset="-127"/>
-                <a:ea typeface="나눔고딕" panose="020D0604000000000000" pitchFamily="50" charset="-127"/>
-              </a:rPr>
-              <a:t>파일</a:t>
-            </a:r>
-            <a:endParaRPr lang="en-US" altLang="ko-KR" sz="1100" b="1" dirty="0" smtClean="0">
-              <a:latin typeface="나눔고딕" panose="020D0604000000000000" pitchFamily="50" charset="-127"/>
-              <a:ea typeface="나눔고딕" panose="020D0604000000000000" pitchFamily="50" charset="-127"/>
-            </a:endParaRPr>
-          </a:p>
-        </p:txBody>
-      </p:sp>
-      <p:pic>
-        <p:nvPicPr>
-          <p:cNvPr id="22" name="그림 21"/>
-          <p:cNvPicPr>
-            <a:picLocks noChangeAspect="1"/>
-          </p:cNvPicPr>
-          <p:nvPr/>
-        </p:nvPicPr>
-        <p:blipFill rotWithShape="1">
-          <a:blip r:embed="rId2">
-            <a:extLst>
-              <a:ext uri="{28A0092B-C50C-407E-A947-70E740481C1C}">
-                <a14:useLocalDpi xmlns:a14="http://schemas.microsoft.com/office/drawing/2010/main" val="0"/>
-              </a:ext>
-            </a:extLst>
-          </a:blip>
-          <a:srcRect t="45025" b="46150"/>
-          <a:stretch/>
-        </p:blipFill>
-        <p:spPr>
-          <a:xfrm>
-            <a:off x="814872" y="5230103"/>
-            <a:ext cx="2162175" cy="333695"/>
-          </a:xfrm>
-          <a:prstGeom prst="rect">
-            <a:avLst/>
-          </a:prstGeom>
-          <a:ln w="28575">
-            <a:solidFill>
-              <a:srgbClr val="FF0000"/>
-            </a:solidFill>
-          </a:ln>
-        </p:spPr>
-      </p:pic>
     </p:spTree>
     <p:extLst>
       <p:ext uri="{BB962C8B-B14F-4D97-AF65-F5344CB8AC3E}">
-        <p14:creationId xmlns:p14="http://schemas.microsoft.com/office/powerpoint/2010/main" val="1952659654"/>
+        <p14:creationId xmlns:p14="http://schemas.microsoft.com/office/powerpoint/2010/main" val="993975093"/>
       </p:ext>
     </p:extLst>
   </p:cSld>
@@ -12697,16 +12436,479 @@
           <a:chExt cx="0" cy="0"/>
         </a:xfrm>
       </p:grpSpPr>
+      <p:pic>
+        <p:nvPicPr>
+          <p:cNvPr id="12" name="그림 11"/>
+          <p:cNvPicPr>
+            <a:picLocks noChangeAspect="1"/>
+          </p:cNvPicPr>
+          <p:nvPr/>
+        </p:nvPicPr>
+        <p:blipFill rotWithShape="1">
+          <a:blip r:embed="rId2">
+            <a:extLst>
+              <a:ext uri="{28A0092B-C50C-407E-A947-70E740481C1C}">
+                <a14:useLocalDpi xmlns:a14="http://schemas.microsoft.com/office/drawing/2010/main" val="0"/>
+              </a:ext>
+            </a:extLst>
+          </a:blip>
+          <a:srcRect b="46150"/>
+          <a:stretch/>
+        </p:blipFill>
+        <p:spPr>
+          <a:xfrm>
+            <a:off x="814872" y="2484700"/>
+            <a:ext cx="2162175" cy="2036312"/>
+          </a:xfrm>
+          <a:prstGeom prst="rect">
+            <a:avLst/>
+          </a:prstGeom>
+          <a:ln w="28575">
+            <a:solidFill>
+              <a:srgbClr val="FF0000"/>
+            </a:solidFill>
+          </a:ln>
+        </p:spPr>
+      </p:pic>
+      <p:pic>
+        <p:nvPicPr>
+          <p:cNvPr id="13" name="그림 12"/>
+          <p:cNvPicPr>
+            <a:picLocks noChangeAspect="1"/>
+          </p:cNvPicPr>
+          <p:nvPr/>
+        </p:nvPicPr>
+        <p:blipFill rotWithShape="1">
+          <a:blip r:embed="rId2">
+            <a:extLst>
+              <a:ext uri="{28A0092B-C50C-407E-A947-70E740481C1C}">
+                <a14:useLocalDpi xmlns:a14="http://schemas.microsoft.com/office/drawing/2010/main" val="0"/>
+              </a:ext>
+            </a:extLst>
+          </a:blip>
+          <a:srcRect t="54102"/>
+          <a:stretch/>
+        </p:blipFill>
+        <p:spPr>
+          <a:xfrm>
+            <a:off x="3195751" y="2484700"/>
+            <a:ext cx="2162175" cy="1735588"/>
+          </a:xfrm>
+          <a:prstGeom prst="rect">
+            <a:avLst/>
+          </a:prstGeom>
+          <a:ln w="28575">
+            <a:solidFill>
+              <a:srgbClr val="FF0000"/>
+            </a:solidFill>
+          </a:ln>
+        </p:spPr>
+      </p:pic>
       <p:sp>
         <p:nvSpPr>
-          <p:cNvPr id="18" name="TextBox 17"/>
+          <p:cNvPr id="14" name="직사각형 13">
+            <a:extLst>
+              <a:ext uri="{FF2B5EF4-FFF2-40B4-BE49-F238E27FC236}">
+                <a16:creationId xmlns:a16="http://schemas.microsoft.com/office/drawing/2014/main" id="{D5720FFE-C359-4BBC-8671-5A9D15B30324}"/>
+              </a:ext>
+            </a:extLst>
+          </p:cNvPr>
+          <p:cNvSpPr/>
+          <p:nvPr/>
+        </p:nvSpPr>
+        <p:spPr>
+          <a:xfrm>
+            <a:off x="808655" y="1772698"/>
+            <a:ext cx="2048845" cy="576064"/>
+          </a:xfrm>
+          <a:prstGeom prst="rect">
+            <a:avLst/>
+          </a:prstGeom>
+          <a:solidFill>
+            <a:schemeClr val="accent1"/>
+          </a:solidFill>
+          <a:ln w="28575">
+            <a:solidFill>
+              <a:schemeClr val="tx1"/>
+            </a:solidFill>
+          </a:ln>
+        </p:spPr>
+        <p:style>
+          <a:lnRef idx="3">
+            <a:schemeClr val="lt1"/>
+          </a:lnRef>
+          <a:fillRef idx="1">
+            <a:schemeClr val="accent1"/>
+          </a:fillRef>
+          <a:effectRef idx="1">
+            <a:schemeClr val="accent1"/>
+          </a:effectRef>
+          <a:fontRef idx="minor">
+            <a:schemeClr val="lt1"/>
+          </a:fontRef>
+        </p:style>
+        <p:txBody>
+          <a:bodyPr rtlCol="0" anchor="ctr"/>
+          <a:lstStyle/>
+          <a:p>
+            <a:pPr algn="ctr"/>
+            <a:r>
+              <a:rPr lang="en-US" altLang="ko-KR" sz="1600" b="1" dirty="0" err="1">
+                <a:solidFill>
+                  <a:schemeClr val="bg1"/>
+                </a:solidFill>
+                <a:latin typeface="나눔고딕" panose="020D0604000000000000" pitchFamily="50" charset="-127"/>
+                <a:ea typeface="나눔고딕" panose="020D0604000000000000" pitchFamily="50" charset="-127"/>
+              </a:rPr>
+              <a:t>src</a:t>
+            </a:r>
+            <a:r>
+              <a:rPr lang="en-US" altLang="ko-KR" sz="1600" b="1" dirty="0">
+                <a:solidFill>
+                  <a:schemeClr val="bg1"/>
+                </a:solidFill>
+                <a:latin typeface="나눔고딕" panose="020D0604000000000000" pitchFamily="50" charset="-127"/>
+                <a:ea typeface="나눔고딕" panose="020D0604000000000000" pitchFamily="50" charset="-127"/>
+              </a:rPr>
+              <a:t>/main/resources</a:t>
+            </a:r>
+            <a:endParaRPr lang="ko-KR" altLang="en-US" sz="1600" b="1" dirty="0">
+              <a:solidFill>
+                <a:schemeClr val="bg1"/>
+              </a:solidFill>
+              <a:latin typeface="나눔고딕" panose="020D0604000000000000" pitchFamily="50" charset="-127"/>
+              <a:ea typeface="나눔고딕" panose="020D0604000000000000" pitchFamily="50" charset="-127"/>
+            </a:endParaRPr>
+          </a:p>
+        </p:txBody>
+      </p:sp>
+      <p:sp>
+        <p:nvSpPr>
+          <p:cNvPr id="15" name="직사각형 14">
+            <a:extLst>
+              <a:ext uri="{FF2B5EF4-FFF2-40B4-BE49-F238E27FC236}">
+                <a16:creationId xmlns:a16="http://schemas.microsoft.com/office/drawing/2014/main" id="{72D919C1-2A18-43B1-8C56-00B18C7CF2E7}"/>
+              </a:ext>
+            </a:extLst>
+          </p:cNvPr>
+          <p:cNvSpPr/>
+          <p:nvPr/>
+        </p:nvSpPr>
+        <p:spPr>
+          <a:xfrm>
+            <a:off x="3434979" y="5778808"/>
+            <a:ext cx="1096344" cy="600164"/>
+          </a:xfrm>
+          <a:prstGeom prst="rect">
+            <a:avLst/>
+          </a:prstGeom>
+          <a:ln w="28575">
+            <a:solidFill>
+              <a:srgbClr val="FF0000"/>
+            </a:solidFill>
+          </a:ln>
+        </p:spPr>
+        <p:style>
+          <a:lnRef idx="2">
+            <a:schemeClr val="accent1"/>
+          </a:lnRef>
+          <a:fillRef idx="1">
+            <a:schemeClr val="lt1"/>
+          </a:fillRef>
+          <a:effectRef idx="0">
+            <a:schemeClr val="accent1"/>
+          </a:effectRef>
+          <a:fontRef idx="minor">
+            <a:schemeClr val="dk1"/>
+          </a:fontRef>
+        </p:style>
+        <p:txBody>
+          <a:bodyPr wrap="square" rtlCol="0" anchor="ctr">
+            <a:spAutoFit/>
+          </a:bodyPr>
+          <a:lstStyle/>
+          <a:p>
+            <a:pPr algn="ctr"/>
+            <a:r>
+              <a:rPr lang="en-US" altLang="ko-KR" sz="1100" b="1" dirty="0" smtClean="0">
+                <a:latin typeface="나눔고딕" panose="020D0604000000000000" pitchFamily="50" charset="-127"/>
+                <a:ea typeface="나눔고딕" panose="020D0604000000000000" pitchFamily="50" charset="-127"/>
+              </a:rPr>
+              <a:t>Mapper</a:t>
+            </a:r>
+          </a:p>
+          <a:p>
+            <a:pPr algn="ctr"/>
+            <a:r>
+              <a:rPr lang="en-US" altLang="ko-KR" sz="1100" b="1" dirty="0" err="1" smtClean="0">
+                <a:latin typeface="나눔고딕" panose="020D0604000000000000" pitchFamily="50" charset="-127"/>
+                <a:ea typeface="나눔고딕" panose="020D0604000000000000" pitchFamily="50" charset="-127"/>
+              </a:rPr>
+              <a:t>modelConfig</a:t>
+            </a:r>
+            <a:endParaRPr lang="en-US" altLang="ko-KR" sz="1100" b="1" dirty="0" smtClean="0">
+              <a:latin typeface="나눔고딕" panose="020D0604000000000000" pitchFamily="50" charset="-127"/>
+              <a:ea typeface="나눔고딕" panose="020D0604000000000000" pitchFamily="50" charset="-127"/>
+            </a:endParaRPr>
+          </a:p>
+          <a:p>
+            <a:pPr algn="ctr"/>
+            <a:r>
+              <a:rPr lang="ko-KR" altLang="en-US" sz="1100" b="1" dirty="0" smtClean="0">
+                <a:latin typeface="나눔고딕" panose="020D0604000000000000" pitchFamily="50" charset="-127"/>
+                <a:ea typeface="나눔고딕" panose="020D0604000000000000" pitchFamily="50" charset="-127"/>
+              </a:rPr>
+              <a:t>파일</a:t>
+            </a:r>
+            <a:endParaRPr lang="ko-KR" altLang="en-US" sz="1100" b="1" dirty="0">
+              <a:latin typeface="나눔고딕" panose="020D0604000000000000" pitchFamily="50" charset="-127"/>
+              <a:ea typeface="나눔고딕" panose="020D0604000000000000" pitchFamily="50" charset="-127"/>
+            </a:endParaRPr>
+          </a:p>
+        </p:txBody>
+      </p:sp>
+      <p:sp>
+        <p:nvSpPr>
+          <p:cNvPr id="17" name="직사각형 16">
+            <a:extLst>
+              <a:ext uri="{FF2B5EF4-FFF2-40B4-BE49-F238E27FC236}">
+                <a16:creationId xmlns:a16="http://schemas.microsoft.com/office/drawing/2014/main" id="{D5720FFE-C359-4BBC-8671-5A9D15B30324}"/>
+              </a:ext>
+            </a:extLst>
+          </p:cNvPr>
+          <p:cNvSpPr/>
+          <p:nvPr/>
+        </p:nvSpPr>
+        <p:spPr>
+          <a:xfrm>
+            <a:off x="5837855" y="1772698"/>
+            <a:ext cx="1848819" cy="576064"/>
+          </a:xfrm>
+          <a:prstGeom prst="rect">
+            <a:avLst/>
+          </a:prstGeom>
+          <a:solidFill>
+            <a:schemeClr val="accent1"/>
+          </a:solidFill>
+          <a:ln w="28575">
+            <a:solidFill>
+              <a:schemeClr val="tx1"/>
+            </a:solidFill>
+          </a:ln>
+        </p:spPr>
+        <p:style>
+          <a:lnRef idx="3">
+            <a:schemeClr val="lt1"/>
+          </a:lnRef>
+          <a:fillRef idx="1">
+            <a:schemeClr val="accent1"/>
+          </a:fillRef>
+          <a:effectRef idx="1">
+            <a:schemeClr val="accent1"/>
+          </a:effectRef>
+          <a:fontRef idx="minor">
+            <a:schemeClr val="lt1"/>
+          </a:fontRef>
+        </p:style>
+        <p:txBody>
+          <a:bodyPr rtlCol="0" anchor="ctr"/>
+          <a:lstStyle/>
+          <a:p>
+            <a:pPr algn="ctr"/>
+            <a:r>
+              <a:rPr lang="en-US" altLang="ko-KR" sz="1600" b="1" dirty="0" err="1" smtClean="0">
+                <a:solidFill>
+                  <a:schemeClr val="bg1"/>
+                </a:solidFill>
+                <a:latin typeface="나눔고딕" panose="020D0604000000000000" pitchFamily="50" charset="-127"/>
+                <a:ea typeface="나눔고딕" panose="020D0604000000000000" pitchFamily="50" charset="-127"/>
+              </a:rPr>
+              <a:t>src</a:t>
+            </a:r>
+            <a:r>
+              <a:rPr lang="en-US" altLang="ko-KR" sz="1600" b="1" dirty="0" smtClean="0">
+                <a:solidFill>
+                  <a:schemeClr val="bg1"/>
+                </a:solidFill>
+                <a:latin typeface="나눔고딕" panose="020D0604000000000000" pitchFamily="50" charset="-127"/>
+                <a:ea typeface="나눔고딕" panose="020D0604000000000000" pitchFamily="50" charset="-127"/>
+              </a:rPr>
+              <a:t>/main/</a:t>
+            </a:r>
+            <a:r>
+              <a:rPr lang="en-US" altLang="ko-KR" sz="1600" b="1" dirty="0" err="1" smtClean="0">
+                <a:solidFill>
+                  <a:schemeClr val="bg1"/>
+                </a:solidFill>
+                <a:latin typeface="나눔고딕" panose="020D0604000000000000" pitchFamily="50" charset="-127"/>
+                <a:ea typeface="나눔고딕" panose="020D0604000000000000" pitchFamily="50" charset="-127"/>
+              </a:rPr>
+              <a:t>webapp</a:t>
+            </a:r>
+            <a:endParaRPr lang="ko-KR" altLang="en-US" sz="1600" b="1" dirty="0">
+              <a:solidFill>
+                <a:schemeClr val="bg1"/>
+              </a:solidFill>
+              <a:latin typeface="나눔고딕" panose="020D0604000000000000" pitchFamily="50" charset="-127"/>
+              <a:ea typeface="나눔고딕" panose="020D0604000000000000" pitchFamily="50" charset="-127"/>
+            </a:endParaRPr>
+          </a:p>
+        </p:txBody>
+      </p:sp>
+      <p:pic>
+        <p:nvPicPr>
+          <p:cNvPr id="18" name="그림 17"/>
+          <p:cNvPicPr>
+            <a:picLocks noChangeAspect="1"/>
+          </p:cNvPicPr>
+          <p:nvPr/>
+        </p:nvPicPr>
+        <p:blipFill rotWithShape="1">
+          <a:blip r:embed="rId3">
+            <a:extLst>
+              <a:ext uri="{28A0092B-C50C-407E-A947-70E740481C1C}">
+                <a14:useLocalDpi xmlns:a14="http://schemas.microsoft.com/office/drawing/2010/main" val="0"/>
+              </a:ext>
+            </a:extLst>
+          </a:blip>
+          <a:srcRect b="54017"/>
+          <a:stretch/>
+        </p:blipFill>
+        <p:spPr>
+          <a:xfrm>
+            <a:off x="5837856" y="2747963"/>
+            <a:ext cx="2743200" cy="2071688"/>
+          </a:xfrm>
+          <a:prstGeom prst="rect">
+            <a:avLst/>
+          </a:prstGeom>
+          <a:ln w="28575">
+            <a:solidFill>
+              <a:srgbClr val="FF0000"/>
+            </a:solidFill>
+          </a:ln>
+        </p:spPr>
+      </p:pic>
+      <p:pic>
+        <p:nvPicPr>
+          <p:cNvPr id="19" name="그림 18"/>
+          <p:cNvPicPr>
+            <a:picLocks noChangeAspect="1"/>
+          </p:cNvPicPr>
+          <p:nvPr/>
+        </p:nvPicPr>
+        <p:blipFill rotWithShape="1">
+          <a:blip r:embed="rId3">
+            <a:extLst>
+              <a:ext uri="{28A0092B-C50C-407E-A947-70E740481C1C}">
+                <a14:useLocalDpi xmlns:a14="http://schemas.microsoft.com/office/drawing/2010/main" val="0"/>
+              </a:ext>
+            </a:extLst>
+          </a:blip>
+          <a:srcRect t="45559" b="1"/>
+          <a:stretch/>
+        </p:blipFill>
+        <p:spPr>
+          <a:xfrm>
+            <a:off x="8820150" y="2380613"/>
+            <a:ext cx="2743200" cy="2452687"/>
+          </a:xfrm>
+          <a:prstGeom prst="rect">
+            <a:avLst/>
+          </a:prstGeom>
+          <a:ln w="28575">
+            <a:solidFill>
+              <a:srgbClr val="FF0000"/>
+            </a:solidFill>
+          </a:ln>
+        </p:spPr>
+      </p:pic>
+      <p:sp>
+        <p:nvSpPr>
+          <p:cNvPr id="20" name="직사각형 19">
+            <a:extLst>
+              <a:ext uri="{FF2B5EF4-FFF2-40B4-BE49-F238E27FC236}">
+                <a16:creationId xmlns:a16="http://schemas.microsoft.com/office/drawing/2014/main" id="{72D919C1-2A18-43B1-8C56-00B18C7CF2E7}"/>
+              </a:ext>
+            </a:extLst>
+          </p:cNvPr>
+          <p:cNvSpPr/>
+          <p:nvPr/>
+        </p:nvSpPr>
+        <p:spPr>
+          <a:xfrm>
+            <a:off x="5815835" y="5135341"/>
+            <a:ext cx="2765221" cy="354050"/>
+          </a:xfrm>
+          <a:prstGeom prst="rect">
+            <a:avLst/>
+          </a:prstGeom>
+          <a:ln w="28575">
+            <a:solidFill>
+              <a:srgbClr val="FF0000"/>
+            </a:solidFill>
+          </a:ln>
+        </p:spPr>
+        <p:style>
+          <a:lnRef idx="2">
+            <a:schemeClr val="accent1"/>
+          </a:lnRef>
+          <a:fillRef idx="1">
+            <a:schemeClr val="lt1"/>
+          </a:fillRef>
+          <a:effectRef idx="0">
+            <a:schemeClr val="accent1"/>
+          </a:effectRef>
+          <a:fontRef idx="minor">
+            <a:schemeClr val="dk1"/>
+          </a:fontRef>
+        </p:style>
+        <p:txBody>
+          <a:bodyPr rtlCol="0" anchor="ctr"/>
+          <a:lstStyle/>
+          <a:p>
+            <a:pPr algn="ctr"/>
+            <a:r>
+              <a:rPr lang="en-US" altLang="ko-KR" sz="1100" b="1" dirty="0">
+                <a:latin typeface="나눔고딕" panose="020D0604000000000000" pitchFamily="50" charset="-127"/>
+                <a:ea typeface="나눔고딕" panose="020D0604000000000000" pitchFamily="50" charset="-127"/>
+              </a:rPr>
+              <a:t>WEB-INF</a:t>
+            </a:r>
+            <a:r>
+              <a:rPr lang="ko-KR" altLang="en-US" sz="1100" b="1" dirty="0">
+                <a:latin typeface="나눔고딕" panose="020D0604000000000000" pitchFamily="50" charset="-127"/>
+                <a:ea typeface="나눔고딕" panose="020D0604000000000000" pitchFamily="50" charset="-127"/>
+              </a:rPr>
+              <a:t> </a:t>
+            </a:r>
+            <a:r>
+              <a:rPr lang="ko-KR" altLang="en-US" sz="1100" b="1" dirty="0" smtClean="0">
+                <a:latin typeface="나눔고딕" panose="020D0604000000000000" pitchFamily="50" charset="-127"/>
+                <a:ea typeface="나눔고딕" panose="020D0604000000000000" pitchFamily="50" charset="-127"/>
+              </a:rPr>
+              <a:t>등 웹 애플리케이션 리소스 </a:t>
+            </a:r>
+            <a:r>
+              <a:rPr lang="ko-KR" altLang="en-US" sz="1100" b="1" dirty="0">
+                <a:latin typeface="나눔고딕" panose="020D0604000000000000" pitchFamily="50" charset="-127"/>
+                <a:ea typeface="나눔고딕" panose="020D0604000000000000" pitchFamily="50" charset="-127"/>
+              </a:rPr>
+              <a:t>위치</a:t>
+            </a:r>
+          </a:p>
+        </p:txBody>
+      </p:sp>
+      <p:sp>
+        <p:nvSpPr>
+          <p:cNvPr id="21" name="TextBox 20"/>
           <p:cNvSpPr txBox="1"/>
           <p:nvPr/>
         </p:nvSpPr>
         <p:spPr>
           <a:xfrm>
             <a:off x="1609648" y="652588"/>
-            <a:ext cx="3355406" cy="646331"/>
+            <a:ext cx="3485249" cy="646331"/>
           </a:xfrm>
           <a:prstGeom prst="rect">
             <a:avLst/>
@@ -12729,33 +12931,9 @@
                 <a:latin typeface="나눔고딕" panose="020D0604000000000000" pitchFamily="50" charset="-127"/>
                 <a:ea typeface="나눔고딕" panose="020D0604000000000000" pitchFamily="50" charset="-127"/>
               </a:rPr>
-              <a:t>페이지 구현</a:t>
-            </a:r>
-            <a:r>
-              <a:rPr lang="ko-KR" altLang="en-US" sz="2400" b="1" dirty="0">
-                <a:ln w="12700">
-                  <a:solidFill>
-                    <a:sysClr val="windowText" lastClr="000000"/>
-                  </a:solidFill>
-                </a:ln>
-                <a:latin typeface="나눔고딕" panose="020D0604000000000000" pitchFamily="50" charset="-127"/>
-                <a:ea typeface="나눔고딕" panose="020D0604000000000000" pitchFamily="50" charset="-127"/>
-              </a:rPr>
-              <a:t> </a:t>
-            </a:r>
-            <a:r>
-              <a:rPr lang="en-US" altLang="ko-KR" sz="2400" dirty="0">
-                <a:ln w="12700">
-                  <a:solidFill>
-                    <a:sysClr val="windowText" lastClr="000000"/>
-                  </a:solidFill>
-                </a:ln>
-                <a:latin typeface="나눔고딕" panose="020D0604000000000000" pitchFamily="50" charset="-127"/>
-                <a:ea typeface="나눔고딕" panose="020D0604000000000000" pitchFamily="50" charset="-127"/>
-              </a:rPr>
-              <a:t>(tiles)</a:t>
-            </a:r>
-            <a:endParaRPr lang="ko-KR" altLang="en-US" sz="2400" b="1" dirty="0">
+              <a:t>페이지 구성 요소</a:t>
+            </a:r>
+            <a:endParaRPr lang="ko-KR" altLang="en-US" sz="3600" b="1" dirty="0">
               <a:ln w="12700">
                 <a:solidFill>
                   <a:sysClr val="windowText" lastClr="000000"/>
@@ -12767,15 +12945,165 @@
           </a:p>
         </p:txBody>
       </p:sp>
+      <p:sp>
+        <p:nvSpPr>
+          <p:cNvPr id="11" name="직사각형 10">
+            <a:extLst>
+              <a:ext uri="{FF2B5EF4-FFF2-40B4-BE49-F238E27FC236}">
+                <a16:creationId xmlns:a16="http://schemas.microsoft.com/office/drawing/2014/main" id="{72D919C1-2A18-43B1-8C56-00B18C7CF2E7}"/>
+              </a:ext>
+            </a:extLst>
+          </p:cNvPr>
+          <p:cNvSpPr/>
+          <p:nvPr/>
+        </p:nvSpPr>
+        <p:spPr>
+          <a:xfrm>
+            <a:off x="3195751" y="5135341"/>
+            <a:ext cx="787400" cy="261610"/>
+          </a:xfrm>
+          <a:prstGeom prst="rect">
+            <a:avLst/>
+          </a:prstGeom>
+          <a:ln w="28575">
+            <a:solidFill>
+              <a:srgbClr val="FF0000"/>
+            </a:solidFill>
+          </a:ln>
+        </p:spPr>
+        <p:style>
+          <a:lnRef idx="2">
+            <a:schemeClr val="accent1"/>
+          </a:lnRef>
+          <a:fillRef idx="1">
+            <a:schemeClr val="lt1"/>
+          </a:fillRef>
+          <a:effectRef idx="0">
+            <a:schemeClr val="accent1"/>
+          </a:effectRef>
+          <a:fontRef idx="minor">
+            <a:schemeClr val="dk1"/>
+          </a:fontRef>
+        </p:style>
+        <p:txBody>
+          <a:bodyPr wrap="square" rtlCol="0" anchor="ctr">
+            <a:spAutoFit/>
+          </a:bodyPr>
+          <a:lstStyle/>
+          <a:p>
+            <a:pPr algn="ctr"/>
+            <a:r>
+              <a:rPr lang="en-US" altLang="ko-KR" sz="1100" b="1" dirty="0" smtClean="0">
+                <a:latin typeface="나눔고딕" panose="020D0604000000000000" pitchFamily="50" charset="-127"/>
+                <a:ea typeface="나눔고딕" panose="020D0604000000000000" pitchFamily="50" charset="-127"/>
+              </a:rPr>
+              <a:t>Tiles </a:t>
+            </a:r>
+            <a:r>
+              <a:rPr lang="ko-KR" altLang="en-US" sz="1100" b="1" dirty="0" smtClean="0">
+                <a:latin typeface="나눔고딕" panose="020D0604000000000000" pitchFamily="50" charset="-127"/>
+                <a:ea typeface="나눔고딕" panose="020D0604000000000000" pitchFamily="50" charset="-127"/>
+              </a:rPr>
+              <a:t>파일</a:t>
+            </a:r>
+            <a:endParaRPr lang="ko-KR" altLang="en-US" sz="1100" b="1" dirty="0">
+              <a:latin typeface="나눔고딕" panose="020D0604000000000000" pitchFamily="50" charset="-127"/>
+              <a:ea typeface="나눔고딕" panose="020D0604000000000000" pitchFamily="50" charset="-127"/>
+            </a:endParaRPr>
+          </a:p>
+        </p:txBody>
+      </p:sp>
+      <p:sp>
+        <p:nvSpPr>
+          <p:cNvPr id="16" name="직사각형 15">
+            <a:extLst>
+              <a:ext uri="{FF2B5EF4-FFF2-40B4-BE49-F238E27FC236}">
+                <a16:creationId xmlns:a16="http://schemas.microsoft.com/office/drawing/2014/main" id="{72D919C1-2A18-43B1-8C56-00B18C7CF2E7}"/>
+              </a:ext>
+            </a:extLst>
+          </p:cNvPr>
+          <p:cNvSpPr/>
+          <p:nvPr/>
+        </p:nvSpPr>
+        <p:spPr>
+          <a:xfrm>
+            <a:off x="800188" y="4656950"/>
+            <a:ext cx="1465262" cy="430887"/>
+          </a:xfrm>
+          <a:prstGeom prst="rect">
+            <a:avLst/>
+          </a:prstGeom>
+          <a:ln w="28575">
+            <a:solidFill>
+              <a:srgbClr val="FF0000"/>
+            </a:solidFill>
+          </a:ln>
+        </p:spPr>
+        <p:style>
+          <a:lnRef idx="2">
+            <a:schemeClr val="accent1"/>
+          </a:lnRef>
+          <a:fillRef idx="1">
+            <a:schemeClr val="lt1"/>
+          </a:fillRef>
+          <a:effectRef idx="0">
+            <a:schemeClr val="accent1"/>
+          </a:effectRef>
+          <a:fontRef idx="minor">
+            <a:schemeClr val="dk1"/>
+          </a:fontRef>
+        </p:style>
+        <p:txBody>
+          <a:bodyPr wrap="square" rtlCol="0" anchor="ctr">
+            <a:spAutoFit/>
+          </a:bodyPr>
+          <a:lstStyle/>
+          <a:p>
+            <a:pPr algn="ctr"/>
+            <a:r>
+              <a:rPr lang="ko-KR" altLang="en-US" sz="1100" b="1" dirty="0" smtClean="0">
+                <a:latin typeface="나눔고딕" panose="020D0604000000000000" pitchFamily="50" charset="-127"/>
+                <a:ea typeface="나눔고딕" panose="020D0604000000000000" pitchFamily="50" charset="-127"/>
+              </a:rPr>
+              <a:t>페이지 구성에 필요한</a:t>
+            </a:r>
+            <a:endParaRPr lang="en-US" altLang="ko-KR" sz="1100" b="1" dirty="0" smtClean="0">
+              <a:latin typeface="나눔고딕" panose="020D0604000000000000" pitchFamily="50" charset="-127"/>
+              <a:ea typeface="나눔고딕" panose="020D0604000000000000" pitchFamily="50" charset="-127"/>
+            </a:endParaRPr>
+          </a:p>
+          <a:p>
+            <a:pPr algn="ctr"/>
+            <a:r>
+              <a:rPr lang="en-US" altLang="ko-KR" sz="1100" b="1" dirty="0" smtClean="0">
+                <a:latin typeface="나눔고딕" panose="020D0604000000000000" pitchFamily="50" charset="-127"/>
+                <a:ea typeface="나눔고딕" panose="020D0604000000000000" pitchFamily="50" charset="-127"/>
+              </a:rPr>
+              <a:t>Mapper </a:t>
+            </a:r>
+            <a:r>
+              <a:rPr lang="ko-KR" altLang="en-US" sz="1100" b="1" dirty="0" smtClean="0">
+                <a:latin typeface="나눔고딕" panose="020D0604000000000000" pitchFamily="50" charset="-127"/>
+                <a:ea typeface="나눔고딕" panose="020D0604000000000000" pitchFamily="50" charset="-127"/>
+              </a:rPr>
+              <a:t>파일</a:t>
+            </a:r>
+            <a:endParaRPr lang="en-US" altLang="ko-KR" sz="1100" b="1" dirty="0" smtClean="0">
+              <a:latin typeface="나눔고딕" panose="020D0604000000000000" pitchFamily="50" charset="-127"/>
+              <a:ea typeface="나눔고딕" panose="020D0604000000000000" pitchFamily="50" charset="-127"/>
+            </a:endParaRPr>
+          </a:p>
+        </p:txBody>
+      </p:sp>
       <p:pic>
         <p:nvPicPr>
-          <p:cNvPr id="2" name="그림 1"/>
+          <p:cNvPr id="22" name="그림 21"/>
           <p:cNvPicPr>
             <a:picLocks noChangeAspect="1"/>
           </p:cNvPicPr>
           <p:nvPr/>
         </p:nvPicPr>
-        <p:blipFill>
+        <p:blipFill rotWithShape="1">
           <a:blip r:embed="rId2">
             <a:extLst>
               <a:ext uri="{28A0092B-C50C-407E-A947-70E740481C1C}">
@@ -12783,14 +13111,13 @@
               </a:ext>
             </a:extLst>
           </a:blip>
-          <a:stretch>
-            <a:fillRect/>
-          </a:stretch>
+          <a:srcRect t="45025" b="46150"/>
+          <a:stretch/>
         </p:blipFill>
         <p:spPr>
           <a:xfrm>
-            <a:off x="1394371" y="1840900"/>
-            <a:ext cx="1853228" cy="2024823"/>
+            <a:off x="814872" y="5230103"/>
+            <a:ext cx="2162175" cy="333695"/>
           </a:xfrm>
           <a:prstGeom prst="rect">
             <a:avLst/>
@@ -12802,502 +13129,10 @@
           </a:ln>
         </p:spPr>
       </p:pic>
-      <p:sp>
-        <p:nvSpPr>
-          <p:cNvPr id="4" name="TextBox 3">
-            <a:extLst>
-              <a:ext uri="{FF2B5EF4-FFF2-40B4-BE49-F238E27FC236}">
-                <a16:creationId xmlns:a16="http://schemas.microsoft.com/office/drawing/2014/main" id="{BEF2F55D-D388-468B-8BA7-5FC72820D840}"/>
-              </a:ext>
-            </a:extLst>
-          </p:cNvPr>
-          <p:cNvSpPr txBox="1"/>
-          <p:nvPr/>
-        </p:nvSpPr>
-        <p:spPr>
-          <a:xfrm>
-            <a:off x="1368220" y="1462615"/>
-            <a:ext cx="2417650" cy="261610"/>
-          </a:xfrm>
-          <a:prstGeom prst="rect">
-            <a:avLst/>
-          </a:prstGeom>
-          <a:ln w="28575">
-            <a:solidFill>
-              <a:srgbClr val="FF0000"/>
-            </a:solidFill>
-          </a:ln>
-        </p:spPr>
-        <p:style>
-          <a:lnRef idx="2">
-            <a:schemeClr val="accent6"/>
-          </a:lnRef>
-          <a:fillRef idx="1">
-            <a:schemeClr val="lt1"/>
-          </a:fillRef>
-          <a:effectRef idx="0">
-            <a:schemeClr val="accent6"/>
-          </a:effectRef>
-          <a:fontRef idx="minor">
-            <a:schemeClr val="dk1"/>
-          </a:fontRef>
-        </p:style>
-        <p:txBody>
-          <a:bodyPr wrap="none" rtlCol="0">
-            <a:spAutoFit/>
-          </a:bodyPr>
-          <a:lstStyle/>
-          <a:p>
-            <a:pPr algn="ctr"/>
-            <a:r>
-              <a:rPr lang="ko-KR" altLang="en-US" sz="1100" b="1" dirty="0">
-                <a:latin typeface="나눔고딕" panose="020D0604000000000000" pitchFamily="50" charset="-127"/>
-                <a:ea typeface="나눔고딕" panose="020D0604000000000000" pitchFamily="50" charset="-127"/>
-              </a:rPr>
-              <a:t>레이아웃을 정하는 </a:t>
-            </a:r>
-            <a:r>
-              <a:rPr lang="en-US" altLang="ko-KR" sz="1100" b="1" dirty="0">
-                <a:latin typeface="나눔고딕" panose="020D0604000000000000" pitchFamily="50" charset="-127"/>
-                <a:ea typeface="나눔고딕" panose="020D0604000000000000" pitchFamily="50" charset="-127"/>
-              </a:rPr>
-              <a:t>JSP</a:t>
-            </a:r>
-            <a:r>
-              <a:rPr lang="ko-KR" altLang="en-US" sz="1100" b="1" dirty="0">
-                <a:latin typeface="나눔고딕" panose="020D0604000000000000" pitchFamily="50" charset="-127"/>
-                <a:ea typeface="나눔고딕" panose="020D0604000000000000" pitchFamily="50" charset="-127"/>
-              </a:rPr>
-              <a:t>의 위치를 지정</a:t>
-            </a:r>
-          </a:p>
-        </p:txBody>
-      </p:sp>
-      <p:pic>
-        <p:nvPicPr>
-          <p:cNvPr id="3" name="그림 2"/>
-          <p:cNvPicPr>
-            <a:picLocks noChangeAspect="1"/>
-          </p:cNvPicPr>
-          <p:nvPr/>
-        </p:nvPicPr>
-        <p:blipFill>
-          <a:blip r:embed="rId3">
-            <a:extLst>
-              <a:ext uri="{28A0092B-C50C-407E-A947-70E740481C1C}">
-                <a14:useLocalDpi xmlns:a14="http://schemas.microsoft.com/office/drawing/2010/main" val="0"/>
-              </a:ext>
-            </a:extLst>
-          </a:blip>
-          <a:stretch>
-            <a:fillRect/>
-          </a:stretch>
-        </p:blipFill>
-        <p:spPr>
-          <a:xfrm>
-            <a:off x="1403896" y="4871258"/>
-            <a:ext cx="1221132" cy="1716416"/>
-          </a:xfrm>
-          <a:prstGeom prst="rect">
-            <a:avLst/>
-          </a:prstGeom>
-          <a:ln w="28575">
-            <a:solidFill>
-              <a:srgbClr val="FF0000"/>
-            </a:solidFill>
-          </a:ln>
-        </p:spPr>
-      </p:pic>
-      <p:sp>
-        <p:nvSpPr>
-          <p:cNvPr id="6" name="TextBox 5">
-            <a:extLst>
-              <a:ext uri="{FF2B5EF4-FFF2-40B4-BE49-F238E27FC236}">
-                <a16:creationId xmlns:a16="http://schemas.microsoft.com/office/drawing/2014/main" id="{A817718E-AE2D-4626-A2EC-F35A9ACE9710}"/>
-              </a:ext>
-            </a:extLst>
-          </p:cNvPr>
-          <p:cNvSpPr txBox="1"/>
-          <p:nvPr/>
-        </p:nvSpPr>
-        <p:spPr>
-          <a:xfrm>
-            <a:off x="1377745" y="4311447"/>
-            <a:ext cx="2752677" cy="430887"/>
-          </a:xfrm>
-          <a:prstGeom prst="rect">
-            <a:avLst/>
-          </a:prstGeom>
-          <a:ln w="28575">
-            <a:solidFill>
-              <a:srgbClr val="FF0000"/>
-            </a:solidFill>
-          </a:ln>
-        </p:spPr>
-        <p:style>
-          <a:lnRef idx="2">
-            <a:schemeClr val="accent6"/>
-          </a:lnRef>
-          <a:fillRef idx="1">
-            <a:schemeClr val="lt1"/>
-          </a:fillRef>
-          <a:effectRef idx="0">
-            <a:schemeClr val="accent6"/>
-          </a:effectRef>
-          <a:fontRef idx="minor">
-            <a:schemeClr val="dk1"/>
-          </a:fontRef>
-        </p:style>
-        <p:txBody>
-          <a:bodyPr wrap="none" rtlCol="0">
-            <a:spAutoFit/>
-          </a:bodyPr>
-          <a:lstStyle/>
-          <a:p>
-            <a:pPr algn="ctr"/>
-            <a:r>
-              <a:rPr lang="en-US" altLang="ko-KR" sz="1100" b="1" dirty="0">
-                <a:latin typeface="나눔고딕" panose="020D0604000000000000" pitchFamily="50" charset="-127"/>
-                <a:ea typeface="나눔고딕" panose="020D0604000000000000" pitchFamily="50" charset="-127"/>
-              </a:rPr>
-              <a:t>t</a:t>
-            </a:r>
-            <a:r>
-              <a:rPr lang="en-US" altLang="ko-KR" sz="1100" b="1" dirty="0" smtClean="0">
-                <a:latin typeface="나눔고딕" panose="020D0604000000000000" pitchFamily="50" charset="-127"/>
-                <a:ea typeface="나눔고딕" panose="020D0604000000000000" pitchFamily="50" charset="-127"/>
-              </a:rPr>
-              <a:t>iles</a:t>
-            </a:r>
-            <a:r>
-              <a:rPr lang="en-US" altLang="ko-KR" sz="1100" b="1" dirty="0">
-                <a:latin typeface="나눔고딕" panose="020D0604000000000000" pitchFamily="50" charset="-127"/>
-                <a:ea typeface="나눔고딕" panose="020D0604000000000000" pitchFamily="50" charset="-127"/>
-              </a:rPr>
-              <a:t>_*.xml</a:t>
-            </a:r>
-            <a:r>
-              <a:rPr lang="ko-KR" altLang="en-US" sz="1100" b="1" dirty="0">
-                <a:latin typeface="나눔고딕" panose="020D0604000000000000" pitchFamily="50" charset="-127"/>
-                <a:ea typeface="나눔고딕" panose="020D0604000000000000" pitchFamily="50" charset="-127"/>
-              </a:rPr>
-              <a:t>에서 지정한 위치에  </a:t>
-            </a:r>
-            <a:r>
-              <a:rPr lang="en-US" altLang="ko-KR" sz="1100" b="1" dirty="0">
-                <a:latin typeface="나눔고딕" panose="020D0604000000000000" pitchFamily="50" charset="-127"/>
-                <a:ea typeface="나눔고딕" panose="020D0604000000000000" pitchFamily="50" charset="-127"/>
-              </a:rPr>
-              <a:t>JSP</a:t>
-            </a:r>
-            <a:r>
-              <a:rPr lang="ko-KR" altLang="en-US" sz="1100" b="1" dirty="0">
-                <a:latin typeface="나눔고딕" panose="020D0604000000000000" pitchFamily="50" charset="-127"/>
-                <a:ea typeface="나눔고딕" panose="020D0604000000000000" pitchFamily="50" charset="-127"/>
-              </a:rPr>
-              <a:t>를 위치</a:t>
-            </a:r>
-            <a:endParaRPr lang="en-US" altLang="ko-KR" sz="1100" b="1" dirty="0">
-              <a:latin typeface="나눔고딕" panose="020D0604000000000000" pitchFamily="50" charset="-127"/>
-              <a:ea typeface="나눔고딕" panose="020D0604000000000000" pitchFamily="50" charset="-127"/>
-            </a:endParaRPr>
-          </a:p>
-          <a:p>
-            <a:pPr algn="ctr"/>
-            <a:r>
-              <a:rPr lang="ko-KR" altLang="en-US" sz="1100" b="1" dirty="0">
-                <a:latin typeface="나눔고딕" panose="020D0604000000000000" pitchFamily="50" charset="-127"/>
-                <a:ea typeface="나눔고딕" panose="020D0604000000000000" pitchFamily="50" charset="-127"/>
-              </a:rPr>
-              <a:t>브라우저 요청 시 해당 </a:t>
-            </a:r>
-            <a:r>
-              <a:rPr lang="en-US" altLang="ko-KR" sz="1100" b="1" dirty="0">
-                <a:latin typeface="나눔고딕" panose="020D0604000000000000" pitchFamily="50" charset="-127"/>
-                <a:ea typeface="나눔고딕" panose="020D0604000000000000" pitchFamily="50" charset="-127"/>
-              </a:rPr>
-              <a:t>JSP</a:t>
-            </a:r>
-            <a:r>
-              <a:rPr lang="ko-KR" altLang="en-US" sz="1100" b="1" dirty="0">
-                <a:latin typeface="나눔고딕" panose="020D0604000000000000" pitchFamily="50" charset="-127"/>
-                <a:ea typeface="나눔고딕" panose="020D0604000000000000" pitchFamily="50" charset="-127"/>
-              </a:rPr>
-              <a:t>의 내용이 표시</a:t>
-            </a:r>
-          </a:p>
-        </p:txBody>
-      </p:sp>
-      <p:pic>
-        <p:nvPicPr>
-          <p:cNvPr id="5" name="그림 4"/>
-          <p:cNvPicPr>
-            <a:picLocks noChangeAspect="1"/>
-          </p:cNvPicPr>
-          <p:nvPr/>
-        </p:nvPicPr>
-        <p:blipFill rotWithShape="1">
-          <a:blip r:embed="rId4">
-            <a:extLst>
-              <a:ext uri="{28A0092B-C50C-407E-A947-70E740481C1C}">
-                <a14:useLocalDpi xmlns:a14="http://schemas.microsoft.com/office/drawing/2010/main" val="0"/>
-              </a:ext>
-            </a:extLst>
-          </a:blip>
-          <a:srcRect l="980"/>
-          <a:stretch/>
-        </p:blipFill>
-        <p:spPr>
-          <a:xfrm>
-            <a:off x="4486751" y="2406199"/>
-            <a:ext cx="7186872" cy="3524250"/>
-          </a:xfrm>
-          <a:prstGeom prst="rect">
-            <a:avLst/>
-          </a:prstGeom>
-          <a:ln w="28575">
-            <a:solidFill>
-              <a:srgbClr val="FF0000"/>
-            </a:solidFill>
-          </a:ln>
-        </p:spPr>
-      </p:pic>
-      <p:cxnSp>
-        <p:nvCxnSpPr>
-          <p:cNvPr id="8" name="직선 화살표 연결선 7"/>
-          <p:cNvCxnSpPr/>
-          <p:nvPr/>
-        </p:nvCxnSpPr>
-        <p:spPr>
-          <a:xfrm flipH="1">
-            <a:off x="2130425" y="3956858"/>
-            <a:ext cx="577" cy="262717"/>
-          </a:xfrm>
-          <a:prstGeom prst="straightConnector1">
-            <a:avLst/>
-          </a:prstGeom>
-          <a:ln w="19050">
-            <a:solidFill>
-              <a:srgbClr val="FF0000"/>
-            </a:solidFill>
-            <a:tailEnd type="triangle"/>
-          </a:ln>
-        </p:spPr>
-        <p:style>
-          <a:lnRef idx="1">
-            <a:schemeClr val="accent1"/>
-          </a:lnRef>
-          <a:fillRef idx="0">
-            <a:schemeClr val="accent1"/>
-          </a:fillRef>
-          <a:effectRef idx="0">
-            <a:schemeClr val="accent1"/>
-          </a:effectRef>
-          <a:fontRef idx="minor">
-            <a:schemeClr val="tx1"/>
-          </a:fontRef>
-        </p:style>
-      </p:cxnSp>
-      <p:sp>
-        <p:nvSpPr>
-          <p:cNvPr id="11" name="TextBox 10">
-            <a:extLst>
-              <a:ext uri="{FF2B5EF4-FFF2-40B4-BE49-F238E27FC236}">
-                <a16:creationId xmlns:a16="http://schemas.microsoft.com/office/drawing/2014/main" id="{B583BC1C-A564-45E4-98E0-9B9831B68E24}"/>
-              </a:ext>
-            </a:extLst>
-          </p:cNvPr>
-          <p:cNvSpPr txBox="1"/>
-          <p:nvPr/>
-        </p:nvSpPr>
-        <p:spPr>
-          <a:xfrm>
-            <a:off x="4467701" y="1458629"/>
-            <a:ext cx="4310795" cy="600164"/>
-          </a:xfrm>
-          <a:prstGeom prst="rect">
-            <a:avLst/>
-          </a:prstGeom>
-          <a:ln w="28575">
-            <a:solidFill>
-              <a:srgbClr val="FF0000"/>
-            </a:solidFill>
-          </a:ln>
-        </p:spPr>
-        <p:style>
-          <a:lnRef idx="2">
-            <a:schemeClr val="accent6"/>
-          </a:lnRef>
-          <a:fillRef idx="1">
-            <a:schemeClr val="lt1"/>
-          </a:fillRef>
-          <a:effectRef idx="0">
-            <a:schemeClr val="accent6"/>
-          </a:effectRef>
-          <a:fontRef idx="minor">
-            <a:schemeClr val="dk1"/>
-          </a:fontRef>
-        </p:style>
-        <p:txBody>
-          <a:bodyPr wrap="none" rtlCol="0">
-            <a:spAutoFit/>
-          </a:bodyPr>
-          <a:lstStyle/>
-          <a:p>
-            <a:pPr algn="ctr"/>
-            <a:r>
-              <a:rPr lang="en-US" altLang="ko-KR" sz="1100" b="1" dirty="0">
-                <a:latin typeface="나눔고딕" panose="020D0604000000000000" pitchFamily="50" charset="-127"/>
-                <a:ea typeface="나눔고딕" panose="020D0604000000000000" pitchFamily="50" charset="-127"/>
-              </a:rPr>
-              <a:t>*ControllerImpl.java</a:t>
-            </a:r>
-          </a:p>
-          <a:p>
-            <a:pPr algn="ctr"/>
-            <a:r>
-              <a:rPr lang="ko-KR" altLang="en-US" sz="1100" b="1" dirty="0">
-                <a:latin typeface="나눔고딕" panose="020D0604000000000000" pitchFamily="50" charset="-127"/>
-                <a:ea typeface="나눔고딕" panose="020D0604000000000000" pitchFamily="50" charset="-127"/>
-              </a:rPr>
-              <a:t>브라우저에서 매핑 된 주소로 요청 시 </a:t>
-            </a:r>
-            <a:endParaRPr lang="en-US" altLang="ko-KR" sz="1100" b="1" dirty="0">
-              <a:latin typeface="나눔고딕" panose="020D0604000000000000" pitchFamily="50" charset="-127"/>
-              <a:ea typeface="나눔고딕" panose="020D0604000000000000" pitchFamily="50" charset="-127"/>
-            </a:endParaRPr>
-          </a:p>
-          <a:p>
-            <a:pPr algn="ctr"/>
-            <a:r>
-              <a:rPr lang="en-US" altLang="ko-KR" sz="1100" b="1" dirty="0" err="1">
-                <a:latin typeface="나눔고딕" panose="020D0604000000000000" pitchFamily="50" charset="-127"/>
-                <a:ea typeface="나눔고딕" panose="020D0604000000000000" pitchFamily="50" charset="-127"/>
-              </a:rPr>
-              <a:t>ModelAndView</a:t>
-            </a:r>
-            <a:r>
-              <a:rPr lang="en-US" altLang="ko-KR" sz="1100" b="1" dirty="0">
-                <a:latin typeface="나눔고딕" panose="020D0604000000000000" pitchFamily="50" charset="-127"/>
-                <a:ea typeface="나눔고딕" panose="020D0604000000000000" pitchFamily="50" charset="-127"/>
-              </a:rPr>
-              <a:t> </a:t>
-            </a:r>
-            <a:r>
-              <a:rPr lang="ko-KR" altLang="en-US" sz="1100" b="1" dirty="0">
-                <a:latin typeface="나눔고딕" panose="020D0604000000000000" pitchFamily="50" charset="-127"/>
-                <a:ea typeface="나눔고딕" panose="020D0604000000000000" pitchFamily="50" charset="-127"/>
-              </a:rPr>
-              <a:t>객체에 설정 된 뷰 이름을 </a:t>
-            </a:r>
-            <a:r>
-              <a:rPr lang="en-US" altLang="ko-KR" sz="1100" b="1" dirty="0" err="1">
-                <a:latin typeface="나눔고딕" panose="020D0604000000000000" pitchFamily="50" charset="-127"/>
-                <a:ea typeface="나눔고딕" panose="020D0604000000000000" pitchFamily="50" charset="-127"/>
-              </a:rPr>
-              <a:t>tilesViewResolver</a:t>
-            </a:r>
-            <a:r>
-              <a:rPr lang="ko-KR" altLang="en-US" sz="1100" b="1" dirty="0">
-                <a:latin typeface="나눔고딕" panose="020D0604000000000000" pitchFamily="50" charset="-127"/>
-                <a:ea typeface="나눔고딕" panose="020D0604000000000000" pitchFamily="50" charset="-127"/>
-              </a:rPr>
-              <a:t>로 반환</a:t>
-            </a:r>
-          </a:p>
-        </p:txBody>
-      </p:sp>
-      <p:sp>
-        <p:nvSpPr>
-          <p:cNvPr id="10" name="직사각형 9"/>
-          <p:cNvSpPr/>
-          <p:nvPr/>
-        </p:nvSpPr>
-        <p:spPr>
-          <a:xfrm>
-            <a:off x="4991100" y="4116889"/>
-            <a:ext cx="3952875" cy="597986"/>
-          </a:xfrm>
-          <a:prstGeom prst="rect">
-            <a:avLst/>
-          </a:prstGeom>
-          <a:noFill/>
-          <a:ln w="28575">
-            <a:solidFill>
-              <a:srgbClr val="FF0000"/>
-            </a:solidFill>
-            <a:prstDash val="sysDot"/>
-          </a:ln>
-        </p:spPr>
-        <p:style>
-          <a:lnRef idx="2">
-            <a:schemeClr val="accent1">
-              <a:shade val="50000"/>
-            </a:schemeClr>
-          </a:lnRef>
-          <a:fillRef idx="1">
-            <a:schemeClr val="accent1"/>
-          </a:fillRef>
-          <a:effectRef idx="0">
-            <a:schemeClr val="accent1"/>
-          </a:effectRef>
-          <a:fontRef idx="minor">
-            <a:schemeClr val="lt1"/>
-          </a:fontRef>
-        </p:style>
-        <p:txBody>
-          <a:bodyPr rtlCol="0" anchor="ctr"/>
-          <a:lstStyle/>
-          <a:p>
-            <a:pPr algn="ctr"/>
-            <a:endParaRPr lang="ko-KR" altLang="en-US"/>
-          </a:p>
-        </p:txBody>
-      </p:sp>
-      <p:cxnSp>
-        <p:nvCxnSpPr>
-          <p:cNvPr id="13" name="직선 화살표 연결선 12"/>
-          <p:cNvCxnSpPr>
-            <a:stCxn id="11" idx="2"/>
-            <a:endCxn id="10" idx="0"/>
-          </p:cNvCxnSpPr>
-          <p:nvPr/>
-        </p:nvCxnSpPr>
-        <p:spPr>
-          <a:xfrm>
-            <a:off x="6623099" y="2058793"/>
-            <a:ext cx="344439" cy="2058096"/>
-          </a:xfrm>
-          <a:prstGeom prst="straightConnector1">
-            <a:avLst/>
-          </a:prstGeom>
-          <a:ln w="28575">
-            <a:solidFill>
-              <a:srgbClr val="FF0000"/>
-            </a:solidFill>
-            <a:prstDash val="solid"/>
-            <a:tailEnd type="triangle"/>
-          </a:ln>
-        </p:spPr>
-        <p:style>
-          <a:lnRef idx="1">
-            <a:schemeClr val="accent1"/>
-          </a:lnRef>
-          <a:fillRef idx="0">
-            <a:schemeClr val="accent1"/>
-          </a:fillRef>
-          <a:effectRef idx="0">
-            <a:schemeClr val="accent1"/>
-          </a:effectRef>
-          <a:fontRef idx="minor">
-            <a:schemeClr val="tx1"/>
-          </a:fontRef>
-        </p:style>
-      </p:cxnSp>
     </p:spTree>
     <p:extLst>
       <p:ext uri="{BB962C8B-B14F-4D97-AF65-F5344CB8AC3E}">
-        <p14:creationId xmlns:p14="http://schemas.microsoft.com/office/powerpoint/2010/main" val="2018520250"/>
+        <p14:creationId xmlns:p14="http://schemas.microsoft.com/office/powerpoint/2010/main" val="1952659654"/>
       </p:ext>
     </p:extLst>
   </p:cSld>
@@ -13326,14 +13161,14 @@
       </p:grpSpPr>
       <p:sp>
         <p:nvSpPr>
-          <p:cNvPr id="4" name="TextBox 3"/>
+          <p:cNvPr id="18" name="TextBox 17"/>
           <p:cNvSpPr txBox="1"/>
           <p:nvPr/>
         </p:nvSpPr>
         <p:spPr>
           <a:xfrm>
             <a:off x="1609648" y="652588"/>
-            <a:ext cx="3398687" cy="646331"/>
+            <a:ext cx="3355406" cy="646331"/>
           </a:xfrm>
           <a:prstGeom prst="rect">
             <a:avLst/>
@@ -13359,7 +13194,7 @@
               <a:t>페이지 구현</a:t>
             </a:r>
             <a:r>
-              <a:rPr lang="ko-KR" altLang="en-US" sz="2400" b="1" dirty="0" smtClean="0">
+              <a:rPr lang="ko-KR" altLang="en-US" sz="2400" b="1" dirty="0">
                 <a:ln w="12700">
                   <a:solidFill>
                     <a:sysClr val="windowText" lastClr="000000"/>
@@ -13371,7 +13206,7 @@
               <a:t> </a:t>
             </a:r>
             <a:r>
-              <a:rPr lang="en-US" altLang="ko-KR" sz="2400" dirty="0" smtClean="0">
+              <a:rPr lang="en-US" altLang="ko-KR" sz="2400" dirty="0">
                 <a:ln w="12700">
                   <a:solidFill>
                     <a:sysClr val="windowText" lastClr="000000"/>
@@ -13382,7 +13217,7 @@
               </a:rPr>
               <a:t>(tiles)</a:t>
             </a:r>
-            <a:endParaRPr lang="ko-KR" altLang="en-US" sz="3600" dirty="0">
+            <a:endParaRPr lang="ko-KR" altLang="en-US" sz="2400" b="1" dirty="0">
               <a:ln w="12700">
                 <a:solidFill>
                   <a:sysClr val="windowText" lastClr="000000"/>
@@ -13396,22 +13231,28 @@
       </p:sp>
       <p:pic>
         <p:nvPicPr>
-          <p:cNvPr id="14" name="그림 13"/>
+          <p:cNvPr id="2" name="그림 1"/>
           <p:cNvPicPr>
             <a:picLocks noChangeAspect="1"/>
           </p:cNvPicPr>
           <p:nvPr/>
         </p:nvPicPr>
         <p:blipFill>
-          <a:blip r:embed="rId2"/>
+          <a:blip r:embed="rId2">
+            <a:extLst>
+              <a:ext uri="{28A0092B-C50C-407E-A947-70E740481C1C}">
+                <a14:useLocalDpi xmlns:a14="http://schemas.microsoft.com/office/drawing/2010/main" val="0"/>
+              </a:ext>
+            </a:extLst>
+          </a:blip>
           <a:stretch>
             <a:fillRect/>
           </a:stretch>
         </p:blipFill>
         <p:spPr>
           <a:xfrm>
-            <a:off x="1609648" y="1456126"/>
-            <a:ext cx="7434263" cy="4930386"/>
+            <a:off x="1394371" y="1840900"/>
+            <a:ext cx="1853228" cy="2024823"/>
           </a:xfrm>
           <a:prstGeom prst="rect">
             <a:avLst/>
@@ -13425,57 +13266,10 @@
       </p:pic>
       <p:sp>
         <p:nvSpPr>
-          <p:cNvPr id="15" name="직사각형 14"/>
-          <p:cNvSpPr/>
-          <p:nvPr/>
-        </p:nvSpPr>
-        <p:spPr>
-          <a:xfrm>
-            <a:off x="2028825" y="2828925"/>
-            <a:ext cx="6467475" cy="1438275"/>
-          </a:xfrm>
-          <a:prstGeom prst="rect">
-            <a:avLst/>
-          </a:prstGeom>
-          <a:noFill/>
-          <a:ln w="28575">
-            <a:solidFill>
-              <a:srgbClr val="FF0000"/>
-            </a:solidFill>
-            <a:prstDash val="sysDot"/>
-          </a:ln>
-        </p:spPr>
-        <p:style>
-          <a:lnRef idx="2">
-            <a:schemeClr val="accent1">
-              <a:shade val="50000"/>
-            </a:schemeClr>
-          </a:lnRef>
-          <a:fillRef idx="1">
-            <a:schemeClr val="accent1"/>
-          </a:fillRef>
-          <a:effectRef idx="0">
-            <a:schemeClr val="accent1"/>
-          </a:effectRef>
-          <a:fontRef idx="minor">
-            <a:schemeClr val="lt1"/>
-          </a:fontRef>
-        </p:style>
-        <p:txBody>
-          <a:bodyPr rtlCol="0" anchor="ctr"/>
-          <a:lstStyle/>
-          <a:p>
-            <a:pPr algn="ctr"/>
-            <a:endParaRPr lang="ko-KR" altLang="en-US"/>
-          </a:p>
-        </p:txBody>
-      </p:sp>
-      <p:sp>
-        <p:nvSpPr>
-          <p:cNvPr id="16" name="TextBox 15">
+          <p:cNvPr id="4" name="TextBox 3">
             <a:extLst>
               <a:ext uri="{FF2B5EF4-FFF2-40B4-BE49-F238E27FC236}">
-                <a16:creationId xmlns:a16="http://schemas.microsoft.com/office/drawing/2014/main" id="{CBC67CCD-1363-4AC9-84E4-19A633E6E0CC}"/>
+                <a16:creationId xmlns:a16="http://schemas.microsoft.com/office/drawing/2014/main" id="{BEF2F55D-D388-468B-8BA7-5FC72820D840}"/>
               </a:ext>
             </a:extLst>
           </p:cNvPr>
@@ -13484,8 +13278,8 @@
         </p:nvSpPr>
         <p:spPr>
           <a:xfrm>
-            <a:off x="2028825" y="1839248"/>
-            <a:ext cx="5394425" cy="430887"/>
+            <a:off x="1368220" y="1462615"/>
+            <a:ext cx="2417650" cy="261610"/>
           </a:xfrm>
           <a:prstGeom prst="rect">
             <a:avLst/>
@@ -13518,20 +13312,351 @@
           <a:p>
             <a:pPr algn="ctr"/>
             <a:r>
+              <a:rPr lang="ko-KR" altLang="en-US" sz="1100" b="1" dirty="0">
+                <a:latin typeface="나눔고딕" panose="020D0604000000000000" pitchFamily="50" charset="-127"/>
+                <a:ea typeface="나눔고딕" panose="020D0604000000000000" pitchFamily="50" charset="-127"/>
+              </a:rPr>
+              <a:t>레이아웃을 정하는 </a:t>
+            </a:r>
+            <a:r>
               <a:rPr lang="en-US" altLang="ko-KR" sz="1100" b="1" dirty="0">
                 <a:latin typeface="나눔고딕" panose="020D0604000000000000" pitchFamily="50" charset="-127"/>
                 <a:ea typeface="나눔고딕" panose="020D0604000000000000" pitchFamily="50" charset="-127"/>
               </a:rPr>
-              <a:t>servlet-context.xml</a:t>
-            </a:r>
-          </a:p>
+              <a:t>JSP</a:t>
+            </a:r>
+            <a:r>
+              <a:rPr lang="ko-KR" altLang="en-US" sz="1100" b="1" dirty="0">
+                <a:latin typeface="나눔고딕" panose="020D0604000000000000" pitchFamily="50" charset="-127"/>
+                <a:ea typeface="나눔고딕" panose="020D0604000000000000" pitchFamily="50" charset="-127"/>
+              </a:rPr>
+              <a:t>의 위치를 지정</a:t>
+            </a:r>
+          </a:p>
+        </p:txBody>
+      </p:sp>
+      <p:pic>
+        <p:nvPicPr>
+          <p:cNvPr id="3" name="그림 2"/>
+          <p:cNvPicPr>
+            <a:picLocks noChangeAspect="1"/>
+          </p:cNvPicPr>
+          <p:nvPr/>
+        </p:nvPicPr>
+        <p:blipFill>
+          <a:blip r:embed="rId3">
+            <a:extLst>
+              <a:ext uri="{28A0092B-C50C-407E-A947-70E740481C1C}">
+                <a14:useLocalDpi xmlns:a14="http://schemas.microsoft.com/office/drawing/2010/main" val="0"/>
+              </a:ext>
+            </a:extLst>
+          </a:blip>
+          <a:stretch>
+            <a:fillRect/>
+          </a:stretch>
+        </p:blipFill>
+        <p:spPr>
+          <a:xfrm>
+            <a:off x="1403896" y="4871258"/>
+            <a:ext cx="1221132" cy="1716416"/>
+          </a:xfrm>
+          <a:prstGeom prst="rect">
+            <a:avLst/>
+          </a:prstGeom>
+          <a:ln w="28575">
+            <a:solidFill>
+              <a:srgbClr val="FF0000"/>
+            </a:solidFill>
+          </a:ln>
+        </p:spPr>
+      </p:pic>
+      <p:sp>
+        <p:nvSpPr>
+          <p:cNvPr id="6" name="TextBox 5">
+            <a:extLst>
+              <a:ext uri="{FF2B5EF4-FFF2-40B4-BE49-F238E27FC236}">
+                <a16:creationId xmlns:a16="http://schemas.microsoft.com/office/drawing/2014/main" id="{A817718E-AE2D-4626-A2EC-F35A9ACE9710}"/>
+              </a:ext>
+            </a:extLst>
+          </p:cNvPr>
+          <p:cNvSpPr txBox="1"/>
+          <p:nvPr/>
+        </p:nvSpPr>
+        <p:spPr>
+          <a:xfrm>
+            <a:off x="1377745" y="4311447"/>
+            <a:ext cx="2752677" cy="430887"/>
+          </a:xfrm>
+          <a:prstGeom prst="rect">
+            <a:avLst/>
+          </a:prstGeom>
+          <a:ln w="28575">
+            <a:solidFill>
+              <a:srgbClr val="FF0000"/>
+            </a:solidFill>
+          </a:ln>
+        </p:spPr>
+        <p:style>
+          <a:lnRef idx="2">
+            <a:schemeClr val="accent6"/>
+          </a:lnRef>
+          <a:fillRef idx="1">
+            <a:schemeClr val="lt1"/>
+          </a:fillRef>
+          <a:effectRef idx="0">
+            <a:schemeClr val="accent6"/>
+          </a:effectRef>
+          <a:fontRef idx="minor">
+            <a:schemeClr val="dk1"/>
+          </a:fontRef>
+        </p:style>
+        <p:txBody>
+          <a:bodyPr wrap="none" rtlCol="0">
+            <a:spAutoFit/>
+          </a:bodyPr>
+          <a:lstStyle/>
           <a:p>
             <a:pPr algn="ctr"/>
             <a:r>
+              <a:rPr lang="en-US" altLang="ko-KR" sz="1100" b="1" dirty="0">
+                <a:latin typeface="나눔고딕" panose="020D0604000000000000" pitchFamily="50" charset="-127"/>
+                <a:ea typeface="나눔고딕" panose="020D0604000000000000" pitchFamily="50" charset="-127"/>
+              </a:rPr>
+              <a:t>t</a:t>
+            </a:r>
+            <a:r>
+              <a:rPr lang="en-US" altLang="ko-KR" sz="1100" b="1" dirty="0" smtClean="0">
+                <a:latin typeface="나눔고딕" panose="020D0604000000000000" pitchFamily="50" charset="-127"/>
+                <a:ea typeface="나눔고딕" panose="020D0604000000000000" pitchFamily="50" charset="-127"/>
+              </a:rPr>
+              <a:t>iles</a:t>
+            </a:r>
+            <a:r>
+              <a:rPr lang="en-US" altLang="ko-KR" sz="1100" b="1" dirty="0">
+                <a:latin typeface="나눔고딕" panose="020D0604000000000000" pitchFamily="50" charset="-127"/>
+                <a:ea typeface="나눔고딕" panose="020D0604000000000000" pitchFamily="50" charset="-127"/>
+              </a:rPr>
+              <a:t>_*.xml</a:t>
+            </a:r>
+            <a:r>
+              <a:rPr lang="ko-KR" altLang="en-US" sz="1100" b="1" dirty="0">
+                <a:latin typeface="나눔고딕" panose="020D0604000000000000" pitchFamily="50" charset="-127"/>
+                <a:ea typeface="나눔고딕" panose="020D0604000000000000" pitchFamily="50" charset="-127"/>
+              </a:rPr>
+              <a:t>에서 지정한 위치에  </a:t>
+            </a:r>
+            <a:r>
+              <a:rPr lang="en-US" altLang="ko-KR" sz="1100" b="1" dirty="0">
+                <a:latin typeface="나눔고딕" panose="020D0604000000000000" pitchFamily="50" charset="-127"/>
+                <a:ea typeface="나눔고딕" panose="020D0604000000000000" pitchFamily="50" charset="-127"/>
+              </a:rPr>
+              <a:t>JSP</a:t>
+            </a:r>
+            <a:r>
+              <a:rPr lang="ko-KR" altLang="en-US" sz="1100" b="1" dirty="0">
+                <a:latin typeface="나눔고딕" panose="020D0604000000000000" pitchFamily="50" charset="-127"/>
+                <a:ea typeface="나눔고딕" panose="020D0604000000000000" pitchFamily="50" charset="-127"/>
+              </a:rPr>
+              <a:t>를 위치</a:t>
+            </a:r>
+            <a:endParaRPr lang="en-US" altLang="ko-KR" sz="1100" b="1" dirty="0">
+              <a:latin typeface="나눔고딕" panose="020D0604000000000000" pitchFamily="50" charset="-127"/>
+              <a:ea typeface="나눔고딕" panose="020D0604000000000000" pitchFamily="50" charset="-127"/>
+            </a:endParaRPr>
+          </a:p>
+          <a:p>
+            <a:pPr algn="ctr"/>
+            <a:r>
+              <a:rPr lang="ko-KR" altLang="en-US" sz="1100" b="1" dirty="0">
+                <a:latin typeface="나눔고딕" panose="020D0604000000000000" pitchFamily="50" charset="-127"/>
+                <a:ea typeface="나눔고딕" panose="020D0604000000000000" pitchFamily="50" charset="-127"/>
+              </a:rPr>
+              <a:t>브라우저 요청 시 해당 </a:t>
+            </a:r>
+            <a:r>
+              <a:rPr lang="en-US" altLang="ko-KR" sz="1100" b="1" dirty="0">
+                <a:latin typeface="나눔고딕" panose="020D0604000000000000" pitchFamily="50" charset="-127"/>
+                <a:ea typeface="나눔고딕" panose="020D0604000000000000" pitchFamily="50" charset="-127"/>
+              </a:rPr>
+              <a:t>JSP</a:t>
+            </a:r>
+            <a:r>
+              <a:rPr lang="ko-KR" altLang="en-US" sz="1100" b="1" dirty="0">
+                <a:latin typeface="나눔고딕" panose="020D0604000000000000" pitchFamily="50" charset="-127"/>
+                <a:ea typeface="나눔고딕" panose="020D0604000000000000" pitchFamily="50" charset="-127"/>
+              </a:rPr>
+              <a:t>의 내용이 표시</a:t>
+            </a:r>
+          </a:p>
+        </p:txBody>
+      </p:sp>
+      <p:pic>
+        <p:nvPicPr>
+          <p:cNvPr id="5" name="그림 4"/>
+          <p:cNvPicPr>
+            <a:picLocks noChangeAspect="1"/>
+          </p:cNvPicPr>
+          <p:nvPr/>
+        </p:nvPicPr>
+        <p:blipFill rotWithShape="1">
+          <a:blip r:embed="rId4">
+            <a:extLst>
+              <a:ext uri="{28A0092B-C50C-407E-A947-70E740481C1C}">
+                <a14:useLocalDpi xmlns:a14="http://schemas.microsoft.com/office/drawing/2010/main" val="0"/>
+              </a:ext>
+            </a:extLst>
+          </a:blip>
+          <a:srcRect l="980"/>
+          <a:stretch/>
+        </p:blipFill>
+        <p:spPr>
+          <a:xfrm>
+            <a:off x="4486751" y="2406199"/>
+            <a:ext cx="7186872" cy="3524250"/>
+          </a:xfrm>
+          <a:prstGeom prst="rect">
+            <a:avLst/>
+          </a:prstGeom>
+          <a:ln w="28575">
+            <a:solidFill>
+              <a:srgbClr val="FF0000"/>
+            </a:solidFill>
+          </a:ln>
+        </p:spPr>
+      </p:pic>
+      <p:cxnSp>
+        <p:nvCxnSpPr>
+          <p:cNvPr id="8" name="직선 화살표 연결선 7"/>
+          <p:cNvCxnSpPr/>
+          <p:nvPr/>
+        </p:nvCxnSpPr>
+        <p:spPr>
+          <a:xfrm flipH="1">
+            <a:off x="2130425" y="3956858"/>
+            <a:ext cx="577" cy="262717"/>
+          </a:xfrm>
+          <a:prstGeom prst="straightConnector1">
+            <a:avLst/>
+          </a:prstGeom>
+          <a:ln w="19050">
+            <a:solidFill>
+              <a:srgbClr val="FF0000"/>
+            </a:solidFill>
+            <a:tailEnd type="triangle"/>
+          </a:ln>
+        </p:spPr>
+        <p:style>
+          <a:lnRef idx="1">
+            <a:schemeClr val="accent1"/>
+          </a:lnRef>
+          <a:fillRef idx="0">
+            <a:schemeClr val="accent1"/>
+          </a:fillRef>
+          <a:effectRef idx="0">
+            <a:schemeClr val="accent1"/>
+          </a:effectRef>
+          <a:fontRef idx="minor">
+            <a:schemeClr val="tx1"/>
+          </a:fontRef>
+        </p:style>
+      </p:cxnSp>
+      <p:sp>
+        <p:nvSpPr>
+          <p:cNvPr id="11" name="TextBox 10">
+            <a:extLst>
+              <a:ext uri="{FF2B5EF4-FFF2-40B4-BE49-F238E27FC236}">
+                <a16:creationId xmlns:a16="http://schemas.microsoft.com/office/drawing/2014/main" id="{B583BC1C-A564-45E4-98E0-9B9831B68E24}"/>
+              </a:ext>
+            </a:extLst>
+          </p:cNvPr>
+          <p:cNvSpPr txBox="1"/>
+          <p:nvPr/>
+        </p:nvSpPr>
+        <p:spPr>
+          <a:xfrm>
+            <a:off x="4467701" y="1458629"/>
+            <a:ext cx="4310795" cy="600164"/>
+          </a:xfrm>
+          <a:prstGeom prst="rect">
+            <a:avLst/>
+          </a:prstGeom>
+          <a:ln w="28575">
+            <a:solidFill>
+              <a:srgbClr val="FF0000"/>
+            </a:solidFill>
+          </a:ln>
+        </p:spPr>
+        <p:style>
+          <a:lnRef idx="2">
+            <a:schemeClr val="accent6"/>
+          </a:lnRef>
+          <a:fillRef idx="1">
+            <a:schemeClr val="lt1"/>
+          </a:fillRef>
+          <a:effectRef idx="0">
+            <a:schemeClr val="accent6"/>
+          </a:effectRef>
+          <a:fontRef idx="minor">
+            <a:schemeClr val="dk1"/>
+          </a:fontRef>
+        </p:style>
+        <p:txBody>
+          <a:bodyPr wrap="none" rtlCol="0">
+            <a:spAutoFit/>
+          </a:bodyPr>
+          <a:lstStyle/>
+          <a:p>
+            <a:pPr algn="ctr"/>
+            <a:r>
+              <a:rPr lang="en-US" altLang="ko-KR" sz="1100" b="1" dirty="0">
+                <a:latin typeface="나눔고딕" panose="020D0604000000000000" pitchFamily="50" charset="-127"/>
+                <a:ea typeface="나눔고딕" panose="020D0604000000000000" pitchFamily="50" charset="-127"/>
+              </a:rPr>
+              <a:t>*ControllerImpl.java</a:t>
+            </a:r>
+          </a:p>
+          <a:p>
+            <a:pPr algn="ctr"/>
+            <a:r>
+              <a:rPr lang="ko-KR" altLang="en-US" sz="1100" b="1" dirty="0">
+                <a:latin typeface="나눔고딕" panose="020D0604000000000000" pitchFamily="50" charset="-127"/>
+                <a:ea typeface="나눔고딕" panose="020D0604000000000000" pitchFamily="50" charset="-127"/>
+              </a:rPr>
+              <a:t>브라우저에서 매핑 된 주소로 요청 시 </a:t>
+            </a:r>
+            <a:endParaRPr lang="en-US" altLang="ko-KR" sz="1100" b="1" dirty="0">
+              <a:latin typeface="나눔고딕" panose="020D0604000000000000" pitchFamily="50" charset="-127"/>
+              <a:ea typeface="나눔고딕" panose="020D0604000000000000" pitchFamily="50" charset="-127"/>
+            </a:endParaRPr>
+          </a:p>
+          <a:p>
+            <a:pPr algn="ctr"/>
+            <a:r>
               <a:rPr lang="en-US" altLang="ko-KR" sz="1100" b="1" dirty="0" err="1">
                 <a:latin typeface="나눔고딕" panose="020D0604000000000000" pitchFamily="50" charset="-127"/>
                 <a:ea typeface="나눔고딕" panose="020D0604000000000000" pitchFamily="50" charset="-127"/>
               </a:rPr>
+              <a:t>ModelAndView</a:t>
+            </a:r>
+            <a:r>
+              <a:rPr lang="en-US" altLang="ko-KR" sz="1100" b="1" dirty="0">
+                <a:latin typeface="나눔고딕" panose="020D0604000000000000" pitchFamily="50" charset="-127"/>
+                <a:ea typeface="나눔고딕" panose="020D0604000000000000" pitchFamily="50" charset="-127"/>
+              </a:rPr>
+              <a:t> </a:t>
+            </a:r>
+            <a:r>
+              <a:rPr lang="ko-KR" altLang="en-US" sz="1100" b="1" dirty="0">
+                <a:latin typeface="나눔고딕" panose="020D0604000000000000" pitchFamily="50" charset="-127"/>
+                <a:ea typeface="나눔고딕" panose="020D0604000000000000" pitchFamily="50" charset="-127"/>
+              </a:rPr>
+              <a:t>객체에 설정 된 뷰 이름을 </a:t>
+            </a:r>
+            <a:r>
+              <a:rPr lang="en-US" altLang="ko-KR" sz="1100" b="1" dirty="0" err="1">
+                <a:latin typeface="나눔고딕" panose="020D0604000000000000" pitchFamily="50" charset="-127"/>
+                <a:ea typeface="나눔고딕" panose="020D0604000000000000" pitchFamily="50" charset="-127"/>
+              </a:rPr>
               <a:t>tilesViewResolver</a:t>
             </a:r>
             <a:r>
@@ -13539,52 +13664,71 @@
                 <a:latin typeface="나눔고딕" panose="020D0604000000000000" pitchFamily="50" charset="-127"/>
                 <a:ea typeface="나눔고딕" panose="020D0604000000000000" pitchFamily="50" charset="-127"/>
               </a:rPr>
-              <a:t>를 사용 해 </a:t>
-            </a:r>
-            <a:r>
-              <a:rPr lang="en-US" altLang="ko-KR" sz="1100" b="1" dirty="0">
-                <a:latin typeface="나눔고딕" panose="020D0604000000000000" pitchFamily="50" charset="-127"/>
-                <a:ea typeface="나눔고딕" panose="020D0604000000000000" pitchFamily="50" charset="-127"/>
-              </a:rPr>
-              <a:t>Controller</a:t>
-            </a:r>
-            <a:r>
-              <a:rPr lang="ko-KR" altLang="en-US" sz="1100" b="1" dirty="0">
-                <a:latin typeface="나눔고딕" panose="020D0604000000000000" pitchFamily="50" charset="-127"/>
-                <a:ea typeface="나눔고딕" panose="020D0604000000000000" pitchFamily="50" charset="-127"/>
-              </a:rPr>
-              <a:t>를 통해 반환 된 뷰 이름의</a:t>
-            </a:r>
-            <a:r>
-              <a:rPr lang="en-US" altLang="ko-KR" sz="1100" b="1" dirty="0">
-                <a:latin typeface="나눔고딕" panose="020D0604000000000000" pitchFamily="50" charset="-127"/>
-                <a:ea typeface="나눔고딕" panose="020D0604000000000000" pitchFamily="50" charset="-127"/>
-              </a:rPr>
-              <a:t> JSP</a:t>
-            </a:r>
-            <a:r>
-              <a:rPr lang="ko-KR" altLang="en-US" sz="1100" b="1" dirty="0">
-                <a:latin typeface="나눔고딕" panose="020D0604000000000000" pitchFamily="50" charset="-127"/>
-                <a:ea typeface="나눔고딕" panose="020D0604000000000000" pitchFamily="50" charset="-127"/>
-              </a:rPr>
-              <a:t>를 화면에 표시</a:t>
-            </a:r>
+              <a:t>로 반환</a:t>
+            </a:r>
+          </a:p>
+        </p:txBody>
+      </p:sp>
+      <p:sp>
+        <p:nvSpPr>
+          <p:cNvPr id="10" name="직사각형 9"/>
+          <p:cNvSpPr/>
+          <p:nvPr/>
+        </p:nvSpPr>
+        <p:spPr>
+          <a:xfrm>
+            <a:off x="4991100" y="4116889"/>
+            <a:ext cx="3952875" cy="597986"/>
+          </a:xfrm>
+          <a:prstGeom prst="rect">
+            <a:avLst/>
+          </a:prstGeom>
+          <a:noFill/>
+          <a:ln w="28575">
+            <a:solidFill>
+              <a:srgbClr val="FF0000"/>
+            </a:solidFill>
+            <a:prstDash val="sysDot"/>
+          </a:ln>
+        </p:spPr>
+        <p:style>
+          <a:lnRef idx="2">
+            <a:schemeClr val="accent1">
+              <a:shade val="50000"/>
+            </a:schemeClr>
+          </a:lnRef>
+          <a:fillRef idx="1">
+            <a:schemeClr val="accent1"/>
+          </a:fillRef>
+          <a:effectRef idx="0">
+            <a:schemeClr val="accent1"/>
+          </a:effectRef>
+          <a:fontRef idx="minor">
+            <a:schemeClr val="lt1"/>
+          </a:fontRef>
+        </p:style>
+        <p:txBody>
+          <a:bodyPr rtlCol="0" anchor="ctr"/>
+          <a:lstStyle/>
+          <a:p>
+            <a:pPr algn="ctr"/>
+            <a:endParaRPr lang="ko-KR" altLang="en-US"/>
           </a:p>
         </p:txBody>
       </p:sp>
       <p:cxnSp>
         <p:nvCxnSpPr>
-          <p:cNvPr id="20" name="직선 화살표 연결선 19"/>
+          <p:cNvPr id="13" name="직선 화살표 연결선 12"/>
           <p:cNvCxnSpPr>
-            <a:stCxn id="16" idx="2"/>
-            <a:endCxn id="15" idx="0"/>
+            <a:stCxn id="11" idx="2"/>
+            <a:endCxn id="10" idx="0"/>
           </p:cNvCxnSpPr>
           <p:nvPr/>
         </p:nvCxnSpPr>
         <p:spPr>
           <a:xfrm>
-            <a:off x="4726038" y="2270135"/>
-            <a:ext cx="536525" cy="558790"/>
+            <a:off x="6623099" y="2058793"/>
+            <a:ext cx="344439" cy="2058096"/>
           </a:xfrm>
           <a:prstGeom prst="straightConnector1">
             <a:avLst/>
@@ -13615,7 +13759,7 @@
     </p:spTree>
     <p:extLst>
       <p:ext uri="{BB962C8B-B14F-4D97-AF65-F5344CB8AC3E}">
-        <p14:creationId xmlns:p14="http://schemas.microsoft.com/office/powerpoint/2010/main" val="659353211"/>
+        <p14:creationId xmlns:p14="http://schemas.microsoft.com/office/powerpoint/2010/main" val="2018520250"/>
       </p:ext>
     </p:extLst>
   </p:cSld>
@@ -13651,7 +13795,7 @@
         <p:spPr>
           <a:xfrm>
             <a:off x="1609648" y="652588"/>
-            <a:ext cx="3897221" cy="646331"/>
+            <a:ext cx="3398687" cy="646331"/>
           </a:xfrm>
           <a:prstGeom prst="rect">
             <a:avLst/>
@@ -13698,7 +13842,7 @@
                 <a:latin typeface="나눔고딕" panose="020D0604000000000000" pitchFamily="50" charset="-127"/>
                 <a:ea typeface="나눔고딕" panose="020D0604000000000000" pitchFamily="50" charset="-127"/>
               </a:rPr>
-              <a:t>(mapper)</a:t>
+              <a:t>(tiles)</a:t>
             </a:r>
             <a:endParaRPr lang="ko-KR" altLang="en-US" sz="3600" dirty="0">
               <a:ln w="12700">
@@ -13714,21 +13858,22 @@
       </p:sp>
       <p:pic>
         <p:nvPicPr>
-          <p:cNvPr id="2" name="그림 1"/>
+          <p:cNvPr id="14" name="그림 13"/>
           <p:cNvPicPr>
             <a:picLocks noChangeAspect="1"/>
           </p:cNvPicPr>
           <p:nvPr/>
         </p:nvPicPr>
-        <p:blipFill rotWithShape="1">
+        <p:blipFill>
           <a:blip r:embed="rId2"/>
-          <a:srcRect b="1913"/>
-          <a:stretch/>
+          <a:stretch>
+            <a:fillRect/>
+          </a:stretch>
         </p:blipFill>
         <p:spPr>
           <a:xfrm>
-            <a:off x="1385887" y="1881188"/>
-            <a:ext cx="1819275" cy="1709738"/>
+            <a:off x="1609648" y="1456126"/>
+            <a:ext cx="7434263" cy="4930386"/>
           </a:xfrm>
           <a:prstGeom prst="rect">
             <a:avLst/>
@@ -13742,10 +13887,57 @@
       </p:pic>
       <p:sp>
         <p:nvSpPr>
-          <p:cNvPr id="8" name="TextBox 7">
+          <p:cNvPr id="15" name="직사각형 14"/>
+          <p:cNvSpPr/>
+          <p:nvPr/>
+        </p:nvSpPr>
+        <p:spPr>
+          <a:xfrm>
+            <a:off x="2028825" y="2828925"/>
+            <a:ext cx="6467475" cy="1438275"/>
+          </a:xfrm>
+          <a:prstGeom prst="rect">
+            <a:avLst/>
+          </a:prstGeom>
+          <a:noFill/>
+          <a:ln w="28575">
+            <a:solidFill>
+              <a:srgbClr val="FF0000"/>
+            </a:solidFill>
+            <a:prstDash val="sysDot"/>
+          </a:ln>
+        </p:spPr>
+        <p:style>
+          <a:lnRef idx="2">
+            <a:schemeClr val="accent1">
+              <a:shade val="50000"/>
+            </a:schemeClr>
+          </a:lnRef>
+          <a:fillRef idx="1">
+            <a:schemeClr val="accent1"/>
+          </a:fillRef>
+          <a:effectRef idx="0">
+            <a:schemeClr val="accent1"/>
+          </a:effectRef>
+          <a:fontRef idx="minor">
+            <a:schemeClr val="lt1"/>
+          </a:fontRef>
+        </p:style>
+        <p:txBody>
+          <a:bodyPr rtlCol="0" anchor="ctr"/>
+          <a:lstStyle/>
+          <a:p>
+            <a:pPr algn="ctr"/>
+            <a:endParaRPr lang="ko-KR" altLang="en-US"/>
+          </a:p>
+        </p:txBody>
+      </p:sp>
+      <p:sp>
+        <p:nvSpPr>
+          <p:cNvPr id="16" name="TextBox 15">
             <a:extLst>
               <a:ext uri="{FF2B5EF4-FFF2-40B4-BE49-F238E27FC236}">
-                <a16:creationId xmlns:a16="http://schemas.microsoft.com/office/drawing/2014/main" id="{BEF2F55D-D388-468B-8BA7-5FC72820D840}"/>
+                <a16:creationId xmlns:a16="http://schemas.microsoft.com/office/drawing/2014/main" id="{CBC67CCD-1363-4AC9-84E4-19A633E6E0CC}"/>
               </a:ext>
             </a:extLst>
           </p:cNvPr>
@@ -13754,8 +13946,8 @@
         </p:nvSpPr>
         <p:spPr>
           <a:xfrm>
-            <a:off x="1366837" y="1459248"/>
-            <a:ext cx="1863011" cy="261610"/>
+            <a:off x="2028825" y="1839248"/>
+            <a:ext cx="5394425" cy="430887"/>
           </a:xfrm>
           <a:prstGeom prst="rect">
             <a:avLst/>
@@ -13792,6 +13984,276 @@
                 <a:latin typeface="나눔고딕" panose="020D0604000000000000" pitchFamily="50" charset="-127"/>
                 <a:ea typeface="나눔고딕" panose="020D0604000000000000" pitchFamily="50" charset="-127"/>
               </a:rPr>
+              <a:t>servlet-context.xml</a:t>
+            </a:r>
+          </a:p>
+          <a:p>
+            <a:pPr algn="ctr"/>
+            <a:r>
+              <a:rPr lang="en-US" altLang="ko-KR" sz="1100" b="1" dirty="0" err="1">
+                <a:latin typeface="나눔고딕" panose="020D0604000000000000" pitchFamily="50" charset="-127"/>
+                <a:ea typeface="나눔고딕" panose="020D0604000000000000" pitchFamily="50" charset="-127"/>
+              </a:rPr>
+              <a:t>tilesViewResolver</a:t>
+            </a:r>
+            <a:r>
+              <a:rPr lang="ko-KR" altLang="en-US" sz="1100" b="1" dirty="0">
+                <a:latin typeface="나눔고딕" panose="020D0604000000000000" pitchFamily="50" charset="-127"/>
+                <a:ea typeface="나눔고딕" panose="020D0604000000000000" pitchFamily="50" charset="-127"/>
+              </a:rPr>
+              <a:t>를 사용 해 </a:t>
+            </a:r>
+            <a:r>
+              <a:rPr lang="en-US" altLang="ko-KR" sz="1100" b="1" dirty="0">
+                <a:latin typeface="나눔고딕" panose="020D0604000000000000" pitchFamily="50" charset="-127"/>
+                <a:ea typeface="나눔고딕" panose="020D0604000000000000" pitchFamily="50" charset="-127"/>
+              </a:rPr>
+              <a:t>Controller</a:t>
+            </a:r>
+            <a:r>
+              <a:rPr lang="ko-KR" altLang="en-US" sz="1100" b="1" dirty="0">
+                <a:latin typeface="나눔고딕" panose="020D0604000000000000" pitchFamily="50" charset="-127"/>
+                <a:ea typeface="나눔고딕" panose="020D0604000000000000" pitchFamily="50" charset="-127"/>
+              </a:rPr>
+              <a:t>를 통해 반환 된 뷰 이름의</a:t>
+            </a:r>
+            <a:r>
+              <a:rPr lang="en-US" altLang="ko-KR" sz="1100" b="1" dirty="0">
+                <a:latin typeface="나눔고딕" panose="020D0604000000000000" pitchFamily="50" charset="-127"/>
+                <a:ea typeface="나눔고딕" panose="020D0604000000000000" pitchFamily="50" charset="-127"/>
+              </a:rPr>
+              <a:t> JSP</a:t>
+            </a:r>
+            <a:r>
+              <a:rPr lang="ko-KR" altLang="en-US" sz="1100" b="1" dirty="0">
+                <a:latin typeface="나눔고딕" panose="020D0604000000000000" pitchFamily="50" charset="-127"/>
+                <a:ea typeface="나눔고딕" panose="020D0604000000000000" pitchFamily="50" charset="-127"/>
+              </a:rPr>
+              <a:t>를 화면에 표시</a:t>
+            </a:r>
+          </a:p>
+        </p:txBody>
+      </p:sp>
+      <p:cxnSp>
+        <p:nvCxnSpPr>
+          <p:cNvPr id="20" name="직선 화살표 연결선 19"/>
+          <p:cNvCxnSpPr>
+            <a:stCxn id="16" idx="2"/>
+            <a:endCxn id="15" idx="0"/>
+          </p:cNvCxnSpPr>
+          <p:nvPr/>
+        </p:nvCxnSpPr>
+        <p:spPr>
+          <a:xfrm>
+            <a:off x="4726038" y="2270135"/>
+            <a:ext cx="536525" cy="558790"/>
+          </a:xfrm>
+          <a:prstGeom prst="straightConnector1">
+            <a:avLst/>
+          </a:prstGeom>
+          <a:ln w="28575">
+            <a:solidFill>
+              <a:srgbClr val="FF0000"/>
+            </a:solidFill>
+            <a:prstDash val="solid"/>
+            <a:tailEnd type="triangle"/>
+          </a:ln>
+        </p:spPr>
+        <p:style>
+          <a:lnRef idx="1">
+            <a:schemeClr val="accent1"/>
+          </a:lnRef>
+          <a:fillRef idx="0">
+            <a:schemeClr val="accent1"/>
+          </a:fillRef>
+          <a:effectRef idx="0">
+            <a:schemeClr val="accent1"/>
+          </a:effectRef>
+          <a:fontRef idx="minor">
+            <a:schemeClr val="tx1"/>
+          </a:fontRef>
+        </p:style>
+      </p:cxnSp>
+    </p:spTree>
+    <p:extLst>
+      <p:ext uri="{BB962C8B-B14F-4D97-AF65-F5344CB8AC3E}">
+        <p14:creationId xmlns:p14="http://schemas.microsoft.com/office/powerpoint/2010/main" val="659353211"/>
+      </p:ext>
+    </p:extLst>
+  </p:cSld>
+  <p:clrMapOvr>
+    <a:masterClrMapping/>
+  </p:clrMapOvr>
+</p:sld>
+</file>
+
+<file path=ppt/slides/slide19.xml><?xml version="1.0" encoding="utf-8"?>
+<p:sld xmlns:a="http://schemas.openxmlformats.org/drawingml/2006/main" xmlns:r="http://schemas.openxmlformats.org/officeDocument/2006/relationships" xmlns:p="http://schemas.openxmlformats.org/presentationml/2006/main">
+  <p:cSld>
+    <p:spTree>
+      <p:nvGrpSpPr>
+        <p:cNvPr id="1" name=""/>
+        <p:cNvGrpSpPr/>
+        <p:nvPr/>
+      </p:nvGrpSpPr>
+      <p:grpSpPr>
+        <a:xfrm>
+          <a:off x="0" y="0"/>
+          <a:ext cx="0" cy="0"/>
+          <a:chOff x="0" y="0"/>
+          <a:chExt cx="0" cy="0"/>
+        </a:xfrm>
+      </p:grpSpPr>
+      <p:sp>
+        <p:nvSpPr>
+          <p:cNvPr id="4" name="TextBox 3"/>
+          <p:cNvSpPr txBox="1"/>
+          <p:nvPr/>
+        </p:nvSpPr>
+        <p:spPr>
+          <a:xfrm>
+            <a:off x="1609648" y="652588"/>
+            <a:ext cx="3897221" cy="646331"/>
+          </a:xfrm>
+          <a:prstGeom prst="rect">
+            <a:avLst/>
+          </a:prstGeom>
+          <a:noFill/>
+        </p:spPr>
+        <p:txBody>
+          <a:bodyPr wrap="none" rtlCol="0">
+            <a:spAutoFit/>
+          </a:bodyPr>
+          <a:lstStyle/>
+          <a:p>
+            <a:r>
+              <a:rPr lang="ko-KR" altLang="en-US" sz="3600" b="1" dirty="0" smtClean="0">
+                <a:ln w="12700">
+                  <a:solidFill>
+                    <a:sysClr val="windowText" lastClr="000000"/>
+                  </a:solidFill>
+                </a:ln>
+                <a:latin typeface="나눔고딕" panose="020D0604000000000000" pitchFamily="50" charset="-127"/>
+                <a:ea typeface="나눔고딕" panose="020D0604000000000000" pitchFamily="50" charset="-127"/>
+              </a:rPr>
+              <a:t>페이지 구현</a:t>
+            </a:r>
+            <a:r>
+              <a:rPr lang="ko-KR" altLang="en-US" sz="2400" b="1" dirty="0" smtClean="0">
+                <a:ln w="12700">
+                  <a:solidFill>
+                    <a:sysClr val="windowText" lastClr="000000"/>
+                  </a:solidFill>
+                </a:ln>
+                <a:latin typeface="나눔고딕" panose="020D0604000000000000" pitchFamily="50" charset="-127"/>
+                <a:ea typeface="나눔고딕" panose="020D0604000000000000" pitchFamily="50" charset="-127"/>
+              </a:rPr>
+              <a:t> </a:t>
+            </a:r>
+            <a:r>
+              <a:rPr lang="en-US" altLang="ko-KR" sz="2400" dirty="0" smtClean="0">
+                <a:ln w="12700">
+                  <a:solidFill>
+                    <a:sysClr val="windowText" lastClr="000000"/>
+                  </a:solidFill>
+                </a:ln>
+                <a:latin typeface="나눔고딕" panose="020D0604000000000000" pitchFamily="50" charset="-127"/>
+                <a:ea typeface="나눔고딕" panose="020D0604000000000000" pitchFamily="50" charset="-127"/>
+              </a:rPr>
+              <a:t>(mapper)</a:t>
+            </a:r>
+            <a:endParaRPr lang="ko-KR" altLang="en-US" sz="3600" dirty="0">
+              <a:ln w="12700">
+                <a:solidFill>
+                  <a:sysClr val="windowText" lastClr="000000"/>
+                </a:solidFill>
+              </a:ln>
+              <a:latin typeface="나눔고딕" panose="020D0604000000000000" pitchFamily="50" charset="-127"/>
+              <a:ea typeface="나눔고딕" panose="020D0604000000000000" pitchFamily="50" charset="-127"/>
+            </a:endParaRPr>
+          </a:p>
+        </p:txBody>
+      </p:sp>
+      <p:pic>
+        <p:nvPicPr>
+          <p:cNvPr id="2" name="그림 1"/>
+          <p:cNvPicPr>
+            <a:picLocks noChangeAspect="1"/>
+          </p:cNvPicPr>
+          <p:nvPr/>
+        </p:nvPicPr>
+        <p:blipFill rotWithShape="1">
+          <a:blip r:embed="rId2"/>
+          <a:srcRect b="1913"/>
+          <a:stretch/>
+        </p:blipFill>
+        <p:spPr>
+          <a:xfrm>
+            <a:off x="1385887" y="1881188"/>
+            <a:ext cx="1819275" cy="1709738"/>
+          </a:xfrm>
+          <a:prstGeom prst="rect">
+            <a:avLst/>
+          </a:prstGeom>
+          <a:ln w="28575">
+            <a:solidFill>
+              <a:srgbClr val="FF0000"/>
+            </a:solidFill>
+          </a:ln>
+        </p:spPr>
+      </p:pic>
+      <p:sp>
+        <p:nvSpPr>
+          <p:cNvPr id="8" name="TextBox 7">
+            <a:extLst>
+              <a:ext uri="{FF2B5EF4-FFF2-40B4-BE49-F238E27FC236}">
+                <a16:creationId xmlns:a16="http://schemas.microsoft.com/office/drawing/2014/main" id="{BEF2F55D-D388-468B-8BA7-5FC72820D840}"/>
+              </a:ext>
+            </a:extLst>
+          </p:cNvPr>
+          <p:cNvSpPr txBox="1"/>
+          <p:nvPr/>
+        </p:nvSpPr>
+        <p:spPr>
+          <a:xfrm>
+            <a:off x="1366837" y="1459248"/>
+            <a:ext cx="1863011" cy="261610"/>
+          </a:xfrm>
+          <a:prstGeom prst="rect">
+            <a:avLst/>
+          </a:prstGeom>
+          <a:ln w="28575">
+            <a:solidFill>
+              <a:srgbClr val="FF0000"/>
+            </a:solidFill>
+          </a:ln>
+        </p:spPr>
+        <p:style>
+          <a:lnRef idx="2">
+            <a:schemeClr val="accent6"/>
+          </a:lnRef>
+          <a:fillRef idx="1">
+            <a:schemeClr val="lt1"/>
+          </a:fillRef>
+          <a:effectRef idx="0">
+            <a:schemeClr val="accent6"/>
+          </a:effectRef>
+          <a:fontRef idx="minor">
+            <a:schemeClr val="dk1"/>
+          </a:fontRef>
+        </p:style>
+        <p:txBody>
+          <a:bodyPr wrap="none" rtlCol="0">
+            <a:spAutoFit/>
+          </a:bodyPr>
+          <a:lstStyle/>
+          <a:p>
+            <a:pPr algn="ctr"/>
+            <a:r>
+              <a:rPr lang="en-US" altLang="ko-KR" sz="1100" b="1" dirty="0">
+                <a:latin typeface="나눔고딕" panose="020D0604000000000000" pitchFamily="50" charset="-127"/>
+                <a:ea typeface="나눔고딕" panose="020D0604000000000000" pitchFamily="50" charset="-127"/>
+              </a:rPr>
               <a:t>SQL</a:t>
             </a:r>
             <a:r>
@@ -14016,7 +14478,829 @@
 </p:sld>
 </file>
 
-<file path=ppt/slides/slide19.xml><?xml version="1.0" encoding="utf-8"?>
+<file path=ppt/slides/slide2.xml><?xml version="1.0" encoding="utf-8"?>
+<p:sld xmlns:a="http://schemas.openxmlformats.org/drawingml/2006/main" xmlns:r="http://schemas.openxmlformats.org/officeDocument/2006/relationships" xmlns:p="http://schemas.openxmlformats.org/presentationml/2006/main">
+  <p:cSld>
+    <p:spTree>
+      <p:nvGrpSpPr>
+        <p:cNvPr id="1" name=""/>
+        <p:cNvGrpSpPr/>
+        <p:nvPr/>
+      </p:nvGrpSpPr>
+      <p:grpSpPr>
+        <a:xfrm>
+          <a:off x="0" y="0"/>
+          <a:ext cx="0" cy="0"/>
+          <a:chOff x="0" y="0"/>
+          <a:chExt cx="0" cy="0"/>
+        </a:xfrm>
+      </p:grpSpPr>
+      <p:sp>
+        <p:nvSpPr>
+          <p:cNvPr id="4" name="TextBox 3"/>
+          <p:cNvSpPr txBox="1"/>
+          <p:nvPr/>
+        </p:nvSpPr>
+        <p:spPr>
+          <a:xfrm>
+            <a:off x="1880800" y="404398"/>
+            <a:ext cx="6125395" cy="989502"/>
+          </a:xfrm>
+          <a:prstGeom prst="rect">
+            <a:avLst/>
+          </a:prstGeom>
+          <a:noFill/>
+        </p:spPr>
+        <p:txBody>
+          <a:bodyPr wrap="none" rtlCol="0">
+            <a:spAutoFit/>
+          </a:bodyPr>
+          <a:lstStyle/>
+          <a:p>
+            <a:pPr>
+              <a:lnSpc>
+                <a:spcPct val="150000"/>
+              </a:lnSpc>
+              <a:spcBef>
+                <a:spcPts val="120"/>
+              </a:spcBef>
+            </a:pPr>
+            <a:r>
+              <a:rPr lang="ko-KR" altLang="en-US" sz="4400" b="1" dirty="0" smtClean="0">
+                <a:latin typeface="나눔고딕" panose="020D0604000000000000" pitchFamily="50" charset="-127"/>
+                <a:ea typeface="나눔고딕" panose="020D0604000000000000" pitchFamily="50" charset="-127"/>
+              </a:rPr>
+              <a:t>페이지 </a:t>
+            </a:r>
+            <a:r>
+              <a:rPr lang="ko-KR" altLang="en-US" sz="4400" b="1" dirty="0">
+                <a:latin typeface="나눔고딕" panose="020D0604000000000000" pitchFamily="50" charset="-127"/>
+                <a:ea typeface="나눔고딕" panose="020D0604000000000000" pitchFamily="50" charset="-127"/>
+              </a:rPr>
+              <a:t>기능 및 관련 파일</a:t>
+            </a:r>
+            <a:endParaRPr lang="en-US" altLang="ko-KR" sz="4400" b="1" dirty="0">
+              <a:latin typeface="나눔고딕" panose="020D0604000000000000" pitchFamily="50" charset="-127"/>
+              <a:ea typeface="나눔고딕" panose="020D0604000000000000" pitchFamily="50" charset="-127"/>
+            </a:endParaRPr>
+          </a:p>
+        </p:txBody>
+      </p:sp>
+      <p:sp>
+        <p:nvSpPr>
+          <p:cNvPr id="5" name="TextBox 4"/>
+          <p:cNvSpPr txBox="1"/>
+          <p:nvPr/>
+        </p:nvSpPr>
+        <p:spPr>
+          <a:xfrm>
+            <a:off x="2787612" y="1425497"/>
+            <a:ext cx="7023138" cy="4963988"/>
+          </a:xfrm>
+          <a:prstGeom prst="rect">
+            <a:avLst/>
+          </a:prstGeom>
+          <a:noFill/>
+        </p:spPr>
+        <p:txBody>
+          <a:bodyPr wrap="square" bIns="46800" rtlCol="0">
+            <a:spAutoFit/>
+          </a:bodyPr>
+          <a:lstStyle/>
+          <a:p>
+            <a:pPr>
+              <a:lnSpc>
+                <a:spcPct val="150000"/>
+              </a:lnSpc>
+              <a:spcBef>
+                <a:spcPts val="120"/>
+              </a:spcBef>
+            </a:pPr>
+            <a:r>
+              <a:rPr lang="ko-KR" altLang="en-US" sz="1600" b="1" dirty="0" smtClean="0">
+                <a:latin typeface="나눔고딕" panose="020D0604000000000000" pitchFamily="50" charset="-127"/>
+                <a:ea typeface="나눔고딕" panose="020D0604000000000000" pitchFamily="50" charset="-127"/>
+              </a:rPr>
+              <a:t>◆ </a:t>
+            </a:r>
+            <a:r>
+              <a:rPr lang="ko-KR" altLang="en-US" sz="1600" b="1" dirty="0">
+                <a:latin typeface="나눔고딕" panose="020D0604000000000000" pitchFamily="50" charset="-127"/>
+                <a:ea typeface="나눔고딕" panose="020D0604000000000000" pitchFamily="50" charset="-127"/>
+              </a:rPr>
+              <a:t>페이지 구성 </a:t>
+            </a:r>
+            <a:r>
+              <a:rPr lang="ko-KR" altLang="en-US" sz="1600" b="1" dirty="0" smtClean="0">
+                <a:latin typeface="나눔고딕" panose="020D0604000000000000" pitchFamily="50" charset="-127"/>
+                <a:ea typeface="나눔고딕" panose="020D0604000000000000" pitchFamily="50" charset="-127"/>
+              </a:rPr>
+              <a:t>요소</a:t>
+            </a:r>
+            <a:endParaRPr lang="en-US" altLang="ko-KR" sz="1600" b="1" dirty="0" smtClean="0">
+              <a:latin typeface="나눔고딕" panose="020D0604000000000000" pitchFamily="50" charset="-127"/>
+              <a:ea typeface="나눔고딕" panose="020D0604000000000000" pitchFamily="50" charset="-127"/>
+            </a:endParaRPr>
+          </a:p>
+          <a:p>
+            <a:pPr>
+              <a:lnSpc>
+                <a:spcPct val="150000"/>
+              </a:lnSpc>
+              <a:spcBef>
+                <a:spcPts val="120"/>
+              </a:spcBef>
+            </a:pPr>
+            <a:r>
+              <a:rPr lang="ko-KR" altLang="en-US" sz="1600" b="1" dirty="0">
+                <a:latin typeface="나눔고딕" panose="020D0604000000000000" pitchFamily="50" charset="-127"/>
+                <a:ea typeface="나눔고딕" panose="020D0604000000000000" pitchFamily="50" charset="-127"/>
+              </a:rPr>
+              <a:t>◆ 페이지 </a:t>
+            </a:r>
+            <a:r>
+              <a:rPr lang="ko-KR" altLang="en-US" sz="1600" b="1" dirty="0" smtClean="0">
+                <a:latin typeface="나눔고딕" panose="020D0604000000000000" pitchFamily="50" charset="-127"/>
+                <a:ea typeface="나눔고딕" panose="020D0604000000000000" pitchFamily="50" charset="-127"/>
+              </a:rPr>
+              <a:t>구현</a:t>
+            </a:r>
+            <a:r>
+              <a:rPr lang="ko-KR" altLang="en-US" sz="1200" b="1" dirty="0" smtClean="0">
+                <a:latin typeface="나눔고딕" panose="020D0604000000000000" pitchFamily="50" charset="-127"/>
+                <a:ea typeface="나눔고딕" panose="020D0604000000000000" pitchFamily="50" charset="-127"/>
+              </a:rPr>
+              <a:t> </a:t>
+            </a:r>
+            <a:r>
+              <a:rPr lang="en-US" altLang="ko-KR" sz="1200" b="1" dirty="0" smtClean="0">
+                <a:latin typeface="나눔고딕" panose="020D0604000000000000" pitchFamily="50" charset="-127"/>
+                <a:ea typeface="나눔고딕" panose="020D0604000000000000" pitchFamily="50" charset="-127"/>
+              </a:rPr>
+              <a:t>(tiles / mapper)</a:t>
+            </a:r>
+            <a:endParaRPr lang="en-US" altLang="ko-KR" sz="1600" b="1" dirty="0" smtClean="0">
+              <a:latin typeface="나눔고딕" panose="020D0604000000000000" pitchFamily="50" charset="-127"/>
+              <a:ea typeface="나눔고딕" panose="020D0604000000000000" pitchFamily="50" charset="-127"/>
+            </a:endParaRPr>
+          </a:p>
+          <a:p>
+            <a:pPr>
+              <a:lnSpc>
+                <a:spcPct val="150000"/>
+              </a:lnSpc>
+              <a:spcBef>
+                <a:spcPts val="120"/>
+              </a:spcBef>
+            </a:pPr>
+            <a:r>
+              <a:rPr lang="ko-KR" altLang="en-US" sz="1600" b="1" dirty="0">
+                <a:latin typeface="나눔고딕" panose="020D0604000000000000" pitchFamily="50" charset="-127"/>
+                <a:ea typeface="나눔고딕" panose="020D0604000000000000" pitchFamily="50" charset="-127"/>
+              </a:rPr>
+              <a:t>◆ 메인 </a:t>
+            </a:r>
+            <a:r>
+              <a:rPr lang="ko-KR" altLang="en-US" sz="1600" b="1" dirty="0" smtClean="0">
+                <a:latin typeface="나눔고딕" panose="020D0604000000000000" pitchFamily="50" charset="-127"/>
+                <a:ea typeface="나눔고딕" panose="020D0604000000000000" pitchFamily="50" charset="-127"/>
+              </a:rPr>
+              <a:t>페이지</a:t>
+            </a:r>
+            <a:endParaRPr lang="en-US" altLang="ko-KR" sz="1600" b="1" dirty="0" smtClean="0">
+              <a:latin typeface="나눔고딕" panose="020D0604000000000000" pitchFamily="50" charset="-127"/>
+              <a:ea typeface="나눔고딕" panose="020D0604000000000000" pitchFamily="50" charset="-127"/>
+            </a:endParaRPr>
+          </a:p>
+          <a:p>
+            <a:pPr>
+              <a:spcBef>
+                <a:spcPts val="120"/>
+              </a:spcBef>
+            </a:pPr>
+            <a:r>
+              <a:rPr lang="en-US" altLang="ko-KR" sz="1200" b="1" dirty="0">
+                <a:latin typeface="나눔고딕" panose="020D0604000000000000" pitchFamily="50" charset="-127"/>
+                <a:ea typeface="나눔고딕" panose="020D0604000000000000" pitchFamily="50" charset="-127"/>
+              </a:rPr>
+              <a:t>	</a:t>
+            </a:r>
+            <a:r>
+              <a:rPr lang="ko-KR" altLang="en-US" sz="1200" b="1" dirty="0" smtClean="0">
+                <a:latin typeface="나눔고딕" panose="020D0604000000000000" pitchFamily="50" charset="-127"/>
+                <a:ea typeface="나눔고딕" panose="020D0604000000000000" pitchFamily="50" charset="-127"/>
+              </a:rPr>
+              <a:t>▶</a:t>
+            </a:r>
+            <a:r>
+              <a:rPr lang="ko-KR" altLang="en-US" sz="1200" b="1" dirty="0">
+                <a:latin typeface="나눔고딕" panose="020D0604000000000000" pitchFamily="50" charset="-127"/>
+                <a:ea typeface="나눔고딕" panose="020D0604000000000000" pitchFamily="50" charset="-127"/>
+              </a:rPr>
+              <a:t> 메인 페이지 소스 </a:t>
+            </a:r>
+            <a:r>
+              <a:rPr lang="ko-KR" altLang="en-US" sz="1200" b="1" dirty="0" smtClean="0">
+                <a:latin typeface="나눔고딕" panose="020D0604000000000000" pitchFamily="50" charset="-127"/>
+                <a:ea typeface="나눔고딕" panose="020D0604000000000000" pitchFamily="50" charset="-127"/>
+              </a:rPr>
+              <a:t>파일 </a:t>
+            </a:r>
+            <a:r>
+              <a:rPr lang="en-US" altLang="ko-KR" sz="1200" b="1" dirty="0" smtClean="0">
+                <a:latin typeface="나눔고딕" panose="020D0604000000000000" pitchFamily="50" charset="-127"/>
+                <a:ea typeface="나눔고딕" panose="020D0604000000000000" pitchFamily="50" charset="-127"/>
+              </a:rPr>
+              <a:t>/ </a:t>
+            </a:r>
+            <a:r>
+              <a:rPr lang="ko-KR" altLang="en-US" sz="1200" b="1" dirty="0" smtClean="0">
+                <a:latin typeface="나눔고딕" panose="020D0604000000000000" pitchFamily="50" charset="-127"/>
+                <a:ea typeface="나눔고딕" panose="020D0604000000000000" pitchFamily="50" charset="-127"/>
+              </a:rPr>
+              <a:t>실행 화면</a:t>
+            </a:r>
+            <a:endParaRPr lang="en-US" altLang="ko-KR" sz="1200" b="1" dirty="0" smtClean="0">
+              <a:latin typeface="나눔고딕" panose="020D0604000000000000" pitchFamily="50" charset="-127"/>
+              <a:ea typeface="나눔고딕" panose="020D0604000000000000" pitchFamily="50" charset="-127"/>
+            </a:endParaRPr>
+          </a:p>
+          <a:p>
+            <a:pPr>
+              <a:spcBef>
+                <a:spcPts val="120"/>
+              </a:spcBef>
+            </a:pPr>
+            <a:r>
+              <a:rPr lang="en-US" altLang="ko-KR" sz="1200" b="1" dirty="0">
+                <a:latin typeface="나눔고딕" panose="020D0604000000000000" pitchFamily="50" charset="-127"/>
+                <a:ea typeface="나눔고딕" panose="020D0604000000000000" pitchFamily="50" charset="-127"/>
+              </a:rPr>
+              <a:t>	</a:t>
+            </a:r>
+            <a:r>
+              <a:rPr lang="ko-KR" altLang="en-US" sz="1200" b="1" dirty="0" smtClean="0">
+                <a:latin typeface="나눔고딕" panose="020D0604000000000000" pitchFamily="50" charset="-127"/>
+                <a:ea typeface="나눔고딕" panose="020D0604000000000000" pitchFamily="50" charset="-127"/>
+              </a:rPr>
+              <a:t>▶ 빠른 </a:t>
+            </a:r>
+            <a:r>
+              <a:rPr lang="ko-KR" altLang="en-US" sz="1200" b="1" dirty="0">
+                <a:latin typeface="나눔고딕" panose="020D0604000000000000" pitchFamily="50" charset="-127"/>
+                <a:ea typeface="나눔고딕" panose="020D0604000000000000" pitchFamily="50" charset="-127"/>
+              </a:rPr>
+              <a:t>메뉴 소스 </a:t>
+            </a:r>
+            <a:r>
+              <a:rPr lang="ko-KR" altLang="en-US" sz="1200" b="1" dirty="0" smtClean="0">
+                <a:latin typeface="나눔고딕" panose="020D0604000000000000" pitchFamily="50" charset="-127"/>
+                <a:ea typeface="나눔고딕" panose="020D0604000000000000" pitchFamily="50" charset="-127"/>
+              </a:rPr>
+              <a:t>파일 </a:t>
+            </a:r>
+            <a:r>
+              <a:rPr lang="en-US" altLang="ko-KR" sz="1200" b="1" dirty="0" smtClean="0">
+                <a:latin typeface="나눔고딕" panose="020D0604000000000000" pitchFamily="50" charset="-127"/>
+                <a:ea typeface="나눔고딕" panose="020D0604000000000000" pitchFamily="50" charset="-127"/>
+              </a:rPr>
+              <a:t>/ </a:t>
+            </a:r>
+            <a:r>
+              <a:rPr lang="ko-KR" altLang="en-US" sz="1200" b="1" dirty="0" smtClean="0">
+                <a:latin typeface="나눔고딕" panose="020D0604000000000000" pitchFamily="50" charset="-127"/>
+                <a:ea typeface="나눔고딕" panose="020D0604000000000000" pitchFamily="50" charset="-127"/>
+              </a:rPr>
+              <a:t>실행 </a:t>
+            </a:r>
+            <a:r>
+              <a:rPr lang="ko-KR" altLang="en-US" sz="1200" b="1" dirty="0">
+                <a:latin typeface="나눔고딕" panose="020D0604000000000000" pitchFamily="50" charset="-127"/>
+                <a:ea typeface="나눔고딕" panose="020D0604000000000000" pitchFamily="50" charset="-127"/>
+              </a:rPr>
+              <a:t>화면</a:t>
+            </a:r>
+            <a:endParaRPr lang="en-US" altLang="ko-KR" sz="1200" b="1" dirty="0" smtClean="0">
+              <a:latin typeface="나눔고딕" panose="020D0604000000000000" pitchFamily="50" charset="-127"/>
+              <a:ea typeface="나눔고딕" panose="020D0604000000000000" pitchFamily="50" charset="-127"/>
+            </a:endParaRPr>
+          </a:p>
+          <a:p>
+            <a:pPr>
+              <a:lnSpc>
+                <a:spcPct val="150000"/>
+              </a:lnSpc>
+              <a:spcBef>
+                <a:spcPts val="120"/>
+              </a:spcBef>
+            </a:pPr>
+            <a:r>
+              <a:rPr lang="ko-KR" altLang="en-US" sz="1600" b="1" dirty="0" smtClean="0">
+                <a:latin typeface="나눔고딕" panose="020D0604000000000000" pitchFamily="50" charset="-127"/>
+                <a:ea typeface="나눔고딕" panose="020D0604000000000000" pitchFamily="50" charset="-127"/>
+              </a:rPr>
+              <a:t>◆ 회원</a:t>
+            </a:r>
+            <a:endParaRPr lang="en-US" altLang="ko-KR" sz="1600" b="1" dirty="0" smtClean="0">
+              <a:latin typeface="나눔고딕" panose="020D0604000000000000" pitchFamily="50" charset="-127"/>
+              <a:ea typeface="나눔고딕" panose="020D0604000000000000" pitchFamily="50" charset="-127"/>
+            </a:endParaRPr>
+          </a:p>
+          <a:p>
+            <a:pPr>
+              <a:spcBef>
+                <a:spcPts val="120"/>
+              </a:spcBef>
+            </a:pPr>
+            <a:r>
+              <a:rPr lang="en-US" altLang="ko-KR" sz="1200" b="1" dirty="0" smtClean="0">
+                <a:latin typeface="나눔고딕" panose="020D0604000000000000" pitchFamily="50" charset="-127"/>
+                <a:ea typeface="나눔고딕" panose="020D0604000000000000" pitchFamily="50" charset="-127"/>
+              </a:rPr>
+              <a:t>	</a:t>
+            </a:r>
+            <a:r>
+              <a:rPr lang="ko-KR" altLang="en-US" sz="1200" b="1" dirty="0" smtClean="0">
+                <a:latin typeface="나눔고딕" panose="020D0604000000000000" pitchFamily="50" charset="-127"/>
+                <a:ea typeface="나눔고딕" panose="020D0604000000000000" pitchFamily="50" charset="-127"/>
+              </a:rPr>
+              <a:t>▶ </a:t>
+            </a:r>
+            <a:r>
+              <a:rPr lang="ko-KR" altLang="en-US" sz="1200" b="1" dirty="0">
+                <a:latin typeface="나눔고딕" panose="020D0604000000000000" pitchFamily="50" charset="-127"/>
+                <a:ea typeface="나눔고딕" panose="020D0604000000000000" pitchFamily="50" charset="-127"/>
+              </a:rPr>
+              <a:t>로그인 소스 파일 </a:t>
+            </a:r>
+            <a:r>
+              <a:rPr lang="en-US" altLang="ko-KR" sz="1200" b="1" dirty="0" smtClean="0">
+                <a:latin typeface="나눔고딕" panose="020D0604000000000000" pitchFamily="50" charset="-127"/>
+                <a:ea typeface="나눔고딕" panose="020D0604000000000000" pitchFamily="50" charset="-127"/>
+              </a:rPr>
+              <a:t>/ </a:t>
+            </a:r>
+            <a:r>
+              <a:rPr lang="ko-KR" altLang="en-US" sz="1200" b="1" dirty="0" smtClean="0">
+                <a:latin typeface="나눔고딕" panose="020D0604000000000000" pitchFamily="50" charset="-127"/>
+                <a:ea typeface="나눔고딕" panose="020D0604000000000000" pitchFamily="50" charset="-127"/>
+              </a:rPr>
+              <a:t>실행 </a:t>
+            </a:r>
+            <a:r>
+              <a:rPr lang="ko-KR" altLang="en-US" sz="1200" b="1" dirty="0">
+                <a:latin typeface="나눔고딕" panose="020D0604000000000000" pitchFamily="50" charset="-127"/>
+                <a:ea typeface="나눔고딕" panose="020D0604000000000000" pitchFamily="50" charset="-127"/>
+              </a:rPr>
+              <a:t>화면</a:t>
+            </a:r>
+            <a:endParaRPr lang="en-US" altLang="ko-KR" sz="1200" b="1" dirty="0" smtClean="0">
+              <a:latin typeface="나눔고딕" panose="020D0604000000000000" pitchFamily="50" charset="-127"/>
+              <a:ea typeface="나눔고딕" panose="020D0604000000000000" pitchFamily="50" charset="-127"/>
+            </a:endParaRPr>
+          </a:p>
+          <a:p>
+            <a:pPr>
+              <a:spcBef>
+                <a:spcPts val="120"/>
+              </a:spcBef>
+            </a:pPr>
+            <a:r>
+              <a:rPr lang="en-US" altLang="ko-KR" sz="1200" b="1" dirty="0" smtClean="0">
+                <a:latin typeface="나눔고딕" panose="020D0604000000000000" pitchFamily="50" charset="-127"/>
+                <a:ea typeface="나눔고딕" panose="020D0604000000000000" pitchFamily="50" charset="-127"/>
+              </a:rPr>
+              <a:t>	</a:t>
+            </a:r>
+            <a:r>
+              <a:rPr lang="ko-KR" altLang="en-US" sz="1200" b="1" dirty="0" smtClean="0">
+                <a:latin typeface="나눔고딕" panose="020D0604000000000000" pitchFamily="50" charset="-127"/>
+                <a:ea typeface="나눔고딕" panose="020D0604000000000000" pitchFamily="50" charset="-127"/>
+              </a:rPr>
+              <a:t>▶ </a:t>
+            </a:r>
+            <a:r>
+              <a:rPr lang="ko-KR" altLang="en-US" sz="1200" b="1" dirty="0">
+                <a:latin typeface="나눔고딕" panose="020D0604000000000000" pitchFamily="50" charset="-127"/>
+                <a:ea typeface="나눔고딕" panose="020D0604000000000000" pitchFamily="50" charset="-127"/>
+              </a:rPr>
+              <a:t>회원 가입 소스 </a:t>
+            </a:r>
+            <a:r>
+              <a:rPr lang="ko-KR" altLang="en-US" sz="1200" b="1" dirty="0" smtClean="0">
+                <a:latin typeface="나눔고딕" panose="020D0604000000000000" pitchFamily="50" charset="-127"/>
+                <a:ea typeface="나눔고딕" panose="020D0604000000000000" pitchFamily="50" charset="-127"/>
+              </a:rPr>
+              <a:t>파일 </a:t>
+            </a:r>
+            <a:r>
+              <a:rPr lang="en-US" altLang="ko-KR" sz="1200" b="1" dirty="0" smtClean="0">
+                <a:latin typeface="나눔고딕" panose="020D0604000000000000" pitchFamily="50" charset="-127"/>
+                <a:ea typeface="나눔고딕" panose="020D0604000000000000" pitchFamily="50" charset="-127"/>
+              </a:rPr>
+              <a:t>/ </a:t>
+            </a:r>
+            <a:r>
+              <a:rPr lang="ko-KR" altLang="en-US" sz="1200" b="1" dirty="0" smtClean="0">
+                <a:latin typeface="나눔고딕" panose="020D0604000000000000" pitchFamily="50" charset="-127"/>
+                <a:ea typeface="나눔고딕" panose="020D0604000000000000" pitchFamily="50" charset="-127"/>
+              </a:rPr>
+              <a:t>실행 화면</a:t>
+            </a:r>
+            <a:endParaRPr lang="en-US" altLang="ko-KR" sz="1200" b="1" dirty="0">
+              <a:latin typeface="나눔고딕" panose="020D0604000000000000" pitchFamily="50" charset="-127"/>
+              <a:ea typeface="나눔고딕" panose="020D0604000000000000" pitchFamily="50" charset="-127"/>
+            </a:endParaRPr>
+          </a:p>
+          <a:p>
+            <a:pPr>
+              <a:lnSpc>
+                <a:spcPct val="150000"/>
+              </a:lnSpc>
+              <a:spcBef>
+                <a:spcPts val="120"/>
+              </a:spcBef>
+            </a:pPr>
+            <a:r>
+              <a:rPr lang="ko-KR" altLang="en-US" sz="1600" b="1" dirty="0" smtClean="0">
+                <a:latin typeface="나눔고딕" panose="020D0604000000000000" pitchFamily="50" charset="-127"/>
+                <a:ea typeface="나눔고딕" panose="020D0604000000000000" pitchFamily="50" charset="-127"/>
+              </a:rPr>
+              <a:t>◆ 상품</a:t>
+            </a:r>
+            <a:endParaRPr lang="en-US" altLang="ko-KR" sz="1600" b="1" dirty="0" smtClean="0">
+              <a:latin typeface="나눔고딕" panose="020D0604000000000000" pitchFamily="50" charset="-127"/>
+              <a:ea typeface="나눔고딕" panose="020D0604000000000000" pitchFamily="50" charset="-127"/>
+            </a:endParaRPr>
+          </a:p>
+          <a:p>
+            <a:pPr>
+              <a:spcBef>
+                <a:spcPts val="120"/>
+              </a:spcBef>
+            </a:pPr>
+            <a:r>
+              <a:rPr lang="en-US" altLang="ko-KR" sz="1600" b="1" dirty="0">
+                <a:latin typeface="나눔고딕" panose="020D0604000000000000" pitchFamily="50" charset="-127"/>
+                <a:ea typeface="나눔고딕" panose="020D0604000000000000" pitchFamily="50" charset="-127"/>
+              </a:rPr>
+              <a:t>	</a:t>
+            </a:r>
+            <a:r>
+              <a:rPr lang="ko-KR" altLang="en-US" sz="1200" b="1" dirty="0">
+                <a:latin typeface="나눔고딕" panose="020D0604000000000000" pitchFamily="50" charset="-127"/>
+                <a:ea typeface="나눔고딕" panose="020D0604000000000000" pitchFamily="50" charset="-127"/>
+              </a:rPr>
+              <a:t>▶ </a:t>
+            </a:r>
+            <a:r>
+              <a:rPr lang="ko-KR" altLang="en-US" sz="1200" b="1" dirty="0" smtClean="0">
+                <a:latin typeface="나눔고딕" panose="020D0604000000000000" pitchFamily="50" charset="-127"/>
+                <a:ea typeface="나눔고딕" panose="020D0604000000000000" pitchFamily="50" charset="-127"/>
+              </a:rPr>
+              <a:t>상품 </a:t>
+            </a:r>
+            <a:r>
+              <a:rPr lang="ko-KR" altLang="en-US" sz="1200" b="1" dirty="0">
+                <a:latin typeface="나눔고딕" panose="020D0604000000000000" pitchFamily="50" charset="-127"/>
+                <a:ea typeface="나눔고딕" panose="020D0604000000000000" pitchFamily="50" charset="-127"/>
+              </a:rPr>
+              <a:t>검색 </a:t>
+            </a:r>
+            <a:r>
+              <a:rPr lang="en-US" altLang="ko-KR" sz="1200" b="1" dirty="0">
+                <a:latin typeface="나눔고딕" panose="020D0604000000000000" pitchFamily="50" charset="-127"/>
+                <a:ea typeface="나눔고딕" panose="020D0604000000000000" pitchFamily="50" charset="-127"/>
+              </a:rPr>
+              <a:t>(Ajax</a:t>
+            </a:r>
+            <a:r>
+              <a:rPr lang="ko-KR" altLang="en-US" sz="1200" b="1" dirty="0">
+                <a:latin typeface="나눔고딕" panose="020D0604000000000000" pitchFamily="50" charset="-127"/>
+                <a:ea typeface="나눔고딕" panose="020D0604000000000000" pitchFamily="50" charset="-127"/>
+              </a:rPr>
+              <a:t>를 이용한 자동 완성 기능</a:t>
+            </a:r>
+            <a:r>
+              <a:rPr lang="en-US" altLang="ko-KR" sz="1200" b="1" dirty="0">
+                <a:latin typeface="나눔고딕" panose="020D0604000000000000" pitchFamily="50" charset="-127"/>
+                <a:ea typeface="나눔고딕" panose="020D0604000000000000" pitchFamily="50" charset="-127"/>
+              </a:rPr>
+              <a:t>) </a:t>
+            </a:r>
+            <a:r>
+              <a:rPr lang="ko-KR" altLang="en-US" sz="1200" b="1" dirty="0">
+                <a:latin typeface="나눔고딕" panose="020D0604000000000000" pitchFamily="50" charset="-127"/>
+                <a:ea typeface="나눔고딕" panose="020D0604000000000000" pitchFamily="50" charset="-127"/>
+              </a:rPr>
+              <a:t>소스 </a:t>
+            </a:r>
+            <a:r>
+              <a:rPr lang="ko-KR" altLang="en-US" sz="1200" b="1" dirty="0" smtClean="0">
+                <a:latin typeface="나눔고딕" panose="020D0604000000000000" pitchFamily="50" charset="-127"/>
+                <a:ea typeface="나눔고딕" panose="020D0604000000000000" pitchFamily="50" charset="-127"/>
+              </a:rPr>
+              <a:t>파일 </a:t>
+            </a:r>
+            <a:r>
+              <a:rPr lang="en-US" altLang="ko-KR" sz="1200" b="1" dirty="0" smtClean="0">
+                <a:latin typeface="나눔고딕" panose="020D0604000000000000" pitchFamily="50" charset="-127"/>
+                <a:ea typeface="나눔고딕" panose="020D0604000000000000" pitchFamily="50" charset="-127"/>
+              </a:rPr>
+              <a:t>/ </a:t>
+            </a:r>
+            <a:r>
+              <a:rPr lang="ko-KR" altLang="en-US" sz="1200" b="1" dirty="0">
+                <a:latin typeface="나눔고딕" panose="020D0604000000000000" pitchFamily="50" charset="-127"/>
+                <a:ea typeface="나눔고딕" panose="020D0604000000000000" pitchFamily="50" charset="-127"/>
+              </a:rPr>
+              <a:t>실행 화면</a:t>
+            </a:r>
+            <a:endParaRPr lang="en-US" altLang="ko-KR" sz="1200" b="1" dirty="0">
+              <a:latin typeface="나눔고딕" panose="020D0604000000000000" pitchFamily="50" charset="-127"/>
+              <a:ea typeface="나눔고딕" panose="020D0604000000000000" pitchFamily="50" charset="-127"/>
+            </a:endParaRPr>
+          </a:p>
+          <a:p>
+            <a:pPr>
+              <a:lnSpc>
+                <a:spcPct val="150000"/>
+              </a:lnSpc>
+              <a:spcBef>
+                <a:spcPts val="120"/>
+              </a:spcBef>
+            </a:pPr>
+            <a:r>
+              <a:rPr lang="ko-KR" altLang="en-US" sz="1600" b="1" dirty="0">
+                <a:latin typeface="나눔고딕" panose="020D0604000000000000" pitchFamily="50" charset="-127"/>
+                <a:ea typeface="나눔고딕" panose="020D0604000000000000" pitchFamily="50" charset="-127"/>
+              </a:rPr>
+              <a:t>◆ </a:t>
+            </a:r>
+            <a:r>
+              <a:rPr lang="ko-KR" altLang="en-US" sz="1600" b="1" dirty="0" smtClean="0">
+                <a:latin typeface="나눔고딕" panose="020D0604000000000000" pitchFamily="50" charset="-127"/>
+                <a:ea typeface="나눔고딕" panose="020D0604000000000000" pitchFamily="50" charset="-127"/>
+              </a:rPr>
+              <a:t>장바구니</a:t>
+            </a:r>
+            <a:endParaRPr lang="en-US" altLang="ko-KR" sz="1600" b="1" dirty="0" smtClean="0">
+              <a:latin typeface="나눔고딕" panose="020D0604000000000000" pitchFamily="50" charset="-127"/>
+              <a:ea typeface="나눔고딕" panose="020D0604000000000000" pitchFamily="50" charset="-127"/>
+            </a:endParaRPr>
+          </a:p>
+          <a:p>
+            <a:pPr>
+              <a:spcBef>
+                <a:spcPts val="120"/>
+              </a:spcBef>
+            </a:pPr>
+            <a:r>
+              <a:rPr lang="en-US" altLang="ko-KR" sz="1600" b="1" dirty="0">
+                <a:latin typeface="나눔고딕" panose="020D0604000000000000" pitchFamily="50" charset="-127"/>
+                <a:ea typeface="나눔고딕" panose="020D0604000000000000" pitchFamily="50" charset="-127"/>
+              </a:rPr>
+              <a:t>	</a:t>
+            </a:r>
+            <a:r>
+              <a:rPr lang="ko-KR" altLang="en-US" sz="1200" b="1" dirty="0">
+                <a:latin typeface="나눔고딕" panose="020D0604000000000000" pitchFamily="50" charset="-127"/>
+                <a:ea typeface="나눔고딕" panose="020D0604000000000000" pitchFamily="50" charset="-127"/>
+              </a:rPr>
+              <a:t>▶ </a:t>
+            </a:r>
+            <a:r>
+              <a:rPr lang="ko-KR" altLang="en-US" sz="1200" b="1" dirty="0" smtClean="0">
+                <a:latin typeface="나눔고딕" panose="020D0604000000000000" pitchFamily="50" charset="-127"/>
+                <a:ea typeface="나눔고딕" panose="020D0604000000000000" pitchFamily="50" charset="-127"/>
+              </a:rPr>
+              <a:t>장바구니 </a:t>
+            </a:r>
+            <a:r>
+              <a:rPr lang="ko-KR" altLang="en-US" sz="1200" b="1" dirty="0">
+                <a:latin typeface="나눔고딕" panose="020D0604000000000000" pitchFamily="50" charset="-127"/>
+                <a:ea typeface="나눔고딕" panose="020D0604000000000000" pitchFamily="50" charset="-127"/>
+              </a:rPr>
+              <a:t>조회 소스 </a:t>
+            </a:r>
+            <a:r>
+              <a:rPr lang="ko-KR" altLang="en-US" sz="1200" b="1" dirty="0" smtClean="0">
+                <a:latin typeface="나눔고딕" panose="020D0604000000000000" pitchFamily="50" charset="-127"/>
+                <a:ea typeface="나눔고딕" panose="020D0604000000000000" pitchFamily="50" charset="-127"/>
+              </a:rPr>
+              <a:t>파일 </a:t>
+            </a:r>
+            <a:r>
+              <a:rPr lang="en-US" altLang="ko-KR" sz="1200" b="1" dirty="0" smtClean="0">
+                <a:latin typeface="나눔고딕" panose="020D0604000000000000" pitchFamily="50" charset="-127"/>
+                <a:ea typeface="나눔고딕" panose="020D0604000000000000" pitchFamily="50" charset="-127"/>
+              </a:rPr>
+              <a:t>/ </a:t>
+            </a:r>
+            <a:r>
+              <a:rPr lang="ko-KR" altLang="en-US" sz="1200" b="1" dirty="0" smtClean="0">
+                <a:latin typeface="나눔고딕" panose="020D0604000000000000" pitchFamily="50" charset="-127"/>
+                <a:ea typeface="나눔고딕" panose="020D0604000000000000" pitchFamily="50" charset="-127"/>
+              </a:rPr>
+              <a:t>장바구니 추가 소스 파일 </a:t>
+            </a:r>
+            <a:r>
+              <a:rPr lang="en-US" altLang="ko-KR" sz="1200" b="1" dirty="0" smtClean="0">
+                <a:latin typeface="나눔고딕" panose="020D0604000000000000" pitchFamily="50" charset="-127"/>
+                <a:ea typeface="나눔고딕" panose="020D0604000000000000" pitchFamily="50" charset="-127"/>
+              </a:rPr>
+              <a:t>/ </a:t>
+            </a:r>
+            <a:r>
+              <a:rPr lang="ko-KR" altLang="en-US" sz="1200" b="1" dirty="0" smtClean="0">
+                <a:latin typeface="나눔고딕" panose="020D0604000000000000" pitchFamily="50" charset="-127"/>
+                <a:ea typeface="나눔고딕" panose="020D0604000000000000" pitchFamily="50" charset="-127"/>
+              </a:rPr>
+              <a:t>실행 화면</a:t>
+            </a:r>
+            <a:endParaRPr lang="en-US" altLang="ko-KR" sz="1200" b="1" dirty="0" smtClean="0">
+              <a:latin typeface="나눔고딕" panose="020D0604000000000000" pitchFamily="50" charset="-127"/>
+              <a:ea typeface="나눔고딕" panose="020D0604000000000000" pitchFamily="50" charset="-127"/>
+            </a:endParaRPr>
+          </a:p>
+          <a:p>
+            <a:pPr>
+              <a:lnSpc>
+                <a:spcPct val="150000"/>
+              </a:lnSpc>
+              <a:spcBef>
+                <a:spcPts val="120"/>
+              </a:spcBef>
+            </a:pPr>
+            <a:r>
+              <a:rPr lang="ko-KR" altLang="en-US" sz="1600" b="1" dirty="0">
+                <a:latin typeface="나눔고딕" panose="020D0604000000000000" pitchFamily="50" charset="-127"/>
+                <a:ea typeface="나눔고딕" panose="020D0604000000000000" pitchFamily="50" charset="-127"/>
+              </a:rPr>
+              <a:t>◆ </a:t>
+            </a:r>
+            <a:r>
+              <a:rPr lang="ko-KR" altLang="en-US" sz="1600" b="1" dirty="0" smtClean="0">
+                <a:latin typeface="나눔고딕" panose="020D0604000000000000" pitchFamily="50" charset="-127"/>
+                <a:ea typeface="나눔고딕" panose="020D0604000000000000" pitchFamily="50" charset="-127"/>
+              </a:rPr>
+              <a:t>주문</a:t>
+            </a:r>
+            <a:endParaRPr lang="en-US" altLang="ko-KR" sz="1600" b="1" dirty="0" smtClean="0">
+              <a:latin typeface="나눔고딕" panose="020D0604000000000000" pitchFamily="50" charset="-127"/>
+              <a:ea typeface="나눔고딕" panose="020D0604000000000000" pitchFamily="50" charset="-127"/>
+            </a:endParaRPr>
+          </a:p>
+          <a:p>
+            <a:pPr>
+              <a:spcBef>
+                <a:spcPts val="120"/>
+              </a:spcBef>
+            </a:pPr>
+            <a:r>
+              <a:rPr lang="en-US" altLang="ko-KR" sz="1600" b="1" dirty="0">
+                <a:latin typeface="나눔고딕" panose="020D0604000000000000" pitchFamily="50" charset="-127"/>
+                <a:ea typeface="나눔고딕" panose="020D0604000000000000" pitchFamily="50" charset="-127"/>
+              </a:rPr>
+              <a:t>	</a:t>
+            </a:r>
+            <a:r>
+              <a:rPr lang="ko-KR" altLang="en-US" sz="1200" b="1" dirty="0">
+                <a:latin typeface="나눔고딕" panose="020D0604000000000000" pitchFamily="50" charset="-127"/>
+                <a:ea typeface="나눔고딕" panose="020D0604000000000000" pitchFamily="50" charset="-127"/>
+              </a:rPr>
+              <a:t>▶ 상품 주문 소스 </a:t>
+            </a:r>
+            <a:r>
+              <a:rPr lang="ko-KR" altLang="en-US" sz="1200" b="1" dirty="0" smtClean="0">
+                <a:latin typeface="나눔고딕" panose="020D0604000000000000" pitchFamily="50" charset="-127"/>
+                <a:ea typeface="나눔고딕" panose="020D0604000000000000" pitchFamily="50" charset="-127"/>
+              </a:rPr>
+              <a:t>파일 </a:t>
+            </a:r>
+            <a:r>
+              <a:rPr lang="en-US" altLang="ko-KR" sz="1200" b="1" dirty="0" smtClean="0">
+                <a:latin typeface="나눔고딕" panose="020D0604000000000000" pitchFamily="50" charset="-127"/>
+                <a:ea typeface="나눔고딕" panose="020D0604000000000000" pitchFamily="50" charset="-127"/>
+              </a:rPr>
+              <a:t>/ </a:t>
+            </a:r>
+            <a:r>
+              <a:rPr lang="ko-KR" altLang="en-US" sz="1200" b="1" dirty="0" smtClean="0">
+                <a:latin typeface="나눔고딕" panose="020D0604000000000000" pitchFamily="50" charset="-127"/>
+                <a:ea typeface="나눔고딕" panose="020D0604000000000000" pitchFamily="50" charset="-127"/>
+              </a:rPr>
+              <a:t>실행 화면</a:t>
+            </a:r>
+            <a:endParaRPr lang="en-US" altLang="ko-KR" sz="1200" b="1" dirty="0" smtClean="0">
+              <a:latin typeface="나눔고딕" panose="020D0604000000000000" pitchFamily="50" charset="-127"/>
+              <a:ea typeface="나눔고딕" panose="020D0604000000000000" pitchFamily="50" charset="-127"/>
+            </a:endParaRPr>
+          </a:p>
+          <a:p>
+            <a:pPr>
+              <a:lnSpc>
+                <a:spcPct val="150000"/>
+              </a:lnSpc>
+              <a:spcBef>
+                <a:spcPts val="120"/>
+              </a:spcBef>
+            </a:pPr>
+            <a:r>
+              <a:rPr lang="ko-KR" altLang="en-US" sz="1600" b="1" dirty="0">
+                <a:latin typeface="나눔고딕" panose="020D0604000000000000" pitchFamily="50" charset="-127"/>
+                <a:ea typeface="나눔고딕" panose="020D0604000000000000" pitchFamily="50" charset="-127"/>
+              </a:rPr>
+              <a:t>◆ </a:t>
+            </a:r>
+            <a:r>
+              <a:rPr lang="ko-KR" altLang="en-US" sz="1600" b="1" dirty="0" smtClean="0">
+                <a:latin typeface="나눔고딕" panose="020D0604000000000000" pitchFamily="50" charset="-127"/>
+                <a:ea typeface="나눔고딕" panose="020D0604000000000000" pitchFamily="50" charset="-127"/>
+              </a:rPr>
+              <a:t>마이 페이지</a:t>
+            </a:r>
+            <a:endParaRPr lang="en-US" altLang="ko-KR" sz="1600" b="1" dirty="0" smtClean="0">
+              <a:latin typeface="나눔고딕" panose="020D0604000000000000" pitchFamily="50" charset="-127"/>
+              <a:ea typeface="나눔고딕" panose="020D0604000000000000" pitchFamily="50" charset="-127"/>
+            </a:endParaRPr>
+          </a:p>
+          <a:p>
+            <a:pPr>
+              <a:spcBef>
+                <a:spcPts val="120"/>
+              </a:spcBef>
+            </a:pPr>
+            <a:r>
+              <a:rPr lang="en-US" altLang="ko-KR" sz="1600" b="1" dirty="0">
+                <a:latin typeface="나눔고딕" panose="020D0604000000000000" pitchFamily="50" charset="-127"/>
+                <a:ea typeface="나눔고딕" panose="020D0604000000000000" pitchFamily="50" charset="-127"/>
+              </a:rPr>
+              <a:t>	</a:t>
+            </a:r>
+            <a:r>
+              <a:rPr lang="ko-KR" altLang="en-US" sz="1200" b="1" dirty="0">
+                <a:latin typeface="나눔고딕" panose="020D0604000000000000" pitchFamily="50" charset="-127"/>
+                <a:ea typeface="나눔고딕" panose="020D0604000000000000" pitchFamily="50" charset="-127"/>
+              </a:rPr>
+              <a:t>▶ </a:t>
+            </a:r>
+            <a:r>
+              <a:rPr lang="ko-KR" altLang="en-US" sz="1200" b="1" dirty="0" smtClean="0">
+                <a:latin typeface="나눔고딕" panose="020D0604000000000000" pitchFamily="50" charset="-127"/>
+                <a:ea typeface="나눔고딕" panose="020D0604000000000000" pitchFamily="50" charset="-127"/>
+              </a:rPr>
+              <a:t>주문내역 </a:t>
+            </a:r>
+            <a:r>
+              <a:rPr lang="ko-KR" altLang="en-US" sz="1200" b="1" dirty="0">
+                <a:latin typeface="나눔고딕" panose="020D0604000000000000" pitchFamily="50" charset="-127"/>
+                <a:ea typeface="나눔고딕" panose="020D0604000000000000" pitchFamily="50" charset="-127"/>
+              </a:rPr>
+              <a:t>조회 소스 </a:t>
+            </a:r>
+            <a:r>
+              <a:rPr lang="ko-KR" altLang="en-US" sz="1200" b="1" dirty="0" smtClean="0">
+                <a:latin typeface="나눔고딕" panose="020D0604000000000000" pitchFamily="50" charset="-127"/>
+                <a:ea typeface="나눔고딕" panose="020D0604000000000000" pitchFamily="50" charset="-127"/>
+              </a:rPr>
+              <a:t>파일 </a:t>
+            </a:r>
+            <a:r>
+              <a:rPr lang="en-US" altLang="ko-KR" sz="1200" b="1" dirty="0" smtClean="0">
+                <a:latin typeface="나눔고딕" panose="020D0604000000000000" pitchFamily="50" charset="-127"/>
+                <a:ea typeface="나눔고딕" panose="020D0604000000000000" pitchFamily="50" charset="-127"/>
+              </a:rPr>
+              <a:t>/ </a:t>
+            </a:r>
+            <a:r>
+              <a:rPr lang="ko-KR" altLang="en-US" sz="1200" b="1" dirty="0" smtClean="0">
+                <a:latin typeface="나눔고딕" panose="020D0604000000000000" pitchFamily="50" charset="-127"/>
+                <a:ea typeface="나눔고딕" panose="020D0604000000000000" pitchFamily="50" charset="-127"/>
+              </a:rPr>
+              <a:t>실행 화면</a:t>
+            </a:r>
+            <a:endParaRPr lang="ko-KR" altLang="en-US" sz="1200" b="1" dirty="0">
+              <a:latin typeface="나눔고딕" panose="020D0604000000000000" pitchFamily="50" charset="-127"/>
+              <a:ea typeface="나눔고딕" panose="020D0604000000000000" pitchFamily="50" charset="-127"/>
+            </a:endParaRPr>
+          </a:p>
+        </p:txBody>
+      </p:sp>
+    </p:spTree>
+    <p:extLst>
+      <p:ext uri="{BB962C8B-B14F-4D97-AF65-F5344CB8AC3E}">
+        <p14:creationId xmlns:p14="http://schemas.microsoft.com/office/powerpoint/2010/main" val="2818428484"/>
+      </p:ext>
+    </p:extLst>
+  </p:cSld>
+  <p:clrMapOvr>
+    <a:masterClrMapping/>
+  </p:clrMapOvr>
+</p:sld>
+</file>
+
+<file path=ppt/slides/slide20.xml><?xml version="1.0" encoding="utf-8"?>
 <p:sld xmlns:a="http://schemas.openxmlformats.org/drawingml/2006/main" xmlns:r="http://schemas.openxmlformats.org/officeDocument/2006/relationships" xmlns:p="http://schemas.openxmlformats.org/presentationml/2006/main">
   <p:cSld>
     <p:spTree>
@@ -14589,829 +15873,7 @@
 </p:sld>
 </file>
 
-<file path=ppt/slides/slide2.xml><?xml version="1.0" encoding="utf-8"?>
-<p:sld xmlns:a="http://schemas.openxmlformats.org/drawingml/2006/main" xmlns:r="http://schemas.openxmlformats.org/officeDocument/2006/relationships" xmlns:p="http://schemas.openxmlformats.org/presentationml/2006/main">
-  <p:cSld>
-    <p:spTree>
-      <p:nvGrpSpPr>
-        <p:cNvPr id="1" name=""/>
-        <p:cNvGrpSpPr/>
-        <p:nvPr/>
-      </p:nvGrpSpPr>
-      <p:grpSpPr>
-        <a:xfrm>
-          <a:off x="0" y="0"/>
-          <a:ext cx="0" cy="0"/>
-          <a:chOff x="0" y="0"/>
-          <a:chExt cx="0" cy="0"/>
-        </a:xfrm>
-      </p:grpSpPr>
-      <p:sp>
-        <p:nvSpPr>
-          <p:cNvPr id="4" name="TextBox 3"/>
-          <p:cNvSpPr txBox="1"/>
-          <p:nvPr/>
-        </p:nvSpPr>
-        <p:spPr>
-          <a:xfrm>
-            <a:off x="1880800" y="404398"/>
-            <a:ext cx="6125395" cy="989502"/>
-          </a:xfrm>
-          <a:prstGeom prst="rect">
-            <a:avLst/>
-          </a:prstGeom>
-          <a:noFill/>
-        </p:spPr>
-        <p:txBody>
-          <a:bodyPr wrap="none" rtlCol="0">
-            <a:spAutoFit/>
-          </a:bodyPr>
-          <a:lstStyle/>
-          <a:p>
-            <a:pPr>
-              <a:lnSpc>
-                <a:spcPct val="150000"/>
-              </a:lnSpc>
-              <a:spcBef>
-                <a:spcPts val="120"/>
-              </a:spcBef>
-            </a:pPr>
-            <a:r>
-              <a:rPr lang="ko-KR" altLang="en-US" sz="4400" b="1" dirty="0" smtClean="0">
-                <a:latin typeface="나눔고딕" panose="020D0604000000000000" pitchFamily="50" charset="-127"/>
-                <a:ea typeface="나눔고딕" panose="020D0604000000000000" pitchFamily="50" charset="-127"/>
-              </a:rPr>
-              <a:t>페이지 </a:t>
-            </a:r>
-            <a:r>
-              <a:rPr lang="ko-KR" altLang="en-US" sz="4400" b="1" dirty="0">
-                <a:latin typeface="나눔고딕" panose="020D0604000000000000" pitchFamily="50" charset="-127"/>
-                <a:ea typeface="나눔고딕" panose="020D0604000000000000" pitchFamily="50" charset="-127"/>
-              </a:rPr>
-              <a:t>기능 및 관련 파일</a:t>
-            </a:r>
-            <a:endParaRPr lang="en-US" altLang="ko-KR" sz="4400" b="1" dirty="0">
-              <a:latin typeface="나눔고딕" panose="020D0604000000000000" pitchFamily="50" charset="-127"/>
-              <a:ea typeface="나눔고딕" panose="020D0604000000000000" pitchFamily="50" charset="-127"/>
-            </a:endParaRPr>
-          </a:p>
-        </p:txBody>
-      </p:sp>
-      <p:sp>
-        <p:nvSpPr>
-          <p:cNvPr id="5" name="TextBox 4"/>
-          <p:cNvSpPr txBox="1"/>
-          <p:nvPr/>
-        </p:nvSpPr>
-        <p:spPr>
-          <a:xfrm>
-            <a:off x="2787612" y="1425497"/>
-            <a:ext cx="7023138" cy="4963988"/>
-          </a:xfrm>
-          <a:prstGeom prst="rect">
-            <a:avLst/>
-          </a:prstGeom>
-          <a:noFill/>
-        </p:spPr>
-        <p:txBody>
-          <a:bodyPr wrap="square" bIns="46800" rtlCol="0">
-            <a:spAutoFit/>
-          </a:bodyPr>
-          <a:lstStyle/>
-          <a:p>
-            <a:pPr>
-              <a:lnSpc>
-                <a:spcPct val="150000"/>
-              </a:lnSpc>
-              <a:spcBef>
-                <a:spcPts val="120"/>
-              </a:spcBef>
-            </a:pPr>
-            <a:r>
-              <a:rPr lang="ko-KR" altLang="en-US" sz="1600" b="1" dirty="0" smtClean="0">
-                <a:latin typeface="나눔고딕" panose="020D0604000000000000" pitchFamily="50" charset="-127"/>
-                <a:ea typeface="나눔고딕" panose="020D0604000000000000" pitchFamily="50" charset="-127"/>
-              </a:rPr>
-              <a:t>◆ </a:t>
-            </a:r>
-            <a:r>
-              <a:rPr lang="ko-KR" altLang="en-US" sz="1600" b="1" dirty="0">
-                <a:latin typeface="나눔고딕" panose="020D0604000000000000" pitchFamily="50" charset="-127"/>
-                <a:ea typeface="나눔고딕" panose="020D0604000000000000" pitchFamily="50" charset="-127"/>
-              </a:rPr>
-              <a:t>페이지 구성 </a:t>
-            </a:r>
-            <a:r>
-              <a:rPr lang="ko-KR" altLang="en-US" sz="1600" b="1" dirty="0" smtClean="0">
-                <a:latin typeface="나눔고딕" panose="020D0604000000000000" pitchFamily="50" charset="-127"/>
-                <a:ea typeface="나눔고딕" panose="020D0604000000000000" pitchFamily="50" charset="-127"/>
-              </a:rPr>
-              <a:t>요소</a:t>
-            </a:r>
-            <a:endParaRPr lang="en-US" altLang="ko-KR" sz="1600" b="1" dirty="0" smtClean="0">
-              <a:latin typeface="나눔고딕" panose="020D0604000000000000" pitchFamily="50" charset="-127"/>
-              <a:ea typeface="나눔고딕" panose="020D0604000000000000" pitchFamily="50" charset="-127"/>
-            </a:endParaRPr>
-          </a:p>
-          <a:p>
-            <a:pPr>
-              <a:lnSpc>
-                <a:spcPct val="150000"/>
-              </a:lnSpc>
-              <a:spcBef>
-                <a:spcPts val="120"/>
-              </a:spcBef>
-            </a:pPr>
-            <a:r>
-              <a:rPr lang="ko-KR" altLang="en-US" sz="1600" b="1" dirty="0">
-                <a:latin typeface="나눔고딕" panose="020D0604000000000000" pitchFamily="50" charset="-127"/>
-                <a:ea typeface="나눔고딕" panose="020D0604000000000000" pitchFamily="50" charset="-127"/>
-              </a:rPr>
-              <a:t>◆ 페이지 </a:t>
-            </a:r>
-            <a:r>
-              <a:rPr lang="ko-KR" altLang="en-US" sz="1600" b="1" dirty="0" smtClean="0">
-                <a:latin typeface="나눔고딕" panose="020D0604000000000000" pitchFamily="50" charset="-127"/>
-                <a:ea typeface="나눔고딕" panose="020D0604000000000000" pitchFamily="50" charset="-127"/>
-              </a:rPr>
-              <a:t>구현</a:t>
-            </a:r>
-            <a:r>
-              <a:rPr lang="ko-KR" altLang="en-US" sz="1200" b="1" dirty="0" smtClean="0">
-                <a:latin typeface="나눔고딕" panose="020D0604000000000000" pitchFamily="50" charset="-127"/>
-                <a:ea typeface="나눔고딕" panose="020D0604000000000000" pitchFamily="50" charset="-127"/>
-              </a:rPr>
-              <a:t> </a:t>
-            </a:r>
-            <a:r>
-              <a:rPr lang="en-US" altLang="ko-KR" sz="1200" b="1" dirty="0" smtClean="0">
-                <a:latin typeface="나눔고딕" panose="020D0604000000000000" pitchFamily="50" charset="-127"/>
-                <a:ea typeface="나눔고딕" panose="020D0604000000000000" pitchFamily="50" charset="-127"/>
-              </a:rPr>
-              <a:t>(tiles / mapper)</a:t>
-            </a:r>
-            <a:endParaRPr lang="en-US" altLang="ko-KR" sz="1600" b="1" dirty="0" smtClean="0">
-              <a:latin typeface="나눔고딕" panose="020D0604000000000000" pitchFamily="50" charset="-127"/>
-              <a:ea typeface="나눔고딕" panose="020D0604000000000000" pitchFamily="50" charset="-127"/>
-            </a:endParaRPr>
-          </a:p>
-          <a:p>
-            <a:pPr>
-              <a:lnSpc>
-                <a:spcPct val="150000"/>
-              </a:lnSpc>
-              <a:spcBef>
-                <a:spcPts val="120"/>
-              </a:spcBef>
-            </a:pPr>
-            <a:r>
-              <a:rPr lang="ko-KR" altLang="en-US" sz="1600" b="1" dirty="0">
-                <a:latin typeface="나눔고딕" panose="020D0604000000000000" pitchFamily="50" charset="-127"/>
-                <a:ea typeface="나눔고딕" panose="020D0604000000000000" pitchFamily="50" charset="-127"/>
-              </a:rPr>
-              <a:t>◆ 메인 </a:t>
-            </a:r>
-            <a:r>
-              <a:rPr lang="ko-KR" altLang="en-US" sz="1600" b="1" dirty="0" smtClean="0">
-                <a:latin typeface="나눔고딕" panose="020D0604000000000000" pitchFamily="50" charset="-127"/>
-                <a:ea typeface="나눔고딕" panose="020D0604000000000000" pitchFamily="50" charset="-127"/>
-              </a:rPr>
-              <a:t>페이지</a:t>
-            </a:r>
-            <a:endParaRPr lang="en-US" altLang="ko-KR" sz="1600" b="1" dirty="0" smtClean="0">
-              <a:latin typeface="나눔고딕" panose="020D0604000000000000" pitchFamily="50" charset="-127"/>
-              <a:ea typeface="나눔고딕" panose="020D0604000000000000" pitchFamily="50" charset="-127"/>
-            </a:endParaRPr>
-          </a:p>
-          <a:p>
-            <a:pPr>
-              <a:spcBef>
-                <a:spcPts val="120"/>
-              </a:spcBef>
-            </a:pPr>
-            <a:r>
-              <a:rPr lang="en-US" altLang="ko-KR" sz="1200" b="1" dirty="0">
-                <a:latin typeface="나눔고딕" panose="020D0604000000000000" pitchFamily="50" charset="-127"/>
-                <a:ea typeface="나눔고딕" panose="020D0604000000000000" pitchFamily="50" charset="-127"/>
-              </a:rPr>
-              <a:t>	</a:t>
-            </a:r>
-            <a:r>
-              <a:rPr lang="ko-KR" altLang="en-US" sz="1200" b="1" dirty="0" smtClean="0">
-                <a:latin typeface="나눔고딕" panose="020D0604000000000000" pitchFamily="50" charset="-127"/>
-                <a:ea typeface="나눔고딕" panose="020D0604000000000000" pitchFamily="50" charset="-127"/>
-              </a:rPr>
-              <a:t>▶</a:t>
-            </a:r>
-            <a:r>
-              <a:rPr lang="ko-KR" altLang="en-US" sz="1200" b="1" dirty="0">
-                <a:latin typeface="나눔고딕" panose="020D0604000000000000" pitchFamily="50" charset="-127"/>
-                <a:ea typeface="나눔고딕" panose="020D0604000000000000" pitchFamily="50" charset="-127"/>
-              </a:rPr>
-              <a:t> 메인 페이지 소스 </a:t>
-            </a:r>
-            <a:r>
-              <a:rPr lang="ko-KR" altLang="en-US" sz="1200" b="1" dirty="0" smtClean="0">
-                <a:latin typeface="나눔고딕" panose="020D0604000000000000" pitchFamily="50" charset="-127"/>
-                <a:ea typeface="나눔고딕" panose="020D0604000000000000" pitchFamily="50" charset="-127"/>
-              </a:rPr>
-              <a:t>파일 </a:t>
-            </a:r>
-            <a:r>
-              <a:rPr lang="en-US" altLang="ko-KR" sz="1200" b="1" dirty="0" smtClean="0">
-                <a:latin typeface="나눔고딕" panose="020D0604000000000000" pitchFamily="50" charset="-127"/>
-                <a:ea typeface="나눔고딕" panose="020D0604000000000000" pitchFamily="50" charset="-127"/>
-              </a:rPr>
-              <a:t>/ </a:t>
-            </a:r>
-            <a:r>
-              <a:rPr lang="ko-KR" altLang="en-US" sz="1200" b="1" dirty="0" smtClean="0">
-                <a:latin typeface="나눔고딕" panose="020D0604000000000000" pitchFamily="50" charset="-127"/>
-                <a:ea typeface="나눔고딕" panose="020D0604000000000000" pitchFamily="50" charset="-127"/>
-              </a:rPr>
-              <a:t>실행 화면</a:t>
-            </a:r>
-            <a:endParaRPr lang="en-US" altLang="ko-KR" sz="1200" b="1" dirty="0" smtClean="0">
-              <a:latin typeface="나눔고딕" panose="020D0604000000000000" pitchFamily="50" charset="-127"/>
-              <a:ea typeface="나눔고딕" panose="020D0604000000000000" pitchFamily="50" charset="-127"/>
-            </a:endParaRPr>
-          </a:p>
-          <a:p>
-            <a:pPr>
-              <a:spcBef>
-                <a:spcPts val="120"/>
-              </a:spcBef>
-            </a:pPr>
-            <a:r>
-              <a:rPr lang="en-US" altLang="ko-KR" sz="1200" b="1" dirty="0">
-                <a:latin typeface="나눔고딕" panose="020D0604000000000000" pitchFamily="50" charset="-127"/>
-                <a:ea typeface="나눔고딕" panose="020D0604000000000000" pitchFamily="50" charset="-127"/>
-              </a:rPr>
-              <a:t>	</a:t>
-            </a:r>
-            <a:r>
-              <a:rPr lang="ko-KR" altLang="en-US" sz="1200" b="1" dirty="0" smtClean="0">
-                <a:latin typeface="나눔고딕" panose="020D0604000000000000" pitchFamily="50" charset="-127"/>
-                <a:ea typeface="나눔고딕" panose="020D0604000000000000" pitchFamily="50" charset="-127"/>
-              </a:rPr>
-              <a:t>▶ 빠른 </a:t>
-            </a:r>
-            <a:r>
-              <a:rPr lang="ko-KR" altLang="en-US" sz="1200" b="1" dirty="0">
-                <a:latin typeface="나눔고딕" panose="020D0604000000000000" pitchFamily="50" charset="-127"/>
-                <a:ea typeface="나눔고딕" panose="020D0604000000000000" pitchFamily="50" charset="-127"/>
-              </a:rPr>
-              <a:t>메뉴 소스 </a:t>
-            </a:r>
-            <a:r>
-              <a:rPr lang="ko-KR" altLang="en-US" sz="1200" b="1" dirty="0" smtClean="0">
-                <a:latin typeface="나눔고딕" panose="020D0604000000000000" pitchFamily="50" charset="-127"/>
-                <a:ea typeface="나눔고딕" panose="020D0604000000000000" pitchFamily="50" charset="-127"/>
-              </a:rPr>
-              <a:t>파일 </a:t>
-            </a:r>
-            <a:r>
-              <a:rPr lang="en-US" altLang="ko-KR" sz="1200" b="1" dirty="0" smtClean="0">
-                <a:latin typeface="나눔고딕" panose="020D0604000000000000" pitchFamily="50" charset="-127"/>
-                <a:ea typeface="나눔고딕" panose="020D0604000000000000" pitchFamily="50" charset="-127"/>
-              </a:rPr>
-              <a:t>/ </a:t>
-            </a:r>
-            <a:r>
-              <a:rPr lang="ko-KR" altLang="en-US" sz="1200" b="1" dirty="0" smtClean="0">
-                <a:latin typeface="나눔고딕" panose="020D0604000000000000" pitchFamily="50" charset="-127"/>
-                <a:ea typeface="나눔고딕" panose="020D0604000000000000" pitchFamily="50" charset="-127"/>
-              </a:rPr>
-              <a:t>실행 </a:t>
-            </a:r>
-            <a:r>
-              <a:rPr lang="ko-KR" altLang="en-US" sz="1200" b="1" dirty="0">
-                <a:latin typeface="나눔고딕" panose="020D0604000000000000" pitchFamily="50" charset="-127"/>
-                <a:ea typeface="나눔고딕" panose="020D0604000000000000" pitchFamily="50" charset="-127"/>
-              </a:rPr>
-              <a:t>화면</a:t>
-            </a:r>
-            <a:endParaRPr lang="en-US" altLang="ko-KR" sz="1200" b="1" dirty="0" smtClean="0">
-              <a:latin typeface="나눔고딕" panose="020D0604000000000000" pitchFamily="50" charset="-127"/>
-              <a:ea typeface="나눔고딕" panose="020D0604000000000000" pitchFamily="50" charset="-127"/>
-            </a:endParaRPr>
-          </a:p>
-          <a:p>
-            <a:pPr>
-              <a:lnSpc>
-                <a:spcPct val="150000"/>
-              </a:lnSpc>
-              <a:spcBef>
-                <a:spcPts val="120"/>
-              </a:spcBef>
-            </a:pPr>
-            <a:r>
-              <a:rPr lang="ko-KR" altLang="en-US" sz="1600" b="1" dirty="0" smtClean="0">
-                <a:latin typeface="나눔고딕" panose="020D0604000000000000" pitchFamily="50" charset="-127"/>
-                <a:ea typeface="나눔고딕" panose="020D0604000000000000" pitchFamily="50" charset="-127"/>
-              </a:rPr>
-              <a:t>◆ 회원</a:t>
-            </a:r>
-            <a:endParaRPr lang="en-US" altLang="ko-KR" sz="1600" b="1" dirty="0" smtClean="0">
-              <a:latin typeface="나눔고딕" panose="020D0604000000000000" pitchFamily="50" charset="-127"/>
-              <a:ea typeface="나눔고딕" panose="020D0604000000000000" pitchFamily="50" charset="-127"/>
-            </a:endParaRPr>
-          </a:p>
-          <a:p>
-            <a:pPr>
-              <a:spcBef>
-                <a:spcPts val="120"/>
-              </a:spcBef>
-            </a:pPr>
-            <a:r>
-              <a:rPr lang="en-US" altLang="ko-KR" sz="1200" b="1" dirty="0" smtClean="0">
-                <a:latin typeface="나눔고딕" panose="020D0604000000000000" pitchFamily="50" charset="-127"/>
-                <a:ea typeface="나눔고딕" panose="020D0604000000000000" pitchFamily="50" charset="-127"/>
-              </a:rPr>
-              <a:t>	</a:t>
-            </a:r>
-            <a:r>
-              <a:rPr lang="ko-KR" altLang="en-US" sz="1200" b="1" dirty="0" smtClean="0">
-                <a:latin typeface="나눔고딕" panose="020D0604000000000000" pitchFamily="50" charset="-127"/>
-                <a:ea typeface="나눔고딕" panose="020D0604000000000000" pitchFamily="50" charset="-127"/>
-              </a:rPr>
-              <a:t>▶ </a:t>
-            </a:r>
-            <a:r>
-              <a:rPr lang="ko-KR" altLang="en-US" sz="1200" b="1" dirty="0">
-                <a:latin typeface="나눔고딕" panose="020D0604000000000000" pitchFamily="50" charset="-127"/>
-                <a:ea typeface="나눔고딕" panose="020D0604000000000000" pitchFamily="50" charset="-127"/>
-              </a:rPr>
-              <a:t>로그인 소스 파일 </a:t>
-            </a:r>
-            <a:r>
-              <a:rPr lang="en-US" altLang="ko-KR" sz="1200" b="1" dirty="0" smtClean="0">
-                <a:latin typeface="나눔고딕" panose="020D0604000000000000" pitchFamily="50" charset="-127"/>
-                <a:ea typeface="나눔고딕" panose="020D0604000000000000" pitchFamily="50" charset="-127"/>
-              </a:rPr>
-              <a:t>/ </a:t>
-            </a:r>
-            <a:r>
-              <a:rPr lang="ko-KR" altLang="en-US" sz="1200" b="1" dirty="0" smtClean="0">
-                <a:latin typeface="나눔고딕" panose="020D0604000000000000" pitchFamily="50" charset="-127"/>
-                <a:ea typeface="나눔고딕" panose="020D0604000000000000" pitchFamily="50" charset="-127"/>
-              </a:rPr>
-              <a:t>실행 </a:t>
-            </a:r>
-            <a:r>
-              <a:rPr lang="ko-KR" altLang="en-US" sz="1200" b="1" dirty="0">
-                <a:latin typeface="나눔고딕" panose="020D0604000000000000" pitchFamily="50" charset="-127"/>
-                <a:ea typeface="나눔고딕" panose="020D0604000000000000" pitchFamily="50" charset="-127"/>
-              </a:rPr>
-              <a:t>화면</a:t>
-            </a:r>
-            <a:endParaRPr lang="en-US" altLang="ko-KR" sz="1200" b="1" dirty="0" smtClean="0">
-              <a:latin typeface="나눔고딕" panose="020D0604000000000000" pitchFamily="50" charset="-127"/>
-              <a:ea typeface="나눔고딕" panose="020D0604000000000000" pitchFamily="50" charset="-127"/>
-            </a:endParaRPr>
-          </a:p>
-          <a:p>
-            <a:pPr>
-              <a:spcBef>
-                <a:spcPts val="120"/>
-              </a:spcBef>
-            </a:pPr>
-            <a:r>
-              <a:rPr lang="en-US" altLang="ko-KR" sz="1200" b="1" dirty="0" smtClean="0">
-                <a:latin typeface="나눔고딕" panose="020D0604000000000000" pitchFamily="50" charset="-127"/>
-                <a:ea typeface="나눔고딕" panose="020D0604000000000000" pitchFamily="50" charset="-127"/>
-              </a:rPr>
-              <a:t>	</a:t>
-            </a:r>
-            <a:r>
-              <a:rPr lang="ko-KR" altLang="en-US" sz="1200" b="1" dirty="0" smtClean="0">
-                <a:latin typeface="나눔고딕" panose="020D0604000000000000" pitchFamily="50" charset="-127"/>
-                <a:ea typeface="나눔고딕" panose="020D0604000000000000" pitchFamily="50" charset="-127"/>
-              </a:rPr>
-              <a:t>▶ </a:t>
-            </a:r>
-            <a:r>
-              <a:rPr lang="ko-KR" altLang="en-US" sz="1200" b="1" dirty="0">
-                <a:latin typeface="나눔고딕" panose="020D0604000000000000" pitchFamily="50" charset="-127"/>
-                <a:ea typeface="나눔고딕" panose="020D0604000000000000" pitchFamily="50" charset="-127"/>
-              </a:rPr>
-              <a:t>회원 가입 소스 </a:t>
-            </a:r>
-            <a:r>
-              <a:rPr lang="ko-KR" altLang="en-US" sz="1200" b="1" dirty="0" smtClean="0">
-                <a:latin typeface="나눔고딕" panose="020D0604000000000000" pitchFamily="50" charset="-127"/>
-                <a:ea typeface="나눔고딕" panose="020D0604000000000000" pitchFamily="50" charset="-127"/>
-              </a:rPr>
-              <a:t>파일 </a:t>
-            </a:r>
-            <a:r>
-              <a:rPr lang="en-US" altLang="ko-KR" sz="1200" b="1" dirty="0" smtClean="0">
-                <a:latin typeface="나눔고딕" panose="020D0604000000000000" pitchFamily="50" charset="-127"/>
-                <a:ea typeface="나눔고딕" panose="020D0604000000000000" pitchFamily="50" charset="-127"/>
-              </a:rPr>
-              <a:t>/ </a:t>
-            </a:r>
-            <a:r>
-              <a:rPr lang="ko-KR" altLang="en-US" sz="1200" b="1" dirty="0" smtClean="0">
-                <a:latin typeface="나눔고딕" panose="020D0604000000000000" pitchFamily="50" charset="-127"/>
-                <a:ea typeface="나눔고딕" panose="020D0604000000000000" pitchFamily="50" charset="-127"/>
-              </a:rPr>
-              <a:t>실행 화면</a:t>
-            </a:r>
-            <a:endParaRPr lang="en-US" altLang="ko-KR" sz="1200" b="1" dirty="0">
-              <a:latin typeface="나눔고딕" panose="020D0604000000000000" pitchFamily="50" charset="-127"/>
-              <a:ea typeface="나눔고딕" panose="020D0604000000000000" pitchFamily="50" charset="-127"/>
-            </a:endParaRPr>
-          </a:p>
-          <a:p>
-            <a:pPr>
-              <a:lnSpc>
-                <a:spcPct val="150000"/>
-              </a:lnSpc>
-              <a:spcBef>
-                <a:spcPts val="120"/>
-              </a:spcBef>
-            </a:pPr>
-            <a:r>
-              <a:rPr lang="ko-KR" altLang="en-US" sz="1600" b="1" dirty="0" smtClean="0">
-                <a:latin typeface="나눔고딕" panose="020D0604000000000000" pitchFamily="50" charset="-127"/>
-                <a:ea typeface="나눔고딕" panose="020D0604000000000000" pitchFamily="50" charset="-127"/>
-              </a:rPr>
-              <a:t>◆ 상품</a:t>
-            </a:r>
-            <a:endParaRPr lang="en-US" altLang="ko-KR" sz="1600" b="1" dirty="0" smtClean="0">
-              <a:latin typeface="나눔고딕" panose="020D0604000000000000" pitchFamily="50" charset="-127"/>
-              <a:ea typeface="나눔고딕" panose="020D0604000000000000" pitchFamily="50" charset="-127"/>
-            </a:endParaRPr>
-          </a:p>
-          <a:p>
-            <a:pPr>
-              <a:spcBef>
-                <a:spcPts val="120"/>
-              </a:spcBef>
-            </a:pPr>
-            <a:r>
-              <a:rPr lang="en-US" altLang="ko-KR" sz="1600" b="1" dirty="0">
-                <a:latin typeface="나눔고딕" panose="020D0604000000000000" pitchFamily="50" charset="-127"/>
-                <a:ea typeface="나눔고딕" panose="020D0604000000000000" pitchFamily="50" charset="-127"/>
-              </a:rPr>
-              <a:t>	</a:t>
-            </a:r>
-            <a:r>
-              <a:rPr lang="ko-KR" altLang="en-US" sz="1200" b="1" dirty="0">
-                <a:latin typeface="나눔고딕" panose="020D0604000000000000" pitchFamily="50" charset="-127"/>
-                <a:ea typeface="나눔고딕" panose="020D0604000000000000" pitchFamily="50" charset="-127"/>
-              </a:rPr>
-              <a:t>▶ </a:t>
-            </a:r>
-            <a:r>
-              <a:rPr lang="ko-KR" altLang="en-US" sz="1200" b="1" dirty="0" smtClean="0">
-                <a:latin typeface="나눔고딕" panose="020D0604000000000000" pitchFamily="50" charset="-127"/>
-                <a:ea typeface="나눔고딕" panose="020D0604000000000000" pitchFamily="50" charset="-127"/>
-              </a:rPr>
-              <a:t>상품 </a:t>
-            </a:r>
-            <a:r>
-              <a:rPr lang="ko-KR" altLang="en-US" sz="1200" b="1" dirty="0">
-                <a:latin typeface="나눔고딕" panose="020D0604000000000000" pitchFamily="50" charset="-127"/>
-                <a:ea typeface="나눔고딕" panose="020D0604000000000000" pitchFamily="50" charset="-127"/>
-              </a:rPr>
-              <a:t>검색 </a:t>
-            </a:r>
-            <a:r>
-              <a:rPr lang="en-US" altLang="ko-KR" sz="1200" b="1" dirty="0">
-                <a:latin typeface="나눔고딕" panose="020D0604000000000000" pitchFamily="50" charset="-127"/>
-                <a:ea typeface="나눔고딕" panose="020D0604000000000000" pitchFamily="50" charset="-127"/>
-              </a:rPr>
-              <a:t>(Ajax</a:t>
-            </a:r>
-            <a:r>
-              <a:rPr lang="ko-KR" altLang="en-US" sz="1200" b="1" dirty="0">
-                <a:latin typeface="나눔고딕" panose="020D0604000000000000" pitchFamily="50" charset="-127"/>
-                <a:ea typeface="나눔고딕" panose="020D0604000000000000" pitchFamily="50" charset="-127"/>
-              </a:rPr>
-              <a:t>를 이용한 자동 완성 기능</a:t>
-            </a:r>
-            <a:r>
-              <a:rPr lang="en-US" altLang="ko-KR" sz="1200" b="1" dirty="0">
-                <a:latin typeface="나눔고딕" panose="020D0604000000000000" pitchFamily="50" charset="-127"/>
-                <a:ea typeface="나눔고딕" panose="020D0604000000000000" pitchFamily="50" charset="-127"/>
-              </a:rPr>
-              <a:t>) </a:t>
-            </a:r>
-            <a:r>
-              <a:rPr lang="ko-KR" altLang="en-US" sz="1200" b="1" dirty="0">
-                <a:latin typeface="나눔고딕" panose="020D0604000000000000" pitchFamily="50" charset="-127"/>
-                <a:ea typeface="나눔고딕" panose="020D0604000000000000" pitchFamily="50" charset="-127"/>
-              </a:rPr>
-              <a:t>소스 </a:t>
-            </a:r>
-            <a:r>
-              <a:rPr lang="ko-KR" altLang="en-US" sz="1200" b="1" dirty="0" smtClean="0">
-                <a:latin typeface="나눔고딕" panose="020D0604000000000000" pitchFamily="50" charset="-127"/>
-                <a:ea typeface="나눔고딕" panose="020D0604000000000000" pitchFamily="50" charset="-127"/>
-              </a:rPr>
-              <a:t>파일 </a:t>
-            </a:r>
-            <a:r>
-              <a:rPr lang="en-US" altLang="ko-KR" sz="1200" b="1" dirty="0" smtClean="0">
-                <a:latin typeface="나눔고딕" panose="020D0604000000000000" pitchFamily="50" charset="-127"/>
-                <a:ea typeface="나눔고딕" panose="020D0604000000000000" pitchFamily="50" charset="-127"/>
-              </a:rPr>
-              <a:t>/ </a:t>
-            </a:r>
-            <a:r>
-              <a:rPr lang="ko-KR" altLang="en-US" sz="1200" b="1" dirty="0">
-                <a:latin typeface="나눔고딕" panose="020D0604000000000000" pitchFamily="50" charset="-127"/>
-                <a:ea typeface="나눔고딕" panose="020D0604000000000000" pitchFamily="50" charset="-127"/>
-              </a:rPr>
-              <a:t>실행 화면</a:t>
-            </a:r>
-            <a:endParaRPr lang="en-US" altLang="ko-KR" sz="1200" b="1" dirty="0">
-              <a:latin typeface="나눔고딕" panose="020D0604000000000000" pitchFamily="50" charset="-127"/>
-              <a:ea typeface="나눔고딕" panose="020D0604000000000000" pitchFamily="50" charset="-127"/>
-            </a:endParaRPr>
-          </a:p>
-          <a:p>
-            <a:pPr>
-              <a:lnSpc>
-                <a:spcPct val="150000"/>
-              </a:lnSpc>
-              <a:spcBef>
-                <a:spcPts val="120"/>
-              </a:spcBef>
-            </a:pPr>
-            <a:r>
-              <a:rPr lang="ko-KR" altLang="en-US" sz="1600" b="1" dirty="0">
-                <a:latin typeface="나눔고딕" panose="020D0604000000000000" pitchFamily="50" charset="-127"/>
-                <a:ea typeface="나눔고딕" panose="020D0604000000000000" pitchFamily="50" charset="-127"/>
-              </a:rPr>
-              <a:t>◆ </a:t>
-            </a:r>
-            <a:r>
-              <a:rPr lang="ko-KR" altLang="en-US" sz="1600" b="1" dirty="0" smtClean="0">
-                <a:latin typeface="나눔고딕" panose="020D0604000000000000" pitchFamily="50" charset="-127"/>
-                <a:ea typeface="나눔고딕" panose="020D0604000000000000" pitchFamily="50" charset="-127"/>
-              </a:rPr>
-              <a:t>장바구니</a:t>
-            </a:r>
-            <a:endParaRPr lang="en-US" altLang="ko-KR" sz="1600" b="1" dirty="0" smtClean="0">
-              <a:latin typeface="나눔고딕" panose="020D0604000000000000" pitchFamily="50" charset="-127"/>
-              <a:ea typeface="나눔고딕" panose="020D0604000000000000" pitchFamily="50" charset="-127"/>
-            </a:endParaRPr>
-          </a:p>
-          <a:p>
-            <a:pPr>
-              <a:spcBef>
-                <a:spcPts val="120"/>
-              </a:spcBef>
-            </a:pPr>
-            <a:r>
-              <a:rPr lang="en-US" altLang="ko-KR" sz="1600" b="1" dirty="0">
-                <a:latin typeface="나눔고딕" panose="020D0604000000000000" pitchFamily="50" charset="-127"/>
-                <a:ea typeface="나눔고딕" panose="020D0604000000000000" pitchFamily="50" charset="-127"/>
-              </a:rPr>
-              <a:t>	</a:t>
-            </a:r>
-            <a:r>
-              <a:rPr lang="ko-KR" altLang="en-US" sz="1200" b="1" dirty="0">
-                <a:latin typeface="나눔고딕" panose="020D0604000000000000" pitchFamily="50" charset="-127"/>
-                <a:ea typeface="나눔고딕" panose="020D0604000000000000" pitchFamily="50" charset="-127"/>
-              </a:rPr>
-              <a:t>▶ </a:t>
-            </a:r>
-            <a:r>
-              <a:rPr lang="ko-KR" altLang="en-US" sz="1200" b="1" dirty="0" smtClean="0">
-                <a:latin typeface="나눔고딕" panose="020D0604000000000000" pitchFamily="50" charset="-127"/>
-                <a:ea typeface="나눔고딕" panose="020D0604000000000000" pitchFamily="50" charset="-127"/>
-              </a:rPr>
-              <a:t>장바구니 </a:t>
-            </a:r>
-            <a:r>
-              <a:rPr lang="ko-KR" altLang="en-US" sz="1200" b="1" dirty="0">
-                <a:latin typeface="나눔고딕" panose="020D0604000000000000" pitchFamily="50" charset="-127"/>
-                <a:ea typeface="나눔고딕" panose="020D0604000000000000" pitchFamily="50" charset="-127"/>
-              </a:rPr>
-              <a:t>조회 소스 </a:t>
-            </a:r>
-            <a:r>
-              <a:rPr lang="ko-KR" altLang="en-US" sz="1200" b="1" dirty="0" smtClean="0">
-                <a:latin typeface="나눔고딕" panose="020D0604000000000000" pitchFamily="50" charset="-127"/>
-                <a:ea typeface="나눔고딕" panose="020D0604000000000000" pitchFamily="50" charset="-127"/>
-              </a:rPr>
-              <a:t>파일 </a:t>
-            </a:r>
-            <a:r>
-              <a:rPr lang="en-US" altLang="ko-KR" sz="1200" b="1" dirty="0" smtClean="0">
-                <a:latin typeface="나눔고딕" panose="020D0604000000000000" pitchFamily="50" charset="-127"/>
-                <a:ea typeface="나눔고딕" panose="020D0604000000000000" pitchFamily="50" charset="-127"/>
-              </a:rPr>
-              <a:t>/ </a:t>
-            </a:r>
-            <a:r>
-              <a:rPr lang="ko-KR" altLang="en-US" sz="1200" b="1" dirty="0" smtClean="0">
-                <a:latin typeface="나눔고딕" panose="020D0604000000000000" pitchFamily="50" charset="-127"/>
-                <a:ea typeface="나눔고딕" panose="020D0604000000000000" pitchFamily="50" charset="-127"/>
-              </a:rPr>
-              <a:t>장바구니 추가 소스 파일 </a:t>
-            </a:r>
-            <a:r>
-              <a:rPr lang="en-US" altLang="ko-KR" sz="1200" b="1" dirty="0" smtClean="0">
-                <a:latin typeface="나눔고딕" panose="020D0604000000000000" pitchFamily="50" charset="-127"/>
-                <a:ea typeface="나눔고딕" panose="020D0604000000000000" pitchFamily="50" charset="-127"/>
-              </a:rPr>
-              <a:t>/ </a:t>
-            </a:r>
-            <a:r>
-              <a:rPr lang="ko-KR" altLang="en-US" sz="1200" b="1" dirty="0" smtClean="0">
-                <a:latin typeface="나눔고딕" panose="020D0604000000000000" pitchFamily="50" charset="-127"/>
-                <a:ea typeface="나눔고딕" panose="020D0604000000000000" pitchFamily="50" charset="-127"/>
-              </a:rPr>
-              <a:t>실행 화면</a:t>
-            </a:r>
-            <a:endParaRPr lang="en-US" altLang="ko-KR" sz="1200" b="1" dirty="0" smtClean="0">
-              <a:latin typeface="나눔고딕" panose="020D0604000000000000" pitchFamily="50" charset="-127"/>
-              <a:ea typeface="나눔고딕" panose="020D0604000000000000" pitchFamily="50" charset="-127"/>
-            </a:endParaRPr>
-          </a:p>
-          <a:p>
-            <a:pPr>
-              <a:lnSpc>
-                <a:spcPct val="150000"/>
-              </a:lnSpc>
-              <a:spcBef>
-                <a:spcPts val="120"/>
-              </a:spcBef>
-            </a:pPr>
-            <a:r>
-              <a:rPr lang="ko-KR" altLang="en-US" sz="1600" b="1" dirty="0">
-                <a:latin typeface="나눔고딕" panose="020D0604000000000000" pitchFamily="50" charset="-127"/>
-                <a:ea typeface="나눔고딕" panose="020D0604000000000000" pitchFamily="50" charset="-127"/>
-              </a:rPr>
-              <a:t>◆ </a:t>
-            </a:r>
-            <a:r>
-              <a:rPr lang="ko-KR" altLang="en-US" sz="1600" b="1" dirty="0" smtClean="0">
-                <a:latin typeface="나눔고딕" panose="020D0604000000000000" pitchFamily="50" charset="-127"/>
-                <a:ea typeface="나눔고딕" panose="020D0604000000000000" pitchFamily="50" charset="-127"/>
-              </a:rPr>
-              <a:t>주문</a:t>
-            </a:r>
-            <a:endParaRPr lang="en-US" altLang="ko-KR" sz="1600" b="1" dirty="0" smtClean="0">
-              <a:latin typeface="나눔고딕" panose="020D0604000000000000" pitchFamily="50" charset="-127"/>
-              <a:ea typeface="나눔고딕" panose="020D0604000000000000" pitchFamily="50" charset="-127"/>
-            </a:endParaRPr>
-          </a:p>
-          <a:p>
-            <a:pPr>
-              <a:spcBef>
-                <a:spcPts val="120"/>
-              </a:spcBef>
-            </a:pPr>
-            <a:r>
-              <a:rPr lang="en-US" altLang="ko-KR" sz="1600" b="1" dirty="0">
-                <a:latin typeface="나눔고딕" panose="020D0604000000000000" pitchFamily="50" charset="-127"/>
-                <a:ea typeface="나눔고딕" panose="020D0604000000000000" pitchFamily="50" charset="-127"/>
-              </a:rPr>
-              <a:t>	</a:t>
-            </a:r>
-            <a:r>
-              <a:rPr lang="ko-KR" altLang="en-US" sz="1200" b="1" dirty="0">
-                <a:latin typeface="나눔고딕" panose="020D0604000000000000" pitchFamily="50" charset="-127"/>
-                <a:ea typeface="나눔고딕" panose="020D0604000000000000" pitchFamily="50" charset="-127"/>
-              </a:rPr>
-              <a:t>▶ 상품 주문 소스 </a:t>
-            </a:r>
-            <a:r>
-              <a:rPr lang="ko-KR" altLang="en-US" sz="1200" b="1" dirty="0" smtClean="0">
-                <a:latin typeface="나눔고딕" panose="020D0604000000000000" pitchFamily="50" charset="-127"/>
-                <a:ea typeface="나눔고딕" panose="020D0604000000000000" pitchFamily="50" charset="-127"/>
-              </a:rPr>
-              <a:t>파일 </a:t>
-            </a:r>
-            <a:r>
-              <a:rPr lang="en-US" altLang="ko-KR" sz="1200" b="1" dirty="0" smtClean="0">
-                <a:latin typeface="나눔고딕" panose="020D0604000000000000" pitchFamily="50" charset="-127"/>
-                <a:ea typeface="나눔고딕" panose="020D0604000000000000" pitchFamily="50" charset="-127"/>
-              </a:rPr>
-              <a:t>/ </a:t>
-            </a:r>
-            <a:r>
-              <a:rPr lang="ko-KR" altLang="en-US" sz="1200" b="1" dirty="0" smtClean="0">
-                <a:latin typeface="나눔고딕" panose="020D0604000000000000" pitchFamily="50" charset="-127"/>
-                <a:ea typeface="나눔고딕" panose="020D0604000000000000" pitchFamily="50" charset="-127"/>
-              </a:rPr>
-              <a:t>실행 화면</a:t>
-            </a:r>
-            <a:endParaRPr lang="en-US" altLang="ko-KR" sz="1200" b="1" dirty="0" smtClean="0">
-              <a:latin typeface="나눔고딕" panose="020D0604000000000000" pitchFamily="50" charset="-127"/>
-              <a:ea typeface="나눔고딕" panose="020D0604000000000000" pitchFamily="50" charset="-127"/>
-            </a:endParaRPr>
-          </a:p>
-          <a:p>
-            <a:pPr>
-              <a:lnSpc>
-                <a:spcPct val="150000"/>
-              </a:lnSpc>
-              <a:spcBef>
-                <a:spcPts val="120"/>
-              </a:spcBef>
-            </a:pPr>
-            <a:r>
-              <a:rPr lang="ko-KR" altLang="en-US" sz="1600" b="1" dirty="0">
-                <a:latin typeface="나눔고딕" panose="020D0604000000000000" pitchFamily="50" charset="-127"/>
-                <a:ea typeface="나눔고딕" panose="020D0604000000000000" pitchFamily="50" charset="-127"/>
-              </a:rPr>
-              <a:t>◆ </a:t>
-            </a:r>
-            <a:r>
-              <a:rPr lang="ko-KR" altLang="en-US" sz="1600" b="1" dirty="0" smtClean="0">
-                <a:latin typeface="나눔고딕" panose="020D0604000000000000" pitchFamily="50" charset="-127"/>
-                <a:ea typeface="나눔고딕" panose="020D0604000000000000" pitchFamily="50" charset="-127"/>
-              </a:rPr>
-              <a:t>마이 페이지</a:t>
-            </a:r>
-            <a:endParaRPr lang="en-US" altLang="ko-KR" sz="1600" b="1" dirty="0" smtClean="0">
-              <a:latin typeface="나눔고딕" panose="020D0604000000000000" pitchFamily="50" charset="-127"/>
-              <a:ea typeface="나눔고딕" panose="020D0604000000000000" pitchFamily="50" charset="-127"/>
-            </a:endParaRPr>
-          </a:p>
-          <a:p>
-            <a:pPr>
-              <a:spcBef>
-                <a:spcPts val="120"/>
-              </a:spcBef>
-            </a:pPr>
-            <a:r>
-              <a:rPr lang="en-US" altLang="ko-KR" sz="1600" b="1" dirty="0">
-                <a:latin typeface="나눔고딕" panose="020D0604000000000000" pitchFamily="50" charset="-127"/>
-                <a:ea typeface="나눔고딕" panose="020D0604000000000000" pitchFamily="50" charset="-127"/>
-              </a:rPr>
-              <a:t>	</a:t>
-            </a:r>
-            <a:r>
-              <a:rPr lang="ko-KR" altLang="en-US" sz="1200" b="1" dirty="0">
-                <a:latin typeface="나눔고딕" panose="020D0604000000000000" pitchFamily="50" charset="-127"/>
-                <a:ea typeface="나눔고딕" panose="020D0604000000000000" pitchFamily="50" charset="-127"/>
-              </a:rPr>
-              <a:t>▶ </a:t>
-            </a:r>
-            <a:r>
-              <a:rPr lang="ko-KR" altLang="en-US" sz="1200" b="1" dirty="0" smtClean="0">
-                <a:latin typeface="나눔고딕" panose="020D0604000000000000" pitchFamily="50" charset="-127"/>
-                <a:ea typeface="나눔고딕" panose="020D0604000000000000" pitchFamily="50" charset="-127"/>
-              </a:rPr>
-              <a:t>주문내역 </a:t>
-            </a:r>
-            <a:r>
-              <a:rPr lang="ko-KR" altLang="en-US" sz="1200" b="1" dirty="0">
-                <a:latin typeface="나눔고딕" panose="020D0604000000000000" pitchFamily="50" charset="-127"/>
-                <a:ea typeface="나눔고딕" panose="020D0604000000000000" pitchFamily="50" charset="-127"/>
-              </a:rPr>
-              <a:t>조회 소스 </a:t>
-            </a:r>
-            <a:r>
-              <a:rPr lang="ko-KR" altLang="en-US" sz="1200" b="1" dirty="0" smtClean="0">
-                <a:latin typeface="나눔고딕" panose="020D0604000000000000" pitchFamily="50" charset="-127"/>
-                <a:ea typeface="나눔고딕" panose="020D0604000000000000" pitchFamily="50" charset="-127"/>
-              </a:rPr>
-              <a:t>파일 </a:t>
-            </a:r>
-            <a:r>
-              <a:rPr lang="en-US" altLang="ko-KR" sz="1200" b="1" dirty="0" smtClean="0">
-                <a:latin typeface="나눔고딕" panose="020D0604000000000000" pitchFamily="50" charset="-127"/>
-                <a:ea typeface="나눔고딕" panose="020D0604000000000000" pitchFamily="50" charset="-127"/>
-              </a:rPr>
-              <a:t>/ </a:t>
-            </a:r>
-            <a:r>
-              <a:rPr lang="ko-KR" altLang="en-US" sz="1200" b="1" dirty="0" smtClean="0">
-                <a:latin typeface="나눔고딕" panose="020D0604000000000000" pitchFamily="50" charset="-127"/>
-                <a:ea typeface="나눔고딕" panose="020D0604000000000000" pitchFamily="50" charset="-127"/>
-              </a:rPr>
-              <a:t>실행 화면</a:t>
-            </a:r>
-            <a:endParaRPr lang="ko-KR" altLang="en-US" sz="1200" b="1" dirty="0">
-              <a:latin typeface="나눔고딕" panose="020D0604000000000000" pitchFamily="50" charset="-127"/>
-              <a:ea typeface="나눔고딕" panose="020D0604000000000000" pitchFamily="50" charset="-127"/>
-            </a:endParaRPr>
-          </a:p>
-        </p:txBody>
-      </p:sp>
-    </p:spTree>
-    <p:extLst>
-      <p:ext uri="{BB962C8B-B14F-4D97-AF65-F5344CB8AC3E}">
-        <p14:creationId xmlns:p14="http://schemas.microsoft.com/office/powerpoint/2010/main" val="2818428484"/>
-      </p:ext>
-    </p:extLst>
-  </p:cSld>
-  <p:clrMapOvr>
-    <a:masterClrMapping/>
-  </p:clrMapOvr>
-</p:sld>
-</file>
-
-<file path=ppt/slides/slide20.xml><?xml version="1.0" encoding="utf-8"?>
+<file path=ppt/slides/slide21.xml><?xml version="1.0" encoding="utf-8"?>
 <p:sld xmlns:a="http://schemas.openxmlformats.org/drawingml/2006/main" xmlns:r="http://schemas.openxmlformats.org/officeDocument/2006/relationships" xmlns:p="http://schemas.openxmlformats.org/presentationml/2006/main">
   <p:cSld>
     <p:spTree>
@@ -16464,487 +16926,6 @@
 </p:sld>
 </file>
 
-<file path=ppt/slides/slide21.xml><?xml version="1.0" encoding="utf-8"?>
-<p:sld xmlns:a="http://schemas.openxmlformats.org/drawingml/2006/main" xmlns:r="http://schemas.openxmlformats.org/officeDocument/2006/relationships" xmlns:p="http://schemas.openxmlformats.org/presentationml/2006/main">
-  <p:cSld>
-    <p:spTree>
-      <p:nvGrpSpPr>
-        <p:cNvPr id="1" name=""/>
-        <p:cNvGrpSpPr/>
-        <p:nvPr/>
-      </p:nvGrpSpPr>
-      <p:grpSpPr>
-        <a:xfrm>
-          <a:off x="0" y="0"/>
-          <a:ext cx="0" cy="0"/>
-          <a:chOff x="0" y="0"/>
-          <a:chExt cx="0" cy="0"/>
-        </a:xfrm>
-      </p:grpSpPr>
-      <p:sp>
-        <p:nvSpPr>
-          <p:cNvPr id="4" name="TextBox 3"/>
-          <p:cNvSpPr txBox="1"/>
-          <p:nvPr/>
-        </p:nvSpPr>
-        <p:spPr>
-          <a:xfrm>
-            <a:off x="1609648" y="652588"/>
-            <a:ext cx="5654112" cy="646331"/>
-          </a:xfrm>
-          <a:prstGeom prst="rect">
-            <a:avLst/>
-          </a:prstGeom>
-          <a:noFill/>
-        </p:spPr>
-        <p:txBody>
-          <a:bodyPr wrap="none" rtlCol="0">
-            <a:spAutoFit/>
-          </a:bodyPr>
-          <a:lstStyle/>
-          <a:p>
-            <a:r>
-              <a:rPr lang="ko-KR" altLang="en-US" sz="3600" b="1" dirty="0" smtClean="0">
-                <a:ln w="12700">
-                  <a:solidFill>
-                    <a:sysClr val="windowText" lastClr="000000"/>
-                  </a:solidFill>
-                </a:ln>
-                <a:latin typeface="나눔고딕" panose="020D0604000000000000" pitchFamily="50" charset="-127"/>
-                <a:ea typeface="나눔고딕" panose="020D0604000000000000" pitchFamily="50" charset="-127"/>
-              </a:rPr>
-              <a:t>메인 페이지</a:t>
-            </a:r>
-            <a:r>
-              <a:rPr lang="en-US" altLang="ko-KR" sz="2400" dirty="0" smtClean="0">
-                <a:ln w="12700">
-                  <a:solidFill>
-                    <a:sysClr val="windowText" lastClr="000000"/>
-                  </a:solidFill>
-                </a:ln>
-                <a:latin typeface="나눔고딕" panose="020D0604000000000000" pitchFamily="50" charset="-127"/>
-                <a:ea typeface="나눔고딕" panose="020D0604000000000000" pitchFamily="50" charset="-127"/>
-              </a:rPr>
-              <a:t> (</a:t>
-            </a:r>
-            <a:r>
-              <a:rPr lang="ko-KR" altLang="en-US" sz="2400" dirty="0" smtClean="0">
-                <a:ln w="12700">
-                  <a:solidFill>
-                    <a:sysClr val="windowText" lastClr="000000"/>
-                  </a:solidFill>
-                </a:ln>
-                <a:latin typeface="나눔고딕" panose="020D0604000000000000" pitchFamily="50" charset="-127"/>
-                <a:ea typeface="나눔고딕" panose="020D0604000000000000" pitchFamily="50" charset="-127"/>
-              </a:rPr>
-              <a:t>메인 페이지 실행 화면</a:t>
-            </a:r>
-            <a:r>
-              <a:rPr lang="en-US" altLang="ko-KR" sz="2400" dirty="0" smtClean="0">
-                <a:ln w="12700">
-                  <a:solidFill>
-                    <a:sysClr val="windowText" lastClr="000000"/>
-                  </a:solidFill>
-                </a:ln>
-                <a:latin typeface="나눔고딕" panose="020D0604000000000000" pitchFamily="50" charset="-127"/>
-                <a:ea typeface="나눔고딕" panose="020D0604000000000000" pitchFamily="50" charset="-127"/>
-              </a:rPr>
-              <a:t>)</a:t>
-            </a:r>
-            <a:endParaRPr lang="ko-KR" altLang="en-US" sz="3600" dirty="0">
-              <a:ln w="12700">
-                <a:solidFill>
-                  <a:sysClr val="windowText" lastClr="000000"/>
-                </a:solidFill>
-              </a:ln>
-              <a:latin typeface="나눔고딕" panose="020D0604000000000000" pitchFamily="50" charset="-127"/>
-              <a:ea typeface="나눔고딕" panose="020D0604000000000000" pitchFamily="50" charset="-127"/>
-            </a:endParaRPr>
-          </a:p>
-        </p:txBody>
-      </p:sp>
-      <p:pic>
-        <p:nvPicPr>
-          <p:cNvPr id="2" name="그림 1"/>
-          <p:cNvPicPr>
-            <a:picLocks noChangeAspect="1"/>
-          </p:cNvPicPr>
-          <p:nvPr/>
-        </p:nvPicPr>
-        <p:blipFill>
-          <a:blip r:embed="rId2">
-            <a:extLst>
-              <a:ext uri="{28A0092B-C50C-407E-A947-70E740481C1C}">
-                <a14:useLocalDpi xmlns:a14="http://schemas.microsoft.com/office/drawing/2010/main" val="0"/>
-              </a:ext>
-            </a:extLst>
-          </a:blip>
-          <a:stretch>
-            <a:fillRect/>
-          </a:stretch>
-        </p:blipFill>
-        <p:spPr>
-          <a:xfrm>
-            <a:off x="4822141" y="1524000"/>
-            <a:ext cx="6891118" cy="4895850"/>
-          </a:xfrm>
-          <a:prstGeom prst="rect">
-            <a:avLst/>
-          </a:prstGeom>
-          <a:ln w="28575">
-            <a:solidFill>
-              <a:srgbClr val="FF0000"/>
-            </a:solidFill>
-          </a:ln>
-        </p:spPr>
-      </p:pic>
-      <p:pic>
-        <p:nvPicPr>
-          <p:cNvPr id="6" name="그림 5"/>
-          <p:cNvPicPr>
-            <a:picLocks noChangeAspect="1"/>
-          </p:cNvPicPr>
-          <p:nvPr/>
-        </p:nvPicPr>
-        <p:blipFill rotWithShape="1">
-          <a:blip r:embed="rId3">
-            <a:extLst>
-              <a:ext uri="{28A0092B-C50C-407E-A947-70E740481C1C}">
-                <a14:useLocalDpi xmlns:a14="http://schemas.microsoft.com/office/drawing/2010/main" val="0"/>
-              </a:ext>
-            </a:extLst>
-          </a:blip>
-          <a:srcRect t="5654" b="2756"/>
-          <a:stretch/>
-        </p:blipFill>
-        <p:spPr>
-          <a:xfrm>
-            <a:off x="1385887" y="1866899"/>
-            <a:ext cx="1764507" cy="2493541"/>
-          </a:xfrm>
-          <a:prstGeom prst="rect">
-            <a:avLst/>
-          </a:prstGeom>
-          <a:ln w="28575">
-            <a:solidFill>
-              <a:srgbClr val="FF0000"/>
-            </a:solidFill>
-          </a:ln>
-        </p:spPr>
-      </p:pic>
-      <p:pic>
-        <p:nvPicPr>
-          <p:cNvPr id="8" name="그림 7"/>
-          <p:cNvPicPr>
-            <a:picLocks noChangeAspect="1"/>
-          </p:cNvPicPr>
-          <p:nvPr/>
-        </p:nvPicPr>
-        <p:blipFill>
-          <a:blip r:embed="rId4"/>
-          <a:stretch>
-            <a:fillRect/>
-          </a:stretch>
-        </p:blipFill>
-        <p:spPr>
-          <a:xfrm>
-            <a:off x="1385886" y="4898780"/>
-            <a:ext cx="1764000" cy="1535821"/>
-          </a:xfrm>
-          <a:prstGeom prst="rect">
-            <a:avLst/>
-          </a:prstGeom>
-          <a:ln w="28575">
-            <a:solidFill>
-              <a:srgbClr val="FF0000"/>
-            </a:solidFill>
-          </a:ln>
-        </p:spPr>
-      </p:pic>
-      <p:sp>
-        <p:nvSpPr>
-          <p:cNvPr id="25" name="TextBox 24">
-            <a:extLst>
-              <a:ext uri="{FF2B5EF4-FFF2-40B4-BE49-F238E27FC236}">
-                <a16:creationId xmlns:a16="http://schemas.microsoft.com/office/drawing/2014/main" id="{DDF03BC5-DD7B-457D-9EE7-7A387FFDEECC}"/>
-              </a:ext>
-            </a:extLst>
-          </p:cNvPr>
-          <p:cNvSpPr txBox="1"/>
-          <p:nvPr/>
-        </p:nvSpPr>
-        <p:spPr>
-          <a:xfrm>
-            <a:off x="1371598" y="4554615"/>
-            <a:ext cx="1789200" cy="261610"/>
-          </a:xfrm>
-          <a:prstGeom prst="rect">
-            <a:avLst/>
-          </a:prstGeom>
-          <a:solidFill>
-            <a:schemeClr val="bg1"/>
-          </a:solidFill>
-          <a:ln w="28575">
-            <a:solidFill>
-              <a:srgbClr val="FF0000"/>
-            </a:solidFill>
-          </a:ln>
-        </p:spPr>
-        <p:txBody>
-          <a:bodyPr wrap="square" lIns="72000" rtlCol="0">
-            <a:spAutoFit/>
-          </a:bodyPr>
-          <a:lstStyle/>
-          <a:p>
-            <a:r>
-              <a:rPr lang="en-US" altLang="ko-KR" sz="1100" b="1" spc="-60" dirty="0" err="1" smtClean="0">
-                <a:latin typeface="나눔고딕" panose="020D0604000000000000" pitchFamily="50" charset="-127"/>
-                <a:ea typeface="나눔고딕" panose="020D0604000000000000" pitchFamily="50" charset="-127"/>
-              </a:rPr>
-              <a:t>side_menu</a:t>
-            </a:r>
-            <a:r>
-              <a:rPr lang="en-US" altLang="ko-KR" sz="1100" b="1" dirty="0" smtClean="0">
-                <a:latin typeface="나눔고딕" panose="020D0604000000000000" pitchFamily="50" charset="-127"/>
-                <a:ea typeface="나눔고딕" panose="020D0604000000000000" pitchFamily="50" charset="-127"/>
-              </a:rPr>
-              <a:t>==‘</a:t>
-            </a:r>
-            <a:r>
-              <a:rPr lang="en-US" altLang="ko-KR" sz="1100" b="1" spc="-60" dirty="0" err="1">
-                <a:latin typeface="나눔고딕" panose="020D0604000000000000" pitchFamily="50" charset="-127"/>
-                <a:ea typeface="나눔고딕" panose="020D0604000000000000" pitchFamily="50" charset="-127"/>
-              </a:rPr>
-              <a:t>admin_mode</a:t>
-            </a:r>
-            <a:r>
-              <a:rPr lang="en-US" altLang="ko-KR" sz="1100" b="1" spc="-60" dirty="0" smtClean="0">
-                <a:latin typeface="나눔고딕" panose="020D0604000000000000" pitchFamily="50" charset="-127"/>
-                <a:ea typeface="나눔고딕" panose="020D0604000000000000" pitchFamily="50" charset="-127"/>
-              </a:rPr>
-              <a:t>’</a:t>
-            </a:r>
-            <a:endParaRPr lang="ko-KR" altLang="en-US" sz="1100" b="1" spc="-60" dirty="0">
-              <a:latin typeface="나눔고딕" panose="020D0604000000000000" pitchFamily="50" charset="-127"/>
-              <a:ea typeface="나눔고딕" panose="020D0604000000000000" pitchFamily="50" charset="-127"/>
-            </a:endParaRPr>
-          </a:p>
-        </p:txBody>
-      </p:sp>
-      <p:sp>
-        <p:nvSpPr>
-          <p:cNvPr id="27" name="TextBox 26">
-            <a:extLst>
-              <a:ext uri="{FF2B5EF4-FFF2-40B4-BE49-F238E27FC236}">
-                <a16:creationId xmlns:a16="http://schemas.microsoft.com/office/drawing/2014/main" id="{21FC14FE-F1C3-40B7-A2D8-589F2FD7B3D4}"/>
-              </a:ext>
-            </a:extLst>
-          </p:cNvPr>
-          <p:cNvSpPr txBox="1"/>
-          <p:nvPr/>
-        </p:nvSpPr>
-        <p:spPr>
-          <a:xfrm>
-            <a:off x="3401411" y="1614846"/>
-            <a:ext cx="1542410" cy="261610"/>
-          </a:xfrm>
-          <a:prstGeom prst="rect">
-            <a:avLst/>
-          </a:prstGeom>
-          <a:solidFill>
-            <a:schemeClr val="bg1"/>
-          </a:solidFill>
-          <a:ln w="28575">
-            <a:solidFill>
-              <a:srgbClr val="FF0000"/>
-            </a:solidFill>
-          </a:ln>
-        </p:spPr>
-        <p:txBody>
-          <a:bodyPr wrap="none" rtlCol="0">
-            <a:spAutoFit/>
-          </a:bodyPr>
-          <a:lstStyle/>
-          <a:p>
-            <a:r>
-              <a:rPr lang="ko-KR" altLang="en-US" sz="1100" b="1" dirty="0">
-                <a:latin typeface="나눔고딕" panose="020D0604000000000000" pitchFamily="50" charset="-127"/>
-                <a:ea typeface="나눔고딕" panose="020D0604000000000000" pitchFamily="50" charset="-127"/>
-              </a:rPr>
-              <a:t>그 외 사용자 메뉴 표시</a:t>
-            </a:r>
-          </a:p>
-        </p:txBody>
-      </p:sp>
-      <p:sp>
-        <p:nvSpPr>
-          <p:cNvPr id="31" name="TextBox 30">
-            <a:extLst>
-              <a:ext uri="{FF2B5EF4-FFF2-40B4-BE49-F238E27FC236}">
-                <a16:creationId xmlns:a16="http://schemas.microsoft.com/office/drawing/2014/main" id="{DDF03BC5-DD7B-457D-9EE7-7A387FFDEECC}"/>
-              </a:ext>
-            </a:extLst>
-          </p:cNvPr>
-          <p:cNvSpPr txBox="1"/>
-          <p:nvPr/>
-        </p:nvSpPr>
-        <p:spPr>
-          <a:xfrm>
-            <a:off x="1371598" y="1493094"/>
-            <a:ext cx="1789200" cy="261610"/>
-          </a:xfrm>
-          <a:prstGeom prst="rect">
-            <a:avLst/>
-          </a:prstGeom>
-          <a:solidFill>
-            <a:schemeClr val="bg1"/>
-          </a:solidFill>
-          <a:ln w="28575">
-            <a:solidFill>
-              <a:srgbClr val="FF0000"/>
-            </a:solidFill>
-          </a:ln>
-        </p:spPr>
-        <p:txBody>
-          <a:bodyPr wrap="square" rtlCol="0">
-            <a:spAutoFit/>
-          </a:bodyPr>
-          <a:lstStyle/>
-          <a:p>
-            <a:r>
-              <a:rPr lang="en-US" altLang="ko-KR" sz="1100" b="1" dirty="0" err="1">
-                <a:latin typeface="나눔고딕" panose="020D0604000000000000" pitchFamily="50" charset="-127"/>
-                <a:ea typeface="나눔고딕" panose="020D0604000000000000" pitchFamily="50" charset="-127"/>
-              </a:rPr>
-              <a:t>side_menu</a:t>
-            </a:r>
-            <a:r>
-              <a:rPr lang="en-US" altLang="ko-KR" sz="1100" b="1" dirty="0">
-                <a:latin typeface="나눔고딕" panose="020D0604000000000000" pitchFamily="50" charset="-127"/>
-                <a:ea typeface="나눔고딕" panose="020D0604000000000000" pitchFamily="50" charset="-127"/>
-              </a:rPr>
-              <a:t>==‘</a:t>
-            </a:r>
-            <a:r>
-              <a:rPr lang="en-US" altLang="ko-KR" sz="1100" b="1" dirty="0" err="1">
-                <a:latin typeface="나눔고딕" panose="020D0604000000000000" pitchFamily="50" charset="-127"/>
-                <a:ea typeface="나눔고딕" panose="020D0604000000000000" pitchFamily="50" charset="-127"/>
-              </a:rPr>
-              <a:t>my_page</a:t>
-            </a:r>
-            <a:r>
-              <a:rPr lang="en-US" altLang="ko-KR" sz="1100" b="1" dirty="0" smtClean="0">
-                <a:latin typeface="나눔고딕" panose="020D0604000000000000" pitchFamily="50" charset="-127"/>
-                <a:ea typeface="나눔고딕" panose="020D0604000000000000" pitchFamily="50" charset="-127"/>
-              </a:rPr>
-              <a:t>’</a:t>
-            </a:r>
-            <a:endParaRPr lang="en-US" altLang="ko-KR" sz="1100" b="1" dirty="0">
-              <a:latin typeface="나눔고딕" panose="020D0604000000000000" pitchFamily="50" charset="-127"/>
-              <a:ea typeface="나눔고딕" panose="020D0604000000000000" pitchFamily="50" charset="-127"/>
-            </a:endParaRPr>
-          </a:p>
-        </p:txBody>
-      </p:sp>
-      <p:sp>
-        <p:nvSpPr>
-          <p:cNvPr id="9" name="직사각형 8"/>
-          <p:cNvSpPr/>
-          <p:nvPr/>
-        </p:nvSpPr>
-        <p:spPr>
-          <a:xfrm>
-            <a:off x="5003800" y="2201333"/>
-            <a:ext cx="1210733" cy="2413000"/>
-          </a:xfrm>
-          <a:prstGeom prst="rect">
-            <a:avLst/>
-          </a:prstGeom>
-          <a:noFill/>
-          <a:ln w="28575">
-            <a:solidFill>
-              <a:srgbClr val="FF0000"/>
-            </a:solidFill>
-            <a:prstDash val="sysDot"/>
-          </a:ln>
-        </p:spPr>
-        <p:style>
-          <a:lnRef idx="2">
-            <a:schemeClr val="accent1">
-              <a:shade val="50000"/>
-            </a:schemeClr>
-          </a:lnRef>
-          <a:fillRef idx="1">
-            <a:schemeClr val="accent1"/>
-          </a:fillRef>
-          <a:effectRef idx="0">
-            <a:schemeClr val="accent1"/>
-          </a:effectRef>
-          <a:fontRef idx="minor">
-            <a:schemeClr val="lt1"/>
-          </a:fontRef>
-        </p:style>
-        <p:txBody>
-          <a:bodyPr rtlCol="0" anchor="ctr"/>
-          <a:lstStyle/>
-          <a:p>
-            <a:pPr algn="ctr"/>
-            <a:endParaRPr lang="ko-KR" altLang="en-US"/>
-          </a:p>
-        </p:txBody>
-      </p:sp>
-      <p:cxnSp>
-        <p:nvCxnSpPr>
-          <p:cNvPr id="12" name="직선 화살표 연결선 11"/>
-          <p:cNvCxnSpPr>
-            <a:stCxn id="27" idx="2"/>
-          </p:cNvCxnSpPr>
-          <p:nvPr/>
-        </p:nvCxnSpPr>
-        <p:spPr>
-          <a:xfrm>
-            <a:off x="4172616" y="1876456"/>
-            <a:ext cx="831184" cy="1531377"/>
-          </a:xfrm>
-          <a:prstGeom prst="straightConnector1">
-            <a:avLst/>
-          </a:prstGeom>
-          <a:ln w="28575">
-            <a:solidFill>
-              <a:srgbClr val="FF0000"/>
-            </a:solidFill>
-            <a:prstDash val="solid"/>
-            <a:tailEnd type="triangle"/>
-          </a:ln>
-        </p:spPr>
-        <p:style>
-          <a:lnRef idx="1">
-            <a:schemeClr val="accent1"/>
-          </a:lnRef>
-          <a:fillRef idx="0">
-            <a:schemeClr val="accent1"/>
-          </a:fillRef>
-          <a:effectRef idx="0">
-            <a:schemeClr val="accent1"/>
-          </a:effectRef>
-          <a:fontRef idx="minor">
-            <a:schemeClr val="tx1"/>
-          </a:fontRef>
-        </p:style>
-      </p:cxnSp>
-    </p:spTree>
-    <p:extLst>
-      <p:ext uri="{BB962C8B-B14F-4D97-AF65-F5344CB8AC3E}">
-        <p14:creationId xmlns:p14="http://schemas.microsoft.com/office/powerpoint/2010/main" val="943208684"/>
-      </p:ext>
-    </p:extLst>
-  </p:cSld>
-  <p:clrMapOvr>
-    <a:masterClrMapping/>
-  </p:clrMapOvr>
-</p:sld>
-</file>
-
 <file path=ppt/slides/slide22.xml><?xml version="1.0" encoding="utf-8"?>
 <p:sld xmlns:a="http://schemas.openxmlformats.org/drawingml/2006/main" xmlns:r="http://schemas.openxmlformats.org/officeDocument/2006/relationships" xmlns:p="http://schemas.openxmlformats.org/presentationml/2006/main">
   <p:cSld>
@@ -16971,7 +16952,7 @@
         <p:spPr>
           <a:xfrm>
             <a:off x="1609648" y="652588"/>
-            <a:ext cx="4615366" cy="646331"/>
+            <a:ext cx="5654112" cy="646331"/>
           </a:xfrm>
           <a:prstGeom prst="rect">
             <a:avLst/>
@@ -17009,18 +16990,6 @@
               <a:t> (</a:t>
             </a:r>
             <a:r>
-              <a:rPr lang="ko-KR" altLang="en-US" sz="2400" dirty="0" err="1" smtClean="0">
-                <a:ln w="12700">
-                  <a:solidFill>
-                    <a:sysClr val="windowText" lastClr="000000"/>
-                  </a:solidFill>
-                </a:ln>
-                <a:latin typeface="나눔고딕" panose="020D0604000000000000" pitchFamily="50" charset="-127"/>
-                <a:ea typeface="나눔고딕" panose="020D0604000000000000" pitchFamily="50" charset="-127"/>
-              </a:rPr>
-              <a:t>빠른메뉴</a:t>
-            </a:r>
-            <a:r>
               <a:rPr lang="ko-KR" altLang="en-US" sz="2400" dirty="0" smtClean="0">
                 <a:ln w="12700">
                   <a:solidFill>
@@ -17030,7 +16999,7 @@
                 <a:latin typeface="나눔고딕" panose="020D0604000000000000" pitchFamily="50" charset="-127"/>
                 <a:ea typeface="나눔고딕" panose="020D0604000000000000" pitchFamily="50" charset="-127"/>
               </a:rPr>
-              <a:t> 소스</a:t>
+              <a:t>메인 페이지 실행 화면</a:t>
             </a:r>
             <a:r>
               <a:rPr lang="en-US" altLang="ko-KR" sz="2400" dirty="0" smtClean="0">
@@ -17065,15 +17034,21 @@
           <p:nvPr/>
         </p:nvPicPr>
         <p:blipFill>
-          <a:blip r:embed="rId2"/>
+          <a:blip r:embed="rId2">
+            <a:extLst>
+              <a:ext uri="{28A0092B-C50C-407E-A947-70E740481C1C}">
+                <a14:useLocalDpi xmlns:a14="http://schemas.microsoft.com/office/drawing/2010/main" val="0"/>
+              </a:ext>
+            </a:extLst>
+          </a:blip>
           <a:stretch>
             <a:fillRect/>
           </a:stretch>
         </p:blipFill>
         <p:spPr>
           <a:xfrm>
-            <a:off x="1345142" y="1454679"/>
-            <a:ext cx="7334250" cy="1781175"/>
+            <a:off x="4822141" y="1524000"/>
+            <a:ext cx="6891118" cy="4895850"/>
           </a:xfrm>
           <a:prstGeom prst="rect">
             <a:avLst/>
@@ -17085,16 +17060,264 @@
           </a:ln>
         </p:spPr>
       </p:pic>
+      <p:pic>
+        <p:nvPicPr>
+          <p:cNvPr id="6" name="그림 5"/>
+          <p:cNvPicPr>
+            <a:picLocks noChangeAspect="1"/>
+          </p:cNvPicPr>
+          <p:nvPr/>
+        </p:nvPicPr>
+        <p:blipFill rotWithShape="1">
+          <a:blip r:embed="rId3">
+            <a:extLst>
+              <a:ext uri="{28A0092B-C50C-407E-A947-70E740481C1C}">
+                <a14:useLocalDpi xmlns:a14="http://schemas.microsoft.com/office/drawing/2010/main" val="0"/>
+              </a:ext>
+            </a:extLst>
+          </a:blip>
+          <a:srcRect t="5654" b="2756"/>
+          <a:stretch/>
+        </p:blipFill>
+        <p:spPr>
+          <a:xfrm>
+            <a:off x="1385887" y="1866899"/>
+            <a:ext cx="1764507" cy="2493541"/>
+          </a:xfrm>
+          <a:prstGeom prst="rect">
+            <a:avLst/>
+          </a:prstGeom>
+          <a:ln w="28575">
+            <a:solidFill>
+              <a:srgbClr val="FF0000"/>
+            </a:solidFill>
+          </a:ln>
+        </p:spPr>
+      </p:pic>
+      <p:pic>
+        <p:nvPicPr>
+          <p:cNvPr id="8" name="그림 7"/>
+          <p:cNvPicPr>
+            <a:picLocks noChangeAspect="1"/>
+          </p:cNvPicPr>
+          <p:nvPr/>
+        </p:nvPicPr>
+        <p:blipFill>
+          <a:blip r:embed="rId4"/>
+          <a:stretch>
+            <a:fillRect/>
+          </a:stretch>
+        </p:blipFill>
+        <p:spPr>
+          <a:xfrm>
+            <a:off x="1385886" y="4898780"/>
+            <a:ext cx="1764000" cy="1535821"/>
+          </a:xfrm>
+          <a:prstGeom prst="rect">
+            <a:avLst/>
+          </a:prstGeom>
+          <a:ln w="28575">
+            <a:solidFill>
+              <a:srgbClr val="FF0000"/>
+            </a:solidFill>
+          </a:ln>
+        </p:spPr>
+      </p:pic>
       <p:sp>
         <p:nvSpPr>
-          <p:cNvPr id="6" name="직사각형 5"/>
+          <p:cNvPr id="25" name="TextBox 24">
+            <a:extLst>
+              <a:ext uri="{FF2B5EF4-FFF2-40B4-BE49-F238E27FC236}">
+                <a16:creationId xmlns:a16="http://schemas.microsoft.com/office/drawing/2014/main" id="{DDF03BC5-DD7B-457D-9EE7-7A387FFDEECC}"/>
+              </a:ext>
+            </a:extLst>
+          </p:cNvPr>
+          <p:cNvSpPr txBox="1"/>
+          <p:nvPr/>
+        </p:nvSpPr>
+        <p:spPr>
+          <a:xfrm>
+            <a:off x="1371598" y="4554615"/>
+            <a:ext cx="1789200" cy="261610"/>
+          </a:xfrm>
+          <a:prstGeom prst="rect">
+            <a:avLst/>
+          </a:prstGeom>
+          <a:solidFill>
+            <a:schemeClr val="bg1"/>
+          </a:solidFill>
+          <a:ln w="28575">
+            <a:solidFill>
+              <a:srgbClr val="FF0000"/>
+            </a:solidFill>
+          </a:ln>
+        </p:spPr>
+        <p:txBody>
+          <a:bodyPr wrap="square" lIns="72000" rtlCol="0">
+            <a:spAutoFit/>
+          </a:bodyPr>
+          <a:lstStyle/>
+          <a:p>
+            <a:r>
+              <a:rPr lang="en-US" altLang="ko-KR" sz="1100" b="1" spc="-60" dirty="0" err="1" smtClean="0">
+                <a:latin typeface="나눔고딕" panose="020D0604000000000000" pitchFamily="50" charset="-127"/>
+                <a:ea typeface="나눔고딕" panose="020D0604000000000000" pitchFamily="50" charset="-127"/>
+              </a:rPr>
+              <a:t>side_menu</a:t>
+            </a:r>
+            <a:r>
+              <a:rPr lang="en-US" altLang="ko-KR" sz="1100" b="1" dirty="0" smtClean="0">
+                <a:latin typeface="나눔고딕" panose="020D0604000000000000" pitchFamily="50" charset="-127"/>
+                <a:ea typeface="나눔고딕" panose="020D0604000000000000" pitchFamily="50" charset="-127"/>
+              </a:rPr>
+              <a:t>==‘</a:t>
+            </a:r>
+            <a:r>
+              <a:rPr lang="en-US" altLang="ko-KR" sz="1100" b="1" spc="-60" dirty="0" err="1">
+                <a:latin typeface="나눔고딕" panose="020D0604000000000000" pitchFamily="50" charset="-127"/>
+                <a:ea typeface="나눔고딕" panose="020D0604000000000000" pitchFamily="50" charset="-127"/>
+              </a:rPr>
+              <a:t>admin_mode</a:t>
+            </a:r>
+            <a:r>
+              <a:rPr lang="en-US" altLang="ko-KR" sz="1100" b="1" spc="-60" dirty="0" smtClean="0">
+                <a:latin typeface="나눔고딕" panose="020D0604000000000000" pitchFamily="50" charset="-127"/>
+                <a:ea typeface="나눔고딕" panose="020D0604000000000000" pitchFamily="50" charset="-127"/>
+              </a:rPr>
+              <a:t>’</a:t>
+            </a:r>
+            <a:endParaRPr lang="ko-KR" altLang="en-US" sz="1100" b="1" spc="-60" dirty="0">
+              <a:latin typeface="나눔고딕" panose="020D0604000000000000" pitchFamily="50" charset="-127"/>
+              <a:ea typeface="나눔고딕" panose="020D0604000000000000" pitchFamily="50" charset="-127"/>
+            </a:endParaRPr>
+          </a:p>
+        </p:txBody>
+      </p:sp>
+      <p:sp>
+        <p:nvSpPr>
+          <p:cNvPr id="27" name="TextBox 26">
+            <a:extLst>
+              <a:ext uri="{FF2B5EF4-FFF2-40B4-BE49-F238E27FC236}">
+                <a16:creationId xmlns:a16="http://schemas.microsoft.com/office/drawing/2014/main" id="{21FC14FE-F1C3-40B7-A2D8-589F2FD7B3D4}"/>
+              </a:ext>
+            </a:extLst>
+          </p:cNvPr>
+          <p:cNvSpPr txBox="1"/>
+          <p:nvPr/>
+        </p:nvSpPr>
+        <p:spPr>
+          <a:xfrm>
+            <a:off x="3401411" y="1614846"/>
+            <a:ext cx="1542410" cy="261610"/>
+          </a:xfrm>
+          <a:prstGeom prst="rect">
+            <a:avLst/>
+          </a:prstGeom>
+          <a:solidFill>
+            <a:schemeClr val="bg1"/>
+          </a:solidFill>
+          <a:ln w="28575">
+            <a:solidFill>
+              <a:srgbClr val="FF0000"/>
+            </a:solidFill>
+          </a:ln>
+        </p:spPr>
+        <p:txBody>
+          <a:bodyPr wrap="none" rtlCol="0">
+            <a:spAutoFit/>
+          </a:bodyPr>
+          <a:lstStyle/>
+          <a:p>
+            <a:r>
+              <a:rPr lang="ko-KR" altLang="en-US" sz="1100" b="1" dirty="0">
+                <a:latin typeface="나눔고딕" panose="020D0604000000000000" pitchFamily="50" charset="-127"/>
+                <a:ea typeface="나눔고딕" panose="020D0604000000000000" pitchFamily="50" charset="-127"/>
+              </a:rPr>
+              <a:t>그 외 사용자 메뉴 표시</a:t>
+            </a:r>
+          </a:p>
+        </p:txBody>
+      </p:sp>
+      <p:sp>
+        <p:nvSpPr>
+          <p:cNvPr id="31" name="TextBox 30">
+            <a:extLst>
+              <a:ext uri="{FF2B5EF4-FFF2-40B4-BE49-F238E27FC236}">
+                <a16:creationId xmlns:a16="http://schemas.microsoft.com/office/drawing/2014/main" id="{DDF03BC5-DD7B-457D-9EE7-7A387FFDEECC}"/>
+              </a:ext>
+            </a:extLst>
+          </p:cNvPr>
+          <p:cNvSpPr txBox="1"/>
+          <p:nvPr/>
+        </p:nvSpPr>
+        <p:spPr>
+          <a:xfrm>
+            <a:off x="1371598" y="1493094"/>
+            <a:ext cx="1789200" cy="261610"/>
+          </a:xfrm>
+          <a:prstGeom prst="rect">
+            <a:avLst/>
+          </a:prstGeom>
+          <a:solidFill>
+            <a:schemeClr val="bg1"/>
+          </a:solidFill>
+          <a:ln w="28575">
+            <a:solidFill>
+              <a:srgbClr val="FF0000"/>
+            </a:solidFill>
+          </a:ln>
+        </p:spPr>
+        <p:txBody>
+          <a:bodyPr wrap="square" rtlCol="0">
+            <a:spAutoFit/>
+          </a:bodyPr>
+          <a:lstStyle/>
+          <a:p>
+            <a:r>
+              <a:rPr lang="en-US" altLang="ko-KR" sz="1100" b="1" dirty="0" err="1">
+                <a:latin typeface="나눔고딕" panose="020D0604000000000000" pitchFamily="50" charset="-127"/>
+                <a:ea typeface="나눔고딕" panose="020D0604000000000000" pitchFamily="50" charset="-127"/>
+              </a:rPr>
+              <a:t>side_menu</a:t>
+            </a:r>
+            <a:r>
+              <a:rPr lang="en-US" altLang="ko-KR" sz="1100" b="1" dirty="0">
+                <a:latin typeface="나눔고딕" panose="020D0604000000000000" pitchFamily="50" charset="-127"/>
+                <a:ea typeface="나눔고딕" panose="020D0604000000000000" pitchFamily="50" charset="-127"/>
+              </a:rPr>
+              <a:t>==‘</a:t>
+            </a:r>
+            <a:r>
+              <a:rPr lang="en-US" altLang="ko-KR" sz="1100" b="1" dirty="0" err="1">
+                <a:latin typeface="나눔고딕" panose="020D0604000000000000" pitchFamily="50" charset="-127"/>
+                <a:ea typeface="나눔고딕" panose="020D0604000000000000" pitchFamily="50" charset="-127"/>
+              </a:rPr>
+              <a:t>my_page</a:t>
+            </a:r>
+            <a:r>
+              <a:rPr lang="en-US" altLang="ko-KR" sz="1100" b="1" dirty="0" smtClean="0">
+                <a:latin typeface="나눔고딕" panose="020D0604000000000000" pitchFamily="50" charset="-127"/>
+                <a:ea typeface="나눔고딕" panose="020D0604000000000000" pitchFamily="50" charset="-127"/>
+              </a:rPr>
+              <a:t>’</a:t>
+            </a:r>
+            <a:endParaRPr lang="en-US" altLang="ko-KR" sz="1100" b="1" dirty="0">
+              <a:latin typeface="나눔고딕" panose="020D0604000000000000" pitchFamily="50" charset="-127"/>
+              <a:ea typeface="나눔고딕" panose="020D0604000000000000" pitchFamily="50" charset="-127"/>
+            </a:endParaRPr>
+          </a:p>
+        </p:txBody>
+      </p:sp>
+      <p:sp>
+        <p:nvSpPr>
+          <p:cNvPr id="9" name="직사각형 8"/>
           <p:cNvSpPr/>
           <p:nvPr/>
         </p:nvSpPr>
         <p:spPr>
           <a:xfrm>
-            <a:off x="1685925" y="2609850"/>
-            <a:ext cx="3326342" cy="304800"/>
+            <a:off x="5003800" y="2201333"/>
+            <a:ext cx="1210733" cy="2413000"/>
           </a:xfrm>
           <a:prstGeom prst="rect">
             <a:avLst/>
@@ -17132,102 +17355,27 @@
           </a:p>
         </p:txBody>
       </p:sp>
-      <p:pic>
-        <p:nvPicPr>
-          <p:cNvPr id="8" name="그림 7"/>
-          <p:cNvPicPr>
-            <a:picLocks noChangeAspect="1"/>
-          </p:cNvPicPr>
-          <p:nvPr/>
-        </p:nvPicPr>
-        <p:blipFill>
-          <a:blip r:embed="rId3"/>
-          <a:stretch>
-            <a:fillRect/>
-          </a:stretch>
-        </p:blipFill>
-        <p:spPr>
-          <a:xfrm>
-            <a:off x="6038850" y="2345266"/>
-            <a:ext cx="5619750" cy="3971925"/>
-          </a:xfrm>
-          <a:prstGeom prst="rect">
+      <p:cxnSp>
+        <p:nvCxnSpPr>
+          <p:cNvPr id="12" name="직선 화살표 연결선 11"/>
+          <p:cNvCxnSpPr>
+            <a:stCxn id="27" idx="2"/>
+          </p:cNvCxnSpPr>
+          <p:nvPr/>
+        </p:nvCxnSpPr>
+        <p:spPr>
+          <a:xfrm>
+            <a:off x="4172616" y="1876456"/>
+            <a:ext cx="831184" cy="1531377"/>
+          </a:xfrm>
+          <a:prstGeom prst="straightConnector1">
             <a:avLst/>
           </a:prstGeom>
           <a:ln w="28575">
             <a:solidFill>
               <a:srgbClr val="FF0000"/>
             </a:solidFill>
-          </a:ln>
-        </p:spPr>
-      </p:pic>
-      <p:sp>
-        <p:nvSpPr>
-          <p:cNvPr id="24" name="직사각형 23"/>
-          <p:cNvSpPr/>
-          <p:nvPr/>
-        </p:nvSpPr>
-        <p:spPr>
-          <a:xfrm>
-            <a:off x="8001000" y="2409825"/>
-            <a:ext cx="3462338" cy="161925"/>
-          </a:xfrm>
-          <a:prstGeom prst="rect">
-            <a:avLst/>
-          </a:prstGeom>
-          <a:noFill/>
-          <a:ln w="28575">
-            <a:solidFill>
-              <a:srgbClr val="FF0000"/>
-            </a:solidFill>
-            <a:prstDash val="sysDot"/>
-          </a:ln>
-        </p:spPr>
-        <p:style>
-          <a:lnRef idx="2">
-            <a:schemeClr val="accent1">
-              <a:shade val="50000"/>
-            </a:schemeClr>
-          </a:lnRef>
-          <a:fillRef idx="1">
-            <a:schemeClr val="accent1"/>
-          </a:fillRef>
-          <a:effectRef idx="0">
-            <a:schemeClr val="accent1"/>
-          </a:effectRef>
-          <a:fontRef idx="minor">
-            <a:schemeClr val="lt1"/>
-          </a:fontRef>
-        </p:style>
-        <p:txBody>
-          <a:bodyPr rtlCol="0" anchor="ctr"/>
-          <a:lstStyle/>
-          <a:p>
-            <a:pPr algn="ctr"/>
-            <a:endParaRPr lang="ko-KR" altLang="en-US"/>
-          </a:p>
-        </p:txBody>
-      </p:sp>
-      <p:cxnSp>
-        <p:nvCxnSpPr>
-          <p:cNvPr id="18" name="직선 화살표 연결선 17"/>
-          <p:cNvCxnSpPr>
-            <a:stCxn id="6" idx="3"/>
-          </p:cNvCxnSpPr>
-          <p:nvPr/>
-        </p:nvCxnSpPr>
-        <p:spPr>
-          <a:xfrm flipV="1">
-            <a:off x="5012267" y="2490787"/>
-            <a:ext cx="2988733" cy="271463"/>
-          </a:xfrm>
-          <a:prstGeom prst="straightConnector1">
-            <a:avLst/>
-          </a:prstGeom>
-          <a:ln w="28575">
-            <a:solidFill>
-              <a:srgbClr val="FF0000"/>
-            </a:solidFill>
+            <a:prstDash val="solid"/>
             <a:tailEnd type="triangle"/>
           </a:ln>
         </p:spPr>
@@ -17246,192 +17394,10 @@
           </a:fontRef>
         </p:style>
       </p:cxnSp>
-      <p:pic>
-        <p:nvPicPr>
-          <p:cNvPr id="20" name="그림 19"/>
-          <p:cNvPicPr>
-            <a:picLocks noChangeAspect="1"/>
-          </p:cNvPicPr>
-          <p:nvPr/>
-        </p:nvPicPr>
-        <p:blipFill>
-          <a:blip r:embed="rId4"/>
-          <a:stretch>
-            <a:fillRect/>
-          </a:stretch>
-        </p:blipFill>
-        <p:spPr>
-          <a:xfrm>
-            <a:off x="1345142" y="4269846"/>
-            <a:ext cx="5191125" cy="1238250"/>
-          </a:xfrm>
-          <a:prstGeom prst="rect">
-            <a:avLst/>
-          </a:prstGeom>
-          <a:ln w="28575">
-            <a:solidFill>
-              <a:srgbClr val="FF0000"/>
-            </a:solidFill>
-          </a:ln>
-        </p:spPr>
-      </p:pic>
-      <p:sp>
-        <p:nvSpPr>
-          <p:cNvPr id="32" name="직사각형 31"/>
-          <p:cNvSpPr/>
-          <p:nvPr/>
-        </p:nvSpPr>
-        <p:spPr>
-          <a:xfrm>
-            <a:off x="1609647" y="4564590"/>
-            <a:ext cx="4857827" cy="597960"/>
-          </a:xfrm>
-          <a:prstGeom prst="rect">
-            <a:avLst/>
-          </a:prstGeom>
-          <a:noFill/>
-          <a:ln w="28575">
-            <a:solidFill>
-              <a:srgbClr val="FF0000"/>
-            </a:solidFill>
-            <a:prstDash val="sysDot"/>
-          </a:ln>
-        </p:spPr>
-        <p:style>
-          <a:lnRef idx="2">
-            <a:schemeClr val="accent1">
-              <a:shade val="50000"/>
-            </a:schemeClr>
-          </a:lnRef>
-          <a:fillRef idx="1">
-            <a:schemeClr val="accent1"/>
-          </a:fillRef>
-          <a:effectRef idx="0">
-            <a:schemeClr val="accent1"/>
-          </a:effectRef>
-          <a:fontRef idx="minor">
-            <a:schemeClr val="lt1"/>
-          </a:fontRef>
-        </p:style>
-        <p:txBody>
-          <a:bodyPr rtlCol="0" anchor="ctr"/>
-          <a:lstStyle/>
-          <a:p>
-            <a:pPr algn="ctr"/>
-            <a:endParaRPr lang="ko-KR" altLang="en-US"/>
-          </a:p>
-        </p:txBody>
-      </p:sp>
-      <p:cxnSp>
-        <p:nvCxnSpPr>
-          <p:cNvPr id="33" name="직선 화살표 연결선 32"/>
-          <p:cNvCxnSpPr>
-            <a:endCxn id="6" idx="2"/>
-          </p:cNvCxnSpPr>
-          <p:nvPr/>
-        </p:nvCxnSpPr>
-        <p:spPr>
-          <a:xfrm flipH="1" flipV="1">
-            <a:off x="3349096" y="2914650"/>
-            <a:ext cx="689464" cy="1649940"/>
-          </a:xfrm>
-          <a:prstGeom prst="straightConnector1">
-            <a:avLst/>
-          </a:prstGeom>
-          <a:ln w="28575">
-            <a:solidFill>
-              <a:srgbClr val="FF0000"/>
-            </a:solidFill>
-            <a:tailEnd type="triangle"/>
-          </a:ln>
-        </p:spPr>
-        <p:style>
-          <a:lnRef idx="1">
-            <a:schemeClr val="accent1"/>
-          </a:lnRef>
-          <a:fillRef idx="0">
-            <a:schemeClr val="accent1"/>
-          </a:fillRef>
-          <a:effectRef idx="0">
-            <a:schemeClr val="accent1"/>
-          </a:effectRef>
-          <a:fontRef idx="minor">
-            <a:schemeClr val="tx1"/>
-          </a:fontRef>
-        </p:style>
-      </p:cxnSp>
-      <p:sp>
-        <p:nvSpPr>
-          <p:cNvPr id="37" name="직사각형 36">
-            <a:extLst>
-              <a:ext uri="{FF2B5EF4-FFF2-40B4-BE49-F238E27FC236}">
-                <a16:creationId xmlns:a16="http://schemas.microsoft.com/office/drawing/2014/main" id="{E81B2201-A002-4CB6-AC74-A6A79E57D96E}"/>
-              </a:ext>
-            </a:extLst>
-          </p:cNvPr>
-          <p:cNvSpPr/>
-          <p:nvPr/>
-        </p:nvSpPr>
-        <p:spPr>
-          <a:xfrm>
-            <a:off x="996812" y="4057119"/>
-            <a:ext cx="2031057" cy="361950"/>
-          </a:xfrm>
-          <a:prstGeom prst="rect">
-            <a:avLst/>
-          </a:prstGeom>
-          <a:solidFill>
-            <a:schemeClr val="bg1"/>
-          </a:solidFill>
-          <a:ln w="28575">
-            <a:solidFill>
-              <a:srgbClr val="FF0000"/>
-            </a:solidFill>
-          </a:ln>
-        </p:spPr>
-        <p:style>
-          <a:lnRef idx="3">
-            <a:schemeClr val="lt1"/>
-          </a:lnRef>
-          <a:fillRef idx="1">
-            <a:schemeClr val="accent1"/>
-          </a:fillRef>
-          <a:effectRef idx="1">
-            <a:schemeClr val="accent1"/>
-          </a:effectRef>
-          <a:fontRef idx="minor">
-            <a:schemeClr val="lt1"/>
-          </a:fontRef>
-        </p:style>
-        <p:txBody>
-          <a:bodyPr rtlCol="0" anchor="ctr"/>
-          <a:lstStyle/>
-          <a:p>
-            <a:pPr algn="ctr"/>
-            <a:r>
-              <a:rPr lang="en-US" altLang="ko-KR" sz="1400" b="1" dirty="0">
-                <a:solidFill>
-                  <a:schemeClr val="tx1"/>
-                </a:solidFill>
-                <a:latin typeface="나눔고딕" panose="020D0604000000000000" pitchFamily="50" charset="-127"/>
-                <a:ea typeface="나눔고딕" panose="020D0604000000000000" pitchFamily="50" charset="-127"/>
-              </a:rPr>
-              <a:t>GoodsServiceImpl.java</a:t>
-            </a:r>
-            <a:endParaRPr lang="ko-KR" altLang="en-US" sz="1400" b="1" dirty="0">
-              <a:solidFill>
-                <a:schemeClr val="tx1"/>
-              </a:solidFill>
-              <a:latin typeface="나눔고딕" panose="020D0604000000000000" pitchFamily="50" charset="-127"/>
-              <a:ea typeface="나눔고딕" panose="020D0604000000000000" pitchFamily="50" charset="-127"/>
-            </a:endParaRPr>
-          </a:p>
-        </p:txBody>
-      </p:sp>
     </p:spTree>
     <p:extLst>
       <p:ext uri="{BB962C8B-B14F-4D97-AF65-F5344CB8AC3E}">
-        <p14:creationId xmlns:p14="http://schemas.microsoft.com/office/powerpoint/2010/main" val="326526722"/>
+        <p14:creationId xmlns:p14="http://schemas.microsoft.com/office/powerpoint/2010/main" val="943208684"/>
       </p:ext>
     </p:extLst>
   </p:cSld>
@@ -17467,6 +17433,502 @@
         <p:spPr>
           <a:xfrm>
             <a:off x="1609648" y="652588"/>
+            <a:ext cx="4615366" cy="646331"/>
+          </a:xfrm>
+          <a:prstGeom prst="rect">
+            <a:avLst/>
+          </a:prstGeom>
+          <a:noFill/>
+        </p:spPr>
+        <p:txBody>
+          <a:bodyPr wrap="none" rtlCol="0">
+            <a:spAutoFit/>
+          </a:bodyPr>
+          <a:lstStyle/>
+          <a:p>
+            <a:r>
+              <a:rPr lang="ko-KR" altLang="en-US" sz="3600" b="1" dirty="0" smtClean="0">
+                <a:ln w="12700">
+                  <a:solidFill>
+                    <a:sysClr val="windowText" lastClr="000000"/>
+                  </a:solidFill>
+                </a:ln>
+                <a:latin typeface="나눔고딕" panose="020D0604000000000000" pitchFamily="50" charset="-127"/>
+                <a:ea typeface="나눔고딕" panose="020D0604000000000000" pitchFamily="50" charset="-127"/>
+              </a:rPr>
+              <a:t>메인 페이지</a:t>
+            </a:r>
+            <a:r>
+              <a:rPr lang="en-US" altLang="ko-KR" sz="2400" dirty="0" smtClean="0">
+                <a:ln w="12700">
+                  <a:solidFill>
+                    <a:sysClr val="windowText" lastClr="000000"/>
+                  </a:solidFill>
+                </a:ln>
+                <a:latin typeface="나눔고딕" panose="020D0604000000000000" pitchFamily="50" charset="-127"/>
+                <a:ea typeface="나눔고딕" panose="020D0604000000000000" pitchFamily="50" charset="-127"/>
+              </a:rPr>
+              <a:t> (</a:t>
+            </a:r>
+            <a:r>
+              <a:rPr lang="ko-KR" altLang="en-US" sz="2400" dirty="0" err="1" smtClean="0">
+                <a:ln w="12700">
+                  <a:solidFill>
+                    <a:sysClr val="windowText" lastClr="000000"/>
+                  </a:solidFill>
+                </a:ln>
+                <a:latin typeface="나눔고딕" panose="020D0604000000000000" pitchFamily="50" charset="-127"/>
+                <a:ea typeface="나눔고딕" panose="020D0604000000000000" pitchFamily="50" charset="-127"/>
+              </a:rPr>
+              <a:t>빠른메뉴</a:t>
+            </a:r>
+            <a:r>
+              <a:rPr lang="ko-KR" altLang="en-US" sz="2400" dirty="0" smtClean="0">
+                <a:ln w="12700">
+                  <a:solidFill>
+                    <a:sysClr val="windowText" lastClr="000000"/>
+                  </a:solidFill>
+                </a:ln>
+                <a:latin typeface="나눔고딕" panose="020D0604000000000000" pitchFamily="50" charset="-127"/>
+                <a:ea typeface="나눔고딕" panose="020D0604000000000000" pitchFamily="50" charset="-127"/>
+              </a:rPr>
+              <a:t> 소스</a:t>
+            </a:r>
+            <a:r>
+              <a:rPr lang="en-US" altLang="ko-KR" sz="2400" dirty="0" smtClean="0">
+                <a:ln w="12700">
+                  <a:solidFill>
+                    <a:sysClr val="windowText" lastClr="000000"/>
+                  </a:solidFill>
+                </a:ln>
+                <a:latin typeface="나눔고딕" panose="020D0604000000000000" pitchFamily="50" charset="-127"/>
+                <a:ea typeface="나눔고딕" panose="020D0604000000000000" pitchFamily="50" charset="-127"/>
+              </a:rPr>
+              <a:t>)</a:t>
+            </a:r>
+            <a:endParaRPr lang="ko-KR" altLang="en-US" sz="3600" dirty="0">
+              <a:ln w="12700">
+                <a:solidFill>
+                  <a:sysClr val="windowText" lastClr="000000"/>
+                </a:solidFill>
+              </a:ln>
+              <a:latin typeface="나눔고딕" panose="020D0604000000000000" pitchFamily="50" charset="-127"/>
+              <a:ea typeface="나눔고딕" panose="020D0604000000000000" pitchFamily="50" charset="-127"/>
+            </a:endParaRPr>
+          </a:p>
+        </p:txBody>
+      </p:sp>
+      <p:pic>
+        <p:nvPicPr>
+          <p:cNvPr id="2" name="그림 1"/>
+          <p:cNvPicPr>
+            <a:picLocks noChangeAspect="1"/>
+          </p:cNvPicPr>
+          <p:nvPr/>
+        </p:nvPicPr>
+        <p:blipFill>
+          <a:blip r:embed="rId2"/>
+          <a:stretch>
+            <a:fillRect/>
+          </a:stretch>
+        </p:blipFill>
+        <p:spPr>
+          <a:xfrm>
+            <a:off x="1345142" y="1454679"/>
+            <a:ext cx="7334250" cy="1781175"/>
+          </a:xfrm>
+          <a:prstGeom prst="rect">
+            <a:avLst/>
+          </a:prstGeom>
+          <a:ln w="28575">
+            <a:solidFill>
+              <a:srgbClr val="FF0000"/>
+            </a:solidFill>
+          </a:ln>
+        </p:spPr>
+      </p:pic>
+      <p:sp>
+        <p:nvSpPr>
+          <p:cNvPr id="6" name="직사각형 5"/>
+          <p:cNvSpPr/>
+          <p:nvPr/>
+        </p:nvSpPr>
+        <p:spPr>
+          <a:xfrm>
+            <a:off x="1685925" y="2609850"/>
+            <a:ext cx="3326342" cy="304800"/>
+          </a:xfrm>
+          <a:prstGeom prst="rect">
+            <a:avLst/>
+          </a:prstGeom>
+          <a:noFill/>
+          <a:ln w="28575">
+            <a:solidFill>
+              <a:srgbClr val="FF0000"/>
+            </a:solidFill>
+            <a:prstDash val="sysDot"/>
+          </a:ln>
+        </p:spPr>
+        <p:style>
+          <a:lnRef idx="2">
+            <a:schemeClr val="accent1">
+              <a:shade val="50000"/>
+            </a:schemeClr>
+          </a:lnRef>
+          <a:fillRef idx="1">
+            <a:schemeClr val="accent1"/>
+          </a:fillRef>
+          <a:effectRef idx="0">
+            <a:schemeClr val="accent1"/>
+          </a:effectRef>
+          <a:fontRef idx="minor">
+            <a:schemeClr val="lt1"/>
+          </a:fontRef>
+        </p:style>
+        <p:txBody>
+          <a:bodyPr rtlCol="0" anchor="ctr"/>
+          <a:lstStyle/>
+          <a:p>
+            <a:pPr algn="ctr"/>
+            <a:endParaRPr lang="ko-KR" altLang="en-US"/>
+          </a:p>
+        </p:txBody>
+      </p:sp>
+      <p:pic>
+        <p:nvPicPr>
+          <p:cNvPr id="8" name="그림 7"/>
+          <p:cNvPicPr>
+            <a:picLocks noChangeAspect="1"/>
+          </p:cNvPicPr>
+          <p:nvPr/>
+        </p:nvPicPr>
+        <p:blipFill>
+          <a:blip r:embed="rId3"/>
+          <a:stretch>
+            <a:fillRect/>
+          </a:stretch>
+        </p:blipFill>
+        <p:spPr>
+          <a:xfrm>
+            <a:off x="6038850" y="2345266"/>
+            <a:ext cx="5619750" cy="3971925"/>
+          </a:xfrm>
+          <a:prstGeom prst="rect">
+            <a:avLst/>
+          </a:prstGeom>
+          <a:ln w="28575">
+            <a:solidFill>
+              <a:srgbClr val="FF0000"/>
+            </a:solidFill>
+          </a:ln>
+        </p:spPr>
+      </p:pic>
+      <p:sp>
+        <p:nvSpPr>
+          <p:cNvPr id="24" name="직사각형 23"/>
+          <p:cNvSpPr/>
+          <p:nvPr/>
+        </p:nvSpPr>
+        <p:spPr>
+          <a:xfrm>
+            <a:off x="8001000" y="2409825"/>
+            <a:ext cx="3462338" cy="161925"/>
+          </a:xfrm>
+          <a:prstGeom prst="rect">
+            <a:avLst/>
+          </a:prstGeom>
+          <a:noFill/>
+          <a:ln w="28575">
+            <a:solidFill>
+              <a:srgbClr val="FF0000"/>
+            </a:solidFill>
+            <a:prstDash val="sysDot"/>
+          </a:ln>
+        </p:spPr>
+        <p:style>
+          <a:lnRef idx="2">
+            <a:schemeClr val="accent1">
+              <a:shade val="50000"/>
+            </a:schemeClr>
+          </a:lnRef>
+          <a:fillRef idx="1">
+            <a:schemeClr val="accent1"/>
+          </a:fillRef>
+          <a:effectRef idx="0">
+            <a:schemeClr val="accent1"/>
+          </a:effectRef>
+          <a:fontRef idx="minor">
+            <a:schemeClr val="lt1"/>
+          </a:fontRef>
+        </p:style>
+        <p:txBody>
+          <a:bodyPr rtlCol="0" anchor="ctr"/>
+          <a:lstStyle/>
+          <a:p>
+            <a:pPr algn="ctr"/>
+            <a:endParaRPr lang="ko-KR" altLang="en-US"/>
+          </a:p>
+        </p:txBody>
+      </p:sp>
+      <p:cxnSp>
+        <p:nvCxnSpPr>
+          <p:cNvPr id="18" name="직선 화살표 연결선 17"/>
+          <p:cNvCxnSpPr>
+            <a:stCxn id="6" idx="3"/>
+          </p:cNvCxnSpPr>
+          <p:nvPr/>
+        </p:nvCxnSpPr>
+        <p:spPr>
+          <a:xfrm flipV="1">
+            <a:off x="5012267" y="2490787"/>
+            <a:ext cx="2988733" cy="271463"/>
+          </a:xfrm>
+          <a:prstGeom prst="straightConnector1">
+            <a:avLst/>
+          </a:prstGeom>
+          <a:ln w="28575">
+            <a:solidFill>
+              <a:srgbClr val="FF0000"/>
+            </a:solidFill>
+            <a:tailEnd type="triangle"/>
+          </a:ln>
+        </p:spPr>
+        <p:style>
+          <a:lnRef idx="1">
+            <a:schemeClr val="accent1"/>
+          </a:lnRef>
+          <a:fillRef idx="0">
+            <a:schemeClr val="accent1"/>
+          </a:fillRef>
+          <a:effectRef idx="0">
+            <a:schemeClr val="accent1"/>
+          </a:effectRef>
+          <a:fontRef idx="minor">
+            <a:schemeClr val="tx1"/>
+          </a:fontRef>
+        </p:style>
+      </p:cxnSp>
+      <p:pic>
+        <p:nvPicPr>
+          <p:cNvPr id="20" name="그림 19"/>
+          <p:cNvPicPr>
+            <a:picLocks noChangeAspect="1"/>
+          </p:cNvPicPr>
+          <p:nvPr/>
+        </p:nvPicPr>
+        <p:blipFill>
+          <a:blip r:embed="rId4"/>
+          <a:stretch>
+            <a:fillRect/>
+          </a:stretch>
+        </p:blipFill>
+        <p:spPr>
+          <a:xfrm>
+            <a:off x="1345142" y="4269846"/>
+            <a:ext cx="5191125" cy="1238250"/>
+          </a:xfrm>
+          <a:prstGeom prst="rect">
+            <a:avLst/>
+          </a:prstGeom>
+          <a:ln w="28575">
+            <a:solidFill>
+              <a:srgbClr val="FF0000"/>
+            </a:solidFill>
+          </a:ln>
+        </p:spPr>
+      </p:pic>
+      <p:sp>
+        <p:nvSpPr>
+          <p:cNvPr id="32" name="직사각형 31"/>
+          <p:cNvSpPr/>
+          <p:nvPr/>
+        </p:nvSpPr>
+        <p:spPr>
+          <a:xfrm>
+            <a:off x="1609647" y="4564590"/>
+            <a:ext cx="4857827" cy="597960"/>
+          </a:xfrm>
+          <a:prstGeom prst="rect">
+            <a:avLst/>
+          </a:prstGeom>
+          <a:noFill/>
+          <a:ln w="28575">
+            <a:solidFill>
+              <a:srgbClr val="FF0000"/>
+            </a:solidFill>
+            <a:prstDash val="sysDot"/>
+          </a:ln>
+        </p:spPr>
+        <p:style>
+          <a:lnRef idx="2">
+            <a:schemeClr val="accent1">
+              <a:shade val="50000"/>
+            </a:schemeClr>
+          </a:lnRef>
+          <a:fillRef idx="1">
+            <a:schemeClr val="accent1"/>
+          </a:fillRef>
+          <a:effectRef idx="0">
+            <a:schemeClr val="accent1"/>
+          </a:effectRef>
+          <a:fontRef idx="minor">
+            <a:schemeClr val="lt1"/>
+          </a:fontRef>
+        </p:style>
+        <p:txBody>
+          <a:bodyPr rtlCol="0" anchor="ctr"/>
+          <a:lstStyle/>
+          <a:p>
+            <a:pPr algn="ctr"/>
+            <a:endParaRPr lang="ko-KR" altLang="en-US"/>
+          </a:p>
+        </p:txBody>
+      </p:sp>
+      <p:cxnSp>
+        <p:nvCxnSpPr>
+          <p:cNvPr id="33" name="직선 화살표 연결선 32"/>
+          <p:cNvCxnSpPr>
+            <a:endCxn id="6" idx="2"/>
+          </p:cNvCxnSpPr>
+          <p:nvPr/>
+        </p:nvCxnSpPr>
+        <p:spPr>
+          <a:xfrm flipH="1" flipV="1">
+            <a:off x="3349096" y="2914650"/>
+            <a:ext cx="689464" cy="1649940"/>
+          </a:xfrm>
+          <a:prstGeom prst="straightConnector1">
+            <a:avLst/>
+          </a:prstGeom>
+          <a:ln w="28575">
+            <a:solidFill>
+              <a:srgbClr val="FF0000"/>
+            </a:solidFill>
+            <a:tailEnd type="triangle"/>
+          </a:ln>
+        </p:spPr>
+        <p:style>
+          <a:lnRef idx="1">
+            <a:schemeClr val="accent1"/>
+          </a:lnRef>
+          <a:fillRef idx="0">
+            <a:schemeClr val="accent1"/>
+          </a:fillRef>
+          <a:effectRef idx="0">
+            <a:schemeClr val="accent1"/>
+          </a:effectRef>
+          <a:fontRef idx="minor">
+            <a:schemeClr val="tx1"/>
+          </a:fontRef>
+        </p:style>
+      </p:cxnSp>
+      <p:sp>
+        <p:nvSpPr>
+          <p:cNvPr id="37" name="직사각형 36">
+            <a:extLst>
+              <a:ext uri="{FF2B5EF4-FFF2-40B4-BE49-F238E27FC236}">
+                <a16:creationId xmlns:a16="http://schemas.microsoft.com/office/drawing/2014/main" id="{E81B2201-A002-4CB6-AC74-A6A79E57D96E}"/>
+              </a:ext>
+            </a:extLst>
+          </p:cNvPr>
+          <p:cNvSpPr/>
+          <p:nvPr/>
+        </p:nvSpPr>
+        <p:spPr>
+          <a:xfrm>
+            <a:off x="996812" y="4057119"/>
+            <a:ext cx="2031057" cy="361950"/>
+          </a:xfrm>
+          <a:prstGeom prst="rect">
+            <a:avLst/>
+          </a:prstGeom>
+          <a:solidFill>
+            <a:schemeClr val="bg1"/>
+          </a:solidFill>
+          <a:ln w="28575">
+            <a:solidFill>
+              <a:srgbClr val="FF0000"/>
+            </a:solidFill>
+          </a:ln>
+        </p:spPr>
+        <p:style>
+          <a:lnRef idx="3">
+            <a:schemeClr val="lt1"/>
+          </a:lnRef>
+          <a:fillRef idx="1">
+            <a:schemeClr val="accent1"/>
+          </a:fillRef>
+          <a:effectRef idx="1">
+            <a:schemeClr val="accent1"/>
+          </a:effectRef>
+          <a:fontRef idx="minor">
+            <a:schemeClr val="lt1"/>
+          </a:fontRef>
+        </p:style>
+        <p:txBody>
+          <a:bodyPr rtlCol="0" anchor="ctr"/>
+          <a:lstStyle/>
+          <a:p>
+            <a:pPr algn="ctr"/>
+            <a:r>
+              <a:rPr lang="en-US" altLang="ko-KR" sz="1400" b="1" dirty="0">
+                <a:solidFill>
+                  <a:schemeClr val="tx1"/>
+                </a:solidFill>
+                <a:latin typeface="나눔고딕" panose="020D0604000000000000" pitchFamily="50" charset="-127"/>
+                <a:ea typeface="나눔고딕" panose="020D0604000000000000" pitchFamily="50" charset="-127"/>
+              </a:rPr>
+              <a:t>GoodsServiceImpl.java</a:t>
+            </a:r>
+            <a:endParaRPr lang="ko-KR" altLang="en-US" sz="1400" b="1" dirty="0">
+              <a:solidFill>
+                <a:schemeClr val="tx1"/>
+              </a:solidFill>
+              <a:latin typeface="나눔고딕" panose="020D0604000000000000" pitchFamily="50" charset="-127"/>
+              <a:ea typeface="나눔고딕" panose="020D0604000000000000" pitchFamily="50" charset="-127"/>
+            </a:endParaRPr>
+          </a:p>
+        </p:txBody>
+      </p:sp>
+    </p:spTree>
+    <p:extLst>
+      <p:ext uri="{BB962C8B-B14F-4D97-AF65-F5344CB8AC3E}">
+        <p14:creationId xmlns:p14="http://schemas.microsoft.com/office/powerpoint/2010/main" val="326526722"/>
+      </p:ext>
+    </p:extLst>
+  </p:cSld>
+  <p:clrMapOvr>
+    <a:masterClrMapping/>
+  </p:clrMapOvr>
+</p:sld>
+</file>
+
+<file path=ppt/slides/slide24.xml><?xml version="1.0" encoding="utf-8"?>
+<p:sld xmlns:a="http://schemas.openxmlformats.org/drawingml/2006/main" xmlns:r="http://schemas.openxmlformats.org/officeDocument/2006/relationships" xmlns:p="http://schemas.openxmlformats.org/presentationml/2006/main">
+  <p:cSld>
+    <p:spTree>
+      <p:nvGrpSpPr>
+        <p:cNvPr id="1" name=""/>
+        <p:cNvGrpSpPr/>
+        <p:nvPr/>
+      </p:nvGrpSpPr>
+      <p:grpSpPr>
+        <a:xfrm>
+          <a:off x="0" y="0"/>
+          <a:ext cx="0" cy="0"/>
+          <a:chOff x="0" y="0"/>
+          <a:chExt cx="0" cy="0"/>
+        </a:xfrm>
+      </p:grpSpPr>
+      <p:sp>
+        <p:nvSpPr>
+          <p:cNvPr id="4" name="TextBox 3"/>
+          <p:cNvSpPr txBox="1"/>
+          <p:nvPr/>
+        </p:nvSpPr>
+        <p:spPr>
+          <a:xfrm>
+            <a:off x="1609648" y="652588"/>
             <a:ext cx="5654112" cy="646331"/>
           </a:xfrm>
           <a:prstGeom prst="rect">
@@ -18102,7 +18564,7 @@
 </p:sld>
 </file>
 
-<file path=ppt/slides/slide24.xml><?xml version="1.0" encoding="utf-8"?>
+<file path=ppt/slides/slide25.xml><?xml version="1.0" encoding="utf-8"?>
 <p:sld xmlns:a="http://schemas.openxmlformats.org/drawingml/2006/main" xmlns:r="http://schemas.openxmlformats.org/officeDocument/2006/relationships" xmlns:p="http://schemas.openxmlformats.org/presentationml/2006/main">
   <p:cSld>
     <p:spTree>
@@ -23718,19 +24180,7 @@
                 <a:latin typeface="나눔고딕" panose="020D0604000000000000" pitchFamily="50" charset="-127"/>
                 <a:ea typeface="나눔고딕" panose="020D0604000000000000" pitchFamily="50" charset="-127"/>
               </a:rPr>
-              <a:t>(web</a:t>
-            </a:r>
-            <a:r>
-              <a:rPr lang="en-US" altLang="ko-KR" dirty="0" smtClean="0">
-                <a:ln w="12700">
-                  <a:solidFill>
-                    <a:sysClr val="windowText" lastClr="000000"/>
-                  </a:solidFill>
-                </a:ln>
-                <a:latin typeface="나눔고딕" panose="020D0604000000000000" pitchFamily="50" charset="-127"/>
-                <a:ea typeface="나눔고딕" panose="020D0604000000000000" pitchFamily="50" charset="-127"/>
-              </a:rPr>
-              <a:t>.xml)</a:t>
+              <a:t>(web.xml)</a:t>
             </a:r>
             <a:endParaRPr lang="ko-KR" altLang="en-US" dirty="0">
               <a:ln w="12700">
@@ -24226,17 +24676,7 @@
                 <a:latin typeface="나눔고딕" panose="020D0604000000000000" pitchFamily="50" charset="-127"/>
                 <a:ea typeface="나눔고딕" panose="020D0604000000000000" pitchFamily="50" charset="-127"/>
               </a:rPr>
-              <a:t>u</a:t>
-            </a:r>
-            <a:r>
-              <a:rPr lang="en-US" altLang="ko-KR" sz="1100" b="1" dirty="0" err="1" smtClean="0">
-                <a:solidFill>
-                  <a:schemeClr val="tx1"/>
-                </a:solidFill>
-                <a:latin typeface="나눔고딕" panose="020D0604000000000000" pitchFamily="50" charset="-127"/>
-                <a:ea typeface="나눔고딕" panose="020D0604000000000000" pitchFamily="50" charset="-127"/>
-              </a:rPr>
-              <a:t>rl</a:t>
+              <a:t>url</a:t>
             </a:r>
             <a:r>
               <a:rPr lang="en-US" altLang="ko-KR" sz="1100" b="1" dirty="0" smtClean="0">
@@ -24318,13 +24758,6 @@
               </a:rPr>
               <a:t>으로 이용하여 동작하도록 설정</a:t>
             </a:r>
-            <a:endParaRPr lang="ko-KR" altLang="en-US" sz="1100" b="1" dirty="0">
-              <a:solidFill>
-                <a:schemeClr val="tx1"/>
-              </a:solidFill>
-              <a:latin typeface="나눔고딕" panose="020D0604000000000000" pitchFamily="50" charset="-127"/>
-              <a:ea typeface="나눔고딕" panose="020D0604000000000000" pitchFamily="50" charset="-127"/>
-            </a:endParaRPr>
           </a:p>
         </p:txBody>
       </p:sp>

--- a/쇼핑몰.pptx
+++ b/쇼핑몰.pptx
@@ -30,16 +30,19 @@
     <p:sldId id="290" r:id="rId24"/>
     <p:sldId id="291" r:id="rId25"/>
     <p:sldId id="292" r:id="rId26"/>
-    <p:sldId id="259" r:id="rId27"/>
-    <p:sldId id="260" r:id="rId28"/>
-    <p:sldId id="261" r:id="rId29"/>
-    <p:sldId id="262" r:id="rId30"/>
-    <p:sldId id="263" r:id="rId31"/>
-    <p:sldId id="264" r:id="rId32"/>
-    <p:sldId id="265" r:id="rId33"/>
-    <p:sldId id="266" r:id="rId34"/>
-    <p:sldId id="268" r:id="rId35"/>
-    <p:sldId id="269" r:id="rId36"/>
+    <p:sldId id="293" r:id="rId27"/>
+    <p:sldId id="294" r:id="rId28"/>
+    <p:sldId id="295" r:id="rId29"/>
+    <p:sldId id="259" r:id="rId30"/>
+    <p:sldId id="260" r:id="rId31"/>
+    <p:sldId id="261" r:id="rId32"/>
+    <p:sldId id="262" r:id="rId33"/>
+    <p:sldId id="263" r:id="rId34"/>
+    <p:sldId id="264" r:id="rId35"/>
+    <p:sldId id="265" r:id="rId36"/>
+    <p:sldId id="266" r:id="rId37"/>
+    <p:sldId id="268" r:id="rId38"/>
+    <p:sldId id="269" r:id="rId39"/>
   </p:sldIdLst>
   <p:sldSz cx="12192000" cy="6858000"/>
   <p:notesSz cx="6858000" cy="9144000"/>
@@ -360,7 +363,7 @@
           <a:p>
             <a:fld id="{48A87A34-81AB-432B-8DAE-1953F412C126}" type="datetimeFigureOut">
               <a:rPr lang="en-US" smtClean="0"/>
-              <a:t>10/15/2022</a:t>
+              <a:t>10/17/2022</a:t>
             </a:fld>
             <a:endParaRPr lang="en-US" dirty="0"/>
           </a:p>
@@ -699,7 +702,7 @@
             <a:fld id="{48A87A34-81AB-432B-8DAE-1953F412C126}" type="datetimeFigureOut">
               <a:rPr lang="en-US" smtClean="0"/>
               <a:pPr/>
-              <a:t>10/15/2022</a:t>
+              <a:t>10/17/2022</a:t>
             </a:fld>
             <a:endParaRPr lang="en-US" dirty="0"/>
           </a:p>
@@ -1102,7 +1105,7 @@
             <a:fld id="{48A87A34-81AB-432B-8DAE-1953F412C126}" type="datetimeFigureOut">
               <a:rPr lang="en-US" smtClean="0"/>
               <a:pPr/>
-              <a:t>10/15/2022</a:t>
+              <a:t>10/17/2022</a:t>
             </a:fld>
             <a:endParaRPr lang="en-US" dirty="0"/>
           </a:p>
@@ -1440,7 +1443,7 @@
             <a:fld id="{48A87A34-81AB-432B-8DAE-1953F412C126}" type="datetimeFigureOut">
               <a:rPr lang="en-US" smtClean="0"/>
               <a:pPr/>
-              <a:t>10/15/2022</a:t>
+              <a:t>10/17/2022</a:t>
             </a:fld>
             <a:endParaRPr lang="en-US" dirty="0"/>
           </a:p>
@@ -1762,7 +1765,7 @@
             <a:fld id="{48A87A34-81AB-432B-8DAE-1953F412C126}" type="datetimeFigureOut">
               <a:rPr lang="en-US" smtClean="0"/>
               <a:pPr/>
-              <a:t>10/15/2022</a:t>
+              <a:t>10/17/2022</a:t>
             </a:fld>
             <a:endParaRPr lang="en-US" dirty="0"/>
           </a:p>
@@ -2160,7 +2163,7 @@
             <a:fld id="{48A87A34-81AB-432B-8DAE-1953F412C126}" type="datetimeFigureOut">
               <a:rPr lang="en-US" smtClean="0"/>
               <a:pPr/>
-              <a:t>10/15/2022</a:t>
+              <a:t>10/17/2022</a:t>
             </a:fld>
             <a:endParaRPr lang="en-US" dirty="0"/>
           </a:p>
@@ -2418,7 +2421,7 @@
           <a:p>
             <a:fld id="{48A87A34-81AB-432B-8DAE-1953F412C126}" type="datetimeFigureOut">
               <a:rPr lang="en-US" smtClean="0"/>
-              <a:t>10/15/2022</a:t>
+              <a:t>10/17/2022</a:t>
             </a:fld>
             <a:endParaRPr lang="en-US" dirty="0"/>
           </a:p>
@@ -2681,7 +2684,7 @@
             <a:fld id="{48A87A34-81AB-432B-8DAE-1953F412C126}" type="datetimeFigureOut">
               <a:rPr lang="en-US" smtClean="0"/>
               <a:pPr/>
-              <a:t>10/15/2022</a:t>
+              <a:t>10/17/2022</a:t>
             </a:fld>
             <a:endParaRPr lang="en-US" dirty="0"/>
           </a:p>
@@ -2943,7 +2946,7 @@
           <a:p>
             <a:fld id="{48A87A34-81AB-432B-8DAE-1953F412C126}" type="datetimeFigureOut">
               <a:rPr lang="en-US" smtClean="0"/>
-              <a:t>10/15/2022</a:t>
+              <a:t>10/17/2022</a:t>
             </a:fld>
             <a:endParaRPr lang="en-US" dirty="0"/>
           </a:p>
@@ -3273,7 +3276,7 @@
             <a:fld id="{48A87A34-81AB-432B-8DAE-1953F412C126}" type="datetimeFigureOut">
               <a:rPr lang="en-US" smtClean="0"/>
               <a:pPr/>
-              <a:t>10/15/2022</a:t>
+              <a:t>10/17/2022</a:t>
             </a:fld>
             <a:endParaRPr lang="en-US" dirty="0"/>
           </a:p>
@@ -3596,7 +3599,7 @@
           <a:p>
             <a:fld id="{48A87A34-81AB-432B-8DAE-1953F412C126}" type="datetimeFigureOut">
               <a:rPr lang="en-US" smtClean="0"/>
-              <a:t>10/15/2022</a:t>
+              <a:t>10/17/2022</a:t>
             </a:fld>
             <a:endParaRPr lang="en-US" dirty="0"/>
           </a:p>
@@ -4053,7 +4056,7 @@
           <a:p>
             <a:fld id="{48A87A34-81AB-432B-8DAE-1953F412C126}" type="datetimeFigureOut">
               <a:rPr lang="en-US" smtClean="0"/>
-              <a:t>10/15/2022</a:t>
+              <a:t>10/17/2022</a:t>
             </a:fld>
             <a:endParaRPr lang="en-US" dirty="0"/>
           </a:p>
@@ -4258,7 +4261,7 @@
           <a:p>
             <a:fld id="{48A87A34-81AB-432B-8DAE-1953F412C126}" type="datetimeFigureOut">
               <a:rPr lang="en-US" smtClean="0"/>
-              <a:t>10/15/2022</a:t>
+              <a:t>10/17/2022</a:t>
             </a:fld>
             <a:endParaRPr lang="en-US" dirty="0"/>
           </a:p>
@@ -4435,7 +4438,7 @@
           <a:p>
             <a:fld id="{48A87A34-81AB-432B-8DAE-1953F412C126}" type="datetimeFigureOut">
               <a:rPr lang="en-US" smtClean="0"/>
-              <a:t>10/15/2022</a:t>
+              <a:t>10/17/2022</a:t>
             </a:fld>
             <a:endParaRPr lang="en-US" dirty="0"/>
           </a:p>
@@ -4768,7 +4771,7 @@
           <a:p>
             <a:fld id="{48A87A34-81AB-432B-8DAE-1953F412C126}" type="datetimeFigureOut">
               <a:rPr lang="en-US" smtClean="0"/>
-              <a:t>10/15/2022</a:t>
+              <a:t>10/17/2022</a:t>
             </a:fld>
             <a:endParaRPr lang="en-US" dirty="0"/>
           </a:p>
@@ -5113,7 +5116,7 @@
           <a:p>
             <a:fld id="{48A87A34-81AB-432B-8DAE-1953F412C126}" type="datetimeFigureOut">
               <a:rPr lang="en-US" smtClean="0"/>
-              <a:t>10/15/2022</a:t>
+              <a:t>10/17/2022</a:t>
             </a:fld>
             <a:endParaRPr lang="en-US" dirty="0"/>
           </a:p>
@@ -7231,7 +7234,7 @@
             <a:fld id="{48A87A34-81AB-432B-8DAE-1953F412C126}" type="datetimeFigureOut">
               <a:rPr lang="en-US" smtClean="0"/>
               <a:pPr/>
-              <a:t>10/15/2022</a:t>
+              <a:t>10/17/2022</a:t>
             </a:fld>
             <a:endParaRPr lang="en-US" dirty="0"/>
           </a:p>
@@ -19687,19 +19690,7 @@
                 <a:latin typeface="나눔고딕" panose="020D0604000000000000" pitchFamily="50" charset="-127"/>
                 <a:ea typeface="나눔고딕" panose="020D0604000000000000" pitchFamily="50" charset="-127"/>
               </a:rPr>
-              <a:t>검색 자동 완성 기능 </a:t>
-            </a:r>
-            <a:r>
-              <a:rPr lang="ko-KR" altLang="en-US" sz="3600" b="1" dirty="0" smtClean="0">
-                <a:ln w="12700">
-                  <a:solidFill>
-                    <a:sysClr val="windowText" lastClr="000000"/>
-                  </a:solidFill>
-                </a:ln>
-                <a:latin typeface="나눔고딕" panose="020D0604000000000000" pitchFamily="50" charset="-127"/>
-                <a:ea typeface="나눔고딕" panose="020D0604000000000000" pitchFamily="50" charset="-127"/>
-              </a:rPr>
-              <a:t>구현</a:t>
+              <a:t>검색 자동 완성 기능 구현</a:t>
             </a:r>
             <a:endParaRPr lang="ko-KR" altLang="en-US" sz="3600" b="1" dirty="0">
               <a:ln w="12700">
@@ -20452,19 +20443,7 @@
                 <a:latin typeface="나눔고딕" panose="020D0604000000000000" pitchFamily="50" charset="-127"/>
                 <a:ea typeface="나눔고딕" panose="020D0604000000000000" pitchFamily="50" charset="-127"/>
               </a:rPr>
-              <a:t>검색 자동 완성 기능 </a:t>
-            </a:r>
-            <a:r>
-              <a:rPr lang="ko-KR" altLang="en-US" sz="3600" b="1" dirty="0" smtClean="0">
-                <a:ln w="12700">
-                  <a:solidFill>
-                    <a:sysClr val="windowText" lastClr="000000"/>
-                  </a:solidFill>
-                </a:ln>
-                <a:latin typeface="나눔고딕" panose="020D0604000000000000" pitchFamily="50" charset="-127"/>
-                <a:ea typeface="나눔고딕" panose="020D0604000000000000" pitchFamily="50" charset="-127"/>
-              </a:rPr>
-              <a:t>구현</a:t>
+              <a:t>검색 자동 완성 기능 구현</a:t>
             </a:r>
             <a:endParaRPr lang="ko-KR" altLang="en-US" sz="3600" b="1" dirty="0">
               <a:ln w="12700">
@@ -21802,19 +21781,7 @@
                 <a:latin typeface="나눔고딕" panose="020D0604000000000000" pitchFamily="50" charset="-127"/>
                 <a:ea typeface="나눔고딕" panose="020D0604000000000000" pitchFamily="50" charset="-127"/>
               </a:rPr>
-              <a:t>검색 자동 완성 기능 </a:t>
-            </a:r>
-            <a:r>
-              <a:rPr lang="ko-KR" altLang="en-US" sz="3600" b="1" dirty="0" smtClean="0">
-                <a:ln w="12700">
-                  <a:solidFill>
-                    <a:sysClr val="windowText" lastClr="000000"/>
-                  </a:solidFill>
-                </a:ln>
-                <a:latin typeface="나눔고딕" panose="020D0604000000000000" pitchFamily="50" charset="-127"/>
-                <a:ea typeface="나눔고딕" panose="020D0604000000000000" pitchFamily="50" charset="-127"/>
-              </a:rPr>
-              <a:t>구현</a:t>
+              <a:t>검색 자동 완성 기능 구현</a:t>
             </a:r>
             <a:endParaRPr lang="ko-KR" altLang="en-US" sz="3600" b="1" dirty="0">
               <a:ln w="12700">
@@ -24188,19 +24155,7 @@
                 <a:latin typeface="나눔고딕" panose="020D0604000000000000" pitchFamily="50" charset="-127"/>
                 <a:ea typeface="나눔고딕" panose="020D0604000000000000" pitchFamily="50" charset="-127"/>
               </a:rPr>
-              <a:t>회원가입 </a:t>
-            </a:r>
-            <a:r>
-              <a:rPr lang="ko-KR" altLang="en-US" sz="3600" b="1" dirty="0" smtClean="0">
-                <a:ln w="12700">
-                  <a:solidFill>
-                    <a:sysClr val="windowText" lastClr="000000"/>
-                  </a:solidFill>
-                </a:ln>
-                <a:latin typeface="나눔고딕" panose="020D0604000000000000" pitchFamily="50" charset="-127"/>
-                <a:ea typeface="나눔고딕" panose="020D0604000000000000" pitchFamily="50" charset="-127"/>
-              </a:rPr>
-              <a:t>구현</a:t>
+              <a:t>회원가입 구현</a:t>
             </a:r>
             <a:endParaRPr lang="ko-KR" altLang="en-US" sz="3600" b="1" dirty="0">
               <a:ln w="12700">
@@ -24686,7 +24641,7 @@
         <p:spPr>
           <a:xfrm>
             <a:off x="1609648" y="652588"/>
-            <a:ext cx="4657044" cy="646331"/>
+            <a:ext cx="2486578" cy="646331"/>
           </a:xfrm>
           <a:prstGeom prst="rect">
             <a:avLst/>
@@ -24710,30 +24665,6 @@
                 <a:ea typeface="나눔고딕" panose="020D0604000000000000" pitchFamily="50" charset="-127"/>
               </a:rPr>
               <a:t>로그인 </a:t>
-            </a:r>
-            <a:r>
-              <a:rPr lang="en-US" altLang="ko-KR" sz="3600" b="1" dirty="0" smtClean="0">
-                <a:ln w="12700">
-                  <a:solidFill>
-                    <a:sysClr val="windowText" lastClr="000000"/>
-                  </a:solidFill>
-                </a:ln>
-                <a:latin typeface="나눔고딕" panose="020D0604000000000000" pitchFamily="50" charset="-127"/>
-                <a:ea typeface="나눔고딕" panose="020D0604000000000000" pitchFamily="50" charset="-127"/>
-              </a:rPr>
-              <a:t>/ </a:t>
-            </a:r>
-            <a:r>
-              <a:rPr lang="ko-KR" altLang="en-US" sz="3600" b="1" dirty="0" smtClean="0">
-                <a:ln w="12700">
-                  <a:solidFill>
-                    <a:sysClr val="windowText" lastClr="000000"/>
-                  </a:solidFill>
-                </a:ln>
-                <a:latin typeface="나눔고딕" panose="020D0604000000000000" pitchFamily="50" charset="-127"/>
-                <a:ea typeface="나눔고딕" panose="020D0604000000000000" pitchFamily="50" charset="-127"/>
-              </a:rPr>
-              <a:t>회원가입 </a:t>
             </a:r>
             <a:r>
               <a:rPr lang="ko-KR" altLang="en-US" sz="3600" b="1" dirty="0" smtClean="0">
@@ -26060,479 +25991,16 @@
           <a:chExt cx="0" cy="0"/>
         </a:xfrm>
       </p:grpSpPr>
-      <p:pic>
-        <p:nvPicPr>
-          <p:cNvPr id="12" name="그림 11"/>
-          <p:cNvPicPr>
-            <a:picLocks noChangeAspect="1"/>
-          </p:cNvPicPr>
-          <p:nvPr/>
-        </p:nvPicPr>
-        <p:blipFill rotWithShape="1">
-          <a:blip r:embed="rId2">
-            <a:extLst>
-              <a:ext uri="{28A0092B-C50C-407E-A947-70E740481C1C}">
-                <a14:useLocalDpi xmlns:a14="http://schemas.microsoft.com/office/drawing/2010/main" val="0"/>
-              </a:ext>
-            </a:extLst>
-          </a:blip>
-          <a:srcRect b="46150"/>
-          <a:stretch/>
-        </p:blipFill>
-        <p:spPr>
-          <a:xfrm>
-            <a:off x="814872" y="2484700"/>
-            <a:ext cx="2162175" cy="2036312"/>
-          </a:xfrm>
-          <a:prstGeom prst="rect">
-            <a:avLst/>
-          </a:prstGeom>
-          <a:ln w="28575">
-            <a:solidFill>
-              <a:srgbClr val="FF0000"/>
-            </a:solidFill>
-          </a:ln>
-        </p:spPr>
-      </p:pic>
-      <p:pic>
-        <p:nvPicPr>
-          <p:cNvPr id="13" name="그림 12"/>
-          <p:cNvPicPr>
-            <a:picLocks noChangeAspect="1"/>
-          </p:cNvPicPr>
-          <p:nvPr/>
-        </p:nvPicPr>
-        <p:blipFill rotWithShape="1">
-          <a:blip r:embed="rId2">
-            <a:extLst>
-              <a:ext uri="{28A0092B-C50C-407E-A947-70E740481C1C}">
-                <a14:useLocalDpi xmlns:a14="http://schemas.microsoft.com/office/drawing/2010/main" val="0"/>
-              </a:ext>
-            </a:extLst>
-          </a:blip>
-          <a:srcRect t="54102"/>
-          <a:stretch/>
-        </p:blipFill>
-        <p:spPr>
-          <a:xfrm>
-            <a:off x="3195751" y="2484700"/>
-            <a:ext cx="2162175" cy="1735588"/>
-          </a:xfrm>
-          <a:prstGeom prst="rect">
-            <a:avLst/>
-          </a:prstGeom>
-          <a:ln w="28575">
-            <a:solidFill>
-              <a:srgbClr val="FF0000"/>
-            </a:solidFill>
-          </a:ln>
-        </p:spPr>
-      </p:pic>
-      <p:sp>
-        <p:nvSpPr>
-          <p:cNvPr id="14" name="직사각형 13">
-            <a:extLst>
-              <a:ext uri="{FF2B5EF4-FFF2-40B4-BE49-F238E27FC236}">
-                <a16:creationId xmlns:a16="http://schemas.microsoft.com/office/drawing/2014/main" id="{D5720FFE-C359-4BBC-8671-5A9D15B30324}"/>
-              </a:ext>
-            </a:extLst>
-          </p:cNvPr>
-          <p:cNvSpPr/>
-          <p:nvPr/>
-        </p:nvSpPr>
-        <p:spPr>
-          <a:xfrm>
-            <a:off x="808655" y="1772698"/>
-            <a:ext cx="2048845" cy="576064"/>
-          </a:xfrm>
-          <a:prstGeom prst="rect">
-            <a:avLst/>
-          </a:prstGeom>
-          <a:solidFill>
-            <a:schemeClr val="accent1"/>
-          </a:solidFill>
-          <a:ln w="28575">
-            <a:solidFill>
-              <a:schemeClr val="tx1"/>
-            </a:solidFill>
-          </a:ln>
-        </p:spPr>
-        <p:style>
-          <a:lnRef idx="3">
-            <a:schemeClr val="lt1"/>
-          </a:lnRef>
-          <a:fillRef idx="1">
-            <a:schemeClr val="accent1"/>
-          </a:fillRef>
-          <a:effectRef idx="1">
-            <a:schemeClr val="accent1"/>
-          </a:effectRef>
-          <a:fontRef idx="minor">
-            <a:schemeClr val="lt1"/>
-          </a:fontRef>
-        </p:style>
-        <p:txBody>
-          <a:bodyPr rtlCol="0" anchor="ctr"/>
-          <a:lstStyle/>
-          <a:p>
-            <a:pPr algn="ctr"/>
-            <a:r>
-              <a:rPr lang="en-US" altLang="ko-KR" sz="1600" b="1" dirty="0" err="1">
-                <a:solidFill>
-                  <a:schemeClr val="bg1"/>
-                </a:solidFill>
-                <a:latin typeface="나눔고딕" panose="020D0604000000000000" pitchFamily="50" charset="-127"/>
-                <a:ea typeface="나눔고딕" panose="020D0604000000000000" pitchFamily="50" charset="-127"/>
-              </a:rPr>
-              <a:t>src</a:t>
-            </a:r>
-            <a:r>
-              <a:rPr lang="en-US" altLang="ko-KR" sz="1600" b="1" dirty="0">
-                <a:solidFill>
-                  <a:schemeClr val="bg1"/>
-                </a:solidFill>
-                <a:latin typeface="나눔고딕" panose="020D0604000000000000" pitchFamily="50" charset="-127"/>
-                <a:ea typeface="나눔고딕" panose="020D0604000000000000" pitchFamily="50" charset="-127"/>
-              </a:rPr>
-              <a:t>/main/resources</a:t>
-            </a:r>
-            <a:endParaRPr lang="ko-KR" altLang="en-US" sz="1600" b="1" dirty="0">
-              <a:solidFill>
-                <a:schemeClr val="bg1"/>
-              </a:solidFill>
-              <a:latin typeface="나눔고딕" panose="020D0604000000000000" pitchFamily="50" charset="-127"/>
-              <a:ea typeface="나눔고딕" panose="020D0604000000000000" pitchFamily="50" charset="-127"/>
-            </a:endParaRPr>
-          </a:p>
-        </p:txBody>
-      </p:sp>
-      <p:sp>
-        <p:nvSpPr>
-          <p:cNvPr id="15" name="직사각형 14">
-            <a:extLst>
-              <a:ext uri="{FF2B5EF4-FFF2-40B4-BE49-F238E27FC236}">
-                <a16:creationId xmlns:a16="http://schemas.microsoft.com/office/drawing/2014/main" id="{72D919C1-2A18-43B1-8C56-00B18C7CF2E7}"/>
-              </a:ext>
-            </a:extLst>
-          </p:cNvPr>
-          <p:cNvSpPr/>
-          <p:nvPr/>
-        </p:nvSpPr>
-        <p:spPr>
-          <a:xfrm>
-            <a:off x="3434979" y="5778808"/>
-            <a:ext cx="1096344" cy="600164"/>
-          </a:xfrm>
-          <a:prstGeom prst="rect">
-            <a:avLst/>
-          </a:prstGeom>
-          <a:ln w="28575">
-            <a:solidFill>
-              <a:srgbClr val="FF0000"/>
-            </a:solidFill>
-          </a:ln>
-        </p:spPr>
-        <p:style>
-          <a:lnRef idx="2">
-            <a:schemeClr val="accent1"/>
-          </a:lnRef>
-          <a:fillRef idx="1">
-            <a:schemeClr val="lt1"/>
-          </a:fillRef>
-          <a:effectRef idx="0">
-            <a:schemeClr val="accent1"/>
-          </a:effectRef>
-          <a:fontRef idx="minor">
-            <a:schemeClr val="dk1"/>
-          </a:fontRef>
-        </p:style>
-        <p:txBody>
-          <a:bodyPr wrap="square" rtlCol="0" anchor="ctr">
-            <a:spAutoFit/>
-          </a:bodyPr>
-          <a:lstStyle/>
-          <a:p>
-            <a:pPr algn="ctr"/>
-            <a:r>
-              <a:rPr lang="en-US" altLang="ko-KR" sz="1100" b="1" dirty="0" smtClean="0">
-                <a:latin typeface="나눔고딕" panose="020D0604000000000000" pitchFamily="50" charset="-127"/>
-                <a:ea typeface="나눔고딕" panose="020D0604000000000000" pitchFamily="50" charset="-127"/>
-              </a:rPr>
-              <a:t>Mapper</a:t>
-            </a:r>
-          </a:p>
-          <a:p>
-            <a:pPr algn="ctr"/>
-            <a:r>
-              <a:rPr lang="en-US" altLang="ko-KR" sz="1100" b="1" dirty="0" err="1" smtClean="0">
-                <a:latin typeface="나눔고딕" panose="020D0604000000000000" pitchFamily="50" charset="-127"/>
-                <a:ea typeface="나눔고딕" panose="020D0604000000000000" pitchFamily="50" charset="-127"/>
-              </a:rPr>
-              <a:t>modelConfig</a:t>
-            </a:r>
-            <a:endParaRPr lang="en-US" altLang="ko-KR" sz="1100" b="1" dirty="0" smtClean="0">
-              <a:latin typeface="나눔고딕" panose="020D0604000000000000" pitchFamily="50" charset="-127"/>
-              <a:ea typeface="나눔고딕" panose="020D0604000000000000" pitchFamily="50" charset="-127"/>
-            </a:endParaRPr>
-          </a:p>
-          <a:p>
-            <a:pPr algn="ctr"/>
-            <a:r>
-              <a:rPr lang="ko-KR" altLang="en-US" sz="1100" b="1" dirty="0" smtClean="0">
-                <a:latin typeface="나눔고딕" panose="020D0604000000000000" pitchFamily="50" charset="-127"/>
-                <a:ea typeface="나눔고딕" panose="020D0604000000000000" pitchFamily="50" charset="-127"/>
-              </a:rPr>
-              <a:t>파일</a:t>
-            </a:r>
-            <a:endParaRPr lang="ko-KR" altLang="en-US" sz="1100" b="1" dirty="0">
-              <a:latin typeface="나눔고딕" panose="020D0604000000000000" pitchFamily="50" charset="-127"/>
-              <a:ea typeface="나눔고딕" panose="020D0604000000000000" pitchFamily="50" charset="-127"/>
-            </a:endParaRPr>
-          </a:p>
-        </p:txBody>
-      </p:sp>
-      <p:sp>
-        <p:nvSpPr>
-          <p:cNvPr id="17" name="직사각형 16">
-            <a:extLst>
-              <a:ext uri="{FF2B5EF4-FFF2-40B4-BE49-F238E27FC236}">
-                <a16:creationId xmlns:a16="http://schemas.microsoft.com/office/drawing/2014/main" id="{D5720FFE-C359-4BBC-8671-5A9D15B30324}"/>
-              </a:ext>
-            </a:extLst>
-          </p:cNvPr>
-          <p:cNvSpPr/>
-          <p:nvPr/>
-        </p:nvSpPr>
-        <p:spPr>
-          <a:xfrm>
-            <a:off x="5837855" y="1772698"/>
-            <a:ext cx="1848819" cy="576064"/>
-          </a:xfrm>
-          <a:prstGeom prst="rect">
-            <a:avLst/>
-          </a:prstGeom>
-          <a:solidFill>
-            <a:schemeClr val="accent1"/>
-          </a:solidFill>
-          <a:ln w="28575">
-            <a:solidFill>
-              <a:schemeClr val="tx1"/>
-            </a:solidFill>
-          </a:ln>
-        </p:spPr>
-        <p:style>
-          <a:lnRef idx="3">
-            <a:schemeClr val="lt1"/>
-          </a:lnRef>
-          <a:fillRef idx="1">
-            <a:schemeClr val="accent1"/>
-          </a:fillRef>
-          <a:effectRef idx="1">
-            <a:schemeClr val="accent1"/>
-          </a:effectRef>
-          <a:fontRef idx="minor">
-            <a:schemeClr val="lt1"/>
-          </a:fontRef>
-        </p:style>
-        <p:txBody>
-          <a:bodyPr rtlCol="0" anchor="ctr"/>
-          <a:lstStyle/>
-          <a:p>
-            <a:pPr algn="ctr"/>
-            <a:r>
-              <a:rPr lang="en-US" altLang="ko-KR" sz="1600" b="1" dirty="0" err="1" smtClean="0">
-                <a:solidFill>
-                  <a:schemeClr val="bg1"/>
-                </a:solidFill>
-                <a:latin typeface="나눔고딕" panose="020D0604000000000000" pitchFamily="50" charset="-127"/>
-                <a:ea typeface="나눔고딕" panose="020D0604000000000000" pitchFamily="50" charset="-127"/>
-              </a:rPr>
-              <a:t>src</a:t>
-            </a:r>
-            <a:r>
-              <a:rPr lang="en-US" altLang="ko-KR" sz="1600" b="1" dirty="0" smtClean="0">
-                <a:solidFill>
-                  <a:schemeClr val="bg1"/>
-                </a:solidFill>
-                <a:latin typeface="나눔고딕" panose="020D0604000000000000" pitchFamily="50" charset="-127"/>
-                <a:ea typeface="나눔고딕" panose="020D0604000000000000" pitchFamily="50" charset="-127"/>
-              </a:rPr>
-              <a:t>/main/</a:t>
-            </a:r>
-            <a:r>
-              <a:rPr lang="en-US" altLang="ko-KR" sz="1600" b="1" dirty="0" err="1" smtClean="0">
-                <a:solidFill>
-                  <a:schemeClr val="bg1"/>
-                </a:solidFill>
-                <a:latin typeface="나눔고딕" panose="020D0604000000000000" pitchFamily="50" charset="-127"/>
-                <a:ea typeface="나눔고딕" panose="020D0604000000000000" pitchFamily="50" charset="-127"/>
-              </a:rPr>
-              <a:t>webapp</a:t>
-            </a:r>
-            <a:endParaRPr lang="ko-KR" altLang="en-US" sz="1600" b="1" dirty="0">
-              <a:solidFill>
-                <a:schemeClr val="bg1"/>
-              </a:solidFill>
-              <a:latin typeface="나눔고딕" panose="020D0604000000000000" pitchFamily="50" charset="-127"/>
-              <a:ea typeface="나눔고딕" panose="020D0604000000000000" pitchFamily="50" charset="-127"/>
-            </a:endParaRPr>
-          </a:p>
-        </p:txBody>
-      </p:sp>
-      <p:pic>
-        <p:nvPicPr>
-          <p:cNvPr id="18" name="그림 17"/>
-          <p:cNvPicPr>
-            <a:picLocks noChangeAspect="1"/>
-          </p:cNvPicPr>
-          <p:nvPr/>
-        </p:nvPicPr>
-        <p:blipFill rotWithShape="1">
-          <a:blip r:embed="rId3">
-            <a:extLst>
-              <a:ext uri="{28A0092B-C50C-407E-A947-70E740481C1C}">
-                <a14:useLocalDpi xmlns:a14="http://schemas.microsoft.com/office/drawing/2010/main" val="0"/>
-              </a:ext>
-            </a:extLst>
-          </a:blip>
-          <a:srcRect b="54017"/>
-          <a:stretch/>
-        </p:blipFill>
-        <p:spPr>
-          <a:xfrm>
-            <a:off x="5837856" y="2747963"/>
-            <a:ext cx="2743200" cy="2071688"/>
-          </a:xfrm>
-          <a:prstGeom prst="rect">
-            <a:avLst/>
-          </a:prstGeom>
-          <a:ln w="28575">
-            <a:solidFill>
-              <a:srgbClr val="FF0000"/>
-            </a:solidFill>
-          </a:ln>
-        </p:spPr>
-      </p:pic>
-      <p:pic>
-        <p:nvPicPr>
-          <p:cNvPr id="19" name="그림 18"/>
-          <p:cNvPicPr>
-            <a:picLocks noChangeAspect="1"/>
-          </p:cNvPicPr>
-          <p:nvPr/>
-        </p:nvPicPr>
-        <p:blipFill rotWithShape="1">
-          <a:blip r:embed="rId3">
-            <a:extLst>
-              <a:ext uri="{28A0092B-C50C-407E-A947-70E740481C1C}">
-                <a14:useLocalDpi xmlns:a14="http://schemas.microsoft.com/office/drawing/2010/main" val="0"/>
-              </a:ext>
-            </a:extLst>
-          </a:blip>
-          <a:srcRect t="45559" b="1"/>
-          <a:stretch/>
-        </p:blipFill>
-        <p:spPr>
-          <a:xfrm>
-            <a:off x="8820150" y="2380613"/>
-            <a:ext cx="2743200" cy="2452687"/>
-          </a:xfrm>
-          <a:prstGeom prst="rect">
-            <a:avLst/>
-          </a:prstGeom>
-          <a:ln w="28575">
-            <a:solidFill>
-              <a:srgbClr val="FF0000"/>
-            </a:solidFill>
-          </a:ln>
-        </p:spPr>
-      </p:pic>
-      <p:sp>
-        <p:nvSpPr>
-          <p:cNvPr id="20" name="직사각형 19">
-            <a:extLst>
-              <a:ext uri="{FF2B5EF4-FFF2-40B4-BE49-F238E27FC236}">
-                <a16:creationId xmlns:a16="http://schemas.microsoft.com/office/drawing/2014/main" id="{72D919C1-2A18-43B1-8C56-00B18C7CF2E7}"/>
-              </a:ext>
-            </a:extLst>
-          </p:cNvPr>
-          <p:cNvSpPr/>
-          <p:nvPr/>
-        </p:nvSpPr>
-        <p:spPr>
-          <a:xfrm>
-            <a:off x="5815835" y="5135341"/>
-            <a:ext cx="2765221" cy="354050"/>
-          </a:xfrm>
-          <a:prstGeom prst="rect">
-            <a:avLst/>
-          </a:prstGeom>
-          <a:ln w="28575">
-            <a:solidFill>
-              <a:srgbClr val="FF0000"/>
-            </a:solidFill>
-          </a:ln>
-        </p:spPr>
-        <p:style>
-          <a:lnRef idx="2">
-            <a:schemeClr val="accent1"/>
-          </a:lnRef>
-          <a:fillRef idx="1">
-            <a:schemeClr val="lt1"/>
-          </a:fillRef>
-          <a:effectRef idx="0">
-            <a:schemeClr val="accent1"/>
-          </a:effectRef>
-          <a:fontRef idx="minor">
-            <a:schemeClr val="dk1"/>
-          </a:fontRef>
-        </p:style>
-        <p:txBody>
-          <a:bodyPr rtlCol="0" anchor="ctr"/>
-          <a:lstStyle/>
-          <a:p>
-            <a:pPr algn="ctr"/>
-            <a:r>
-              <a:rPr lang="en-US" altLang="ko-KR" sz="1100" b="1" dirty="0">
-                <a:latin typeface="나눔고딕" panose="020D0604000000000000" pitchFamily="50" charset="-127"/>
-                <a:ea typeface="나눔고딕" panose="020D0604000000000000" pitchFamily="50" charset="-127"/>
-              </a:rPr>
-              <a:t>WEB-INF</a:t>
-            </a:r>
-            <a:r>
-              <a:rPr lang="ko-KR" altLang="en-US" sz="1100" b="1" dirty="0">
-                <a:latin typeface="나눔고딕" panose="020D0604000000000000" pitchFamily="50" charset="-127"/>
-                <a:ea typeface="나눔고딕" panose="020D0604000000000000" pitchFamily="50" charset="-127"/>
-              </a:rPr>
-              <a:t> </a:t>
-            </a:r>
-            <a:r>
-              <a:rPr lang="ko-KR" altLang="en-US" sz="1100" b="1" dirty="0" smtClean="0">
-                <a:latin typeface="나눔고딕" panose="020D0604000000000000" pitchFamily="50" charset="-127"/>
-                <a:ea typeface="나눔고딕" panose="020D0604000000000000" pitchFamily="50" charset="-127"/>
-              </a:rPr>
-              <a:t>등 웹 애플리케이션 리소스 </a:t>
-            </a:r>
-            <a:r>
-              <a:rPr lang="ko-KR" altLang="en-US" sz="1100" b="1" dirty="0">
-                <a:latin typeface="나눔고딕" panose="020D0604000000000000" pitchFamily="50" charset="-127"/>
-                <a:ea typeface="나눔고딕" panose="020D0604000000000000" pitchFamily="50" charset="-127"/>
-              </a:rPr>
-              <a:t>위치</a:t>
-            </a:r>
-          </a:p>
-        </p:txBody>
-      </p:sp>
-      <p:sp>
-        <p:nvSpPr>
-          <p:cNvPr id="21" name="TextBox 20"/>
+      <p:sp>
+        <p:nvSpPr>
+          <p:cNvPr id="17" name="TextBox 16"/>
           <p:cNvSpPr txBox="1"/>
           <p:nvPr/>
         </p:nvSpPr>
         <p:spPr>
           <a:xfrm>
             <a:off x="1609648" y="652588"/>
-            <a:ext cx="3485249" cy="646331"/>
+            <a:ext cx="2486578" cy="646331"/>
           </a:xfrm>
           <a:prstGeom prst="rect">
             <a:avLst/>
@@ -26555,7 +26023,19 @@
                 <a:latin typeface="나눔고딕" panose="020D0604000000000000" pitchFamily="50" charset="-127"/>
                 <a:ea typeface="나눔고딕" panose="020D0604000000000000" pitchFamily="50" charset="-127"/>
               </a:rPr>
-              <a:t>페이지 구성 요소</a:t>
+              <a:t>로그인 </a:t>
+            </a:r>
+            <a:r>
+              <a:rPr lang="ko-KR" altLang="en-US" sz="3600" b="1" dirty="0" smtClean="0">
+                <a:ln w="12700">
+                  <a:solidFill>
+                    <a:sysClr val="windowText" lastClr="000000"/>
+                  </a:solidFill>
+                </a:ln>
+                <a:latin typeface="나눔고딕" panose="020D0604000000000000" pitchFamily="50" charset="-127"/>
+                <a:ea typeface="나눔고딕" panose="020D0604000000000000" pitchFamily="50" charset="-127"/>
+              </a:rPr>
+              <a:t>구현</a:t>
             </a:r>
             <a:endParaRPr lang="ko-KR" altLang="en-US" sz="3600" b="1" dirty="0">
               <a:ln w="12700">
@@ -26569,22 +26049,165 @@
           </a:p>
         </p:txBody>
       </p:sp>
-      <p:sp>
-        <p:nvSpPr>
-          <p:cNvPr id="11" name="직사각형 10">
+      <p:pic>
+        <p:nvPicPr>
+          <p:cNvPr id="24" name="그림 23"/>
+          <p:cNvPicPr>
+            <a:picLocks noChangeAspect="1"/>
+          </p:cNvPicPr>
+          <p:nvPr/>
+        </p:nvPicPr>
+        <p:blipFill rotWithShape="1">
+          <a:blip r:embed="rId2"/>
+          <a:srcRect t="1" b="1432"/>
+          <a:stretch/>
+        </p:blipFill>
+        <p:spPr>
+          <a:xfrm>
+            <a:off x="1369173" y="1664276"/>
+            <a:ext cx="1373684" cy="2425586"/>
+          </a:xfrm>
+          <a:prstGeom prst="rect">
+            <a:avLst/>
+          </a:prstGeom>
+          <a:ln w="28575">
+            <a:solidFill>
+              <a:schemeClr val="tx1"/>
+            </a:solidFill>
+          </a:ln>
+        </p:spPr>
+      </p:pic>
+      <p:sp>
+        <p:nvSpPr>
+          <p:cNvPr id="28" name="직사각형 27"/>
+          <p:cNvSpPr/>
+          <p:nvPr/>
+        </p:nvSpPr>
+        <p:spPr>
+          <a:xfrm>
+            <a:off x="1754655" y="2416248"/>
+            <a:ext cx="683629" cy="158677"/>
+          </a:xfrm>
+          <a:prstGeom prst="rect">
+            <a:avLst/>
+          </a:prstGeom>
+          <a:noFill/>
+          <a:ln w="28575">
+            <a:solidFill>
+              <a:srgbClr val="FF0000"/>
+            </a:solidFill>
+            <a:prstDash val="sysDot"/>
+          </a:ln>
+        </p:spPr>
+        <p:style>
+          <a:lnRef idx="2">
+            <a:schemeClr val="accent1">
+              <a:shade val="50000"/>
+            </a:schemeClr>
+          </a:lnRef>
+          <a:fillRef idx="1">
+            <a:schemeClr val="accent1"/>
+          </a:fillRef>
+          <a:effectRef idx="0">
+            <a:schemeClr val="accent1"/>
+          </a:effectRef>
+          <a:fontRef idx="minor">
+            <a:schemeClr val="lt1"/>
+          </a:fontRef>
+        </p:style>
+        <p:txBody>
+          <a:bodyPr rtlCol="0" anchor="ctr"/>
+          <a:lstStyle/>
+          <a:p>
+            <a:pPr algn="ctr"/>
+            <a:endParaRPr lang="ko-KR" altLang="en-US"/>
+          </a:p>
+        </p:txBody>
+      </p:sp>
+      <p:pic>
+        <p:nvPicPr>
+          <p:cNvPr id="4" name="그림 3"/>
+          <p:cNvPicPr>
+            <a:picLocks noChangeAspect="1"/>
+          </p:cNvPicPr>
+          <p:nvPr/>
+        </p:nvPicPr>
+        <p:blipFill>
+          <a:blip r:embed="rId3"/>
+          <a:stretch>
+            <a:fillRect/>
+          </a:stretch>
+        </p:blipFill>
+        <p:spPr>
+          <a:xfrm>
+            <a:off x="2931099" y="1664276"/>
+            <a:ext cx="4508789" cy="2569856"/>
+          </a:xfrm>
+          <a:prstGeom prst="rect">
+            <a:avLst/>
+          </a:prstGeom>
+          <a:ln w="28575">
+            <a:solidFill>
+              <a:schemeClr val="tx1"/>
+            </a:solidFill>
+          </a:ln>
+        </p:spPr>
+      </p:pic>
+      <p:cxnSp>
+        <p:nvCxnSpPr>
+          <p:cNvPr id="29" name="직선 화살표 연결선 28"/>
+          <p:cNvCxnSpPr>
+            <a:stCxn id="31" idx="3"/>
+            <a:endCxn id="30" idx="1"/>
+          </p:cNvCxnSpPr>
+          <p:nvPr/>
+        </p:nvCxnSpPr>
+        <p:spPr>
+          <a:xfrm>
+            <a:off x="7391400" y="2350504"/>
+            <a:ext cx="296416" cy="0"/>
+          </a:xfrm>
+          <a:prstGeom prst="straightConnector1">
+            <a:avLst/>
+          </a:prstGeom>
+          <a:ln w="28575">
+            <a:solidFill>
+              <a:srgbClr val="FF0000"/>
+            </a:solidFill>
+            <a:tailEnd type="triangle"/>
+          </a:ln>
+        </p:spPr>
+        <p:style>
+          <a:lnRef idx="1">
+            <a:schemeClr val="accent1"/>
+          </a:lnRef>
+          <a:fillRef idx="0">
+            <a:schemeClr val="accent1"/>
+          </a:fillRef>
+          <a:effectRef idx="0">
+            <a:schemeClr val="accent1"/>
+          </a:effectRef>
+          <a:fontRef idx="minor">
+            <a:schemeClr val="tx1"/>
+          </a:fontRef>
+        </p:style>
+      </p:cxnSp>
+      <p:sp>
+        <p:nvSpPr>
+          <p:cNvPr id="30" name="TextBox 29">
             <a:extLst>
               <a:ext uri="{FF2B5EF4-FFF2-40B4-BE49-F238E27FC236}">
-                <a16:creationId xmlns:a16="http://schemas.microsoft.com/office/drawing/2014/main" id="{72D919C1-2A18-43B1-8C56-00B18C7CF2E7}"/>
+                <a16:creationId xmlns:a16="http://schemas.microsoft.com/office/drawing/2014/main" id="{A817718E-AE2D-4626-A2EC-F35A9ACE9710}"/>
               </a:ext>
             </a:extLst>
           </p:cNvPr>
-          <p:cNvSpPr/>
-          <p:nvPr/>
-        </p:nvSpPr>
-        <p:spPr>
-          <a:xfrm>
-            <a:off x="3195751" y="5135341"/>
-            <a:ext cx="787400" cy="261610"/>
+          <p:cNvSpPr txBox="1"/>
+          <p:nvPr/>
+        </p:nvSpPr>
+        <p:spPr>
+          <a:xfrm>
+            <a:off x="7687816" y="2219699"/>
+            <a:ext cx="1018034" cy="261610"/>
           </a:xfrm>
           <a:prstGeom prst="rect">
             <a:avLst/>
@@ -26597,38 +26220,31 @@
         </p:spPr>
         <p:style>
           <a:lnRef idx="2">
-            <a:schemeClr val="accent1"/>
+            <a:schemeClr val="accent6"/>
           </a:lnRef>
           <a:fillRef idx="1">
             <a:schemeClr val="lt1"/>
           </a:fillRef>
           <a:effectRef idx="0">
-            <a:schemeClr val="accent1"/>
+            <a:schemeClr val="accent6"/>
           </a:effectRef>
           <a:fontRef idx="minor">
             <a:schemeClr val="dk1"/>
           </a:fontRef>
         </p:style>
         <p:txBody>
-          <a:bodyPr wrap="square" rtlCol="0" anchor="ctr">
+          <a:bodyPr wrap="square" rtlCol="0">
             <a:spAutoFit/>
           </a:bodyPr>
           <a:lstStyle/>
           <a:p>
             <a:pPr algn="ctr"/>
             <a:r>
-              <a:rPr lang="en-US" altLang="ko-KR" sz="1100" b="1" dirty="0" smtClean="0">
-                <a:latin typeface="나눔고딕" panose="020D0604000000000000" pitchFamily="50" charset="-127"/>
-                <a:ea typeface="나눔고딕" panose="020D0604000000000000" pitchFamily="50" charset="-127"/>
-              </a:rPr>
-              <a:t>Tiles </a:t>
-            </a:r>
-            <a:r>
-              <a:rPr lang="ko-KR" altLang="en-US" sz="1100" b="1" dirty="0" smtClean="0">
-                <a:latin typeface="나눔고딕" panose="020D0604000000000000" pitchFamily="50" charset="-127"/>
-                <a:ea typeface="나눔고딕" panose="020D0604000000000000" pitchFamily="50" charset="-127"/>
-              </a:rPr>
-              <a:t>파일</a:t>
+              <a:rPr lang="ko-KR" altLang="en-US" sz="1100" b="1" smtClean="0">
+                <a:latin typeface="나눔고딕" panose="020D0604000000000000" pitchFamily="50" charset="-127"/>
+                <a:ea typeface="나눔고딕" panose="020D0604000000000000" pitchFamily="50" charset="-127"/>
+              </a:rPr>
+              <a:t>로그인시 표시</a:t>
             </a:r>
             <a:endParaRPr lang="ko-KR" altLang="en-US" sz="1100" b="1" dirty="0">
               <a:latin typeface="나눔고딕" panose="020D0604000000000000" pitchFamily="50" charset="-127"/>
@@ -26639,20 +26255,153 @@
       </p:sp>
       <p:sp>
         <p:nvSpPr>
-          <p:cNvPr id="16" name="직사각형 15">
+          <p:cNvPr id="31" name="직사각형 30"/>
+          <p:cNvSpPr/>
+          <p:nvPr/>
+        </p:nvSpPr>
+        <p:spPr>
+          <a:xfrm>
+            <a:off x="3601519" y="2014958"/>
+            <a:ext cx="3789881" cy="671092"/>
+          </a:xfrm>
+          <a:prstGeom prst="rect">
+            <a:avLst/>
+          </a:prstGeom>
+          <a:noFill/>
+          <a:ln w="28575">
+            <a:solidFill>
+              <a:srgbClr val="FF0000"/>
+            </a:solidFill>
+            <a:prstDash val="sysDot"/>
+          </a:ln>
+        </p:spPr>
+        <p:style>
+          <a:lnRef idx="2">
+            <a:schemeClr val="accent1">
+              <a:shade val="50000"/>
+            </a:schemeClr>
+          </a:lnRef>
+          <a:fillRef idx="1">
+            <a:schemeClr val="accent1"/>
+          </a:fillRef>
+          <a:effectRef idx="0">
+            <a:schemeClr val="accent1"/>
+          </a:effectRef>
+          <a:fontRef idx="minor">
+            <a:schemeClr val="lt1"/>
+          </a:fontRef>
+        </p:style>
+        <p:txBody>
+          <a:bodyPr rtlCol="0" anchor="ctr"/>
+          <a:lstStyle/>
+          <a:p>
+            <a:pPr algn="ctr"/>
+            <a:endParaRPr lang="ko-KR" altLang="en-US"/>
+          </a:p>
+        </p:txBody>
+      </p:sp>
+      <p:sp>
+        <p:nvSpPr>
+          <p:cNvPr id="38" name="직사각형 37"/>
+          <p:cNvSpPr/>
+          <p:nvPr/>
+        </p:nvSpPr>
+        <p:spPr>
+          <a:xfrm>
+            <a:off x="3601519" y="2728721"/>
+            <a:ext cx="3789881" cy="439929"/>
+          </a:xfrm>
+          <a:prstGeom prst="rect">
+            <a:avLst/>
+          </a:prstGeom>
+          <a:noFill/>
+          <a:ln w="28575">
+            <a:solidFill>
+              <a:srgbClr val="FF0000"/>
+            </a:solidFill>
+            <a:prstDash val="sysDot"/>
+          </a:ln>
+        </p:spPr>
+        <p:style>
+          <a:lnRef idx="2">
+            <a:schemeClr val="accent1">
+              <a:shade val="50000"/>
+            </a:schemeClr>
+          </a:lnRef>
+          <a:fillRef idx="1">
+            <a:schemeClr val="accent1"/>
+          </a:fillRef>
+          <a:effectRef idx="0">
+            <a:schemeClr val="accent1"/>
+          </a:effectRef>
+          <a:fontRef idx="minor">
+            <a:schemeClr val="lt1"/>
+          </a:fontRef>
+        </p:style>
+        <p:txBody>
+          <a:bodyPr rtlCol="0" anchor="ctr"/>
+          <a:lstStyle/>
+          <a:p>
+            <a:pPr algn="ctr"/>
+            <a:endParaRPr lang="ko-KR" altLang="en-US"/>
+          </a:p>
+        </p:txBody>
+      </p:sp>
+      <p:cxnSp>
+        <p:nvCxnSpPr>
+          <p:cNvPr id="39" name="직선 화살표 연결선 38"/>
+          <p:cNvCxnSpPr>
+            <a:stCxn id="38" idx="3"/>
+            <a:endCxn id="40" idx="1"/>
+          </p:cNvCxnSpPr>
+          <p:nvPr/>
+        </p:nvCxnSpPr>
+        <p:spPr>
+          <a:xfrm flipV="1">
+            <a:off x="7391400" y="2948685"/>
+            <a:ext cx="299591" cy="1"/>
+          </a:xfrm>
+          <a:prstGeom prst="straightConnector1">
+            <a:avLst/>
+          </a:prstGeom>
+          <a:ln w="28575">
+            <a:solidFill>
+              <a:srgbClr val="FF0000"/>
+            </a:solidFill>
+            <a:tailEnd type="triangle"/>
+          </a:ln>
+        </p:spPr>
+        <p:style>
+          <a:lnRef idx="1">
+            <a:schemeClr val="accent1"/>
+          </a:lnRef>
+          <a:fillRef idx="0">
+            <a:schemeClr val="accent1"/>
+          </a:fillRef>
+          <a:effectRef idx="0">
+            <a:schemeClr val="accent1"/>
+          </a:effectRef>
+          <a:fontRef idx="minor">
+            <a:schemeClr val="tx1"/>
+          </a:fontRef>
+        </p:style>
+      </p:cxnSp>
+      <p:sp>
+        <p:nvSpPr>
+          <p:cNvPr id="40" name="TextBox 39">
             <a:extLst>
               <a:ext uri="{FF2B5EF4-FFF2-40B4-BE49-F238E27FC236}">
-                <a16:creationId xmlns:a16="http://schemas.microsoft.com/office/drawing/2014/main" id="{72D919C1-2A18-43B1-8C56-00B18C7CF2E7}"/>
+                <a16:creationId xmlns:a16="http://schemas.microsoft.com/office/drawing/2014/main" id="{A817718E-AE2D-4626-A2EC-F35A9ACE9710}"/>
               </a:ext>
             </a:extLst>
           </p:cNvPr>
-          <p:cNvSpPr/>
-          <p:nvPr/>
-        </p:nvSpPr>
-        <p:spPr>
-          <a:xfrm>
-            <a:off x="800188" y="4656950"/>
-            <a:ext cx="1465262" cy="430887"/>
+          <p:cNvSpPr txBox="1"/>
+          <p:nvPr/>
+        </p:nvSpPr>
+        <p:spPr>
+          <a:xfrm>
+            <a:off x="7690991" y="2817880"/>
+            <a:ext cx="1151384" cy="261610"/>
           </a:xfrm>
           <a:prstGeom prst="rect">
             <a:avLst/>
@@ -26665,31 +26414,185 @@
         </p:spPr>
         <p:style>
           <a:lnRef idx="2">
-            <a:schemeClr val="accent1"/>
+            <a:schemeClr val="accent6"/>
           </a:lnRef>
           <a:fillRef idx="1">
             <a:schemeClr val="lt1"/>
           </a:fillRef>
           <a:effectRef idx="0">
-            <a:schemeClr val="accent1"/>
+            <a:schemeClr val="accent6"/>
           </a:effectRef>
           <a:fontRef idx="minor">
             <a:schemeClr val="dk1"/>
           </a:fontRef>
         </p:style>
         <p:txBody>
-          <a:bodyPr wrap="square" rtlCol="0" anchor="ctr">
+          <a:bodyPr wrap="square" rtlCol="0">
             <a:spAutoFit/>
           </a:bodyPr>
           <a:lstStyle/>
           <a:p>
             <a:pPr algn="ctr"/>
             <a:r>
+              <a:rPr lang="ko-KR" altLang="en-US" sz="1100" b="1" err="1" smtClean="0">
+                <a:latin typeface="나눔고딕" panose="020D0604000000000000" pitchFamily="50" charset="-127"/>
+                <a:ea typeface="나눔고딕" panose="020D0604000000000000" pitchFamily="50" charset="-127"/>
+              </a:rPr>
+              <a:t>로그아웃시</a:t>
+            </a:r>
+            <a:r>
               <a:rPr lang="ko-KR" altLang="en-US" sz="1100" b="1" dirty="0" smtClean="0">
                 <a:latin typeface="나눔고딕" panose="020D0604000000000000" pitchFamily="50" charset="-127"/>
                 <a:ea typeface="나눔고딕" panose="020D0604000000000000" pitchFamily="50" charset="-127"/>
               </a:rPr>
-              <a:t>페이지 구성에 필요한</a:t>
+              <a:t> 표시</a:t>
+            </a:r>
+            <a:endParaRPr lang="ko-KR" altLang="en-US" sz="1100" b="1" dirty="0">
+              <a:latin typeface="나눔고딕" panose="020D0604000000000000" pitchFamily="50" charset="-127"/>
+              <a:ea typeface="나눔고딕" panose="020D0604000000000000" pitchFamily="50" charset="-127"/>
+            </a:endParaRPr>
+          </a:p>
+        </p:txBody>
+      </p:sp>
+      <p:sp>
+        <p:nvSpPr>
+          <p:cNvPr id="44" name="직사각형 43"/>
+          <p:cNvSpPr/>
+          <p:nvPr/>
+        </p:nvSpPr>
+        <p:spPr>
+          <a:xfrm>
+            <a:off x="3391969" y="3400389"/>
+            <a:ext cx="3878781" cy="568361"/>
+          </a:xfrm>
+          <a:prstGeom prst="rect">
+            <a:avLst/>
+          </a:prstGeom>
+          <a:noFill/>
+          <a:ln w="28575">
+            <a:solidFill>
+              <a:srgbClr val="FF0000"/>
+            </a:solidFill>
+            <a:prstDash val="sysDot"/>
+          </a:ln>
+        </p:spPr>
+        <p:style>
+          <a:lnRef idx="2">
+            <a:schemeClr val="accent1">
+              <a:shade val="50000"/>
+            </a:schemeClr>
+          </a:lnRef>
+          <a:fillRef idx="1">
+            <a:schemeClr val="accent1"/>
+          </a:fillRef>
+          <a:effectRef idx="0">
+            <a:schemeClr val="accent1"/>
+          </a:effectRef>
+          <a:fontRef idx="minor">
+            <a:schemeClr val="lt1"/>
+          </a:fontRef>
+        </p:style>
+        <p:txBody>
+          <a:bodyPr rtlCol="0" anchor="ctr"/>
+          <a:lstStyle/>
+          <a:p>
+            <a:pPr algn="ctr"/>
+            <a:endParaRPr lang="ko-KR" altLang="en-US"/>
+          </a:p>
+        </p:txBody>
+      </p:sp>
+      <p:cxnSp>
+        <p:nvCxnSpPr>
+          <p:cNvPr id="45" name="직선 화살표 연결선 44"/>
+          <p:cNvCxnSpPr>
+            <a:stCxn id="44" idx="3"/>
+            <a:endCxn id="47" idx="1"/>
+          </p:cNvCxnSpPr>
+          <p:nvPr/>
+        </p:nvCxnSpPr>
+        <p:spPr>
+          <a:xfrm>
+            <a:off x="7270750" y="3684570"/>
+            <a:ext cx="345058" cy="1539"/>
+          </a:xfrm>
+          <a:prstGeom prst="straightConnector1">
+            <a:avLst/>
+          </a:prstGeom>
+          <a:ln w="28575">
+            <a:solidFill>
+              <a:srgbClr val="FF0000"/>
+            </a:solidFill>
+            <a:tailEnd type="triangle"/>
+          </a:ln>
+        </p:spPr>
+        <p:style>
+          <a:lnRef idx="1">
+            <a:schemeClr val="accent1"/>
+          </a:lnRef>
+          <a:fillRef idx="0">
+            <a:schemeClr val="accent1"/>
+          </a:fillRef>
+          <a:effectRef idx="0">
+            <a:schemeClr val="accent1"/>
+          </a:effectRef>
+          <a:fontRef idx="minor">
+            <a:schemeClr val="tx1"/>
+          </a:fontRef>
+        </p:style>
+      </p:cxnSp>
+      <p:sp>
+        <p:nvSpPr>
+          <p:cNvPr id="47" name="TextBox 46">
+            <a:extLst>
+              <a:ext uri="{FF2B5EF4-FFF2-40B4-BE49-F238E27FC236}">
+                <a16:creationId xmlns:a16="http://schemas.microsoft.com/office/drawing/2014/main" id="{A817718E-AE2D-4626-A2EC-F35A9ACE9710}"/>
+              </a:ext>
+            </a:extLst>
+          </p:cNvPr>
+          <p:cNvSpPr txBox="1"/>
+          <p:nvPr/>
+        </p:nvSpPr>
+        <p:spPr>
+          <a:xfrm>
+            <a:off x="7615808" y="3470665"/>
+            <a:ext cx="1293242" cy="430887"/>
+          </a:xfrm>
+          <a:prstGeom prst="rect">
+            <a:avLst/>
+          </a:prstGeom>
+          <a:ln w="28575">
+            <a:solidFill>
+              <a:srgbClr val="FF0000"/>
+            </a:solidFill>
+          </a:ln>
+        </p:spPr>
+        <p:style>
+          <a:lnRef idx="2">
+            <a:schemeClr val="accent6"/>
+          </a:lnRef>
+          <a:fillRef idx="1">
+            <a:schemeClr val="lt1"/>
+          </a:fillRef>
+          <a:effectRef idx="0">
+            <a:schemeClr val="accent6"/>
+          </a:effectRef>
+          <a:fontRef idx="minor">
+            <a:schemeClr val="dk1"/>
+          </a:fontRef>
+        </p:style>
+        <p:txBody>
+          <a:bodyPr wrap="square" rtlCol="0">
+            <a:spAutoFit/>
+          </a:bodyPr>
+          <a:lstStyle/>
+          <a:p>
+            <a:pPr algn="ctr"/>
+            <a:r>
+              <a:rPr lang="ko-KR" altLang="en-US" sz="1100" b="1" dirty="0" smtClean="0">
+                <a:latin typeface="나눔고딕" panose="020D0604000000000000" pitchFamily="50" charset="-127"/>
+                <a:ea typeface="나눔고딕" panose="020D0604000000000000" pitchFamily="50" charset="-127"/>
+              </a:rPr>
+              <a:t>관리자로 로그인시</a:t>
             </a:r>
             <a:endParaRPr lang="en-US" altLang="ko-KR" sz="1100" b="1" dirty="0" smtClean="0">
               <a:latin typeface="나눔고딕" panose="020D0604000000000000" pitchFamily="50" charset="-127"/>
@@ -26703,45 +26606,583 @@
                 <a:latin typeface="나눔고딕" panose="020D0604000000000000" pitchFamily="50" charset="-127"/>
                 <a:ea typeface="나눔고딕" panose="020D0604000000000000" pitchFamily="50" charset="-127"/>
               </a:rPr>
-              <a:t>Mapper </a:t>
+              <a:t>‘</a:t>
             </a:r>
             <a:r>
               <a:rPr lang="ko-KR" altLang="en-US" sz="1100" b="1" dirty="0" smtClean="0">
                 <a:latin typeface="나눔고딕" panose="020D0604000000000000" pitchFamily="50" charset="-127"/>
                 <a:ea typeface="나눔고딕" panose="020D0604000000000000" pitchFamily="50" charset="-127"/>
               </a:rPr>
-              <a:t>파일</a:t>
+              <a:t>관리자</a:t>
+            </a:r>
+            <a:r>
+              <a:rPr lang="en-US" altLang="ko-KR" sz="1100" b="1" dirty="0" smtClean="0">
+                <a:latin typeface="나눔고딕" panose="020D0604000000000000" pitchFamily="50" charset="-127"/>
+                <a:ea typeface="나눔고딕" panose="020D0604000000000000" pitchFamily="50" charset="-127"/>
+              </a:rPr>
+              <a:t>’</a:t>
+            </a:r>
+            <a:r>
+              <a:rPr lang="ko-KR" altLang="en-US" sz="1100" b="1" dirty="0" smtClean="0">
+                <a:latin typeface="나눔고딕" panose="020D0604000000000000" pitchFamily="50" charset="-127"/>
+                <a:ea typeface="나눔고딕" panose="020D0604000000000000" pitchFamily="50" charset="-127"/>
+              </a:rPr>
+              <a:t>를 표시</a:t>
+            </a:r>
+            <a:endParaRPr lang="ko-KR" altLang="en-US" sz="1100" b="1" dirty="0">
+              <a:latin typeface="나눔고딕" panose="020D0604000000000000" pitchFamily="50" charset="-127"/>
+              <a:ea typeface="나눔고딕" panose="020D0604000000000000" pitchFamily="50" charset="-127"/>
+            </a:endParaRPr>
+          </a:p>
+        </p:txBody>
+      </p:sp>
+      <p:pic>
+        <p:nvPicPr>
+          <p:cNvPr id="49" name="그림 48"/>
+          <p:cNvPicPr>
+            <a:picLocks noChangeAspect="1"/>
+          </p:cNvPicPr>
+          <p:nvPr/>
+        </p:nvPicPr>
+        <p:blipFill>
+          <a:blip r:embed="rId4"/>
+          <a:stretch>
+            <a:fillRect/>
+          </a:stretch>
+        </p:blipFill>
+        <p:spPr>
+          <a:xfrm>
+            <a:off x="1310390" y="4566707"/>
+            <a:ext cx="4462895" cy="1731097"/>
+          </a:xfrm>
+          <a:prstGeom prst="rect">
+            <a:avLst/>
+          </a:prstGeom>
+          <a:ln w="28575">
+            <a:solidFill>
+              <a:schemeClr val="tx1"/>
+            </a:solidFill>
+          </a:ln>
+        </p:spPr>
+      </p:pic>
+      <p:pic>
+        <p:nvPicPr>
+          <p:cNvPr id="51" name="그림 50"/>
+          <p:cNvPicPr>
+            <a:picLocks noChangeAspect="1"/>
+          </p:cNvPicPr>
+          <p:nvPr/>
+        </p:nvPicPr>
+        <p:blipFill>
+          <a:blip r:embed="rId5"/>
+          <a:stretch>
+            <a:fillRect/>
+          </a:stretch>
+        </p:blipFill>
+        <p:spPr>
+          <a:xfrm>
+            <a:off x="6059041" y="5108168"/>
+            <a:ext cx="3257550" cy="266700"/>
+          </a:xfrm>
+          <a:prstGeom prst="rect">
+            <a:avLst/>
+          </a:prstGeom>
+          <a:ln w="28575">
+            <a:solidFill>
+              <a:schemeClr val="tx1"/>
+            </a:solidFill>
+          </a:ln>
+        </p:spPr>
+      </p:pic>
+      <p:pic>
+        <p:nvPicPr>
+          <p:cNvPr id="52" name="그림 51"/>
+          <p:cNvPicPr>
+            <a:picLocks noChangeAspect="1"/>
+          </p:cNvPicPr>
+          <p:nvPr/>
+        </p:nvPicPr>
+        <p:blipFill>
+          <a:blip r:embed="rId6"/>
+          <a:stretch>
+            <a:fillRect/>
+          </a:stretch>
+        </p:blipFill>
+        <p:spPr>
+          <a:xfrm>
+            <a:off x="6059041" y="4564026"/>
+            <a:ext cx="1743075" cy="238125"/>
+          </a:xfrm>
+          <a:prstGeom prst="rect">
+            <a:avLst/>
+          </a:prstGeom>
+          <a:ln w="28575">
+            <a:solidFill>
+              <a:schemeClr val="tx1"/>
+            </a:solidFill>
+          </a:ln>
+        </p:spPr>
+      </p:pic>
+      <p:pic>
+        <p:nvPicPr>
+          <p:cNvPr id="53" name="그림 52"/>
+          <p:cNvPicPr>
+            <a:picLocks noChangeAspect="1"/>
+          </p:cNvPicPr>
+          <p:nvPr/>
+        </p:nvPicPr>
+        <p:blipFill>
+          <a:blip r:embed="rId7"/>
+          <a:stretch>
+            <a:fillRect/>
+          </a:stretch>
+        </p:blipFill>
+        <p:spPr>
+          <a:xfrm>
+            <a:off x="6059041" y="5680068"/>
+            <a:ext cx="3638550" cy="228600"/>
+          </a:xfrm>
+          <a:prstGeom prst="rect">
+            <a:avLst/>
+          </a:prstGeom>
+          <a:ln w="28575">
+            <a:solidFill>
+              <a:schemeClr val="tx1"/>
+            </a:solidFill>
+          </a:ln>
+        </p:spPr>
+      </p:pic>
+      <p:sp>
+        <p:nvSpPr>
+          <p:cNvPr id="57" name="TextBox 56">
+            <a:extLst>
+              <a:ext uri="{FF2B5EF4-FFF2-40B4-BE49-F238E27FC236}">
+                <a16:creationId xmlns:a16="http://schemas.microsoft.com/office/drawing/2014/main" id="{A817718E-AE2D-4626-A2EC-F35A9ACE9710}"/>
+              </a:ext>
+            </a:extLst>
+          </p:cNvPr>
+          <p:cNvSpPr txBox="1"/>
+          <p:nvPr/>
+        </p:nvSpPr>
+        <p:spPr>
+          <a:xfrm>
+            <a:off x="1189549" y="4454299"/>
+            <a:ext cx="1628464" cy="261610"/>
+          </a:xfrm>
+          <a:prstGeom prst="rect">
+            <a:avLst/>
+          </a:prstGeom>
+          <a:ln w="28575">
+            <a:solidFill>
+              <a:srgbClr val="FF0000"/>
+            </a:solidFill>
+          </a:ln>
+        </p:spPr>
+        <p:style>
+          <a:lnRef idx="2">
+            <a:schemeClr val="accent6"/>
+          </a:lnRef>
+          <a:fillRef idx="1">
+            <a:schemeClr val="lt1"/>
+          </a:fillRef>
+          <a:effectRef idx="0">
+            <a:schemeClr val="accent6"/>
+          </a:effectRef>
+          <a:fontRef idx="minor">
+            <a:schemeClr val="dk1"/>
+          </a:fontRef>
+        </p:style>
+        <p:txBody>
+          <a:bodyPr wrap="square" rtlCol="0">
+            <a:spAutoFit/>
+          </a:bodyPr>
+          <a:lstStyle/>
+          <a:p>
+            <a:pPr algn="ctr"/>
+            <a:r>
+              <a:rPr lang="ko-KR" altLang="en-US" sz="1100" b="1" dirty="0" smtClean="0">
+                <a:latin typeface="나눔고딕" panose="020D0604000000000000" pitchFamily="50" charset="-127"/>
+                <a:ea typeface="나눔고딕" panose="020D0604000000000000" pitchFamily="50" charset="-127"/>
+              </a:rPr>
+              <a:t>로그인 페이지 실행 화면</a:t>
+            </a:r>
+            <a:endParaRPr lang="ko-KR" altLang="en-US" sz="1100" b="1" dirty="0">
+              <a:latin typeface="나눔고딕" panose="020D0604000000000000" pitchFamily="50" charset="-127"/>
+              <a:ea typeface="나눔고딕" panose="020D0604000000000000" pitchFamily="50" charset="-127"/>
+            </a:endParaRPr>
+          </a:p>
+        </p:txBody>
+      </p:sp>
+      <p:sp>
+        <p:nvSpPr>
+          <p:cNvPr id="58" name="직사각형 57"/>
+          <p:cNvSpPr/>
+          <p:nvPr/>
+        </p:nvSpPr>
+        <p:spPr>
+          <a:xfrm>
+            <a:off x="6087088" y="5155829"/>
+            <a:ext cx="514950" cy="158677"/>
+          </a:xfrm>
+          <a:prstGeom prst="rect">
+            <a:avLst/>
+          </a:prstGeom>
+          <a:noFill/>
+          <a:ln w="28575">
+            <a:solidFill>
+              <a:srgbClr val="FF0000"/>
+            </a:solidFill>
+            <a:prstDash val="sysDot"/>
+          </a:ln>
+        </p:spPr>
+        <p:style>
+          <a:lnRef idx="2">
+            <a:schemeClr val="accent1">
+              <a:shade val="50000"/>
+            </a:schemeClr>
+          </a:lnRef>
+          <a:fillRef idx="1">
+            <a:schemeClr val="accent1"/>
+          </a:fillRef>
+          <a:effectRef idx="0">
+            <a:schemeClr val="accent1"/>
+          </a:effectRef>
+          <a:fontRef idx="minor">
+            <a:schemeClr val="lt1"/>
+          </a:fontRef>
+        </p:style>
+        <p:txBody>
+          <a:bodyPr rtlCol="0" anchor="ctr"/>
+          <a:lstStyle/>
+          <a:p>
+            <a:pPr algn="ctr"/>
+            <a:endParaRPr lang="ko-KR" altLang="en-US"/>
+          </a:p>
+        </p:txBody>
+      </p:sp>
+      <p:sp>
+        <p:nvSpPr>
+          <p:cNvPr id="59" name="직사각형 58"/>
+          <p:cNvSpPr/>
+          <p:nvPr/>
+        </p:nvSpPr>
+        <p:spPr>
+          <a:xfrm>
+            <a:off x="9263062" y="5706507"/>
+            <a:ext cx="406373" cy="158677"/>
+          </a:xfrm>
+          <a:prstGeom prst="rect">
+            <a:avLst/>
+          </a:prstGeom>
+          <a:noFill/>
+          <a:ln w="28575">
+            <a:solidFill>
+              <a:srgbClr val="FF0000"/>
+            </a:solidFill>
+            <a:prstDash val="sysDot"/>
+          </a:ln>
+        </p:spPr>
+        <p:style>
+          <a:lnRef idx="2">
+            <a:schemeClr val="accent1">
+              <a:shade val="50000"/>
+            </a:schemeClr>
+          </a:lnRef>
+          <a:fillRef idx="1">
+            <a:schemeClr val="accent1"/>
+          </a:fillRef>
+          <a:effectRef idx="0">
+            <a:schemeClr val="accent1"/>
+          </a:effectRef>
+          <a:fontRef idx="minor">
+            <a:schemeClr val="lt1"/>
+          </a:fontRef>
+        </p:style>
+        <p:txBody>
+          <a:bodyPr rtlCol="0" anchor="ctr"/>
+          <a:lstStyle/>
+          <a:p>
+            <a:pPr algn="ctr"/>
+            <a:endParaRPr lang="ko-KR" altLang="en-US"/>
+          </a:p>
+        </p:txBody>
+      </p:sp>
+      <p:cxnSp>
+        <p:nvCxnSpPr>
+          <p:cNvPr id="60" name="직선 화살표 연결선 59"/>
+          <p:cNvCxnSpPr>
+            <a:stCxn id="52" idx="3"/>
+            <a:endCxn id="61" idx="1"/>
+          </p:cNvCxnSpPr>
+          <p:nvPr/>
+        </p:nvCxnSpPr>
+        <p:spPr>
+          <a:xfrm flipV="1">
+            <a:off x="7802116" y="4679659"/>
+            <a:ext cx="394717" cy="3430"/>
+          </a:xfrm>
+          <a:prstGeom prst="straightConnector1">
+            <a:avLst/>
+          </a:prstGeom>
+          <a:ln w="28575">
+            <a:solidFill>
+              <a:srgbClr val="FF0000"/>
+            </a:solidFill>
+            <a:tailEnd type="triangle"/>
+          </a:ln>
+        </p:spPr>
+        <p:style>
+          <a:lnRef idx="1">
+            <a:schemeClr val="accent1"/>
+          </a:lnRef>
+          <a:fillRef idx="0">
+            <a:schemeClr val="accent1"/>
+          </a:fillRef>
+          <a:effectRef idx="0">
+            <a:schemeClr val="accent1"/>
+          </a:effectRef>
+          <a:fontRef idx="minor">
+            <a:schemeClr val="tx1"/>
+          </a:fontRef>
+        </p:style>
+      </p:cxnSp>
+      <p:sp>
+        <p:nvSpPr>
+          <p:cNvPr id="61" name="TextBox 60">
+            <a:extLst>
+              <a:ext uri="{FF2B5EF4-FFF2-40B4-BE49-F238E27FC236}">
+                <a16:creationId xmlns:a16="http://schemas.microsoft.com/office/drawing/2014/main" id="{A817718E-AE2D-4626-A2EC-F35A9ACE9710}"/>
+              </a:ext>
+            </a:extLst>
+          </p:cNvPr>
+          <p:cNvSpPr txBox="1"/>
+          <p:nvPr/>
+        </p:nvSpPr>
+        <p:spPr>
+          <a:xfrm>
+            <a:off x="8196833" y="4548854"/>
+            <a:ext cx="1188236" cy="261610"/>
+          </a:xfrm>
+          <a:prstGeom prst="rect">
+            <a:avLst/>
+          </a:prstGeom>
+          <a:ln w="28575">
+            <a:solidFill>
+              <a:srgbClr val="FF0000"/>
+            </a:solidFill>
+          </a:ln>
+        </p:spPr>
+        <p:style>
+          <a:lnRef idx="2">
+            <a:schemeClr val="accent6"/>
+          </a:lnRef>
+          <a:fillRef idx="1">
+            <a:schemeClr val="lt1"/>
+          </a:fillRef>
+          <a:effectRef idx="0">
+            <a:schemeClr val="accent6"/>
+          </a:effectRef>
+          <a:fontRef idx="minor">
+            <a:schemeClr val="dk1"/>
+          </a:fontRef>
+        </p:style>
+        <p:txBody>
+          <a:bodyPr wrap="square" rtlCol="0">
+            <a:spAutoFit/>
+          </a:bodyPr>
+          <a:lstStyle/>
+          <a:p>
+            <a:pPr algn="ctr"/>
+            <a:r>
+              <a:rPr lang="ko-KR" altLang="en-US" sz="1100" b="1" smtClean="0">
+                <a:latin typeface="나눔고딕" panose="020D0604000000000000" pitchFamily="50" charset="-127"/>
+                <a:ea typeface="나눔고딕" panose="020D0604000000000000" pitchFamily="50" charset="-127"/>
+              </a:rPr>
+              <a:t>비로그인시</a:t>
+            </a:r>
+            <a:r>
+              <a:rPr lang="ko-KR" altLang="en-US" sz="1100" b="1" dirty="0" smtClean="0">
+                <a:latin typeface="나눔고딕" panose="020D0604000000000000" pitchFamily="50" charset="-127"/>
+                <a:ea typeface="나눔고딕" panose="020D0604000000000000" pitchFamily="50" charset="-127"/>
+              </a:rPr>
+              <a:t> 표시</a:t>
+            </a:r>
+            <a:endParaRPr lang="ko-KR" altLang="en-US" sz="1100" b="1" dirty="0">
+              <a:latin typeface="나눔고딕" panose="020D0604000000000000" pitchFamily="50" charset="-127"/>
+              <a:ea typeface="나눔고딕" panose="020D0604000000000000" pitchFamily="50" charset="-127"/>
+            </a:endParaRPr>
+          </a:p>
+        </p:txBody>
+      </p:sp>
+      <p:cxnSp>
+        <p:nvCxnSpPr>
+          <p:cNvPr id="64" name="직선 화살표 연결선 63"/>
+          <p:cNvCxnSpPr>
+            <a:stCxn id="51" idx="3"/>
+            <a:endCxn id="65" idx="1"/>
+          </p:cNvCxnSpPr>
+          <p:nvPr/>
+        </p:nvCxnSpPr>
+        <p:spPr>
+          <a:xfrm>
+            <a:off x="9316591" y="5241518"/>
+            <a:ext cx="463195" cy="2684"/>
+          </a:xfrm>
+          <a:prstGeom prst="straightConnector1">
+            <a:avLst/>
+          </a:prstGeom>
+          <a:ln w="28575">
+            <a:solidFill>
+              <a:srgbClr val="FF0000"/>
+            </a:solidFill>
+            <a:tailEnd type="triangle"/>
+          </a:ln>
+        </p:spPr>
+        <p:style>
+          <a:lnRef idx="1">
+            <a:schemeClr val="accent1"/>
+          </a:lnRef>
+          <a:fillRef idx="0">
+            <a:schemeClr val="accent1"/>
+          </a:fillRef>
+          <a:effectRef idx="0">
+            <a:schemeClr val="accent1"/>
+          </a:effectRef>
+          <a:fontRef idx="minor">
+            <a:schemeClr val="tx1"/>
+          </a:fontRef>
+        </p:style>
+      </p:cxnSp>
+      <p:sp>
+        <p:nvSpPr>
+          <p:cNvPr id="65" name="TextBox 64">
+            <a:extLst>
+              <a:ext uri="{FF2B5EF4-FFF2-40B4-BE49-F238E27FC236}">
+                <a16:creationId xmlns:a16="http://schemas.microsoft.com/office/drawing/2014/main" id="{A817718E-AE2D-4626-A2EC-F35A9ACE9710}"/>
+              </a:ext>
+            </a:extLst>
+          </p:cNvPr>
+          <p:cNvSpPr txBox="1"/>
+          <p:nvPr/>
+        </p:nvSpPr>
+        <p:spPr>
+          <a:xfrm>
+            <a:off x="9779786" y="5028758"/>
+            <a:ext cx="1026759" cy="430887"/>
+          </a:xfrm>
+          <a:prstGeom prst="rect">
+            <a:avLst/>
+          </a:prstGeom>
+          <a:ln w="28575">
+            <a:solidFill>
+              <a:srgbClr val="FF0000"/>
+            </a:solidFill>
+          </a:ln>
+        </p:spPr>
+        <p:style>
+          <a:lnRef idx="2">
+            <a:schemeClr val="accent6"/>
+          </a:lnRef>
+          <a:fillRef idx="1">
+            <a:schemeClr val="lt1"/>
+          </a:fillRef>
+          <a:effectRef idx="0">
+            <a:schemeClr val="accent6"/>
+          </a:effectRef>
+          <a:fontRef idx="minor">
+            <a:schemeClr val="dk1"/>
+          </a:fontRef>
+        </p:style>
+        <p:txBody>
+          <a:bodyPr wrap="square" rtlCol="0">
+            <a:spAutoFit/>
+          </a:bodyPr>
+          <a:lstStyle/>
+          <a:p>
+            <a:pPr algn="ctr"/>
+            <a:r>
+              <a:rPr lang="ko-KR" altLang="en-US" sz="1100" b="1" dirty="0" smtClean="0">
+                <a:latin typeface="나눔고딕" panose="020D0604000000000000" pitchFamily="50" charset="-127"/>
+                <a:ea typeface="나눔고딕" panose="020D0604000000000000" pitchFamily="50" charset="-127"/>
+              </a:rPr>
+              <a:t>일반 사용자</a:t>
             </a:r>
             <a:endParaRPr lang="en-US" altLang="ko-KR" sz="1100" b="1" dirty="0" smtClean="0">
               <a:latin typeface="나눔고딕" panose="020D0604000000000000" pitchFamily="50" charset="-127"/>
               <a:ea typeface="나눔고딕" panose="020D0604000000000000" pitchFamily="50" charset="-127"/>
             </a:endParaRPr>
           </a:p>
+          <a:p>
+            <a:pPr algn="ctr"/>
+            <a:r>
+              <a:rPr lang="ko-KR" altLang="en-US" sz="1100" b="1" dirty="0" smtClean="0">
+                <a:latin typeface="나눔고딕" panose="020D0604000000000000" pitchFamily="50" charset="-127"/>
+                <a:ea typeface="나눔고딕" panose="020D0604000000000000" pitchFamily="50" charset="-127"/>
+              </a:rPr>
+              <a:t>로그인시 표시</a:t>
+            </a:r>
+            <a:endParaRPr lang="ko-KR" altLang="en-US" sz="1100" b="1" dirty="0">
+              <a:latin typeface="나눔고딕" panose="020D0604000000000000" pitchFamily="50" charset="-127"/>
+              <a:ea typeface="나눔고딕" panose="020D0604000000000000" pitchFamily="50" charset="-127"/>
+            </a:endParaRPr>
+          </a:p>
         </p:txBody>
       </p:sp>
-      <p:pic>
-        <p:nvPicPr>
-          <p:cNvPr id="22" name="그림 21"/>
-          <p:cNvPicPr>
-            <a:picLocks noChangeAspect="1"/>
-          </p:cNvPicPr>
-          <p:nvPr/>
-        </p:nvPicPr>
-        <p:blipFill rotWithShape="1">
-          <a:blip r:embed="rId2">
+      <p:cxnSp>
+        <p:nvCxnSpPr>
+          <p:cNvPr id="69" name="직선 화살표 연결선 68"/>
+          <p:cNvCxnSpPr>
+            <a:stCxn id="53" idx="3"/>
+            <a:endCxn id="70" idx="1"/>
+          </p:cNvCxnSpPr>
+          <p:nvPr/>
+        </p:nvCxnSpPr>
+        <p:spPr>
+          <a:xfrm flipV="1">
+            <a:off x="9697591" y="5791813"/>
+            <a:ext cx="571260" cy="2555"/>
+          </a:xfrm>
+          <a:prstGeom prst="straightConnector1">
+            <a:avLst/>
+          </a:prstGeom>
+          <a:ln w="28575">
+            <a:solidFill>
+              <a:srgbClr val="FF0000"/>
+            </a:solidFill>
+            <a:tailEnd type="triangle"/>
+          </a:ln>
+        </p:spPr>
+        <p:style>
+          <a:lnRef idx="1">
+            <a:schemeClr val="accent1"/>
+          </a:lnRef>
+          <a:fillRef idx="0">
+            <a:schemeClr val="accent1"/>
+          </a:fillRef>
+          <a:effectRef idx="0">
+            <a:schemeClr val="accent1"/>
+          </a:effectRef>
+          <a:fontRef idx="minor">
+            <a:schemeClr val="tx1"/>
+          </a:fontRef>
+        </p:style>
+      </p:cxnSp>
+      <p:sp>
+        <p:nvSpPr>
+          <p:cNvPr id="70" name="TextBox 69">
             <a:extLst>
-              <a:ext uri="{28A0092B-C50C-407E-A947-70E740481C1C}">
-                <a14:useLocalDpi xmlns:a14="http://schemas.microsoft.com/office/drawing/2010/main" val="0"/>
+              <a:ext uri="{FF2B5EF4-FFF2-40B4-BE49-F238E27FC236}">
+                <a16:creationId xmlns:a16="http://schemas.microsoft.com/office/drawing/2014/main" id="{A817718E-AE2D-4626-A2EC-F35A9ACE9710}"/>
               </a:ext>
             </a:extLst>
-          </a:blip>
-          <a:srcRect t="45025" b="46150"/>
-          <a:stretch/>
-        </p:blipFill>
-        <p:spPr>
-          <a:xfrm>
-            <a:off x="814872" y="5230103"/>
-            <a:ext cx="2162175" cy="333695"/>
+          </p:cNvPr>
+          <p:cNvSpPr txBox="1"/>
+          <p:nvPr/>
+        </p:nvSpPr>
+        <p:spPr>
+          <a:xfrm>
+            <a:off x="10268851" y="5576369"/>
+            <a:ext cx="1026759" cy="430887"/>
           </a:xfrm>
           <a:prstGeom prst="rect">
             <a:avLst/>
@@ -26752,11 +27193,59 @@
             </a:solidFill>
           </a:ln>
         </p:spPr>
-      </p:pic>
+        <p:style>
+          <a:lnRef idx="2">
+            <a:schemeClr val="accent6"/>
+          </a:lnRef>
+          <a:fillRef idx="1">
+            <a:schemeClr val="lt1"/>
+          </a:fillRef>
+          <a:effectRef idx="0">
+            <a:schemeClr val="accent6"/>
+          </a:effectRef>
+          <a:fontRef idx="minor">
+            <a:schemeClr val="dk1"/>
+          </a:fontRef>
+        </p:style>
+        <p:txBody>
+          <a:bodyPr wrap="square" rtlCol="0">
+            <a:spAutoFit/>
+          </a:bodyPr>
+          <a:lstStyle/>
+          <a:p>
+            <a:pPr algn="ctr"/>
+            <a:r>
+              <a:rPr lang="ko-KR" altLang="en-US" sz="1100" b="1" dirty="0" smtClean="0">
+                <a:latin typeface="나눔고딕" panose="020D0604000000000000" pitchFamily="50" charset="-127"/>
+                <a:ea typeface="나눔고딕" panose="020D0604000000000000" pitchFamily="50" charset="-127"/>
+              </a:rPr>
+              <a:t>관리자</a:t>
+            </a:r>
+            <a:endParaRPr lang="en-US" altLang="ko-KR" sz="1100" b="1" dirty="0" smtClean="0">
+              <a:latin typeface="나눔고딕" panose="020D0604000000000000" pitchFamily="50" charset="-127"/>
+              <a:ea typeface="나눔고딕" panose="020D0604000000000000" pitchFamily="50" charset="-127"/>
+            </a:endParaRPr>
+          </a:p>
+          <a:p>
+            <a:pPr algn="ctr"/>
+            <a:r>
+              <a:rPr lang="ko-KR" altLang="en-US" sz="1100" b="1" dirty="0" smtClean="0">
+                <a:latin typeface="나눔고딕" panose="020D0604000000000000" pitchFamily="50" charset="-127"/>
+                <a:ea typeface="나눔고딕" panose="020D0604000000000000" pitchFamily="50" charset="-127"/>
+              </a:rPr>
+              <a:t>로그인시 표시</a:t>
+            </a:r>
+            <a:endParaRPr lang="ko-KR" altLang="en-US" sz="1100" b="1" dirty="0">
+              <a:latin typeface="나눔고딕" panose="020D0604000000000000" pitchFamily="50" charset="-127"/>
+              <a:ea typeface="나눔고딕" panose="020D0604000000000000" pitchFamily="50" charset="-127"/>
+            </a:endParaRPr>
+          </a:p>
+        </p:txBody>
+      </p:sp>
     </p:spTree>
     <p:extLst>
       <p:ext uri="{BB962C8B-B14F-4D97-AF65-F5344CB8AC3E}">
-        <p14:creationId xmlns:p14="http://schemas.microsoft.com/office/powerpoint/2010/main" val="1952659654"/>
+        <p14:creationId xmlns:p14="http://schemas.microsoft.com/office/powerpoint/2010/main" val="1573106918"/>
       </p:ext>
     </p:extLst>
   </p:cSld>
@@ -26792,14 +27281,14 @@
       </p:grpSpPr>
       <p:sp>
         <p:nvSpPr>
-          <p:cNvPr id="18" name="TextBox 17"/>
+          <p:cNvPr id="17" name="TextBox 16"/>
           <p:cNvSpPr txBox="1"/>
           <p:nvPr/>
         </p:nvSpPr>
         <p:spPr>
           <a:xfrm>
             <a:off x="1609648" y="652588"/>
-            <a:ext cx="3355406" cy="646331"/>
+            <a:ext cx="2486578" cy="646331"/>
           </a:xfrm>
           <a:prstGeom prst="rect">
             <a:avLst/>
@@ -26822,10 +27311,10 @@
                 <a:latin typeface="나눔고딕" panose="020D0604000000000000" pitchFamily="50" charset="-127"/>
                 <a:ea typeface="나눔고딕" panose="020D0604000000000000" pitchFamily="50" charset="-127"/>
               </a:rPr>
-              <a:t>페이지 구현</a:t>
-            </a:r>
-            <a:r>
-              <a:rPr lang="ko-KR" altLang="en-US" sz="2400" b="1" dirty="0">
+              <a:t>로그인 </a:t>
+            </a:r>
+            <a:r>
+              <a:rPr lang="ko-KR" altLang="en-US" sz="3600" b="1" dirty="0" smtClean="0">
                 <a:ln w="12700">
                   <a:solidFill>
                     <a:sysClr val="windowText" lastClr="000000"/>
@@ -26834,21 +27323,9 @@
                 <a:latin typeface="나눔고딕" panose="020D0604000000000000" pitchFamily="50" charset="-127"/>
                 <a:ea typeface="나눔고딕" panose="020D0604000000000000" pitchFamily="50" charset="-127"/>
               </a:rPr>
-              <a:t> </a:t>
-            </a:r>
-            <a:r>
-              <a:rPr lang="en-US" altLang="ko-KR" sz="2400" dirty="0">
-                <a:ln w="12700">
-                  <a:solidFill>
-                    <a:sysClr val="windowText" lastClr="000000"/>
-                  </a:solidFill>
-                </a:ln>
-                <a:latin typeface="나눔고딕" panose="020D0604000000000000" pitchFamily="50" charset="-127"/>
-                <a:ea typeface="나눔고딕" panose="020D0604000000000000" pitchFamily="50" charset="-127"/>
-              </a:rPr>
-              <a:t>(tiles)</a:t>
-            </a:r>
-            <a:endParaRPr lang="ko-KR" altLang="en-US" sz="2400" b="1" dirty="0">
+              <a:t>구현</a:t>
+            </a:r>
+            <a:endParaRPr lang="ko-KR" altLang="en-US" sz="3600" b="1" dirty="0">
               <a:ln w="12700">
                 <a:solidFill>
                   <a:sysClr val="windowText" lastClr="000000"/>
@@ -26862,45 +27339,153 @@
       </p:sp>
       <p:pic>
         <p:nvPicPr>
-          <p:cNvPr id="2" name="그림 1"/>
+          <p:cNvPr id="24" name="그림 23"/>
           <p:cNvPicPr>
             <a:picLocks noChangeAspect="1"/>
           </p:cNvPicPr>
           <p:nvPr/>
         </p:nvPicPr>
+        <p:blipFill rotWithShape="1">
+          <a:blip r:embed="rId2"/>
+          <a:srcRect t="1" b="1432"/>
+          <a:stretch/>
+        </p:blipFill>
+        <p:spPr>
+          <a:xfrm>
+            <a:off x="1369173" y="1664276"/>
+            <a:ext cx="1373684" cy="2425586"/>
+          </a:xfrm>
+          <a:prstGeom prst="rect">
+            <a:avLst/>
+          </a:prstGeom>
+          <a:ln w="28575">
+            <a:solidFill>
+              <a:schemeClr val="tx1"/>
+            </a:solidFill>
+          </a:ln>
+        </p:spPr>
+      </p:pic>
+      <p:sp>
+        <p:nvSpPr>
+          <p:cNvPr id="28" name="직사각형 27"/>
+          <p:cNvSpPr/>
+          <p:nvPr/>
+        </p:nvSpPr>
+        <p:spPr>
+          <a:xfrm>
+            <a:off x="1754655" y="2416248"/>
+            <a:ext cx="683629" cy="158677"/>
+          </a:xfrm>
+          <a:prstGeom prst="rect">
+            <a:avLst/>
+          </a:prstGeom>
+          <a:noFill/>
+          <a:ln w="28575">
+            <a:solidFill>
+              <a:srgbClr val="FF0000"/>
+            </a:solidFill>
+            <a:prstDash val="sysDot"/>
+          </a:ln>
+        </p:spPr>
+        <p:style>
+          <a:lnRef idx="2">
+            <a:schemeClr val="accent1">
+              <a:shade val="50000"/>
+            </a:schemeClr>
+          </a:lnRef>
+          <a:fillRef idx="1">
+            <a:schemeClr val="accent1"/>
+          </a:fillRef>
+          <a:effectRef idx="0">
+            <a:schemeClr val="accent1"/>
+          </a:effectRef>
+          <a:fontRef idx="minor">
+            <a:schemeClr val="lt1"/>
+          </a:fontRef>
+        </p:style>
+        <p:txBody>
+          <a:bodyPr rtlCol="0" anchor="ctr"/>
+          <a:lstStyle/>
+          <a:p>
+            <a:pPr algn="ctr"/>
+            <a:endParaRPr lang="ko-KR" altLang="en-US"/>
+          </a:p>
+        </p:txBody>
+      </p:sp>
+      <p:pic>
+        <p:nvPicPr>
+          <p:cNvPr id="4" name="그림 3"/>
+          <p:cNvPicPr>
+            <a:picLocks noChangeAspect="1"/>
+          </p:cNvPicPr>
+          <p:nvPr/>
+        </p:nvPicPr>
         <p:blipFill>
-          <a:blip r:embed="rId2">
-            <a:extLst>
-              <a:ext uri="{28A0092B-C50C-407E-A947-70E740481C1C}">
-                <a14:useLocalDpi xmlns:a14="http://schemas.microsoft.com/office/drawing/2010/main" val="0"/>
-              </a:ext>
-            </a:extLst>
-          </a:blip>
+          <a:blip r:embed="rId3"/>
           <a:stretch>
             <a:fillRect/>
           </a:stretch>
         </p:blipFill>
         <p:spPr>
           <a:xfrm>
-            <a:off x="1394371" y="1840900"/>
-            <a:ext cx="1853228" cy="2024823"/>
-          </a:xfrm>
-          <a:prstGeom prst="rect">
+            <a:off x="2931099" y="1664276"/>
+            <a:ext cx="4508789" cy="2569856"/>
+          </a:xfrm>
+          <a:prstGeom prst="rect">
+            <a:avLst/>
+          </a:prstGeom>
+          <a:ln w="28575">
+            <a:solidFill>
+              <a:schemeClr val="tx1"/>
+            </a:solidFill>
+          </a:ln>
+        </p:spPr>
+      </p:pic>
+      <p:cxnSp>
+        <p:nvCxnSpPr>
+          <p:cNvPr id="29" name="직선 화살표 연결선 28"/>
+          <p:cNvCxnSpPr>
+            <a:stCxn id="31" idx="3"/>
+            <a:endCxn id="30" idx="1"/>
+          </p:cNvCxnSpPr>
+          <p:nvPr/>
+        </p:nvCxnSpPr>
+        <p:spPr>
+          <a:xfrm>
+            <a:off x="7391400" y="2350504"/>
+            <a:ext cx="296416" cy="0"/>
+          </a:xfrm>
+          <a:prstGeom prst="straightConnector1">
             <a:avLst/>
           </a:prstGeom>
           <a:ln w="28575">
             <a:solidFill>
               <a:srgbClr val="FF0000"/>
             </a:solidFill>
-          </a:ln>
-        </p:spPr>
-      </p:pic>
-      <p:sp>
-        <p:nvSpPr>
-          <p:cNvPr id="4" name="TextBox 3">
+            <a:tailEnd type="triangle"/>
+          </a:ln>
+        </p:spPr>
+        <p:style>
+          <a:lnRef idx="1">
+            <a:schemeClr val="accent1"/>
+          </a:lnRef>
+          <a:fillRef idx="0">
+            <a:schemeClr val="accent1"/>
+          </a:fillRef>
+          <a:effectRef idx="0">
+            <a:schemeClr val="accent1"/>
+          </a:effectRef>
+          <a:fontRef idx="minor">
+            <a:schemeClr val="tx1"/>
+          </a:fontRef>
+        </p:style>
+      </p:cxnSp>
+      <p:sp>
+        <p:nvSpPr>
+          <p:cNvPr id="30" name="TextBox 29">
             <a:extLst>
               <a:ext uri="{FF2B5EF4-FFF2-40B4-BE49-F238E27FC236}">
-                <a16:creationId xmlns:a16="http://schemas.microsoft.com/office/drawing/2014/main" id="{BEF2F55D-D388-468B-8BA7-5FC72820D840}"/>
+                <a16:creationId xmlns:a16="http://schemas.microsoft.com/office/drawing/2014/main" id="{A817718E-AE2D-4626-A2EC-F35A9ACE9710}"/>
               </a:ext>
             </a:extLst>
           </p:cNvPr>
@@ -26909,8 +27494,8 @@
         </p:nvSpPr>
         <p:spPr>
           <a:xfrm>
-            <a:off x="1368220" y="1462615"/>
-            <a:ext cx="2417650" cy="261610"/>
+            <a:off x="7687816" y="2219699"/>
+            <a:ext cx="1018034" cy="261610"/>
           </a:xfrm>
           <a:prstGeom prst="rect">
             <a:avLst/>
@@ -26936,74 +27521,162 @@
           </a:fontRef>
         </p:style>
         <p:txBody>
-          <a:bodyPr wrap="none" rtlCol="0">
+          <a:bodyPr wrap="square" rtlCol="0">
             <a:spAutoFit/>
           </a:bodyPr>
           <a:lstStyle/>
           <a:p>
             <a:pPr algn="ctr"/>
             <a:r>
-              <a:rPr lang="ko-KR" altLang="en-US" sz="1100" b="1" dirty="0">
-                <a:latin typeface="나눔고딕" panose="020D0604000000000000" pitchFamily="50" charset="-127"/>
-                <a:ea typeface="나눔고딕" panose="020D0604000000000000" pitchFamily="50" charset="-127"/>
-              </a:rPr>
-              <a:t>레이아웃을 정하는 </a:t>
-            </a:r>
-            <a:r>
-              <a:rPr lang="en-US" altLang="ko-KR" sz="1100" b="1" dirty="0">
-                <a:latin typeface="나눔고딕" panose="020D0604000000000000" pitchFamily="50" charset="-127"/>
-                <a:ea typeface="나눔고딕" panose="020D0604000000000000" pitchFamily="50" charset="-127"/>
-              </a:rPr>
-              <a:t>JSP</a:t>
-            </a:r>
-            <a:r>
-              <a:rPr lang="ko-KR" altLang="en-US" sz="1100" b="1" dirty="0">
-                <a:latin typeface="나눔고딕" panose="020D0604000000000000" pitchFamily="50" charset="-127"/>
-                <a:ea typeface="나눔고딕" panose="020D0604000000000000" pitchFamily="50" charset="-127"/>
-              </a:rPr>
-              <a:t>의 위치를 지정</a:t>
-            </a:r>
+              <a:rPr lang="ko-KR" altLang="en-US" sz="1100" b="1" smtClean="0">
+                <a:latin typeface="나눔고딕" panose="020D0604000000000000" pitchFamily="50" charset="-127"/>
+                <a:ea typeface="나눔고딕" panose="020D0604000000000000" pitchFamily="50" charset="-127"/>
+              </a:rPr>
+              <a:t>로그인시 표시</a:t>
+            </a:r>
+            <a:endParaRPr lang="ko-KR" altLang="en-US" sz="1100" b="1" dirty="0">
+              <a:latin typeface="나눔고딕" panose="020D0604000000000000" pitchFamily="50" charset="-127"/>
+              <a:ea typeface="나눔고딕" panose="020D0604000000000000" pitchFamily="50" charset="-127"/>
+            </a:endParaRPr>
           </a:p>
         </p:txBody>
       </p:sp>
-      <p:pic>
-        <p:nvPicPr>
-          <p:cNvPr id="3" name="그림 2"/>
-          <p:cNvPicPr>
-            <a:picLocks noChangeAspect="1"/>
-          </p:cNvPicPr>
-          <p:nvPr/>
-        </p:nvPicPr>
-        <p:blipFill>
-          <a:blip r:embed="rId3">
-            <a:extLst>
-              <a:ext uri="{28A0092B-C50C-407E-A947-70E740481C1C}">
-                <a14:useLocalDpi xmlns:a14="http://schemas.microsoft.com/office/drawing/2010/main" val="0"/>
-              </a:ext>
-            </a:extLst>
-          </a:blip>
-          <a:stretch>
-            <a:fillRect/>
-          </a:stretch>
-        </p:blipFill>
-        <p:spPr>
-          <a:xfrm>
-            <a:off x="1403896" y="4871258"/>
-            <a:ext cx="1221132" cy="1716416"/>
-          </a:xfrm>
-          <a:prstGeom prst="rect">
-            <a:avLst/>
-          </a:prstGeom>
+      <p:sp>
+        <p:nvSpPr>
+          <p:cNvPr id="31" name="직사각형 30"/>
+          <p:cNvSpPr/>
+          <p:nvPr/>
+        </p:nvSpPr>
+        <p:spPr>
+          <a:xfrm>
+            <a:off x="3601519" y="2014958"/>
+            <a:ext cx="3789881" cy="671092"/>
+          </a:xfrm>
+          <a:prstGeom prst="rect">
+            <a:avLst/>
+          </a:prstGeom>
+          <a:noFill/>
           <a:ln w="28575">
             <a:solidFill>
               <a:srgbClr val="FF0000"/>
             </a:solidFill>
-          </a:ln>
-        </p:spPr>
-      </p:pic>
-      <p:sp>
-        <p:nvSpPr>
-          <p:cNvPr id="6" name="TextBox 5">
+            <a:prstDash val="sysDot"/>
+          </a:ln>
+        </p:spPr>
+        <p:style>
+          <a:lnRef idx="2">
+            <a:schemeClr val="accent1">
+              <a:shade val="50000"/>
+            </a:schemeClr>
+          </a:lnRef>
+          <a:fillRef idx="1">
+            <a:schemeClr val="accent1"/>
+          </a:fillRef>
+          <a:effectRef idx="0">
+            <a:schemeClr val="accent1"/>
+          </a:effectRef>
+          <a:fontRef idx="minor">
+            <a:schemeClr val="lt1"/>
+          </a:fontRef>
+        </p:style>
+        <p:txBody>
+          <a:bodyPr rtlCol="0" anchor="ctr"/>
+          <a:lstStyle/>
+          <a:p>
+            <a:pPr algn="ctr"/>
+            <a:endParaRPr lang="ko-KR" altLang="en-US"/>
+          </a:p>
+        </p:txBody>
+      </p:sp>
+      <p:sp>
+        <p:nvSpPr>
+          <p:cNvPr id="38" name="직사각형 37"/>
+          <p:cNvSpPr/>
+          <p:nvPr/>
+        </p:nvSpPr>
+        <p:spPr>
+          <a:xfrm>
+            <a:off x="3601519" y="2728721"/>
+            <a:ext cx="3789881" cy="439929"/>
+          </a:xfrm>
+          <a:prstGeom prst="rect">
+            <a:avLst/>
+          </a:prstGeom>
+          <a:noFill/>
+          <a:ln w="28575">
+            <a:solidFill>
+              <a:srgbClr val="FF0000"/>
+            </a:solidFill>
+            <a:prstDash val="sysDot"/>
+          </a:ln>
+        </p:spPr>
+        <p:style>
+          <a:lnRef idx="2">
+            <a:schemeClr val="accent1">
+              <a:shade val="50000"/>
+            </a:schemeClr>
+          </a:lnRef>
+          <a:fillRef idx="1">
+            <a:schemeClr val="accent1"/>
+          </a:fillRef>
+          <a:effectRef idx="0">
+            <a:schemeClr val="accent1"/>
+          </a:effectRef>
+          <a:fontRef idx="minor">
+            <a:schemeClr val="lt1"/>
+          </a:fontRef>
+        </p:style>
+        <p:txBody>
+          <a:bodyPr rtlCol="0" anchor="ctr"/>
+          <a:lstStyle/>
+          <a:p>
+            <a:pPr algn="ctr"/>
+            <a:endParaRPr lang="ko-KR" altLang="en-US"/>
+          </a:p>
+        </p:txBody>
+      </p:sp>
+      <p:cxnSp>
+        <p:nvCxnSpPr>
+          <p:cNvPr id="39" name="직선 화살표 연결선 38"/>
+          <p:cNvCxnSpPr>
+            <a:stCxn id="38" idx="3"/>
+            <a:endCxn id="40" idx="1"/>
+          </p:cNvCxnSpPr>
+          <p:nvPr/>
+        </p:nvCxnSpPr>
+        <p:spPr>
+          <a:xfrm flipV="1">
+            <a:off x="7391400" y="2948685"/>
+            <a:ext cx="299591" cy="1"/>
+          </a:xfrm>
+          <a:prstGeom prst="straightConnector1">
+            <a:avLst/>
+          </a:prstGeom>
+          <a:ln w="28575">
+            <a:solidFill>
+              <a:srgbClr val="FF0000"/>
+            </a:solidFill>
+            <a:tailEnd type="triangle"/>
+          </a:ln>
+        </p:spPr>
+        <p:style>
+          <a:lnRef idx="1">
+            <a:schemeClr val="accent1"/>
+          </a:lnRef>
+          <a:fillRef idx="0">
+            <a:schemeClr val="accent1"/>
+          </a:fillRef>
+          <a:effectRef idx="0">
+            <a:schemeClr val="accent1"/>
+          </a:effectRef>
+          <a:fontRef idx="minor">
+            <a:schemeClr val="tx1"/>
+          </a:fontRef>
+        </p:style>
+      </p:cxnSp>
+      <p:sp>
+        <p:nvSpPr>
+          <p:cNvPr id="40" name="TextBox 39">
             <a:extLst>
               <a:ext uri="{FF2B5EF4-FFF2-40B4-BE49-F238E27FC236}">
                 <a16:creationId xmlns:a16="http://schemas.microsoft.com/office/drawing/2014/main" id="{A817718E-AE2D-4626-A2EC-F35A9ACE9710}"/>
@@ -27015,8 +27688,8 @@
         </p:nvSpPr>
         <p:spPr>
           <a:xfrm>
-            <a:off x="1377745" y="4311447"/>
-            <a:ext cx="2752677" cy="430887"/>
+            <a:off x="7690991" y="2817880"/>
+            <a:ext cx="1151384" cy="261610"/>
           </a:xfrm>
           <a:prstGeom prst="rect">
             <a:avLst/>
@@ -27042,134 +27715,98 @@
           </a:fontRef>
         </p:style>
         <p:txBody>
-          <a:bodyPr wrap="none" rtlCol="0">
+          <a:bodyPr wrap="square" rtlCol="0">
             <a:spAutoFit/>
           </a:bodyPr>
           <a:lstStyle/>
           <a:p>
             <a:pPr algn="ctr"/>
             <a:r>
-              <a:rPr lang="en-US" altLang="ko-KR" sz="1100" b="1" dirty="0">
-                <a:latin typeface="나눔고딕" panose="020D0604000000000000" pitchFamily="50" charset="-127"/>
-                <a:ea typeface="나눔고딕" panose="020D0604000000000000" pitchFamily="50" charset="-127"/>
-              </a:rPr>
-              <a:t>t</a:t>
-            </a:r>
-            <a:r>
-              <a:rPr lang="en-US" altLang="ko-KR" sz="1100" b="1" dirty="0" smtClean="0">
-                <a:latin typeface="나눔고딕" panose="020D0604000000000000" pitchFamily="50" charset="-127"/>
-                <a:ea typeface="나눔고딕" panose="020D0604000000000000" pitchFamily="50" charset="-127"/>
-              </a:rPr>
-              <a:t>iles</a:t>
-            </a:r>
-            <a:r>
-              <a:rPr lang="en-US" altLang="ko-KR" sz="1100" b="1" dirty="0">
-                <a:latin typeface="나눔고딕" panose="020D0604000000000000" pitchFamily="50" charset="-127"/>
-                <a:ea typeface="나눔고딕" panose="020D0604000000000000" pitchFamily="50" charset="-127"/>
-              </a:rPr>
-              <a:t>_*.xml</a:t>
-            </a:r>
-            <a:r>
-              <a:rPr lang="ko-KR" altLang="en-US" sz="1100" b="1" dirty="0">
-                <a:latin typeface="나눔고딕" panose="020D0604000000000000" pitchFamily="50" charset="-127"/>
-                <a:ea typeface="나눔고딕" panose="020D0604000000000000" pitchFamily="50" charset="-127"/>
-              </a:rPr>
-              <a:t>에서 지정한 위치에  </a:t>
-            </a:r>
-            <a:r>
-              <a:rPr lang="en-US" altLang="ko-KR" sz="1100" b="1" dirty="0">
-                <a:latin typeface="나눔고딕" panose="020D0604000000000000" pitchFamily="50" charset="-127"/>
-                <a:ea typeface="나눔고딕" panose="020D0604000000000000" pitchFamily="50" charset="-127"/>
-              </a:rPr>
-              <a:t>JSP</a:t>
-            </a:r>
-            <a:r>
-              <a:rPr lang="ko-KR" altLang="en-US" sz="1100" b="1" dirty="0">
-                <a:latin typeface="나눔고딕" panose="020D0604000000000000" pitchFamily="50" charset="-127"/>
-                <a:ea typeface="나눔고딕" panose="020D0604000000000000" pitchFamily="50" charset="-127"/>
-              </a:rPr>
-              <a:t>를 위치</a:t>
-            </a:r>
-            <a:endParaRPr lang="en-US" altLang="ko-KR" sz="1100" b="1" dirty="0">
+              <a:rPr lang="ko-KR" altLang="en-US" sz="1100" b="1" err="1" smtClean="0">
+                <a:latin typeface="나눔고딕" panose="020D0604000000000000" pitchFamily="50" charset="-127"/>
+                <a:ea typeface="나눔고딕" panose="020D0604000000000000" pitchFamily="50" charset="-127"/>
+              </a:rPr>
+              <a:t>로그아웃시</a:t>
+            </a:r>
+            <a:r>
+              <a:rPr lang="ko-KR" altLang="en-US" sz="1100" b="1" dirty="0" smtClean="0">
+                <a:latin typeface="나눔고딕" panose="020D0604000000000000" pitchFamily="50" charset="-127"/>
+                <a:ea typeface="나눔고딕" panose="020D0604000000000000" pitchFamily="50" charset="-127"/>
+              </a:rPr>
+              <a:t> 표시</a:t>
+            </a:r>
+            <a:endParaRPr lang="ko-KR" altLang="en-US" sz="1100" b="1" dirty="0">
               <a:latin typeface="나눔고딕" panose="020D0604000000000000" pitchFamily="50" charset="-127"/>
               <a:ea typeface="나눔고딕" panose="020D0604000000000000" pitchFamily="50" charset="-127"/>
             </a:endParaRPr>
           </a:p>
+        </p:txBody>
+      </p:sp>
+      <p:sp>
+        <p:nvSpPr>
+          <p:cNvPr id="44" name="직사각형 43"/>
+          <p:cNvSpPr/>
+          <p:nvPr/>
+        </p:nvSpPr>
+        <p:spPr>
+          <a:xfrm>
+            <a:off x="3391969" y="3400389"/>
+            <a:ext cx="3878781" cy="568361"/>
+          </a:xfrm>
+          <a:prstGeom prst="rect">
+            <a:avLst/>
+          </a:prstGeom>
+          <a:noFill/>
+          <a:ln w="28575">
+            <a:solidFill>
+              <a:srgbClr val="FF0000"/>
+            </a:solidFill>
+            <a:prstDash val="sysDot"/>
+          </a:ln>
+        </p:spPr>
+        <p:style>
+          <a:lnRef idx="2">
+            <a:schemeClr val="accent1">
+              <a:shade val="50000"/>
+            </a:schemeClr>
+          </a:lnRef>
+          <a:fillRef idx="1">
+            <a:schemeClr val="accent1"/>
+          </a:fillRef>
+          <a:effectRef idx="0">
+            <a:schemeClr val="accent1"/>
+          </a:effectRef>
+          <a:fontRef idx="minor">
+            <a:schemeClr val="lt1"/>
+          </a:fontRef>
+        </p:style>
+        <p:txBody>
+          <a:bodyPr rtlCol="0" anchor="ctr"/>
+          <a:lstStyle/>
           <a:p>
             <a:pPr algn="ctr"/>
-            <a:r>
-              <a:rPr lang="ko-KR" altLang="en-US" sz="1100" b="1" dirty="0">
-                <a:latin typeface="나눔고딕" panose="020D0604000000000000" pitchFamily="50" charset="-127"/>
-                <a:ea typeface="나눔고딕" panose="020D0604000000000000" pitchFamily="50" charset="-127"/>
-              </a:rPr>
-              <a:t>브라우저 요청 시 해당 </a:t>
-            </a:r>
-            <a:r>
-              <a:rPr lang="en-US" altLang="ko-KR" sz="1100" b="1" dirty="0">
-                <a:latin typeface="나눔고딕" panose="020D0604000000000000" pitchFamily="50" charset="-127"/>
-                <a:ea typeface="나눔고딕" panose="020D0604000000000000" pitchFamily="50" charset="-127"/>
-              </a:rPr>
-              <a:t>JSP</a:t>
-            </a:r>
-            <a:r>
-              <a:rPr lang="ko-KR" altLang="en-US" sz="1100" b="1" dirty="0">
-                <a:latin typeface="나눔고딕" panose="020D0604000000000000" pitchFamily="50" charset="-127"/>
-                <a:ea typeface="나눔고딕" panose="020D0604000000000000" pitchFamily="50" charset="-127"/>
-              </a:rPr>
-              <a:t>의 내용이 표시</a:t>
-            </a:r>
+            <a:endParaRPr lang="ko-KR" altLang="en-US"/>
           </a:p>
         </p:txBody>
       </p:sp>
-      <p:pic>
-        <p:nvPicPr>
-          <p:cNvPr id="5" name="그림 4"/>
-          <p:cNvPicPr>
-            <a:picLocks noChangeAspect="1"/>
-          </p:cNvPicPr>
-          <p:nvPr/>
-        </p:nvPicPr>
-        <p:blipFill rotWithShape="1">
-          <a:blip r:embed="rId4">
-            <a:extLst>
-              <a:ext uri="{28A0092B-C50C-407E-A947-70E740481C1C}">
-                <a14:useLocalDpi xmlns:a14="http://schemas.microsoft.com/office/drawing/2010/main" val="0"/>
-              </a:ext>
-            </a:extLst>
-          </a:blip>
-          <a:srcRect l="980"/>
-          <a:stretch/>
-        </p:blipFill>
-        <p:spPr>
-          <a:xfrm>
-            <a:off x="4486751" y="2406199"/>
-            <a:ext cx="7186872" cy="3524250"/>
-          </a:xfrm>
-          <a:prstGeom prst="rect">
-            <a:avLst/>
-          </a:prstGeom>
-          <a:ln w="28575">
-            <a:solidFill>
-              <a:srgbClr val="FF0000"/>
-            </a:solidFill>
-          </a:ln>
-        </p:spPr>
-      </p:pic>
       <p:cxnSp>
         <p:nvCxnSpPr>
-          <p:cNvPr id="8" name="직선 화살표 연결선 7"/>
-          <p:cNvCxnSpPr/>
+          <p:cNvPr id="45" name="직선 화살표 연결선 44"/>
+          <p:cNvCxnSpPr>
+            <a:stCxn id="44" idx="3"/>
+            <a:endCxn id="47" idx="1"/>
+          </p:cNvCxnSpPr>
           <p:nvPr/>
         </p:nvCxnSpPr>
         <p:spPr>
-          <a:xfrm flipH="1">
-            <a:off x="2130425" y="3956858"/>
-            <a:ext cx="577" cy="262717"/>
+          <a:xfrm>
+            <a:off x="7270750" y="3684570"/>
+            <a:ext cx="345058" cy="1539"/>
           </a:xfrm>
           <a:prstGeom prst="straightConnector1">
             <a:avLst/>
           </a:prstGeom>
-          <a:ln w="19050">
+          <a:ln w="28575">
             <a:solidFill>
               <a:srgbClr val="FF0000"/>
             </a:solidFill>
@@ -27193,10 +27830,10 @@
       </p:cxnSp>
       <p:sp>
         <p:nvSpPr>
-          <p:cNvPr id="11" name="TextBox 10">
+          <p:cNvPr id="47" name="TextBox 46">
             <a:extLst>
               <a:ext uri="{FF2B5EF4-FFF2-40B4-BE49-F238E27FC236}">
-                <a16:creationId xmlns:a16="http://schemas.microsoft.com/office/drawing/2014/main" id="{B583BC1C-A564-45E4-98E0-9B9831B68E24}"/>
+                <a16:creationId xmlns:a16="http://schemas.microsoft.com/office/drawing/2014/main" id="{A817718E-AE2D-4626-A2EC-F35A9ACE9710}"/>
               </a:ext>
             </a:extLst>
           </p:cNvPr>
@@ -27205,8 +27842,8 @@
         </p:nvSpPr>
         <p:spPr>
           <a:xfrm>
-            <a:off x="4467701" y="1458629"/>
-            <a:ext cx="4310795" cy="600164"/>
+            <a:off x="7615808" y="3470665"/>
+            <a:ext cx="1293242" cy="430887"/>
           </a:xfrm>
           <a:prstGeom prst="rect">
             <a:avLst/>
@@ -27232,30 +27869,20 @@
           </a:fontRef>
         </p:style>
         <p:txBody>
-          <a:bodyPr wrap="none" rtlCol="0">
+          <a:bodyPr wrap="square" rtlCol="0">
             <a:spAutoFit/>
           </a:bodyPr>
           <a:lstStyle/>
           <a:p>
             <a:pPr algn="ctr"/>
             <a:r>
-              <a:rPr lang="en-US" altLang="ko-KR" sz="1100" b="1" dirty="0">
-                <a:latin typeface="나눔고딕" panose="020D0604000000000000" pitchFamily="50" charset="-127"/>
-                <a:ea typeface="나눔고딕" panose="020D0604000000000000" pitchFamily="50" charset="-127"/>
-              </a:rPr>
-              <a:t>*ControllerImpl.java</a:t>
-            </a:r>
-          </a:p>
-          <a:p>
-            <a:pPr algn="ctr"/>
-            <a:r>
-              <a:rPr lang="ko-KR" altLang="en-US" sz="1100" b="1" dirty="0">
-                <a:latin typeface="나눔고딕" panose="020D0604000000000000" pitchFamily="50" charset="-127"/>
-                <a:ea typeface="나눔고딕" panose="020D0604000000000000" pitchFamily="50" charset="-127"/>
-              </a:rPr>
-              <a:t>브라우저에서 매핑 된 주소로 요청 시 </a:t>
-            </a:r>
-            <a:endParaRPr lang="en-US" altLang="ko-KR" sz="1100" b="1" dirty="0">
+              <a:rPr lang="ko-KR" altLang="en-US" sz="1100" b="1" dirty="0" smtClean="0">
+                <a:latin typeface="나눔고딕" panose="020D0604000000000000" pitchFamily="50" charset="-127"/>
+                <a:ea typeface="나눔고딕" panose="020D0604000000000000" pitchFamily="50" charset="-127"/>
+              </a:rPr>
+              <a:t>관리자로 로그인시</a:t>
+            </a:r>
+            <a:endParaRPr lang="en-US" altLang="ko-KR" sz="1100" b="1" dirty="0" smtClean="0">
               <a:latin typeface="나눔고딕" panose="020D0604000000000000" pitchFamily="50" charset="-127"/>
               <a:ea typeface="나눔고딕" panose="020D0604000000000000" pitchFamily="50" charset="-127"/>
             </a:endParaRPr>
@@ -27263,53 +27890,227 @@
           <a:p>
             <a:pPr algn="ctr"/>
             <a:r>
-              <a:rPr lang="en-US" altLang="ko-KR" sz="1100" b="1" dirty="0" err="1">
-                <a:latin typeface="나눔고딕" panose="020D0604000000000000" pitchFamily="50" charset="-127"/>
-                <a:ea typeface="나눔고딕" panose="020D0604000000000000" pitchFamily="50" charset="-127"/>
-              </a:rPr>
-              <a:t>ModelAndView</a:t>
-            </a:r>
-            <a:r>
-              <a:rPr lang="en-US" altLang="ko-KR" sz="1100" b="1" dirty="0">
-                <a:latin typeface="나눔고딕" panose="020D0604000000000000" pitchFamily="50" charset="-127"/>
-                <a:ea typeface="나눔고딕" panose="020D0604000000000000" pitchFamily="50" charset="-127"/>
-              </a:rPr>
-              <a:t> </a:t>
-            </a:r>
-            <a:r>
-              <a:rPr lang="ko-KR" altLang="en-US" sz="1100" b="1" dirty="0">
-                <a:latin typeface="나눔고딕" panose="020D0604000000000000" pitchFamily="50" charset="-127"/>
-                <a:ea typeface="나눔고딕" panose="020D0604000000000000" pitchFamily="50" charset="-127"/>
-              </a:rPr>
-              <a:t>객체에 설정 된 뷰 이름을 </a:t>
-            </a:r>
-            <a:r>
-              <a:rPr lang="en-US" altLang="ko-KR" sz="1100" b="1" dirty="0" err="1">
-                <a:latin typeface="나눔고딕" panose="020D0604000000000000" pitchFamily="50" charset="-127"/>
-                <a:ea typeface="나눔고딕" panose="020D0604000000000000" pitchFamily="50" charset="-127"/>
-              </a:rPr>
-              <a:t>tilesViewResolver</a:t>
-            </a:r>
-            <a:r>
-              <a:rPr lang="ko-KR" altLang="en-US" sz="1100" b="1" dirty="0">
-                <a:latin typeface="나눔고딕" panose="020D0604000000000000" pitchFamily="50" charset="-127"/>
-                <a:ea typeface="나눔고딕" panose="020D0604000000000000" pitchFamily="50" charset="-127"/>
-              </a:rPr>
-              <a:t>로 반환</a:t>
-            </a:r>
+              <a:rPr lang="en-US" altLang="ko-KR" sz="1100" b="1" dirty="0" smtClean="0">
+                <a:latin typeface="나눔고딕" panose="020D0604000000000000" pitchFamily="50" charset="-127"/>
+                <a:ea typeface="나눔고딕" panose="020D0604000000000000" pitchFamily="50" charset="-127"/>
+              </a:rPr>
+              <a:t>‘</a:t>
+            </a:r>
+            <a:r>
+              <a:rPr lang="ko-KR" altLang="en-US" sz="1100" b="1" dirty="0" smtClean="0">
+                <a:latin typeface="나눔고딕" panose="020D0604000000000000" pitchFamily="50" charset="-127"/>
+                <a:ea typeface="나눔고딕" panose="020D0604000000000000" pitchFamily="50" charset="-127"/>
+              </a:rPr>
+              <a:t>관리자</a:t>
+            </a:r>
+            <a:r>
+              <a:rPr lang="en-US" altLang="ko-KR" sz="1100" b="1" dirty="0" smtClean="0">
+                <a:latin typeface="나눔고딕" panose="020D0604000000000000" pitchFamily="50" charset="-127"/>
+                <a:ea typeface="나눔고딕" panose="020D0604000000000000" pitchFamily="50" charset="-127"/>
+              </a:rPr>
+              <a:t>’</a:t>
+            </a:r>
+            <a:r>
+              <a:rPr lang="ko-KR" altLang="en-US" sz="1100" b="1" dirty="0" smtClean="0">
+                <a:latin typeface="나눔고딕" panose="020D0604000000000000" pitchFamily="50" charset="-127"/>
+                <a:ea typeface="나눔고딕" panose="020D0604000000000000" pitchFamily="50" charset="-127"/>
+              </a:rPr>
+              <a:t>를 표시</a:t>
+            </a:r>
+            <a:endParaRPr lang="ko-KR" altLang="en-US" sz="1100" b="1" dirty="0">
+              <a:latin typeface="나눔고딕" panose="020D0604000000000000" pitchFamily="50" charset="-127"/>
+              <a:ea typeface="나눔고딕" panose="020D0604000000000000" pitchFamily="50" charset="-127"/>
+            </a:endParaRPr>
           </a:p>
         </p:txBody>
       </p:sp>
-      <p:sp>
-        <p:nvSpPr>
-          <p:cNvPr id="10" name="직사각형 9"/>
+      <p:pic>
+        <p:nvPicPr>
+          <p:cNvPr id="49" name="그림 48"/>
+          <p:cNvPicPr>
+            <a:picLocks noChangeAspect="1"/>
+          </p:cNvPicPr>
+          <p:nvPr/>
+        </p:nvPicPr>
+        <p:blipFill>
+          <a:blip r:embed="rId4"/>
+          <a:stretch>
+            <a:fillRect/>
+          </a:stretch>
+        </p:blipFill>
+        <p:spPr>
+          <a:xfrm>
+            <a:off x="1310390" y="4566707"/>
+            <a:ext cx="4462895" cy="1731097"/>
+          </a:xfrm>
+          <a:prstGeom prst="rect">
+            <a:avLst/>
+          </a:prstGeom>
+          <a:ln w="28575">
+            <a:solidFill>
+              <a:schemeClr val="tx1"/>
+            </a:solidFill>
+          </a:ln>
+        </p:spPr>
+      </p:pic>
+      <p:pic>
+        <p:nvPicPr>
+          <p:cNvPr id="51" name="그림 50"/>
+          <p:cNvPicPr>
+            <a:picLocks noChangeAspect="1"/>
+          </p:cNvPicPr>
+          <p:nvPr/>
+        </p:nvPicPr>
+        <p:blipFill>
+          <a:blip r:embed="rId5"/>
+          <a:stretch>
+            <a:fillRect/>
+          </a:stretch>
+        </p:blipFill>
+        <p:spPr>
+          <a:xfrm>
+            <a:off x="6059041" y="5108168"/>
+            <a:ext cx="3257550" cy="266700"/>
+          </a:xfrm>
+          <a:prstGeom prst="rect">
+            <a:avLst/>
+          </a:prstGeom>
+          <a:ln w="28575">
+            <a:solidFill>
+              <a:schemeClr val="tx1"/>
+            </a:solidFill>
+          </a:ln>
+        </p:spPr>
+      </p:pic>
+      <p:pic>
+        <p:nvPicPr>
+          <p:cNvPr id="52" name="그림 51"/>
+          <p:cNvPicPr>
+            <a:picLocks noChangeAspect="1"/>
+          </p:cNvPicPr>
+          <p:nvPr/>
+        </p:nvPicPr>
+        <p:blipFill>
+          <a:blip r:embed="rId6"/>
+          <a:stretch>
+            <a:fillRect/>
+          </a:stretch>
+        </p:blipFill>
+        <p:spPr>
+          <a:xfrm>
+            <a:off x="6059041" y="4564026"/>
+            <a:ext cx="1743075" cy="238125"/>
+          </a:xfrm>
+          <a:prstGeom prst="rect">
+            <a:avLst/>
+          </a:prstGeom>
+          <a:ln w="28575">
+            <a:solidFill>
+              <a:schemeClr val="tx1"/>
+            </a:solidFill>
+          </a:ln>
+        </p:spPr>
+      </p:pic>
+      <p:pic>
+        <p:nvPicPr>
+          <p:cNvPr id="53" name="그림 52"/>
+          <p:cNvPicPr>
+            <a:picLocks noChangeAspect="1"/>
+          </p:cNvPicPr>
+          <p:nvPr/>
+        </p:nvPicPr>
+        <p:blipFill>
+          <a:blip r:embed="rId7"/>
+          <a:stretch>
+            <a:fillRect/>
+          </a:stretch>
+        </p:blipFill>
+        <p:spPr>
+          <a:xfrm>
+            <a:off x="6059041" y="5680068"/>
+            <a:ext cx="3638550" cy="228600"/>
+          </a:xfrm>
+          <a:prstGeom prst="rect">
+            <a:avLst/>
+          </a:prstGeom>
+          <a:ln w="28575">
+            <a:solidFill>
+              <a:schemeClr val="tx1"/>
+            </a:solidFill>
+          </a:ln>
+        </p:spPr>
+      </p:pic>
+      <p:sp>
+        <p:nvSpPr>
+          <p:cNvPr id="57" name="TextBox 56">
+            <a:extLst>
+              <a:ext uri="{FF2B5EF4-FFF2-40B4-BE49-F238E27FC236}">
+                <a16:creationId xmlns:a16="http://schemas.microsoft.com/office/drawing/2014/main" id="{A817718E-AE2D-4626-A2EC-F35A9ACE9710}"/>
+              </a:ext>
+            </a:extLst>
+          </p:cNvPr>
+          <p:cNvSpPr txBox="1"/>
+          <p:nvPr/>
+        </p:nvSpPr>
+        <p:spPr>
+          <a:xfrm>
+            <a:off x="1189549" y="4454299"/>
+            <a:ext cx="1628464" cy="261610"/>
+          </a:xfrm>
+          <a:prstGeom prst="rect">
+            <a:avLst/>
+          </a:prstGeom>
+          <a:ln w="28575">
+            <a:solidFill>
+              <a:srgbClr val="FF0000"/>
+            </a:solidFill>
+          </a:ln>
+        </p:spPr>
+        <p:style>
+          <a:lnRef idx="2">
+            <a:schemeClr val="accent6"/>
+          </a:lnRef>
+          <a:fillRef idx="1">
+            <a:schemeClr val="lt1"/>
+          </a:fillRef>
+          <a:effectRef idx="0">
+            <a:schemeClr val="accent6"/>
+          </a:effectRef>
+          <a:fontRef idx="minor">
+            <a:schemeClr val="dk1"/>
+          </a:fontRef>
+        </p:style>
+        <p:txBody>
+          <a:bodyPr wrap="square" rtlCol="0">
+            <a:spAutoFit/>
+          </a:bodyPr>
+          <a:lstStyle/>
+          <a:p>
+            <a:pPr algn="ctr"/>
+            <a:r>
+              <a:rPr lang="ko-KR" altLang="en-US" sz="1100" b="1" dirty="0" smtClean="0">
+                <a:latin typeface="나눔고딕" panose="020D0604000000000000" pitchFamily="50" charset="-127"/>
+                <a:ea typeface="나눔고딕" panose="020D0604000000000000" pitchFamily="50" charset="-127"/>
+              </a:rPr>
+              <a:t>로그인 페이지 실행 화면</a:t>
+            </a:r>
+            <a:endParaRPr lang="ko-KR" altLang="en-US" sz="1100" b="1" dirty="0">
+              <a:latin typeface="나눔고딕" panose="020D0604000000000000" pitchFamily="50" charset="-127"/>
+              <a:ea typeface="나눔고딕" panose="020D0604000000000000" pitchFamily="50" charset="-127"/>
+            </a:endParaRPr>
+          </a:p>
+        </p:txBody>
+      </p:sp>
+      <p:sp>
+        <p:nvSpPr>
+          <p:cNvPr id="58" name="직사각형 57"/>
           <p:cNvSpPr/>
           <p:nvPr/>
         </p:nvSpPr>
         <p:spPr>
           <a:xfrm>
-            <a:off x="4991100" y="4116889"/>
-            <a:ext cx="3952875" cy="597986"/>
+            <a:off x="6087088" y="5155829"/>
+            <a:ext cx="514950" cy="158677"/>
           </a:xfrm>
           <a:prstGeom prst="rect">
             <a:avLst/>
@@ -27347,19 +28148,66 @@
           </a:p>
         </p:txBody>
       </p:sp>
+      <p:sp>
+        <p:nvSpPr>
+          <p:cNvPr id="59" name="직사각형 58"/>
+          <p:cNvSpPr/>
+          <p:nvPr/>
+        </p:nvSpPr>
+        <p:spPr>
+          <a:xfrm>
+            <a:off x="9263062" y="5706507"/>
+            <a:ext cx="406373" cy="158677"/>
+          </a:xfrm>
+          <a:prstGeom prst="rect">
+            <a:avLst/>
+          </a:prstGeom>
+          <a:noFill/>
+          <a:ln w="28575">
+            <a:solidFill>
+              <a:srgbClr val="FF0000"/>
+            </a:solidFill>
+            <a:prstDash val="sysDot"/>
+          </a:ln>
+        </p:spPr>
+        <p:style>
+          <a:lnRef idx="2">
+            <a:schemeClr val="accent1">
+              <a:shade val="50000"/>
+            </a:schemeClr>
+          </a:lnRef>
+          <a:fillRef idx="1">
+            <a:schemeClr val="accent1"/>
+          </a:fillRef>
+          <a:effectRef idx="0">
+            <a:schemeClr val="accent1"/>
+          </a:effectRef>
+          <a:fontRef idx="minor">
+            <a:schemeClr val="lt1"/>
+          </a:fontRef>
+        </p:style>
+        <p:txBody>
+          <a:bodyPr rtlCol="0" anchor="ctr"/>
+          <a:lstStyle/>
+          <a:p>
+            <a:pPr algn="ctr"/>
+            <a:endParaRPr lang="ko-KR" altLang="en-US"/>
+          </a:p>
+        </p:txBody>
+      </p:sp>
       <p:cxnSp>
         <p:nvCxnSpPr>
-          <p:cNvPr id="13" name="직선 화살표 연결선 12"/>
+          <p:cNvPr id="60" name="직선 화살표 연결선 59"/>
           <p:cNvCxnSpPr>
-            <a:stCxn id="11" idx="2"/>
-            <a:endCxn id="10" idx="0"/>
+            <a:stCxn id="52" idx="3"/>
+            <a:endCxn id="61" idx="1"/>
           </p:cNvCxnSpPr>
           <p:nvPr/>
         </p:nvCxnSpPr>
         <p:spPr>
-          <a:xfrm>
-            <a:off x="6623099" y="2058793"/>
-            <a:ext cx="344439" cy="2058096"/>
+          <a:xfrm flipV="1">
+            <a:off x="7802116" y="4679659"/>
+            <a:ext cx="394717" cy="3430"/>
           </a:xfrm>
           <a:prstGeom prst="straightConnector1">
             <a:avLst/>
@@ -27368,7 +28216,6 @@
             <a:solidFill>
               <a:srgbClr val="FF0000"/>
             </a:solidFill>
-            <a:prstDash val="solid"/>
             <a:tailEnd type="triangle"/>
           </a:ln>
         </p:spPr>
@@ -27387,16 +28234,319 @@
           </a:fontRef>
         </p:style>
       </p:cxnSp>
+      <p:sp>
+        <p:nvSpPr>
+          <p:cNvPr id="61" name="TextBox 60">
+            <a:extLst>
+              <a:ext uri="{FF2B5EF4-FFF2-40B4-BE49-F238E27FC236}">
+                <a16:creationId xmlns:a16="http://schemas.microsoft.com/office/drawing/2014/main" id="{A817718E-AE2D-4626-A2EC-F35A9ACE9710}"/>
+              </a:ext>
+            </a:extLst>
+          </p:cNvPr>
+          <p:cNvSpPr txBox="1"/>
+          <p:nvPr/>
+        </p:nvSpPr>
+        <p:spPr>
+          <a:xfrm>
+            <a:off x="8196833" y="4548854"/>
+            <a:ext cx="1188236" cy="261610"/>
+          </a:xfrm>
+          <a:prstGeom prst="rect">
+            <a:avLst/>
+          </a:prstGeom>
+          <a:ln w="28575">
+            <a:solidFill>
+              <a:srgbClr val="FF0000"/>
+            </a:solidFill>
+          </a:ln>
+        </p:spPr>
+        <p:style>
+          <a:lnRef idx="2">
+            <a:schemeClr val="accent6"/>
+          </a:lnRef>
+          <a:fillRef idx="1">
+            <a:schemeClr val="lt1"/>
+          </a:fillRef>
+          <a:effectRef idx="0">
+            <a:schemeClr val="accent6"/>
+          </a:effectRef>
+          <a:fontRef idx="minor">
+            <a:schemeClr val="dk1"/>
+          </a:fontRef>
+        </p:style>
+        <p:txBody>
+          <a:bodyPr wrap="square" rtlCol="0">
+            <a:spAutoFit/>
+          </a:bodyPr>
+          <a:lstStyle/>
+          <a:p>
+            <a:pPr algn="ctr"/>
+            <a:r>
+              <a:rPr lang="ko-KR" altLang="en-US" sz="1100" b="1" smtClean="0">
+                <a:latin typeface="나눔고딕" panose="020D0604000000000000" pitchFamily="50" charset="-127"/>
+                <a:ea typeface="나눔고딕" panose="020D0604000000000000" pitchFamily="50" charset="-127"/>
+              </a:rPr>
+              <a:t>비로그인시</a:t>
+            </a:r>
+            <a:r>
+              <a:rPr lang="ko-KR" altLang="en-US" sz="1100" b="1" dirty="0" smtClean="0">
+                <a:latin typeface="나눔고딕" panose="020D0604000000000000" pitchFamily="50" charset="-127"/>
+                <a:ea typeface="나눔고딕" panose="020D0604000000000000" pitchFamily="50" charset="-127"/>
+              </a:rPr>
+              <a:t> 표시</a:t>
+            </a:r>
+            <a:endParaRPr lang="ko-KR" altLang="en-US" sz="1100" b="1" dirty="0">
+              <a:latin typeface="나눔고딕" panose="020D0604000000000000" pitchFamily="50" charset="-127"/>
+              <a:ea typeface="나눔고딕" panose="020D0604000000000000" pitchFamily="50" charset="-127"/>
+            </a:endParaRPr>
+          </a:p>
+        </p:txBody>
+      </p:sp>
+      <p:cxnSp>
+        <p:nvCxnSpPr>
+          <p:cNvPr id="64" name="직선 화살표 연결선 63"/>
+          <p:cNvCxnSpPr>
+            <a:stCxn id="51" idx="3"/>
+            <a:endCxn id="65" idx="1"/>
+          </p:cNvCxnSpPr>
+          <p:nvPr/>
+        </p:nvCxnSpPr>
+        <p:spPr>
+          <a:xfrm>
+            <a:off x="9316591" y="5241518"/>
+            <a:ext cx="463195" cy="2684"/>
+          </a:xfrm>
+          <a:prstGeom prst="straightConnector1">
+            <a:avLst/>
+          </a:prstGeom>
+          <a:ln w="28575">
+            <a:solidFill>
+              <a:srgbClr val="FF0000"/>
+            </a:solidFill>
+            <a:tailEnd type="triangle"/>
+          </a:ln>
+        </p:spPr>
+        <p:style>
+          <a:lnRef idx="1">
+            <a:schemeClr val="accent1"/>
+          </a:lnRef>
+          <a:fillRef idx="0">
+            <a:schemeClr val="accent1"/>
+          </a:fillRef>
+          <a:effectRef idx="0">
+            <a:schemeClr val="accent1"/>
+          </a:effectRef>
+          <a:fontRef idx="minor">
+            <a:schemeClr val="tx1"/>
+          </a:fontRef>
+        </p:style>
+      </p:cxnSp>
+      <p:sp>
+        <p:nvSpPr>
+          <p:cNvPr id="65" name="TextBox 64">
+            <a:extLst>
+              <a:ext uri="{FF2B5EF4-FFF2-40B4-BE49-F238E27FC236}">
+                <a16:creationId xmlns:a16="http://schemas.microsoft.com/office/drawing/2014/main" id="{A817718E-AE2D-4626-A2EC-F35A9ACE9710}"/>
+              </a:ext>
+            </a:extLst>
+          </p:cNvPr>
+          <p:cNvSpPr txBox="1"/>
+          <p:nvPr/>
+        </p:nvSpPr>
+        <p:spPr>
+          <a:xfrm>
+            <a:off x="9779786" y="5028758"/>
+            <a:ext cx="1026759" cy="430887"/>
+          </a:xfrm>
+          <a:prstGeom prst="rect">
+            <a:avLst/>
+          </a:prstGeom>
+          <a:ln w="28575">
+            <a:solidFill>
+              <a:srgbClr val="FF0000"/>
+            </a:solidFill>
+          </a:ln>
+        </p:spPr>
+        <p:style>
+          <a:lnRef idx="2">
+            <a:schemeClr val="accent6"/>
+          </a:lnRef>
+          <a:fillRef idx="1">
+            <a:schemeClr val="lt1"/>
+          </a:fillRef>
+          <a:effectRef idx="0">
+            <a:schemeClr val="accent6"/>
+          </a:effectRef>
+          <a:fontRef idx="minor">
+            <a:schemeClr val="dk1"/>
+          </a:fontRef>
+        </p:style>
+        <p:txBody>
+          <a:bodyPr wrap="square" rtlCol="0">
+            <a:spAutoFit/>
+          </a:bodyPr>
+          <a:lstStyle/>
+          <a:p>
+            <a:pPr algn="ctr"/>
+            <a:r>
+              <a:rPr lang="ko-KR" altLang="en-US" sz="1100" b="1" dirty="0" smtClean="0">
+                <a:latin typeface="나눔고딕" panose="020D0604000000000000" pitchFamily="50" charset="-127"/>
+                <a:ea typeface="나눔고딕" panose="020D0604000000000000" pitchFamily="50" charset="-127"/>
+              </a:rPr>
+              <a:t>일반 사용자</a:t>
+            </a:r>
+            <a:endParaRPr lang="en-US" altLang="ko-KR" sz="1100" b="1" dirty="0" smtClean="0">
+              <a:latin typeface="나눔고딕" panose="020D0604000000000000" pitchFamily="50" charset="-127"/>
+              <a:ea typeface="나눔고딕" panose="020D0604000000000000" pitchFamily="50" charset="-127"/>
+            </a:endParaRPr>
+          </a:p>
+          <a:p>
+            <a:pPr algn="ctr"/>
+            <a:r>
+              <a:rPr lang="ko-KR" altLang="en-US" sz="1100" b="1" dirty="0" smtClean="0">
+                <a:latin typeface="나눔고딕" panose="020D0604000000000000" pitchFamily="50" charset="-127"/>
+                <a:ea typeface="나눔고딕" panose="020D0604000000000000" pitchFamily="50" charset="-127"/>
+              </a:rPr>
+              <a:t>로그인시 표시</a:t>
+            </a:r>
+            <a:endParaRPr lang="ko-KR" altLang="en-US" sz="1100" b="1" dirty="0">
+              <a:latin typeface="나눔고딕" panose="020D0604000000000000" pitchFamily="50" charset="-127"/>
+              <a:ea typeface="나눔고딕" panose="020D0604000000000000" pitchFamily="50" charset="-127"/>
+            </a:endParaRPr>
+          </a:p>
+        </p:txBody>
+      </p:sp>
+      <p:cxnSp>
+        <p:nvCxnSpPr>
+          <p:cNvPr id="69" name="직선 화살표 연결선 68"/>
+          <p:cNvCxnSpPr>
+            <a:stCxn id="53" idx="3"/>
+            <a:endCxn id="70" idx="1"/>
+          </p:cNvCxnSpPr>
+          <p:nvPr/>
+        </p:nvCxnSpPr>
+        <p:spPr>
+          <a:xfrm flipV="1">
+            <a:off x="9697591" y="5791813"/>
+            <a:ext cx="571260" cy="2555"/>
+          </a:xfrm>
+          <a:prstGeom prst="straightConnector1">
+            <a:avLst/>
+          </a:prstGeom>
+          <a:ln w="28575">
+            <a:solidFill>
+              <a:srgbClr val="FF0000"/>
+            </a:solidFill>
+            <a:tailEnd type="triangle"/>
+          </a:ln>
+        </p:spPr>
+        <p:style>
+          <a:lnRef idx="1">
+            <a:schemeClr val="accent1"/>
+          </a:lnRef>
+          <a:fillRef idx="0">
+            <a:schemeClr val="accent1"/>
+          </a:fillRef>
+          <a:effectRef idx="0">
+            <a:schemeClr val="accent1"/>
+          </a:effectRef>
+          <a:fontRef idx="minor">
+            <a:schemeClr val="tx1"/>
+          </a:fontRef>
+        </p:style>
+      </p:cxnSp>
+      <p:sp>
+        <p:nvSpPr>
+          <p:cNvPr id="70" name="TextBox 69">
+            <a:extLst>
+              <a:ext uri="{FF2B5EF4-FFF2-40B4-BE49-F238E27FC236}">
+                <a16:creationId xmlns:a16="http://schemas.microsoft.com/office/drawing/2014/main" id="{A817718E-AE2D-4626-A2EC-F35A9ACE9710}"/>
+              </a:ext>
+            </a:extLst>
+          </p:cNvPr>
+          <p:cNvSpPr txBox="1"/>
+          <p:nvPr/>
+        </p:nvSpPr>
+        <p:spPr>
+          <a:xfrm>
+            <a:off x="10268851" y="5576369"/>
+            <a:ext cx="1026759" cy="430887"/>
+          </a:xfrm>
+          <a:prstGeom prst="rect">
+            <a:avLst/>
+          </a:prstGeom>
+          <a:ln w="28575">
+            <a:solidFill>
+              <a:srgbClr val="FF0000"/>
+            </a:solidFill>
+          </a:ln>
+        </p:spPr>
+        <p:style>
+          <a:lnRef idx="2">
+            <a:schemeClr val="accent6"/>
+          </a:lnRef>
+          <a:fillRef idx="1">
+            <a:schemeClr val="lt1"/>
+          </a:fillRef>
+          <a:effectRef idx="0">
+            <a:schemeClr val="accent6"/>
+          </a:effectRef>
+          <a:fontRef idx="minor">
+            <a:schemeClr val="dk1"/>
+          </a:fontRef>
+        </p:style>
+        <p:txBody>
+          <a:bodyPr wrap="square" rtlCol="0">
+            <a:spAutoFit/>
+          </a:bodyPr>
+          <a:lstStyle/>
+          <a:p>
+            <a:pPr algn="ctr"/>
+            <a:r>
+              <a:rPr lang="ko-KR" altLang="en-US" sz="1100" b="1" dirty="0" smtClean="0">
+                <a:latin typeface="나눔고딕" panose="020D0604000000000000" pitchFamily="50" charset="-127"/>
+                <a:ea typeface="나눔고딕" panose="020D0604000000000000" pitchFamily="50" charset="-127"/>
+              </a:rPr>
+              <a:t>관리자</a:t>
+            </a:r>
+            <a:endParaRPr lang="en-US" altLang="ko-KR" sz="1100" b="1" dirty="0" smtClean="0">
+              <a:latin typeface="나눔고딕" panose="020D0604000000000000" pitchFamily="50" charset="-127"/>
+              <a:ea typeface="나눔고딕" panose="020D0604000000000000" pitchFamily="50" charset="-127"/>
+            </a:endParaRPr>
+          </a:p>
+          <a:p>
+            <a:pPr algn="ctr"/>
+            <a:r>
+              <a:rPr lang="ko-KR" altLang="en-US" sz="1100" b="1" dirty="0" smtClean="0">
+                <a:latin typeface="나눔고딕" panose="020D0604000000000000" pitchFamily="50" charset="-127"/>
+                <a:ea typeface="나눔고딕" panose="020D0604000000000000" pitchFamily="50" charset="-127"/>
+              </a:rPr>
+              <a:t>로그인시 표시</a:t>
+            </a:r>
+            <a:endParaRPr lang="ko-KR" altLang="en-US" sz="1100" b="1" dirty="0">
+              <a:latin typeface="나눔고딕" panose="020D0604000000000000" pitchFamily="50" charset="-127"/>
+              <a:ea typeface="나눔고딕" panose="020D0604000000000000" pitchFamily="50" charset="-127"/>
+            </a:endParaRPr>
+          </a:p>
+        </p:txBody>
+      </p:sp>
     </p:spTree>
     <p:extLst>
       <p:ext uri="{BB962C8B-B14F-4D97-AF65-F5344CB8AC3E}">
-        <p14:creationId xmlns:p14="http://schemas.microsoft.com/office/powerpoint/2010/main" val="2018520250"/>
+        <p14:creationId xmlns:p14="http://schemas.microsoft.com/office/powerpoint/2010/main" val="57987481"/>
       </p:ext>
     </p:extLst>
   </p:cSld>
   <p:clrMapOvr>
     <a:masterClrMapping/>
   </p:clrMapOvr>
+  <p:timing>
+    <p:tnLst>
+      <p:par>
+        <p:cTn id="1" dur="indefinite" restart="never" nodeType="tmRoot"/>
+      </p:par>
+    </p:tnLst>
+  </p:timing>
 </p:sld>
 </file>
 
@@ -27419,14 +28569,14 @@
       </p:grpSpPr>
       <p:sp>
         <p:nvSpPr>
-          <p:cNvPr id="4" name="TextBox 3"/>
+          <p:cNvPr id="17" name="TextBox 16"/>
           <p:cNvSpPr txBox="1"/>
           <p:nvPr/>
         </p:nvSpPr>
         <p:spPr>
           <a:xfrm>
             <a:off x="1609648" y="652588"/>
-            <a:ext cx="3398687" cy="646331"/>
+            <a:ext cx="2920992" cy="646331"/>
           </a:xfrm>
           <a:prstGeom prst="rect">
             <a:avLst/>
@@ -27449,10 +28599,10 @@
                 <a:latin typeface="나눔고딕" panose="020D0604000000000000" pitchFamily="50" charset="-127"/>
                 <a:ea typeface="나눔고딕" panose="020D0604000000000000" pitchFamily="50" charset="-127"/>
               </a:rPr>
-              <a:t>페이지 구현</a:t>
-            </a:r>
-            <a:r>
-              <a:rPr lang="ko-KR" altLang="en-US" sz="2400" b="1" dirty="0" smtClean="0">
+              <a:t>회원가입 </a:t>
+            </a:r>
+            <a:r>
+              <a:rPr lang="ko-KR" altLang="en-US" sz="3600" b="1" dirty="0" smtClean="0">
                 <a:ln w="12700">
                   <a:solidFill>
                     <a:sysClr val="windowText" lastClr="000000"/>
@@ -27461,21 +28611,9 @@
                 <a:latin typeface="나눔고딕" panose="020D0604000000000000" pitchFamily="50" charset="-127"/>
                 <a:ea typeface="나눔고딕" panose="020D0604000000000000" pitchFamily="50" charset="-127"/>
               </a:rPr>
-              <a:t> </a:t>
-            </a:r>
-            <a:r>
-              <a:rPr lang="en-US" altLang="ko-KR" sz="2400" dirty="0" smtClean="0">
-                <a:ln w="12700">
-                  <a:solidFill>
-                    <a:sysClr val="windowText" lastClr="000000"/>
-                  </a:solidFill>
-                </a:ln>
-                <a:latin typeface="나눔고딕" panose="020D0604000000000000" pitchFamily="50" charset="-127"/>
-                <a:ea typeface="나눔고딕" panose="020D0604000000000000" pitchFamily="50" charset="-127"/>
-              </a:rPr>
-              <a:t>(tiles)</a:t>
-            </a:r>
-            <a:endParaRPr lang="ko-KR" altLang="en-US" sz="3600" dirty="0">
+              <a:t>구현</a:t>
+            </a:r>
+            <a:endParaRPr lang="ko-KR" altLang="en-US" sz="3600" b="1" dirty="0">
               <a:ln w="12700">
                 <a:solidFill>
                   <a:sysClr val="windowText" lastClr="000000"/>
@@ -27489,86 +28627,80 @@
       </p:sp>
       <p:pic>
         <p:nvPicPr>
-          <p:cNvPr id="14" name="그림 13"/>
+          <p:cNvPr id="2" name="그림 1"/>
           <p:cNvPicPr>
             <a:picLocks noChangeAspect="1"/>
           </p:cNvPicPr>
           <p:nvPr/>
         </p:nvPicPr>
         <p:blipFill>
-          <a:blip r:embed="rId2"/>
+          <a:blip r:embed="rId2">
+            <a:extLst>
+              <a:ext uri="{28A0092B-C50C-407E-A947-70E740481C1C}">
+                <a14:useLocalDpi xmlns:a14="http://schemas.microsoft.com/office/drawing/2010/main" val="0"/>
+              </a:ext>
+            </a:extLst>
+          </a:blip>
           <a:stretch>
             <a:fillRect/>
           </a:stretch>
         </p:blipFill>
         <p:spPr>
           <a:xfrm>
-            <a:off x="1609648" y="1456126"/>
-            <a:ext cx="7434263" cy="4930386"/>
-          </a:xfrm>
-          <a:prstGeom prst="rect">
-            <a:avLst/>
-          </a:prstGeom>
-          <a:ln w="28575">
-            <a:solidFill>
-              <a:srgbClr val="FF0000"/>
+            <a:off x="2888875" y="3616049"/>
+            <a:ext cx="3052492" cy="2811096"/>
+          </a:xfrm>
+          <a:prstGeom prst="rect">
+            <a:avLst/>
+          </a:prstGeom>
+          <a:ln w="28575">
+            <a:solidFill>
+              <a:schemeClr val="tx1"/>
             </a:solidFill>
           </a:ln>
         </p:spPr>
       </p:pic>
-      <p:sp>
-        <p:nvSpPr>
-          <p:cNvPr id="15" name="직사각형 14"/>
-          <p:cNvSpPr/>
-          <p:nvPr/>
-        </p:nvSpPr>
-        <p:spPr>
-          <a:xfrm>
-            <a:off x="2028825" y="2828925"/>
-            <a:ext cx="6467475" cy="1438275"/>
-          </a:xfrm>
-          <a:prstGeom prst="rect">
-            <a:avLst/>
-          </a:prstGeom>
-          <a:noFill/>
-          <a:ln w="28575">
-            <a:solidFill>
-              <a:srgbClr val="FF0000"/>
-            </a:solidFill>
-            <a:prstDash val="sysDot"/>
-          </a:ln>
-        </p:spPr>
-        <p:style>
-          <a:lnRef idx="2">
-            <a:schemeClr val="accent1">
-              <a:shade val="50000"/>
-            </a:schemeClr>
-          </a:lnRef>
-          <a:fillRef idx="1">
-            <a:schemeClr val="accent1"/>
-          </a:fillRef>
-          <a:effectRef idx="0">
-            <a:schemeClr val="accent1"/>
-          </a:effectRef>
-          <a:fontRef idx="minor">
-            <a:schemeClr val="lt1"/>
-          </a:fontRef>
-        </p:style>
-        <p:txBody>
-          <a:bodyPr rtlCol="0" anchor="ctr"/>
-          <a:lstStyle/>
-          <a:p>
-            <a:pPr algn="ctr"/>
-            <a:endParaRPr lang="ko-KR" altLang="en-US"/>
-          </a:p>
-        </p:txBody>
-      </p:sp>
-      <p:sp>
-        <p:nvSpPr>
-          <p:cNvPr id="16" name="TextBox 15">
+      <p:pic>
+        <p:nvPicPr>
+          <p:cNvPr id="5" name="그림 4"/>
+          <p:cNvPicPr>
+            <a:picLocks noChangeAspect="1"/>
+          </p:cNvPicPr>
+          <p:nvPr/>
+        </p:nvPicPr>
+        <p:blipFill>
+          <a:blip r:embed="rId3">
+            <a:extLst>
+              <a:ext uri="{28A0092B-C50C-407E-A947-70E740481C1C}">
+                <a14:useLocalDpi xmlns:a14="http://schemas.microsoft.com/office/drawing/2010/main" val="0"/>
+              </a:ext>
+            </a:extLst>
+          </a:blip>
+          <a:stretch>
+            <a:fillRect/>
+          </a:stretch>
+        </p:blipFill>
+        <p:spPr>
+          <a:xfrm>
+            <a:off x="1370416" y="3293716"/>
+            <a:ext cx="3036918" cy="2826670"/>
+          </a:xfrm>
+          <a:prstGeom prst="rect">
+            <a:avLst/>
+          </a:prstGeom>
+          <a:ln w="28575">
+            <a:solidFill>
+              <a:schemeClr val="tx1"/>
+            </a:solidFill>
+          </a:ln>
+        </p:spPr>
+      </p:pic>
+      <p:sp>
+        <p:nvSpPr>
+          <p:cNvPr id="15" name="TextBox 14">
             <a:extLst>
               <a:ext uri="{FF2B5EF4-FFF2-40B4-BE49-F238E27FC236}">
-                <a16:creationId xmlns:a16="http://schemas.microsoft.com/office/drawing/2014/main" id="{CBC67CCD-1363-4AC9-84E4-19A633E6E0CC}"/>
+                <a16:creationId xmlns:a16="http://schemas.microsoft.com/office/drawing/2014/main" id="{A817718E-AE2D-4626-A2EC-F35A9ACE9710}"/>
               </a:ext>
             </a:extLst>
           </p:cNvPr>
@@ -27577,15 +28709,15 @@
         </p:nvSpPr>
         <p:spPr>
           <a:xfrm>
-            <a:off x="2028825" y="1839248"/>
-            <a:ext cx="5394425" cy="430887"/>
-          </a:xfrm>
-          <a:prstGeom prst="rect">
-            <a:avLst/>
-          </a:prstGeom>
-          <a:ln w="28575">
-            <a:solidFill>
-              <a:srgbClr val="FF0000"/>
+            <a:off x="1353790" y="1541011"/>
+            <a:ext cx="4379725" cy="261610"/>
+          </a:xfrm>
+          <a:prstGeom prst="rect">
+            <a:avLst/>
+          </a:prstGeom>
+          <a:ln w="28575">
+            <a:solidFill>
+              <a:schemeClr val="tx1"/>
             </a:solidFill>
           </a:ln>
         </p:spPr>
@@ -27611,73 +28743,108 @@
           <a:p>
             <a:pPr algn="ctr"/>
             <a:r>
-              <a:rPr lang="en-US" altLang="ko-KR" sz="1100" b="1" dirty="0">
-                <a:latin typeface="나눔고딕" panose="020D0604000000000000" pitchFamily="50" charset="-127"/>
-                <a:ea typeface="나눔고딕" panose="020D0604000000000000" pitchFamily="50" charset="-127"/>
-              </a:rPr>
-              <a:t>servlet-context.xml</a:t>
-            </a:r>
-          </a:p>
-          <a:p>
-            <a:pPr algn="ctr"/>
-            <a:r>
-              <a:rPr lang="en-US" altLang="ko-KR" sz="1100" b="1" dirty="0" err="1">
-                <a:latin typeface="나눔고딕" panose="020D0604000000000000" pitchFamily="50" charset="-127"/>
-                <a:ea typeface="나눔고딕" panose="020D0604000000000000" pitchFamily="50" charset="-127"/>
-              </a:rPr>
-              <a:t>tilesViewResolver</a:t>
-            </a:r>
-            <a:r>
-              <a:rPr lang="ko-KR" altLang="en-US" sz="1100" b="1" dirty="0">
-                <a:latin typeface="나눔고딕" panose="020D0604000000000000" pitchFamily="50" charset="-127"/>
-                <a:ea typeface="나눔고딕" panose="020D0604000000000000" pitchFamily="50" charset="-127"/>
-              </a:rPr>
-              <a:t>를 사용 해 </a:t>
-            </a:r>
-            <a:r>
-              <a:rPr lang="en-US" altLang="ko-KR" sz="1100" b="1" dirty="0">
-                <a:latin typeface="나눔고딕" panose="020D0604000000000000" pitchFamily="50" charset="-127"/>
-                <a:ea typeface="나눔고딕" panose="020D0604000000000000" pitchFamily="50" charset="-127"/>
-              </a:rPr>
-              <a:t>Controller</a:t>
-            </a:r>
-            <a:r>
-              <a:rPr lang="ko-KR" altLang="en-US" sz="1100" b="1" dirty="0">
-                <a:latin typeface="나눔고딕" panose="020D0604000000000000" pitchFamily="50" charset="-127"/>
-                <a:ea typeface="나눔고딕" panose="020D0604000000000000" pitchFamily="50" charset="-127"/>
-              </a:rPr>
-              <a:t>를 통해 반환 된 뷰 이름의</a:t>
-            </a:r>
-            <a:r>
-              <a:rPr lang="en-US" altLang="ko-KR" sz="1100" b="1" dirty="0">
-                <a:latin typeface="나눔고딕" panose="020D0604000000000000" pitchFamily="50" charset="-127"/>
-                <a:ea typeface="나눔고딕" panose="020D0604000000000000" pitchFamily="50" charset="-127"/>
-              </a:rPr>
-              <a:t> JSP</a:t>
-            </a:r>
-            <a:r>
-              <a:rPr lang="ko-KR" altLang="en-US" sz="1100" b="1" dirty="0">
-                <a:latin typeface="나눔고딕" panose="020D0604000000000000" pitchFamily="50" charset="-127"/>
-                <a:ea typeface="나눔고딕" panose="020D0604000000000000" pitchFamily="50" charset="-127"/>
-              </a:rPr>
-              <a:t>를 화면에 표시</a:t>
-            </a:r>
+              <a:rPr lang="ko-KR" altLang="en-US" sz="1100" b="1" dirty="0" smtClean="0">
+                <a:solidFill>
+                  <a:schemeClr val="tx1"/>
+                </a:solidFill>
+                <a:latin typeface="나눔고딕" panose="020D0604000000000000" pitchFamily="50" charset="-127"/>
+                <a:ea typeface="나눔고딕" panose="020D0604000000000000" pitchFamily="50" charset="-127"/>
+              </a:rPr>
+              <a:t>회원 </a:t>
+            </a:r>
+            <a:r>
+              <a:rPr lang="ko-KR" altLang="en-US" sz="1100" b="1" dirty="0" smtClean="0">
+                <a:solidFill>
+                  <a:schemeClr val="tx1"/>
+                </a:solidFill>
+                <a:latin typeface="나눔고딕" panose="020D0604000000000000" pitchFamily="50" charset="-127"/>
+                <a:ea typeface="나눔고딕" panose="020D0604000000000000" pitchFamily="50" charset="-127"/>
+              </a:rPr>
+              <a:t>가입 기능 구현을 위한 </a:t>
+            </a:r>
+            <a:r>
+              <a:rPr lang="en-US" altLang="ko-KR" sz="1100" b="1" dirty="0" smtClean="0">
+                <a:solidFill>
+                  <a:schemeClr val="tx1"/>
+                </a:solidFill>
+                <a:latin typeface="나눔고딕" panose="020D0604000000000000" pitchFamily="50" charset="-127"/>
+                <a:ea typeface="나눔고딕" panose="020D0604000000000000" pitchFamily="50" charset="-127"/>
+              </a:rPr>
+              <a:t>SQL</a:t>
+            </a:r>
+            <a:r>
+              <a:rPr lang="ko-KR" altLang="en-US" sz="1100" b="1" dirty="0" smtClean="0">
+                <a:solidFill>
+                  <a:schemeClr val="tx1"/>
+                </a:solidFill>
+                <a:latin typeface="나눔고딕" panose="020D0604000000000000" pitchFamily="50" charset="-127"/>
+                <a:ea typeface="나눔고딕" panose="020D0604000000000000" pitchFamily="50" charset="-127"/>
+              </a:rPr>
+              <a:t>문을 </a:t>
+            </a:r>
+            <a:r>
+              <a:rPr lang="ko-KR" altLang="en-US" sz="1100" b="1" dirty="0" err="1" smtClean="0">
+                <a:solidFill>
+                  <a:schemeClr val="tx1"/>
+                </a:solidFill>
+                <a:latin typeface="나눔고딕" panose="020D0604000000000000" pitchFamily="50" charset="-127"/>
+                <a:ea typeface="나눔고딕" panose="020D0604000000000000" pitchFamily="50" charset="-127"/>
+              </a:rPr>
+              <a:t>매퍼파일인</a:t>
+            </a:r>
+            <a:r>
+              <a:rPr lang="ko-KR" altLang="en-US" sz="1100" b="1" dirty="0" smtClean="0">
+                <a:solidFill>
+                  <a:schemeClr val="tx1"/>
+                </a:solidFill>
+                <a:latin typeface="나눔고딕" panose="020D0604000000000000" pitchFamily="50" charset="-127"/>
+                <a:ea typeface="나눔고딕" panose="020D0604000000000000" pitchFamily="50" charset="-127"/>
+              </a:rPr>
+              <a:t> </a:t>
+            </a:r>
+            <a:r>
+              <a:rPr lang="en-US" altLang="ko-KR" sz="1100" b="1" dirty="0" smtClean="0">
+                <a:solidFill>
+                  <a:schemeClr val="tx1"/>
+                </a:solidFill>
+                <a:latin typeface="나눔고딕" panose="020D0604000000000000" pitchFamily="50" charset="-127"/>
+                <a:ea typeface="나눔고딕" panose="020D0604000000000000" pitchFamily="50" charset="-127"/>
+              </a:rPr>
+              <a:t>member.xml</a:t>
+            </a:r>
+            <a:r>
+              <a:rPr lang="ko-KR" altLang="en-US" sz="1100" b="1" dirty="0" smtClean="0">
+                <a:solidFill>
+                  <a:schemeClr val="tx1"/>
+                </a:solidFill>
+                <a:latin typeface="나눔고딕" panose="020D0604000000000000" pitchFamily="50" charset="-127"/>
+                <a:ea typeface="나눔고딕" panose="020D0604000000000000" pitchFamily="50" charset="-127"/>
+              </a:rPr>
+              <a:t>에 작성</a:t>
+            </a:r>
+            <a:endParaRPr lang="ko-KR" altLang="en-US" sz="1100" b="1" dirty="0">
+              <a:solidFill>
+                <a:schemeClr val="tx1"/>
+              </a:solidFill>
+              <a:latin typeface="나눔고딕" panose="020D0604000000000000" pitchFamily="50" charset="-127"/>
+              <a:ea typeface="나눔고딕" panose="020D0604000000000000" pitchFamily="50" charset="-127"/>
+            </a:endParaRPr>
           </a:p>
         </p:txBody>
       </p:sp>
       <p:cxnSp>
         <p:nvCxnSpPr>
-          <p:cNvPr id="20" name="직선 화살표 연결선 19"/>
+          <p:cNvPr id="16" name="직선 화살표 연결선 15"/>
           <p:cNvCxnSpPr>
-            <a:stCxn id="16" idx="2"/>
-            <a:endCxn id="15" idx="0"/>
+            <a:stCxn id="9" idx="3"/>
+            <a:endCxn id="18" idx="1"/>
           </p:cNvCxnSpPr>
           <p:nvPr/>
         </p:nvCxnSpPr>
         <p:spPr>
-          <a:xfrm>
-            <a:off x="4726038" y="2270135"/>
-            <a:ext cx="536525" cy="558790"/>
+          <a:xfrm flipV="1">
+            <a:off x="4407335" y="2018065"/>
+            <a:ext cx="284951" cy="513331"/>
           </a:xfrm>
           <a:prstGeom prst="straightConnector1">
             <a:avLst/>
@@ -27686,7 +28853,6 @@
             <a:solidFill>
               <a:srgbClr val="FF0000"/>
             </a:solidFill>
-            <a:prstDash val="solid"/>
             <a:tailEnd type="triangle"/>
           </a:ln>
         </p:spPr>
@@ -27705,16 +28871,330 @@
           </a:fontRef>
         </p:style>
       </p:cxnSp>
+      <p:sp>
+        <p:nvSpPr>
+          <p:cNvPr id="18" name="TextBox 17">
+            <a:extLst>
+              <a:ext uri="{FF2B5EF4-FFF2-40B4-BE49-F238E27FC236}">
+                <a16:creationId xmlns:a16="http://schemas.microsoft.com/office/drawing/2014/main" id="{A817718E-AE2D-4626-A2EC-F35A9ACE9710}"/>
+              </a:ext>
+            </a:extLst>
+          </p:cNvPr>
+          <p:cNvSpPr txBox="1"/>
+          <p:nvPr/>
+        </p:nvSpPr>
+        <p:spPr>
+          <a:xfrm>
+            <a:off x="4692286" y="1887260"/>
+            <a:ext cx="2718757" cy="261610"/>
+          </a:xfrm>
+          <a:prstGeom prst="rect">
+            <a:avLst/>
+          </a:prstGeom>
+          <a:ln w="28575">
+            <a:solidFill>
+              <a:srgbClr val="FF0000"/>
+            </a:solidFill>
+          </a:ln>
+        </p:spPr>
+        <p:style>
+          <a:lnRef idx="2">
+            <a:schemeClr val="accent6"/>
+          </a:lnRef>
+          <a:fillRef idx="1">
+            <a:schemeClr val="lt1"/>
+          </a:fillRef>
+          <a:effectRef idx="0">
+            <a:schemeClr val="accent6"/>
+          </a:effectRef>
+          <a:fontRef idx="minor">
+            <a:schemeClr val="dk1"/>
+          </a:fontRef>
+        </p:style>
+        <p:txBody>
+          <a:bodyPr wrap="square" rtlCol="0">
+            <a:spAutoFit/>
+          </a:bodyPr>
+          <a:lstStyle/>
+          <a:p>
+            <a:pPr algn="ctr"/>
+            <a:r>
+              <a:rPr lang="ko-KR" altLang="en-US" sz="1100" b="1" dirty="0" smtClean="0">
+                <a:latin typeface="나눔고딕" panose="020D0604000000000000" pitchFamily="50" charset="-127"/>
+                <a:ea typeface="나눔고딕" panose="020D0604000000000000" pitchFamily="50" charset="-127"/>
+              </a:rPr>
+              <a:t>회원 가입 시 입력한 </a:t>
+            </a:r>
+            <a:r>
+              <a:rPr lang="en-US" altLang="ko-KR" sz="1100" b="1" dirty="0" smtClean="0">
+                <a:latin typeface="나눔고딕" panose="020D0604000000000000" pitchFamily="50" charset="-127"/>
+                <a:ea typeface="나눔고딕" panose="020D0604000000000000" pitchFamily="50" charset="-127"/>
+              </a:rPr>
+              <a:t>ID</a:t>
+            </a:r>
+            <a:r>
+              <a:rPr lang="ko-KR" altLang="en-US" sz="1100" b="1" dirty="0" smtClean="0">
+                <a:latin typeface="나눔고딕" panose="020D0604000000000000" pitchFamily="50" charset="-127"/>
+                <a:ea typeface="나눔고딕" panose="020D0604000000000000" pitchFamily="50" charset="-127"/>
+              </a:rPr>
+              <a:t>로 </a:t>
+            </a:r>
+            <a:r>
+              <a:rPr lang="en-US" altLang="ko-KR" sz="1100" b="1" dirty="0" smtClean="0">
+                <a:latin typeface="나눔고딕" panose="020D0604000000000000" pitchFamily="50" charset="-127"/>
+                <a:ea typeface="나눔고딕" panose="020D0604000000000000" pitchFamily="50" charset="-127"/>
+              </a:rPr>
+              <a:t>ID</a:t>
+            </a:r>
+            <a:r>
+              <a:rPr lang="ko-KR" altLang="en-US" sz="1100" b="1" dirty="0" smtClean="0">
+                <a:latin typeface="나눔고딕" panose="020D0604000000000000" pitchFamily="50" charset="-127"/>
+                <a:ea typeface="나눔고딕" panose="020D0604000000000000" pitchFamily="50" charset="-127"/>
+              </a:rPr>
+              <a:t>중복 검사 실시</a:t>
+            </a:r>
+            <a:endParaRPr lang="ko-KR" altLang="en-US" sz="1100" b="1" dirty="0">
+              <a:latin typeface="나눔고딕" panose="020D0604000000000000" pitchFamily="50" charset="-127"/>
+              <a:ea typeface="나눔고딕" panose="020D0604000000000000" pitchFamily="50" charset="-127"/>
+            </a:endParaRPr>
+          </a:p>
+        </p:txBody>
+      </p:sp>
+      <p:pic>
+        <p:nvPicPr>
+          <p:cNvPr id="9" name="그림 8"/>
+          <p:cNvPicPr>
+            <a:picLocks noChangeAspect="1"/>
+          </p:cNvPicPr>
+          <p:nvPr/>
+        </p:nvPicPr>
+        <p:blipFill>
+          <a:blip r:embed="rId4"/>
+          <a:stretch>
+            <a:fillRect/>
+          </a:stretch>
+        </p:blipFill>
+        <p:spPr>
+          <a:xfrm>
+            <a:off x="1353791" y="2044713"/>
+            <a:ext cx="3053544" cy="973366"/>
+          </a:xfrm>
+          <a:prstGeom prst="rect">
+            <a:avLst/>
+          </a:prstGeom>
+          <a:ln w="28575">
+            <a:solidFill>
+              <a:schemeClr val="tx1"/>
+            </a:solidFill>
+          </a:ln>
+        </p:spPr>
+      </p:pic>
+      <p:sp>
+        <p:nvSpPr>
+          <p:cNvPr id="21" name="직사각형 20"/>
+          <p:cNvSpPr/>
+          <p:nvPr/>
+        </p:nvSpPr>
+        <p:spPr>
+          <a:xfrm>
+            <a:off x="1255223" y="3155457"/>
+            <a:ext cx="4796442" cy="3394972"/>
+          </a:xfrm>
+          <a:prstGeom prst="rect">
+            <a:avLst/>
+          </a:prstGeom>
+          <a:noFill/>
+          <a:ln w="28575">
+            <a:solidFill>
+              <a:srgbClr val="FF0000"/>
+            </a:solidFill>
+            <a:prstDash val="sysDot"/>
+          </a:ln>
+        </p:spPr>
+        <p:style>
+          <a:lnRef idx="2">
+            <a:schemeClr val="accent1">
+              <a:shade val="50000"/>
+            </a:schemeClr>
+          </a:lnRef>
+          <a:fillRef idx="1">
+            <a:schemeClr val="accent1"/>
+          </a:fillRef>
+          <a:effectRef idx="0">
+            <a:schemeClr val="accent1"/>
+          </a:effectRef>
+          <a:fontRef idx="minor">
+            <a:schemeClr val="lt1"/>
+          </a:fontRef>
+        </p:style>
+        <p:txBody>
+          <a:bodyPr rtlCol="0" anchor="ctr"/>
+          <a:lstStyle/>
+          <a:p>
+            <a:pPr algn="ctr"/>
+            <a:endParaRPr lang="ko-KR" altLang="en-US"/>
+          </a:p>
+        </p:txBody>
+      </p:sp>
+      <p:cxnSp>
+        <p:nvCxnSpPr>
+          <p:cNvPr id="22" name="직선 화살표 연결선 21"/>
+          <p:cNvCxnSpPr>
+            <a:endCxn id="23" idx="1"/>
+          </p:cNvCxnSpPr>
+          <p:nvPr/>
+        </p:nvCxnSpPr>
+        <p:spPr>
+          <a:xfrm flipV="1">
+            <a:off x="4530640" y="2548709"/>
+            <a:ext cx="445622" cy="606748"/>
+          </a:xfrm>
+          <a:prstGeom prst="straightConnector1">
+            <a:avLst/>
+          </a:prstGeom>
+          <a:ln w="28575">
+            <a:solidFill>
+              <a:srgbClr val="FF0000"/>
+            </a:solidFill>
+            <a:tailEnd type="triangle"/>
+          </a:ln>
+        </p:spPr>
+        <p:style>
+          <a:lnRef idx="1">
+            <a:schemeClr val="accent1"/>
+          </a:lnRef>
+          <a:fillRef idx="0">
+            <a:schemeClr val="accent1"/>
+          </a:fillRef>
+          <a:effectRef idx="0">
+            <a:schemeClr val="accent1"/>
+          </a:effectRef>
+          <a:fontRef idx="minor">
+            <a:schemeClr val="tx1"/>
+          </a:fontRef>
+        </p:style>
+      </p:cxnSp>
+      <p:sp>
+        <p:nvSpPr>
+          <p:cNvPr id="23" name="TextBox 22">
+            <a:extLst>
+              <a:ext uri="{FF2B5EF4-FFF2-40B4-BE49-F238E27FC236}">
+                <a16:creationId xmlns:a16="http://schemas.microsoft.com/office/drawing/2014/main" id="{A817718E-AE2D-4626-A2EC-F35A9ACE9710}"/>
+              </a:ext>
+            </a:extLst>
+          </p:cNvPr>
+          <p:cNvSpPr txBox="1"/>
+          <p:nvPr/>
+        </p:nvSpPr>
+        <p:spPr>
+          <a:xfrm>
+            <a:off x="4976262" y="2333265"/>
+            <a:ext cx="2434781" cy="430887"/>
+          </a:xfrm>
+          <a:prstGeom prst="rect">
+            <a:avLst/>
+          </a:prstGeom>
+          <a:ln w="28575">
+            <a:solidFill>
+              <a:srgbClr val="FF0000"/>
+            </a:solidFill>
+          </a:ln>
+        </p:spPr>
+        <p:style>
+          <a:lnRef idx="2">
+            <a:schemeClr val="accent6"/>
+          </a:lnRef>
+          <a:fillRef idx="1">
+            <a:schemeClr val="lt1"/>
+          </a:fillRef>
+          <a:effectRef idx="0">
+            <a:schemeClr val="accent6"/>
+          </a:effectRef>
+          <a:fontRef idx="minor">
+            <a:schemeClr val="dk1"/>
+          </a:fontRef>
+        </p:style>
+        <p:txBody>
+          <a:bodyPr wrap="square" rtlCol="0">
+            <a:spAutoFit/>
+          </a:bodyPr>
+          <a:lstStyle/>
+          <a:p>
+            <a:pPr algn="ctr"/>
+            <a:r>
+              <a:rPr lang="ko-KR" altLang="en-US" sz="1100" b="1" dirty="0" smtClean="0">
+                <a:latin typeface="나눔고딕" panose="020D0604000000000000" pitchFamily="50" charset="-127"/>
+                <a:ea typeface="나눔고딕" panose="020D0604000000000000" pitchFamily="50" charset="-127"/>
+              </a:rPr>
+              <a:t>회원 가입 창에서 입력한</a:t>
+            </a:r>
+            <a:endParaRPr lang="en-US" altLang="ko-KR" sz="1100" b="1" dirty="0" smtClean="0">
+              <a:latin typeface="나눔고딕" panose="020D0604000000000000" pitchFamily="50" charset="-127"/>
+              <a:ea typeface="나눔고딕" panose="020D0604000000000000" pitchFamily="50" charset="-127"/>
+            </a:endParaRPr>
+          </a:p>
+          <a:p>
+            <a:pPr algn="ctr"/>
+            <a:r>
+              <a:rPr lang="ko-KR" altLang="en-US" sz="1100" b="1" dirty="0" smtClean="0">
+                <a:latin typeface="나눔고딕" panose="020D0604000000000000" pitchFamily="50" charset="-127"/>
+                <a:ea typeface="나눔고딕" panose="020D0604000000000000" pitchFamily="50" charset="-127"/>
+              </a:rPr>
+              <a:t>회원 정보를 테이블에 추가</a:t>
+            </a:r>
+            <a:endParaRPr lang="ko-KR" altLang="en-US" sz="1100" b="1" dirty="0">
+              <a:latin typeface="나눔고딕" panose="020D0604000000000000" pitchFamily="50" charset="-127"/>
+              <a:ea typeface="나눔고딕" panose="020D0604000000000000" pitchFamily="50" charset="-127"/>
+            </a:endParaRPr>
+          </a:p>
+        </p:txBody>
+      </p:sp>
+      <p:pic>
+        <p:nvPicPr>
+          <p:cNvPr id="27" name="그림 26"/>
+          <p:cNvPicPr>
+            <a:picLocks noChangeAspect="1"/>
+          </p:cNvPicPr>
+          <p:nvPr/>
+        </p:nvPicPr>
+        <p:blipFill>
+          <a:blip r:embed="rId5"/>
+          <a:stretch>
+            <a:fillRect/>
+          </a:stretch>
+        </p:blipFill>
+        <p:spPr>
+          <a:xfrm>
+            <a:off x="6519178" y="2866455"/>
+            <a:ext cx="5138808" cy="3708348"/>
+          </a:xfrm>
+          <a:prstGeom prst="rect">
+            <a:avLst/>
+          </a:prstGeom>
+          <a:ln w="28575">
+            <a:solidFill>
+              <a:schemeClr val="accent1"/>
+            </a:solidFill>
+          </a:ln>
+        </p:spPr>
+      </p:pic>
     </p:spTree>
     <p:extLst>
       <p:ext uri="{BB962C8B-B14F-4D97-AF65-F5344CB8AC3E}">
-        <p14:creationId xmlns:p14="http://schemas.microsoft.com/office/powerpoint/2010/main" val="659353211"/>
+        <p14:creationId xmlns:p14="http://schemas.microsoft.com/office/powerpoint/2010/main" val="1471658089"/>
       </p:ext>
     </p:extLst>
   </p:cSld>
   <p:clrMapOvr>
     <a:masterClrMapping/>
   </p:clrMapOvr>
+  <p:timing>
+    <p:tnLst>
+      <p:par>
+        <p:cTn id="1" dur="indefinite" restart="never" nodeType="tmRoot"/>
+      </p:par>
+    </p:tnLst>
+  </p:timing>
 </p:sld>
 </file>
 
@@ -27735,120 +29215,168 @@
           <a:chExt cx="0" cy="0"/>
         </a:xfrm>
       </p:grpSpPr>
-      <p:sp>
-        <p:nvSpPr>
-          <p:cNvPr id="4" name="TextBox 3"/>
-          <p:cNvSpPr txBox="1"/>
-          <p:nvPr/>
-        </p:nvSpPr>
-        <p:spPr>
-          <a:xfrm>
-            <a:off x="1609648" y="652588"/>
-            <a:ext cx="3897221" cy="646331"/>
-          </a:xfrm>
-          <a:prstGeom prst="rect">
-            <a:avLst/>
-          </a:prstGeom>
-          <a:noFill/>
-        </p:spPr>
+      <p:pic>
+        <p:nvPicPr>
+          <p:cNvPr id="12" name="그림 11"/>
+          <p:cNvPicPr>
+            <a:picLocks noChangeAspect="1"/>
+          </p:cNvPicPr>
+          <p:nvPr/>
+        </p:nvPicPr>
+        <p:blipFill rotWithShape="1">
+          <a:blip r:embed="rId2">
+            <a:extLst>
+              <a:ext uri="{28A0092B-C50C-407E-A947-70E740481C1C}">
+                <a14:useLocalDpi xmlns:a14="http://schemas.microsoft.com/office/drawing/2010/main" val="0"/>
+              </a:ext>
+            </a:extLst>
+          </a:blip>
+          <a:srcRect b="46150"/>
+          <a:stretch/>
+        </p:blipFill>
+        <p:spPr>
+          <a:xfrm>
+            <a:off x="814872" y="2484700"/>
+            <a:ext cx="2162175" cy="2036312"/>
+          </a:xfrm>
+          <a:prstGeom prst="rect">
+            <a:avLst/>
+          </a:prstGeom>
+          <a:ln w="28575">
+            <a:solidFill>
+              <a:srgbClr val="FF0000"/>
+            </a:solidFill>
+          </a:ln>
+        </p:spPr>
+      </p:pic>
+      <p:pic>
+        <p:nvPicPr>
+          <p:cNvPr id="13" name="그림 12"/>
+          <p:cNvPicPr>
+            <a:picLocks noChangeAspect="1"/>
+          </p:cNvPicPr>
+          <p:nvPr/>
+        </p:nvPicPr>
+        <p:blipFill rotWithShape="1">
+          <a:blip r:embed="rId2">
+            <a:extLst>
+              <a:ext uri="{28A0092B-C50C-407E-A947-70E740481C1C}">
+                <a14:useLocalDpi xmlns:a14="http://schemas.microsoft.com/office/drawing/2010/main" val="0"/>
+              </a:ext>
+            </a:extLst>
+          </a:blip>
+          <a:srcRect t="54102"/>
+          <a:stretch/>
+        </p:blipFill>
+        <p:spPr>
+          <a:xfrm>
+            <a:off x="3195751" y="2484700"/>
+            <a:ext cx="2162175" cy="1735588"/>
+          </a:xfrm>
+          <a:prstGeom prst="rect">
+            <a:avLst/>
+          </a:prstGeom>
+          <a:ln w="28575">
+            <a:solidFill>
+              <a:srgbClr val="FF0000"/>
+            </a:solidFill>
+          </a:ln>
+        </p:spPr>
+      </p:pic>
+      <p:sp>
+        <p:nvSpPr>
+          <p:cNvPr id="14" name="직사각형 13">
+            <a:extLst>
+              <a:ext uri="{FF2B5EF4-FFF2-40B4-BE49-F238E27FC236}">
+                <a16:creationId xmlns:a16="http://schemas.microsoft.com/office/drawing/2014/main" id="{D5720FFE-C359-4BBC-8671-5A9D15B30324}"/>
+              </a:ext>
+            </a:extLst>
+          </p:cNvPr>
+          <p:cNvSpPr/>
+          <p:nvPr/>
+        </p:nvSpPr>
+        <p:spPr>
+          <a:xfrm>
+            <a:off x="808655" y="1772698"/>
+            <a:ext cx="2048845" cy="576064"/>
+          </a:xfrm>
+          <a:prstGeom prst="rect">
+            <a:avLst/>
+          </a:prstGeom>
+          <a:solidFill>
+            <a:schemeClr val="accent1"/>
+          </a:solidFill>
+          <a:ln w="28575">
+            <a:solidFill>
+              <a:schemeClr val="tx1"/>
+            </a:solidFill>
+          </a:ln>
+        </p:spPr>
+        <p:style>
+          <a:lnRef idx="3">
+            <a:schemeClr val="lt1"/>
+          </a:lnRef>
+          <a:fillRef idx="1">
+            <a:schemeClr val="accent1"/>
+          </a:fillRef>
+          <a:effectRef idx="1">
+            <a:schemeClr val="accent1"/>
+          </a:effectRef>
+          <a:fontRef idx="minor">
+            <a:schemeClr val="lt1"/>
+          </a:fontRef>
+        </p:style>
         <p:txBody>
-          <a:bodyPr wrap="none" rtlCol="0">
-            <a:spAutoFit/>
-          </a:bodyPr>
+          <a:bodyPr rtlCol="0" anchor="ctr"/>
           <a:lstStyle/>
           <a:p>
-            <a:r>
-              <a:rPr lang="ko-KR" altLang="en-US" sz="3600" b="1" dirty="0" smtClean="0">
-                <a:ln w="12700">
-                  <a:solidFill>
-                    <a:sysClr val="windowText" lastClr="000000"/>
-                  </a:solidFill>
-                </a:ln>
-                <a:latin typeface="나눔고딕" panose="020D0604000000000000" pitchFamily="50" charset="-127"/>
-                <a:ea typeface="나눔고딕" panose="020D0604000000000000" pitchFamily="50" charset="-127"/>
-              </a:rPr>
-              <a:t>페이지 구현</a:t>
-            </a:r>
-            <a:r>
-              <a:rPr lang="ko-KR" altLang="en-US" sz="2400" b="1" dirty="0" smtClean="0">
-                <a:ln w="12700">
-                  <a:solidFill>
-                    <a:sysClr val="windowText" lastClr="000000"/>
-                  </a:solidFill>
-                </a:ln>
-                <a:latin typeface="나눔고딕" panose="020D0604000000000000" pitchFamily="50" charset="-127"/>
-                <a:ea typeface="나눔고딕" panose="020D0604000000000000" pitchFamily="50" charset="-127"/>
-              </a:rPr>
-              <a:t> </a:t>
-            </a:r>
-            <a:r>
-              <a:rPr lang="en-US" altLang="ko-KR" sz="2400" dirty="0" smtClean="0">
-                <a:ln w="12700">
-                  <a:solidFill>
-                    <a:sysClr val="windowText" lastClr="000000"/>
-                  </a:solidFill>
-                </a:ln>
-                <a:latin typeface="나눔고딕" panose="020D0604000000000000" pitchFamily="50" charset="-127"/>
-                <a:ea typeface="나눔고딕" panose="020D0604000000000000" pitchFamily="50" charset="-127"/>
-              </a:rPr>
-              <a:t>(mapper)</a:t>
-            </a:r>
-            <a:endParaRPr lang="ko-KR" altLang="en-US" sz="3600" dirty="0">
-              <a:ln w="12700">
+            <a:pPr algn="ctr"/>
+            <a:r>
+              <a:rPr lang="en-US" altLang="ko-KR" sz="1600" b="1" dirty="0" err="1">
                 <a:solidFill>
-                  <a:sysClr val="windowText" lastClr="000000"/>
+                  <a:schemeClr val="bg1"/>
                 </a:solidFill>
-              </a:ln>
+                <a:latin typeface="나눔고딕" panose="020D0604000000000000" pitchFamily="50" charset="-127"/>
+                <a:ea typeface="나눔고딕" panose="020D0604000000000000" pitchFamily="50" charset="-127"/>
+              </a:rPr>
+              <a:t>src</a:t>
+            </a:r>
+            <a:r>
+              <a:rPr lang="en-US" altLang="ko-KR" sz="1600" b="1" dirty="0">
+                <a:solidFill>
+                  <a:schemeClr val="bg1"/>
+                </a:solidFill>
+                <a:latin typeface="나눔고딕" panose="020D0604000000000000" pitchFamily="50" charset="-127"/>
+                <a:ea typeface="나눔고딕" panose="020D0604000000000000" pitchFamily="50" charset="-127"/>
+              </a:rPr>
+              <a:t>/main/resources</a:t>
+            </a:r>
+            <a:endParaRPr lang="ko-KR" altLang="en-US" sz="1600" b="1" dirty="0">
+              <a:solidFill>
+                <a:schemeClr val="bg1"/>
+              </a:solidFill>
               <a:latin typeface="나눔고딕" panose="020D0604000000000000" pitchFamily="50" charset="-127"/>
               <a:ea typeface="나눔고딕" panose="020D0604000000000000" pitchFamily="50" charset="-127"/>
             </a:endParaRPr>
           </a:p>
         </p:txBody>
       </p:sp>
-      <p:pic>
-        <p:nvPicPr>
-          <p:cNvPr id="2" name="그림 1"/>
-          <p:cNvPicPr>
-            <a:picLocks noChangeAspect="1"/>
-          </p:cNvPicPr>
-          <p:nvPr/>
-        </p:nvPicPr>
-        <p:blipFill rotWithShape="1">
-          <a:blip r:embed="rId2"/>
-          <a:srcRect b="1913"/>
-          <a:stretch/>
-        </p:blipFill>
-        <p:spPr>
-          <a:xfrm>
-            <a:off x="1385887" y="1881188"/>
-            <a:ext cx="1819275" cy="1709738"/>
-          </a:xfrm>
-          <a:prstGeom prst="rect">
-            <a:avLst/>
-          </a:prstGeom>
-          <a:ln w="28575">
-            <a:solidFill>
-              <a:srgbClr val="FF0000"/>
-            </a:solidFill>
-          </a:ln>
-        </p:spPr>
-      </p:pic>
-      <p:sp>
-        <p:nvSpPr>
-          <p:cNvPr id="8" name="TextBox 7">
+      <p:sp>
+        <p:nvSpPr>
+          <p:cNvPr id="15" name="직사각형 14">
             <a:extLst>
               <a:ext uri="{FF2B5EF4-FFF2-40B4-BE49-F238E27FC236}">
-                <a16:creationId xmlns:a16="http://schemas.microsoft.com/office/drawing/2014/main" id="{BEF2F55D-D388-468B-8BA7-5FC72820D840}"/>
+                <a16:creationId xmlns:a16="http://schemas.microsoft.com/office/drawing/2014/main" id="{72D919C1-2A18-43B1-8C56-00B18C7CF2E7}"/>
               </a:ext>
             </a:extLst>
           </p:cNvPr>
-          <p:cNvSpPr txBox="1"/>
-          <p:nvPr/>
-        </p:nvSpPr>
-        <p:spPr>
-          <a:xfrm>
-            <a:off x="1366837" y="1459248"/>
-            <a:ext cx="1863011" cy="261610"/>
+          <p:cNvSpPr/>
+          <p:nvPr/>
+        </p:nvSpPr>
+        <p:spPr>
+          <a:xfrm>
+            <a:off x="3434979" y="5778808"/>
+            <a:ext cx="1096344" cy="600164"/>
           </a:xfrm>
           <a:prstGeom prst="rect">
             <a:avLst/>
@@ -27861,66 +29389,154 @@
         </p:spPr>
         <p:style>
           <a:lnRef idx="2">
-            <a:schemeClr val="accent6"/>
+            <a:schemeClr val="accent1"/>
           </a:lnRef>
           <a:fillRef idx="1">
             <a:schemeClr val="lt1"/>
           </a:fillRef>
           <a:effectRef idx="0">
-            <a:schemeClr val="accent6"/>
+            <a:schemeClr val="accent1"/>
           </a:effectRef>
           <a:fontRef idx="minor">
             <a:schemeClr val="dk1"/>
           </a:fontRef>
         </p:style>
         <p:txBody>
-          <a:bodyPr wrap="none" rtlCol="0">
+          <a:bodyPr wrap="square" rtlCol="0" anchor="ctr">
             <a:spAutoFit/>
           </a:bodyPr>
           <a:lstStyle/>
           <a:p>
             <a:pPr algn="ctr"/>
             <a:r>
-              <a:rPr lang="en-US" altLang="ko-KR" sz="1100" b="1" dirty="0">
-                <a:latin typeface="나눔고딕" panose="020D0604000000000000" pitchFamily="50" charset="-127"/>
-                <a:ea typeface="나눔고딕" panose="020D0604000000000000" pitchFamily="50" charset="-127"/>
-              </a:rPr>
-              <a:t>SQL</a:t>
-            </a:r>
-            <a:r>
-              <a:rPr lang="ko-KR" altLang="en-US" sz="1100" b="1" dirty="0">
-                <a:latin typeface="나눔고딕" panose="020D0604000000000000" pitchFamily="50" charset="-127"/>
-                <a:ea typeface="나눔고딕" panose="020D0604000000000000" pitchFamily="50" charset="-127"/>
-              </a:rPr>
-              <a:t>문에 대한 </a:t>
-            </a:r>
-            <a:r>
               <a:rPr lang="en-US" altLang="ko-KR" sz="1100" b="1" dirty="0" smtClean="0">
                 <a:latin typeface="나눔고딕" panose="020D0604000000000000" pitchFamily="50" charset="-127"/>
                 <a:ea typeface="나눔고딕" panose="020D0604000000000000" pitchFamily="50" charset="-127"/>
               </a:rPr>
-              <a:t>mapper</a:t>
-            </a:r>
+              <a:t>Mapper</a:t>
+            </a:r>
+          </a:p>
+          <a:p>
+            <a:pPr algn="ctr"/>
+            <a:r>
+              <a:rPr lang="en-US" altLang="ko-KR" sz="1100" b="1" dirty="0" err="1" smtClean="0">
+                <a:latin typeface="나눔고딕" panose="020D0604000000000000" pitchFamily="50" charset="-127"/>
+                <a:ea typeface="나눔고딕" panose="020D0604000000000000" pitchFamily="50" charset="-127"/>
+              </a:rPr>
+              <a:t>modelConfig</a:t>
+            </a:r>
+            <a:endParaRPr lang="en-US" altLang="ko-KR" sz="1100" b="1" dirty="0" smtClean="0">
+              <a:latin typeface="나눔고딕" panose="020D0604000000000000" pitchFamily="50" charset="-127"/>
+              <a:ea typeface="나눔고딕" panose="020D0604000000000000" pitchFamily="50" charset="-127"/>
+            </a:endParaRPr>
+          </a:p>
+          <a:p>
+            <a:pPr algn="ctr"/>
             <a:r>
               <a:rPr lang="ko-KR" altLang="en-US" sz="1100" b="1" dirty="0" smtClean="0">
                 <a:latin typeface="나눔고딕" panose="020D0604000000000000" pitchFamily="50" charset="-127"/>
                 <a:ea typeface="나눔고딕" panose="020D0604000000000000" pitchFamily="50" charset="-127"/>
               </a:rPr>
-              <a:t> </a:t>
-            </a:r>
-            <a:r>
-              <a:rPr lang="ko-KR" altLang="en-US" sz="1100" b="1" dirty="0">
-                <a:latin typeface="나눔고딕" panose="020D0604000000000000" pitchFamily="50" charset="-127"/>
-                <a:ea typeface="나눔고딕" panose="020D0604000000000000" pitchFamily="50" charset="-127"/>
-              </a:rPr>
               <a:t>파일</a:t>
             </a:r>
+            <a:endParaRPr lang="ko-KR" altLang="en-US" sz="1100" b="1" dirty="0">
+              <a:latin typeface="나눔고딕" panose="020D0604000000000000" pitchFamily="50" charset="-127"/>
+              <a:ea typeface="나눔고딕" panose="020D0604000000000000" pitchFamily="50" charset="-127"/>
+            </a:endParaRPr>
+          </a:p>
+        </p:txBody>
+      </p:sp>
+      <p:sp>
+        <p:nvSpPr>
+          <p:cNvPr id="17" name="직사각형 16">
+            <a:extLst>
+              <a:ext uri="{FF2B5EF4-FFF2-40B4-BE49-F238E27FC236}">
+                <a16:creationId xmlns:a16="http://schemas.microsoft.com/office/drawing/2014/main" id="{D5720FFE-C359-4BBC-8671-5A9D15B30324}"/>
+              </a:ext>
+            </a:extLst>
+          </p:cNvPr>
+          <p:cNvSpPr/>
+          <p:nvPr/>
+        </p:nvSpPr>
+        <p:spPr>
+          <a:xfrm>
+            <a:off x="5837855" y="1772698"/>
+            <a:ext cx="1848819" cy="576064"/>
+          </a:xfrm>
+          <a:prstGeom prst="rect">
+            <a:avLst/>
+          </a:prstGeom>
+          <a:solidFill>
+            <a:schemeClr val="accent1"/>
+          </a:solidFill>
+          <a:ln w="28575">
+            <a:solidFill>
+              <a:schemeClr val="tx1"/>
+            </a:solidFill>
+          </a:ln>
+        </p:spPr>
+        <p:style>
+          <a:lnRef idx="3">
+            <a:schemeClr val="lt1"/>
+          </a:lnRef>
+          <a:fillRef idx="1">
+            <a:schemeClr val="accent1"/>
+          </a:fillRef>
+          <a:effectRef idx="1">
+            <a:schemeClr val="accent1"/>
+          </a:effectRef>
+          <a:fontRef idx="minor">
+            <a:schemeClr val="lt1"/>
+          </a:fontRef>
+        </p:style>
+        <p:txBody>
+          <a:bodyPr rtlCol="0" anchor="ctr"/>
+          <a:lstStyle/>
+          <a:p>
+            <a:pPr algn="ctr"/>
+            <a:r>
+              <a:rPr lang="en-US" altLang="ko-KR" sz="1600" b="1" dirty="0" err="1" smtClean="0">
+                <a:solidFill>
+                  <a:schemeClr val="bg1"/>
+                </a:solidFill>
+                <a:latin typeface="나눔고딕" panose="020D0604000000000000" pitchFamily="50" charset="-127"/>
+                <a:ea typeface="나눔고딕" panose="020D0604000000000000" pitchFamily="50" charset="-127"/>
+              </a:rPr>
+              <a:t>src</a:t>
+            </a:r>
+            <a:r>
+              <a:rPr lang="en-US" altLang="ko-KR" sz="1600" b="1" dirty="0" smtClean="0">
+                <a:solidFill>
+                  <a:schemeClr val="bg1"/>
+                </a:solidFill>
+                <a:latin typeface="나눔고딕" panose="020D0604000000000000" pitchFamily="50" charset="-127"/>
+                <a:ea typeface="나눔고딕" panose="020D0604000000000000" pitchFamily="50" charset="-127"/>
+              </a:rPr>
+              <a:t>/main/</a:t>
+            </a:r>
+            <a:r>
+              <a:rPr lang="en-US" altLang="ko-KR" sz="1600" b="1" dirty="0" err="1" smtClean="0">
+                <a:solidFill>
+                  <a:schemeClr val="bg1"/>
+                </a:solidFill>
+                <a:latin typeface="나눔고딕" panose="020D0604000000000000" pitchFamily="50" charset="-127"/>
+                <a:ea typeface="나눔고딕" panose="020D0604000000000000" pitchFamily="50" charset="-127"/>
+              </a:rPr>
+              <a:t>webapp</a:t>
+            </a:r>
+            <a:endParaRPr lang="ko-KR" altLang="en-US" sz="1600" b="1" dirty="0">
+              <a:solidFill>
+                <a:schemeClr val="bg1"/>
+              </a:solidFill>
+              <a:latin typeface="나눔고딕" panose="020D0604000000000000" pitchFamily="50" charset="-127"/>
+              <a:ea typeface="나눔고딕" panose="020D0604000000000000" pitchFamily="50" charset="-127"/>
+            </a:endParaRPr>
           </a:p>
         </p:txBody>
       </p:sp>
       <p:pic>
         <p:nvPicPr>
-          <p:cNvPr id="3" name="그림 2"/>
+          <p:cNvPr id="18" name="그림 17"/>
           <p:cNvPicPr>
             <a:picLocks noChangeAspect="1"/>
           </p:cNvPicPr>
@@ -27934,13 +29550,13 @@
               </a:ext>
             </a:extLst>
           </a:blip>
-          <a:srcRect b="3281"/>
+          <a:srcRect b="54017"/>
           <a:stretch/>
         </p:blipFill>
         <p:spPr>
           <a:xfrm>
-            <a:off x="3558258" y="1459248"/>
-            <a:ext cx="5557838" cy="4979822"/>
+            <a:off x="5837856" y="2747963"/>
+            <a:ext cx="2743200" cy="2071688"/>
           </a:xfrm>
           <a:prstGeom prst="rect">
             <a:avLst/>
@@ -27952,42 +29568,78 @@
           </a:ln>
         </p:spPr>
       </p:pic>
-      <p:sp>
-        <p:nvSpPr>
-          <p:cNvPr id="5" name="직사각형 4"/>
+      <p:pic>
+        <p:nvPicPr>
+          <p:cNvPr id="19" name="그림 18"/>
+          <p:cNvPicPr>
+            <a:picLocks noChangeAspect="1"/>
+          </p:cNvPicPr>
+          <p:nvPr/>
+        </p:nvPicPr>
+        <p:blipFill rotWithShape="1">
+          <a:blip r:embed="rId3">
+            <a:extLst>
+              <a:ext uri="{28A0092B-C50C-407E-A947-70E740481C1C}">
+                <a14:useLocalDpi xmlns:a14="http://schemas.microsoft.com/office/drawing/2010/main" val="0"/>
+              </a:ext>
+            </a:extLst>
+          </a:blip>
+          <a:srcRect t="45559" b="1"/>
+          <a:stretch/>
+        </p:blipFill>
+        <p:spPr>
+          <a:xfrm>
+            <a:off x="8820150" y="2380613"/>
+            <a:ext cx="2743200" cy="2452687"/>
+          </a:xfrm>
+          <a:prstGeom prst="rect">
+            <a:avLst/>
+          </a:prstGeom>
+          <a:ln w="28575">
+            <a:solidFill>
+              <a:srgbClr val="FF0000"/>
+            </a:solidFill>
+          </a:ln>
+        </p:spPr>
+      </p:pic>
+      <p:sp>
+        <p:nvSpPr>
+          <p:cNvPr id="20" name="직사각형 19">
+            <a:extLst>
+              <a:ext uri="{FF2B5EF4-FFF2-40B4-BE49-F238E27FC236}">
+                <a16:creationId xmlns:a16="http://schemas.microsoft.com/office/drawing/2014/main" id="{72D919C1-2A18-43B1-8C56-00B18C7CF2E7}"/>
+              </a:ext>
+            </a:extLst>
+          </p:cNvPr>
           <p:cNvSpPr/>
           <p:nvPr/>
         </p:nvSpPr>
         <p:spPr>
           <a:xfrm>
-            <a:off x="3838575" y="2419350"/>
-            <a:ext cx="5086350" cy="3995738"/>
-          </a:xfrm>
-          <a:prstGeom prst="rect">
-            <a:avLst/>
-          </a:prstGeom>
-          <a:noFill/>
+            <a:off x="5815835" y="5135341"/>
+            <a:ext cx="2765221" cy="354050"/>
+          </a:xfrm>
+          <a:prstGeom prst="rect">
+            <a:avLst/>
+          </a:prstGeom>
           <a:ln w="28575">
             <a:solidFill>
               <a:srgbClr val="FF0000"/>
             </a:solidFill>
-            <a:prstDash val="sysDot"/>
           </a:ln>
         </p:spPr>
         <p:style>
           <a:lnRef idx="2">
-            <a:schemeClr val="accent1">
-              <a:shade val="50000"/>
-            </a:schemeClr>
+            <a:schemeClr val="accent1"/>
           </a:lnRef>
           <a:fillRef idx="1">
-            <a:schemeClr val="accent1"/>
+            <a:schemeClr val="lt1"/>
           </a:fillRef>
           <a:effectRef idx="0">
             <a:schemeClr val="accent1"/>
           </a:effectRef>
           <a:fontRef idx="minor">
-            <a:schemeClr val="lt1"/>
+            <a:schemeClr val="dk1"/>
           </a:fontRef>
         </p:style>
         <p:txBody>
@@ -27995,71 +29647,52 @@
           <a:lstStyle/>
           <a:p>
             <a:pPr algn="ctr"/>
-            <a:endParaRPr lang="ko-KR" altLang="en-US"/>
+            <a:r>
+              <a:rPr lang="en-US" altLang="ko-KR" sz="1100" b="1" dirty="0">
+                <a:latin typeface="나눔고딕" panose="020D0604000000000000" pitchFamily="50" charset="-127"/>
+                <a:ea typeface="나눔고딕" panose="020D0604000000000000" pitchFamily="50" charset="-127"/>
+              </a:rPr>
+              <a:t>WEB-INF</a:t>
+            </a:r>
+            <a:r>
+              <a:rPr lang="ko-KR" altLang="en-US" sz="1100" b="1" dirty="0">
+                <a:latin typeface="나눔고딕" panose="020D0604000000000000" pitchFamily="50" charset="-127"/>
+                <a:ea typeface="나눔고딕" panose="020D0604000000000000" pitchFamily="50" charset="-127"/>
+              </a:rPr>
+              <a:t> </a:t>
+            </a:r>
+            <a:r>
+              <a:rPr lang="ko-KR" altLang="en-US" sz="1100" b="1" dirty="0" smtClean="0">
+                <a:latin typeface="나눔고딕" panose="020D0604000000000000" pitchFamily="50" charset="-127"/>
+                <a:ea typeface="나눔고딕" panose="020D0604000000000000" pitchFamily="50" charset="-127"/>
+              </a:rPr>
+              <a:t>등 웹 애플리케이션 리소스 </a:t>
+            </a:r>
+            <a:r>
+              <a:rPr lang="ko-KR" altLang="en-US" sz="1100" b="1" dirty="0">
+                <a:latin typeface="나눔고딕" panose="020D0604000000000000" pitchFamily="50" charset="-127"/>
+                <a:ea typeface="나눔고딕" panose="020D0604000000000000" pitchFamily="50" charset="-127"/>
+              </a:rPr>
+              <a:t>위치</a:t>
+            </a:r>
           </a:p>
         </p:txBody>
       </p:sp>
-      <p:cxnSp>
-        <p:nvCxnSpPr>
-          <p:cNvPr id="7" name="직선 화살표 연결선 6"/>
-          <p:cNvCxnSpPr>
-            <a:stCxn id="5" idx="3"/>
-          </p:cNvCxnSpPr>
-          <p:nvPr/>
-        </p:nvCxnSpPr>
-        <p:spPr>
-          <a:xfrm>
-            <a:off x="8924925" y="4417219"/>
-            <a:ext cx="706192" cy="11991"/>
-          </a:xfrm>
-          <a:prstGeom prst="straightConnector1">
-            <a:avLst/>
-          </a:prstGeom>
-          <a:ln w="28575">
-            <a:solidFill>
-              <a:srgbClr val="FF0000"/>
-            </a:solidFill>
-            <a:prstDash val="solid"/>
-            <a:tailEnd type="triangle"/>
-          </a:ln>
-        </p:spPr>
-        <p:style>
-          <a:lnRef idx="1">
-            <a:schemeClr val="accent1"/>
-          </a:lnRef>
-          <a:fillRef idx="0">
-            <a:schemeClr val="accent1"/>
-          </a:fillRef>
-          <a:effectRef idx="0">
-            <a:schemeClr val="accent1"/>
-          </a:effectRef>
-          <a:fontRef idx="minor">
-            <a:schemeClr val="tx1"/>
-          </a:fontRef>
-        </p:style>
-      </p:cxnSp>
-      <p:sp>
-        <p:nvSpPr>
-          <p:cNvPr id="11" name="TextBox 10"/>
+      <p:sp>
+        <p:nvSpPr>
+          <p:cNvPr id="21" name="TextBox 20"/>
           <p:cNvSpPr txBox="1"/>
           <p:nvPr/>
         </p:nvSpPr>
         <p:spPr>
           <a:xfrm>
-            <a:off x="9631117" y="4213766"/>
-            <a:ext cx="1329210" cy="430887"/>
-          </a:xfrm>
-          <a:prstGeom prst="rect">
-            <a:avLst/>
-          </a:prstGeom>
-          <a:solidFill>
-            <a:schemeClr val="bg1"/>
-          </a:solidFill>
-          <a:ln w="28575">
-            <a:solidFill>
-              <a:srgbClr val="FF0000"/>
-            </a:solidFill>
-          </a:ln>
+            <a:off x="1609648" y="652588"/>
+            <a:ext cx="3485249" cy="646331"/>
+          </a:xfrm>
+          <a:prstGeom prst="rect">
+            <a:avLst/>
+          </a:prstGeom>
+          <a:noFill/>
         </p:spPr>
         <p:txBody>
           <a:bodyPr wrap="none" rtlCol="0">
@@ -28067,13 +29700,151 @@
           </a:bodyPr>
           <a:lstStyle/>
           <a:p>
+            <a:r>
+              <a:rPr lang="ko-KR" altLang="en-US" sz="3600" b="1" dirty="0" smtClean="0">
+                <a:ln w="12700">
+                  <a:solidFill>
+                    <a:sysClr val="windowText" lastClr="000000"/>
+                  </a:solidFill>
+                </a:ln>
+                <a:latin typeface="나눔고딕" panose="020D0604000000000000" pitchFamily="50" charset="-127"/>
+                <a:ea typeface="나눔고딕" panose="020D0604000000000000" pitchFamily="50" charset="-127"/>
+              </a:rPr>
+              <a:t>페이지 구성 요소</a:t>
+            </a:r>
+            <a:endParaRPr lang="ko-KR" altLang="en-US" sz="3600" b="1" dirty="0">
+              <a:ln w="12700">
+                <a:solidFill>
+                  <a:sysClr val="windowText" lastClr="000000"/>
+                </a:solidFill>
+              </a:ln>
+              <a:latin typeface="나눔고딕" panose="020D0604000000000000" pitchFamily="50" charset="-127"/>
+              <a:ea typeface="나눔고딕" panose="020D0604000000000000" pitchFamily="50" charset="-127"/>
+            </a:endParaRPr>
+          </a:p>
+        </p:txBody>
+      </p:sp>
+      <p:sp>
+        <p:nvSpPr>
+          <p:cNvPr id="11" name="직사각형 10">
+            <a:extLst>
+              <a:ext uri="{FF2B5EF4-FFF2-40B4-BE49-F238E27FC236}">
+                <a16:creationId xmlns:a16="http://schemas.microsoft.com/office/drawing/2014/main" id="{72D919C1-2A18-43B1-8C56-00B18C7CF2E7}"/>
+              </a:ext>
+            </a:extLst>
+          </p:cNvPr>
+          <p:cNvSpPr/>
+          <p:nvPr/>
+        </p:nvSpPr>
+        <p:spPr>
+          <a:xfrm>
+            <a:off x="3195751" y="5135341"/>
+            <a:ext cx="787400" cy="261610"/>
+          </a:xfrm>
+          <a:prstGeom prst="rect">
+            <a:avLst/>
+          </a:prstGeom>
+          <a:ln w="28575">
+            <a:solidFill>
+              <a:srgbClr val="FF0000"/>
+            </a:solidFill>
+          </a:ln>
+        </p:spPr>
+        <p:style>
+          <a:lnRef idx="2">
+            <a:schemeClr val="accent1"/>
+          </a:lnRef>
+          <a:fillRef idx="1">
+            <a:schemeClr val="lt1"/>
+          </a:fillRef>
+          <a:effectRef idx="0">
+            <a:schemeClr val="accent1"/>
+          </a:effectRef>
+          <a:fontRef idx="minor">
+            <a:schemeClr val="dk1"/>
+          </a:fontRef>
+        </p:style>
+        <p:txBody>
+          <a:bodyPr wrap="square" rtlCol="0" anchor="ctr">
+            <a:spAutoFit/>
+          </a:bodyPr>
+          <a:lstStyle/>
+          <a:p>
             <a:pPr algn="ctr"/>
             <a:r>
-              <a:rPr lang="en-US" altLang="ko-KR" sz="1100" b="1" dirty="0" err="1" smtClean="0">
-                <a:latin typeface="나눔고딕" panose="020D0604000000000000" pitchFamily="50" charset="-127"/>
-                <a:ea typeface="나눔고딕" panose="020D0604000000000000" pitchFamily="50" charset="-127"/>
-              </a:rPr>
-              <a:t>ResultMap</a:t>
+              <a:rPr lang="en-US" altLang="ko-KR" sz="1100" b="1" dirty="0" smtClean="0">
+                <a:latin typeface="나눔고딕" panose="020D0604000000000000" pitchFamily="50" charset="-127"/>
+                <a:ea typeface="나눔고딕" panose="020D0604000000000000" pitchFamily="50" charset="-127"/>
+              </a:rPr>
+              <a:t>Tiles </a:t>
+            </a:r>
+            <a:r>
+              <a:rPr lang="ko-KR" altLang="en-US" sz="1100" b="1" dirty="0" smtClean="0">
+                <a:latin typeface="나눔고딕" panose="020D0604000000000000" pitchFamily="50" charset="-127"/>
+                <a:ea typeface="나눔고딕" panose="020D0604000000000000" pitchFamily="50" charset="-127"/>
+              </a:rPr>
+              <a:t>파일</a:t>
+            </a:r>
+            <a:endParaRPr lang="ko-KR" altLang="en-US" sz="1100" b="1" dirty="0">
+              <a:latin typeface="나눔고딕" panose="020D0604000000000000" pitchFamily="50" charset="-127"/>
+              <a:ea typeface="나눔고딕" panose="020D0604000000000000" pitchFamily="50" charset="-127"/>
+            </a:endParaRPr>
+          </a:p>
+        </p:txBody>
+      </p:sp>
+      <p:sp>
+        <p:nvSpPr>
+          <p:cNvPr id="16" name="직사각형 15">
+            <a:extLst>
+              <a:ext uri="{FF2B5EF4-FFF2-40B4-BE49-F238E27FC236}">
+                <a16:creationId xmlns:a16="http://schemas.microsoft.com/office/drawing/2014/main" id="{72D919C1-2A18-43B1-8C56-00B18C7CF2E7}"/>
+              </a:ext>
+            </a:extLst>
+          </p:cNvPr>
+          <p:cNvSpPr/>
+          <p:nvPr/>
+        </p:nvSpPr>
+        <p:spPr>
+          <a:xfrm>
+            <a:off x="800188" y="4656950"/>
+            <a:ext cx="1465262" cy="430887"/>
+          </a:xfrm>
+          <a:prstGeom prst="rect">
+            <a:avLst/>
+          </a:prstGeom>
+          <a:ln w="28575">
+            <a:solidFill>
+              <a:srgbClr val="FF0000"/>
+            </a:solidFill>
+          </a:ln>
+        </p:spPr>
+        <p:style>
+          <a:lnRef idx="2">
+            <a:schemeClr val="accent1"/>
+          </a:lnRef>
+          <a:fillRef idx="1">
+            <a:schemeClr val="lt1"/>
+          </a:fillRef>
+          <a:effectRef idx="0">
+            <a:schemeClr val="accent1"/>
+          </a:effectRef>
+          <a:fontRef idx="minor">
+            <a:schemeClr val="dk1"/>
+          </a:fontRef>
+        </p:style>
+        <p:txBody>
+          <a:bodyPr wrap="square" rtlCol="0" anchor="ctr">
+            <a:spAutoFit/>
+          </a:bodyPr>
+          <a:lstStyle/>
+          <a:p>
+            <a:pPr algn="ctr"/>
+            <a:r>
+              <a:rPr lang="ko-KR" altLang="en-US" sz="1100" b="1" dirty="0" smtClean="0">
+                <a:latin typeface="나눔고딕" panose="020D0604000000000000" pitchFamily="50" charset="-127"/>
+                <a:ea typeface="나눔고딕" panose="020D0604000000000000" pitchFamily="50" charset="-127"/>
+              </a:rPr>
+              <a:t>페이지 구성에 필요한</a:t>
             </a:r>
             <a:endParaRPr lang="en-US" altLang="ko-KR" sz="1100" b="1" dirty="0" smtClean="0">
               <a:latin typeface="나눔고딕" panose="020D0604000000000000" pitchFamily="50" charset="-127"/>
@@ -28083,29 +29854,77 @@
           <a:p>
             <a:pPr algn="ctr"/>
             <a:r>
+              <a:rPr lang="en-US" altLang="ko-KR" sz="1100" b="1" dirty="0" smtClean="0">
+                <a:latin typeface="나눔고딕" panose="020D0604000000000000" pitchFamily="50" charset="-127"/>
+                <a:ea typeface="나눔고딕" panose="020D0604000000000000" pitchFamily="50" charset="-127"/>
+              </a:rPr>
+              <a:t>Mapper </a:t>
+            </a:r>
+            <a:r>
               <a:rPr lang="ko-KR" altLang="en-US" sz="1100" b="1" dirty="0" smtClean="0">
                 <a:latin typeface="나눔고딕" panose="020D0604000000000000" pitchFamily="50" charset="-127"/>
                 <a:ea typeface="나눔고딕" panose="020D0604000000000000" pitchFamily="50" charset="-127"/>
               </a:rPr>
-              <a:t>상품의 정보를 저장</a:t>
-            </a:r>
-            <a:endParaRPr lang="ko-KR" altLang="en-US" sz="1100" b="1" dirty="0">
+              <a:t>파일</a:t>
+            </a:r>
+            <a:endParaRPr lang="en-US" altLang="ko-KR" sz="1100" b="1" dirty="0" smtClean="0">
               <a:latin typeface="나눔고딕" panose="020D0604000000000000" pitchFamily="50" charset="-127"/>
               <a:ea typeface="나눔고딕" panose="020D0604000000000000" pitchFamily="50" charset="-127"/>
             </a:endParaRPr>
           </a:p>
         </p:txBody>
       </p:sp>
+      <p:pic>
+        <p:nvPicPr>
+          <p:cNvPr id="22" name="그림 21"/>
+          <p:cNvPicPr>
+            <a:picLocks noChangeAspect="1"/>
+          </p:cNvPicPr>
+          <p:nvPr/>
+        </p:nvPicPr>
+        <p:blipFill rotWithShape="1">
+          <a:blip r:embed="rId2">
+            <a:extLst>
+              <a:ext uri="{28A0092B-C50C-407E-A947-70E740481C1C}">
+                <a14:useLocalDpi xmlns:a14="http://schemas.microsoft.com/office/drawing/2010/main" val="0"/>
+              </a:ext>
+            </a:extLst>
+          </a:blip>
+          <a:srcRect t="45025" b="46150"/>
+          <a:stretch/>
+        </p:blipFill>
+        <p:spPr>
+          <a:xfrm>
+            <a:off x="814872" y="5230103"/>
+            <a:ext cx="2162175" cy="333695"/>
+          </a:xfrm>
+          <a:prstGeom prst="rect">
+            <a:avLst/>
+          </a:prstGeom>
+          <a:ln w="28575">
+            <a:solidFill>
+              <a:srgbClr val="FF0000"/>
+            </a:solidFill>
+          </a:ln>
+        </p:spPr>
+      </p:pic>
     </p:spTree>
     <p:extLst>
       <p:ext uri="{BB962C8B-B14F-4D97-AF65-F5344CB8AC3E}">
-        <p14:creationId xmlns:p14="http://schemas.microsoft.com/office/powerpoint/2010/main" val="1365418917"/>
+        <p14:creationId xmlns:p14="http://schemas.microsoft.com/office/powerpoint/2010/main" val="1952659654"/>
       </p:ext>
     </p:extLst>
   </p:cSld>
   <p:clrMapOvr>
     <a:masterClrMapping/>
   </p:clrMapOvr>
+  <p:timing>
+    <p:tnLst>
+      <p:par>
+        <p:cTn id="1" dur="indefinite" restart="never" nodeType="tmRoot"/>
+      </p:par>
+    </p:tnLst>
+  </p:timing>
 </p:sld>
 </file>
 
@@ -30090,6 +31909,1342 @@
       </p:grpSpPr>
       <p:sp>
         <p:nvSpPr>
+          <p:cNvPr id="18" name="TextBox 17"/>
+          <p:cNvSpPr txBox="1"/>
+          <p:nvPr/>
+        </p:nvSpPr>
+        <p:spPr>
+          <a:xfrm>
+            <a:off x="1609648" y="652588"/>
+            <a:ext cx="3355406" cy="646331"/>
+          </a:xfrm>
+          <a:prstGeom prst="rect">
+            <a:avLst/>
+          </a:prstGeom>
+          <a:noFill/>
+        </p:spPr>
+        <p:txBody>
+          <a:bodyPr wrap="none" rtlCol="0">
+            <a:spAutoFit/>
+          </a:bodyPr>
+          <a:lstStyle/>
+          <a:p>
+            <a:r>
+              <a:rPr lang="ko-KR" altLang="en-US" sz="3600" b="1" dirty="0" smtClean="0">
+                <a:ln w="12700">
+                  <a:solidFill>
+                    <a:sysClr val="windowText" lastClr="000000"/>
+                  </a:solidFill>
+                </a:ln>
+                <a:latin typeface="나눔고딕" panose="020D0604000000000000" pitchFamily="50" charset="-127"/>
+                <a:ea typeface="나눔고딕" panose="020D0604000000000000" pitchFamily="50" charset="-127"/>
+              </a:rPr>
+              <a:t>페이지 구현</a:t>
+            </a:r>
+            <a:r>
+              <a:rPr lang="ko-KR" altLang="en-US" sz="2400" b="1" dirty="0">
+                <a:ln w="12700">
+                  <a:solidFill>
+                    <a:sysClr val="windowText" lastClr="000000"/>
+                  </a:solidFill>
+                </a:ln>
+                <a:latin typeface="나눔고딕" panose="020D0604000000000000" pitchFamily="50" charset="-127"/>
+                <a:ea typeface="나눔고딕" panose="020D0604000000000000" pitchFamily="50" charset="-127"/>
+              </a:rPr>
+              <a:t> </a:t>
+            </a:r>
+            <a:r>
+              <a:rPr lang="en-US" altLang="ko-KR" sz="2400" dirty="0">
+                <a:ln w="12700">
+                  <a:solidFill>
+                    <a:sysClr val="windowText" lastClr="000000"/>
+                  </a:solidFill>
+                </a:ln>
+                <a:latin typeface="나눔고딕" panose="020D0604000000000000" pitchFamily="50" charset="-127"/>
+                <a:ea typeface="나눔고딕" panose="020D0604000000000000" pitchFamily="50" charset="-127"/>
+              </a:rPr>
+              <a:t>(tiles)</a:t>
+            </a:r>
+            <a:endParaRPr lang="ko-KR" altLang="en-US" sz="2400" b="1" dirty="0">
+              <a:ln w="12700">
+                <a:solidFill>
+                  <a:sysClr val="windowText" lastClr="000000"/>
+                </a:solidFill>
+              </a:ln>
+              <a:latin typeface="나눔고딕" panose="020D0604000000000000" pitchFamily="50" charset="-127"/>
+              <a:ea typeface="나눔고딕" panose="020D0604000000000000" pitchFamily="50" charset="-127"/>
+            </a:endParaRPr>
+          </a:p>
+        </p:txBody>
+      </p:sp>
+      <p:pic>
+        <p:nvPicPr>
+          <p:cNvPr id="2" name="그림 1"/>
+          <p:cNvPicPr>
+            <a:picLocks noChangeAspect="1"/>
+          </p:cNvPicPr>
+          <p:nvPr/>
+        </p:nvPicPr>
+        <p:blipFill>
+          <a:blip r:embed="rId2">
+            <a:extLst>
+              <a:ext uri="{28A0092B-C50C-407E-A947-70E740481C1C}">
+                <a14:useLocalDpi xmlns:a14="http://schemas.microsoft.com/office/drawing/2010/main" val="0"/>
+              </a:ext>
+            </a:extLst>
+          </a:blip>
+          <a:stretch>
+            <a:fillRect/>
+          </a:stretch>
+        </p:blipFill>
+        <p:spPr>
+          <a:xfrm>
+            <a:off x="1394371" y="1840900"/>
+            <a:ext cx="1853228" cy="2024823"/>
+          </a:xfrm>
+          <a:prstGeom prst="rect">
+            <a:avLst/>
+          </a:prstGeom>
+          <a:ln w="28575">
+            <a:solidFill>
+              <a:srgbClr val="FF0000"/>
+            </a:solidFill>
+          </a:ln>
+        </p:spPr>
+      </p:pic>
+      <p:sp>
+        <p:nvSpPr>
+          <p:cNvPr id="4" name="TextBox 3">
+            <a:extLst>
+              <a:ext uri="{FF2B5EF4-FFF2-40B4-BE49-F238E27FC236}">
+                <a16:creationId xmlns:a16="http://schemas.microsoft.com/office/drawing/2014/main" id="{BEF2F55D-D388-468B-8BA7-5FC72820D840}"/>
+              </a:ext>
+            </a:extLst>
+          </p:cNvPr>
+          <p:cNvSpPr txBox="1"/>
+          <p:nvPr/>
+        </p:nvSpPr>
+        <p:spPr>
+          <a:xfrm>
+            <a:off x="1368220" y="1462615"/>
+            <a:ext cx="2417650" cy="261610"/>
+          </a:xfrm>
+          <a:prstGeom prst="rect">
+            <a:avLst/>
+          </a:prstGeom>
+          <a:ln w="28575">
+            <a:solidFill>
+              <a:srgbClr val="FF0000"/>
+            </a:solidFill>
+          </a:ln>
+        </p:spPr>
+        <p:style>
+          <a:lnRef idx="2">
+            <a:schemeClr val="accent6"/>
+          </a:lnRef>
+          <a:fillRef idx="1">
+            <a:schemeClr val="lt1"/>
+          </a:fillRef>
+          <a:effectRef idx="0">
+            <a:schemeClr val="accent6"/>
+          </a:effectRef>
+          <a:fontRef idx="minor">
+            <a:schemeClr val="dk1"/>
+          </a:fontRef>
+        </p:style>
+        <p:txBody>
+          <a:bodyPr wrap="none" rtlCol="0">
+            <a:spAutoFit/>
+          </a:bodyPr>
+          <a:lstStyle/>
+          <a:p>
+            <a:pPr algn="ctr"/>
+            <a:r>
+              <a:rPr lang="ko-KR" altLang="en-US" sz="1100" b="1" dirty="0">
+                <a:latin typeface="나눔고딕" panose="020D0604000000000000" pitchFamily="50" charset="-127"/>
+                <a:ea typeface="나눔고딕" panose="020D0604000000000000" pitchFamily="50" charset="-127"/>
+              </a:rPr>
+              <a:t>레이아웃을 정하는 </a:t>
+            </a:r>
+            <a:r>
+              <a:rPr lang="en-US" altLang="ko-KR" sz="1100" b="1" dirty="0">
+                <a:latin typeface="나눔고딕" panose="020D0604000000000000" pitchFamily="50" charset="-127"/>
+                <a:ea typeface="나눔고딕" panose="020D0604000000000000" pitchFamily="50" charset="-127"/>
+              </a:rPr>
+              <a:t>JSP</a:t>
+            </a:r>
+            <a:r>
+              <a:rPr lang="ko-KR" altLang="en-US" sz="1100" b="1" dirty="0">
+                <a:latin typeface="나눔고딕" panose="020D0604000000000000" pitchFamily="50" charset="-127"/>
+                <a:ea typeface="나눔고딕" panose="020D0604000000000000" pitchFamily="50" charset="-127"/>
+              </a:rPr>
+              <a:t>의 위치를 지정</a:t>
+            </a:r>
+          </a:p>
+        </p:txBody>
+      </p:sp>
+      <p:pic>
+        <p:nvPicPr>
+          <p:cNvPr id="3" name="그림 2"/>
+          <p:cNvPicPr>
+            <a:picLocks noChangeAspect="1"/>
+          </p:cNvPicPr>
+          <p:nvPr/>
+        </p:nvPicPr>
+        <p:blipFill>
+          <a:blip r:embed="rId3">
+            <a:extLst>
+              <a:ext uri="{28A0092B-C50C-407E-A947-70E740481C1C}">
+                <a14:useLocalDpi xmlns:a14="http://schemas.microsoft.com/office/drawing/2010/main" val="0"/>
+              </a:ext>
+            </a:extLst>
+          </a:blip>
+          <a:stretch>
+            <a:fillRect/>
+          </a:stretch>
+        </p:blipFill>
+        <p:spPr>
+          <a:xfrm>
+            <a:off x="1403896" y="4871258"/>
+            <a:ext cx="1221132" cy="1716416"/>
+          </a:xfrm>
+          <a:prstGeom prst="rect">
+            <a:avLst/>
+          </a:prstGeom>
+          <a:ln w="28575">
+            <a:solidFill>
+              <a:srgbClr val="FF0000"/>
+            </a:solidFill>
+          </a:ln>
+        </p:spPr>
+      </p:pic>
+      <p:sp>
+        <p:nvSpPr>
+          <p:cNvPr id="6" name="TextBox 5">
+            <a:extLst>
+              <a:ext uri="{FF2B5EF4-FFF2-40B4-BE49-F238E27FC236}">
+                <a16:creationId xmlns:a16="http://schemas.microsoft.com/office/drawing/2014/main" id="{A817718E-AE2D-4626-A2EC-F35A9ACE9710}"/>
+              </a:ext>
+            </a:extLst>
+          </p:cNvPr>
+          <p:cNvSpPr txBox="1"/>
+          <p:nvPr/>
+        </p:nvSpPr>
+        <p:spPr>
+          <a:xfrm>
+            <a:off x="1377745" y="4311447"/>
+            <a:ext cx="2752677" cy="430887"/>
+          </a:xfrm>
+          <a:prstGeom prst="rect">
+            <a:avLst/>
+          </a:prstGeom>
+          <a:ln w="28575">
+            <a:solidFill>
+              <a:srgbClr val="FF0000"/>
+            </a:solidFill>
+          </a:ln>
+        </p:spPr>
+        <p:style>
+          <a:lnRef idx="2">
+            <a:schemeClr val="accent6"/>
+          </a:lnRef>
+          <a:fillRef idx="1">
+            <a:schemeClr val="lt1"/>
+          </a:fillRef>
+          <a:effectRef idx="0">
+            <a:schemeClr val="accent6"/>
+          </a:effectRef>
+          <a:fontRef idx="minor">
+            <a:schemeClr val="dk1"/>
+          </a:fontRef>
+        </p:style>
+        <p:txBody>
+          <a:bodyPr wrap="none" rtlCol="0">
+            <a:spAutoFit/>
+          </a:bodyPr>
+          <a:lstStyle/>
+          <a:p>
+            <a:pPr algn="ctr"/>
+            <a:r>
+              <a:rPr lang="en-US" altLang="ko-KR" sz="1100" b="1" dirty="0">
+                <a:latin typeface="나눔고딕" panose="020D0604000000000000" pitchFamily="50" charset="-127"/>
+                <a:ea typeface="나눔고딕" panose="020D0604000000000000" pitchFamily="50" charset="-127"/>
+              </a:rPr>
+              <a:t>t</a:t>
+            </a:r>
+            <a:r>
+              <a:rPr lang="en-US" altLang="ko-KR" sz="1100" b="1" dirty="0" smtClean="0">
+                <a:latin typeface="나눔고딕" panose="020D0604000000000000" pitchFamily="50" charset="-127"/>
+                <a:ea typeface="나눔고딕" panose="020D0604000000000000" pitchFamily="50" charset="-127"/>
+              </a:rPr>
+              <a:t>iles</a:t>
+            </a:r>
+            <a:r>
+              <a:rPr lang="en-US" altLang="ko-KR" sz="1100" b="1" dirty="0">
+                <a:latin typeface="나눔고딕" panose="020D0604000000000000" pitchFamily="50" charset="-127"/>
+                <a:ea typeface="나눔고딕" panose="020D0604000000000000" pitchFamily="50" charset="-127"/>
+              </a:rPr>
+              <a:t>_*.xml</a:t>
+            </a:r>
+            <a:r>
+              <a:rPr lang="ko-KR" altLang="en-US" sz="1100" b="1" dirty="0">
+                <a:latin typeface="나눔고딕" panose="020D0604000000000000" pitchFamily="50" charset="-127"/>
+                <a:ea typeface="나눔고딕" panose="020D0604000000000000" pitchFamily="50" charset="-127"/>
+              </a:rPr>
+              <a:t>에서 지정한 위치에  </a:t>
+            </a:r>
+            <a:r>
+              <a:rPr lang="en-US" altLang="ko-KR" sz="1100" b="1" dirty="0">
+                <a:latin typeface="나눔고딕" panose="020D0604000000000000" pitchFamily="50" charset="-127"/>
+                <a:ea typeface="나눔고딕" panose="020D0604000000000000" pitchFamily="50" charset="-127"/>
+              </a:rPr>
+              <a:t>JSP</a:t>
+            </a:r>
+            <a:r>
+              <a:rPr lang="ko-KR" altLang="en-US" sz="1100" b="1" dirty="0">
+                <a:latin typeface="나눔고딕" panose="020D0604000000000000" pitchFamily="50" charset="-127"/>
+                <a:ea typeface="나눔고딕" panose="020D0604000000000000" pitchFamily="50" charset="-127"/>
+              </a:rPr>
+              <a:t>를 위치</a:t>
+            </a:r>
+            <a:endParaRPr lang="en-US" altLang="ko-KR" sz="1100" b="1" dirty="0">
+              <a:latin typeface="나눔고딕" panose="020D0604000000000000" pitchFamily="50" charset="-127"/>
+              <a:ea typeface="나눔고딕" panose="020D0604000000000000" pitchFamily="50" charset="-127"/>
+            </a:endParaRPr>
+          </a:p>
+          <a:p>
+            <a:pPr algn="ctr"/>
+            <a:r>
+              <a:rPr lang="ko-KR" altLang="en-US" sz="1100" b="1" dirty="0">
+                <a:latin typeface="나눔고딕" panose="020D0604000000000000" pitchFamily="50" charset="-127"/>
+                <a:ea typeface="나눔고딕" panose="020D0604000000000000" pitchFamily="50" charset="-127"/>
+              </a:rPr>
+              <a:t>브라우저 요청 시 해당 </a:t>
+            </a:r>
+            <a:r>
+              <a:rPr lang="en-US" altLang="ko-KR" sz="1100" b="1" dirty="0">
+                <a:latin typeface="나눔고딕" panose="020D0604000000000000" pitchFamily="50" charset="-127"/>
+                <a:ea typeface="나눔고딕" panose="020D0604000000000000" pitchFamily="50" charset="-127"/>
+              </a:rPr>
+              <a:t>JSP</a:t>
+            </a:r>
+            <a:r>
+              <a:rPr lang="ko-KR" altLang="en-US" sz="1100" b="1" dirty="0">
+                <a:latin typeface="나눔고딕" panose="020D0604000000000000" pitchFamily="50" charset="-127"/>
+                <a:ea typeface="나눔고딕" panose="020D0604000000000000" pitchFamily="50" charset="-127"/>
+              </a:rPr>
+              <a:t>의 내용이 표시</a:t>
+            </a:r>
+          </a:p>
+        </p:txBody>
+      </p:sp>
+      <p:pic>
+        <p:nvPicPr>
+          <p:cNvPr id="5" name="그림 4"/>
+          <p:cNvPicPr>
+            <a:picLocks noChangeAspect="1"/>
+          </p:cNvPicPr>
+          <p:nvPr/>
+        </p:nvPicPr>
+        <p:blipFill rotWithShape="1">
+          <a:blip r:embed="rId4">
+            <a:extLst>
+              <a:ext uri="{28A0092B-C50C-407E-A947-70E740481C1C}">
+                <a14:useLocalDpi xmlns:a14="http://schemas.microsoft.com/office/drawing/2010/main" val="0"/>
+              </a:ext>
+            </a:extLst>
+          </a:blip>
+          <a:srcRect l="980"/>
+          <a:stretch/>
+        </p:blipFill>
+        <p:spPr>
+          <a:xfrm>
+            <a:off x="4486751" y="2406199"/>
+            <a:ext cx="7186872" cy="3524250"/>
+          </a:xfrm>
+          <a:prstGeom prst="rect">
+            <a:avLst/>
+          </a:prstGeom>
+          <a:ln w="28575">
+            <a:solidFill>
+              <a:srgbClr val="FF0000"/>
+            </a:solidFill>
+          </a:ln>
+        </p:spPr>
+      </p:pic>
+      <p:cxnSp>
+        <p:nvCxnSpPr>
+          <p:cNvPr id="8" name="직선 화살표 연결선 7"/>
+          <p:cNvCxnSpPr/>
+          <p:nvPr/>
+        </p:nvCxnSpPr>
+        <p:spPr>
+          <a:xfrm flipH="1">
+            <a:off x="2130425" y="3956858"/>
+            <a:ext cx="577" cy="262717"/>
+          </a:xfrm>
+          <a:prstGeom prst="straightConnector1">
+            <a:avLst/>
+          </a:prstGeom>
+          <a:ln w="19050">
+            <a:solidFill>
+              <a:srgbClr val="FF0000"/>
+            </a:solidFill>
+            <a:tailEnd type="triangle"/>
+          </a:ln>
+        </p:spPr>
+        <p:style>
+          <a:lnRef idx="1">
+            <a:schemeClr val="accent1"/>
+          </a:lnRef>
+          <a:fillRef idx="0">
+            <a:schemeClr val="accent1"/>
+          </a:fillRef>
+          <a:effectRef idx="0">
+            <a:schemeClr val="accent1"/>
+          </a:effectRef>
+          <a:fontRef idx="minor">
+            <a:schemeClr val="tx1"/>
+          </a:fontRef>
+        </p:style>
+      </p:cxnSp>
+      <p:sp>
+        <p:nvSpPr>
+          <p:cNvPr id="11" name="TextBox 10">
+            <a:extLst>
+              <a:ext uri="{FF2B5EF4-FFF2-40B4-BE49-F238E27FC236}">
+                <a16:creationId xmlns:a16="http://schemas.microsoft.com/office/drawing/2014/main" id="{B583BC1C-A564-45E4-98E0-9B9831B68E24}"/>
+              </a:ext>
+            </a:extLst>
+          </p:cNvPr>
+          <p:cNvSpPr txBox="1"/>
+          <p:nvPr/>
+        </p:nvSpPr>
+        <p:spPr>
+          <a:xfrm>
+            <a:off x="4467701" y="1458629"/>
+            <a:ext cx="4310795" cy="600164"/>
+          </a:xfrm>
+          <a:prstGeom prst="rect">
+            <a:avLst/>
+          </a:prstGeom>
+          <a:ln w="28575">
+            <a:solidFill>
+              <a:srgbClr val="FF0000"/>
+            </a:solidFill>
+          </a:ln>
+        </p:spPr>
+        <p:style>
+          <a:lnRef idx="2">
+            <a:schemeClr val="accent6"/>
+          </a:lnRef>
+          <a:fillRef idx="1">
+            <a:schemeClr val="lt1"/>
+          </a:fillRef>
+          <a:effectRef idx="0">
+            <a:schemeClr val="accent6"/>
+          </a:effectRef>
+          <a:fontRef idx="minor">
+            <a:schemeClr val="dk1"/>
+          </a:fontRef>
+        </p:style>
+        <p:txBody>
+          <a:bodyPr wrap="none" rtlCol="0">
+            <a:spAutoFit/>
+          </a:bodyPr>
+          <a:lstStyle/>
+          <a:p>
+            <a:pPr algn="ctr"/>
+            <a:r>
+              <a:rPr lang="en-US" altLang="ko-KR" sz="1100" b="1" dirty="0">
+                <a:latin typeface="나눔고딕" panose="020D0604000000000000" pitchFamily="50" charset="-127"/>
+                <a:ea typeface="나눔고딕" panose="020D0604000000000000" pitchFamily="50" charset="-127"/>
+              </a:rPr>
+              <a:t>*ControllerImpl.java</a:t>
+            </a:r>
+          </a:p>
+          <a:p>
+            <a:pPr algn="ctr"/>
+            <a:r>
+              <a:rPr lang="ko-KR" altLang="en-US" sz="1100" b="1" dirty="0">
+                <a:latin typeface="나눔고딕" panose="020D0604000000000000" pitchFamily="50" charset="-127"/>
+                <a:ea typeface="나눔고딕" panose="020D0604000000000000" pitchFamily="50" charset="-127"/>
+              </a:rPr>
+              <a:t>브라우저에서 매핑 된 주소로 요청 시 </a:t>
+            </a:r>
+            <a:endParaRPr lang="en-US" altLang="ko-KR" sz="1100" b="1" dirty="0">
+              <a:latin typeface="나눔고딕" panose="020D0604000000000000" pitchFamily="50" charset="-127"/>
+              <a:ea typeface="나눔고딕" panose="020D0604000000000000" pitchFamily="50" charset="-127"/>
+            </a:endParaRPr>
+          </a:p>
+          <a:p>
+            <a:pPr algn="ctr"/>
+            <a:r>
+              <a:rPr lang="en-US" altLang="ko-KR" sz="1100" b="1" dirty="0" err="1">
+                <a:latin typeface="나눔고딕" panose="020D0604000000000000" pitchFamily="50" charset="-127"/>
+                <a:ea typeface="나눔고딕" panose="020D0604000000000000" pitchFamily="50" charset="-127"/>
+              </a:rPr>
+              <a:t>ModelAndView</a:t>
+            </a:r>
+            <a:r>
+              <a:rPr lang="en-US" altLang="ko-KR" sz="1100" b="1" dirty="0">
+                <a:latin typeface="나눔고딕" panose="020D0604000000000000" pitchFamily="50" charset="-127"/>
+                <a:ea typeface="나눔고딕" panose="020D0604000000000000" pitchFamily="50" charset="-127"/>
+              </a:rPr>
+              <a:t> </a:t>
+            </a:r>
+            <a:r>
+              <a:rPr lang="ko-KR" altLang="en-US" sz="1100" b="1" dirty="0">
+                <a:latin typeface="나눔고딕" panose="020D0604000000000000" pitchFamily="50" charset="-127"/>
+                <a:ea typeface="나눔고딕" panose="020D0604000000000000" pitchFamily="50" charset="-127"/>
+              </a:rPr>
+              <a:t>객체에 설정 된 뷰 이름을 </a:t>
+            </a:r>
+            <a:r>
+              <a:rPr lang="en-US" altLang="ko-KR" sz="1100" b="1" dirty="0" err="1">
+                <a:latin typeface="나눔고딕" panose="020D0604000000000000" pitchFamily="50" charset="-127"/>
+                <a:ea typeface="나눔고딕" panose="020D0604000000000000" pitchFamily="50" charset="-127"/>
+              </a:rPr>
+              <a:t>tilesViewResolver</a:t>
+            </a:r>
+            <a:r>
+              <a:rPr lang="ko-KR" altLang="en-US" sz="1100" b="1" dirty="0">
+                <a:latin typeface="나눔고딕" panose="020D0604000000000000" pitchFamily="50" charset="-127"/>
+                <a:ea typeface="나눔고딕" panose="020D0604000000000000" pitchFamily="50" charset="-127"/>
+              </a:rPr>
+              <a:t>로 반환</a:t>
+            </a:r>
+          </a:p>
+        </p:txBody>
+      </p:sp>
+      <p:sp>
+        <p:nvSpPr>
+          <p:cNvPr id="10" name="직사각형 9"/>
+          <p:cNvSpPr/>
+          <p:nvPr/>
+        </p:nvSpPr>
+        <p:spPr>
+          <a:xfrm>
+            <a:off x="4991100" y="4116889"/>
+            <a:ext cx="3952875" cy="597986"/>
+          </a:xfrm>
+          <a:prstGeom prst="rect">
+            <a:avLst/>
+          </a:prstGeom>
+          <a:noFill/>
+          <a:ln w="28575">
+            <a:solidFill>
+              <a:srgbClr val="FF0000"/>
+            </a:solidFill>
+            <a:prstDash val="sysDot"/>
+          </a:ln>
+        </p:spPr>
+        <p:style>
+          <a:lnRef idx="2">
+            <a:schemeClr val="accent1">
+              <a:shade val="50000"/>
+            </a:schemeClr>
+          </a:lnRef>
+          <a:fillRef idx="1">
+            <a:schemeClr val="accent1"/>
+          </a:fillRef>
+          <a:effectRef idx="0">
+            <a:schemeClr val="accent1"/>
+          </a:effectRef>
+          <a:fontRef idx="minor">
+            <a:schemeClr val="lt1"/>
+          </a:fontRef>
+        </p:style>
+        <p:txBody>
+          <a:bodyPr rtlCol="0" anchor="ctr"/>
+          <a:lstStyle/>
+          <a:p>
+            <a:pPr algn="ctr"/>
+            <a:endParaRPr lang="ko-KR" altLang="en-US"/>
+          </a:p>
+        </p:txBody>
+      </p:sp>
+      <p:cxnSp>
+        <p:nvCxnSpPr>
+          <p:cNvPr id="13" name="직선 화살표 연결선 12"/>
+          <p:cNvCxnSpPr>
+            <a:stCxn id="11" idx="2"/>
+            <a:endCxn id="10" idx="0"/>
+          </p:cNvCxnSpPr>
+          <p:nvPr/>
+        </p:nvCxnSpPr>
+        <p:spPr>
+          <a:xfrm>
+            <a:off x="6623099" y="2058793"/>
+            <a:ext cx="344439" cy="2058096"/>
+          </a:xfrm>
+          <a:prstGeom prst="straightConnector1">
+            <a:avLst/>
+          </a:prstGeom>
+          <a:ln w="28575">
+            <a:solidFill>
+              <a:srgbClr val="FF0000"/>
+            </a:solidFill>
+            <a:prstDash val="solid"/>
+            <a:tailEnd type="triangle"/>
+          </a:ln>
+        </p:spPr>
+        <p:style>
+          <a:lnRef idx="1">
+            <a:schemeClr val="accent1"/>
+          </a:lnRef>
+          <a:fillRef idx="0">
+            <a:schemeClr val="accent1"/>
+          </a:fillRef>
+          <a:effectRef idx="0">
+            <a:schemeClr val="accent1"/>
+          </a:effectRef>
+          <a:fontRef idx="minor">
+            <a:schemeClr val="tx1"/>
+          </a:fontRef>
+        </p:style>
+      </p:cxnSp>
+    </p:spTree>
+    <p:extLst>
+      <p:ext uri="{BB962C8B-B14F-4D97-AF65-F5344CB8AC3E}">
+        <p14:creationId xmlns:p14="http://schemas.microsoft.com/office/powerpoint/2010/main" val="2018520250"/>
+      </p:ext>
+    </p:extLst>
+  </p:cSld>
+  <p:clrMapOvr>
+    <a:masterClrMapping/>
+  </p:clrMapOvr>
+</p:sld>
+</file>
+
+<file path=ppt/slides/slide31.xml><?xml version="1.0" encoding="utf-8"?>
+<p:sld xmlns:a="http://schemas.openxmlformats.org/drawingml/2006/main" xmlns:r="http://schemas.openxmlformats.org/officeDocument/2006/relationships" xmlns:p="http://schemas.openxmlformats.org/presentationml/2006/main">
+  <p:cSld>
+    <p:spTree>
+      <p:nvGrpSpPr>
+        <p:cNvPr id="1" name=""/>
+        <p:cNvGrpSpPr/>
+        <p:nvPr/>
+      </p:nvGrpSpPr>
+      <p:grpSpPr>
+        <a:xfrm>
+          <a:off x="0" y="0"/>
+          <a:ext cx="0" cy="0"/>
+          <a:chOff x="0" y="0"/>
+          <a:chExt cx="0" cy="0"/>
+        </a:xfrm>
+      </p:grpSpPr>
+      <p:sp>
+        <p:nvSpPr>
+          <p:cNvPr id="4" name="TextBox 3"/>
+          <p:cNvSpPr txBox="1"/>
+          <p:nvPr/>
+        </p:nvSpPr>
+        <p:spPr>
+          <a:xfrm>
+            <a:off x="1609648" y="652588"/>
+            <a:ext cx="3398687" cy="646331"/>
+          </a:xfrm>
+          <a:prstGeom prst="rect">
+            <a:avLst/>
+          </a:prstGeom>
+          <a:noFill/>
+        </p:spPr>
+        <p:txBody>
+          <a:bodyPr wrap="none" rtlCol="0">
+            <a:spAutoFit/>
+          </a:bodyPr>
+          <a:lstStyle/>
+          <a:p>
+            <a:r>
+              <a:rPr lang="ko-KR" altLang="en-US" sz="3600" b="1" dirty="0" smtClean="0">
+                <a:ln w="12700">
+                  <a:solidFill>
+                    <a:sysClr val="windowText" lastClr="000000"/>
+                  </a:solidFill>
+                </a:ln>
+                <a:latin typeface="나눔고딕" panose="020D0604000000000000" pitchFamily="50" charset="-127"/>
+                <a:ea typeface="나눔고딕" panose="020D0604000000000000" pitchFamily="50" charset="-127"/>
+              </a:rPr>
+              <a:t>페이지 구현</a:t>
+            </a:r>
+            <a:r>
+              <a:rPr lang="ko-KR" altLang="en-US" sz="2400" b="1" dirty="0" smtClean="0">
+                <a:ln w="12700">
+                  <a:solidFill>
+                    <a:sysClr val="windowText" lastClr="000000"/>
+                  </a:solidFill>
+                </a:ln>
+                <a:latin typeface="나눔고딕" panose="020D0604000000000000" pitchFamily="50" charset="-127"/>
+                <a:ea typeface="나눔고딕" panose="020D0604000000000000" pitchFamily="50" charset="-127"/>
+              </a:rPr>
+              <a:t> </a:t>
+            </a:r>
+            <a:r>
+              <a:rPr lang="en-US" altLang="ko-KR" sz="2400" dirty="0" smtClean="0">
+                <a:ln w="12700">
+                  <a:solidFill>
+                    <a:sysClr val="windowText" lastClr="000000"/>
+                  </a:solidFill>
+                </a:ln>
+                <a:latin typeface="나눔고딕" panose="020D0604000000000000" pitchFamily="50" charset="-127"/>
+                <a:ea typeface="나눔고딕" panose="020D0604000000000000" pitchFamily="50" charset="-127"/>
+              </a:rPr>
+              <a:t>(tiles)</a:t>
+            </a:r>
+            <a:endParaRPr lang="ko-KR" altLang="en-US" sz="3600" dirty="0">
+              <a:ln w="12700">
+                <a:solidFill>
+                  <a:sysClr val="windowText" lastClr="000000"/>
+                </a:solidFill>
+              </a:ln>
+              <a:latin typeface="나눔고딕" panose="020D0604000000000000" pitchFamily="50" charset="-127"/>
+              <a:ea typeface="나눔고딕" panose="020D0604000000000000" pitchFamily="50" charset="-127"/>
+            </a:endParaRPr>
+          </a:p>
+        </p:txBody>
+      </p:sp>
+      <p:pic>
+        <p:nvPicPr>
+          <p:cNvPr id="14" name="그림 13"/>
+          <p:cNvPicPr>
+            <a:picLocks noChangeAspect="1"/>
+          </p:cNvPicPr>
+          <p:nvPr/>
+        </p:nvPicPr>
+        <p:blipFill>
+          <a:blip r:embed="rId2"/>
+          <a:stretch>
+            <a:fillRect/>
+          </a:stretch>
+        </p:blipFill>
+        <p:spPr>
+          <a:xfrm>
+            <a:off x="1609648" y="1456126"/>
+            <a:ext cx="7434263" cy="4930386"/>
+          </a:xfrm>
+          <a:prstGeom prst="rect">
+            <a:avLst/>
+          </a:prstGeom>
+          <a:ln w="28575">
+            <a:solidFill>
+              <a:srgbClr val="FF0000"/>
+            </a:solidFill>
+          </a:ln>
+        </p:spPr>
+      </p:pic>
+      <p:sp>
+        <p:nvSpPr>
+          <p:cNvPr id="15" name="직사각형 14"/>
+          <p:cNvSpPr/>
+          <p:nvPr/>
+        </p:nvSpPr>
+        <p:spPr>
+          <a:xfrm>
+            <a:off x="2028825" y="2828925"/>
+            <a:ext cx="6467475" cy="1438275"/>
+          </a:xfrm>
+          <a:prstGeom prst="rect">
+            <a:avLst/>
+          </a:prstGeom>
+          <a:noFill/>
+          <a:ln w="28575">
+            <a:solidFill>
+              <a:srgbClr val="FF0000"/>
+            </a:solidFill>
+            <a:prstDash val="sysDot"/>
+          </a:ln>
+        </p:spPr>
+        <p:style>
+          <a:lnRef idx="2">
+            <a:schemeClr val="accent1">
+              <a:shade val="50000"/>
+            </a:schemeClr>
+          </a:lnRef>
+          <a:fillRef idx="1">
+            <a:schemeClr val="accent1"/>
+          </a:fillRef>
+          <a:effectRef idx="0">
+            <a:schemeClr val="accent1"/>
+          </a:effectRef>
+          <a:fontRef idx="minor">
+            <a:schemeClr val="lt1"/>
+          </a:fontRef>
+        </p:style>
+        <p:txBody>
+          <a:bodyPr rtlCol="0" anchor="ctr"/>
+          <a:lstStyle/>
+          <a:p>
+            <a:pPr algn="ctr"/>
+            <a:endParaRPr lang="ko-KR" altLang="en-US"/>
+          </a:p>
+        </p:txBody>
+      </p:sp>
+      <p:sp>
+        <p:nvSpPr>
+          <p:cNvPr id="16" name="TextBox 15">
+            <a:extLst>
+              <a:ext uri="{FF2B5EF4-FFF2-40B4-BE49-F238E27FC236}">
+                <a16:creationId xmlns:a16="http://schemas.microsoft.com/office/drawing/2014/main" id="{CBC67CCD-1363-4AC9-84E4-19A633E6E0CC}"/>
+              </a:ext>
+            </a:extLst>
+          </p:cNvPr>
+          <p:cNvSpPr txBox="1"/>
+          <p:nvPr/>
+        </p:nvSpPr>
+        <p:spPr>
+          <a:xfrm>
+            <a:off x="2028825" y="1839248"/>
+            <a:ext cx="5394425" cy="430887"/>
+          </a:xfrm>
+          <a:prstGeom prst="rect">
+            <a:avLst/>
+          </a:prstGeom>
+          <a:ln w="28575">
+            <a:solidFill>
+              <a:srgbClr val="FF0000"/>
+            </a:solidFill>
+          </a:ln>
+        </p:spPr>
+        <p:style>
+          <a:lnRef idx="2">
+            <a:schemeClr val="accent6"/>
+          </a:lnRef>
+          <a:fillRef idx="1">
+            <a:schemeClr val="lt1"/>
+          </a:fillRef>
+          <a:effectRef idx="0">
+            <a:schemeClr val="accent6"/>
+          </a:effectRef>
+          <a:fontRef idx="minor">
+            <a:schemeClr val="dk1"/>
+          </a:fontRef>
+        </p:style>
+        <p:txBody>
+          <a:bodyPr wrap="none" rtlCol="0">
+            <a:spAutoFit/>
+          </a:bodyPr>
+          <a:lstStyle/>
+          <a:p>
+            <a:pPr algn="ctr"/>
+            <a:r>
+              <a:rPr lang="en-US" altLang="ko-KR" sz="1100" b="1" dirty="0">
+                <a:latin typeface="나눔고딕" panose="020D0604000000000000" pitchFamily="50" charset="-127"/>
+                <a:ea typeface="나눔고딕" panose="020D0604000000000000" pitchFamily="50" charset="-127"/>
+              </a:rPr>
+              <a:t>servlet-context.xml</a:t>
+            </a:r>
+          </a:p>
+          <a:p>
+            <a:pPr algn="ctr"/>
+            <a:r>
+              <a:rPr lang="en-US" altLang="ko-KR" sz="1100" b="1" dirty="0" err="1">
+                <a:latin typeface="나눔고딕" panose="020D0604000000000000" pitchFamily="50" charset="-127"/>
+                <a:ea typeface="나눔고딕" panose="020D0604000000000000" pitchFamily="50" charset="-127"/>
+              </a:rPr>
+              <a:t>tilesViewResolver</a:t>
+            </a:r>
+            <a:r>
+              <a:rPr lang="ko-KR" altLang="en-US" sz="1100" b="1" dirty="0">
+                <a:latin typeface="나눔고딕" panose="020D0604000000000000" pitchFamily="50" charset="-127"/>
+                <a:ea typeface="나눔고딕" panose="020D0604000000000000" pitchFamily="50" charset="-127"/>
+              </a:rPr>
+              <a:t>를 사용 해 </a:t>
+            </a:r>
+            <a:r>
+              <a:rPr lang="en-US" altLang="ko-KR" sz="1100" b="1" dirty="0">
+                <a:latin typeface="나눔고딕" panose="020D0604000000000000" pitchFamily="50" charset="-127"/>
+                <a:ea typeface="나눔고딕" panose="020D0604000000000000" pitchFamily="50" charset="-127"/>
+              </a:rPr>
+              <a:t>Controller</a:t>
+            </a:r>
+            <a:r>
+              <a:rPr lang="ko-KR" altLang="en-US" sz="1100" b="1" dirty="0">
+                <a:latin typeface="나눔고딕" panose="020D0604000000000000" pitchFamily="50" charset="-127"/>
+                <a:ea typeface="나눔고딕" panose="020D0604000000000000" pitchFamily="50" charset="-127"/>
+              </a:rPr>
+              <a:t>를 통해 반환 된 뷰 이름의</a:t>
+            </a:r>
+            <a:r>
+              <a:rPr lang="en-US" altLang="ko-KR" sz="1100" b="1" dirty="0">
+                <a:latin typeface="나눔고딕" panose="020D0604000000000000" pitchFamily="50" charset="-127"/>
+                <a:ea typeface="나눔고딕" panose="020D0604000000000000" pitchFamily="50" charset="-127"/>
+              </a:rPr>
+              <a:t> JSP</a:t>
+            </a:r>
+            <a:r>
+              <a:rPr lang="ko-KR" altLang="en-US" sz="1100" b="1" dirty="0">
+                <a:latin typeface="나눔고딕" panose="020D0604000000000000" pitchFamily="50" charset="-127"/>
+                <a:ea typeface="나눔고딕" panose="020D0604000000000000" pitchFamily="50" charset="-127"/>
+              </a:rPr>
+              <a:t>를 화면에 표시</a:t>
+            </a:r>
+          </a:p>
+        </p:txBody>
+      </p:sp>
+      <p:cxnSp>
+        <p:nvCxnSpPr>
+          <p:cNvPr id="20" name="직선 화살표 연결선 19"/>
+          <p:cNvCxnSpPr>
+            <a:stCxn id="16" idx="2"/>
+            <a:endCxn id="15" idx="0"/>
+          </p:cNvCxnSpPr>
+          <p:nvPr/>
+        </p:nvCxnSpPr>
+        <p:spPr>
+          <a:xfrm>
+            <a:off x="4726038" y="2270135"/>
+            <a:ext cx="536525" cy="558790"/>
+          </a:xfrm>
+          <a:prstGeom prst="straightConnector1">
+            <a:avLst/>
+          </a:prstGeom>
+          <a:ln w="28575">
+            <a:solidFill>
+              <a:srgbClr val="FF0000"/>
+            </a:solidFill>
+            <a:prstDash val="solid"/>
+            <a:tailEnd type="triangle"/>
+          </a:ln>
+        </p:spPr>
+        <p:style>
+          <a:lnRef idx="1">
+            <a:schemeClr val="accent1"/>
+          </a:lnRef>
+          <a:fillRef idx="0">
+            <a:schemeClr val="accent1"/>
+          </a:fillRef>
+          <a:effectRef idx="0">
+            <a:schemeClr val="accent1"/>
+          </a:effectRef>
+          <a:fontRef idx="minor">
+            <a:schemeClr val="tx1"/>
+          </a:fontRef>
+        </p:style>
+      </p:cxnSp>
+    </p:spTree>
+    <p:extLst>
+      <p:ext uri="{BB962C8B-B14F-4D97-AF65-F5344CB8AC3E}">
+        <p14:creationId xmlns:p14="http://schemas.microsoft.com/office/powerpoint/2010/main" val="659353211"/>
+      </p:ext>
+    </p:extLst>
+  </p:cSld>
+  <p:clrMapOvr>
+    <a:masterClrMapping/>
+  </p:clrMapOvr>
+</p:sld>
+</file>
+
+<file path=ppt/slides/slide32.xml><?xml version="1.0" encoding="utf-8"?>
+<p:sld xmlns:a="http://schemas.openxmlformats.org/drawingml/2006/main" xmlns:r="http://schemas.openxmlformats.org/officeDocument/2006/relationships" xmlns:p="http://schemas.openxmlformats.org/presentationml/2006/main">
+  <p:cSld>
+    <p:spTree>
+      <p:nvGrpSpPr>
+        <p:cNvPr id="1" name=""/>
+        <p:cNvGrpSpPr/>
+        <p:nvPr/>
+      </p:nvGrpSpPr>
+      <p:grpSpPr>
+        <a:xfrm>
+          <a:off x="0" y="0"/>
+          <a:ext cx="0" cy="0"/>
+          <a:chOff x="0" y="0"/>
+          <a:chExt cx="0" cy="0"/>
+        </a:xfrm>
+      </p:grpSpPr>
+      <p:sp>
+        <p:nvSpPr>
+          <p:cNvPr id="4" name="TextBox 3"/>
+          <p:cNvSpPr txBox="1"/>
+          <p:nvPr/>
+        </p:nvSpPr>
+        <p:spPr>
+          <a:xfrm>
+            <a:off x="1609648" y="652588"/>
+            <a:ext cx="3897221" cy="646331"/>
+          </a:xfrm>
+          <a:prstGeom prst="rect">
+            <a:avLst/>
+          </a:prstGeom>
+          <a:noFill/>
+        </p:spPr>
+        <p:txBody>
+          <a:bodyPr wrap="none" rtlCol="0">
+            <a:spAutoFit/>
+          </a:bodyPr>
+          <a:lstStyle/>
+          <a:p>
+            <a:r>
+              <a:rPr lang="ko-KR" altLang="en-US" sz="3600" b="1" dirty="0" smtClean="0">
+                <a:ln w="12700">
+                  <a:solidFill>
+                    <a:sysClr val="windowText" lastClr="000000"/>
+                  </a:solidFill>
+                </a:ln>
+                <a:latin typeface="나눔고딕" panose="020D0604000000000000" pitchFamily="50" charset="-127"/>
+                <a:ea typeface="나눔고딕" panose="020D0604000000000000" pitchFamily="50" charset="-127"/>
+              </a:rPr>
+              <a:t>페이지 구현</a:t>
+            </a:r>
+            <a:r>
+              <a:rPr lang="ko-KR" altLang="en-US" sz="2400" b="1" dirty="0" smtClean="0">
+                <a:ln w="12700">
+                  <a:solidFill>
+                    <a:sysClr val="windowText" lastClr="000000"/>
+                  </a:solidFill>
+                </a:ln>
+                <a:latin typeface="나눔고딕" panose="020D0604000000000000" pitchFamily="50" charset="-127"/>
+                <a:ea typeface="나눔고딕" panose="020D0604000000000000" pitchFamily="50" charset="-127"/>
+              </a:rPr>
+              <a:t> </a:t>
+            </a:r>
+            <a:r>
+              <a:rPr lang="en-US" altLang="ko-KR" sz="2400" dirty="0" smtClean="0">
+                <a:ln w="12700">
+                  <a:solidFill>
+                    <a:sysClr val="windowText" lastClr="000000"/>
+                  </a:solidFill>
+                </a:ln>
+                <a:latin typeface="나눔고딕" panose="020D0604000000000000" pitchFamily="50" charset="-127"/>
+                <a:ea typeface="나눔고딕" panose="020D0604000000000000" pitchFamily="50" charset="-127"/>
+              </a:rPr>
+              <a:t>(mapper)</a:t>
+            </a:r>
+            <a:endParaRPr lang="ko-KR" altLang="en-US" sz="3600" dirty="0">
+              <a:ln w="12700">
+                <a:solidFill>
+                  <a:sysClr val="windowText" lastClr="000000"/>
+                </a:solidFill>
+              </a:ln>
+              <a:latin typeface="나눔고딕" panose="020D0604000000000000" pitchFamily="50" charset="-127"/>
+              <a:ea typeface="나눔고딕" panose="020D0604000000000000" pitchFamily="50" charset="-127"/>
+            </a:endParaRPr>
+          </a:p>
+        </p:txBody>
+      </p:sp>
+      <p:pic>
+        <p:nvPicPr>
+          <p:cNvPr id="2" name="그림 1"/>
+          <p:cNvPicPr>
+            <a:picLocks noChangeAspect="1"/>
+          </p:cNvPicPr>
+          <p:nvPr/>
+        </p:nvPicPr>
+        <p:blipFill rotWithShape="1">
+          <a:blip r:embed="rId2"/>
+          <a:srcRect b="1913"/>
+          <a:stretch/>
+        </p:blipFill>
+        <p:spPr>
+          <a:xfrm>
+            <a:off x="1385887" y="1881188"/>
+            <a:ext cx="1819275" cy="1709738"/>
+          </a:xfrm>
+          <a:prstGeom prst="rect">
+            <a:avLst/>
+          </a:prstGeom>
+          <a:ln w="28575">
+            <a:solidFill>
+              <a:srgbClr val="FF0000"/>
+            </a:solidFill>
+          </a:ln>
+        </p:spPr>
+      </p:pic>
+      <p:sp>
+        <p:nvSpPr>
+          <p:cNvPr id="8" name="TextBox 7">
+            <a:extLst>
+              <a:ext uri="{FF2B5EF4-FFF2-40B4-BE49-F238E27FC236}">
+                <a16:creationId xmlns:a16="http://schemas.microsoft.com/office/drawing/2014/main" id="{BEF2F55D-D388-468B-8BA7-5FC72820D840}"/>
+              </a:ext>
+            </a:extLst>
+          </p:cNvPr>
+          <p:cNvSpPr txBox="1"/>
+          <p:nvPr/>
+        </p:nvSpPr>
+        <p:spPr>
+          <a:xfrm>
+            <a:off x="1366837" y="1459248"/>
+            <a:ext cx="1863011" cy="261610"/>
+          </a:xfrm>
+          <a:prstGeom prst="rect">
+            <a:avLst/>
+          </a:prstGeom>
+          <a:ln w="28575">
+            <a:solidFill>
+              <a:srgbClr val="FF0000"/>
+            </a:solidFill>
+          </a:ln>
+        </p:spPr>
+        <p:style>
+          <a:lnRef idx="2">
+            <a:schemeClr val="accent6"/>
+          </a:lnRef>
+          <a:fillRef idx="1">
+            <a:schemeClr val="lt1"/>
+          </a:fillRef>
+          <a:effectRef idx="0">
+            <a:schemeClr val="accent6"/>
+          </a:effectRef>
+          <a:fontRef idx="minor">
+            <a:schemeClr val="dk1"/>
+          </a:fontRef>
+        </p:style>
+        <p:txBody>
+          <a:bodyPr wrap="none" rtlCol="0">
+            <a:spAutoFit/>
+          </a:bodyPr>
+          <a:lstStyle/>
+          <a:p>
+            <a:pPr algn="ctr"/>
+            <a:r>
+              <a:rPr lang="en-US" altLang="ko-KR" sz="1100" b="1" dirty="0">
+                <a:latin typeface="나눔고딕" panose="020D0604000000000000" pitchFamily="50" charset="-127"/>
+                <a:ea typeface="나눔고딕" panose="020D0604000000000000" pitchFamily="50" charset="-127"/>
+              </a:rPr>
+              <a:t>SQL</a:t>
+            </a:r>
+            <a:r>
+              <a:rPr lang="ko-KR" altLang="en-US" sz="1100" b="1" dirty="0">
+                <a:latin typeface="나눔고딕" panose="020D0604000000000000" pitchFamily="50" charset="-127"/>
+                <a:ea typeface="나눔고딕" panose="020D0604000000000000" pitchFamily="50" charset="-127"/>
+              </a:rPr>
+              <a:t>문에 대한 </a:t>
+            </a:r>
+            <a:r>
+              <a:rPr lang="en-US" altLang="ko-KR" sz="1100" b="1" dirty="0" smtClean="0">
+                <a:latin typeface="나눔고딕" panose="020D0604000000000000" pitchFamily="50" charset="-127"/>
+                <a:ea typeface="나눔고딕" panose="020D0604000000000000" pitchFamily="50" charset="-127"/>
+              </a:rPr>
+              <a:t>mapper</a:t>
+            </a:r>
+            <a:r>
+              <a:rPr lang="ko-KR" altLang="en-US" sz="1100" b="1" dirty="0" smtClean="0">
+                <a:latin typeface="나눔고딕" panose="020D0604000000000000" pitchFamily="50" charset="-127"/>
+                <a:ea typeface="나눔고딕" panose="020D0604000000000000" pitchFamily="50" charset="-127"/>
+              </a:rPr>
+              <a:t> </a:t>
+            </a:r>
+            <a:r>
+              <a:rPr lang="ko-KR" altLang="en-US" sz="1100" b="1" dirty="0">
+                <a:latin typeface="나눔고딕" panose="020D0604000000000000" pitchFamily="50" charset="-127"/>
+                <a:ea typeface="나눔고딕" panose="020D0604000000000000" pitchFamily="50" charset="-127"/>
+              </a:rPr>
+              <a:t>파일</a:t>
+            </a:r>
+          </a:p>
+        </p:txBody>
+      </p:sp>
+      <p:pic>
+        <p:nvPicPr>
+          <p:cNvPr id="3" name="그림 2"/>
+          <p:cNvPicPr>
+            <a:picLocks noChangeAspect="1"/>
+          </p:cNvPicPr>
+          <p:nvPr/>
+        </p:nvPicPr>
+        <p:blipFill rotWithShape="1">
+          <a:blip r:embed="rId3">
+            <a:extLst>
+              <a:ext uri="{28A0092B-C50C-407E-A947-70E740481C1C}">
+                <a14:useLocalDpi xmlns:a14="http://schemas.microsoft.com/office/drawing/2010/main" val="0"/>
+              </a:ext>
+            </a:extLst>
+          </a:blip>
+          <a:srcRect b="3281"/>
+          <a:stretch/>
+        </p:blipFill>
+        <p:spPr>
+          <a:xfrm>
+            <a:off x="3558258" y="1459248"/>
+            <a:ext cx="5557838" cy="4979822"/>
+          </a:xfrm>
+          <a:prstGeom prst="rect">
+            <a:avLst/>
+          </a:prstGeom>
+          <a:ln w="28575">
+            <a:solidFill>
+              <a:srgbClr val="FF0000"/>
+            </a:solidFill>
+          </a:ln>
+        </p:spPr>
+      </p:pic>
+      <p:sp>
+        <p:nvSpPr>
+          <p:cNvPr id="5" name="직사각형 4"/>
+          <p:cNvSpPr/>
+          <p:nvPr/>
+        </p:nvSpPr>
+        <p:spPr>
+          <a:xfrm>
+            <a:off x="3838575" y="2419350"/>
+            <a:ext cx="5086350" cy="3995738"/>
+          </a:xfrm>
+          <a:prstGeom prst="rect">
+            <a:avLst/>
+          </a:prstGeom>
+          <a:noFill/>
+          <a:ln w="28575">
+            <a:solidFill>
+              <a:srgbClr val="FF0000"/>
+            </a:solidFill>
+            <a:prstDash val="sysDot"/>
+          </a:ln>
+        </p:spPr>
+        <p:style>
+          <a:lnRef idx="2">
+            <a:schemeClr val="accent1">
+              <a:shade val="50000"/>
+            </a:schemeClr>
+          </a:lnRef>
+          <a:fillRef idx="1">
+            <a:schemeClr val="accent1"/>
+          </a:fillRef>
+          <a:effectRef idx="0">
+            <a:schemeClr val="accent1"/>
+          </a:effectRef>
+          <a:fontRef idx="minor">
+            <a:schemeClr val="lt1"/>
+          </a:fontRef>
+        </p:style>
+        <p:txBody>
+          <a:bodyPr rtlCol="0" anchor="ctr"/>
+          <a:lstStyle/>
+          <a:p>
+            <a:pPr algn="ctr"/>
+            <a:endParaRPr lang="ko-KR" altLang="en-US"/>
+          </a:p>
+        </p:txBody>
+      </p:sp>
+      <p:cxnSp>
+        <p:nvCxnSpPr>
+          <p:cNvPr id="7" name="직선 화살표 연결선 6"/>
+          <p:cNvCxnSpPr>
+            <a:stCxn id="5" idx="3"/>
+          </p:cNvCxnSpPr>
+          <p:nvPr/>
+        </p:nvCxnSpPr>
+        <p:spPr>
+          <a:xfrm>
+            <a:off x="8924925" y="4417219"/>
+            <a:ext cx="706192" cy="11991"/>
+          </a:xfrm>
+          <a:prstGeom prst="straightConnector1">
+            <a:avLst/>
+          </a:prstGeom>
+          <a:ln w="28575">
+            <a:solidFill>
+              <a:srgbClr val="FF0000"/>
+            </a:solidFill>
+            <a:prstDash val="solid"/>
+            <a:tailEnd type="triangle"/>
+          </a:ln>
+        </p:spPr>
+        <p:style>
+          <a:lnRef idx="1">
+            <a:schemeClr val="accent1"/>
+          </a:lnRef>
+          <a:fillRef idx="0">
+            <a:schemeClr val="accent1"/>
+          </a:fillRef>
+          <a:effectRef idx="0">
+            <a:schemeClr val="accent1"/>
+          </a:effectRef>
+          <a:fontRef idx="minor">
+            <a:schemeClr val="tx1"/>
+          </a:fontRef>
+        </p:style>
+      </p:cxnSp>
+      <p:sp>
+        <p:nvSpPr>
+          <p:cNvPr id="11" name="TextBox 10"/>
+          <p:cNvSpPr txBox="1"/>
+          <p:nvPr/>
+        </p:nvSpPr>
+        <p:spPr>
+          <a:xfrm>
+            <a:off x="9631117" y="4213766"/>
+            <a:ext cx="1329210" cy="430887"/>
+          </a:xfrm>
+          <a:prstGeom prst="rect">
+            <a:avLst/>
+          </a:prstGeom>
+          <a:solidFill>
+            <a:schemeClr val="bg1"/>
+          </a:solidFill>
+          <a:ln w="28575">
+            <a:solidFill>
+              <a:srgbClr val="FF0000"/>
+            </a:solidFill>
+          </a:ln>
+        </p:spPr>
+        <p:txBody>
+          <a:bodyPr wrap="none" rtlCol="0">
+            <a:spAutoFit/>
+          </a:bodyPr>
+          <a:lstStyle/>
+          <a:p>
+            <a:pPr algn="ctr"/>
+            <a:r>
+              <a:rPr lang="en-US" altLang="ko-KR" sz="1100" b="1" dirty="0" err="1" smtClean="0">
+                <a:latin typeface="나눔고딕" panose="020D0604000000000000" pitchFamily="50" charset="-127"/>
+                <a:ea typeface="나눔고딕" panose="020D0604000000000000" pitchFamily="50" charset="-127"/>
+              </a:rPr>
+              <a:t>ResultMap</a:t>
+            </a:r>
+            <a:endParaRPr lang="en-US" altLang="ko-KR" sz="1100" b="1" dirty="0" smtClean="0">
+              <a:latin typeface="나눔고딕" panose="020D0604000000000000" pitchFamily="50" charset="-127"/>
+              <a:ea typeface="나눔고딕" panose="020D0604000000000000" pitchFamily="50" charset="-127"/>
+            </a:endParaRPr>
+          </a:p>
+          <a:p>
+            <a:pPr algn="ctr"/>
+            <a:r>
+              <a:rPr lang="ko-KR" altLang="en-US" sz="1100" b="1" dirty="0" smtClean="0">
+                <a:latin typeface="나눔고딕" panose="020D0604000000000000" pitchFamily="50" charset="-127"/>
+                <a:ea typeface="나눔고딕" panose="020D0604000000000000" pitchFamily="50" charset="-127"/>
+              </a:rPr>
+              <a:t>상품의 정보를 저장</a:t>
+            </a:r>
+            <a:endParaRPr lang="ko-KR" altLang="en-US" sz="1100" b="1" dirty="0">
+              <a:latin typeface="나눔고딕" panose="020D0604000000000000" pitchFamily="50" charset="-127"/>
+              <a:ea typeface="나눔고딕" panose="020D0604000000000000" pitchFamily="50" charset="-127"/>
+            </a:endParaRPr>
+          </a:p>
+        </p:txBody>
+      </p:sp>
+    </p:spTree>
+    <p:extLst>
+      <p:ext uri="{BB962C8B-B14F-4D97-AF65-F5344CB8AC3E}">
+        <p14:creationId xmlns:p14="http://schemas.microsoft.com/office/powerpoint/2010/main" val="1365418917"/>
+      </p:ext>
+    </p:extLst>
+  </p:cSld>
+  <p:clrMapOvr>
+    <a:masterClrMapping/>
+  </p:clrMapOvr>
+</p:sld>
+</file>
+
+<file path=ppt/slides/slide33.xml><?xml version="1.0" encoding="utf-8"?>
+<p:sld xmlns:a="http://schemas.openxmlformats.org/drawingml/2006/main" xmlns:r="http://schemas.openxmlformats.org/officeDocument/2006/relationships" xmlns:p="http://schemas.openxmlformats.org/presentationml/2006/main">
+  <p:cSld>
+    <p:spTree>
+      <p:nvGrpSpPr>
+        <p:cNvPr id="1" name=""/>
+        <p:cNvGrpSpPr/>
+        <p:nvPr/>
+      </p:nvGrpSpPr>
+      <p:grpSpPr>
+        <a:xfrm>
+          <a:off x="0" y="0"/>
+          <a:ext cx="0" cy="0"/>
+          <a:chOff x="0" y="0"/>
+          <a:chExt cx="0" cy="0"/>
+        </a:xfrm>
+      </p:grpSpPr>
+      <p:sp>
+        <p:nvSpPr>
           <p:cNvPr id="4" name="TextBox 3"/>
           <p:cNvSpPr txBox="1"/>
           <p:nvPr/>
@@ -30644,7 +33799,7 @@
 </p:sld>
 </file>
 
-<file path=ppt/slides/slide31.xml><?xml version="1.0" encoding="utf-8"?>
+<file path=ppt/slides/slide34.xml><?xml version="1.0" encoding="utf-8"?>
 <p:sld xmlns:a="http://schemas.openxmlformats.org/drawingml/2006/main" xmlns:r="http://schemas.openxmlformats.org/officeDocument/2006/relationships" xmlns:p="http://schemas.openxmlformats.org/presentationml/2006/main">
   <p:cSld>
     <p:spTree>
@@ -31697,7 +34852,7 @@
 </p:sld>
 </file>
 
-<file path=ppt/slides/slide32.xml><?xml version="1.0" encoding="utf-8"?>
+<file path=ppt/slides/slide35.xml><?xml version="1.0" encoding="utf-8"?>
 <p:sld xmlns:a="http://schemas.openxmlformats.org/drawingml/2006/main" xmlns:r="http://schemas.openxmlformats.org/officeDocument/2006/relationships" xmlns:p="http://schemas.openxmlformats.org/presentationml/2006/main">
   <p:cSld>
     <p:spTree>
@@ -32178,7 +35333,7 @@
 </p:sld>
 </file>
 
-<file path=ppt/slides/slide33.xml><?xml version="1.0" encoding="utf-8"?>
+<file path=ppt/slides/slide36.xml><?xml version="1.0" encoding="utf-8"?>
 <p:sld xmlns:a="http://schemas.openxmlformats.org/drawingml/2006/main" xmlns:r="http://schemas.openxmlformats.org/officeDocument/2006/relationships" xmlns:p="http://schemas.openxmlformats.org/presentationml/2006/main">
   <p:cSld>
     <p:spTree>
@@ -32674,7 +35829,7 @@
 </p:sld>
 </file>
 
-<file path=ppt/slides/slide34.xml><?xml version="1.0" encoding="utf-8"?>
+<file path=ppt/slides/slide37.xml><?xml version="1.0" encoding="utf-8"?>
 <p:sld xmlns:a="http://schemas.openxmlformats.org/drawingml/2006/main" xmlns:r="http://schemas.openxmlformats.org/officeDocument/2006/relationships" xmlns:p="http://schemas.openxmlformats.org/presentationml/2006/main">
   <p:cSld>
     <p:spTree>
@@ -33335,7 +36490,7 @@
 </p:sld>
 </file>
 
-<file path=ppt/slides/slide35.xml><?xml version="1.0" encoding="utf-8"?>
+<file path=ppt/slides/slide38.xml><?xml version="1.0" encoding="utf-8"?>
 <p:sld xmlns:a="http://schemas.openxmlformats.org/drawingml/2006/main" xmlns:r="http://schemas.openxmlformats.org/officeDocument/2006/relationships" xmlns:p="http://schemas.openxmlformats.org/presentationml/2006/main">
   <p:cSld>
     <p:spTree>
@@ -35655,21 +38810,7 @@
                 <a:latin typeface="나눔고딕" panose="020D0604000000000000" pitchFamily="50" charset="-127"/>
                 <a:ea typeface="나눔고딕" panose="020D0604000000000000" pitchFamily="50" charset="-127"/>
               </a:rPr>
-              <a:t>파일 </a:t>
-            </a:r>
-            <a:r>
-              <a:rPr lang="ko-KR" altLang="en-US" sz="1100" b="1" dirty="0" smtClean="0">
-                <a:latin typeface="나눔고딕" panose="020D0604000000000000" pitchFamily="50" charset="-127"/>
-                <a:ea typeface="나눔고딕" panose="020D0604000000000000" pitchFamily="50" charset="-127"/>
-              </a:rPr>
-              <a:t>업로드 시 </a:t>
-            </a:r>
-            <a:r>
-              <a:rPr lang="ko-KR" altLang="en-US" sz="1100" b="1" dirty="0" smtClean="0">
-                <a:latin typeface="나눔고딕" panose="020D0604000000000000" pitchFamily="50" charset="-127"/>
-                <a:ea typeface="나눔고딕" panose="020D0604000000000000" pitchFamily="50" charset="-127"/>
-              </a:rPr>
-              <a:t>필요 라이브러리</a:t>
+              <a:t>파일 업로드 시 필요 라이브러리</a:t>
             </a:r>
             <a:endParaRPr lang="ko-KR" altLang="en-US" sz="1100" b="1" dirty="0">
               <a:latin typeface="나눔고딕" panose="020D0604000000000000" pitchFamily="50" charset="-127"/>
